--- a/January-Class/Zelig_1_regressions.pptx
+++ b/January-Class/Zelig_1_regressions.pptx
@@ -5,7 +5,7 @@
     <p:sldMasterId id="2147483694" r:id="rId1"/>
   </p:sldMasterIdLst>
   <p:notesMasterIdLst>
-    <p:notesMasterId r:id="rId42"/>
+    <p:notesMasterId r:id="rId49"/>
   </p:notesMasterIdLst>
   <p:sldIdLst>
     <p:sldId id="256" r:id="rId2"/>
@@ -18,36 +18,43 @@
     <p:sldId id="306" r:id="rId9"/>
     <p:sldId id="346" r:id="rId10"/>
     <p:sldId id="347" r:id="rId11"/>
-    <p:sldId id="309" r:id="rId12"/>
-    <p:sldId id="339" r:id="rId13"/>
-    <p:sldId id="340" r:id="rId14"/>
-    <p:sldId id="333" r:id="rId15"/>
-    <p:sldId id="334" r:id="rId16"/>
-    <p:sldId id="335" r:id="rId17"/>
-    <p:sldId id="336" r:id="rId18"/>
-    <p:sldId id="318" r:id="rId19"/>
-    <p:sldId id="341" r:id="rId20"/>
-    <p:sldId id="320" r:id="rId21"/>
-    <p:sldId id="323" r:id="rId22"/>
-    <p:sldId id="326" r:id="rId23"/>
-    <p:sldId id="324" r:id="rId24"/>
-    <p:sldId id="321" r:id="rId25"/>
-    <p:sldId id="322" r:id="rId26"/>
-    <p:sldId id="328" r:id="rId27"/>
-    <p:sldId id="330" r:id="rId28"/>
-    <p:sldId id="272" r:id="rId29"/>
-    <p:sldId id="331" r:id="rId30"/>
-    <p:sldId id="275" r:id="rId31"/>
-    <p:sldId id="342" r:id="rId32"/>
-    <p:sldId id="343" r:id="rId33"/>
-    <p:sldId id="344" r:id="rId34"/>
-    <p:sldId id="345" r:id="rId35"/>
-    <p:sldId id="273" r:id="rId36"/>
-    <p:sldId id="279" r:id="rId37"/>
-    <p:sldId id="337" r:id="rId38"/>
-    <p:sldId id="278" r:id="rId39"/>
-    <p:sldId id="316" r:id="rId40"/>
-    <p:sldId id="338" r:id="rId41"/>
+    <p:sldId id="351" r:id="rId12"/>
+    <p:sldId id="352" r:id="rId13"/>
+    <p:sldId id="353" r:id="rId14"/>
+    <p:sldId id="354" r:id="rId15"/>
+    <p:sldId id="355" r:id="rId16"/>
+    <p:sldId id="356" r:id="rId17"/>
+    <p:sldId id="309" r:id="rId18"/>
+    <p:sldId id="339" r:id="rId19"/>
+    <p:sldId id="359" r:id="rId20"/>
+    <p:sldId id="358" r:id="rId21"/>
+    <p:sldId id="357" r:id="rId22"/>
+    <p:sldId id="334" r:id="rId23"/>
+    <p:sldId id="335" r:id="rId24"/>
+    <p:sldId id="336" r:id="rId25"/>
+    <p:sldId id="318" r:id="rId26"/>
+    <p:sldId id="341" r:id="rId27"/>
+    <p:sldId id="320" r:id="rId28"/>
+    <p:sldId id="323" r:id="rId29"/>
+    <p:sldId id="326" r:id="rId30"/>
+    <p:sldId id="324" r:id="rId31"/>
+    <p:sldId id="321" r:id="rId32"/>
+    <p:sldId id="322" r:id="rId33"/>
+    <p:sldId id="328" r:id="rId34"/>
+    <p:sldId id="330" r:id="rId35"/>
+    <p:sldId id="272" r:id="rId36"/>
+    <p:sldId id="331" r:id="rId37"/>
+    <p:sldId id="275" r:id="rId38"/>
+    <p:sldId id="342" r:id="rId39"/>
+    <p:sldId id="343" r:id="rId40"/>
+    <p:sldId id="344" r:id="rId41"/>
+    <p:sldId id="345" r:id="rId42"/>
+    <p:sldId id="273" r:id="rId43"/>
+    <p:sldId id="279" r:id="rId44"/>
+    <p:sldId id="337" r:id="rId45"/>
+    <p:sldId id="278" r:id="rId46"/>
+    <p:sldId id="316" r:id="rId47"/>
+    <p:sldId id="338" r:id="rId48"/>
   </p:sldIdLst>
   <p:sldSz cx="9144000" cy="6858000" type="screen4x3"/>
   <p:notesSz cx="6858000" cy="9144000"/>
@@ -402,7 +409,7 @@
     </p:spTree>
     <p:extLst>
       <p:ext uri="{BB962C8B-B14F-4D97-AF65-F5344CB8AC3E}">
-        <p14:creationId xmlns:p14="http://schemas.microsoft.com/office/powerpoint/2010/main" xmlns:p="http://schemas.openxmlformats.org/presentationml/2006/main" xmlns:r="http://schemas.openxmlformats.org/officeDocument/2006/relationships" xmlns:a="http://schemas.openxmlformats.org/drawingml/2006/main" xmlns="" val="1070545073"/>
+        <p14:creationId xmlns="" xmlns:a="http://schemas.openxmlformats.org/drawingml/2006/main" xmlns:r="http://schemas.openxmlformats.org/officeDocument/2006/relationships" xmlns:p="http://schemas.openxmlformats.org/presentationml/2006/main" xmlns:p14="http://schemas.microsoft.com/office/powerpoint/2010/main" xmlns:mv="urn:schemas-microsoft-com:mac:vml" xmlns:mc="http://schemas.openxmlformats.org/markup-compatibility/2006" val="1070545073"/>
       </p:ext>
     </p:extLst>
   </p:cSld>
@@ -3718,6 +3725,13 @@
   <p:clrMapOvr>
     <a:masterClrMapping/>
   </p:clrMapOvr>
+  <p:timing>
+    <p:tnLst>
+      <p:par>
+        <p:cTn id="1" dur="indefinite" restart="never" nodeType="tmRoot"/>
+      </p:par>
+    </p:tnLst>
+  </p:timing>
 </p:sld>
 </file>
 
@@ -3754,16 +3768,15 @@
           <a:lstStyle/>
           <a:p>
             <a:r>
-              <a:rPr lang="en-US" dirty="0" smtClean="0"/>
-              <a:t>Creating a Statistical Package</a:t>
-            </a:r>
-            <a:endParaRPr lang="en-US" dirty="0"/>
-          </a:p>
-        </p:txBody>
-      </p:sp>
-      <p:sp>
-        <p:nvSpPr>
-          <p:cNvPr id="5" name="Subtitle 4"/>
+              <a:rPr lang="en-US"/>
+              <a:t>Structure of a Zelig Package</a:t>
+            </a:r>
+          </a:p>
+        </p:txBody>
+      </p:sp>
+      <p:sp>
+        <p:nvSpPr>
+          <p:cNvPr id="4" name="Subtitle 3"/>
           <p:cNvSpPr>
             <a:spLocks noGrp="1"/>
           </p:cNvSpPr>
@@ -3781,22 +3794,10 @@
         </p:txBody>
       </p:sp>
     </p:spTree>
-    <p:extLst>
-      <p:ext uri="{BB962C8B-B14F-4D97-AF65-F5344CB8AC3E}">
-        <p14:creationId xmlns:p14="http://schemas.microsoft.com/office/powerpoint/2010/main" xmlns:p="http://schemas.openxmlformats.org/presentationml/2006/main" xmlns:r="http://schemas.openxmlformats.org/officeDocument/2006/relationships" xmlns:a="http://schemas.openxmlformats.org/drawingml/2006/main" xmlns="" val="3700335886"/>
-      </p:ext>
-    </p:extLst>
   </p:cSld>
   <p:clrMapOvr>
     <a:masterClrMapping/>
   </p:clrMapOvr>
-  <p:timing>
-    <p:tnLst>
-      <p:par>
-        <p:cTn id="1" dur="indefinite" restart="never" nodeType="tmRoot"/>
-      </p:par>
-    </p:tnLst>
-  </p:timing>
 </p:sld>
 </file>
 
@@ -3834,57 +3835,475 @@
           <a:p>
             <a:r>
               <a:rPr lang="en-US"/>
-              <a:t>Basics</a:t>
-            </a:r>
-          </a:p>
-        </p:txBody>
-      </p:sp>
-      <p:sp>
-        <p:nvSpPr>
-          <p:cNvPr id="3" name="Content Placeholder 2"/>
-          <p:cNvSpPr>
-            <a:spLocks noGrp="1"/>
-          </p:cNvSpPr>
-          <p:nvPr>
-            <p:ph idx="1"/>
-          </p:nvPr>
-        </p:nvSpPr>
-        <p:spPr/>
-        <p:txBody>
-          <a:bodyPr/>
-          <a:lstStyle/>
-          <a:p>
-            <a:r>
-              <a:rPr lang="en-US" b="1">
-                <a:latin typeface="Courier New"/>
-                <a:cs typeface="Courier New"/>
-              </a:rPr>
-              <a:t>help("package.skeleton")</a:t>
-            </a:r>
-          </a:p>
-          <a:p>
-            <a:r>
-              <a:rPr lang="en-US"/>
-              <a:t>"package.skeleton" creates the outline of a statistical package (creates all necessary files/folders)</a:t>
-            </a:r>
-          </a:p>
-          <a:p>
-            <a:r>
-              <a:rPr lang="en-US" b="1">
-                <a:latin typeface="Courier New"/>
-                <a:cs typeface="Courier New"/>
-              </a:rPr>
-              <a:t>help("zelig.skeleton", "Zelig")</a:t>
-            </a:r>
-          </a:p>
-          <a:p>
-            <a:r>
-              <a:rPr lang="en-US"/>
-              <a:t>"zelig.skeleton" behaves identically except it follows a pattern more useful for Zelig packages</a:t>
-            </a:r>
-          </a:p>
-        </p:txBody>
-      </p:sp>
+              <a:t>A Typical Zelig Program</a:t>
+            </a:r>
+          </a:p>
+        </p:txBody>
+      </p:sp>
+      <p:sp>
+        <p:nvSpPr>
+          <p:cNvPr id="4" name="TextBox 3"/>
+          <p:cNvSpPr txBox="1"/>
+          <p:nvPr/>
+        </p:nvSpPr>
+        <p:spPr>
+          <a:xfrm>
+            <a:off x="1350996" y="1709952"/>
+            <a:ext cx="2422789" cy="369332"/>
+          </a:xfrm>
+          <a:prstGeom prst="rect">
+            <a:avLst/>
+          </a:prstGeom>
+        </p:spPr>
+        <p:style>
+          <a:lnRef idx="1">
+            <a:schemeClr val="accent1"/>
+          </a:lnRef>
+          <a:fillRef idx="2">
+            <a:schemeClr val="accent1"/>
+          </a:fillRef>
+          <a:effectRef idx="1">
+            <a:schemeClr val="accent1"/>
+          </a:effectRef>
+          <a:fontRef idx="minor">
+            <a:schemeClr val="dk1"/>
+          </a:fontRef>
+        </p:style>
+        <p:txBody>
+          <a:bodyPr wrap="square" rtlCol="0">
+            <a:spAutoFit/>
+          </a:bodyPr>
+          <a:lstStyle/>
+          <a:p>
+            <a:pPr algn="ctr"/>
+            <a:r>
+              <a:rPr lang="en-US"/>
+              <a:t>zelig</a:t>
+            </a:r>
+          </a:p>
+        </p:txBody>
+      </p:sp>
+      <p:sp>
+        <p:nvSpPr>
+          <p:cNvPr id="8" name="TextBox 7"/>
+          <p:cNvSpPr txBox="1"/>
+          <p:nvPr/>
+        </p:nvSpPr>
+        <p:spPr>
+          <a:xfrm>
+            <a:off x="1350996" y="2832820"/>
+            <a:ext cx="2422789" cy="369332"/>
+          </a:xfrm>
+          <a:prstGeom prst="rect">
+            <a:avLst/>
+          </a:prstGeom>
+        </p:spPr>
+        <p:style>
+          <a:lnRef idx="1">
+            <a:schemeClr val="accent2"/>
+          </a:lnRef>
+          <a:fillRef idx="2">
+            <a:schemeClr val="accent2"/>
+          </a:fillRef>
+          <a:effectRef idx="1">
+            <a:schemeClr val="accent2"/>
+          </a:effectRef>
+          <a:fontRef idx="minor">
+            <a:schemeClr val="dk1"/>
+          </a:fontRef>
+        </p:style>
+        <p:txBody>
+          <a:bodyPr wrap="square" rtlCol="0">
+            <a:spAutoFit/>
+          </a:bodyPr>
+          <a:lstStyle/>
+          <a:p>
+            <a:pPr algn="ctr"/>
+            <a:r>
+              <a:rPr lang="en-US"/>
+              <a:t>setx</a:t>
+            </a:r>
+          </a:p>
+        </p:txBody>
+      </p:sp>
+      <p:sp>
+        <p:nvSpPr>
+          <p:cNvPr id="9" name="TextBox 8"/>
+          <p:cNvSpPr txBox="1"/>
+          <p:nvPr/>
+        </p:nvSpPr>
+        <p:spPr>
+          <a:xfrm>
+            <a:off x="1350996" y="4036661"/>
+            <a:ext cx="2422789" cy="369332"/>
+          </a:xfrm>
+          <a:prstGeom prst="rect">
+            <a:avLst/>
+          </a:prstGeom>
+        </p:spPr>
+        <p:style>
+          <a:lnRef idx="1">
+            <a:schemeClr val="accent3"/>
+          </a:lnRef>
+          <a:fillRef idx="2">
+            <a:schemeClr val="accent3"/>
+          </a:fillRef>
+          <a:effectRef idx="1">
+            <a:schemeClr val="accent3"/>
+          </a:effectRef>
+          <a:fontRef idx="minor">
+            <a:schemeClr val="dk1"/>
+          </a:fontRef>
+        </p:style>
+        <p:txBody>
+          <a:bodyPr wrap="square" rtlCol="0">
+            <a:spAutoFit/>
+          </a:bodyPr>
+          <a:lstStyle/>
+          <a:p>
+            <a:pPr algn="ctr"/>
+            <a:r>
+              <a:rPr lang="en-US"/>
+              <a:t>sim</a:t>
+            </a:r>
+          </a:p>
+        </p:txBody>
+      </p:sp>
+      <p:sp>
+        <p:nvSpPr>
+          <p:cNvPr id="10" name="TextBox 9"/>
+          <p:cNvSpPr txBox="1"/>
+          <p:nvPr/>
+        </p:nvSpPr>
+        <p:spPr>
+          <a:xfrm>
+            <a:off x="5052616" y="1709952"/>
+            <a:ext cx="3377607" cy="923330"/>
+          </a:xfrm>
+          <a:prstGeom prst="rect">
+            <a:avLst/>
+          </a:prstGeom>
+        </p:spPr>
+        <p:style>
+          <a:lnRef idx="1">
+            <a:schemeClr val="accent1"/>
+          </a:lnRef>
+          <a:fillRef idx="2">
+            <a:schemeClr val="accent1"/>
+          </a:fillRef>
+          <a:effectRef idx="1">
+            <a:schemeClr val="accent1"/>
+          </a:effectRef>
+          <a:fontRef idx="minor">
+            <a:schemeClr val="dk1"/>
+          </a:fontRef>
+        </p:style>
+        <p:txBody>
+          <a:bodyPr wrap="square" rtlCol="0">
+            <a:spAutoFit/>
+          </a:bodyPr>
+          <a:lstStyle/>
+          <a:p>
+            <a:pPr>
+              <a:buFont typeface="Arial"/>
+              <a:buChar char="•"/>
+            </a:pPr>
+            <a:r>
+              <a:rPr lang="en-US"/>
+              <a:t> Fit statistical model</a:t>
+            </a:r>
+          </a:p>
+          <a:p>
+            <a:pPr>
+              <a:buFont typeface="Arial"/>
+              <a:buChar char="•"/>
+            </a:pPr>
+            <a:r>
+              <a:rPr lang="en-US"/>
+              <a:t> Call external model fitting function</a:t>
+            </a:r>
+          </a:p>
+        </p:txBody>
+      </p:sp>
+      <p:sp>
+        <p:nvSpPr>
+          <p:cNvPr id="11" name="TextBox 10"/>
+          <p:cNvSpPr txBox="1"/>
+          <p:nvPr/>
+        </p:nvSpPr>
+        <p:spPr>
+          <a:xfrm>
+            <a:off x="5052616" y="2832820"/>
+            <a:ext cx="3377607" cy="923330"/>
+          </a:xfrm>
+          <a:prstGeom prst="rect">
+            <a:avLst/>
+          </a:prstGeom>
+        </p:spPr>
+        <p:style>
+          <a:lnRef idx="1">
+            <a:schemeClr val="accent2"/>
+          </a:lnRef>
+          <a:fillRef idx="2">
+            <a:schemeClr val="accent2"/>
+          </a:fillRef>
+          <a:effectRef idx="1">
+            <a:schemeClr val="accent2"/>
+          </a:effectRef>
+          <a:fontRef idx="minor">
+            <a:schemeClr val="dk1"/>
+          </a:fontRef>
+        </p:style>
+        <p:txBody>
+          <a:bodyPr wrap="square" rtlCol="0">
+            <a:spAutoFit/>
+          </a:bodyPr>
+          <a:lstStyle/>
+          <a:p>
+            <a:pPr>
+              <a:buFont typeface="Arial"/>
+              <a:buChar char="•"/>
+            </a:pPr>
+            <a:r>
+              <a:rPr lang="en-US"/>
+              <a:t> Specify values for explanatory variables</a:t>
+            </a:r>
+          </a:p>
+          <a:p>
+            <a:pPr>
+              <a:buFont typeface="Arial"/>
+              <a:buChar char="•"/>
+            </a:pPr>
+            <a:r>
+              <a:rPr lang="en-US"/>
+              <a:t> Build design matrix</a:t>
+            </a:r>
+          </a:p>
+        </p:txBody>
+      </p:sp>
+      <p:sp>
+        <p:nvSpPr>
+          <p:cNvPr id="12" name="TextBox 11"/>
+          <p:cNvSpPr txBox="1"/>
+          <p:nvPr/>
+        </p:nvSpPr>
+        <p:spPr>
+          <a:xfrm>
+            <a:off x="5052616" y="4036661"/>
+            <a:ext cx="3377607" cy="923330"/>
+          </a:xfrm>
+          <a:prstGeom prst="rect">
+            <a:avLst/>
+          </a:prstGeom>
+        </p:spPr>
+        <p:style>
+          <a:lnRef idx="1">
+            <a:schemeClr val="accent3"/>
+          </a:lnRef>
+          <a:fillRef idx="2">
+            <a:schemeClr val="accent3"/>
+          </a:fillRef>
+          <a:effectRef idx="1">
+            <a:schemeClr val="accent3"/>
+          </a:effectRef>
+          <a:fontRef idx="minor">
+            <a:schemeClr val="dk1"/>
+          </a:fontRef>
+        </p:style>
+        <p:txBody>
+          <a:bodyPr wrap="square" rtlCol="0">
+            <a:spAutoFit/>
+          </a:bodyPr>
+          <a:lstStyle/>
+          <a:p>
+            <a:pPr>
+              <a:buFont typeface="Arial"/>
+              <a:buChar char="•"/>
+            </a:pPr>
+            <a:r>
+              <a:rPr lang="en-US"/>
+              <a:t> Simulate expected values</a:t>
+            </a:r>
+          </a:p>
+          <a:p>
+            <a:pPr>
+              <a:buFont typeface="Arial"/>
+              <a:buChar char="•"/>
+            </a:pPr>
+            <a:r>
+              <a:rPr lang="en-US"/>
+              <a:t> Simulate </a:t>
+            </a:r>
+            <a:r>
+              <a:rPr lang="en-US" b="1"/>
+              <a:t>other</a:t>
+            </a:r>
+            <a:r>
+              <a:rPr lang="en-US"/>
+              <a:t> quantities of interest</a:t>
+            </a:r>
+          </a:p>
+        </p:txBody>
+      </p:sp>
+      <p:cxnSp>
+        <p:nvCxnSpPr>
+          <p:cNvPr id="13" name="Straight Connector 12"/>
+          <p:cNvCxnSpPr/>
+          <p:nvPr/>
+        </p:nvCxnSpPr>
+        <p:spPr>
+          <a:xfrm rot="5400000">
+            <a:off x="2245383" y="2390201"/>
+            <a:ext cx="623422" cy="1588"/>
+          </a:xfrm>
+          <a:prstGeom prst="line">
+            <a:avLst/>
+          </a:prstGeom>
+          <a:ln>
+            <a:tailEnd type="triangle" w="lg"/>
+          </a:ln>
+        </p:spPr>
+        <p:style>
+          <a:lnRef idx="2">
+            <a:schemeClr val="accent1"/>
+          </a:lnRef>
+          <a:fillRef idx="0">
+            <a:schemeClr val="accent1"/>
+          </a:fillRef>
+          <a:effectRef idx="1">
+            <a:schemeClr val="accent1"/>
+          </a:effectRef>
+          <a:fontRef idx="minor">
+            <a:schemeClr val="tx1"/>
+          </a:fontRef>
+        </p:style>
+      </p:cxnSp>
+      <p:cxnSp>
+        <p:nvCxnSpPr>
+          <p:cNvPr id="17" name="Straight Connector 16"/>
+          <p:cNvCxnSpPr/>
+          <p:nvPr/>
+        </p:nvCxnSpPr>
+        <p:spPr>
+          <a:xfrm rot="5400000">
+            <a:off x="2246971" y="3513069"/>
+            <a:ext cx="623422" cy="1588"/>
+          </a:xfrm>
+          <a:prstGeom prst="line">
+            <a:avLst/>
+          </a:prstGeom>
+          <a:ln>
+            <a:tailEnd type="triangle" w="lg"/>
+          </a:ln>
+        </p:spPr>
+        <p:style>
+          <a:lnRef idx="2">
+            <a:schemeClr val="accent1"/>
+          </a:lnRef>
+          <a:fillRef idx="0">
+            <a:schemeClr val="accent1"/>
+          </a:fillRef>
+          <a:effectRef idx="1">
+            <a:schemeClr val="accent1"/>
+          </a:effectRef>
+          <a:fontRef idx="minor">
+            <a:schemeClr val="tx1"/>
+          </a:fontRef>
+        </p:style>
+      </p:cxnSp>
+      <p:cxnSp>
+        <p:nvCxnSpPr>
+          <p:cNvPr id="18" name="Straight Connector 17"/>
+          <p:cNvCxnSpPr/>
+          <p:nvPr/>
+        </p:nvCxnSpPr>
+        <p:spPr>
+          <a:xfrm>
+            <a:off x="3773785" y="1889963"/>
+            <a:ext cx="1278831" cy="1588"/>
+          </a:xfrm>
+          <a:prstGeom prst="line">
+            <a:avLst/>
+          </a:prstGeom>
+          <a:ln/>
+        </p:spPr>
+        <p:style>
+          <a:lnRef idx="2">
+            <a:schemeClr val="accent1"/>
+          </a:lnRef>
+          <a:fillRef idx="0">
+            <a:schemeClr val="accent1"/>
+          </a:fillRef>
+          <a:effectRef idx="1">
+            <a:schemeClr val="accent1"/>
+          </a:effectRef>
+          <a:fontRef idx="minor">
+            <a:schemeClr val="tx1"/>
+          </a:fontRef>
+        </p:style>
+      </p:cxnSp>
+      <p:cxnSp>
+        <p:nvCxnSpPr>
+          <p:cNvPr id="23" name="Straight Connector 22"/>
+          <p:cNvCxnSpPr/>
+          <p:nvPr/>
+        </p:nvCxnSpPr>
+        <p:spPr>
+          <a:xfrm>
+            <a:off x="3773785" y="3016584"/>
+            <a:ext cx="1278831" cy="1588"/>
+          </a:xfrm>
+          <a:prstGeom prst="line">
+            <a:avLst/>
+          </a:prstGeom>
+          <a:ln/>
+        </p:spPr>
+        <p:style>
+          <a:lnRef idx="2">
+            <a:schemeClr val="accent1"/>
+          </a:lnRef>
+          <a:fillRef idx="0">
+            <a:schemeClr val="accent1"/>
+          </a:fillRef>
+          <a:effectRef idx="1">
+            <a:schemeClr val="accent1"/>
+          </a:effectRef>
+          <a:fontRef idx="minor">
+            <a:schemeClr val="tx1"/>
+          </a:fontRef>
+        </p:style>
+      </p:cxnSp>
+      <p:cxnSp>
+        <p:nvCxnSpPr>
+          <p:cNvPr id="24" name="Straight Connector 23"/>
+          <p:cNvCxnSpPr/>
+          <p:nvPr/>
+        </p:nvCxnSpPr>
+        <p:spPr>
+          <a:xfrm>
+            <a:off x="3773785" y="4214566"/>
+            <a:ext cx="1278831" cy="1588"/>
+          </a:xfrm>
+          <a:prstGeom prst="line">
+            <a:avLst/>
+          </a:prstGeom>
+          <a:ln/>
+        </p:spPr>
+        <p:style>
+          <a:lnRef idx="2">
+            <a:schemeClr val="accent1"/>
+          </a:lnRef>
+          <a:fillRef idx="0">
+            <a:schemeClr val="accent1"/>
+          </a:fillRef>
+          <a:effectRef idx="1">
+            <a:schemeClr val="accent1"/>
+          </a:effectRef>
+          <a:fontRef idx="minor">
+            <a:schemeClr val="tx1"/>
+          </a:fontRef>
+        </p:style>
+      </p:cxnSp>
     </p:spTree>
   </p:cSld>
   <p:clrMapOvr>
@@ -3933,18 +4352,9 @@
           <a:lstStyle/>
           <a:p>
             <a:r>
-              <a:rPr lang="en-US" dirty="0" smtClean="0"/>
-              <a:t>Structure of a </a:t>
-            </a:r>
-            <a:r>
-              <a:rPr lang="en-US" dirty="0" err="1" smtClean="0"/>
-              <a:t>Zelig</a:t>
-            </a:r>
-            <a:r>
-              <a:rPr lang="en-US" dirty="0" smtClean="0"/>
-              <a:t> Package</a:t>
-            </a:r>
-            <a:endParaRPr lang="en-US" dirty="0"/>
+              <a:rPr lang="en-US"/>
+              <a:t>A Typical Zelig Program</a:t>
+            </a:r>
           </a:p>
         </p:txBody>
       </p:sp>
@@ -3958,81 +4368,526 @@
             <p:ph idx="1"/>
           </p:nvPr>
         </p:nvSpPr>
-        <p:spPr/>
-        <p:txBody>
-          <a:bodyPr/>
-          <a:lstStyle/>
-          <a:p>
-            <a:r>
-              <a:rPr lang="en-US" dirty="0" smtClean="0"/>
-              <a:t>A </a:t>
-            </a:r>
-            <a:r>
-              <a:rPr lang="en-US" dirty="0" err="1" smtClean="0"/>
-              <a:t>Zelig</a:t>
-            </a:r>
-            <a:r>
-              <a:rPr lang="en-US" dirty="0" smtClean="0"/>
-              <a:t> package is an R package</a:t>
-            </a:r>
-          </a:p>
-          <a:p>
-            <a:r>
-              <a:rPr lang="en-US" dirty="0" smtClean="0"/>
-              <a:t>Each package contains several models</a:t>
-            </a:r>
-          </a:p>
-          <a:p>
-            <a:r>
-              <a:rPr lang="en-US" dirty="0" smtClean="0"/>
-              <a:t>Each model comprises three methods:</a:t>
-            </a:r>
-          </a:p>
-          <a:p>
-            <a:pPr lvl="1"/>
-            <a:r>
-              <a:rPr lang="en-US" dirty="0" smtClean="0"/>
-              <a:t>zelig2</a:t>
-            </a:r>
-            <a:r>
-              <a:rPr lang="en-US" i="1" dirty="0" smtClean="0"/>
-              <a:t>&lt;model-name&gt;</a:t>
-            </a:r>
-          </a:p>
-          <a:p>
-            <a:pPr lvl="1"/>
-            <a:r>
-              <a:rPr lang="en-US" dirty="0" err="1" smtClean="0"/>
-              <a:t>param</a:t>
-            </a:r>
-            <a:r>
-              <a:rPr lang="en-US" dirty="0" smtClean="0"/>
-              <a:t>.</a:t>
-            </a:r>
-            <a:r>
-              <a:rPr lang="en-US" i="1" dirty="0" smtClean="0"/>
-              <a:t>&lt;model-name&gt;</a:t>
-            </a:r>
-          </a:p>
-          <a:p>
-            <a:pPr lvl="1"/>
-            <a:r>
-              <a:rPr lang="en-US" dirty="0" smtClean="0"/>
-              <a:t>qi.</a:t>
-            </a:r>
-            <a:r>
-              <a:rPr lang="en-US" i="1" dirty="0" smtClean="0"/>
-              <a:t>&lt;model-name&gt;</a:t>
-            </a:r>
-          </a:p>
-        </p:txBody>
-      </p:sp>
+        <p:spPr>
+          <a:xfrm>
+            <a:off x="457200" y="1600200"/>
+            <a:ext cx="5216989" cy="2678309"/>
+          </a:xfrm>
+        </p:spPr>
+        <p:txBody>
+          <a:bodyPr>
+            <a:normAutofit fontScale="92500" lnSpcReduction="20000"/>
+          </a:bodyPr>
+          <a:lstStyle/>
+          <a:p>
+            <a:pPr>
+              <a:buNone/>
+            </a:pPr>
+            <a:r>
+              <a:rPr lang="en-US" sz="2000">
+                <a:latin typeface="Courier New"/>
+                <a:cs typeface="Courier New"/>
+              </a:rPr>
+              <a:t>&gt; library(Zelig)</a:t>
+            </a:r>
+          </a:p>
+          <a:p>
+            <a:pPr>
+              <a:buNone/>
+            </a:pPr>
+            <a:r>
+              <a:rPr lang="en-US" sz="2000">
+                <a:latin typeface="Courier New"/>
+                <a:cs typeface="Courier New"/>
+              </a:rPr>
+              <a:t>&gt; data(turnout)</a:t>
+            </a:r>
+          </a:p>
+          <a:p>
+            <a:pPr>
+              <a:buNone/>
+            </a:pPr>
+            <a:r>
+              <a:rPr lang="en-US" sz="2000">
+                <a:latin typeface="Courier New"/>
+                <a:cs typeface="Courier New"/>
+              </a:rPr>
+              <a:t>&gt; zout &lt;- </a:t>
+            </a:r>
+            <a:r>
+              <a:rPr lang="en-US" sz="2000" b="1">
+                <a:latin typeface="Courier New"/>
+                <a:cs typeface="Courier New"/>
+              </a:rPr>
+              <a:t>zelig</a:t>
+            </a:r>
+            <a:r>
+              <a:rPr lang="en-US" sz="2000">
+                <a:latin typeface="Courier New"/>
+                <a:cs typeface="Courier New"/>
+              </a:rPr>
+              <a:t>(</a:t>
+            </a:r>
+            <a:br>
+              <a:rPr lang="en-US" sz="2000">
+                <a:latin typeface="Courier New"/>
+                <a:cs typeface="Courier New"/>
+              </a:rPr>
+            </a:br>
+            <a:r>
+              <a:rPr lang="en-US" sz="2000">
+                <a:latin typeface="Courier New"/>
+                <a:cs typeface="Courier New"/>
+              </a:rPr>
+              <a:t>vote ~ race + educate,</a:t>
+            </a:r>
+            <a:br>
+              <a:rPr lang="en-US" sz="2000">
+                <a:latin typeface="Courier New"/>
+                <a:cs typeface="Courier New"/>
+              </a:rPr>
+            </a:br>
+            <a:r>
+              <a:rPr lang="en-US" sz="2000">
+                <a:latin typeface="Courier New"/>
+                <a:cs typeface="Courier New"/>
+              </a:rPr>
+              <a:t>model = "logit", data = turnout,</a:t>
+            </a:r>
+            <a:br>
+              <a:rPr lang="en-US" sz="2000">
+                <a:latin typeface="Courier New"/>
+                <a:cs typeface="Courier New"/>
+              </a:rPr>
+            </a:br>
+            <a:r>
+              <a:rPr lang="en-US" sz="2000">
+                <a:latin typeface="Courier New"/>
+                <a:cs typeface="Courier New"/>
+              </a:rPr>
+              <a:t>)</a:t>
+            </a:r>
+          </a:p>
+          <a:p>
+            <a:pPr>
+              <a:buNone/>
+            </a:pPr>
+            <a:r>
+              <a:rPr lang="en-US" sz="2000">
+                <a:latin typeface="Courier New"/>
+                <a:cs typeface="Courier New"/>
+              </a:rPr>
+              <a:t>&gt; xout &lt;- </a:t>
+            </a:r>
+            <a:r>
+              <a:rPr lang="en-US" sz="2000" b="1">
+                <a:latin typeface="Courier New"/>
+                <a:cs typeface="Courier New"/>
+              </a:rPr>
+              <a:t>setx</a:t>
+            </a:r>
+            <a:r>
+              <a:rPr lang="en-US" sz="2000">
+                <a:latin typeface="Courier New"/>
+                <a:cs typeface="Courier New"/>
+              </a:rPr>
+              <a:t>(zout, educate = 10)</a:t>
+            </a:r>
+          </a:p>
+          <a:p>
+            <a:pPr>
+              <a:buNone/>
+            </a:pPr>
+            <a:r>
+              <a:rPr lang="en-US" sz="2000">
+                <a:latin typeface="Courier New"/>
+                <a:cs typeface="Courier New"/>
+              </a:rPr>
+              <a:t>&gt; sout &lt;- </a:t>
+            </a:r>
+            <a:r>
+              <a:rPr lang="en-US" sz="2000" b="1">
+                <a:latin typeface="Courier New"/>
+                <a:cs typeface="Courier New"/>
+              </a:rPr>
+              <a:t>sim</a:t>
+            </a:r>
+            <a:r>
+              <a:rPr lang="en-US" sz="2000">
+                <a:latin typeface="Courier New"/>
+                <a:cs typeface="Courier New"/>
+              </a:rPr>
+              <a:t>(zout, xout)</a:t>
+            </a:r>
+          </a:p>
+          <a:p>
+            <a:pPr>
+              <a:buNone/>
+            </a:pPr>
+            <a:r>
+              <a:rPr lang="en-US" sz="2000">
+                <a:latin typeface="Courier New"/>
+                <a:cs typeface="Courier New"/>
+              </a:rPr>
+              <a:t>&gt; summary(sout)</a:t>
+            </a:r>
+          </a:p>
+          <a:p>
+            <a:pPr>
+              <a:buNone/>
+            </a:pPr>
+            <a:endParaRPr lang="en-US" sz="2000">
+              <a:latin typeface="Courier New"/>
+              <a:cs typeface="Courier New"/>
+            </a:endParaRPr>
+          </a:p>
+        </p:txBody>
+      </p:sp>
+      <p:sp>
+        <p:nvSpPr>
+          <p:cNvPr id="4" name="TextBox 3"/>
+          <p:cNvSpPr txBox="1"/>
+          <p:nvPr/>
+        </p:nvSpPr>
+        <p:spPr>
+          <a:xfrm>
+            <a:off x="457200" y="4773916"/>
+            <a:ext cx="8229600" cy="369332"/>
+          </a:xfrm>
+          <a:prstGeom prst="rect">
+            <a:avLst/>
+          </a:prstGeom>
+          <a:noFill/>
+        </p:spPr>
+        <p:txBody>
+          <a:bodyPr wrap="square" rtlCol="0">
+            <a:spAutoFit/>
+          </a:bodyPr>
+          <a:lstStyle/>
+          <a:p>
+            <a:r>
+              <a:rPr lang="en-US"/>
+              <a:t>Note that the "zelig", "setx" and "sim" methods are each called</a:t>
+            </a:r>
+          </a:p>
+        </p:txBody>
+      </p:sp>
+      <p:sp>
+        <p:nvSpPr>
+          <p:cNvPr id="5" name="TextBox 4"/>
+          <p:cNvSpPr txBox="1"/>
+          <p:nvPr/>
+        </p:nvSpPr>
+        <p:spPr>
+          <a:xfrm>
+            <a:off x="6264011" y="2259403"/>
+            <a:ext cx="2422789" cy="369332"/>
+          </a:xfrm>
+          <a:prstGeom prst="rect">
+            <a:avLst/>
+          </a:prstGeom>
+        </p:spPr>
+        <p:style>
+          <a:lnRef idx="1">
+            <a:schemeClr val="accent1"/>
+          </a:lnRef>
+          <a:fillRef idx="2">
+            <a:schemeClr val="accent1"/>
+          </a:fillRef>
+          <a:effectRef idx="1">
+            <a:schemeClr val="accent1"/>
+          </a:effectRef>
+          <a:fontRef idx="minor">
+            <a:schemeClr val="dk1"/>
+          </a:fontRef>
+        </p:style>
+        <p:txBody>
+          <a:bodyPr wrap="square" rtlCol="0">
+            <a:spAutoFit/>
+          </a:bodyPr>
+          <a:lstStyle/>
+          <a:p>
+            <a:pPr algn="ctr"/>
+            <a:r>
+              <a:rPr lang="en-US"/>
+              <a:t>zelig</a:t>
+            </a:r>
+          </a:p>
+        </p:txBody>
+      </p:sp>
+      <p:sp>
+        <p:nvSpPr>
+          <p:cNvPr id="6" name="TextBox 5"/>
+          <p:cNvSpPr txBox="1"/>
+          <p:nvPr/>
+        </p:nvSpPr>
+        <p:spPr>
+          <a:xfrm>
+            <a:off x="738545" y="2197802"/>
+            <a:ext cx="4935644" cy="1035849"/>
+          </a:xfrm>
+          <a:prstGeom prst="rect">
+            <a:avLst/>
+          </a:prstGeom>
+          <a:noFill/>
+          <a:ln>
+            <a:solidFill>
+              <a:schemeClr val="accent1"/>
+            </a:solidFill>
+          </a:ln>
+        </p:spPr>
+        <p:txBody>
+          <a:bodyPr wrap="square" rtlCol="0">
+            <a:spAutoFit/>
+          </a:bodyPr>
+          <a:lstStyle/>
+          <a:p>
+            <a:endParaRPr lang="en-US"/>
+          </a:p>
+        </p:txBody>
+      </p:sp>
+      <p:sp>
+        <p:nvSpPr>
+          <p:cNvPr id="7" name="TextBox 6"/>
+          <p:cNvSpPr txBox="1"/>
+          <p:nvPr/>
+        </p:nvSpPr>
+        <p:spPr>
+          <a:xfrm>
+            <a:off x="6264011" y="3188616"/>
+            <a:ext cx="2422789" cy="369332"/>
+          </a:xfrm>
+          <a:prstGeom prst="rect">
+            <a:avLst/>
+          </a:prstGeom>
+        </p:spPr>
+        <p:style>
+          <a:lnRef idx="1">
+            <a:schemeClr val="accent2"/>
+          </a:lnRef>
+          <a:fillRef idx="2">
+            <a:schemeClr val="accent2"/>
+          </a:fillRef>
+          <a:effectRef idx="1">
+            <a:schemeClr val="accent2"/>
+          </a:effectRef>
+          <a:fontRef idx="minor">
+            <a:schemeClr val="dk1"/>
+          </a:fontRef>
+        </p:style>
+        <p:txBody>
+          <a:bodyPr wrap="square" rtlCol="0">
+            <a:spAutoFit/>
+          </a:bodyPr>
+          <a:lstStyle/>
+          <a:p>
+            <a:pPr algn="ctr"/>
+            <a:r>
+              <a:rPr lang="en-US"/>
+              <a:t>setx</a:t>
+            </a:r>
+          </a:p>
+        </p:txBody>
+      </p:sp>
+      <p:sp>
+        <p:nvSpPr>
+          <p:cNvPr id="8" name="TextBox 7"/>
+          <p:cNvSpPr txBox="1"/>
+          <p:nvPr/>
+        </p:nvSpPr>
+        <p:spPr>
+          <a:xfrm>
+            <a:off x="738545" y="3233652"/>
+            <a:ext cx="4935644" cy="252208"/>
+          </a:xfrm>
+          <a:prstGeom prst="rect">
+            <a:avLst/>
+          </a:prstGeom>
+          <a:noFill/>
+          <a:ln>
+            <a:solidFill>
+              <a:schemeClr val="accent2"/>
+            </a:solidFill>
+          </a:ln>
+        </p:spPr>
+        <p:txBody>
+          <a:bodyPr wrap="square" rtlCol="0">
+            <a:spAutoFit/>
+          </a:bodyPr>
+          <a:lstStyle/>
+          <a:p>
+            <a:endParaRPr lang="en-US"/>
+          </a:p>
+        </p:txBody>
+      </p:sp>
+      <p:sp>
+        <p:nvSpPr>
+          <p:cNvPr id="9" name="TextBox 8"/>
+          <p:cNvSpPr txBox="1"/>
+          <p:nvPr/>
+        </p:nvSpPr>
+        <p:spPr>
+          <a:xfrm>
+            <a:off x="738545" y="3512156"/>
+            <a:ext cx="4935644" cy="252208"/>
+          </a:xfrm>
+          <a:prstGeom prst="rect">
+            <a:avLst/>
+          </a:prstGeom>
+          <a:noFill/>
+          <a:ln>
+            <a:solidFill>
+              <a:schemeClr val="accent3"/>
+            </a:solidFill>
+          </a:ln>
+        </p:spPr>
+        <p:txBody>
+          <a:bodyPr wrap="square" rtlCol="0">
+            <a:spAutoFit/>
+          </a:bodyPr>
+          <a:lstStyle/>
+          <a:p>
+            <a:endParaRPr lang="en-US"/>
+          </a:p>
+        </p:txBody>
+      </p:sp>
+      <p:sp>
+        <p:nvSpPr>
+          <p:cNvPr id="10" name="TextBox 9"/>
+          <p:cNvSpPr txBox="1"/>
+          <p:nvPr/>
+        </p:nvSpPr>
+        <p:spPr>
+          <a:xfrm>
+            <a:off x="6264011" y="3458114"/>
+            <a:ext cx="2422789" cy="369332"/>
+          </a:xfrm>
+          <a:prstGeom prst="rect">
+            <a:avLst/>
+          </a:prstGeom>
+        </p:spPr>
+        <p:style>
+          <a:lnRef idx="1">
+            <a:schemeClr val="accent3"/>
+          </a:lnRef>
+          <a:fillRef idx="2">
+            <a:schemeClr val="accent3"/>
+          </a:fillRef>
+          <a:effectRef idx="1">
+            <a:schemeClr val="accent3"/>
+          </a:effectRef>
+          <a:fontRef idx="minor">
+            <a:schemeClr val="dk1"/>
+          </a:fontRef>
+        </p:style>
+        <p:txBody>
+          <a:bodyPr wrap="square" rtlCol="0">
+            <a:spAutoFit/>
+          </a:bodyPr>
+          <a:lstStyle/>
+          <a:p>
+            <a:pPr algn="ctr"/>
+            <a:r>
+              <a:rPr lang="en-US"/>
+              <a:t>sim</a:t>
+            </a:r>
+          </a:p>
+        </p:txBody>
+      </p:sp>
+      <p:cxnSp>
+        <p:nvCxnSpPr>
+          <p:cNvPr id="12" name="Straight Connector 11"/>
+          <p:cNvCxnSpPr/>
+          <p:nvPr/>
+        </p:nvCxnSpPr>
+        <p:spPr>
+          <a:xfrm>
+            <a:off x="5674189" y="2441002"/>
+            <a:ext cx="589822" cy="1588"/>
+          </a:xfrm>
+          <a:prstGeom prst="line">
+            <a:avLst/>
+          </a:prstGeom>
+          <a:ln/>
+        </p:spPr>
+        <p:style>
+          <a:lnRef idx="2">
+            <a:schemeClr val="accent1"/>
+          </a:lnRef>
+          <a:fillRef idx="0">
+            <a:schemeClr val="accent1"/>
+          </a:fillRef>
+          <a:effectRef idx="1">
+            <a:schemeClr val="accent1"/>
+          </a:effectRef>
+          <a:fontRef idx="minor">
+            <a:schemeClr val="tx1"/>
+          </a:fontRef>
+        </p:style>
+      </p:cxnSp>
+      <p:cxnSp>
+        <p:nvCxnSpPr>
+          <p:cNvPr id="19" name="Straight Connector 18"/>
+          <p:cNvCxnSpPr/>
+          <p:nvPr/>
+        </p:nvCxnSpPr>
+        <p:spPr>
+          <a:xfrm>
+            <a:off x="5674189" y="3359750"/>
+            <a:ext cx="589822" cy="1588"/>
+          </a:xfrm>
+          <a:prstGeom prst="line">
+            <a:avLst/>
+          </a:prstGeom>
+          <a:ln/>
+        </p:spPr>
+        <p:style>
+          <a:lnRef idx="2">
+            <a:schemeClr val="accent1"/>
+          </a:lnRef>
+          <a:fillRef idx="0">
+            <a:schemeClr val="accent1"/>
+          </a:fillRef>
+          <a:effectRef idx="1">
+            <a:schemeClr val="accent1"/>
+          </a:effectRef>
+          <a:fontRef idx="minor">
+            <a:schemeClr val="tx1"/>
+          </a:fontRef>
+        </p:style>
+      </p:cxnSp>
+      <p:cxnSp>
+        <p:nvCxnSpPr>
+          <p:cNvPr id="20" name="Straight Connector 19"/>
+          <p:cNvCxnSpPr/>
+          <p:nvPr/>
+        </p:nvCxnSpPr>
+        <p:spPr>
+          <a:xfrm>
+            <a:off x="5674189" y="3620997"/>
+            <a:ext cx="589822" cy="1588"/>
+          </a:xfrm>
+          <a:prstGeom prst="line">
+            <a:avLst/>
+          </a:prstGeom>
+          <a:ln/>
+        </p:spPr>
+        <p:style>
+          <a:lnRef idx="2">
+            <a:schemeClr val="accent1"/>
+          </a:lnRef>
+          <a:fillRef idx="0">
+            <a:schemeClr val="accent1"/>
+          </a:fillRef>
+          <a:effectRef idx="1">
+            <a:schemeClr val="accent1"/>
+          </a:effectRef>
+          <a:fontRef idx="minor">
+            <a:schemeClr val="tx1"/>
+          </a:fontRef>
+        </p:style>
+      </p:cxnSp>
     </p:spTree>
-    <p:extLst>
-      <p:ext uri="{BB962C8B-B14F-4D97-AF65-F5344CB8AC3E}">
-        <p14:creationId xmlns:p14="http://schemas.microsoft.com/office/powerpoint/2010/main" xmlns:p="http://schemas.openxmlformats.org/presentationml/2006/main" xmlns:r="http://schemas.openxmlformats.org/officeDocument/2006/relationships" xmlns:a="http://schemas.openxmlformats.org/drawingml/2006/main" xmlns="" val="2482753411"/>
-      </p:ext>
-    </p:extLst>
   </p:cSld>
   <p:clrMapOvr>
     <a:masterClrMapping/>
@@ -4040,9 +4895,503 @@
   <p:timing>
     <p:tnLst>
       <p:par>
-        <p:cTn id="1" dur="indefinite" restart="never" nodeType="tmRoot"/>
+        <p:cTn id="1" dur="indefinite" restart="never" nodeType="tmRoot">
+          <p:childTnLst>
+            <p:seq concurrent="1" nextAc="seek">
+              <p:cTn id="2" dur="indefinite" nodeType="mainSeq">
+                <p:childTnLst>
+                  <p:par>
+                    <p:cTn id="3" fill="hold">
+                      <p:stCondLst>
+                        <p:cond delay="indefinite"/>
+                      </p:stCondLst>
+                      <p:childTnLst>
+                        <p:par>
+                          <p:cTn id="4" fill="hold">
+                            <p:stCondLst>
+                              <p:cond delay="0"/>
+                            </p:stCondLst>
+                            <p:childTnLst>
+                              <p:par>
+                                <p:cTn id="5" presetID="1" presetClass="entr" presetSubtype="0" fill="hold" grpId="0" nodeType="clickEffect">
+                                  <p:stCondLst>
+                                    <p:cond delay="0"/>
+                                  </p:stCondLst>
+                                  <p:childTnLst>
+                                    <p:set>
+                                      <p:cBhvr>
+                                        <p:cTn id="6" dur="1" fill="hold">
+                                          <p:stCondLst>
+                                            <p:cond delay="0"/>
+                                          </p:stCondLst>
+                                        </p:cTn>
+                                        <p:tgtEl>
+                                          <p:spTgt spid="6"/>
+                                        </p:tgtEl>
+                                        <p:attrNameLst>
+                                          <p:attrName>style.visibility</p:attrName>
+                                        </p:attrNameLst>
+                                      </p:cBhvr>
+                                      <p:to>
+                                        <p:strVal val="visible"/>
+                                      </p:to>
+                                    </p:set>
+                                  </p:childTnLst>
+                                </p:cTn>
+                              </p:par>
+                              <p:par>
+                                <p:cTn id="7" presetID="1" presetClass="entr" presetSubtype="0" fill="hold" nodeType="withEffect">
+                                  <p:stCondLst>
+                                    <p:cond delay="0"/>
+                                  </p:stCondLst>
+                                  <p:childTnLst>
+                                    <p:set>
+                                      <p:cBhvr>
+                                        <p:cTn id="8" dur="1" fill="hold">
+                                          <p:stCondLst>
+                                            <p:cond delay="0"/>
+                                          </p:stCondLst>
+                                        </p:cTn>
+                                        <p:tgtEl>
+                                          <p:spTgt spid="12"/>
+                                        </p:tgtEl>
+                                        <p:attrNameLst>
+                                          <p:attrName>style.visibility</p:attrName>
+                                        </p:attrNameLst>
+                                      </p:cBhvr>
+                                      <p:to>
+                                        <p:strVal val="visible"/>
+                                      </p:to>
+                                    </p:set>
+                                  </p:childTnLst>
+                                </p:cTn>
+                              </p:par>
+                              <p:par>
+                                <p:cTn id="9" presetID="1" presetClass="entr" presetSubtype="0" fill="hold" grpId="0" nodeType="withEffect">
+                                  <p:stCondLst>
+                                    <p:cond delay="0"/>
+                                  </p:stCondLst>
+                                  <p:childTnLst>
+                                    <p:set>
+                                      <p:cBhvr>
+                                        <p:cTn id="10" dur="1" fill="hold">
+                                          <p:stCondLst>
+                                            <p:cond delay="0"/>
+                                          </p:stCondLst>
+                                        </p:cTn>
+                                        <p:tgtEl>
+                                          <p:spTgt spid="5"/>
+                                        </p:tgtEl>
+                                        <p:attrNameLst>
+                                          <p:attrName>style.visibility</p:attrName>
+                                        </p:attrNameLst>
+                                      </p:cBhvr>
+                                      <p:to>
+                                        <p:strVal val="visible"/>
+                                      </p:to>
+                                    </p:set>
+                                  </p:childTnLst>
+                                </p:cTn>
+                              </p:par>
+                            </p:childTnLst>
+                          </p:cTn>
+                        </p:par>
+                      </p:childTnLst>
+                    </p:cTn>
+                  </p:par>
+                  <p:par>
+                    <p:cTn id="11" fill="hold">
+                      <p:stCondLst>
+                        <p:cond delay="indefinite"/>
+                      </p:stCondLst>
+                      <p:childTnLst>
+                        <p:par>
+                          <p:cTn id="12" fill="hold">
+                            <p:stCondLst>
+                              <p:cond delay="0"/>
+                            </p:stCondLst>
+                            <p:childTnLst>
+                              <p:par>
+                                <p:cTn id="13" presetID="1" presetClass="exit" presetSubtype="0" fill="hold" nodeType="clickEffect">
+                                  <p:stCondLst>
+                                    <p:cond delay="0"/>
+                                  </p:stCondLst>
+                                  <p:childTnLst>
+                                    <p:set>
+                                      <p:cBhvr>
+                                        <p:cTn id="14" dur="1" fill="hold">
+                                          <p:stCondLst>
+                                            <p:cond delay="0"/>
+                                          </p:stCondLst>
+                                        </p:cTn>
+                                        <p:tgtEl>
+                                          <p:spTgt spid="12"/>
+                                        </p:tgtEl>
+                                        <p:attrNameLst>
+                                          <p:attrName>style.visibility</p:attrName>
+                                        </p:attrNameLst>
+                                      </p:cBhvr>
+                                      <p:to>
+                                        <p:strVal val="hidden"/>
+                                      </p:to>
+                                    </p:set>
+                                  </p:childTnLst>
+                                </p:cTn>
+                              </p:par>
+                              <p:par>
+                                <p:cTn id="15" presetID="1" presetClass="exit" presetSubtype="0" fill="hold" grpId="1" nodeType="withEffect">
+                                  <p:stCondLst>
+                                    <p:cond delay="0"/>
+                                  </p:stCondLst>
+                                  <p:childTnLst>
+                                    <p:set>
+                                      <p:cBhvr>
+                                        <p:cTn id="16" dur="1" fill="hold">
+                                          <p:stCondLst>
+                                            <p:cond delay="0"/>
+                                          </p:stCondLst>
+                                        </p:cTn>
+                                        <p:tgtEl>
+                                          <p:spTgt spid="6"/>
+                                        </p:tgtEl>
+                                        <p:attrNameLst>
+                                          <p:attrName>style.visibility</p:attrName>
+                                        </p:attrNameLst>
+                                      </p:cBhvr>
+                                      <p:to>
+                                        <p:strVal val="hidden"/>
+                                      </p:to>
+                                    </p:set>
+                                  </p:childTnLst>
+                                </p:cTn>
+                              </p:par>
+                              <p:par>
+                                <p:cTn id="17" presetID="1" presetClass="exit" presetSubtype="0" fill="hold" grpId="1" nodeType="withEffect">
+                                  <p:stCondLst>
+                                    <p:cond delay="0"/>
+                                  </p:stCondLst>
+                                  <p:childTnLst>
+                                    <p:set>
+                                      <p:cBhvr>
+                                        <p:cTn id="18" dur="1" fill="hold">
+                                          <p:stCondLst>
+                                            <p:cond delay="0"/>
+                                          </p:stCondLst>
+                                        </p:cTn>
+                                        <p:tgtEl>
+                                          <p:spTgt spid="5"/>
+                                        </p:tgtEl>
+                                        <p:attrNameLst>
+                                          <p:attrName>style.visibility</p:attrName>
+                                        </p:attrNameLst>
+                                      </p:cBhvr>
+                                      <p:to>
+                                        <p:strVal val="hidden"/>
+                                      </p:to>
+                                    </p:set>
+                                  </p:childTnLst>
+                                </p:cTn>
+                              </p:par>
+                              <p:par>
+                                <p:cTn id="19" presetID="1" presetClass="entr" presetSubtype="0" fill="hold" grpId="0" nodeType="withEffect">
+                                  <p:stCondLst>
+                                    <p:cond delay="0"/>
+                                  </p:stCondLst>
+                                  <p:childTnLst>
+                                    <p:set>
+                                      <p:cBhvr>
+                                        <p:cTn id="20" dur="1" fill="hold">
+                                          <p:stCondLst>
+                                            <p:cond delay="0"/>
+                                          </p:stCondLst>
+                                        </p:cTn>
+                                        <p:tgtEl>
+                                          <p:spTgt spid="7"/>
+                                        </p:tgtEl>
+                                        <p:attrNameLst>
+                                          <p:attrName>style.visibility</p:attrName>
+                                        </p:attrNameLst>
+                                      </p:cBhvr>
+                                      <p:to>
+                                        <p:strVal val="visible"/>
+                                      </p:to>
+                                    </p:set>
+                                  </p:childTnLst>
+                                </p:cTn>
+                              </p:par>
+                              <p:par>
+                                <p:cTn id="21" presetID="1" presetClass="entr" presetSubtype="0" fill="hold" nodeType="withEffect">
+                                  <p:stCondLst>
+                                    <p:cond delay="0"/>
+                                  </p:stCondLst>
+                                  <p:childTnLst>
+                                    <p:set>
+                                      <p:cBhvr>
+                                        <p:cTn id="22" dur="1" fill="hold">
+                                          <p:stCondLst>
+                                            <p:cond delay="0"/>
+                                          </p:stCondLst>
+                                        </p:cTn>
+                                        <p:tgtEl>
+                                          <p:spTgt spid="19"/>
+                                        </p:tgtEl>
+                                        <p:attrNameLst>
+                                          <p:attrName>style.visibility</p:attrName>
+                                        </p:attrNameLst>
+                                      </p:cBhvr>
+                                      <p:to>
+                                        <p:strVal val="visible"/>
+                                      </p:to>
+                                    </p:set>
+                                  </p:childTnLst>
+                                </p:cTn>
+                              </p:par>
+                              <p:par>
+                                <p:cTn id="23" presetID="1" presetClass="entr" presetSubtype="0" fill="hold" grpId="0" nodeType="withEffect">
+                                  <p:stCondLst>
+                                    <p:cond delay="0"/>
+                                  </p:stCondLst>
+                                  <p:childTnLst>
+                                    <p:set>
+                                      <p:cBhvr>
+                                        <p:cTn id="24" dur="1" fill="hold">
+                                          <p:stCondLst>
+                                            <p:cond delay="0"/>
+                                          </p:stCondLst>
+                                        </p:cTn>
+                                        <p:tgtEl>
+                                          <p:spTgt spid="8"/>
+                                        </p:tgtEl>
+                                        <p:attrNameLst>
+                                          <p:attrName>style.visibility</p:attrName>
+                                        </p:attrNameLst>
+                                      </p:cBhvr>
+                                      <p:to>
+                                        <p:strVal val="visible"/>
+                                      </p:to>
+                                    </p:set>
+                                  </p:childTnLst>
+                                </p:cTn>
+                              </p:par>
+                            </p:childTnLst>
+                          </p:cTn>
+                        </p:par>
+                      </p:childTnLst>
+                    </p:cTn>
+                  </p:par>
+                  <p:par>
+                    <p:cTn id="25" fill="hold">
+                      <p:stCondLst>
+                        <p:cond delay="indefinite"/>
+                      </p:stCondLst>
+                      <p:childTnLst>
+                        <p:par>
+                          <p:cTn id="26" fill="hold">
+                            <p:stCondLst>
+                              <p:cond delay="0"/>
+                            </p:stCondLst>
+                            <p:childTnLst>
+                              <p:par>
+                                <p:cTn id="27" presetID="1" presetClass="exit" presetSubtype="0" fill="hold" grpId="1" nodeType="clickEffect">
+                                  <p:stCondLst>
+                                    <p:cond delay="0"/>
+                                  </p:stCondLst>
+                                  <p:childTnLst>
+                                    <p:set>
+                                      <p:cBhvr>
+                                        <p:cTn id="28" dur="1" fill="hold">
+                                          <p:stCondLst>
+                                            <p:cond delay="0"/>
+                                          </p:stCondLst>
+                                        </p:cTn>
+                                        <p:tgtEl>
+                                          <p:spTgt spid="7"/>
+                                        </p:tgtEl>
+                                        <p:attrNameLst>
+                                          <p:attrName>style.visibility</p:attrName>
+                                        </p:attrNameLst>
+                                      </p:cBhvr>
+                                      <p:to>
+                                        <p:strVal val="hidden"/>
+                                      </p:to>
+                                    </p:set>
+                                  </p:childTnLst>
+                                </p:cTn>
+                              </p:par>
+                              <p:par>
+                                <p:cTn id="29" presetID="1" presetClass="exit" presetSubtype="0" fill="hold" nodeType="withEffect">
+                                  <p:stCondLst>
+                                    <p:cond delay="0"/>
+                                  </p:stCondLst>
+                                  <p:childTnLst>
+                                    <p:set>
+                                      <p:cBhvr>
+                                        <p:cTn id="30" dur="1" fill="hold">
+                                          <p:stCondLst>
+                                            <p:cond delay="0"/>
+                                          </p:stCondLst>
+                                        </p:cTn>
+                                        <p:tgtEl>
+                                          <p:spTgt spid="19"/>
+                                        </p:tgtEl>
+                                        <p:attrNameLst>
+                                          <p:attrName>style.visibility</p:attrName>
+                                        </p:attrNameLst>
+                                      </p:cBhvr>
+                                      <p:to>
+                                        <p:strVal val="hidden"/>
+                                      </p:to>
+                                    </p:set>
+                                  </p:childTnLst>
+                                </p:cTn>
+                              </p:par>
+                              <p:par>
+                                <p:cTn id="31" presetID="1" presetClass="exit" presetSubtype="0" fill="hold" grpId="1" nodeType="withEffect">
+                                  <p:stCondLst>
+                                    <p:cond delay="0"/>
+                                  </p:stCondLst>
+                                  <p:childTnLst>
+                                    <p:set>
+                                      <p:cBhvr>
+                                        <p:cTn id="32" dur="1" fill="hold">
+                                          <p:stCondLst>
+                                            <p:cond delay="0"/>
+                                          </p:stCondLst>
+                                        </p:cTn>
+                                        <p:tgtEl>
+                                          <p:spTgt spid="8"/>
+                                        </p:tgtEl>
+                                        <p:attrNameLst>
+                                          <p:attrName>style.visibility</p:attrName>
+                                        </p:attrNameLst>
+                                      </p:cBhvr>
+                                      <p:to>
+                                        <p:strVal val="hidden"/>
+                                      </p:to>
+                                    </p:set>
+                                  </p:childTnLst>
+                                </p:cTn>
+                              </p:par>
+                              <p:par>
+                                <p:cTn id="33" presetID="1" presetClass="entr" presetSubtype="0" fill="hold" grpId="0" nodeType="withEffect">
+                                  <p:stCondLst>
+                                    <p:cond delay="0"/>
+                                  </p:stCondLst>
+                                  <p:childTnLst>
+                                    <p:set>
+                                      <p:cBhvr>
+                                        <p:cTn id="34" dur="1" fill="hold">
+                                          <p:stCondLst>
+                                            <p:cond delay="0"/>
+                                          </p:stCondLst>
+                                        </p:cTn>
+                                        <p:tgtEl>
+                                          <p:spTgt spid="9"/>
+                                        </p:tgtEl>
+                                        <p:attrNameLst>
+                                          <p:attrName>style.visibility</p:attrName>
+                                        </p:attrNameLst>
+                                      </p:cBhvr>
+                                      <p:to>
+                                        <p:strVal val="visible"/>
+                                      </p:to>
+                                    </p:set>
+                                  </p:childTnLst>
+                                </p:cTn>
+                              </p:par>
+                              <p:par>
+                                <p:cTn id="35" presetID="1" presetClass="entr" presetSubtype="0" fill="hold" grpId="0" nodeType="withEffect">
+                                  <p:stCondLst>
+                                    <p:cond delay="0"/>
+                                  </p:stCondLst>
+                                  <p:childTnLst>
+                                    <p:set>
+                                      <p:cBhvr>
+                                        <p:cTn id="36" dur="1" fill="hold">
+                                          <p:stCondLst>
+                                            <p:cond delay="0"/>
+                                          </p:stCondLst>
+                                        </p:cTn>
+                                        <p:tgtEl>
+                                          <p:spTgt spid="10"/>
+                                        </p:tgtEl>
+                                        <p:attrNameLst>
+                                          <p:attrName>style.visibility</p:attrName>
+                                        </p:attrNameLst>
+                                      </p:cBhvr>
+                                      <p:to>
+                                        <p:strVal val="visible"/>
+                                      </p:to>
+                                    </p:set>
+                                  </p:childTnLst>
+                                </p:cTn>
+                              </p:par>
+                              <p:par>
+                                <p:cTn id="37" presetID="1" presetClass="entr" presetSubtype="0" fill="hold" nodeType="withEffect">
+                                  <p:stCondLst>
+                                    <p:cond delay="0"/>
+                                  </p:stCondLst>
+                                  <p:childTnLst>
+                                    <p:set>
+                                      <p:cBhvr>
+                                        <p:cTn id="38" dur="1" fill="hold">
+                                          <p:stCondLst>
+                                            <p:cond delay="0"/>
+                                          </p:stCondLst>
+                                        </p:cTn>
+                                        <p:tgtEl>
+                                          <p:spTgt spid="20"/>
+                                        </p:tgtEl>
+                                        <p:attrNameLst>
+                                          <p:attrName>style.visibility</p:attrName>
+                                        </p:attrNameLst>
+                                      </p:cBhvr>
+                                      <p:to>
+                                        <p:strVal val="visible"/>
+                                      </p:to>
+                                    </p:set>
+                                  </p:childTnLst>
+                                </p:cTn>
+                              </p:par>
+                            </p:childTnLst>
+                          </p:cTn>
+                        </p:par>
+                      </p:childTnLst>
+                    </p:cTn>
+                  </p:par>
+                </p:childTnLst>
+              </p:cTn>
+              <p:prevCondLst>
+                <p:cond evt="onPrev" delay="0">
+                  <p:tgtEl>
+                    <p:sldTgt/>
+                  </p:tgtEl>
+                </p:cond>
+              </p:prevCondLst>
+              <p:nextCondLst>
+                <p:cond evt="onNext" delay="0">
+                  <p:tgtEl>
+                    <p:sldTgt/>
+                  </p:tgtEl>
+                </p:cond>
+              </p:nextCondLst>
+            </p:seq>
+          </p:childTnLst>
+        </p:cTn>
       </p:par>
     </p:tnLst>
+    <p:bldLst>
+      <p:bldP spid="5" grpId="0" animBg="1"/>
+      <p:bldP spid="5" grpId="1" animBg="1"/>
+      <p:bldP spid="6" grpId="0" animBg="1"/>
+      <p:bldP spid="6" grpId="1" animBg="1"/>
+      <p:bldP spid="7" grpId="0" animBg="1"/>
+      <p:bldP spid="7" grpId="1" animBg="1"/>
+      <p:bldP spid="8" grpId="0" animBg="1"/>
+      <p:bldP spid="8" grpId="1" animBg="1"/>
+      <p:bldP spid="9" grpId="0" animBg="1"/>
+      <p:bldP spid="10" grpId="0" animBg="1"/>
+    </p:bldLst>
   </p:timing>
 </p:sld>
 </file>
@@ -4080,9 +5429,18 @@
           <a:lstStyle/>
           <a:p>
             <a:r>
-              <a:rPr lang="en-US"/>
-              <a:t>Overview</a:t>
-            </a:r>
+              <a:rPr lang="en-US" dirty="0" smtClean="0"/>
+              <a:t>Structure of a </a:t>
+            </a:r>
+            <a:r>
+              <a:rPr lang="en-US" dirty="0" err="1" smtClean="0"/>
+              <a:t>Zelig</a:t>
+            </a:r>
+            <a:r>
+              <a:rPr lang="en-US" dirty="0" smtClean="0"/>
+              <a:t> Package</a:t>
+            </a:r>
+            <a:endParaRPr lang="en-US" dirty="0"/>
           </a:p>
         </p:txBody>
       </p:sp>
@@ -4102,61 +5460,75 @@
           <a:lstStyle/>
           <a:p>
             <a:r>
-              <a:rPr lang="en-US"/>
-              <a:t>Writing a zelig model is a three-stage process:</a:t>
+              <a:rPr lang="en-US" dirty="0" smtClean="0"/>
+              <a:t>A </a:t>
+            </a:r>
+            <a:r>
+              <a:rPr lang="en-US" dirty="0" err="1" smtClean="0"/>
+              <a:t>Zelig</a:t>
+            </a:r>
+            <a:r>
+              <a:rPr lang="en-US" dirty="0" smtClean="0"/>
+              <a:t> package is an R package</a:t>
+            </a:r>
+          </a:p>
+          <a:p>
+            <a:r>
+              <a:rPr lang="en-US" dirty="0" smtClean="0"/>
+              <a:t>Each package contains several models</a:t>
+            </a:r>
+          </a:p>
+          <a:p>
+            <a:r>
+              <a:rPr lang="en-US" dirty="0" smtClean="0"/>
+              <a:t>Each model comprises three methods:</a:t>
             </a:r>
           </a:p>
           <a:p>
             <a:pPr lvl="1"/>
             <a:r>
-              <a:rPr lang="en-US"/>
-              <a:t>zelig2 method</a:t>
+              <a:rPr lang="en-US" dirty="0" smtClean="0"/>
+              <a:t>zelig2</a:t>
+            </a:r>
+            <a:r>
+              <a:rPr lang="en-US" i="1" dirty="0" smtClean="0"/>
+              <a:t>&lt;model-name&gt;</a:t>
             </a:r>
           </a:p>
           <a:p>
             <a:pPr lvl="1"/>
             <a:r>
-              <a:rPr lang="en-US"/>
-              <a:t>param method</a:t>
+              <a:rPr lang="en-US" dirty="0" err="1" smtClean="0"/>
+              <a:t>param</a:t>
+            </a:r>
+            <a:r>
+              <a:rPr lang="en-US" dirty="0" smtClean="0"/>
+              <a:t>.</a:t>
+            </a:r>
+            <a:r>
+              <a:rPr lang="en-US" i="1" dirty="0" smtClean="0"/>
+              <a:t>&lt;model-name&gt;</a:t>
             </a:r>
           </a:p>
           <a:p>
             <a:pPr lvl="1"/>
             <a:r>
-              <a:rPr lang="en-US"/>
-              <a:t>qi method</a:t>
-            </a:r>
-          </a:p>
-          <a:p>
-            <a:r>
-              <a:rPr lang="en-US"/>
-              <a:t>These correspond to</a:t>
-            </a:r>
-          </a:p>
-          <a:p>
-            <a:pPr lvl="1"/>
-            <a:r>
-              <a:rPr lang="en-US"/>
-              <a:t>Fitting the statistical model (zelig2)</a:t>
-            </a:r>
-          </a:p>
-          <a:p>
-            <a:pPr lvl="1"/>
-            <a:r>
-              <a:rPr lang="en-US"/>
-              <a:t>Parameter simulation (param)</a:t>
-            </a:r>
-          </a:p>
-          <a:p>
-            <a:pPr lvl="1"/>
-            <a:r>
-              <a:rPr lang="en-US"/>
-              <a:t>Quantity of interest simulation (qi)</a:t>
+              <a:rPr lang="en-US" dirty="0" smtClean="0"/>
+              <a:t>qi.</a:t>
+            </a:r>
+            <a:r>
+              <a:rPr lang="en-US" i="1" dirty="0" smtClean="0"/>
+              <a:t>&lt;model-name&gt;</a:t>
             </a:r>
           </a:p>
         </p:txBody>
       </p:sp>
     </p:spTree>
+    <p:extLst>
+      <p:ext uri="{BB962C8B-B14F-4D97-AF65-F5344CB8AC3E}">
+        <p14:creationId xmlns="" xmlns:a="http://schemas.openxmlformats.org/drawingml/2006/main" xmlns:r="http://schemas.openxmlformats.org/officeDocument/2006/relationships" xmlns:p="http://schemas.openxmlformats.org/presentationml/2006/main" xmlns:p14="http://schemas.microsoft.com/office/powerpoint/2010/main" xmlns:mv="urn:schemas-microsoft-com:mac:vml" xmlns:mc="http://schemas.openxmlformats.org/markup-compatibility/2006" val="2482753411"/>
+      </p:ext>
+    </p:extLst>
   </p:cSld>
   <p:clrMapOvr>
     <a:masterClrMapping/>
@@ -4204,122 +5576,483 @@
           <a:lstStyle/>
           <a:p>
             <a:r>
-              <a:rPr lang="en-US" dirty="0" smtClean="0"/>
-              <a:t>Creating a </a:t>
-            </a:r>
-            <a:r>
-              <a:rPr lang="en-US" dirty="0" err="1" smtClean="0"/>
-              <a:t>Zelig</a:t>
-            </a:r>
-            <a:r>
-              <a:rPr lang="en-US" dirty="0" smtClean="0"/>
-              <a:t> Package</a:t>
-            </a:r>
-            <a:endParaRPr lang="en-US" dirty="0"/>
-          </a:p>
-        </p:txBody>
-      </p:sp>
-      <p:sp>
-        <p:nvSpPr>
-          <p:cNvPr id="3" name="Content Placeholder 2"/>
-          <p:cNvSpPr>
-            <a:spLocks noGrp="1"/>
-          </p:cNvSpPr>
-          <p:nvPr>
-            <p:ph idx="1"/>
-          </p:nvPr>
-        </p:nvSpPr>
-        <p:spPr/>
-        <p:txBody>
-          <a:bodyPr/>
-          <a:lstStyle/>
-          <a:p>
-            <a:pPr marL="0" indent="0">
-              <a:buNone/>
+              <a:rPr lang="en-US"/>
+              <a:t>A Typical Zelig Program</a:t>
+            </a:r>
+          </a:p>
+        </p:txBody>
+      </p:sp>
+      <p:sp>
+        <p:nvSpPr>
+          <p:cNvPr id="4" name="TextBox 3"/>
+          <p:cNvSpPr txBox="1"/>
+          <p:nvPr/>
+        </p:nvSpPr>
+        <p:spPr>
+          <a:xfrm>
+            <a:off x="1350996" y="1709952"/>
+            <a:ext cx="2422789" cy="369332"/>
+          </a:xfrm>
+          <a:prstGeom prst="rect">
+            <a:avLst/>
+          </a:prstGeom>
+        </p:spPr>
+        <p:style>
+          <a:lnRef idx="1">
+            <a:schemeClr val="accent1"/>
+          </a:lnRef>
+          <a:fillRef idx="2">
+            <a:schemeClr val="accent1"/>
+          </a:fillRef>
+          <a:effectRef idx="1">
+            <a:schemeClr val="accent1"/>
+          </a:effectRef>
+          <a:fontRef idx="minor">
+            <a:schemeClr val="dk1"/>
+          </a:fontRef>
+        </p:style>
+        <p:txBody>
+          <a:bodyPr wrap="square" rtlCol="0">
+            <a:spAutoFit/>
+          </a:bodyPr>
+          <a:lstStyle/>
+          <a:p>
+            <a:pPr algn="ctr"/>
+            <a:r>
+              <a:rPr lang="en-US"/>
+              <a:t>zelig</a:t>
+            </a:r>
+          </a:p>
+        </p:txBody>
+      </p:sp>
+      <p:sp>
+        <p:nvSpPr>
+          <p:cNvPr id="5" name="TextBox 4"/>
+          <p:cNvSpPr txBox="1"/>
+          <p:nvPr/>
+        </p:nvSpPr>
+        <p:spPr>
+          <a:xfrm>
+            <a:off x="1350996" y="2832820"/>
+            <a:ext cx="2422789" cy="369332"/>
+          </a:xfrm>
+          <a:prstGeom prst="rect">
+            <a:avLst/>
+          </a:prstGeom>
+        </p:spPr>
+        <p:style>
+          <a:lnRef idx="1">
+            <a:schemeClr val="accent2"/>
+          </a:lnRef>
+          <a:fillRef idx="2">
+            <a:schemeClr val="accent2"/>
+          </a:fillRef>
+          <a:effectRef idx="1">
+            <a:schemeClr val="accent2"/>
+          </a:effectRef>
+          <a:fontRef idx="minor">
+            <a:schemeClr val="dk1"/>
+          </a:fontRef>
+        </p:style>
+        <p:txBody>
+          <a:bodyPr wrap="square" rtlCol="0">
+            <a:spAutoFit/>
+          </a:bodyPr>
+          <a:lstStyle/>
+          <a:p>
+            <a:pPr algn="ctr"/>
+            <a:r>
+              <a:rPr lang="en-US"/>
+              <a:t>setx</a:t>
+            </a:r>
+          </a:p>
+        </p:txBody>
+      </p:sp>
+      <p:sp>
+        <p:nvSpPr>
+          <p:cNvPr id="6" name="TextBox 5"/>
+          <p:cNvSpPr txBox="1"/>
+          <p:nvPr/>
+        </p:nvSpPr>
+        <p:spPr>
+          <a:xfrm>
+            <a:off x="1350996" y="4036661"/>
+            <a:ext cx="2422789" cy="369332"/>
+          </a:xfrm>
+          <a:prstGeom prst="rect">
+            <a:avLst/>
+          </a:prstGeom>
+        </p:spPr>
+        <p:style>
+          <a:lnRef idx="1">
+            <a:schemeClr val="accent3"/>
+          </a:lnRef>
+          <a:fillRef idx="2">
+            <a:schemeClr val="accent3"/>
+          </a:fillRef>
+          <a:effectRef idx="1">
+            <a:schemeClr val="accent3"/>
+          </a:effectRef>
+          <a:fontRef idx="minor">
+            <a:schemeClr val="dk1"/>
+          </a:fontRef>
+        </p:style>
+        <p:txBody>
+          <a:bodyPr wrap="square" rtlCol="0">
+            <a:spAutoFit/>
+          </a:bodyPr>
+          <a:lstStyle/>
+          <a:p>
+            <a:pPr algn="ctr"/>
+            <a:r>
+              <a:rPr lang="en-US"/>
+              <a:t>sim</a:t>
+            </a:r>
+          </a:p>
+        </p:txBody>
+      </p:sp>
+      <p:sp>
+        <p:nvSpPr>
+          <p:cNvPr id="7" name="TextBox 6"/>
+          <p:cNvSpPr txBox="1"/>
+          <p:nvPr/>
+        </p:nvSpPr>
+        <p:spPr>
+          <a:xfrm>
+            <a:off x="5052616" y="1709952"/>
+            <a:ext cx="3377607" cy="400110"/>
+          </a:xfrm>
+          <a:prstGeom prst="rect">
+            <a:avLst/>
+          </a:prstGeom>
+        </p:spPr>
+        <p:style>
+          <a:lnRef idx="1">
+            <a:schemeClr val="accent1"/>
+          </a:lnRef>
+          <a:fillRef idx="2">
+            <a:schemeClr val="accent1"/>
+          </a:fillRef>
+          <a:effectRef idx="1">
+            <a:schemeClr val="accent1"/>
+          </a:effectRef>
+          <a:fontRef idx="minor">
+            <a:schemeClr val="dk1"/>
+          </a:fontRef>
+        </p:style>
+        <p:txBody>
+          <a:bodyPr wrap="square" rtlCol="0">
+            <a:spAutoFit/>
+          </a:bodyPr>
+          <a:lstStyle/>
+          <a:p>
+            <a:pPr>
+              <a:buFont typeface="Arial"/>
+              <a:buChar char="•"/>
             </a:pPr>
             <a:r>
-              <a:rPr lang="en-US" sz="3600" b="1" dirty="0" smtClean="0"/>
-              <a:t>Five things are needed:</a:t>
-            </a:r>
-          </a:p>
-          <a:p>
-            <a:pPr marL="514350" indent="-514350">
-              <a:buFont typeface="+mj-lt"/>
-              <a:buAutoNum type="arabicPeriod"/>
+              <a:rPr lang="en-US" sz="2000"/>
+              <a:t> Calls "zelig2</a:t>
+            </a:r>
+            <a:r>
+              <a:rPr lang="en-US" sz="2000" i="1"/>
+              <a:t>&lt;model-name&gt;</a:t>
+            </a:r>
+            <a:r>
+              <a:rPr lang="en-US" sz="2000"/>
+              <a:t>"</a:t>
+            </a:r>
+          </a:p>
+        </p:txBody>
+      </p:sp>
+      <p:sp>
+        <p:nvSpPr>
+          <p:cNvPr id="8" name="TextBox 7"/>
+          <p:cNvSpPr txBox="1"/>
+          <p:nvPr/>
+        </p:nvSpPr>
+        <p:spPr>
+          <a:xfrm>
+            <a:off x="5052616" y="2832820"/>
+            <a:ext cx="3377607" cy="1015663"/>
+          </a:xfrm>
+          <a:prstGeom prst="rect">
+            <a:avLst/>
+          </a:prstGeom>
+        </p:spPr>
+        <p:style>
+          <a:lnRef idx="1">
+            <a:schemeClr val="accent2"/>
+          </a:lnRef>
+          <a:fillRef idx="2">
+            <a:schemeClr val="accent2"/>
+          </a:fillRef>
+          <a:effectRef idx="1">
+            <a:schemeClr val="accent2"/>
+          </a:effectRef>
+          <a:fontRef idx="minor">
+            <a:schemeClr val="dk1"/>
+          </a:fontRef>
+        </p:style>
+        <p:txBody>
+          <a:bodyPr wrap="square" rtlCol="0">
+            <a:spAutoFit/>
+          </a:bodyPr>
+          <a:lstStyle/>
+          <a:p>
+            <a:pPr>
+              <a:buFont typeface="Arial"/>
+              <a:buChar char="•"/>
             </a:pPr>
             <a:r>
-              <a:rPr lang="en-US" dirty="0" smtClean="0"/>
-              <a:t>Package </a:t>
-            </a:r>
-            <a:r>
-              <a:rPr lang="en-US" dirty="0"/>
-              <a:t>Name, e.g. "</a:t>
-            </a:r>
-            <a:r>
-              <a:rPr lang="en-US" dirty="0" err="1"/>
-              <a:t>ZeligLeastSquares</a:t>
-            </a:r>
-            <a:r>
-              <a:rPr lang="en-US" dirty="0"/>
+              <a:rPr lang="en-US" sz="2000"/>
+              <a:t> Calls nothing</a:t>
+            </a:r>
+          </a:p>
+          <a:p>
+            <a:pPr>
+              <a:buFont typeface="Arial"/>
+              <a:buChar char="•"/>
+            </a:pPr>
+            <a:r>
+              <a:rPr lang="en-US" sz="2000"/>
+              <a:t> Knows how to build design matrix without help (usually)</a:t>
+            </a:r>
+          </a:p>
+        </p:txBody>
+      </p:sp>
+      <p:sp>
+        <p:nvSpPr>
+          <p:cNvPr id="9" name="TextBox 8"/>
+          <p:cNvSpPr txBox="1"/>
+          <p:nvPr/>
+        </p:nvSpPr>
+        <p:spPr>
+          <a:xfrm>
+            <a:off x="5052616" y="4036661"/>
+            <a:ext cx="3377607" cy="707886"/>
+          </a:xfrm>
+          <a:prstGeom prst="rect">
+            <a:avLst/>
+          </a:prstGeom>
+        </p:spPr>
+        <p:style>
+          <a:lnRef idx="1">
+            <a:schemeClr val="accent3"/>
+          </a:lnRef>
+          <a:fillRef idx="2">
+            <a:schemeClr val="accent3"/>
+          </a:fillRef>
+          <a:effectRef idx="1">
+            <a:schemeClr val="accent3"/>
+          </a:effectRef>
+          <a:fontRef idx="minor">
+            <a:schemeClr val="dk1"/>
+          </a:fontRef>
+        </p:style>
+        <p:txBody>
+          <a:bodyPr wrap="square" rtlCol="0">
+            <a:spAutoFit/>
+          </a:bodyPr>
+          <a:lstStyle/>
+          <a:p>
+            <a:pPr>
+              <a:buFont typeface="Arial"/>
+              <a:buChar char="•"/>
+            </a:pPr>
+            <a:r>
+              <a:rPr lang="en-US" sz="2000"/>
+              <a:t> Calls "param.</a:t>
+            </a:r>
+            <a:r>
+              <a:rPr lang="en-US" sz="2000" i="1"/>
+              <a:t>&lt;model-name&gt;</a:t>
+            </a:r>
+            <a:r>
+              <a:rPr lang="en-US" sz="2000"/>
               <a:t>"</a:t>
             </a:r>
           </a:p>
           <a:p>
-            <a:pPr marL="514350" indent="-514350">
-              <a:buFont typeface="+mj-lt"/>
-              <a:buAutoNum type="arabicPeriod"/>
+            <a:pPr>
+              <a:buFont typeface="Arial"/>
+              <a:buChar char="•"/>
             </a:pPr>
             <a:r>
-              <a:rPr lang="en-US" dirty="0"/>
-              <a:t>Model Names, e.g. "</a:t>
-            </a:r>
-            <a:r>
-              <a:rPr lang="en-US" dirty="0" err="1"/>
-              <a:t>logit</a:t>
-            </a:r>
-            <a:r>
-              <a:rPr lang="en-US" dirty="0"/>
-              <a:t>" or "gamma"</a:t>
-            </a:r>
-          </a:p>
-          <a:p>
-            <a:pPr marL="514350" indent="-514350">
-              <a:buFont typeface="+mj-lt"/>
-              <a:buAutoNum type="arabicPeriod"/>
-            </a:pPr>
-            <a:r>
-              <a:rPr lang="en-US" dirty="0"/>
-              <a:t>R-package dependencies, e.g. "lme4"</a:t>
-            </a:r>
-          </a:p>
-          <a:p>
-            <a:pPr marL="514350" indent="-514350">
-              <a:buFont typeface="+mj-lt"/>
-              <a:buAutoNum type="arabicPeriod"/>
-            </a:pPr>
-            <a:r>
-              <a:rPr lang="en-US" dirty="0"/>
-              <a:t>Author Name</a:t>
-            </a:r>
-          </a:p>
-          <a:p>
-            <a:pPr marL="514350" indent="-514350">
-              <a:buFont typeface="+mj-lt"/>
-              <a:buAutoNum type="arabicPeriod"/>
-            </a:pPr>
-            <a:r>
-              <a:rPr lang="en-US" dirty="0"/>
-              <a:t>Author Email (for use with CRAN)</a:t>
-            </a:r>
-          </a:p>
-        </p:txBody>
-      </p:sp>
+              <a:rPr lang="en-US" sz="2000"/>
+              <a:t> Calls "qi.</a:t>
+            </a:r>
+            <a:r>
+              <a:rPr lang="en-US" sz="2000" i="1"/>
+              <a:t>&lt;model-name&gt;</a:t>
+            </a:r>
+            <a:r>
+              <a:rPr lang="en-US" sz="2000"/>
+              <a:t>"</a:t>
+            </a:r>
+          </a:p>
+        </p:txBody>
+      </p:sp>
+      <p:cxnSp>
+        <p:nvCxnSpPr>
+          <p:cNvPr id="10" name="Straight Connector 9"/>
+          <p:cNvCxnSpPr/>
+          <p:nvPr/>
+        </p:nvCxnSpPr>
+        <p:spPr>
+          <a:xfrm rot="5400000">
+            <a:off x="2245383" y="2390201"/>
+            <a:ext cx="623422" cy="1588"/>
+          </a:xfrm>
+          <a:prstGeom prst="line">
+            <a:avLst/>
+          </a:prstGeom>
+          <a:ln>
+            <a:tailEnd type="triangle" w="lg"/>
+          </a:ln>
+        </p:spPr>
+        <p:style>
+          <a:lnRef idx="2">
+            <a:schemeClr val="accent1"/>
+          </a:lnRef>
+          <a:fillRef idx="0">
+            <a:schemeClr val="accent1"/>
+          </a:fillRef>
+          <a:effectRef idx="1">
+            <a:schemeClr val="accent1"/>
+          </a:effectRef>
+          <a:fontRef idx="minor">
+            <a:schemeClr val="tx1"/>
+          </a:fontRef>
+        </p:style>
+      </p:cxnSp>
+      <p:cxnSp>
+        <p:nvCxnSpPr>
+          <p:cNvPr id="11" name="Straight Connector 10"/>
+          <p:cNvCxnSpPr/>
+          <p:nvPr/>
+        </p:nvCxnSpPr>
+        <p:spPr>
+          <a:xfrm rot="5400000">
+            <a:off x="2246971" y="3513069"/>
+            <a:ext cx="623422" cy="1588"/>
+          </a:xfrm>
+          <a:prstGeom prst="line">
+            <a:avLst/>
+          </a:prstGeom>
+          <a:ln>
+            <a:tailEnd type="triangle" w="lg"/>
+          </a:ln>
+        </p:spPr>
+        <p:style>
+          <a:lnRef idx="2">
+            <a:schemeClr val="accent1"/>
+          </a:lnRef>
+          <a:fillRef idx="0">
+            <a:schemeClr val="accent1"/>
+          </a:fillRef>
+          <a:effectRef idx="1">
+            <a:schemeClr val="accent1"/>
+          </a:effectRef>
+          <a:fontRef idx="minor">
+            <a:schemeClr val="tx1"/>
+          </a:fontRef>
+        </p:style>
+      </p:cxnSp>
+      <p:cxnSp>
+        <p:nvCxnSpPr>
+          <p:cNvPr id="12" name="Straight Connector 11"/>
+          <p:cNvCxnSpPr/>
+          <p:nvPr/>
+        </p:nvCxnSpPr>
+        <p:spPr>
+          <a:xfrm>
+            <a:off x="3773785" y="1889963"/>
+            <a:ext cx="1278831" cy="1588"/>
+          </a:xfrm>
+          <a:prstGeom prst="line">
+            <a:avLst/>
+          </a:prstGeom>
+          <a:ln/>
+        </p:spPr>
+        <p:style>
+          <a:lnRef idx="2">
+            <a:schemeClr val="accent1"/>
+          </a:lnRef>
+          <a:fillRef idx="0">
+            <a:schemeClr val="accent1"/>
+          </a:fillRef>
+          <a:effectRef idx="1">
+            <a:schemeClr val="accent1"/>
+          </a:effectRef>
+          <a:fontRef idx="minor">
+            <a:schemeClr val="tx1"/>
+          </a:fontRef>
+        </p:style>
+      </p:cxnSp>
+      <p:cxnSp>
+        <p:nvCxnSpPr>
+          <p:cNvPr id="13" name="Straight Connector 12"/>
+          <p:cNvCxnSpPr/>
+          <p:nvPr/>
+        </p:nvCxnSpPr>
+        <p:spPr>
+          <a:xfrm>
+            <a:off x="3773785" y="3016584"/>
+            <a:ext cx="1278831" cy="1588"/>
+          </a:xfrm>
+          <a:prstGeom prst="line">
+            <a:avLst/>
+          </a:prstGeom>
+          <a:ln/>
+        </p:spPr>
+        <p:style>
+          <a:lnRef idx="2">
+            <a:schemeClr val="accent1"/>
+          </a:lnRef>
+          <a:fillRef idx="0">
+            <a:schemeClr val="accent1"/>
+          </a:fillRef>
+          <a:effectRef idx="1">
+            <a:schemeClr val="accent1"/>
+          </a:effectRef>
+          <a:fontRef idx="minor">
+            <a:schemeClr val="tx1"/>
+          </a:fontRef>
+        </p:style>
+      </p:cxnSp>
+      <p:cxnSp>
+        <p:nvCxnSpPr>
+          <p:cNvPr id="14" name="Straight Connector 13"/>
+          <p:cNvCxnSpPr/>
+          <p:nvPr/>
+        </p:nvCxnSpPr>
+        <p:spPr>
+          <a:xfrm>
+            <a:off x="3773785" y="4214566"/>
+            <a:ext cx="1278831" cy="1588"/>
+          </a:xfrm>
+          <a:prstGeom prst="line">
+            <a:avLst/>
+          </a:prstGeom>
+          <a:ln/>
+        </p:spPr>
+        <p:style>
+          <a:lnRef idx="2">
+            <a:schemeClr val="accent1"/>
+          </a:lnRef>
+          <a:fillRef idx="0">
+            <a:schemeClr val="accent1"/>
+          </a:fillRef>
+          <a:effectRef idx="1">
+            <a:schemeClr val="accent1"/>
+          </a:effectRef>
+          <a:fontRef idx="minor">
+            <a:schemeClr val="tx1"/>
+          </a:fontRef>
+        </p:style>
+      </p:cxnSp>
     </p:spTree>
-    <p:extLst>
-      <p:ext uri="{BB962C8B-B14F-4D97-AF65-F5344CB8AC3E}">
-        <p14:creationId xmlns:p14="http://schemas.microsoft.com/office/powerpoint/2010/main" xmlns:p="http://schemas.openxmlformats.org/presentationml/2006/main" xmlns:r="http://schemas.openxmlformats.org/officeDocument/2006/relationships" xmlns:a="http://schemas.openxmlformats.org/drawingml/2006/main" xmlns="" val="973143670"/>
-      </p:ext>
-    </p:extLst>
   </p:cSld>
   <p:clrMapOvr>
     <a:masterClrMapping/>
@@ -4353,7 +6086,7 @@
       </p:grpSpPr>
       <p:sp>
         <p:nvSpPr>
-          <p:cNvPr id="9" name="Title 8"/>
+          <p:cNvPr id="2" name="Title 1"/>
           <p:cNvSpPr>
             <a:spLocks noGrp="1"/>
           </p:cNvSpPr>
@@ -4368,14 +6101,14 @@
           <a:p>
             <a:r>
               <a:rPr lang="en-US"/>
-              <a:t>Using zelig.skeleton</a:t>
-            </a:r>
-          </a:p>
-        </p:txBody>
-      </p:sp>
-      <p:sp>
-        <p:nvSpPr>
-          <p:cNvPr id="10" name="Content Placeholder 9"/>
+              <a:t>Overview</a:t>
+            </a:r>
+          </a:p>
+        </p:txBody>
+      </p:sp>
+      <p:sp>
+        <p:nvSpPr>
+          <p:cNvPr id="3" name="Content Placeholder 2"/>
           <p:cNvSpPr>
             <a:spLocks noGrp="1"/>
           </p:cNvSpPr>
@@ -4388,54 +6121,130 @@
           <a:bodyPr/>
           <a:lstStyle/>
           <a:p>
-            <a:pPr>
-              <a:buNone/>
-            </a:pPr>
-            <a:r>
-              <a:rPr lang="en-US"/>
-              <a:t>Getting started:</a:t>
-            </a:r>
-          </a:p>
-          <a:p>
-            <a:r>
-              <a:rPr lang="en-US"/>
-              <a:t>Pick a name for the Zelig package. For example:</a:t>
+            <a:r>
+              <a:rPr lang="en-US"/>
+              <a:t>Writing a zelig model is a three-stage process:</a:t>
             </a:r>
           </a:p>
           <a:p>
             <a:pPr lvl="1"/>
             <a:r>
               <a:rPr lang="en-US"/>
-              <a:t>"ZeligBayesian"</a:t>
+              <a:t>zelig2 method</a:t>
             </a:r>
           </a:p>
           <a:p>
             <a:pPr lvl="1"/>
             <a:r>
               <a:rPr lang="en-US"/>
-              <a:t>"ZeligLeastSquares"</a:t>
-            </a:r>
-          </a:p>
-          <a:p>
-            <a:r>
-              <a:rPr lang="en-US"/>
-              <a:t>Pick a model name:</a:t>
+              <a:t>param method</a:t>
             </a:r>
           </a:p>
           <a:p>
             <a:pPr lvl="1"/>
             <a:r>
               <a:rPr lang="en-US"/>
-              <a:t>"logit"</a:t>
+              <a:t>qi method</a:t>
+            </a:r>
+          </a:p>
+          <a:p>
+            <a:r>
+              <a:rPr lang="en-US"/>
+              <a:t>These correspond to</a:t>
             </a:r>
           </a:p>
           <a:p>
             <a:pPr lvl="1"/>
             <a:r>
               <a:rPr lang="en-US"/>
-              <a:t>"gamma"</a:t>
-            </a:r>
-          </a:p>
+              <a:t>Fitting the statistical model (zelig2)</a:t>
+            </a:r>
+          </a:p>
+          <a:p>
+            <a:pPr lvl="1"/>
+            <a:r>
+              <a:rPr lang="en-US"/>
+              <a:t>Parameter simulation (param)</a:t>
+            </a:r>
+          </a:p>
+          <a:p>
+            <a:pPr lvl="1"/>
+            <a:r>
+              <a:rPr lang="en-US"/>
+              <a:t>Quantity of interest simulation (qi)</a:t>
+            </a:r>
+          </a:p>
+        </p:txBody>
+      </p:sp>
+    </p:spTree>
+  </p:cSld>
+  <p:clrMapOvr>
+    <a:masterClrMapping/>
+  </p:clrMapOvr>
+  <p:timing>
+    <p:tnLst>
+      <p:par>
+        <p:cTn id="1" dur="indefinite" restart="never" nodeType="tmRoot"/>
+      </p:par>
+    </p:tnLst>
+  </p:timing>
+</p:sld>
+</file>
+
+<file path=ppt/slides/slide17.xml><?xml version="1.0" encoding="utf-8"?>
+<p:sld xmlns:a="http://schemas.openxmlformats.org/drawingml/2006/main" xmlns:r="http://schemas.openxmlformats.org/officeDocument/2006/relationships" xmlns:mc="http://schemas.openxmlformats.org/markup-compatibility/2006" xmlns:mv="urn:schemas-microsoft-com:mac:vml" xmlns:p="http://schemas.openxmlformats.org/presentationml/2006/main" mc:Ignorable="mv" mc:PreserveAttributes="mv:*">
+  <p:cSld>
+    <p:spTree>
+      <p:nvGrpSpPr>
+        <p:cNvPr id="1" name=""/>
+        <p:cNvGrpSpPr/>
+        <p:nvPr/>
+      </p:nvGrpSpPr>
+      <p:grpSpPr>
+        <a:xfrm>
+          <a:off x="0" y="0"/>
+          <a:ext cx="0" cy="0"/>
+          <a:chOff x="0" y="0"/>
+          <a:chExt cx="0" cy="0"/>
+        </a:xfrm>
+      </p:grpSpPr>
+      <p:sp>
+        <p:nvSpPr>
+          <p:cNvPr id="2" name="Title 1"/>
+          <p:cNvSpPr>
+            <a:spLocks noGrp="1"/>
+          </p:cNvSpPr>
+          <p:nvPr>
+            <p:ph type="ctrTitle"/>
+          </p:nvPr>
+        </p:nvSpPr>
+        <p:spPr/>
+        <p:txBody>
+          <a:bodyPr/>
+          <a:lstStyle/>
+          <a:p>
+            <a:r>
+              <a:rPr lang="en-US" dirty="0" smtClean="0"/>
+              <a:t>Creating a Statistical Package</a:t>
+            </a:r>
+            <a:endParaRPr lang="en-US" dirty="0"/>
+          </a:p>
+        </p:txBody>
+      </p:sp>
+      <p:sp>
+        <p:nvSpPr>
+          <p:cNvPr id="5" name="Subtitle 4"/>
+          <p:cNvSpPr>
+            <a:spLocks noGrp="1"/>
+          </p:cNvSpPr>
+          <p:nvPr>
+            <p:ph type="subTitle" idx="1"/>
+          </p:nvPr>
+        </p:nvSpPr>
+        <p:spPr/>
+        <p:txBody>
+          <a:bodyPr/>
+          <a:lstStyle/>
           <a:p>
             <a:endParaRPr lang="en-US"/>
           </a:p>
@@ -4444,7 +6253,7 @@
     </p:spTree>
     <p:extLst>
       <p:ext uri="{BB962C8B-B14F-4D97-AF65-F5344CB8AC3E}">
-        <p14:creationId xmlns:p14="http://schemas.microsoft.com/office/powerpoint/2010/main" xmlns:p="http://schemas.openxmlformats.org/presentationml/2006/main" xmlns:r="http://schemas.openxmlformats.org/officeDocument/2006/relationships" xmlns:a="http://schemas.openxmlformats.org/drawingml/2006/main" xmlns="" val="2675064339"/>
+        <p14:creationId xmlns="" xmlns:a="http://schemas.openxmlformats.org/drawingml/2006/main" xmlns:r="http://schemas.openxmlformats.org/officeDocument/2006/relationships" xmlns:p="http://schemas.openxmlformats.org/presentationml/2006/main" xmlns:p14="http://schemas.microsoft.com/office/powerpoint/2010/main" xmlns:mv="urn:schemas-microsoft-com:mac:vml" xmlns:mc="http://schemas.openxmlformats.org/markup-compatibility/2006" val="3700335886"/>
       </p:ext>
     </p:extLst>
   </p:cSld>
@@ -4461,7 +6270,985 @@
 </p:sld>
 </file>
 
-<file path=ppt/slides/slide17.xml><?xml version="1.0" encoding="utf-8"?>
+<file path=ppt/slides/slide18.xml><?xml version="1.0" encoding="utf-8"?>
+<p:sld xmlns:a="http://schemas.openxmlformats.org/drawingml/2006/main" xmlns:r="http://schemas.openxmlformats.org/officeDocument/2006/relationships" xmlns:mc="http://schemas.openxmlformats.org/markup-compatibility/2006" xmlns:mv="urn:schemas-microsoft-com:mac:vml" xmlns:p="http://schemas.openxmlformats.org/presentationml/2006/main" mc:Ignorable="mv" mc:PreserveAttributes="mv:*">
+  <p:cSld>
+    <p:spTree>
+      <p:nvGrpSpPr>
+        <p:cNvPr id="1" name=""/>
+        <p:cNvGrpSpPr/>
+        <p:nvPr/>
+      </p:nvGrpSpPr>
+      <p:grpSpPr>
+        <a:xfrm>
+          <a:off x="0" y="0"/>
+          <a:ext cx="0" cy="0"/>
+          <a:chOff x="0" y="0"/>
+          <a:chExt cx="0" cy="0"/>
+        </a:xfrm>
+      </p:grpSpPr>
+      <p:sp>
+        <p:nvSpPr>
+          <p:cNvPr id="2" name="Title 1"/>
+          <p:cNvSpPr>
+            <a:spLocks noGrp="1"/>
+          </p:cNvSpPr>
+          <p:nvPr>
+            <p:ph type="title"/>
+          </p:nvPr>
+        </p:nvSpPr>
+        <p:spPr/>
+        <p:txBody>
+          <a:bodyPr/>
+          <a:lstStyle/>
+          <a:p>
+            <a:r>
+              <a:rPr lang="en-US"/>
+              <a:t>Basics</a:t>
+            </a:r>
+          </a:p>
+        </p:txBody>
+      </p:sp>
+      <p:sp>
+        <p:nvSpPr>
+          <p:cNvPr id="3" name="Content Placeholder 2"/>
+          <p:cNvSpPr>
+            <a:spLocks noGrp="1"/>
+          </p:cNvSpPr>
+          <p:nvPr>
+            <p:ph idx="1"/>
+          </p:nvPr>
+        </p:nvSpPr>
+        <p:spPr/>
+        <p:txBody>
+          <a:bodyPr>
+            <a:normAutofit/>
+          </a:bodyPr>
+          <a:lstStyle/>
+          <a:p>
+            <a:r>
+              <a:rPr lang="en-US" b="1">
+                <a:latin typeface="Courier New"/>
+                <a:cs typeface="Courier New"/>
+              </a:rPr>
+              <a:t>help("package.skeleton")</a:t>
+            </a:r>
+          </a:p>
+          <a:p>
+            <a:r>
+              <a:rPr lang="en-US"/>
+              <a:t>"package.skeleton" creates the outline of a statistical package (creates all necessary files/folders)</a:t>
+            </a:r>
+          </a:p>
+          <a:p>
+            <a:r>
+              <a:rPr lang="en-US" b="1">
+                <a:latin typeface="Courier New"/>
+                <a:cs typeface="Courier New"/>
+              </a:rPr>
+              <a:t>help("zelig.skeleton", "Zelig")</a:t>
+            </a:r>
+          </a:p>
+          <a:p>
+            <a:r>
+              <a:rPr lang="en-US"/>
+              <a:t>"zelig.skeleton" behaves identically except it follows a pattern more useful for Zelig packages</a:t>
+            </a:r>
+          </a:p>
+        </p:txBody>
+      </p:sp>
+    </p:spTree>
+  </p:cSld>
+  <p:clrMapOvr>
+    <a:masterClrMapping/>
+  </p:clrMapOvr>
+  <p:timing>
+    <p:tnLst>
+      <p:par>
+        <p:cTn id="1" dur="indefinite" restart="never" nodeType="tmRoot"/>
+      </p:par>
+    </p:tnLst>
+  </p:timing>
+</p:sld>
+</file>
+
+<file path=ppt/slides/slide19.xml><?xml version="1.0" encoding="utf-8"?>
+<p:sld xmlns:a="http://schemas.openxmlformats.org/drawingml/2006/main" xmlns:r="http://schemas.openxmlformats.org/officeDocument/2006/relationships" xmlns:mc="http://schemas.openxmlformats.org/markup-compatibility/2006" xmlns:mv="urn:schemas-microsoft-com:mac:vml" xmlns:p="http://schemas.openxmlformats.org/presentationml/2006/main" mc:Ignorable="mv" mc:PreserveAttributes="mv:*">
+  <p:cSld>
+    <p:spTree>
+      <p:nvGrpSpPr>
+        <p:cNvPr id="1" name=""/>
+        <p:cNvGrpSpPr/>
+        <p:nvPr/>
+      </p:nvGrpSpPr>
+      <p:grpSpPr>
+        <a:xfrm>
+          <a:off x="0" y="0"/>
+          <a:ext cx="0" cy="0"/>
+          <a:chOff x="0" y="0"/>
+          <a:chExt cx="0" cy="0"/>
+        </a:xfrm>
+      </p:grpSpPr>
+      <p:sp>
+        <p:nvSpPr>
+          <p:cNvPr id="2" name="Title 1"/>
+          <p:cNvSpPr>
+            <a:spLocks noGrp="1"/>
+          </p:cNvSpPr>
+          <p:nvPr>
+            <p:ph type="title"/>
+          </p:nvPr>
+        </p:nvSpPr>
+        <p:spPr/>
+        <p:txBody>
+          <a:bodyPr>
+            <a:normAutofit/>
+          </a:bodyPr>
+          <a:lstStyle/>
+          <a:p>
+            <a:r>
+              <a:rPr lang="en-US"/>
+              <a:t>Using "package.skeleton"</a:t>
+            </a:r>
+          </a:p>
+        </p:txBody>
+      </p:sp>
+      <p:sp>
+        <p:nvSpPr>
+          <p:cNvPr id="3" name="Content Placeholder 2"/>
+          <p:cNvSpPr>
+            <a:spLocks noGrp="1"/>
+          </p:cNvSpPr>
+          <p:nvPr>
+            <p:ph idx="1"/>
+          </p:nvPr>
+        </p:nvSpPr>
+        <p:spPr/>
+        <p:txBody>
+          <a:bodyPr/>
+          <a:lstStyle/>
+          <a:p>
+            <a:r>
+              <a:rPr lang="en-US"/>
+              <a:t>This creates a folder titled "SomePackage"</a:t>
+            </a:r>
+          </a:p>
+          <a:p>
+            <a:r>
+              <a:rPr lang="en-US"/>
+              <a:t>Create an R package with a single function "f"</a:t>
+            </a:r>
+          </a:p>
+          <a:p>
+            <a:r>
+              <a:rPr lang="en-US"/>
+              <a:t>Titles the package "SomePackage"</a:t>
+            </a:r>
+          </a:p>
+          <a:p>
+            <a:r>
+              <a:rPr lang="en-US"/>
+              <a:t>This package will not be "installable" until the author edits the ".Rd" files (found in the "man/" directory)</a:t>
+            </a:r>
+          </a:p>
+        </p:txBody>
+      </p:sp>
+    </p:spTree>
+  </p:cSld>
+  <p:clrMapOvr>
+    <a:masterClrMapping/>
+  </p:clrMapOvr>
+</p:sld>
+</file>
+
+<file path=ppt/slides/slide2.xml><?xml version="1.0" encoding="utf-8"?>
+<p:sld xmlns:a="http://schemas.openxmlformats.org/drawingml/2006/main" xmlns:r="http://schemas.openxmlformats.org/officeDocument/2006/relationships" xmlns:mc="http://schemas.openxmlformats.org/markup-compatibility/2006" xmlns:mv="urn:schemas-microsoft-com:mac:vml" xmlns:p="http://schemas.openxmlformats.org/presentationml/2006/main" mc:Ignorable="mv" mc:PreserveAttributes="mv:*">
+  <p:cSld>
+    <p:spTree>
+      <p:nvGrpSpPr>
+        <p:cNvPr id="1" name=""/>
+        <p:cNvGrpSpPr/>
+        <p:nvPr/>
+      </p:nvGrpSpPr>
+      <p:grpSpPr>
+        <a:xfrm>
+          <a:off x="0" y="0"/>
+          <a:ext cx="0" cy="0"/>
+          <a:chOff x="0" y="0"/>
+          <a:chExt cx="0" cy="0"/>
+        </a:xfrm>
+      </p:grpSpPr>
+      <p:sp>
+        <p:nvSpPr>
+          <p:cNvPr id="2" name="Title 1"/>
+          <p:cNvSpPr>
+            <a:spLocks noGrp="1"/>
+          </p:cNvSpPr>
+          <p:nvPr>
+            <p:ph type="title"/>
+          </p:nvPr>
+        </p:nvSpPr>
+        <p:spPr/>
+        <p:txBody>
+          <a:bodyPr/>
+          <a:lstStyle/>
+          <a:p>
+            <a:r>
+              <a:rPr lang="en-US"/>
+              <a:t>Outline</a:t>
+            </a:r>
+          </a:p>
+        </p:txBody>
+      </p:sp>
+      <p:sp>
+        <p:nvSpPr>
+          <p:cNvPr id="3" name="Content Placeholder 2"/>
+          <p:cNvSpPr>
+            <a:spLocks noGrp="1"/>
+          </p:cNvSpPr>
+          <p:nvPr>
+            <p:ph idx="1"/>
+          </p:nvPr>
+        </p:nvSpPr>
+        <p:spPr/>
+        <p:txBody>
+          <a:bodyPr>
+            <a:normAutofit fontScale="92500" lnSpcReduction="10000"/>
+          </a:bodyPr>
+          <a:lstStyle/>
+          <a:p>
+            <a:pPr marL="514350" indent="-514350">
+              <a:buFont typeface="+mj-lt"/>
+              <a:buAutoNum type="arabicPeriod"/>
+            </a:pPr>
+            <a:r>
+              <a:rPr lang="en-US" dirty="0"/>
+              <a:t>What is a statistical </a:t>
+            </a:r>
+            <a:r>
+              <a:rPr lang="en-US" dirty="0" smtClean="0"/>
+              <a:t>package</a:t>
+            </a:r>
+          </a:p>
+          <a:p>
+            <a:pPr marL="514350" indent="-514350">
+              <a:buFont typeface="+mj-lt"/>
+              <a:buAutoNum type="arabicPeriod"/>
+            </a:pPr>
+            <a:r>
+              <a:rPr lang="en-US" dirty="0" smtClean="0"/>
+              <a:t>Structure of a Zelig package</a:t>
+            </a:r>
+          </a:p>
+          <a:p>
+            <a:pPr marL="514350" indent="-514350">
+              <a:buFont typeface="+mj-lt"/>
+              <a:buAutoNum type="arabicPeriod"/>
+            </a:pPr>
+            <a:r>
+              <a:rPr lang="en-US" dirty="0" smtClean="0"/>
+              <a:t>Creating a statistical package</a:t>
+            </a:r>
+            <a:endParaRPr lang="en-US" dirty="0"/>
+          </a:p>
+          <a:p>
+            <a:pPr marL="514350" indent="-514350">
+              <a:buFont typeface="+mj-lt"/>
+              <a:buAutoNum type="arabicPeriod"/>
+            </a:pPr>
+            <a:r>
+              <a:rPr lang="en-US" dirty="0" smtClean="0"/>
+              <a:t>Model </a:t>
+            </a:r>
+            <a:r>
+              <a:rPr lang="en-US" dirty="0"/>
+              <a:t>fitting functions</a:t>
+            </a:r>
+          </a:p>
+          <a:p>
+            <a:pPr marL="514350" indent="-514350">
+              <a:buFont typeface="+mj-lt"/>
+              <a:buAutoNum type="arabicPeriod"/>
+            </a:pPr>
+            <a:r>
+              <a:rPr lang="en-US" dirty="0"/>
+              <a:t>The </a:t>
+            </a:r>
+            <a:r>
+              <a:rPr lang="en-US" b="1" dirty="0">
+                <a:latin typeface="Courier New"/>
+                <a:cs typeface="Courier New"/>
+              </a:rPr>
+              <a:t>zelig2</a:t>
+            </a:r>
+            <a:r>
+              <a:rPr lang="en-US" dirty="0"/>
+              <a:t> </a:t>
+            </a:r>
+            <a:r>
+              <a:rPr lang="en-US" dirty="0" smtClean="0"/>
+              <a:t>method</a:t>
+            </a:r>
+          </a:p>
+          <a:p>
+            <a:pPr marL="514350" indent="-514350">
+              <a:buFont typeface="+mj-lt"/>
+              <a:buAutoNum type="arabicPeriod"/>
+            </a:pPr>
+            <a:r>
+              <a:rPr lang="en-US" dirty="0"/>
+              <a:t>Workflow for creating a statistical </a:t>
+            </a:r>
+            <a:r>
+              <a:rPr lang="en-US" dirty="0" smtClean="0"/>
+              <a:t>package</a:t>
+            </a:r>
+            <a:endParaRPr lang="en-US" dirty="0"/>
+          </a:p>
+          <a:p>
+            <a:pPr marL="514350" indent="-514350">
+              <a:buFont typeface="+mj-lt"/>
+              <a:buAutoNum type="arabicPeriod"/>
+            </a:pPr>
+            <a:r>
+              <a:rPr lang="en-US" dirty="0"/>
+              <a:t>Looking </a:t>
+            </a:r>
+            <a:r>
+              <a:rPr lang="en-US" dirty="0" smtClean="0"/>
+              <a:t>ahead</a:t>
+            </a:r>
+            <a:endParaRPr lang="en-US" dirty="0"/>
+          </a:p>
+          <a:p>
+            <a:pPr lvl="1"/>
+            <a:r>
+              <a:rPr lang="en-US" dirty="0"/>
+              <a:t>Design (a.k.a. model) matrices</a:t>
+            </a:r>
+          </a:p>
+          <a:p>
+            <a:pPr lvl="1"/>
+            <a:r>
+              <a:rPr lang="en-US" dirty="0"/>
+              <a:t>Counterfactuals and interaction terms</a:t>
+            </a:r>
+          </a:p>
+          <a:p>
+            <a:pPr lvl="1"/>
+            <a:endParaRPr lang="en-US" dirty="0"/>
+          </a:p>
+          <a:p>
+            <a:pPr lvl="1"/>
+            <a:endParaRPr lang="en-US" dirty="0"/>
+          </a:p>
+        </p:txBody>
+      </p:sp>
+    </p:spTree>
+  </p:cSld>
+  <p:clrMapOvr>
+    <a:masterClrMapping/>
+  </p:clrMapOvr>
+  <p:timing>
+    <p:tnLst>
+      <p:par>
+        <p:cTn id="1" dur="indefinite" restart="never" nodeType="tmRoot"/>
+      </p:par>
+    </p:tnLst>
+  </p:timing>
+</p:sld>
+</file>
+
+<file path=ppt/slides/slide20.xml><?xml version="1.0" encoding="utf-8"?>
+<p:sld xmlns:a="http://schemas.openxmlformats.org/drawingml/2006/main" xmlns:r="http://schemas.openxmlformats.org/officeDocument/2006/relationships" xmlns:mc="http://schemas.openxmlformats.org/markup-compatibility/2006" xmlns:mv="urn:schemas-microsoft-com:mac:vml" xmlns:p="http://schemas.openxmlformats.org/presentationml/2006/main" mc:Ignorable="mv" mc:PreserveAttributes="mv:*">
+  <p:cSld>
+    <p:spTree>
+      <p:nvGrpSpPr>
+        <p:cNvPr id="1" name=""/>
+        <p:cNvGrpSpPr/>
+        <p:nvPr/>
+      </p:nvGrpSpPr>
+      <p:grpSpPr>
+        <a:xfrm>
+          <a:off x="0" y="0"/>
+          <a:ext cx="0" cy="0"/>
+          <a:chOff x="0" y="0"/>
+          <a:chExt cx="0" cy="0"/>
+        </a:xfrm>
+      </p:grpSpPr>
+      <p:sp>
+        <p:nvSpPr>
+          <p:cNvPr id="2" name="Title 1"/>
+          <p:cNvSpPr>
+            <a:spLocks noGrp="1"/>
+          </p:cNvSpPr>
+          <p:nvPr>
+            <p:ph type="title"/>
+          </p:nvPr>
+        </p:nvSpPr>
+        <p:spPr/>
+        <p:txBody>
+          <a:bodyPr/>
+          <a:lstStyle/>
+          <a:p>
+            <a:r>
+              <a:rPr lang="en-US"/>
+              <a:t>Using "package.skeleton"</a:t>
+            </a:r>
+          </a:p>
+        </p:txBody>
+      </p:sp>
+      <p:sp>
+        <p:nvSpPr>
+          <p:cNvPr id="3" name="Content Placeholder 2"/>
+          <p:cNvSpPr>
+            <a:spLocks noGrp="1"/>
+          </p:cNvSpPr>
+          <p:nvPr>
+            <p:ph idx="1"/>
+          </p:nvPr>
+        </p:nvSpPr>
+        <p:spPr/>
+        <p:txBody>
+          <a:bodyPr>
+            <a:noAutofit/>
+          </a:bodyPr>
+          <a:lstStyle/>
+          <a:p>
+            <a:pPr>
+              <a:buNone/>
+            </a:pPr>
+            <a:r>
+              <a:rPr lang="en-US" sz="1800">
+                <a:latin typeface="Courier New"/>
+                <a:cs typeface="Courier New"/>
+              </a:rPr>
+              <a:t>&gt; f &lt;- function (...) 1</a:t>
+            </a:r>
+          </a:p>
+          <a:p>
+            <a:pPr>
+              <a:buNone/>
+            </a:pPr>
+            <a:r>
+              <a:rPr lang="en-US" sz="1800">
+                <a:latin typeface="Courier New"/>
+                <a:cs typeface="Courier New"/>
+              </a:rPr>
+              <a:t>&gt; package.skeleton("SomePackage", "f")</a:t>
+            </a:r>
+          </a:p>
+          <a:p>
+            <a:pPr>
+              <a:buNone/>
+            </a:pPr>
+            <a:r>
+              <a:rPr lang="en-US" sz="1800" b="1">
+                <a:latin typeface="Courier New"/>
+                <a:cs typeface="Courier New"/>
+              </a:rPr>
+              <a:t>Creating directories ...</a:t>
+            </a:r>
+          </a:p>
+          <a:p>
+            <a:pPr>
+              <a:buNone/>
+            </a:pPr>
+            <a:r>
+              <a:rPr lang="en-US" sz="1800" b="1">
+                <a:latin typeface="Courier New"/>
+                <a:cs typeface="Courier New"/>
+              </a:rPr>
+              <a:t>Creating DESCRIPTION ...</a:t>
+            </a:r>
+          </a:p>
+          <a:p>
+            <a:pPr>
+              <a:buNone/>
+            </a:pPr>
+            <a:r>
+              <a:rPr lang="en-US" sz="1800" b="1">
+                <a:latin typeface="Courier New"/>
+                <a:cs typeface="Courier New"/>
+              </a:rPr>
+              <a:t>Creating Read-and-delete-me ...</a:t>
+            </a:r>
+          </a:p>
+          <a:p>
+            <a:pPr>
+              <a:buNone/>
+            </a:pPr>
+            <a:r>
+              <a:rPr lang="en-US" sz="1800" b="1">
+                <a:latin typeface="Courier New"/>
+                <a:cs typeface="Courier New"/>
+              </a:rPr>
+              <a:t>Saving functions and data ...</a:t>
+            </a:r>
+          </a:p>
+          <a:p>
+            <a:pPr>
+              <a:buNone/>
+            </a:pPr>
+            <a:r>
+              <a:rPr lang="en-US" sz="1800" b="1">
+                <a:latin typeface="Courier New"/>
+                <a:cs typeface="Courier New"/>
+              </a:rPr>
+              <a:t>Making help files ...</a:t>
+            </a:r>
+          </a:p>
+          <a:p>
+            <a:pPr>
+              <a:buNone/>
+            </a:pPr>
+            <a:r>
+              <a:rPr lang="en-US" sz="1800" b="1">
+                <a:latin typeface="Courier New"/>
+                <a:cs typeface="Courier New"/>
+              </a:rPr>
+              <a:t>Done.</a:t>
+            </a:r>
+          </a:p>
+          <a:p>
+            <a:pPr>
+              <a:buNone/>
+            </a:pPr>
+            <a:r>
+              <a:rPr lang="en-US" sz="1800" b="1">
+                <a:latin typeface="Courier New"/>
+                <a:cs typeface="Courier New"/>
+              </a:rPr>
+              <a:t>Further steps are described in './SomePackage/Read-and-delete-me'.</a:t>
+            </a:r>
+          </a:p>
+          <a:p>
+            <a:pPr>
+              <a:buNone/>
+            </a:pPr>
+            <a:r>
+              <a:rPr lang="en-US" sz="1800">
+                <a:latin typeface="Courier New"/>
+                <a:cs typeface="Courier New"/>
+              </a:rPr>
+              <a:t>&gt; </a:t>
+            </a:r>
+          </a:p>
+          <a:p>
+            <a:pPr>
+              <a:buNone/>
+            </a:pPr>
+            <a:endParaRPr lang="en-US" sz="1800">
+              <a:latin typeface="Courier New"/>
+              <a:cs typeface="Courier New"/>
+            </a:endParaRPr>
+          </a:p>
+        </p:txBody>
+      </p:sp>
+    </p:spTree>
+  </p:cSld>
+  <p:clrMapOvr>
+    <a:masterClrMapping/>
+  </p:clrMapOvr>
+</p:sld>
+</file>
+
+<file path=ppt/slides/slide21.xml><?xml version="1.0" encoding="utf-8"?>
+<p:sld xmlns:a="http://schemas.openxmlformats.org/drawingml/2006/main" xmlns:r="http://schemas.openxmlformats.org/officeDocument/2006/relationships" xmlns:mc="http://schemas.openxmlformats.org/markup-compatibility/2006" xmlns:mv="urn:schemas-microsoft-com:mac:vml" xmlns:p="http://schemas.openxmlformats.org/presentationml/2006/main" mc:Ignorable="mv" mc:PreserveAttributes="mv:*">
+  <p:cSld>
+    <p:spTree>
+      <p:nvGrpSpPr>
+        <p:cNvPr id="1" name=""/>
+        <p:cNvGrpSpPr/>
+        <p:nvPr/>
+      </p:nvGrpSpPr>
+      <p:grpSpPr>
+        <a:xfrm>
+          <a:off x="0" y="0"/>
+          <a:ext cx="0" cy="0"/>
+          <a:chOff x="0" y="0"/>
+          <a:chExt cx="0" cy="0"/>
+        </a:xfrm>
+      </p:grpSpPr>
+      <p:sp>
+        <p:nvSpPr>
+          <p:cNvPr id="2" name="Title 1"/>
+          <p:cNvSpPr>
+            <a:spLocks noGrp="1"/>
+          </p:cNvSpPr>
+          <p:nvPr>
+            <p:ph type="title"/>
+          </p:nvPr>
+        </p:nvSpPr>
+        <p:spPr/>
+        <p:txBody>
+          <a:bodyPr>
+            <a:normAutofit/>
+          </a:bodyPr>
+          <a:lstStyle/>
+          <a:p>
+            <a:r>
+              <a:rPr lang="en-US"/>
+              <a:t>Using "package.skeleton"</a:t>
+            </a:r>
+          </a:p>
+        </p:txBody>
+      </p:sp>
+      <p:sp>
+        <p:nvSpPr>
+          <p:cNvPr id="3" name="Content Placeholder 2"/>
+          <p:cNvSpPr>
+            <a:spLocks noGrp="1"/>
+          </p:cNvSpPr>
+          <p:nvPr>
+            <p:ph idx="1"/>
+          </p:nvPr>
+        </p:nvSpPr>
+        <p:spPr/>
+        <p:txBody>
+          <a:bodyPr/>
+          <a:lstStyle/>
+          <a:p>
+            <a:r>
+              <a:rPr lang="en-US"/>
+              <a:t>Slightly more cumbersom than "zelig.skeleton"</a:t>
+            </a:r>
+          </a:p>
+          <a:p>
+            <a:r>
+              <a:rPr lang="en-US"/>
+              <a:t>Requires that users have:</a:t>
+            </a:r>
+          </a:p>
+          <a:p>
+            <a:pPr lvl="1"/>
+            <a:r>
+              <a:rPr lang="en-US"/>
+              <a:t>A name for their package</a:t>
+            </a:r>
+          </a:p>
+          <a:p>
+            <a:pPr lvl="1"/>
+            <a:r>
+              <a:rPr lang="en-US"/>
+              <a:t>At least 1 function defined and named</a:t>
+            </a:r>
+          </a:p>
+          <a:p>
+            <a:r>
+              <a:rPr lang="en-US"/>
+              <a:t>Packages made this way </a:t>
+            </a:r>
+            <a:r>
+              <a:rPr lang="en-US" b="1"/>
+              <a:t>cannot</a:t>
+            </a:r>
+            <a:r>
+              <a:rPr lang="en-US"/>
+              <a:t> be immediately installed.</a:t>
+            </a:r>
+          </a:p>
+        </p:txBody>
+      </p:sp>
+    </p:spTree>
+  </p:cSld>
+  <p:clrMapOvr>
+    <a:masterClrMapping/>
+  </p:clrMapOvr>
+</p:sld>
+</file>
+
+<file path=ppt/slides/slide22.xml><?xml version="1.0" encoding="utf-8"?>
+<p:sld xmlns:a="http://schemas.openxmlformats.org/drawingml/2006/main" xmlns:r="http://schemas.openxmlformats.org/officeDocument/2006/relationships" xmlns:mc="http://schemas.openxmlformats.org/markup-compatibility/2006" xmlns:mv="urn:schemas-microsoft-com:mac:vml" xmlns:p="http://schemas.openxmlformats.org/presentationml/2006/main" mc:Ignorable="mv" mc:PreserveAttributes="mv:*">
+  <p:cSld>
+    <p:spTree>
+      <p:nvGrpSpPr>
+        <p:cNvPr id="1" name=""/>
+        <p:cNvGrpSpPr/>
+        <p:nvPr/>
+      </p:nvGrpSpPr>
+      <p:grpSpPr>
+        <a:xfrm>
+          <a:off x="0" y="0"/>
+          <a:ext cx="0" cy="0"/>
+          <a:chOff x="0" y="0"/>
+          <a:chExt cx="0" cy="0"/>
+        </a:xfrm>
+      </p:grpSpPr>
+      <p:sp>
+        <p:nvSpPr>
+          <p:cNvPr id="2" name="Title 1"/>
+          <p:cNvSpPr>
+            <a:spLocks noGrp="1"/>
+          </p:cNvSpPr>
+          <p:nvPr>
+            <p:ph type="title"/>
+          </p:nvPr>
+        </p:nvSpPr>
+        <p:spPr/>
+        <p:txBody>
+          <a:bodyPr/>
+          <a:lstStyle/>
+          <a:p>
+            <a:r>
+              <a:rPr lang="en-US" dirty="0" smtClean="0"/>
+              <a:t>Creating a </a:t>
+            </a:r>
+            <a:r>
+              <a:rPr lang="en-US" dirty="0" err="1" smtClean="0"/>
+              <a:t>Zelig</a:t>
+            </a:r>
+            <a:r>
+              <a:rPr lang="en-US" dirty="0" smtClean="0"/>
+              <a:t> Package</a:t>
+            </a:r>
+            <a:endParaRPr lang="en-US" dirty="0"/>
+          </a:p>
+        </p:txBody>
+      </p:sp>
+      <p:sp>
+        <p:nvSpPr>
+          <p:cNvPr id="3" name="Content Placeholder 2"/>
+          <p:cNvSpPr>
+            <a:spLocks noGrp="1"/>
+          </p:cNvSpPr>
+          <p:nvPr>
+            <p:ph idx="1"/>
+          </p:nvPr>
+        </p:nvSpPr>
+        <p:spPr/>
+        <p:txBody>
+          <a:bodyPr/>
+          <a:lstStyle/>
+          <a:p>
+            <a:pPr marL="0" indent="0">
+              <a:buNone/>
+            </a:pPr>
+            <a:r>
+              <a:rPr lang="en-US" sz="3600" b="1" dirty="0" smtClean="0"/>
+              <a:t>Five things are needed:</a:t>
+            </a:r>
+          </a:p>
+          <a:p>
+            <a:pPr marL="514350" indent="-514350">
+              <a:buFont typeface="+mj-lt"/>
+              <a:buAutoNum type="arabicPeriod"/>
+            </a:pPr>
+            <a:r>
+              <a:rPr lang="en-US" dirty="0" smtClean="0"/>
+              <a:t>Package </a:t>
+            </a:r>
+            <a:r>
+              <a:rPr lang="en-US" dirty="0"/>
+              <a:t>Name, e.g. "</a:t>
+            </a:r>
+            <a:r>
+              <a:rPr lang="en-US" dirty="0" err="1"/>
+              <a:t>ZeligLeastSquares</a:t>
+            </a:r>
+            <a:r>
+              <a:rPr lang="en-US" dirty="0"/>
+              <a:t>"</a:t>
+            </a:r>
+          </a:p>
+          <a:p>
+            <a:pPr marL="514350" indent="-514350">
+              <a:buFont typeface="+mj-lt"/>
+              <a:buAutoNum type="arabicPeriod"/>
+            </a:pPr>
+            <a:r>
+              <a:rPr lang="en-US" dirty="0"/>
+              <a:t>Model Names, e.g. "</a:t>
+            </a:r>
+            <a:r>
+              <a:rPr lang="en-US" dirty="0" err="1"/>
+              <a:t>logit</a:t>
+            </a:r>
+            <a:r>
+              <a:rPr lang="en-US" dirty="0"/>
+              <a:t>" or "gamma"</a:t>
+            </a:r>
+          </a:p>
+          <a:p>
+            <a:pPr marL="514350" indent="-514350">
+              <a:buFont typeface="+mj-lt"/>
+              <a:buAutoNum type="arabicPeriod"/>
+            </a:pPr>
+            <a:r>
+              <a:rPr lang="en-US" dirty="0"/>
+              <a:t>R-package dependencies, e.g. "lme4"</a:t>
+            </a:r>
+          </a:p>
+          <a:p>
+            <a:pPr marL="514350" indent="-514350">
+              <a:buFont typeface="+mj-lt"/>
+              <a:buAutoNum type="arabicPeriod"/>
+            </a:pPr>
+            <a:r>
+              <a:rPr lang="en-US" dirty="0"/>
+              <a:t>Author Name</a:t>
+            </a:r>
+          </a:p>
+          <a:p>
+            <a:pPr marL="514350" indent="-514350">
+              <a:buFont typeface="+mj-lt"/>
+              <a:buAutoNum type="arabicPeriod"/>
+            </a:pPr>
+            <a:r>
+              <a:rPr lang="en-US" dirty="0"/>
+              <a:t>Author Email (for use with CRAN)</a:t>
+            </a:r>
+          </a:p>
+        </p:txBody>
+      </p:sp>
+    </p:spTree>
+    <p:extLst>
+      <p:ext uri="{BB962C8B-B14F-4D97-AF65-F5344CB8AC3E}">
+        <p14:creationId xmlns="" xmlns:a="http://schemas.openxmlformats.org/drawingml/2006/main" xmlns:r="http://schemas.openxmlformats.org/officeDocument/2006/relationships" xmlns:p="http://schemas.openxmlformats.org/presentationml/2006/main" xmlns:p14="http://schemas.microsoft.com/office/powerpoint/2010/main" xmlns:mv="urn:schemas-microsoft-com:mac:vml" xmlns:mc="http://schemas.openxmlformats.org/markup-compatibility/2006" val="973143670"/>
+      </p:ext>
+    </p:extLst>
+  </p:cSld>
+  <p:clrMapOvr>
+    <a:masterClrMapping/>
+  </p:clrMapOvr>
+  <p:timing>
+    <p:tnLst>
+      <p:par>
+        <p:cTn id="1" dur="indefinite" restart="never" nodeType="tmRoot"/>
+      </p:par>
+    </p:tnLst>
+  </p:timing>
+</p:sld>
+</file>
+
+<file path=ppt/slides/slide23.xml><?xml version="1.0" encoding="utf-8"?>
+<p:sld xmlns:a="http://schemas.openxmlformats.org/drawingml/2006/main" xmlns:r="http://schemas.openxmlformats.org/officeDocument/2006/relationships" xmlns:mc="http://schemas.openxmlformats.org/markup-compatibility/2006" xmlns:mv="urn:schemas-microsoft-com:mac:vml" xmlns:p="http://schemas.openxmlformats.org/presentationml/2006/main" mc:Ignorable="mv" mc:PreserveAttributes="mv:*">
+  <p:cSld>
+    <p:spTree>
+      <p:nvGrpSpPr>
+        <p:cNvPr id="1" name=""/>
+        <p:cNvGrpSpPr/>
+        <p:nvPr/>
+      </p:nvGrpSpPr>
+      <p:grpSpPr>
+        <a:xfrm>
+          <a:off x="0" y="0"/>
+          <a:ext cx="0" cy="0"/>
+          <a:chOff x="0" y="0"/>
+          <a:chExt cx="0" cy="0"/>
+        </a:xfrm>
+      </p:grpSpPr>
+      <p:sp>
+        <p:nvSpPr>
+          <p:cNvPr id="9" name="Title 8"/>
+          <p:cNvSpPr>
+            <a:spLocks noGrp="1"/>
+          </p:cNvSpPr>
+          <p:nvPr>
+            <p:ph type="title"/>
+          </p:nvPr>
+        </p:nvSpPr>
+        <p:spPr/>
+        <p:txBody>
+          <a:bodyPr/>
+          <a:lstStyle/>
+          <a:p>
+            <a:r>
+              <a:rPr lang="en-US"/>
+              <a:t>Using "zelig.skeleton"</a:t>
+            </a:r>
+          </a:p>
+        </p:txBody>
+      </p:sp>
+      <p:sp>
+        <p:nvSpPr>
+          <p:cNvPr id="10" name="Content Placeholder 9"/>
+          <p:cNvSpPr>
+            <a:spLocks noGrp="1"/>
+          </p:cNvSpPr>
+          <p:nvPr>
+            <p:ph idx="1"/>
+          </p:nvPr>
+        </p:nvSpPr>
+        <p:spPr/>
+        <p:txBody>
+          <a:bodyPr/>
+          <a:lstStyle/>
+          <a:p>
+            <a:pPr>
+              <a:buNone/>
+            </a:pPr>
+            <a:r>
+              <a:rPr lang="en-US"/>
+              <a:t>Getting started:</a:t>
+            </a:r>
+          </a:p>
+          <a:p>
+            <a:r>
+              <a:rPr lang="en-US"/>
+              <a:t>Pick a name for the Zelig package. For example:</a:t>
+            </a:r>
+          </a:p>
+          <a:p>
+            <a:pPr lvl="1"/>
+            <a:r>
+              <a:rPr lang="en-US"/>
+              <a:t>"ZeligBayesian"</a:t>
+            </a:r>
+          </a:p>
+          <a:p>
+            <a:pPr lvl="1"/>
+            <a:r>
+              <a:rPr lang="en-US"/>
+              <a:t>"ZeligLeastSquares"</a:t>
+            </a:r>
+          </a:p>
+          <a:p>
+            <a:r>
+              <a:rPr lang="en-US"/>
+              <a:t>Pick a model name:</a:t>
+            </a:r>
+          </a:p>
+          <a:p>
+            <a:pPr lvl="1"/>
+            <a:r>
+              <a:rPr lang="en-US"/>
+              <a:t>"logit"</a:t>
+            </a:r>
+          </a:p>
+          <a:p>
+            <a:pPr lvl="1"/>
+            <a:r>
+              <a:rPr lang="en-US"/>
+              <a:t>"gamma"</a:t>
+            </a:r>
+          </a:p>
+          <a:p>
+            <a:endParaRPr lang="en-US"/>
+          </a:p>
+        </p:txBody>
+      </p:sp>
+    </p:spTree>
+    <p:extLst>
+      <p:ext uri="{BB962C8B-B14F-4D97-AF65-F5344CB8AC3E}">
+        <p14:creationId xmlns="" xmlns:a="http://schemas.openxmlformats.org/drawingml/2006/main" xmlns:r="http://schemas.openxmlformats.org/officeDocument/2006/relationships" xmlns:p="http://schemas.openxmlformats.org/presentationml/2006/main" xmlns:p14="http://schemas.microsoft.com/office/powerpoint/2010/main" xmlns:mv="urn:schemas-microsoft-com:mac:vml" xmlns:mc="http://schemas.openxmlformats.org/markup-compatibility/2006" val="2675064339"/>
+      </p:ext>
+    </p:extLst>
+  </p:cSld>
+  <p:clrMapOvr>
+    <a:masterClrMapping/>
+  </p:clrMapOvr>
+  <p:timing>
+    <p:tnLst>
+      <p:par>
+        <p:cTn id="1" dur="indefinite" restart="never" nodeType="tmRoot"/>
+      </p:par>
+    </p:tnLst>
+  </p:timing>
+</p:sld>
+</file>
+
+<file path=ppt/slides/slide24.xml><?xml version="1.0" encoding="utf-8"?>
 <p:sld xmlns:a="http://schemas.openxmlformats.org/drawingml/2006/main" xmlns:r="http://schemas.openxmlformats.org/officeDocument/2006/relationships" xmlns:mc="http://schemas.openxmlformats.org/markup-compatibility/2006" xmlns:mv="urn:schemas-microsoft-com:mac:vml" xmlns:p="http://schemas.openxmlformats.org/presentationml/2006/main" mc:Ignorable="mv" mc:PreserveAttributes="mv:*">
   <p:cSld>
     <p:spTree>
@@ -4880,7 +7667,7 @@
     </p:spTree>
     <p:extLst>
       <p:ext uri="{BB962C8B-B14F-4D97-AF65-F5344CB8AC3E}">
-        <p14:creationId xmlns:p14="http://schemas.microsoft.com/office/powerpoint/2010/main" xmlns:p="http://schemas.openxmlformats.org/presentationml/2006/main" xmlns:r="http://schemas.openxmlformats.org/officeDocument/2006/relationships" xmlns:a="http://schemas.openxmlformats.org/drawingml/2006/main" xmlns="" val="869150859"/>
+        <p14:creationId xmlns="" xmlns:a="http://schemas.openxmlformats.org/drawingml/2006/main" xmlns:r="http://schemas.openxmlformats.org/officeDocument/2006/relationships" xmlns:p="http://schemas.openxmlformats.org/presentationml/2006/main" xmlns:p14="http://schemas.microsoft.com/office/powerpoint/2010/main" xmlns:mv="urn:schemas-microsoft-com:mac:vml" xmlns:mc="http://schemas.openxmlformats.org/markup-compatibility/2006" val="869150859"/>
       </p:ext>
     </p:extLst>
   </p:cSld>
@@ -4965,945 +7752,6 @@
 </p:sld>
 </file>
 
-<file path=ppt/slides/slide18.xml><?xml version="1.0" encoding="utf-8"?>
-<p:sld xmlns:a="http://schemas.openxmlformats.org/drawingml/2006/main" xmlns:r="http://schemas.openxmlformats.org/officeDocument/2006/relationships" xmlns:mc="http://schemas.openxmlformats.org/markup-compatibility/2006" xmlns:mv="urn:schemas-microsoft-com:mac:vml" xmlns:p="http://schemas.openxmlformats.org/presentationml/2006/main" mc:Ignorable="mv" mc:PreserveAttributes="mv:*">
-  <p:cSld>
-    <p:spTree>
-      <p:nvGrpSpPr>
-        <p:cNvPr id="1" name=""/>
-        <p:cNvGrpSpPr/>
-        <p:nvPr/>
-      </p:nvGrpSpPr>
-      <p:grpSpPr>
-        <a:xfrm>
-          <a:off x="0" y="0"/>
-          <a:ext cx="0" cy="0"/>
-          <a:chOff x="0" y="0"/>
-          <a:chExt cx="0" cy="0"/>
-        </a:xfrm>
-      </p:grpSpPr>
-      <p:sp>
-        <p:nvSpPr>
-          <p:cNvPr id="4" name="Title 3"/>
-          <p:cNvSpPr>
-            <a:spLocks noGrp="1"/>
-          </p:cNvSpPr>
-          <p:nvPr>
-            <p:ph type="ctrTitle"/>
-          </p:nvPr>
-        </p:nvSpPr>
-        <p:spPr/>
-        <p:txBody>
-          <a:bodyPr/>
-          <a:lstStyle/>
-          <a:p>
-            <a:r>
-              <a:rPr lang="en-US" dirty="0" smtClean="0"/>
-              <a:t>Model Fitting Functions</a:t>
-            </a:r>
-            <a:endParaRPr lang="en-US" dirty="0"/>
-          </a:p>
-        </p:txBody>
-      </p:sp>
-      <p:sp>
-        <p:nvSpPr>
-          <p:cNvPr id="5" name="Subtitle 4"/>
-          <p:cNvSpPr>
-            <a:spLocks noGrp="1"/>
-          </p:cNvSpPr>
-          <p:nvPr>
-            <p:ph type="subTitle" idx="1"/>
-          </p:nvPr>
-        </p:nvSpPr>
-        <p:spPr/>
-        <p:txBody>
-          <a:bodyPr/>
-          <a:lstStyle/>
-          <a:p>
-            <a:endParaRPr lang="en-US"/>
-          </a:p>
-        </p:txBody>
-      </p:sp>
-    </p:spTree>
-    <p:extLst>
-      <p:ext uri="{BB962C8B-B14F-4D97-AF65-F5344CB8AC3E}">
-        <p14:creationId xmlns:p14="http://schemas.microsoft.com/office/powerpoint/2010/main" xmlns:p="http://schemas.openxmlformats.org/presentationml/2006/main" xmlns:r="http://schemas.openxmlformats.org/officeDocument/2006/relationships" xmlns:a="http://schemas.openxmlformats.org/drawingml/2006/main" xmlns="" val="942656541"/>
-      </p:ext>
-    </p:extLst>
-  </p:cSld>
-  <p:clrMapOvr>
-    <a:masterClrMapping/>
-  </p:clrMapOvr>
-  <p:timing>
-    <p:tnLst>
-      <p:par>
-        <p:cTn id="1" dur="indefinite" restart="never" nodeType="tmRoot"/>
-      </p:par>
-    </p:tnLst>
-  </p:timing>
-</p:sld>
-</file>
-
-<file path=ppt/slides/slide19.xml><?xml version="1.0" encoding="utf-8"?>
-<p:sld xmlns:a="http://schemas.openxmlformats.org/drawingml/2006/main" xmlns:r="http://schemas.openxmlformats.org/officeDocument/2006/relationships" xmlns:mc="http://schemas.openxmlformats.org/markup-compatibility/2006" xmlns:mv="urn:schemas-microsoft-com:mac:vml" xmlns:p="http://schemas.openxmlformats.org/presentationml/2006/main" mc:Ignorable="mv" mc:PreserveAttributes="mv:*">
-  <p:cSld>
-    <p:spTree>
-      <p:nvGrpSpPr>
-        <p:cNvPr id="1" name=""/>
-        <p:cNvGrpSpPr/>
-        <p:nvPr/>
-      </p:nvGrpSpPr>
-      <p:grpSpPr>
-        <a:xfrm>
-          <a:off x="0" y="0"/>
-          <a:ext cx="0" cy="0"/>
-          <a:chOff x="0" y="0"/>
-          <a:chExt cx="0" cy="0"/>
-        </a:xfrm>
-      </p:grpSpPr>
-      <p:sp>
-        <p:nvSpPr>
-          <p:cNvPr id="2" name="Title 1"/>
-          <p:cNvSpPr>
-            <a:spLocks noGrp="1"/>
-          </p:cNvSpPr>
-          <p:nvPr>
-            <p:ph type="title"/>
-          </p:nvPr>
-        </p:nvSpPr>
-        <p:spPr/>
-        <p:txBody>
-          <a:bodyPr/>
-          <a:lstStyle/>
-          <a:p>
-            <a:r>
-              <a:rPr lang="en-US"/>
-              <a:t>Outline for Model Fitting Functions</a:t>
-            </a:r>
-          </a:p>
-        </p:txBody>
-      </p:sp>
-      <p:sp>
-        <p:nvSpPr>
-          <p:cNvPr id="3" name="Content Placeholder 2"/>
-          <p:cNvSpPr>
-            <a:spLocks noGrp="1"/>
-          </p:cNvSpPr>
-          <p:nvPr>
-            <p:ph idx="1"/>
-          </p:nvPr>
-        </p:nvSpPr>
-        <p:spPr/>
-        <p:txBody>
-          <a:bodyPr/>
-          <a:lstStyle/>
-          <a:p>
-            <a:r>
-              <a:rPr lang="en-US"/>
-              <a:t>What is linear regression?</a:t>
-            </a:r>
-          </a:p>
-          <a:p>
-            <a:r>
-              <a:rPr lang="en-US"/>
-              <a:t>Generalized Linear Models (GLM)</a:t>
-            </a:r>
-          </a:p>
-          <a:p>
-            <a:r>
-              <a:rPr lang="en-US"/>
-              <a:t>Example</a:t>
-            </a:r>
-          </a:p>
-        </p:txBody>
-      </p:sp>
-    </p:spTree>
-  </p:cSld>
-  <p:clrMapOvr>
-    <a:masterClrMapping/>
-  </p:clrMapOvr>
-  <p:timing>
-    <p:tnLst>
-      <p:par>
-        <p:cTn id="1" dur="indefinite" restart="never" nodeType="tmRoot"/>
-      </p:par>
-    </p:tnLst>
-  </p:timing>
-</p:sld>
-</file>
-
-<file path=ppt/slides/slide2.xml><?xml version="1.0" encoding="utf-8"?>
-<p:sld xmlns:a="http://schemas.openxmlformats.org/drawingml/2006/main" xmlns:r="http://schemas.openxmlformats.org/officeDocument/2006/relationships" xmlns:mc="http://schemas.openxmlformats.org/markup-compatibility/2006" xmlns:mv="urn:schemas-microsoft-com:mac:vml" xmlns:p="http://schemas.openxmlformats.org/presentationml/2006/main" mc:Ignorable="mv" mc:PreserveAttributes="mv:*">
-  <p:cSld>
-    <p:spTree>
-      <p:nvGrpSpPr>
-        <p:cNvPr id="1" name=""/>
-        <p:cNvGrpSpPr/>
-        <p:nvPr/>
-      </p:nvGrpSpPr>
-      <p:grpSpPr>
-        <a:xfrm>
-          <a:off x="0" y="0"/>
-          <a:ext cx="0" cy="0"/>
-          <a:chOff x="0" y="0"/>
-          <a:chExt cx="0" cy="0"/>
-        </a:xfrm>
-      </p:grpSpPr>
-      <p:sp>
-        <p:nvSpPr>
-          <p:cNvPr id="2" name="Title 1"/>
-          <p:cNvSpPr>
-            <a:spLocks noGrp="1"/>
-          </p:cNvSpPr>
-          <p:nvPr>
-            <p:ph type="title"/>
-          </p:nvPr>
-        </p:nvSpPr>
-        <p:spPr/>
-        <p:txBody>
-          <a:bodyPr/>
-          <a:lstStyle/>
-          <a:p>
-            <a:r>
-              <a:rPr lang="en-US"/>
-              <a:t>Outline</a:t>
-            </a:r>
-          </a:p>
-        </p:txBody>
-      </p:sp>
-      <p:sp>
-        <p:nvSpPr>
-          <p:cNvPr id="3" name="Content Placeholder 2"/>
-          <p:cNvSpPr>
-            <a:spLocks noGrp="1"/>
-          </p:cNvSpPr>
-          <p:nvPr>
-            <p:ph idx="1"/>
-          </p:nvPr>
-        </p:nvSpPr>
-        <p:spPr/>
-        <p:txBody>
-          <a:bodyPr>
-            <a:normAutofit lnSpcReduction="10000"/>
-          </a:bodyPr>
-          <a:lstStyle/>
-          <a:p>
-            <a:pPr marL="514350" indent="-514350">
-              <a:buFont typeface="+mj-lt"/>
-              <a:buAutoNum type="arabicPeriod"/>
-            </a:pPr>
-            <a:r>
-              <a:rPr lang="en-US" dirty="0"/>
-              <a:t>What is a statistical </a:t>
-            </a:r>
-            <a:r>
-              <a:rPr lang="en-US" dirty="0" smtClean="0"/>
-              <a:t>package</a:t>
-            </a:r>
-          </a:p>
-          <a:p>
-            <a:pPr marL="514350" indent="-514350">
-              <a:buFont typeface="+mj-lt"/>
-              <a:buAutoNum type="arabicPeriod"/>
-            </a:pPr>
-            <a:r>
-              <a:rPr lang="en-US" dirty="0" smtClean="0"/>
-              <a:t>Creating a statistical package</a:t>
-            </a:r>
-            <a:endParaRPr lang="en-US" dirty="0"/>
-          </a:p>
-          <a:p>
-            <a:pPr marL="514350" indent="-514350">
-              <a:buFont typeface="+mj-lt"/>
-              <a:buAutoNum type="arabicPeriod"/>
-            </a:pPr>
-            <a:r>
-              <a:rPr lang="en-US" dirty="0" smtClean="0"/>
-              <a:t>Model </a:t>
-            </a:r>
-            <a:r>
-              <a:rPr lang="en-US" dirty="0"/>
-              <a:t>fitting functions</a:t>
-            </a:r>
-          </a:p>
-          <a:p>
-            <a:pPr marL="514350" indent="-514350">
-              <a:buFont typeface="+mj-lt"/>
-              <a:buAutoNum type="arabicPeriod"/>
-            </a:pPr>
-            <a:r>
-              <a:rPr lang="en-US" dirty="0"/>
-              <a:t>The </a:t>
-            </a:r>
-            <a:r>
-              <a:rPr lang="en-US" b="1" dirty="0">
-                <a:latin typeface="Courier New"/>
-                <a:cs typeface="Courier New"/>
-              </a:rPr>
-              <a:t>zelig2</a:t>
-            </a:r>
-            <a:r>
-              <a:rPr lang="en-US" dirty="0"/>
-              <a:t> </a:t>
-            </a:r>
-            <a:r>
-              <a:rPr lang="en-US" dirty="0" smtClean="0"/>
-              <a:t>method</a:t>
-            </a:r>
-          </a:p>
-          <a:p>
-            <a:pPr marL="514350" indent="-514350">
-              <a:buFont typeface="+mj-lt"/>
-              <a:buAutoNum type="arabicPeriod"/>
-            </a:pPr>
-            <a:r>
-              <a:rPr lang="en-US" dirty="0"/>
-              <a:t>Workflow for creating a statistical </a:t>
-            </a:r>
-            <a:r>
-              <a:rPr lang="en-US" dirty="0" smtClean="0"/>
-              <a:t>package</a:t>
-            </a:r>
-            <a:endParaRPr lang="en-US" dirty="0"/>
-          </a:p>
-          <a:p>
-            <a:pPr marL="514350" indent="-514350">
-              <a:buFont typeface="+mj-lt"/>
-              <a:buAutoNum type="arabicPeriod"/>
-            </a:pPr>
-            <a:r>
-              <a:rPr lang="en-US" dirty="0"/>
-              <a:t>Looking </a:t>
-            </a:r>
-            <a:r>
-              <a:rPr lang="en-US" dirty="0" smtClean="0"/>
-              <a:t>ahead</a:t>
-            </a:r>
-            <a:endParaRPr lang="en-US" dirty="0"/>
-          </a:p>
-          <a:p>
-            <a:pPr lvl="1"/>
-            <a:r>
-              <a:rPr lang="en-US" dirty="0"/>
-              <a:t>Design (a.k.a. model) matrices</a:t>
-            </a:r>
-          </a:p>
-          <a:p>
-            <a:pPr lvl="1"/>
-            <a:r>
-              <a:rPr lang="en-US" dirty="0"/>
-              <a:t>Counterfactuals and interaction terms</a:t>
-            </a:r>
-          </a:p>
-          <a:p>
-            <a:pPr lvl="1"/>
-            <a:endParaRPr lang="en-US" dirty="0"/>
-          </a:p>
-          <a:p>
-            <a:pPr lvl="1"/>
-            <a:endParaRPr lang="en-US" dirty="0"/>
-          </a:p>
-        </p:txBody>
-      </p:sp>
-    </p:spTree>
-  </p:cSld>
-  <p:clrMapOvr>
-    <a:masterClrMapping/>
-  </p:clrMapOvr>
-  <p:timing>
-    <p:tnLst>
-      <p:par>
-        <p:cTn id="1" dur="indefinite" restart="never" nodeType="tmRoot"/>
-      </p:par>
-    </p:tnLst>
-  </p:timing>
-</p:sld>
-</file>
-
-<file path=ppt/slides/slide20.xml><?xml version="1.0" encoding="utf-8"?>
-<p:sld xmlns:a="http://schemas.openxmlformats.org/drawingml/2006/main" xmlns:r="http://schemas.openxmlformats.org/officeDocument/2006/relationships" xmlns:mc="http://schemas.openxmlformats.org/markup-compatibility/2006" xmlns:mv="urn:schemas-microsoft-com:mac:vml" xmlns:p="http://schemas.openxmlformats.org/presentationml/2006/main" mc:Ignorable="mv" mc:PreserveAttributes="mv:*">
-  <p:cSld>
-    <p:spTree>
-      <p:nvGrpSpPr>
-        <p:cNvPr id="1" name=""/>
-        <p:cNvGrpSpPr/>
-        <p:nvPr/>
-      </p:nvGrpSpPr>
-      <p:grpSpPr>
-        <a:xfrm>
-          <a:off x="0" y="0"/>
-          <a:ext cx="0" cy="0"/>
-          <a:chOff x="0" y="0"/>
-          <a:chExt cx="0" cy="0"/>
-        </a:xfrm>
-      </p:grpSpPr>
-      <p:sp>
-        <p:nvSpPr>
-          <p:cNvPr id="2" name="Title 1"/>
-          <p:cNvSpPr>
-            <a:spLocks noGrp="1"/>
-          </p:cNvSpPr>
-          <p:nvPr>
-            <p:ph type="title"/>
-          </p:nvPr>
-        </p:nvSpPr>
-        <p:spPr/>
-        <p:txBody>
-          <a:bodyPr/>
-          <a:lstStyle/>
-          <a:p>
-            <a:r>
-              <a:rPr lang="en-US"/>
-              <a:t>What is linear regression?</a:t>
-            </a:r>
-          </a:p>
-        </p:txBody>
-      </p:sp>
-      <p:sp>
-        <p:nvSpPr>
-          <p:cNvPr id="3" name="Content Placeholder 2"/>
-          <p:cNvSpPr>
-            <a:spLocks noGrp="1"/>
-          </p:cNvSpPr>
-          <p:nvPr>
-            <p:ph idx="1"/>
-          </p:nvPr>
-        </p:nvSpPr>
-        <p:spPr/>
-        <p:txBody>
-          <a:bodyPr>
-            <a:normAutofit lnSpcReduction="10000"/>
-          </a:bodyPr>
-          <a:lstStyle/>
-          <a:p>
-            <a:r>
-              <a:rPr lang="en-US"/>
-              <a:t>A method for </a:t>
-            </a:r>
-            <a:r>
-              <a:rPr lang="en-US" b="1"/>
-              <a:t>explaining</a:t>
-            </a:r>
-            <a:r>
-              <a:rPr lang="en-US"/>
-              <a:t> and </a:t>
-            </a:r>
-            <a:r>
-              <a:rPr lang="en-US" b="1"/>
-              <a:t>predicting</a:t>
-            </a:r>
-            <a:r>
-              <a:rPr lang="en-US"/>
-              <a:t> observations using data</a:t>
-            </a:r>
-          </a:p>
-          <a:p>
-            <a:r>
-              <a:rPr lang="en-US"/>
-              <a:t>A method for determining </a:t>
-            </a:r>
-            <a:r>
-              <a:rPr lang="en-US" b="1"/>
-              <a:t>unknown parameters</a:t>
-            </a:r>
-            <a:r>
-              <a:rPr lang="en-US"/>
-              <a:t> derived from a data set</a:t>
-            </a:r>
-          </a:p>
-          <a:p>
-            <a:pPr lvl="1"/>
-            <a:r>
-              <a:rPr lang="en-US"/>
-              <a:t>How dependent is my response variable on a particular parameter?</a:t>
-            </a:r>
-          </a:p>
-          <a:p>
-            <a:r>
-              <a:rPr lang="en-US"/>
-              <a:t>Specifically, a method for determining </a:t>
-            </a:r>
-            <a:r>
-              <a:rPr lang="en-US" b="1"/>
-              <a:t>conditional expected values</a:t>
-            </a:r>
-          </a:p>
-          <a:p>
-            <a:pPr lvl="1"/>
-            <a:r>
-              <a:rPr lang="en-US"/>
-              <a:t>"Given x and y, the expected value is…"</a:t>
-            </a:r>
-          </a:p>
-        </p:txBody>
-      </p:sp>
-    </p:spTree>
-    <p:extLst>
-      <p:ext uri="{BB962C8B-B14F-4D97-AF65-F5344CB8AC3E}">
-        <p14:creationId xmlns:p14="http://schemas.microsoft.com/office/powerpoint/2010/main" xmlns:p="http://schemas.openxmlformats.org/presentationml/2006/main" xmlns:r="http://schemas.openxmlformats.org/officeDocument/2006/relationships" xmlns:a="http://schemas.openxmlformats.org/drawingml/2006/main" xmlns="" val="1702243699"/>
-      </p:ext>
-    </p:extLst>
-  </p:cSld>
-  <p:clrMapOvr>
-    <a:masterClrMapping/>
-  </p:clrMapOvr>
-  <p:timing>
-    <p:tnLst>
-      <p:par>
-        <p:cTn id="1" dur="indefinite" restart="never" nodeType="tmRoot"/>
-      </p:par>
-    </p:tnLst>
-  </p:timing>
-</p:sld>
-</file>
-
-<file path=ppt/slides/slide21.xml><?xml version="1.0" encoding="utf-8"?>
-<p:sld xmlns:a="http://schemas.openxmlformats.org/drawingml/2006/main" xmlns:r="http://schemas.openxmlformats.org/officeDocument/2006/relationships" xmlns:mc="http://schemas.openxmlformats.org/markup-compatibility/2006" xmlns:mv="urn:schemas-microsoft-com:mac:vml" xmlns:p="http://schemas.openxmlformats.org/presentationml/2006/main" mc:Ignorable="mv" mc:PreserveAttributes="mv:*">
-  <p:cSld>
-    <p:spTree>
-      <p:nvGrpSpPr>
-        <p:cNvPr id="1" name=""/>
-        <p:cNvGrpSpPr/>
-        <p:nvPr/>
-      </p:nvGrpSpPr>
-      <p:grpSpPr>
-        <a:xfrm>
-          <a:off x="0" y="0"/>
-          <a:ext cx="0" cy="0"/>
-          <a:chOff x="0" y="0"/>
-          <a:chExt cx="0" cy="0"/>
-        </a:xfrm>
-      </p:grpSpPr>
-      <p:sp>
-        <p:nvSpPr>
-          <p:cNvPr id="2" name="Title 1"/>
-          <p:cNvSpPr>
-            <a:spLocks noGrp="1"/>
-          </p:cNvSpPr>
-          <p:nvPr>
-            <p:ph type="title"/>
-          </p:nvPr>
-        </p:nvSpPr>
-        <p:spPr/>
-        <p:txBody>
-          <a:bodyPr/>
-          <a:lstStyle/>
-          <a:p>
-            <a:r>
-              <a:rPr lang="en-US"/>
-              <a:t>What is linear regression?</a:t>
-            </a:r>
-          </a:p>
-        </p:txBody>
-      </p:sp>
-      <p:sp>
-        <p:nvSpPr>
-          <p:cNvPr id="3" name="Content Placeholder 2"/>
-          <p:cNvSpPr>
-            <a:spLocks noGrp="1"/>
-          </p:cNvSpPr>
-          <p:nvPr>
-            <p:ph idx="1"/>
-          </p:nvPr>
-        </p:nvSpPr>
-        <p:spPr/>
-        <p:txBody>
-          <a:bodyPr/>
-          <a:lstStyle/>
-          <a:p>
-            <a:pPr>
-              <a:buNone/>
-            </a:pPr>
-            <a:r>
-              <a:rPr lang="en-US"/>
-              <a:t>There are three necessary components to any generalized linear model:</a:t>
-            </a:r>
-          </a:p>
-          <a:p>
-            <a:r>
-              <a:rPr lang="en-US"/>
-              <a:t>A formula specifying </a:t>
-            </a:r>
-            <a:r>
-              <a:rPr lang="en-US" b="1"/>
-              <a:t>predictor</a:t>
-            </a:r>
-            <a:r>
-              <a:rPr lang="en-US"/>
-              <a:t> and </a:t>
-            </a:r>
-            <a:r>
-              <a:rPr lang="en-US" b="1"/>
-              <a:t>response</a:t>
-            </a:r>
-            <a:r>
-              <a:rPr lang="en-US"/>
-              <a:t> variables: </a:t>
-            </a:r>
-            <a:r>
-              <a:rPr lang="en-US" i="1">
-                <a:latin typeface="Courier New"/>
-                <a:cs typeface="Courier New"/>
-              </a:rPr>
-              <a:t>y ~ x1 + x2 + x3</a:t>
-            </a:r>
-            <a:endParaRPr lang="en-US" b="1" i="1">
-              <a:latin typeface="Courier New"/>
-              <a:cs typeface="Courier New"/>
-            </a:endParaRPr>
-          </a:p>
-          <a:p>
-            <a:r>
-              <a:rPr lang="en-US"/>
-              <a:t>A model – </a:t>
-            </a:r>
-            <a:r>
-              <a:rPr lang="en-US" i="1"/>
-              <a:t>logit, probit, gamma, normal</a:t>
-            </a:r>
-          </a:p>
-          <a:p>
-            <a:r>
-              <a:rPr lang="en-US"/>
-              <a:t>Data – </a:t>
-            </a:r>
-            <a:r>
-              <a:rPr lang="en-US" i="1"/>
-              <a:t>a data-set stored as a </a:t>
-            </a:r>
-            <a:r>
-              <a:rPr lang="en-US" b="1" i="1"/>
-              <a:t>data.frame</a:t>
-            </a:r>
-          </a:p>
-          <a:p>
-            <a:endParaRPr lang="en-US"/>
-          </a:p>
-        </p:txBody>
-      </p:sp>
-    </p:spTree>
-    <p:extLst>
-      <p:ext uri="{BB962C8B-B14F-4D97-AF65-F5344CB8AC3E}">
-        <p14:creationId xmlns:p14="http://schemas.microsoft.com/office/powerpoint/2010/main" xmlns:p="http://schemas.openxmlformats.org/presentationml/2006/main" xmlns:r="http://schemas.openxmlformats.org/officeDocument/2006/relationships" xmlns:a="http://schemas.openxmlformats.org/drawingml/2006/main" xmlns="" val="3143245456"/>
-      </p:ext>
-    </p:extLst>
-  </p:cSld>
-  <p:clrMapOvr>
-    <a:masterClrMapping/>
-  </p:clrMapOvr>
-  <p:timing>
-    <p:tnLst>
-      <p:par>
-        <p:cTn id="1" dur="indefinite" restart="never" nodeType="tmRoot"/>
-      </p:par>
-    </p:tnLst>
-  </p:timing>
-</p:sld>
-</file>
-
-<file path=ppt/slides/slide22.xml><?xml version="1.0" encoding="utf-8"?>
-<p:sld xmlns:a="http://schemas.openxmlformats.org/drawingml/2006/main" xmlns:r="http://schemas.openxmlformats.org/officeDocument/2006/relationships" xmlns:mc="http://schemas.openxmlformats.org/markup-compatibility/2006" xmlns:mv="urn:schemas-microsoft-com:mac:vml" xmlns:p="http://schemas.openxmlformats.org/presentationml/2006/main" mc:Ignorable="mv" mc:PreserveAttributes="mv:*">
-  <p:cSld>
-    <p:spTree>
-      <p:nvGrpSpPr>
-        <p:cNvPr id="1" name=""/>
-        <p:cNvGrpSpPr/>
-        <p:nvPr/>
-      </p:nvGrpSpPr>
-      <p:grpSpPr>
-        <a:xfrm>
-          <a:off x="0" y="0"/>
-          <a:ext cx="0" cy="0"/>
-          <a:chOff x="0" y="0"/>
-          <a:chExt cx="0" cy="0"/>
-        </a:xfrm>
-      </p:grpSpPr>
-      <p:sp>
-        <p:nvSpPr>
-          <p:cNvPr id="2" name="Title 1"/>
-          <p:cNvSpPr>
-            <a:spLocks noGrp="1"/>
-          </p:cNvSpPr>
-          <p:nvPr>
-            <p:ph type="title"/>
-          </p:nvPr>
-        </p:nvSpPr>
-        <p:spPr/>
-        <p:txBody>
-          <a:bodyPr/>
-          <a:lstStyle/>
-          <a:p>
-            <a:r>
-              <a:rPr lang="en-US"/>
-              <a:t>Basics</a:t>
-            </a:r>
-          </a:p>
-        </p:txBody>
-      </p:sp>
-      <p:sp>
-        <p:nvSpPr>
-          <p:cNvPr id="3" name="Content Placeholder 2"/>
-          <p:cNvSpPr>
-            <a:spLocks noGrp="1"/>
-          </p:cNvSpPr>
-          <p:nvPr>
-            <p:ph idx="1"/>
-          </p:nvPr>
-        </p:nvSpPr>
-        <p:spPr/>
-        <p:txBody>
-          <a:bodyPr/>
-          <a:lstStyle/>
-          <a:p>
-            <a:r>
-              <a:rPr lang="en-US"/>
-              <a:t>The "lm" model finds the function that best </a:t>
-            </a:r>
-            <a:r>
-              <a:rPr lang="en-US" b="1"/>
-              <a:t>approximates </a:t>
-            </a:r>
-            <a:r>
-              <a:rPr lang="en-US"/>
-              <a:t>the observed data </a:t>
-            </a:r>
-            <a:r>
-              <a:rPr lang="en-US" b="1" u="sng"/>
-              <a:t>with a line</a:t>
-            </a:r>
-            <a:endParaRPr lang="en-US"/>
-          </a:p>
-          <a:p>
-            <a:r>
-              <a:rPr lang="en-US"/>
-              <a:t>Other regression models approximate observe data with a </a:t>
-            </a:r>
-            <a:r>
-              <a:rPr lang="en-US" b="1"/>
-              <a:t>nonlinear function</a:t>
-            </a:r>
-            <a:r>
-              <a:rPr lang="en-US"/>
-              <a:t> that takes a line as its parameter</a:t>
-            </a:r>
-          </a:p>
-          <a:p>
-            <a:pPr lvl="1"/>
-            <a:r>
-              <a:rPr lang="en-US"/>
-              <a:t>f(y) = X B</a:t>
-            </a:r>
-          </a:p>
-          <a:p>
-            <a:pPr lvl="1"/>
-            <a:r>
-              <a:rPr lang="en-US"/>
-              <a:t>Where </a:t>
-            </a:r>
-            <a:r>
-              <a:rPr lang="en-US" b="1"/>
-              <a:t>X</a:t>
-            </a:r>
-            <a:r>
-              <a:rPr lang="en-US"/>
-              <a:t> is a matrix and </a:t>
-            </a:r>
-            <a:r>
-              <a:rPr lang="en-US" b="1"/>
-              <a:t>B</a:t>
-            </a:r>
-            <a:r>
-              <a:rPr lang="en-US"/>
-              <a:t> is a vector</a:t>
-            </a:r>
-          </a:p>
-        </p:txBody>
-      </p:sp>
-    </p:spTree>
-    <p:extLst>
-      <p:ext uri="{BB962C8B-B14F-4D97-AF65-F5344CB8AC3E}">
-        <p14:creationId xmlns:p14="http://schemas.microsoft.com/office/powerpoint/2010/main" xmlns:p="http://schemas.openxmlformats.org/presentationml/2006/main" xmlns:r="http://schemas.openxmlformats.org/officeDocument/2006/relationships" xmlns:a="http://schemas.openxmlformats.org/drawingml/2006/main" xmlns="" val="1265913865"/>
-      </p:ext>
-    </p:extLst>
-  </p:cSld>
-  <p:clrMapOvr>
-    <a:masterClrMapping/>
-  </p:clrMapOvr>
-  <p:timing>
-    <p:tnLst>
-      <p:par>
-        <p:cTn id="1" dur="indefinite" restart="never" nodeType="tmRoot"/>
-      </p:par>
-    </p:tnLst>
-  </p:timing>
-</p:sld>
-</file>
-
-<file path=ppt/slides/slide23.xml><?xml version="1.0" encoding="utf-8"?>
-<p:sld xmlns:a="http://schemas.openxmlformats.org/drawingml/2006/main" xmlns:r="http://schemas.openxmlformats.org/officeDocument/2006/relationships" xmlns:mc="http://schemas.openxmlformats.org/markup-compatibility/2006" xmlns:mv="urn:schemas-microsoft-com:mac:vml" xmlns:p="http://schemas.openxmlformats.org/presentationml/2006/main" mc:Ignorable="mv" mc:PreserveAttributes="mv:*">
-  <p:cSld>
-    <p:spTree>
-      <p:nvGrpSpPr>
-        <p:cNvPr id="1" name=""/>
-        <p:cNvGrpSpPr/>
-        <p:nvPr/>
-      </p:nvGrpSpPr>
-      <p:grpSpPr>
-        <a:xfrm>
-          <a:off x="0" y="0"/>
-          <a:ext cx="0" cy="0"/>
-          <a:chOff x="0" y="0"/>
-          <a:chExt cx="0" cy="0"/>
-        </a:xfrm>
-      </p:grpSpPr>
-      <p:sp>
-        <p:nvSpPr>
-          <p:cNvPr id="2" name="Title 1"/>
-          <p:cNvSpPr>
-            <a:spLocks noGrp="1"/>
-          </p:cNvSpPr>
-          <p:nvPr>
-            <p:ph type="title"/>
-          </p:nvPr>
-        </p:nvSpPr>
-        <p:spPr/>
-        <p:txBody>
-          <a:bodyPr/>
-          <a:lstStyle/>
-          <a:p>
-            <a:r>
-              <a:rPr lang="en-US"/>
-              <a:t>Generalized Linear Models</a:t>
-            </a:r>
-          </a:p>
-        </p:txBody>
-      </p:sp>
-      <p:sp>
-        <p:nvSpPr>
-          <p:cNvPr id="3" name="Content Placeholder 2"/>
-          <p:cNvSpPr>
-            <a:spLocks noGrp="1"/>
-          </p:cNvSpPr>
-          <p:nvPr>
-            <p:ph idx="1"/>
-          </p:nvPr>
-        </p:nvSpPr>
-        <p:spPr/>
-        <p:txBody>
-          <a:bodyPr/>
-          <a:lstStyle/>
-          <a:p>
-            <a:r>
-              <a:rPr lang="en-US"/>
-              <a:t>The "least squares" method is the foundation of fitting generalized linear models (GLM's)</a:t>
-            </a:r>
-          </a:p>
-          <a:p>
-            <a:r>
-              <a:rPr lang="en-US"/>
-              <a:t>And information on how significantly the response variables varies with the predictor variables</a:t>
-            </a:r>
-          </a:p>
-        </p:txBody>
-      </p:sp>
-    </p:spTree>
-    <p:extLst>
-      <p:ext uri="{BB962C8B-B14F-4D97-AF65-F5344CB8AC3E}">
-        <p14:creationId xmlns:p14="http://schemas.microsoft.com/office/powerpoint/2010/main" xmlns:p="http://schemas.openxmlformats.org/presentationml/2006/main" xmlns:r="http://schemas.openxmlformats.org/officeDocument/2006/relationships" xmlns:a="http://schemas.openxmlformats.org/drawingml/2006/main" xmlns="" val="3465388416"/>
-      </p:ext>
-    </p:extLst>
-  </p:cSld>
-  <p:clrMapOvr>
-    <a:masterClrMapping/>
-  </p:clrMapOvr>
-  <p:timing>
-    <p:tnLst>
-      <p:par>
-        <p:cTn id="1" dur="indefinite" restart="never" nodeType="tmRoot"/>
-      </p:par>
-    </p:tnLst>
-  </p:timing>
-</p:sld>
-</file>
-
-<file path=ppt/slides/slide24.xml><?xml version="1.0" encoding="utf-8"?>
-<p:sld xmlns:a="http://schemas.openxmlformats.org/drawingml/2006/main" xmlns:r="http://schemas.openxmlformats.org/officeDocument/2006/relationships" xmlns:mc="http://schemas.openxmlformats.org/markup-compatibility/2006" xmlns:mv="urn:schemas-microsoft-com:mac:vml" xmlns:p="http://schemas.openxmlformats.org/presentationml/2006/main" mc:Ignorable="mv" mc:PreserveAttributes="mv:*">
-  <p:cSld>
-    <p:spTree>
-      <p:nvGrpSpPr>
-        <p:cNvPr id="1" name=""/>
-        <p:cNvGrpSpPr/>
-        <p:nvPr/>
-      </p:nvGrpSpPr>
-      <p:grpSpPr>
-        <a:xfrm>
-          <a:off x="0" y="0"/>
-          <a:ext cx="0" cy="0"/>
-          <a:chOff x="0" y="0"/>
-          <a:chExt cx="0" cy="0"/>
-        </a:xfrm>
-      </p:grpSpPr>
-      <p:sp>
-        <p:nvSpPr>
-          <p:cNvPr id="2" name="Title 1"/>
-          <p:cNvSpPr>
-            <a:spLocks noGrp="1"/>
-          </p:cNvSpPr>
-          <p:nvPr>
-            <p:ph type="title"/>
-          </p:nvPr>
-        </p:nvSpPr>
-        <p:spPr/>
-        <p:txBody>
-          <a:bodyPr/>
-          <a:lstStyle/>
-          <a:p>
-            <a:r>
-              <a:rPr lang="en-US"/>
-              <a:t>Example: Data</a:t>
-            </a:r>
-          </a:p>
-        </p:txBody>
-      </p:sp>
-      <p:pic>
-        <p:nvPicPr>
-          <p:cNvPr id="6" name="Content Placeholder 5" descr="Linear_Data.png"/>
-          <p:cNvPicPr>
-            <a:picLocks noGrp="1" noChangeAspect="1"/>
-          </p:cNvPicPr>
-          <p:nvPr>
-            <p:ph idx="1"/>
-          </p:nvPr>
-        </p:nvPicPr>
-        <p:blipFill>
-          <a:blip r:embed="rId2"/>
-          <a:srcRect l="-40915" r="-40915"/>
-          <a:stretch>
-            <a:fillRect/>
-          </a:stretch>
-        </p:blipFill>
-        <p:spPr/>
-      </p:pic>
-    </p:spTree>
-    <p:extLst>
-      <p:ext uri="{BB962C8B-B14F-4D97-AF65-F5344CB8AC3E}">
-        <p14:creationId xmlns:p14="http://schemas.microsoft.com/office/powerpoint/2010/main" xmlns:p="http://schemas.openxmlformats.org/presentationml/2006/main" xmlns:r="http://schemas.openxmlformats.org/officeDocument/2006/relationships" xmlns:a="http://schemas.openxmlformats.org/drawingml/2006/main" xmlns="" val="2972905603"/>
-      </p:ext>
-    </p:extLst>
-  </p:cSld>
-  <p:clrMapOvr>
-    <a:masterClrMapping/>
-  </p:clrMapOvr>
-  <p:timing>
-    <p:tnLst>
-      <p:par>
-        <p:cTn id="1" dur="indefinite" restart="never" nodeType="tmRoot"/>
-      </p:par>
-    </p:tnLst>
-  </p:timing>
-</p:sld>
-</file>
-
 <file path=ppt/slides/slide25.xml><?xml version="1.0" encoding="utf-8"?>
 <p:sld xmlns:a="http://schemas.openxmlformats.org/drawingml/2006/main" xmlns:r="http://schemas.openxmlformats.org/officeDocument/2006/relationships" xmlns:mc="http://schemas.openxmlformats.org/markup-compatibility/2006" xmlns:mv="urn:schemas-microsoft-com:mac:vml" xmlns:p="http://schemas.openxmlformats.org/presentationml/2006/main" mc:Ignorable="mv" mc:PreserveAttributes="mv:*">
   <p:cSld>
@@ -5923,58 +7771,50 @@
       </p:grpSpPr>
       <p:sp>
         <p:nvSpPr>
-          <p:cNvPr id="2" name="Title 1"/>
-          <p:cNvSpPr>
-            <a:spLocks noGrp="1"/>
-          </p:cNvSpPr>
-          <p:nvPr>
-            <p:ph type="title"/>
+          <p:cNvPr id="4" name="Title 3"/>
+          <p:cNvSpPr>
+            <a:spLocks noGrp="1"/>
+          </p:cNvSpPr>
+          <p:nvPr>
+            <p:ph type="ctrTitle"/>
           </p:nvPr>
         </p:nvSpPr>
         <p:spPr/>
         <p:txBody>
-          <a:bodyPr>
-            <a:normAutofit fontScale="90000"/>
-          </a:bodyPr>
-          <a:lstStyle/>
-          <a:p>
-            <a:r>
-              <a:rPr lang="en-US"/>
-              <a:t>Example: Data</a:t>
-            </a:r>
-            <a:br>
-              <a:rPr lang="en-US"/>
-            </a:br>
-            <a:r>
-              <a:rPr lang="en-US"/>
-              <a:t>(and Linear Regression)</a:t>
-            </a:r>
-          </a:p>
-        </p:txBody>
-      </p:sp>
-      <p:pic>
-        <p:nvPicPr>
-          <p:cNvPr id="4" name="Content Placeholder 3" descr="Linear_Regression.png"/>
-          <p:cNvPicPr>
-            <a:picLocks noGrp="1" noChangeAspect="1"/>
-          </p:cNvPicPr>
-          <p:nvPr>
-            <p:ph idx="1"/>
-          </p:nvPr>
-        </p:nvPicPr>
-        <p:blipFill>
-          <a:blip r:embed="rId2"/>
-          <a:srcRect l="-40915" r="-40915"/>
-          <a:stretch>
-            <a:fillRect/>
-          </a:stretch>
-        </p:blipFill>
+          <a:bodyPr/>
+          <a:lstStyle/>
+          <a:p>
+            <a:r>
+              <a:rPr lang="en-US" dirty="0" smtClean="0"/>
+              <a:t>Model Fitting Functions</a:t>
+            </a:r>
+            <a:endParaRPr lang="en-US" dirty="0"/>
+          </a:p>
+        </p:txBody>
+      </p:sp>
+      <p:sp>
+        <p:nvSpPr>
+          <p:cNvPr id="5" name="Subtitle 4"/>
+          <p:cNvSpPr>
+            <a:spLocks noGrp="1"/>
+          </p:cNvSpPr>
+          <p:nvPr>
+            <p:ph type="subTitle" idx="1"/>
+          </p:nvPr>
+        </p:nvSpPr>
         <p:spPr/>
-      </p:pic>
+        <p:txBody>
+          <a:bodyPr/>
+          <a:lstStyle/>
+          <a:p>
+            <a:endParaRPr lang="en-US"/>
+          </a:p>
+        </p:txBody>
+      </p:sp>
     </p:spTree>
     <p:extLst>
       <p:ext uri="{BB962C8B-B14F-4D97-AF65-F5344CB8AC3E}">
-        <p14:creationId xmlns:p14="http://schemas.microsoft.com/office/powerpoint/2010/main" xmlns:p="http://schemas.openxmlformats.org/presentationml/2006/main" xmlns:r="http://schemas.openxmlformats.org/officeDocument/2006/relationships" xmlns:a="http://schemas.openxmlformats.org/drawingml/2006/main" xmlns="" val="2382241759"/>
+        <p14:creationId xmlns="" xmlns:a="http://schemas.openxmlformats.org/drawingml/2006/main" xmlns:r="http://schemas.openxmlformats.org/officeDocument/2006/relationships" xmlns:p="http://schemas.openxmlformats.org/presentationml/2006/main" xmlns:p14="http://schemas.microsoft.com/office/powerpoint/2010/main" xmlns:mv="urn:schemas-microsoft-com:mac:vml" xmlns:mc="http://schemas.openxmlformats.org/markup-compatibility/2006" val="942656541"/>
       </p:ext>
     </p:extLst>
   </p:cSld>
@@ -6010,12 +7850,12 @@
       </p:grpSpPr>
       <p:sp>
         <p:nvSpPr>
-          <p:cNvPr id="3" name="Title 2"/>
-          <p:cNvSpPr>
-            <a:spLocks noGrp="1"/>
-          </p:cNvSpPr>
-          <p:nvPr>
-            <p:ph type="ctrTitle"/>
+          <p:cNvPr id="2" name="Title 1"/>
+          <p:cNvSpPr>
+            <a:spLocks noGrp="1"/>
+          </p:cNvSpPr>
+          <p:nvPr>
+            <p:ph type="title"/>
           </p:nvPr>
         </p:nvSpPr>
         <p:spPr/>
@@ -6024,21 +7864,20 @@
           <a:lstStyle/>
           <a:p>
             <a:r>
-              <a:rPr lang="en-US" dirty="0" smtClean="0"/>
-              <a:t>The zelig2 Method</a:t>
-            </a:r>
-            <a:endParaRPr lang="en-US" dirty="0"/>
-          </a:p>
-        </p:txBody>
-      </p:sp>
-      <p:sp>
-        <p:nvSpPr>
-          <p:cNvPr id="4" name="Subtitle 3"/>
-          <p:cNvSpPr>
-            <a:spLocks noGrp="1"/>
-          </p:cNvSpPr>
-          <p:nvPr>
-            <p:ph type="subTitle" idx="1"/>
+              <a:rPr lang="en-US"/>
+              <a:t>Outline for Model Fitting Functions</a:t>
+            </a:r>
+          </a:p>
+        </p:txBody>
+      </p:sp>
+      <p:sp>
+        <p:nvSpPr>
+          <p:cNvPr id="3" name="Content Placeholder 2"/>
+          <p:cNvSpPr>
+            <a:spLocks noGrp="1"/>
+          </p:cNvSpPr>
+          <p:nvPr>
+            <p:ph idx="1"/>
           </p:nvPr>
         </p:nvSpPr>
         <p:spPr/>
@@ -6046,16 +7885,26 @@
           <a:bodyPr/>
           <a:lstStyle/>
           <a:p>
-            <a:endParaRPr lang="en-US"/>
+            <a:r>
+              <a:rPr lang="en-US"/>
+              <a:t>What is linear regression?</a:t>
+            </a:r>
+          </a:p>
+          <a:p>
+            <a:r>
+              <a:rPr lang="en-US"/>
+              <a:t>Generalized Linear Models (GLM)</a:t>
+            </a:r>
+          </a:p>
+          <a:p>
+            <a:r>
+              <a:rPr lang="en-US"/>
+              <a:t>Example</a:t>
+            </a:r>
           </a:p>
         </p:txBody>
       </p:sp>
     </p:spTree>
-    <p:extLst>
-      <p:ext uri="{BB962C8B-B14F-4D97-AF65-F5344CB8AC3E}">
-        <p14:creationId xmlns:p14="http://schemas.microsoft.com/office/powerpoint/2010/main" xmlns:p="http://schemas.openxmlformats.org/presentationml/2006/main" xmlns:r="http://schemas.openxmlformats.org/officeDocument/2006/relationships" xmlns:a="http://schemas.openxmlformats.org/drawingml/2006/main" xmlns="" val="2601398369"/>
-      </p:ext>
-    </p:extLst>
   </p:cSld>
   <p:clrMapOvr>
     <a:masterClrMapping/>
@@ -6103,10 +7952,9 @@
           <a:lstStyle/>
           <a:p>
             <a:r>
-              <a:rPr lang="en-US" dirty="0" smtClean="0"/>
-              <a:t>Outline</a:t>
-            </a:r>
-            <a:endParaRPr lang="en-US" dirty="0"/>
+              <a:rPr lang="en-US"/>
+              <a:t>What is linear regression?</a:t>
+            </a:r>
           </a:p>
         </p:txBody>
       </p:sp>
@@ -6122,41 +7970,76 @@
         </p:nvSpPr>
         <p:spPr/>
         <p:txBody>
-          <a:bodyPr/>
-          <a:lstStyle/>
-          <a:p>
-            <a:r>
-              <a:rPr lang="en-US" dirty="0" smtClean="0"/>
-              <a:t>Overview</a:t>
-            </a:r>
-          </a:p>
-          <a:p>
-            <a:r>
-              <a:rPr lang="en-US" dirty="0" smtClean="0"/>
-              <a:t>What is a "zelig2" method?</a:t>
-            </a:r>
-          </a:p>
-          <a:p>
-            <a:r>
-              <a:rPr lang="en-US" dirty="0" smtClean="0"/>
-              <a:t>Format of a zelig2 method</a:t>
-            </a:r>
-          </a:p>
-          <a:p>
-            <a:r>
-              <a:rPr lang="en-US" dirty="0" smtClean="0"/>
-              <a:t>Writing the zelig2 method</a:t>
-            </a:r>
-          </a:p>
-          <a:p>
-            <a:endParaRPr lang="en-US" dirty="0"/>
+          <a:bodyPr>
+            <a:normAutofit lnSpcReduction="10000"/>
+          </a:bodyPr>
+          <a:lstStyle/>
+          <a:p>
+            <a:r>
+              <a:rPr lang="en-US"/>
+              <a:t>A method for </a:t>
+            </a:r>
+            <a:r>
+              <a:rPr lang="en-US" b="1"/>
+              <a:t>explaining</a:t>
+            </a:r>
+            <a:r>
+              <a:rPr lang="en-US"/>
+              <a:t> and </a:t>
+            </a:r>
+            <a:r>
+              <a:rPr lang="en-US" b="1"/>
+              <a:t>predicting</a:t>
+            </a:r>
+            <a:r>
+              <a:rPr lang="en-US"/>
+              <a:t> observations using data</a:t>
+            </a:r>
+          </a:p>
+          <a:p>
+            <a:r>
+              <a:rPr lang="en-US"/>
+              <a:t>A method for determining </a:t>
+            </a:r>
+            <a:r>
+              <a:rPr lang="en-US" b="1"/>
+              <a:t>unknown parameters</a:t>
+            </a:r>
+            <a:r>
+              <a:rPr lang="en-US"/>
+              <a:t> derived from a data set</a:t>
+            </a:r>
+          </a:p>
+          <a:p>
+            <a:pPr lvl="1"/>
+            <a:r>
+              <a:rPr lang="en-US"/>
+              <a:t>How dependent is my response variable on a particular parameter?</a:t>
+            </a:r>
+          </a:p>
+          <a:p>
+            <a:r>
+              <a:rPr lang="en-US"/>
+              <a:t>Specifically, a method for determining </a:t>
+            </a:r>
+            <a:r>
+              <a:rPr lang="en-US" b="1"/>
+              <a:t>conditional expected values</a:t>
+            </a:r>
+          </a:p>
+          <a:p>
+            <a:pPr lvl="1"/>
+            <a:r>
+              <a:rPr lang="en-US"/>
+              <a:t>"Given x and y, the expected value is…"</a:t>
+            </a:r>
           </a:p>
         </p:txBody>
       </p:sp>
     </p:spTree>
     <p:extLst>
       <p:ext uri="{BB962C8B-B14F-4D97-AF65-F5344CB8AC3E}">
-        <p14:creationId xmlns:p14="http://schemas.microsoft.com/office/powerpoint/2010/main" xmlns:p="http://schemas.openxmlformats.org/presentationml/2006/main" xmlns:r="http://schemas.openxmlformats.org/officeDocument/2006/relationships" xmlns:a="http://schemas.openxmlformats.org/drawingml/2006/main" xmlns="" val="520387571"/>
+        <p14:creationId xmlns="" xmlns:a="http://schemas.openxmlformats.org/drawingml/2006/main" xmlns:r="http://schemas.openxmlformats.org/officeDocument/2006/relationships" xmlns:p="http://schemas.openxmlformats.org/presentationml/2006/main" xmlns:p14="http://schemas.microsoft.com/office/powerpoint/2010/main" xmlns:mv="urn:schemas-microsoft-com:mac:vml" xmlns:mc="http://schemas.openxmlformats.org/markup-compatibility/2006" val="1702243699"/>
       </p:ext>
     </p:extLst>
   </p:cSld>
@@ -6207,7 +8090,7 @@
           <a:p>
             <a:r>
               <a:rPr lang="en-US"/>
-              <a:t>Overview</a:t>
+              <a:t>What is linear regression?</a:t>
             </a:r>
           </a:p>
         </p:txBody>
@@ -6227,26 +8110,82 @@
           <a:bodyPr/>
           <a:lstStyle/>
           <a:p>
-            <a:r>
-              <a:rPr lang="en-US"/>
-              <a:t>Today we are focusing on fitting the statistical model</a:t>
-            </a:r>
-          </a:p>
-          <a:p>
-            <a:r>
-              <a:rPr lang="en-US"/>
-              <a:t>Zelig requires (typically) that the model is fitted externally</a:t>
-            </a:r>
-          </a:p>
-          <a:p>
-            <a:r>
-              <a:rPr lang="en-US"/>
-              <a:t>Most models are based on "lm" or "glm" because of their general nature</a:t>
-            </a:r>
+            <a:pPr>
+              <a:buNone/>
+            </a:pPr>
+            <a:r>
+              <a:rPr lang="en-US"/>
+              <a:t>There are three necessary components to any generalized linear model:</a:t>
+            </a:r>
+          </a:p>
+          <a:p>
+            <a:r>
+              <a:rPr lang="en-US"/>
+              <a:t>A formula specifying </a:t>
+            </a:r>
+            <a:r>
+              <a:rPr lang="en-US" b="1"/>
+              <a:t>predictor</a:t>
+            </a:r>
+            <a:r>
+              <a:rPr lang="en-US"/>
+              <a:t> and </a:t>
+            </a:r>
+            <a:r>
+              <a:rPr lang="en-US" b="1"/>
+              <a:t>response</a:t>
+            </a:r>
+            <a:r>
+              <a:rPr lang="en-US"/>
+              <a:t> variables: </a:t>
+            </a:r>
+            <a:r>
+              <a:rPr lang="en-US" i="1">
+                <a:latin typeface="Courier New"/>
+                <a:cs typeface="Courier New"/>
+              </a:rPr>
+              <a:t>y ~ x1 + x2 + x3</a:t>
+            </a:r>
+            <a:endParaRPr lang="en-US" b="1" i="1">
+              <a:latin typeface="Courier New"/>
+              <a:cs typeface="Courier New"/>
+            </a:endParaRPr>
+          </a:p>
+          <a:p>
+            <a:r>
+              <a:rPr lang="en-US"/>
+              <a:t>A model – </a:t>
+            </a:r>
+            <a:r>
+              <a:rPr lang="en-US" i="1"/>
+              <a:t>logit, probit, gamma, normal</a:t>
+            </a:r>
+          </a:p>
+          <a:p>
+            <a:r>
+              <a:rPr lang="en-US"/>
+              <a:t>Data – </a:t>
+            </a:r>
+            <a:r>
+              <a:rPr lang="en-US" i="1"/>
+              <a:t>a data-set stored as a </a:t>
+            </a:r>
+            <a:r>
+              <a:rPr lang="en-US" b="1" i="1"/>
+              <a:t>data.frame</a:t>
+            </a:r>
+          </a:p>
+          <a:p>
+            <a:endParaRPr lang="en-US"/>
           </a:p>
         </p:txBody>
       </p:sp>
     </p:spTree>
+    <p:extLst>
+      <p:ext uri="{BB962C8B-B14F-4D97-AF65-F5344CB8AC3E}">
+        <p14:creationId xmlns="" xmlns:a="http://schemas.openxmlformats.org/drawingml/2006/main" xmlns:r="http://schemas.openxmlformats.org/officeDocument/2006/relationships" xmlns:p="http://schemas.openxmlformats.org/presentationml/2006/main" xmlns:p14="http://schemas.microsoft.com/office/powerpoint/2010/main" xmlns:mv="urn:schemas-microsoft-com:mac:vml" xmlns:mc="http://schemas.openxmlformats.org/markup-compatibility/2006" val="3143245456"/>
+      </p:ext>
+    </p:extLst>
   </p:cSld>
   <p:clrMapOvr>
     <a:masterClrMapping/>
@@ -6294,10 +8233,9 @@
           <a:lstStyle/>
           <a:p>
             <a:r>
-              <a:rPr lang="en-US" dirty="0" smtClean="0"/>
-              <a:t>Goals</a:t>
-            </a:r>
-            <a:endParaRPr lang="en-US" dirty="0"/>
+              <a:rPr lang="en-US"/>
+              <a:t>Basics</a:t>
+            </a:r>
           </a:p>
         </p:txBody>
       </p:sp>
@@ -6313,71 +8251,77 @@
         </p:nvSpPr>
         <p:spPr/>
         <p:txBody>
-          <a:bodyPr>
-            <a:normAutofit lnSpcReduction="10000"/>
-          </a:bodyPr>
-          <a:lstStyle/>
-          <a:p>
-            <a:r>
-              <a:rPr lang="en-US" dirty="0" smtClean="0"/>
-              <a:t>We are going to focus on simulating individual statistical models</a:t>
-            </a:r>
-          </a:p>
-          <a:p>
-            <a:r>
-              <a:rPr lang="en-US" dirty="0" smtClean="0"/>
-              <a:t>Each student will create an R package</a:t>
-            </a:r>
-          </a:p>
-          <a:p>
-            <a:r>
-              <a:rPr lang="en-US" dirty="0" smtClean="0"/>
-              <a:t>Each student will implement a single statistical model</a:t>
-            </a:r>
-          </a:p>
-          <a:p>
-            <a:r>
-              <a:rPr lang="en-US" dirty="0" smtClean="0"/>
-              <a:t>This model will be made up of 3 methods:</a:t>
+          <a:bodyPr/>
+          <a:lstStyle/>
+          <a:p>
+            <a:r>
+              <a:rPr lang="en-US"/>
+              <a:t>The "lm" model finds the function that best </a:t>
+            </a:r>
+            <a:r>
+              <a:rPr lang="en-US" b="1"/>
+              <a:t>approximates </a:t>
+            </a:r>
+            <a:r>
+              <a:rPr lang="en-US"/>
+              <a:t>the observed data </a:t>
+            </a:r>
+            <a:r>
+              <a:rPr lang="en-US" b="1" u="sng"/>
+              <a:t>with a line</a:t>
+            </a:r>
+            <a:endParaRPr lang="en-US"/>
+          </a:p>
+          <a:p>
+            <a:r>
+              <a:rPr lang="en-US"/>
+              <a:t>Other regression models approximate observe data with a </a:t>
+            </a:r>
+            <a:r>
+              <a:rPr lang="en-US" b="1"/>
+              <a:t>nonlinear function</a:t>
+            </a:r>
+            <a:r>
+              <a:rPr lang="en-US"/>
+              <a:t> that takes a line as its parameter</a:t>
             </a:r>
           </a:p>
           <a:p>
             <a:pPr lvl="1"/>
             <a:r>
-              <a:rPr lang="en-US" dirty="0" smtClean="0"/>
-              <a:t>zelig2&lt;model-name&gt;</a:t>
+              <a:rPr lang="en-US"/>
+              <a:t>f(y) = X B</a:t>
             </a:r>
           </a:p>
           <a:p>
             <a:pPr lvl="1"/>
             <a:r>
-              <a:rPr lang="en-US" dirty="0" err="1" smtClean="0"/>
-              <a:t>param</a:t>
-            </a:r>
-            <a:r>
-              <a:rPr lang="en-US" dirty="0" smtClean="0"/>
-              <a:t>.&lt;model-name&gt;</a:t>
-            </a:r>
-          </a:p>
-          <a:p>
-            <a:pPr lvl="1"/>
-            <a:r>
-              <a:rPr lang="en-US" dirty="0" smtClean="0"/>
-              <a:t>qi.&lt;model-name&gt;</a:t>
-            </a:r>
-          </a:p>
-          <a:p>
-            <a:endParaRPr lang="en-US" dirty="0" smtClean="0"/>
-          </a:p>
-          <a:p>
-            <a:endParaRPr lang="en-US" dirty="0"/>
+              <a:rPr lang="en-US"/>
+              <a:t>Where </a:t>
+            </a:r>
+            <a:r>
+              <a:rPr lang="en-US" b="1"/>
+              <a:t>X</a:t>
+            </a:r>
+            <a:r>
+              <a:rPr lang="en-US"/>
+              <a:t> is a matrix and </a:t>
+            </a:r>
+            <a:r>
+              <a:rPr lang="en-US" b="1"/>
+              <a:t>B</a:t>
+            </a:r>
+            <a:r>
+              <a:rPr lang="en-US"/>
+              <a:t> is a vector</a:t>
+            </a:r>
           </a:p>
         </p:txBody>
       </p:sp>
     </p:spTree>
     <p:extLst>
       <p:ext uri="{BB962C8B-B14F-4D97-AF65-F5344CB8AC3E}">
-        <p14:creationId xmlns:p14="http://schemas.microsoft.com/office/powerpoint/2010/main" xmlns:p="http://schemas.openxmlformats.org/presentationml/2006/main" xmlns:r="http://schemas.openxmlformats.org/officeDocument/2006/relationships" xmlns:a="http://schemas.openxmlformats.org/drawingml/2006/main" xmlns="" val="1712515247"/>
+        <p14:creationId xmlns="" xmlns:a="http://schemas.openxmlformats.org/drawingml/2006/main" xmlns:r="http://schemas.openxmlformats.org/officeDocument/2006/relationships" xmlns:p="http://schemas.openxmlformats.org/presentationml/2006/main" xmlns:p14="http://schemas.microsoft.com/office/powerpoint/2010/main" xmlns:mv="urn:schemas-microsoft-com:mac:vml" xmlns:mc="http://schemas.openxmlformats.org/markup-compatibility/2006" val="1265913865"/>
       </p:ext>
     </p:extLst>
   </p:cSld>
@@ -6456,7 +8400,7 @@
     </p:spTree>
     <p:extLst>
       <p:ext uri="{BB962C8B-B14F-4D97-AF65-F5344CB8AC3E}">
-        <p14:creationId xmlns:p14="http://schemas.microsoft.com/office/powerpoint/2010/main" xmlns:p="http://schemas.openxmlformats.org/presentationml/2006/main" xmlns:r="http://schemas.openxmlformats.org/officeDocument/2006/relationships" xmlns:a="http://schemas.openxmlformats.org/drawingml/2006/main" xmlns="" val="2238547365"/>
+        <p14:creationId xmlns="" xmlns:a="http://schemas.openxmlformats.org/drawingml/2006/main" xmlns:r="http://schemas.openxmlformats.org/officeDocument/2006/relationships" xmlns:p="http://schemas.openxmlformats.org/presentationml/2006/main" xmlns:p14="http://schemas.microsoft.com/office/powerpoint/2010/main" xmlns:mv="urn:schemas-microsoft-com:mac:vml" xmlns:mc="http://schemas.openxmlformats.org/markup-compatibility/2006" val="2238547365"/>
       </p:ext>
     </p:extLst>
   </p:cSld>
@@ -6474,6 +8418,661 @@
 </file>
 
 <file path=ppt/slides/slide30.xml><?xml version="1.0" encoding="utf-8"?>
+<p:sld xmlns:a="http://schemas.openxmlformats.org/drawingml/2006/main" xmlns:r="http://schemas.openxmlformats.org/officeDocument/2006/relationships" xmlns:mc="http://schemas.openxmlformats.org/markup-compatibility/2006" xmlns:mv="urn:schemas-microsoft-com:mac:vml" xmlns:p="http://schemas.openxmlformats.org/presentationml/2006/main" mc:Ignorable="mv" mc:PreserveAttributes="mv:*">
+  <p:cSld>
+    <p:spTree>
+      <p:nvGrpSpPr>
+        <p:cNvPr id="1" name=""/>
+        <p:cNvGrpSpPr/>
+        <p:nvPr/>
+      </p:nvGrpSpPr>
+      <p:grpSpPr>
+        <a:xfrm>
+          <a:off x="0" y="0"/>
+          <a:ext cx="0" cy="0"/>
+          <a:chOff x="0" y="0"/>
+          <a:chExt cx="0" cy="0"/>
+        </a:xfrm>
+      </p:grpSpPr>
+      <p:sp>
+        <p:nvSpPr>
+          <p:cNvPr id="2" name="Title 1"/>
+          <p:cNvSpPr>
+            <a:spLocks noGrp="1"/>
+          </p:cNvSpPr>
+          <p:nvPr>
+            <p:ph type="title"/>
+          </p:nvPr>
+        </p:nvSpPr>
+        <p:spPr/>
+        <p:txBody>
+          <a:bodyPr/>
+          <a:lstStyle/>
+          <a:p>
+            <a:r>
+              <a:rPr lang="en-US"/>
+              <a:t>Generalized Linear Models</a:t>
+            </a:r>
+          </a:p>
+        </p:txBody>
+      </p:sp>
+      <p:sp>
+        <p:nvSpPr>
+          <p:cNvPr id="3" name="Content Placeholder 2"/>
+          <p:cNvSpPr>
+            <a:spLocks noGrp="1"/>
+          </p:cNvSpPr>
+          <p:nvPr>
+            <p:ph idx="1"/>
+          </p:nvPr>
+        </p:nvSpPr>
+        <p:spPr/>
+        <p:txBody>
+          <a:bodyPr/>
+          <a:lstStyle/>
+          <a:p>
+            <a:r>
+              <a:rPr lang="en-US"/>
+              <a:t>The "least squares" method is the foundation of fitting generalized linear models (GLM's)</a:t>
+            </a:r>
+          </a:p>
+          <a:p>
+            <a:r>
+              <a:rPr lang="en-US"/>
+              <a:t>And information on how significantly the response variables varies with the predictor variables</a:t>
+            </a:r>
+          </a:p>
+        </p:txBody>
+      </p:sp>
+    </p:spTree>
+    <p:extLst>
+      <p:ext uri="{BB962C8B-B14F-4D97-AF65-F5344CB8AC3E}">
+        <p14:creationId xmlns="" xmlns:a="http://schemas.openxmlformats.org/drawingml/2006/main" xmlns:r="http://schemas.openxmlformats.org/officeDocument/2006/relationships" xmlns:p="http://schemas.openxmlformats.org/presentationml/2006/main" xmlns:p14="http://schemas.microsoft.com/office/powerpoint/2010/main" xmlns:mv="urn:schemas-microsoft-com:mac:vml" xmlns:mc="http://schemas.openxmlformats.org/markup-compatibility/2006" val="3465388416"/>
+      </p:ext>
+    </p:extLst>
+  </p:cSld>
+  <p:clrMapOvr>
+    <a:masterClrMapping/>
+  </p:clrMapOvr>
+  <p:timing>
+    <p:tnLst>
+      <p:par>
+        <p:cTn id="1" dur="indefinite" restart="never" nodeType="tmRoot"/>
+      </p:par>
+    </p:tnLst>
+  </p:timing>
+</p:sld>
+</file>
+
+<file path=ppt/slides/slide31.xml><?xml version="1.0" encoding="utf-8"?>
+<p:sld xmlns:a="http://schemas.openxmlformats.org/drawingml/2006/main" xmlns:r="http://schemas.openxmlformats.org/officeDocument/2006/relationships" xmlns:mc="http://schemas.openxmlformats.org/markup-compatibility/2006" xmlns:mv="urn:schemas-microsoft-com:mac:vml" xmlns:p="http://schemas.openxmlformats.org/presentationml/2006/main" mc:Ignorable="mv" mc:PreserveAttributes="mv:*">
+  <p:cSld>
+    <p:spTree>
+      <p:nvGrpSpPr>
+        <p:cNvPr id="1" name=""/>
+        <p:cNvGrpSpPr/>
+        <p:nvPr/>
+      </p:nvGrpSpPr>
+      <p:grpSpPr>
+        <a:xfrm>
+          <a:off x="0" y="0"/>
+          <a:ext cx="0" cy="0"/>
+          <a:chOff x="0" y="0"/>
+          <a:chExt cx="0" cy="0"/>
+        </a:xfrm>
+      </p:grpSpPr>
+      <p:sp>
+        <p:nvSpPr>
+          <p:cNvPr id="2" name="Title 1"/>
+          <p:cNvSpPr>
+            <a:spLocks noGrp="1"/>
+          </p:cNvSpPr>
+          <p:nvPr>
+            <p:ph type="title"/>
+          </p:nvPr>
+        </p:nvSpPr>
+        <p:spPr/>
+        <p:txBody>
+          <a:bodyPr/>
+          <a:lstStyle/>
+          <a:p>
+            <a:r>
+              <a:rPr lang="en-US"/>
+              <a:t>Example: Data</a:t>
+            </a:r>
+          </a:p>
+        </p:txBody>
+      </p:sp>
+      <p:pic>
+        <p:nvPicPr>
+          <p:cNvPr id="6" name="Content Placeholder 5" descr="Linear_Data.png"/>
+          <p:cNvPicPr>
+            <a:picLocks noGrp="1" noChangeAspect="1"/>
+          </p:cNvPicPr>
+          <p:nvPr>
+            <p:ph idx="1"/>
+          </p:nvPr>
+        </p:nvPicPr>
+        <p:blipFill>
+          <a:blip r:embed="rId2"/>
+          <a:srcRect l="-40915" r="-40915"/>
+          <a:stretch>
+            <a:fillRect/>
+          </a:stretch>
+        </p:blipFill>
+        <p:spPr/>
+      </p:pic>
+    </p:spTree>
+    <p:extLst>
+      <p:ext uri="{BB962C8B-B14F-4D97-AF65-F5344CB8AC3E}">
+        <p14:creationId xmlns="" xmlns:a="http://schemas.openxmlformats.org/drawingml/2006/main" xmlns:r="http://schemas.openxmlformats.org/officeDocument/2006/relationships" xmlns:p="http://schemas.openxmlformats.org/presentationml/2006/main" xmlns:p14="http://schemas.microsoft.com/office/powerpoint/2010/main" xmlns:mv="urn:schemas-microsoft-com:mac:vml" xmlns:mc="http://schemas.openxmlformats.org/markup-compatibility/2006" val="2972905603"/>
+      </p:ext>
+    </p:extLst>
+  </p:cSld>
+  <p:clrMapOvr>
+    <a:masterClrMapping/>
+  </p:clrMapOvr>
+  <p:timing>
+    <p:tnLst>
+      <p:par>
+        <p:cTn id="1" dur="indefinite" restart="never" nodeType="tmRoot"/>
+      </p:par>
+    </p:tnLst>
+  </p:timing>
+</p:sld>
+</file>
+
+<file path=ppt/slides/slide32.xml><?xml version="1.0" encoding="utf-8"?>
+<p:sld xmlns:a="http://schemas.openxmlformats.org/drawingml/2006/main" xmlns:r="http://schemas.openxmlformats.org/officeDocument/2006/relationships" xmlns:mc="http://schemas.openxmlformats.org/markup-compatibility/2006" xmlns:mv="urn:schemas-microsoft-com:mac:vml" xmlns:p="http://schemas.openxmlformats.org/presentationml/2006/main" mc:Ignorable="mv" mc:PreserveAttributes="mv:*">
+  <p:cSld>
+    <p:spTree>
+      <p:nvGrpSpPr>
+        <p:cNvPr id="1" name=""/>
+        <p:cNvGrpSpPr/>
+        <p:nvPr/>
+      </p:nvGrpSpPr>
+      <p:grpSpPr>
+        <a:xfrm>
+          <a:off x="0" y="0"/>
+          <a:ext cx="0" cy="0"/>
+          <a:chOff x="0" y="0"/>
+          <a:chExt cx="0" cy="0"/>
+        </a:xfrm>
+      </p:grpSpPr>
+      <p:sp>
+        <p:nvSpPr>
+          <p:cNvPr id="2" name="Title 1"/>
+          <p:cNvSpPr>
+            <a:spLocks noGrp="1"/>
+          </p:cNvSpPr>
+          <p:nvPr>
+            <p:ph type="title"/>
+          </p:nvPr>
+        </p:nvSpPr>
+        <p:spPr/>
+        <p:txBody>
+          <a:bodyPr>
+            <a:normAutofit fontScale="90000"/>
+          </a:bodyPr>
+          <a:lstStyle/>
+          <a:p>
+            <a:r>
+              <a:rPr lang="en-US"/>
+              <a:t>Example: Data</a:t>
+            </a:r>
+            <a:br>
+              <a:rPr lang="en-US"/>
+            </a:br>
+            <a:r>
+              <a:rPr lang="en-US"/>
+              <a:t>(and Linear Regression)</a:t>
+            </a:r>
+          </a:p>
+        </p:txBody>
+      </p:sp>
+      <p:pic>
+        <p:nvPicPr>
+          <p:cNvPr id="4" name="Content Placeholder 3" descr="Linear_Regression.png"/>
+          <p:cNvPicPr>
+            <a:picLocks noGrp="1" noChangeAspect="1"/>
+          </p:cNvPicPr>
+          <p:nvPr>
+            <p:ph idx="1"/>
+          </p:nvPr>
+        </p:nvPicPr>
+        <p:blipFill>
+          <a:blip r:embed="rId2"/>
+          <a:srcRect l="-40915" r="-40915"/>
+          <a:stretch>
+            <a:fillRect/>
+          </a:stretch>
+        </p:blipFill>
+        <p:spPr/>
+      </p:pic>
+    </p:spTree>
+    <p:extLst>
+      <p:ext uri="{BB962C8B-B14F-4D97-AF65-F5344CB8AC3E}">
+        <p14:creationId xmlns="" xmlns:a="http://schemas.openxmlformats.org/drawingml/2006/main" xmlns:r="http://schemas.openxmlformats.org/officeDocument/2006/relationships" xmlns:p="http://schemas.openxmlformats.org/presentationml/2006/main" xmlns:p14="http://schemas.microsoft.com/office/powerpoint/2010/main" xmlns:mv="urn:schemas-microsoft-com:mac:vml" xmlns:mc="http://schemas.openxmlformats.org/markup-compatibility/2006" val="2382241759"/>
+      </p:ext>
+    </p:extLst>
+  </p:cSld>
+  <p:clrMapOvr>
+    <a:masterClrMapping/>
+  </p:clrMapOvr>
+  <p:timing>
+    <p:tnLst>
+      <p:par>
+        <p:cTn id="1" dur="indefinite" restart="never" nodeType="tmRoot"/>
+      </p:par>
+    </p:tnLst>
+  </p:timing>
+</p:sld>
+</file>
+
+<file path=ppt/slides/slide33.xml><?xml version="1.0" encoding="utf-8"?>
+<p:sld xmlns:a="http://schemas.openxmlformats.org/drawingml/2006/main" xmlns:r="http://schemas.openxmlformats.org/officeDocument/2006/relationships" xmlns:mc="http://schemas.openxmlformats.org/markup-compatibility/2006" xmlns:mv="urn:schemas-microsoft-com:mac:vml" xmlns:p="http://schemas.openxmlformats.org/presentationml/2006/main" mc:Ignorable="mv" mc:PreserveAttributes="mv:*">
+  <p:cSld>
+    <p:spTree>
+      <p:nvGrpSpPr>
+        <p:cNvPr id="1" name=""/>
+        <p:cNvGrpSpPr/>
+        <p:nvPr/>
+      </p:nvGrpSpPr>
+      <p:grpSpPr>
+        <a:xfrm>
+          <a:off x="0" y="0"/>
+          <a:ext cx="0" cy="0"/>
+          <a:chOff x="0" y="0"/>
+          <a:chExt cx="0" cy="0"/>
+        </a:xfrm>
+      </p:grpSpPr>
+      <p:sp>
+        <p:nvSpPr>
+          <p:cNvPr id="3" name="Title 2"/>
+          <p:cNvSpPr>
+            <a:spLocks noGrp="1"/>
+          </p:cNvSpPr>
+          <p:nvPr>
+            <p:ph type="ctrTitle"/>
+          </p:nvPr>
+        </p:nvSpPr>
+        <p:spPr/>
+        <p:txBody>
+          <a:bodyPr/>
+          <a:lstStyle/>
+          <a:p>
+            <a:r>
+              <a:rPr lang="en-US" dirty="0" smtClean="0"/>
+              <a:t>The zelig2 Method</a:t>
+            </a:r>
+            <a:endParaRPr lang="en-US" dirty="0"/>
+          </a:p>
+        </p:txBody>
+      </p:sp>
+      <p:sp>
+        <p:nvSpPr>
+          <p:cNvPr id="4" name="Subtitle 3"/>
+          <p:cNvSpPr>
+            <a:spLocks noGrp="1"/>
+          </p:cNvSpPr>
+          <p:nvPr>
+            <p:ph type="subTitle" idx="1"/>
+          </p:nvPr>
+        </p:nvSpPr>
+        <p:spPr/>
+        <p:txBody>
+          <a:bodyPr/>
+          <a:lstStyle/>
+          <a:p>
+            <a:endParaRPr lang="en-US"/>
+          </a:p>
+        </p:txBody>
+      </p:sp>
+    </p:spTree>
+    <p:extLst>
+      <p:ext uri="{BB962C8B-B14F-4D97-AF65-F5344CB8AC3E}">
+        <p14:creationId xmlns="" xmlns:a="http://schemas.openxmlformats.org/drawingml/2006/main" xmlns:r="http://schemas.openxmlformats.org/officeDocument/2006/relationships" xmlns:p="http://schemas.openxmlformats.org/presentationml/2006/main" xmlns:p14="http://schemas.microsoft.com/office/powerpoint/2010/main" xmlns:mv="urn:schemas-microsoft-com:mac:vml" xmlns:mc="http://schemas.openxmlformats.org/markup-compatibility/2006" val="2601398369"/>
+      </p:ext>
+    </p:extLst>
+  </p:cSld>
+  <p:clrMapOvr>
+    <a:masterClrMapping/>
+  </p:clrMapOvr>
+  <p:timing>
+    <p:tnLst>
+      <p:par>
+        <p:cTn id="1" dur="indefinite" restart="never" nodeType="tmRoot"/>
+      </p:par>
+    </p:tnLst>
+  </p:timing>
+</p:sld>
+</file>
+
+<file path=ppt/slides/slide34.xml><?xml version="1.0" encoding="utf-8"?>
+<p:sld xmlns:a="http://schemas.openxmlformats.org/drawingml/2006/main" xmlns:r="http://schemas.openxmlformats.org/officeDocument/2006/relationships" xmlns:mc="http://schemas.openxmlformats.org/markup-compatibility/2006" xmlns:mv="urn:schemas-microsoft-com:mac:vml" xmlns:p="http://schemas.openxmlformats.org/presentationml/2006/main" mc:Ignorable="mv" mc:PreserveAttributes="mv:*">
+  <p:cSld>
+    <p:spTree>
+      <p:nvGrpSpPr>
+        <p:cNvPr id="1" name=""/>
+        <p:cNvGrpSpPr/>
+        <p:nvPr/>
+      </p:nvGrpSpPr>
+      <p:grpSpPr>
+        <a:xfrm>
+          <a:off x="0" y="0"/>
+          <a:ext cx="0" cy="0"/>
+          <a:chOff x="0" y="0"/>
+          <a:chExt cx="0" cy="0"/>
+        </a:xfrm>
+      </p:grpSpPr>
+      <p:sp>
+        <p:nvSpPr>
+          <p:cNvPr id="2" name="Title 1"/>
+          <p:cNvSpPr>
+            <a:spLocks noGrp="1"/>
+          </p:cNvSpPr>
+          <p:nvPr>
+            <p:ph type="title"/>
+          </p:nvPr>
+        </p:nvSpPr>
+        <p:spPr/>
+        <p:txBody>
+          <a:bodyPr/>
+          <a:lstStyle/>
+          <a:p>
+            <a:r>
+              <a:rPr lang="en-US" dirty="0" smtClean="0"/>
+              <a:t>Outline</a:t>
+            </a:r>
+            <a:endParaRPr lang="en-US" dirty="0"/>
+          </a:p>
+        </p:txBody>
+      </p:sp>
+      <p:sp>
+        <p:nvSpPr>
+          <p:cNvPr id="3" name="Content Placeholder 2"/>
+          <p:cNvSpPr>
+            <a:spLocks noGrp="1"/>
+          </p:cNvSpPr>
+          <p:nvPr>
+            <p:ph idx="1"/>
+          </p:nvPr>
+        </p:nvSpPr>
+        <p:spPr/>
+        <p:txBody>
+          <a:bodyPr/>
+          <a:lstStyle/>
+          <a:p>
+            <a:r>
+              <a:rPr lang="en-US" dirty="0" smtClean="0"/>
+              <a:t>Overview</a:t>
+            </a:r>
+          </a:p>
+          <a:p>
+            <a:r>
+              <a:rPr lang="en-US" dirty="0" smtClean="0"/>
+              <a:t>What is a "zelig2" method?</a:t>
+            </a:r>
+          </a:p>
+          <a:p>
+            <a:r>
+              <a:rPr lang="en-US" dirty="0" smtClean="0"/>
+              <a:t>Format of a zelig2 method</a:t>
+            </a:r>
+          </a:p>
+          <a:p>
+            <a:r>
+              <a:rPr lang="en-US" dirty="0" smtClean="0"/>
+              <a:t>Writing the zelig2 method</a:t>
+            </a:r>
+          </a:p>
+          <a:p>
+            <a:endParaRPr lang="en-US" dirty="0"/>
+          </a:p>
+        </p:txBody>
+      </p:sp>
+    </p:spTree>
+    <p:extLst>
+      <p:ext uri="{BB962C8B-B14F-4D97-AF65-F5344CB8AC3E}">
+        <p14:creationId xmlns="" xmlns:a="http://schemas.openxmlformats.org/drawingml/2006/main" xmlns:r="http://schemas.openxmlformats.org/officeDocument/2006/relationships" xmlns:p="http://schemas.openxmlformats.org/presentationml/2006/main" xmlns:p14="http://schemas.microsoft.com/office/powerpoint/2010/main" xmlns:mv="urn:schemas-microsoft-com:mac:vml" xmlns:mc="http://schemas.openxmlformats.org/markup-compatibility/2006" val="520387571"/>
+      </p:ext>
+    </p:extLst>
+  </p:cSld>
+  <p:clrMapOvr>
+    <a:masterClrMapping/>
+  </p:clrMapOvr>
+  <p:timing>
+    <p:tnLst>
+      <p:par>
+        <p:cTn id="1" dur="indefinite" restart="never" nodeType="tmRoot"/>
+      </p:par>
+    </p:tnLst>
+  </p:timing>
+</p:sld>
+</file>
+
+<file path=ppt/slides/slide35.xml><?xml version="1.0" encoding="utf-8"?>
+<p:sld xmlns:a="http://schemas.openxmlformats.org/drawingml/2006/main" xmlns:r="http://schemas.openxmlformats.org/officeDocument/2006/relationships" xmlns:mc="http://schemas.openxmlformats.org/markup-compatibility/2006" xmlns:mv="urn:schemas-microsoft-com:mac:vml" xmlns:p="http://schemas.openxmlformats.org/presentationml/2006/main" mc:Ignorable="mv" mc:PreserveAttributes="mv:*">
+  <p:cSld>
+    <p:spTree>
+      <p:nvGrpSpPr>
+        <p:cNvPr id="1" name=""/>
+        <p:cNvGrpSpPr/>
+        <p:nvPr/>
+      </p:nvGrpSpPr>
+      <p:grpSpPr>
+        <a:xfrm>
+          <a:off x="0" y="0"/>
+          <a:ext cx="0" cy="0"/>
+          <a:chOff x="0" y="0"/>
+          <a:chExt cx="0" cy="0"/>
+        </a:xfrm>
+      </p:grpSpPr>
+      <p:sp>
+        <p:nvSpPr>
+          <p:cNvPr id="2" name="Title 1"/>
+          <p:cNvSpPr>
+            <a:spLocks noGrp="1"/>
+          </p:cNvSpPr>
+          <p:nvPr>
+            <p:ph type="title"/>
+          </p:nvPr>
+        </p:nvSpPr>
+        <p:spPr/>
+        <p:txBody>
+          <a:bodyPr/>
+          <a:lstStyle/>
+          <a:p>
+            <a:r>
+              <a:rPr lang="en-US"/>
+              <a:t>Overview</a:t>
+            </a:r>
+          </a:p>
+        </p:txBody>
+      </p:sp>
+      <p:sp>
+        <p:nvSpPr>
+          <p:cNvPr id="3" name="Content Placeholder 2"/>
+          <p:cNvSpPr>
+            <a:spLocks noGrp="1"/>
+          </p:cNvSpPr>
+          <p:nvPr>
+            <p:ph idx="1"/>
+          </p:nvPr>
+        </p:nvSpPr>
+        <p:spPr/>
+        <p:txBody>
+          <a:bodyPr/>
+          <a:lstStyle/>
+          <a:p>
+            <a:r>
+              <a:rPr lang="en-US"/>
+              <a:t>Today we are focusing on fitting the statistical model</a:t>
+            </a:r>
+          </a:p>
+          <a:p>
+            <a:r>
+              <a:rPr lang="en-US"/>
+              <a:t>Zelig requires (typically) that the model is fitted externally</a:t>
+            </a:r>
+          </a:p>
+          <a:p>
+            <a:r>
+              <a:rPr lang="en-US"/>
+              <a:t>Most models are based on "lm" or "glm" because of their general nature</a:t>
+            </a:r>
+          </a:p>
+        </p:txBody>
+      </p:sp>
+    </p:spTree>
+  </p:cSld>
+  <p:clrMapOvr>
+    <a:masterClrMapping/>
+  </p:clrMapOvr>
+  <p:timing>
+    <p:tnLst>
+      <p:par>
+        <p:cTn id="1" dur="indefinite" restart="never" nodeType="tmRoot"/>
+      </p:par>
+    </p:tnLst>
+  </p:timing>
+</p:sld>
+</file>
+
+<file path=ppt/slides/slide36.xml><?xml version="1.0" encoding="utf-8"?>
+<p:sld xmlns:a="http://schemas.openxmlformats.org/drawingml/2006/main" xmlns:r="http://schemas.openxmlformats.org/officeDocument/2006/relationships" xmlns:mc="http://schemas.openxmlformats.org/markup-compatibility/2006" xmlns:mv="urn:schemas-microsoft-com:mac:vml" xmlns:p="http://schemas.openxmlformats.org/presentationml/2006/main" mc:Ignorable="mv" mc:PreserveAttributes="mv:*">
+  <p:cSld>
+    <p:spTree>
+      <p:nvGrpSpPr>
+        <p:cNvPr id="1" name=""/>
+        <p:cNvGrpSpPr/>
+        <p:nvPr/>
+      </p:nvGrpSpPr>
+      <p:grpSpPr>
+        <a:xfrm>
+          <a:off x="0" y="0"/>
+          <a:ext cx="0" cy="0"/>
+          <a:chOff x="0" y="0"/>
+          <a:chExt cx="0" cy="0"/>
+        </a:xfrm>
+      </p:grpSpPr>
+      <p:sp>
+        <p:nvSpPr>
+          <p:cNvPr id="2" name="Title 1"/>
+          <p:cNvSpPr>
+            <a:spLocks noGrp="1"/>
+          </p:cNvSpPr>
+          <p:nvPr>
+            <p:ph type="title"/>
+          </p:nvPr>
+        </p:nvSpPr>
+        <p:spPr/>
+        <p:txBody>
+          <a:bodyPr/>
+          <a:lstStyle/>
+          <a:p>
+            <a:r>
+              <a:rPr lang="en-US" dirty="0" smtClean="0"/>
+              <a:t>Goals</a:t>
+            </a:r>
+            <a:endParaRPr lang="en-US" dirty="0"/>
+          </a:p>
+        </p:txBody>
+      </p:sp>
+      <p:sp>
+        <p:nvSpPr>
+          <p:cNvPr id="3" name="Content Placeholder 2"/>
+          <p:cNvSpPr>
+            <a:spLocks noGrp="1"/>
+          </p:cNvSpPr>
+          <p:nvPr>
+            <p:ph idx="1"/>
+          </p:nvPr>
+        </p:nvSpPr>
+        <p:spPr/>
+        <p:txBody>
+          <a:bodyPr>
+            <a:normAutofit lnSpcReduction="10000"/>
+          </a:bodyPr>
+          <a:lstStyle/>
+          <a:p>
+            <a:r>
+              <a:rPr lang="en-US" dirty="0" smtClean="0"/>
+              <a:t>We are going to focus on simulating individual statistical models</a:t>
+            </a:r>
+          </a:p>
+          <a:p>
+            <a:r>
+              <a:rPr lang="en-US" dirty="0" smtClean="0"/>
+              <a:t>Each student will create an R package</a:t>
+            </a:r>
+          </a:p>
+          <a:p>
+            <a:r>
+              <a:rPr lang="en-US" dirty="0" smtClean="0"/>
+              <a:t>Each student will implement a single statistical model</a:t>
+            </a:r>
+          </a:p>
+          <a:p>
+            <a:r>
+              <a:rPr lang="en-US" dirty="0" smtClean="0"/>
+              <a:t>This model will be made up of 3 methods:</a:t>
+            </a:r>
+          </a:p>
+          <a:p>
+            <a:pPr lvl="1"/>
+            <a:r>
+              <a:rPr lang="en-US" dirty="0" smtClean="0"/>
+              <a:t>zelig2&lt;model-name&gt;</a:t>
+            </a:r>
+          </a:p>
+          <a:p>
+            <a:pPr lvl="1"/>
+            <a:r>
+              <a:rPr lang="en-US" dirty="0" err="1" smtClean="0"/>
+              <a:t>param</a:t>
+            </a:r>
+            <a:r>
+              <a:rPr lang="en-US" dirty="0" smtClean="0"/>
+              <a:t>.&lt;model-name&gt;</a:t>
+            </a:r>
+          </a:p>
+          <a:p>
+            <a:pPr lvl="1"/>
+            <a:r>
+              <a:rPr lang="en-US" dirty="0" smtClean="0"/>
+              <a:t>qi.&lt;model-name&gt;</a:t>
+            </a:r>
+          </a:p>
+          <a:p>
+            <a:endParaRPr lang="en-US" dirty="0" smtClean="0"/>
+          </a:p>
+          <a:p>
+            <a:endParaRPr lang="en-US" dirty="0"/>
+          </a:p>
+        </p:txBody>
+      </p:sp>
+    </p:spTree>
+    <p:extLst>
+      <p:ext uri="{BB962C8B-B14F-4D97-AF65-F5344CB8AC3E}">
+        <p14:creationId xmlns="" xmlns:a="http://schemas.openxmlformats.org/drawingml/2006/main" xmlns:r="http://schemas.openxmlformats.org/officeDocument/2006/relationships" xmlns:p="http://schemas.openxmlformats.org/presentationml/2006/main" xmlns:p14="http://schemas.microsoft.com/office/powerpoint/2010/main" xmlns:mv="urn:schemas-microsoft-com:mac:vml" xmlns:mc="http://schemas.openxmlformats.org/markup-compatibility/2006" val="1712515247"/>
+      </p:ext>
+    </p:extLst>
+  </p:cSld>
+  <p:clrMapOvr>
+    <a:masterClrMapping/>
+  </p:clrMapOvr>
+  <p:timing>
+    <p:tnLst>
+      <p:par>
+        <p:cTn id="1" dur="indefinite" restart="never" nodeType="tmRoot"/>
+      </p:par>
+    </p:tnLst>
+  </p:timing>
+</p:sld>
+</file>
+
+<file path=ppt/slides/slide37.xml><?xml version="1.0" encoding="utf-8"?>
 <p:sld xmlns:a="http://schemas.openxmlformats.org/drawingml/2006/main" xmlns:r="http://schemas.openxmlformats.org/officeDocument/2006/relationships" xmlns:mc="http://schemas.openxmlformats.org/markup-compatibility/2006" xmlns:mv="urn:schemas-microsoft-com:mac:vml" xmlns:p="http://schemas.openxmlformats.org/presentationml/2006/main" mc:Ignorable="mv" mc:PreserveAttributes="mv:*">
   <p:cSld>
     <p:spTree>
@@ -7656,7 +10255,7 @@
                                 </p:cTn>
                               </p:par>
                               <p:par>
-                                <p:cTn id="33" presetID="1" presetClass="entr" presetSubtype="0" fill="hold" grpId="0" nodeType="withEffect">
+                                <p:cTn id="33" presetID="1" presetClass="entr" presetSubtype="0" fill="hold" nodeType="withEffect">
                                   <p:stCondLst>
                                     <p:cond delay="0"/>
                                   </p:stCondLst>
@@ -7710,7 +10309,7 @@
                                 </p:cTn>
                               </p:par>
                               <p:par>
-                                <p:cTn id="37" presetID="1" presetClass="entr" presetSubtype="0" fill="hold" grpId="0" nodeType="withEffect">
+                                <p:cTn id="37" presetID="1" presetClass="entr" presetSubtype="0" fill="hold" nodeType="withEffect">
                                   <p:stCondLst>
                                     <p:cond delay="0"/>
                                   </p:stCondLst>
@@ -8007,689 +10606,6 @@
 </p:sld>
 </file>
 
-<file path=ppt/slides/slide31.xml><?xml version="1.0" encoding="utf-8"?>
-<p:sld xmlns:a="http://schemas.openxmlformats.org/drawingml/2006/main" xmlns:r="http://schemas.openxmlformats.org/officeDocument/2006/relationships" xmlns:mc="http://schemas.openxmlformats.org/markup-compatibility/2006" xmlns:mv="urn:schemas-microsoft-com:mac:vml" xmlns:p="http://schemas.openxmlformats.org/presentationml/2006/main" mc:Ignorable="mv" mc:PreserveAttributes="mv:*">
-  <p:cSld>
-    <p:spTree>
-      <p:nvGrpSpPr>
-        <p:cNvPr id="1" name=""/>
-        <p:cNvGrpSpPr/>
-        <p:nvPr/>
-      </p:nvGrpSpPr>
-      <p:grpSpPr>
-        <a:xfrm>
-          <a:off x="0" y="0"/>
-          <a:ext cx="0" cy="0"/>
-          <a:chOff x="0" y="0"/>
-          <a:chExt cx="0" cy="0"/>
-        </a:xfrm>
-      </p:grpSpPr>
-      <p:sp>
-        <p:nvSpPr>
-          <p:cNvPr id="2" name="Title 1"/>
-          <p:cNvSpPr>
-            <a:spLocks noGrp="1"/>
-          </p:cNvSpPr>
-          <p:nvPr>
-            <p:ph type="title"/>
-          </p:nvPr>
-        </p:nvSpPr>
-        <p:spPr/>
-        <p:txBody>
-          <a:bodyPr>
-            <a:normAutofit/>
-          </a:bodyPr>
-          <a:lstStyle/>
-          <a:p>
-            <a:r>
-              <a:rPr lang="en-US"/>
-              <a:t>Writing the "zelig2" Method</a:t>
-            </a:r>
-          </a:p>
-        </p:txBody>
-      </p:sp>
-      <p:sp>
-        <p:nvSpPr>
-          <p:cNvPr id="3" name="Content Placeholder 2"/>
-          <p:cNvSpPr>
-            <a:spLocks noGrp="1"/>
-          </p:cNvSpPr>
-          <p:nvPr>
-            <p:ph idx="1"/>
-          </p:nvPr>
-        </p:nvSpPr>
-        <p:spPr/>
-        <p:txBody>
-          <a:bodyPr/>
-          <a:lstStyle/>
-          <a:p>
-            <a:r>
-              <a:rPr lang="en-US"/>
-              <a:t>Has three parts</a:t>
-            </a:r>
-          </a:p>
-          <a:p>
-            <a:pPr lvl="1"/>
-            <a:r>
-              <a:rPr lang="en-US"/>
-              <a:t>Function signature</a:t>
-            </a:r>
-          </a:p>
-          <a:p>
-            <a:pPr lvl="1"/>
-            <a:r>
-              <a:rPr lang="en-US"/>
-              <a:t>Function Body</a:t>
-            </a:r>
-          </a:p>
-          <a:p>
-            <a:pPr lvl="1"/>
-            <a:r>
-              <a:rPr lang="en-US"/>
-              <a:t>Return Value</a:t>
-            </a:r>
-          </a:p>
-        </p:txBody>
-      </p:sp>
-    </p:spTree>
-  </p:cSld>
-  <p:clrMapOvr>
-    <a:masterClrMapping/>
-  </p:clrMapOvr>
-  <p:timing>
-    <p:tnLst>
-      <p:par>
-        <p:cTn id="1" dur="indefinite" restart="never" nodeType="tmRoot"/>
-      </p:par>
-    </p:tnLst>
-  </p:timing>
-</p:sld>
-</file>
-
-<file path=ppt/slides/slide32.xml><?xml version="1.0" encoding="utf-8"?>
-<p:sld xmlns:a="http://schemas.openxmlformats.org/drawingml/2006/main" xmlns:r="http://schemas.openxmlformats.org/officeDocument/2006/relationships" xmlns:mc="http://schemas.openxmlformats.org/markup-compatibility/2006" xmlns:mv="urn:schemas-microsoft-com:mac:vml" xmlns:p="http://schemas.openxmlformats.org/presentationml/2006/main" mc:Ignorable="mv" mc:PreserveAttributes="mv:*">
-  <p:cSld>
-    <p:spTree>
-      <p:nvGrpSpPr>
-        <p:cNvPr id="1" name=""/>
-        <p:cNvGrpSpPr/>
-        <p:nvPr/>
-      </p:nvGrpSpPr>
-      <p:grpSpPr>
-        <a:xfrm>
-          <a:off x="0" y="0"/>
-          <a:ext cx="0" cy="0"/>
-          <a:chOff x="0" y="0"/>
-          <a:chExt cx="0" cy="0"/>
-        </a:xfrm>
-      </p:grpSpPr>
-      <p:sp>
-        <p:nvSpPr>
-          <p:cNvPr id="2" name="Title 1"/>
-          <p:cNvSpPr>
-            <a:spLocks noGrp="1"/>
-          </p:cNvSpPr>
-          <p:nvPr>
-            <p:ph type="title"/>
-          </p:nvPr>
-        </p:nvSpPr>
-        <p:spPr/>
-        <p:txBody>
-          <a:bodyPr/>
-          <a:lstStyle/>
-          <a:p>
-            <a:r>
-              <a:rPr lang="en-US"/>
-              <a:t>zelig2: Function Signature</a:t>
-            </a:r>
-          </a:p>
-        </p:txBody>
-      </p:sp>
-      <p:sp>
-        <p:nvSpPr>
-          <p:cNvPr id="3" name="Content Placeholder 2"/>
-          <p:cNvSpPr>
-            <a:spLocks noGrp="1"/>
-          </p:cNvSpPr>
-          <p:nvPr>
-            <p:ph idx="1"/>
-          </p:nvPr>
-        </p:nvSpPr>
-        <p:spPr/>
-        <p:txBody>
-          <a:bodyPr/>
-          <a:lstStyle/>
-          <a:p>
-            <a:r>
-              <a:rPr lang="en-US"/>
-              <a:t>"formula" specifies the model formula</a:t>
-            </a:r>
-          </a:p>
-          <a:p>
-            <a:r>
-              <a:rPr lang="en-US"/>
-              <a:t>"data" specifies the data.frame</a:t>
-            </a:r>
-          </a:p>
-          <a:p>
-            <a:r>
-              <a:rPr lang="en-US"/>
-              <a:t>All other parameters are </a:t>
-            </a:r>
-            <a:r>
-              <a:rPr lang="en-US" b="1"/>
-              <a:t>optional</a:t>
-            </a:r>
-          </a:p>
-          <a:p>
-            <a:r>
-              <a:rPr lang="en-US"/>
-              <a:t>Other parameters are determined by the model fitting function's requirements</a:t>
-            </a:r>
-          </a:p>
-          <a:p>
-            <a:pPr lvl="1"/>
-            <a:r>
-              <a:rPr lang="en-US"/>
-              <a:t>Use "args" to determine what parameters are available for the model-fitting function</a:t>
-            </a:r>
-          </a:p>
-          <a:p>
-            <a:endParaRPr lang="en-US"/>
-          </a:p>
-        </p:txBody>
-      </p:sp>
-    </p:spTree>
-  </p:cSld>
-  <p:clrMapOvr>
-    <a:masterClrMapping/>
-  </p:clrMapOvr>
-  <p:timing>
-    <p:tnLst>
-      <p:par>
-        <p:cTn id="1" dur="indefinite" restart="never" nodeType="tmRoot"/>
-      </p:par>
-    </p:tnLst>
-  </p:timing>
-</p:sld>
-</file>
-
-<file path=ppt/slides/slide33.xml><?xml version="1.0" encoding="utf-8"?>
-<p:sld xmlns:a="http://schemas.openxmlformats.org/drawingml/2006/main" xmlns:r="http://schemas.openxmlformats.org/officeDocument/2006/relationships" xmlns:mc="http://schemas.openxmlformats.org/markup-compatibility/2006" xmlns:mv="urn:schemas-microsoft-com:mac:vml" xmlns:p="http://schemas.openxmlformats.org/presentationml/2006/main" mc:Ignorable="mv" mc:PreserveAttributes="mv:*">
-  <p:cSld>
-    <p:spTree>
-      <p:nvGrpSpPr>
-        <p:cNvPr id="1" name=""/>
-        <p:cNvGrpSpPr/>
-        <p:nvPr/>
-      </p:nvGrpSpPr>
-      <p:grpSpPr>
-        <a:xfrm>
-          <a:off x="0" y="0"/>
-          <a:ext cx="0" cy="0"/>
-          <a:chOff x="0" y="0"/>
-          <a:chExt cx="0" cy="0"/>
-        </a:xfrm>
-      </p:grpSpPr>
-      <p:sp>
-        <p:nvSpPr>
-          <p:cNvPr id="2" name="Title 1"/>
-          <p:cNvSpPr>
-            <a:spLocks noGrp="1"/>
-          </p:cNvSpPr>
-          <p:nvPr>
-            <p:ph type="title"/>
-          </p:nvPr>
-        </p:nvSpPr>
-        <p:spPr/>
-        <p:txBody>
-          <a:bodyPr/>
-          <a:lstStyle/>
-          <a:p>
-            <a:r>
-              <a:rPr lang="en-US"/>
-              <a:t>zelig2: Function Body</a:t>
-            </a:r>
-          </a:p>
-        </p:txBody>
-      </p:sp>
-      <p:sp>
-        <p:nvSpPr>
-          <p:cNvPr id="3" name="Content Placeholder 2"/>
-          <p:cNvSpPr>
-            <a:spLocks noGrp="1"/>
-          </p:cNvSpPr>
-          <p:nvPr>
-            <p:ph idx="1"/>
-          </p:nvPr>
-        </p:nvSpPr>
-        <p:spPr/>
-        <p:txBody>
-          <a:bodyPr/>
-          <a:lstStyle/>
-          <a:p>
-            <a:r>
-              <a:rPr lang="en-US"/>
-              <a:t>Typically does very little</a:t>
-            </a:r>
-          </a:p>
-          <a:p>
-            <a:r>
-              <a:rPr lang="en-US"/>
-              <a:t>Can be used to</a:t>
-            </a:r>
-          </a:p>
-          <a:p>
-            <a:pPr lvl="1"/>
-            <a:r>
-              <a:rPr lang="en-US"/>
-              <a:t>Print-out error and warning messages</a:t>
-            </a:r>
-          </a:p>
-          <a:p>
-            <a:pPr lvl="1"/>
-            <a:r>
-              <a:rPr lang="en-US"/>
-              <a:t>asd</a:t>
-            </a:r>
-          </a:p>
-          <a:p>
-            <a:endParaRPr lang="en-US"/>
-          </a:p>
-        </p:txBody>
-      </p:sp>
-    </p:spTree>
-  </p:cSld>
-  <p:clrMapOvr>
-    <a:masterClrMapping/>
-  </p:clrMapOvr>
-  <p:timing>
-    <p:tnLst>
-      <p:par>
-        <p:cTn id="1" dur="indefinite" restart="never" nodeType="tmRoot"/>
-      </p:par>
-    </p:tnLst>
-  </p:timing>
-</p:sld>
-</file>
-
-<file path=ppt/slides/slide34.xml><?xml version="1.0" encoding="utf-8"?>
-<p:sld xmlns:a="http://schemas.openxmlformats.org/drawingml/2006/main" xmlns:r="http://schemas.openxmlformats.org/officeDocument/2006/relationships" xmlns:mc="http://schemas.openxmlformats.org/markup-compatibility/2006" xmlns:mv="urn:schemas-microsoft-com:mac:vml" xmlns:p="http://schemas.openxmlformats.org/presentationml/2006/main" mc:Ignorable="mv" mc:PreserveAttributes="mv:*">
-  <p:cSld>
-    <p:spTree>
-      <p:nvGrpSpPr>
-        <p:cNvPr id="1" name=""/>
-        <p:cNvGrpSpPr/>
-        <p:nvPr/>
-      </p:nvGrpSpPr>
-      <p:grpSpPr>
-        <a:xfrm>
-          <a:off x="0" y="0"/>
-          <a:ext cx="0" cy="0"/>
-          <a:chOff x="0" y="0"/>
-          <a:chExt cx="0" cy="0"/>
-        </a:xfrm>
-      </p:grpSpPr>
-      <p:sp>
-        <p:nvSpPr>
-          <p:cNvPr id="2" name="Title 1"/>
-          <p:cNvSpPr>
-            <a:spLocks noGrp="1"/>
-          </p:cNvSpPr>
-          <p:nvPr>
-            <p:ph type="title"/>
-          </p:nvPr>
-        </p:nvSpPr>
-        <p:spPr/>
-        <p:txBody>
-          <a:bodyPr/>
-          <a:lstStyle/>
-          <a:p>
-            <a:r>
-              <a:rPr lang="en-US"/>
-              <a:t>zelig2: Return Value</a:t>
-            </a:r>
-          </a:p>
-        </p:txBody>
-      </p:sp>
-      <p:sp>
-        <p:nvSpPr>
-          <p:cNvPr id="3" name="Content Placeholder 2"/>
-          <p:cNvSpPr>
-            <a:spLocks noGrp="1"/>
-          </p:cNvSpPr>
-          <p:nvPr>
-            <p:ph idx="1"/>
-          </p:nvPr>
-        </p:nvSpPr>
-        <p:spPr/>
-        <p:txBody>
-          <a:bodyPr/>
-          <a:lstStyle/>
-          <a:p>
-            <a:endParaRPr lang="en-US"/>
-          </a:p>
-        </p:txBody>
-      </p:sp>
-    </p:spTree>
-  </p:cSld>
-  <p:clrMapOvr>
-    <a:masterClrMapping/>
-  </p:clrMapOvr>
-  <p:timing>
-    <p:tnLst>
-      <p:par>
-        <p:cTn id="1" dur="indefinite" restart="never" nodeType="tmRoot"/>
-      </p:par>
-    </p:tnLst>
-  </p:timing>
-</p:sld>
-</file>
-
-<file path=ppt/slides/slide35.xml><?xml version="1.0" encoding="utf-8"?>
-<p:sld xmlns:a="http://schemas.openxmlformats.org/drawingml/2006/main" xmlns:r="http://schemas.openxmlformats.org/officeDocument/2006/relationships" xmlns:mc="http://schemas.openxmlformats.org/markup-compatibility/2006" xmlns:mv="urn:schemas-microsoft-com:mac:vml" xmlns:p="http://schemas.openxmlformats.org/presentationml/2006/main" mc:Ignorable="mv" mc:PreserveAttributes="mv:*">
-  <p:cSld>
-    <p:spTree>
-      <p:nvGrpSpPr>
-        <p:cNvPr id="1" name=""/>
-        <p:cNvGrpSpPr/>
-        <p:nvPr/>
-      </p:nvGrpSpPr>
-      <p:grpSpPr>
-        <a:xfrm>
-          <a:off x="0" y="0"/>
-          <a:ext cx="0" cy="0"/>
-          <a:chOff x="0" y="0"/>
-          <a:chExt cx="0" cy="0"/>
-        </a:xfrm>
-      </p:grpSpPr>
-      <p:sp>
-        <p:nvSpPr>
-          <p:cNvPr id="2" name="Title 1"/>
-          <p:cNvSpPr>
-            <a:spLocks noGrp="1"/>
-          </p:cNvSpPr>
-          <p:nvPr>
-            <p:ph type="title"/>
-          </p:nvPr>
-        </p:nvSpPr>
-        <p:spPr/>
-        <p:txBody>
-          <a:bodyPr/>
-          <a:lstStyle/>
-          <a:p>
-            <a:r>
-              <a:rPr lang="en-US"/>
-              <a:t>zelig2</a:t>
-            </a:r>
-          </a:p>
-        </p:txBody>
-      </p:sp>
-      <p:sp>
-        <p:nvSpPr>
-          <p:cNvPr id="3" name="Content Placeholder 2"/>
-          <p:cNvSpPr>
-            <a:spLocks noGrp="1"/>
-          </p:cNvSpPr>
-          <p:nvPr>
-            <p:ph idx="1"/>
-          </p:nvPr>
-        </p:nvSpPr>
-        <p:spPr/>
-        <p:txBody>
-          <a:bodyPr/>
-          <a:lstStyle/>
-          <a:p>
-            <a:r>
-              <a:rPr lang="en-US" b="1"/>
-              <a:t>Does not</a:t>
-            </a:r>
-            <a:r>
-              <a:rPr lang="en-US"/>
-              <a:t> fit models itself</a:t>
-            </a:r>
-          </a:p>
-          <a:p>
-            <a:r>
-              <a:rPr lang="en-US"/>
-              <a:t>Uses outside models to fit data</a:t>
-            </a:r>
-          </a:p>
-          <a:p>
-            <a:pPr lvl="1"/>
-            <a:r>
-              <a:rPr lang="en-US"/>
-              <a:t>"lm", "glm", "nlme", etc.</a:t>
-            </a:r>
-          </a:p>
-          <a:p>
-            <a:r>
-              <a:rPr lang="en-US"/>
-              <a:t>Manages how zelig interacts with these models:</a:t>
-            </a:r>
-          </a:p>
-          <a:p>
-            <a:pPr lvl="1"/>
-            <a:r>
-              <a:rPr lang="en-US"/>
-              <a:t>Specifies what function will fit the model</a:t>
-            </a:r>
-          </a:p>
-          <a:p>
-            <a:pPr lvl="1"/>
-            <a:r>
-              <a:rPr lang="en-US"/>
-              <a:t>Specifies parameters</a:t>
-            </a:r>
-          </a:p>
-          <a:p>
-            <a:pPr lvl="1"/>
-            <a:r>
-              <a:rPr lang="en-US"/>
-              <a:t>Manipulates objects</a:t>
-            </a:r>
-          </a:p>
-        </p:txBody>
-      </p:sp>
-    </p:spTree>
-  </p:cSld>
-  <p:clrMapOvr>
-    <a:masterClrMapping/>
-  </p:clrMapOvr>
-  <p:timing>
-    <p:tnLst>
-      <p:par>
-        <p:cTn id="1" dur="indefinite" restart="never" nodeType="tmRoot"/>
-      </p:par>
-    </p:tnLst>
-  </p:timing>
-</p:sld>
-</file>
-
-<file path=ppt/slides/slide36.xml><?xml version="1.0" encoding="utf-8"?>
-<p:sld xmlns:a="http://schemas.openxmlformats.org/drawingml/2006/main" xmlns:r="http://schemas.openxmlformats.org/officeDocument/2006/relationships" xmlns:mc="http://schemas.openxmlformats.org/markup-compatibility/2006" xmlns:mv="urn:schemas-microsoft-com:mac:vml" xmlns:p="http://schemas.openxmlformats.org/presentationml/2006/main" mc:Ignorable="mv" mc:PreserveAttributes="mv:*">
-  <p:cSld>
-    <p:spTree>
-      <p:nvGrpSpPr>
-        <p:cNvPr id="1" name=""/>
-        <p:cNvGrpSpPr/>
-        <p:nvPr/>
-      </p:nvGrpSpPr>
-      <p:grpSpPr>
-        <a:xfrm>
-          <a:off x="0" y="0"/>
-          <a:ext cx="0" cy="0"/>
-          <a:chOff x="0" y="0"/>
-          <a:chExt cx="0" cy="0"/>
-        </a:xfrm>
-      </p:grpSpPr>
-      <p:sp>
-        <p:nvSpPr>
-          <p:cNvPr id="2" name="Title 1"/>
-          <p:cNvSpPr>
-            <a:spLocks noGrp="1"/>
-          </p:cNvSpPr>
-          <p:nvPr>
-            <p:ph type="title"/>
-          </p:nvPr>
-        </p:nvSpPr>
-        <p:spPr/>
-        <p:txBody>
-          <a:bodyPr/>
-          <a:lstStyle/>
-          <a:p>
-            <a:r>
-              <a:rPr lang="en-US"/>
-              <a:t>Family Objects</a:t>
-            </a:r>
-          </a:p>
-        </p:txBody>
-      </p:sp>
-      <p:sp>
-        <p:nvSpPr>
-          <p:cNvPr id="3" name="Content Placeholder 2"/>
-          <p:cNvSpPr>
-            <a:spLocks noGrp="1"/>
-          </p:cNvSpPr>
-          <p:nvPr>
-            <p:ph idx="1"/>
-          </p:nvPr>
-        </p:nvSpPr>
-        <p:spPr/>
-        <p:txBody>
-          <a:bodyPr/>
-          <a:lstStyle/>
-          <a:p>
-            <a:r>
-              <a:rPr lang="en-US"/>
-              <a:t>Store information about link functions</a:t>
-            </a:r>
-          </a:p>
-          <a:p>
-            <a:pPr lvl="1"/>
-            <a:r>
-              <a:rPr lang="en-US"/>
-              <a:t>"Link" functions help specify the relationship between the observed value and the underlying linear predictors</a:t>
-            </a:r>
-          </a:p>
-          <a:p>
-            <a:pPr lvl="1"/>
-            <a:r>
-              <a:rPr lang="en-US"/>
-              <a:t>"Inverse Link" simply inverse this process</a:t>
-            </a:r>
-          </a:p>
-          <a:p>
-            <a:r>
-              <a:rPr lang="en-US"/>
-              <a:t>Used by model-fitting functions</a:t>
-            </a:r>
-          </a:p>
-          <a:p>
-            <a:r>
-              <a:rPr lang="en-US"/>
-              <a:t>Inverse link functions are used in qi simulation</a:t>
-            </a:r>
-          </a:p>
-          <a:p>
-            <a:r>
-              <a:rPr lang="en-US"/>
-              <a:t>See help documentation: "?family"</a:t>
-            </a:r>
-          </a:p>
-          <a:p>
-            <a:endParaRPr lang="en-US"/>
-          </a:p>
-        </p:txBody>
-      </p:sp>
-    </p:spTree>
-  </p:cSld>
-  <p:clrMapOvr>
-    <a:masterClrMapping/>
-  </p:clrMapOvr>
-  <p:timing>
-    <p:tnLst>
-      <p:par>
-        <p:cTn id="1" dur="indefinite" restart="never" nodeType="tmRoot"/>
-      </p:par>
-    </p:tnLst>
-  </p:timing>
-</p:sld>
-</file>
-
-<file path=ppt/slides/slide37.xml><?xml version="1.0" encoding="utf-8"?>
-<p:sld xmlns:a="http://schemas.openxmlformats.org/drawingml/2006/main" xmlns:r="http://schemas.openxmlformats.org/officeDocument/2006/relationships" xmlns:mc="http://schemas.openxmlformats.org/markup-compatibility/2006" xmlns:mv="urn:schemas-microsoft-com:mac:vml" xmlns:p="http://schemas.openxmlformats.org/presentationml/2006/main" mc:Ignorable="mv" mc:PreserveAttributes="mv:*">
-  <p:cSld>
-    <p:spTree>
-      <p:nvGrpSpPr>
-        <p:cNvPr id="1" name=""/>
-        <p:cNvGrpSpPr/>
-        <p:nvPr/>
-      </p:nvGrpSpPr>
-      <p:grpSpPr>
-        <a:xfrm>
-          <a:off x="0" y="0"/>
-          <a:ext cx="0" cy="0"/>
-          <a:chOff x="0" y="0"/>
-          <a:chExt cx="0" cy="0"/>
-        </a:xfrm>
-      </p:grpSpPr>
-      <p:sp>
-        <p:nvSpPr>
-          <p:cNvPr id="6" name="Title 5"/>
-          <p:cNvSpPr>
-            <a:spLocks noGrp="1"/>
-          </p:cNvSpPr>
-          <p:nvPr>
-            <p:ph type="ctrTitle"/>
-          </p:nvPr>
-        </p:nvSpPr>
-        <p:spPr/>
-        <p:txBody>
-          <a:bodyPr/>
-          <a:lstStyle/>
-          <a:p>
-            <a:r>
-              <a:rPr lang="en-US"/>
-              <a:t>Workflow</a:t>
-            </a:r>
-          </a:p>
-        </p:txBody>
-      </p:sp>
-      <p:sp>
-        <p:nvSpPr>
-          <p:cNvPr id="7" name="Subtitle 6"/>
-          <p:cNvSpPr>
-            <a:spLocks noGrp="1"/>
-          </p:cNvSpPr>
-          <p:nvPr>
-            <p:ph type="subTitle" idx="1"/>
-          </p:nvPr>
-        </p:nvSpPr>
-        <p:spPr/>
-        <p:txBody>
-          <a:bodyPr/>
-          <a:lstStyle/>
-          <a:p>
-            <a:endParaRPr lang="en-US"/>
-          </a:p>
-        </p:txBody>
-      </p:sp>
-    </p:spTree>
-  </p:cSld>
-  <p:clrMapOvr>
-    <a:masterClrMapping/>
-  </p:clrMapOvr>
-  <p:timing>
-    <p:tnLst>
-      <p:par>
-        <p:cTn id="1" dur="indefinite" restart="never" nodeType="tmRoot"/>
-      </p:par>
-    </p:tnLst>
-  </p:timing>
-</p:sld>
-</file>
-
 <file path=ppt/slides/slide38.xml><?xml version="1.0" encoding="utf-8"?>
 <p:sld xmlns:a="http://schemas.openxmlformats.org/drawingml/2006/main" xmlns:r="http://schemas.openxmlformats.org/officeDocument/2006/relationships" xmlns:mc="http://schemas.openxmlformats.org/markup-compatibility/2006" xmlns:mv="urn:schemas-microsoft-com:mac:vml" xmlns:p="http://schemas.openxmlformats.org/presentationml/2006/main" mc:Ignorable="mv" mc:PreserveAttributes="mv:*">
   <p:cSld>
@@ -8719,69 +10635,57 @@
         </p:nvSpPr>
         <p:spPr/>
         <p:txBody>
+          <a:bodyPr>
+            <a:normAutofit/>
+          </a:bodyPr>
+          <a:lstStyle/>
+          <a:p>
+            <a:r>
+              <a:rPr lang="en-US"/>
+              <a:t>Writing the "zelig2" Method</a:t>
+            </a:r>
+          </a:p>
+        </p:txBody>
+      </p:sp>
+      <p:sp>
+        <p:nvSpPr>
+          <p:cNvPr id="3" name="Content Placeholder 2"/>
+          <p:cNvSpPr>
+            <a:spLocks noGrp="1"/>
+          </p:cNvSpPr>
+          <p:nvPr>
+            <p:ph idx="1"/>
+          </p:nvPr>
+        </p:nvSpPr>
+        <p:spPr/>
+        <p:txBody>
           <a:bodyPr/>
           <a:lstStyle/>
           <a:p>
             <a:r>
               <a:rPr lang="en-US"/>
-              <a:t>Workflow</a:t>
-            </a:r>
-          </a:p>
-        </p:txBody>
-      </p:sp>
-      <p:sp>
-        <p:nvSpPr>
-          <p:cNvPr id="3" name="Content Placeholder 2"/>
-          <p:cNvSpPr>
-            <a:spLocks noGrp="1"/>
-          </p:cNvSpPr>
-          <p:nvPr>
-            <p:ph idx="1"/>
-          </p:nvPr>
-        </p:nvSpPr>
-        <p:spPr/>
-        <p:txBody>
-          <a:bodyPr/>
-          <a:lstStyle/>
-          <a:p>
-            <a:r>
-              <a:rPr lang="en-US" dirty="0"/>
-              <a:t>Find existing model</a:t>
-            </a:r>
-          </a:p>
-          <a:p>
-            <a:r>
-              <a:rPr lang="en-US" dirty="0"/>
-              <a:t>Determine what the arguments are</a:t>
-            </a:r>
-          </a:p>
-          <a:p>
-            <a:r>
-              <a:rPr lang="en-US" dirty="0"/>
-              <a:t>Return a list at the bottom of the function</a:t>
-            </a:r>
-          </a:p>
-          <a:p>
-            <a:r>
-              <a:rPr lang="en-US" dirty="0"/>
-              <a:t>Manipulate objects</a:t>
-            </a:r>
-          </a:p>
-          <a:p>
-            <a:r>
-              <a:rPr lang="en-US" dirty="0"/>
-              <a:t>Write </a:t>
-            </a:r>
-            <a:r>
-              <a:rPr lang="en-US" dirty="0" smtClean="0"/>
-              <a:t>warnings</a:t>
-            </a:r>
-            <a:endParaRPr lang="en-US" dirty="0"/>
-          </a:p>
-          <a:p>
-            <a:r>
-              <a:rPr lang="en-US" dirty="0"/>
-              <a:t>Document</a:t>
+              <a:t>Has three parts</a:t>
+            </a:r>
+          </a:p>
+          <a:p>
+            <a:pPr lvl="1"/>
+            <a:r>
+              <a:rPr lang="en-US"/>
+              <a:t>Function signature</a:t>
+            </a:r>
+          </a:p>
+          <a:p>
+            <a:pPr lvl="1"/>
+            <a:r>
+              <a:rPr lang="en-US"/>
+              <a:t>Function Body</a:t>
+            </a:r>
+          </a:p>
+          <a:p>
+            <a:pPr lvl="1"/>
+            <a:r>
+              <a:rPr lang="en-US"/>
+              <a:t>Return Value</a:t>
             </a:r>
           </a:p>
         </p:txBody>
@@ -8834,10 +10738,9 @@
           <a:lstStyle/>
           <a:p>
             <a:r>
-              <a:rPr lang="en-US" dirty="0" smtClean="0"/>
-              <a:t>Workflow</a:t>
-            </a:r>
-            <a:endParaRPr lang="en-US" dirty="0"/>
+              <a:rPr lang="en-US"/>
+              <a:t>zelig2: Function Signature</a:t>
+            </a:r>
           </a:p>
         </p:txBody>
       </p:sp>
@@ -8857,51 +10760,45 @@
           <a:lstStyle/>
           <a:p>
             <a:r>
-              <a:rPr lang="en-US" dirty="0" smtClean="0"/>
-              <a:t>Write demo code</a:t>
-            </a:r>
-          </a:p>
-          <a:p>
-            <a:r>
-              <a:rPr lang="en-US" dirty="0" smtClean="0"/>
-              <a:t>Develop code (in the “</a:t>
-            </a:r>
-            <a:r>
-              <a:rPr lang="en-US" b="1" dirty="0" smtClean="0"/>
-              <a:t>R/</a:t>
-            </a:r>
-            <a:r>
-              <a:rPr lang="en-US" dirty="0" smtClean="0"/>
-              <a:t>” directory)</a:t>
-            </a:r>
-          </a:p>
-          <a:p>
-            <a:r>
-              <a:rPr lang="en-US" dirty="0" smtClean="0"/>
-              <a:t>Install (or re-install) package</a:t>
-            </a:r>
-          </a:p>
-          <a:p>
-            <a:r>
-              <a:rPr lang="en-US" dirty="0" smtClean="0"/>
-              <a:t>Test demo code</a:t>
-            </a:r>
-          </a:p>
-          <a:p>
-            <a:r>
-              <a:rPr lang="en-US" dirty="0" smtClean="0"/>
-              <a:t>Go back to step 2</a:t>
-            </a:r>
-            <a:endParaRPr lang="en-US" dirty="0"/>
+              <a:rPr lang="en-US"/>
+              <a:t>"formula" specifies the model formula</a:t>
+            </a:r>
+          </a:p>
+          <a:p>
+            <a:r>
+              <a:rPr lang="en-US"/>
+              <a:t>"data" specifies the data.frame</a:t>
+            </a:r>
+          </a:p>
+          <a:p>
+            <a:r>
+              <a:rPr lang="en-US"/>
+              <a:t>All other parameters are </a:t>
+            </a:r>
+            <a:r>
+              <a:rPr lang="en-US" b="1"/>
+              <a:t>optional</a:t>
+            </a:r>
+          </a:p>
+          <a:p>
+            <a:r>
+              <a:rPr lang="en-US"/>
+              <a:t>Other parameters are determined by the model fitting function's requirements</a:t>
+            </a:r>
+          </a:p>
+          <a:p>
+            <a:pPr lvl="1"/>
+            <a:r>
+              <a:rPr lang="en-US"/>
+              <a:t>Use "args" to determine what parameters are available for the model-fitting function</a:t>
+            </a:r>
+          </a:p>
+          <a:p>
+            <a:endParaRPr lang="en-US"/>
           </a:p>
         </p:txBody>
       </p:sp>
     </p:spTree>
-    <p:extLst>
-      <p:ext uri="{BB962C8B-B14F-4D97-AF65-F5344CB8AC3E}">
-        <p14:creationId xmlns:p14="http://schemas.microsoft.com/office/powerpoint/2010/main" xmlns:p="http://schemas.openxmlformats.org/presentationml/2006/main" xmlns:r="http://schemas.openxmlformats.org/officeDocument/2006/relationships" xmlns:a="http://schemas.openxmlformats.org/drawingml/2006/main" xmlns="" val="3145060271"/>
-      </p:ext>
-    </p:extLst>
   </p:cSld>
   <p:clrMapOvr>
     <a:masterClrMapping/>
@@ -9052,7 +10949,7 @@
     </p:spTree>
     <p:extLst>
       <p:ext uri="{BB962C8B-B14F-4D97-AF65-F5344CB8AC3E}">
-        <p14:creationId xmlns:p14="http://schemas.microsoft.com/office/powerpoint/2010/main" xmlns:p="http://schemas.openxmlformats.org/presentationml/2006/main" xmlns:r="http://schemas.openxmlformats.org/officeDocument/2006/relationships" xmlns:a="http://schemas.openxmlformats.org/drawingml/2006/main" xmlns="" val="1501347142"/>
+        <p14:creationId xmlns="" xmlns:a="http://schemas.openxmlformats.org/drawingml/2006/main" xmlns:r="http://schemas.openxmlformats.org/officeDocument/2006/relationships" xmlns:p="http://schemas.openxmlformats.org/presentationml/2006/main" xmlns:p14="http://schemas.microsoft.com/office/powerpoint/2010/main" xmlns:mv="urn:schemas-microsoft-com:mac:vml" xmlns:mc="http://schemas.openxmlformats.org/markup-compatibility/2006" val="1501347142"/>
       </p:ext>
     </p:extLst>
   </p:cSld>
@@ -9103,6 +11000,708 @@
           <a:p>
             <a:r>
               <a:rPr lang="en-US"/>
+              <a:t>zelig2: Function Body</a:t>
+            </a:r>
+          </a:p>
+        </p:txBody>
+      </p:sp>
+      <p:sp>
+        <p:nvSpPr>
+          <p:cNvPr id="3" name="Content Placeholder 2"/>
+          <p:cNvSpPr>
+            <a:spLocks noGrp="1"/>
+          </p:cNvSpPr>
+          <p:nvPr>
+            <p:ph idx="1"/>
+          </p:nvPr>
+        </p:nvSpPr>
+        <p:spPr/>
+        <p:txBody>
+          <a:bodyPr/>
+          <a:lstStyle/>
+          <a:p>
+            <a:r>
+              <a:rPr lang="en-US"/>
+              <a:t>Typically does very little</a:t>
+            </a:r>
+          </a:p>
+          <a:p>
+            <a:r>
+              <a:rPr lang="en-US"/>
+              <a:t>Can be used to</a:t>
+            </a:r>
+          </a:p>
+          <a:p>
+            <a:pPr lvl="1"/>
+            <a:r>
+              <a:rPr lang="en-US"/>
+              <a:t>Print-out error and warning messages</a:t>
+            </a:r>
+          </a:p>
+          <a:p>
+            <a:pPr lvl="1"/>
+            <a:r>
+              <a:rPr lang="en-US"/>
+              <a:t>asd</a:t>
+            </a:r>
+          </a:p>
+          <a:p>
+            <a:endParaRPr lang="en-US"/>
+          </a:p>
+        </p:txBody>
+      </p:sp>
+    </p:spTree>
+  </p:cSld>
+  <p:clrMapOvr>
+    <a:masterClrMapping/>
+  </p:clrMapOvr>
+  <p:timing>
+    <p:tnLst>
+      <p:par>
+        <p:cTn id="1" dur="indefinite" restart="never" nodeType="tmRoot"/>
+      </p:par>
+    </p:tnLst>
+  </p:timing>
+</p:sld>
+</file>
+
+<file path=ppt/slides/slide41.xml><?xml version="1.0" encoding="utf-8"?>
+<p:sld xmlns:a="http://schemas.openxmlformats.org/drawingml/2006/main" xmlns:r="http://schemas.openxmlformats.org/officeDocument/2006/relationships" xmlns:mc="http://schemas.openxmlformats.org/markup-compatibility/2006" xmlns:mv="urn:schemas-microsoft-com:mac:vml" xmlns:p="http://schemas.openxmlformats.org/presentationml/2006/main" mc:Ignorable="mv" mc:PreserveAttributes="mv:*">
+  <p:cSld>
+    <p:spTree>
+      <p:nvGrpSpPr>
+        <p:cNvPr id="1" name=""/>
+        <p:cNvGrpSpPr/>
+        <p:nvPr/>
+      </p:nvGrpSpPr>
+      <p:grpSpPr>
+        <a:xfrm>
+          <a:off x="0" y="0"/>
+          <a:ext cx="0" cy="0"/>
+          <a:chOff x="0" y="0"/>
+          <a:chExt cx="0" cy="0"/>
+        </a:xfrm>
+      </p:grpSpPr>
+      <p:sp>
+        <p:nvSpPr>
+          <p:cNvPr id="2" name="Title 1"/>
+          <p:cNvSpPr>
+            <a:spLocks noGrp="1"/>
+          </p:cNvSpPr>
+          <p:nvPr>
+            <p:ph type="title"/>
+          </p:nvPr>
+        </p:nvSpPr>
+        <p:spPr/>
+        <p:txBody>
+          <a:bodyPr/>
+          <a:lstStyle/>
+          <a:p>
+            <a:r>
+              <a:rPr lang="en-US"/>
+              <a:t>zelig2: Return Value</a:t>
+            </a:r>
+          </a:p>
+        </p:txBody>
+      </p:sp>
+      <p:sp>
+        <p:nvSpPr>
+          <p:cNvPr id="3" name="Content Placeholder 2"/>
+          <p:cNvSpPr>
+            <a:spLocks noGrp="1"/>
+          </p:cNvSpPr>
+          <p:nvPr>
+            <p:ph idx="1"/>
+          </p:nvPr>
+        </p:nvSpPr>
+        <p:spPr/>
+        <p:txBody>
+          <a:bodyPr/>
+          <a:lstStyle/>
+          <a:p>
+            <a:endParaRPr lang="en-US"/>
+          </a:p>
+        </p:txBody>
+      </p:sp>
+    </p:spTree>
+  </p:cSld>
+  <p:clrMapOvr>
+    <a:masterClrMapping/>
+  </p:clrMapOvr>
+  <p:timing>
+    <p:tnLst>
+      <p:par>
+        <p:cTn id="1" dur="indefinite" restart="never" nodeType="tmRoot"/>
+      </p:par>
+    </p:tnLst>
+  </p:timing>
+</p:sld>
+</file>
+
+<file path=ppt/slides/slide42.xml><?xml version="1.0" encoding="utf-8"?>
+<p:sld xmlns:a="http://schemas.openxmlformats.org/drawingml/2006/main" xmlns:r="http://schemas.openxmlformats.org/officeDocument/2006/relationships" xmlns:mc="http://schemas.openxmlformats.org/markup-compatibility/2006" xmlns:mv="urn:schemas-microsoft-com:mac:vml" xmlns:p="http://schemas.openxmlformats.org/presentationml/2006/main" mc:Ignorable="mv" mc:PreserveAttributes="mv:*">
+  <p:cSld>
+    <p:spTree>
+      <p:nvGrpSpPr>
+        <p:cNvPr id="1" name=""/>
+        <p:cNvGrpSpPr/>
+        <p:nvPr/>
+      </p:nvGrpSpPr>
+      <p:grpSpPr>
+        <a:xfrm>
+          <a:off x="0" y="0"/>
+          <a:ext cx="0" cy="0"/>
+          <a:chOff x="0" y="0"/>
+          <a:chExt cx="0" cy="0"/>
+        </a:xfrm>
+      </p:grpSpPr>
+      <p:sp>
+        <p:nvSpPr>
+          <p:cNvPr id="2" name="Title 1"/>
+          <p:cNvSpPr>
+            <a:spLocks noGrp="1"/>
+          </p:cNvSpPr>
+          <p:nvPr>
+            <p:ph type="title"/>
+          </p:nvPr>
+        </p:nvSpPr>
+        <p:spPr/>
+        <p:txBody>
+          <a:bodyPr/>
+          <a:lstStyle/>
+          <a:p>
+            <a:r>
+              <a:rPr lang="en-US"/>
+              <a:t>zelig2</a:t>
+            </a:r>
+          </a:p>
+        </p:txBody>
+      </p:sp>
+      <p:sp>
+        <p:nvSpPr>
+          <p:cNvPr id="3" name="Content Placeholder 2"/>
+          <p:cNvSpPr>
+            <a:spLocks noGrp="1"/>
+          </p:cNvSpPr>
+          <p:nvPr>
+            <p:ph idx="1"/>
+          </p:nvPr>
+        </p:nvSpPr>
+        <p:spPr/>
+        <p:txBody>
+          <a:bodyPr/>
+          <a:lstStyle/>
+          <a:p>
+            <a:r>
+              <a:rPr lang="en-US" b="1"/>
+              <a:t>Does not</a:t>
+            </a:r>
+            <a:r>
+              <a:rPr lang="en-US"/>
+              <a:t> fit models itself</a:t>
+            </a:r>
+          </a:p>
+          <a:p>
+            <a:r>
+              <a:rPr lang="en-US"/>
+              <a:t>Uses outside models to fit data</a:t>
+            </a:r>
+          </a:p>
+          <a:p>
+            <a:pPr lvl="1"/>
+            <a:r>
+              <a:rPr lang="en-US"/>
+              <a:t>"lm", "glm", "nlme", etc.</a:t>
+            </a:r>
+          </a:p>
+          <a:p>
+            <a:r>
+              <a:rPr lang="en-US"/>
+              <a:t>Manages how zelig interacts with these models:</a:t>
+            </a:r>
+          </a:p>
+          <a:p>
+            <a:pPr lvl="1"/>
+            <a:r>
+              <a:rPr lang="en-US"/>
+              <a:t>Specifies what function will fit the model</a:t>
+            </a:r>
+          </a:p>
+          <a:p>
+            <a:pPr lvl="1"/>
+            <a:r>
+              <a:rPr lang="en-US"/>
+              <a:t>Specifies parameters</a:t>
+            </a:r>
+          </a:p>
+          <a:p>
+            <a:pPr lvl="1"/>
+            <a:r>
+              <a:rPr lang="en-US"/>
+              <a:t>Manipulates objects</a:t>
+            </a:r>
+          </a:p>
+        </p:txBody>
+      </p:sp>
+    </p:spTree>
+  </p:cSld>
+  <p:clrMapOvr>
+    <a:masterClrMapping/>
+  </p:clrMapOvr>
+  <p:timing>
+    <p:tnLst>
+      <p:par>
+        <p:cTn id="1" dur="indefinite" restart="never" nodeType="tmRoot"/>
+      </p:par>
+    </p:tnLst>
+  </p:timing>
+</p:sld>
+</file>
+
+<file path=ppt/slides/slide43.xml><?xml version="1.0" encoding="utf-8"?>
+<p:sld xmlns:a="http://schemas.openxmlformats.org/drawingml/2006/main" xmlns:r="http://schemas.openxmlformats.org/officeDocument/2006/relationships" xmlns:mc="http://schemas.openxmlformats.org/markup-compatibility/2006" xmlns:mv="urn:schemas-microsoft-com:mac:vml" xmlns:p="http://schemas.openxmlformats.org/presentationml/2006/main" mc:Ignorable="mv" mc:PreserveAttributes="mv:*">
+  <p:cSld>
+    <p:spTree>
+      <p:nvGrpSpPr>
+        <p:cNvPr id="1" name=""/>
+        <p:cNvGrpSpPr/>
+        <p:nvPr/>
+      </p:nvGrpSpPr>
+      <p:grpSpPr>
+        <a:xfrm>
+          <a:off x="0" y="0"/>
+          <a:ext cx="0" cy="0"/>
+          <a:chOff x="0" y="0"/>
+          <a:chExt cx="0" cy="0"/>
+        </a:xfrm>
+      </p:grpSpPr>
+      <p:sp>
+        <p:nvSpPr>
+          <p:cNvPr id="2" name="Title 1"/>
+          <p:cNvSpPr>
+            <a:spLocks noGrp="1"/>
+          </p:cNvSpPr>
+          <p:nvPr>
+            <p:ph type="title"/>
+          </p:nvPr>
+        </p:nvSpPr>
+        <p:spPr/>
+        <p:txBody>
+          <a:bodyPr/>
+          <a:lstStyle/>
+          <a:p>
+            <a:r>
+              <a:rPr lang="en-US"/>
+              <a:t>Family Objects</a:t>
+            </a:r>
+          </a:p>
+        </p:txBody>
+      </p:sp>
+      <p:sp>
+        <p:nvSpPr>
+          <p:cNvPr id="3" name="Content Placeholder 2"/>
+          <p:cNvSpPr>
+            <a:spLocks noGrp="1"/>
+          </p:cNvSpPr>
+          <p:nvPr>
+            <p:ph idx="1"/>
+          </p:nvPr>
+        </p:nvSpPr>
+        <p:spPr/>
+        <p:txBody>
+          <a:bodyPr/>
+          <a:lstStyle/>
+          <a:p>
+            <a:r>
+              <a:rPr lang="en-US"/>
+              <a:t>Store information about link functions</a:t>
+            </a:r>
+          </a:p>
+          <a:p>
+            <a:pPr lvl="1"/>
+            <a:r>
+              <a:rPr lang="en-US"/>
+              <a:t>"Link" functions help specify the relationship between the observed value and the underlying linear predictors</a:t>
+            </a:r>
+          </a:p>
+          <a:p>
+            <a:pPr lvl="1"/>
+            <a:r>
+              <a:rPr lang="en-US"/>
+              <a:t>"Inverse Link" simply inverse this process</a:t>
+            </a:r>
+          </a:p>
+          <a:p>
+            <a:r>
+              <a:rPr lang="en-US"/>
+              <a:t>Used by model-fitting functions</a:t>
+            </a:r>
+          </a:p>
+          <a:p>
+            <a:r>
+              <a:rPr lang="en-US"/>
+              <a:t>Inverse link functions are used in qi simulation</a:t>
+            </a:r>
+          </a:p>
+          <a:p>
+            <a:r>
+              <a:rPr lang="en-US"/>
+              <a:t>See help documentation: "?family"</a:t>
+            </a:r>
+          </a:p>
+          <a:p>
+            <a:endParaRPr lang="en-US"/>
+          </a:p>
+        </p:txBody>
+      </p:sp>
+    </p:spTree>
+  </p:cSld>
+  <p:clrMapOvr>
+    <a:masterClrMapping/>
+  </p:clrMapOvr>
+  <p:timing>
+    <p:tnLst>
+      <p:par>
+        <p:cTn id="1" dur="indefinite" restart="never" nodeType="tmRoot"/>
+      </p:par>
+    </p:tnLst>
+  </p:timing>
+</p:sld>
+</file>
+
+<file path=ppt/slides/slide44.xml><?xml version="1.0" encoding="utf-8"?>
+<p:sld xmlns:a="http://schemas.openxmlformats.org/drawingml/2006/main" xmlns:r="http://schemas.openxmlformats.org/officeDocument/2006/relationships" xmlns:mc="http://schemas.openxmlformats.org/markup-compatibility/2006" xmlns:mv="urn:schemas-microsoft-com:mac:vml" xmlns:p="http://schemas.openxmlformats.org/presentationml/2006/main" mc:Ignorable="mv" mc:PreserveAttributes="mv:*">
+  <p:cSld>
+    <p:spTree>
+      <p:nvGrpSpPr>
+        <p:cNvPr id="1" name=""/>
+        <p:cNvGrpSpPr/>
+        <p:nvPr/>
+      </p:nvGrpSpPr>
+      <p:grpSpPr>
+        <a:xfrm>
+          <a:off x="0" y="0"/>
+          <a:ext cx="0" cy="0"/>
+          <a:chOff x="0" y="0"/>
+          <a:chExt cx="0" cy="0"/>
+        </a:xfrm>
+      </p:grpSpPr>
+      <p:sp>
+        <p:nvSpPr>
+          <p:cNvPr id="6" name="Title 5"/>
+          <p:cNvSpPr>
+            <a:spLocks noGrp="1"/>
+          </p:cNvSpPr>
+          <p:nvPr>
+            <p:ph type="ctrTitle"/>
+          </p:nvPr>
+        </p:nvSpPr>
+        <p:spPr/>
+        <p:txBody>
+          <a:bodyPr/>
+          <a:lstStyle/>
+          <a:p>
+            <a:r>
+              <a:rPr lang="en-US"/>
+              <a:t>Workflow</a:t>
+            </a:r>
+          </a:p>
+        </p:txBody>
+      </p:sp>
+      <p:sp>
+        <p:nvSpPr>
+          <p:cNvPr id="7" name="Subtitle 6"/>
+          <p:cNvSpPr>
+            <a:spLocks noGrp="1"/>
+          </p:cNvSpPr>
+          <p:nvPr>
+            <p:ph type="subTitle" idx="1"/>
+          </p:nvPr>
+        </p:nvSpPr>
+        <p:spPr/>
+        <p:txBody>
+          <a:bodyPr/>
+          <a:lstStyle/>
+          <a:p>
+            <a:endParaRPr lang="en-US"/>
+          </a:p>
+        </p:txBody>
+      </p:sp>
+    </p:spTree>
+  </p:cSld>
+  <p:clrMapOvr>
+    <a:masterClrMapping/>
+  </p:clrMapOvr>
+  <p:timing>
+    <p:tnLst>
+      <p:par>
+        <p:cTn id="1" dur="indefinite" restart="never" nodeType="tmRoot"/>
+      </p:par>
+    </p:tnLst>
+  </p:timing>
+</p:sld>
+</file>
+
+<file path=ppt/slides/slide45.xml><?xml version="1.0" encoding="utf-8"?>
+<p:sld xmlns:a="http://schemas.openxmlformats.org/drawingml/2006/main" xmlns:r="http://schemas.openxmlformats.org/officeDocument/2006/relationships" xmlns:mc="http://schemas.openxmlformats.org/markup-compatibility/2006" xmlns:mv="urn:schemas-microsoft-com:mac:vml" xmlns:p="http://schemas.openxmlformats.org/presentationml/2006/main" mc:Ignorable="mv" mc:PreserveAttributes="mv:*">
+  <p:cSld>
+    <p:spTree>
+      <p:nvGrpSpPr>
+        <p:cNvPr id="1" name=""/>
+        <p:cNvGrpSpPr/>
+        <p:nvPr/>
+      </p:nvGrpSpPr>
+      <p:grpSpPr>
+        <a:xfrm>
+          <a:off x="0" y="0"/>
+          <a:ext cx="0" cy="0"/>
+          <a:chOff x="0" y="0"/>
+          <a:chExt cx="0" cy="0"/>
+        </a:xfrm>
+      </p:grpSpPr>
+      <p:sp>
+        <p:nvSpPr>
+          <p:cNvPr id="2" name="Title 1"/>
+          <p:cNvSpPr>
+            <a:spLocks noGrp="1"/>
+          </p:cNvSpPr>
+          <p:nvPr>
+            <p:ph type="title"/>
+          </p:nvPr>
+        </p:nvSpPr>
+        <p:spPr/>
+        <p:txBody>
+          <a:bodyPr/>
+          <a:lstStyle/>
+          <a:p>
+            <a:r>
+              <a:rPr lang="en-US"/>
+              <a:t>Workflow</a:t>
+            </a:r>
+          </a:p>
+        </p:txBody>
+      </p:sp>
+      <p:sp>
+        <p:nvSpPr>
+          <p:cNvPr id="3" name="Content Placeholder 2"/>
+          <p:cNvSpPr>
+            <a:spLocks noGrp="1"/>
+          </p:cNvSpPr>
+          <p:nvPr>
+            <p:ph idx="1"/>
+          </p:nvPr>
+        </p:nvSpPr>
+        <p:spPr/>
+        <p:txBody>
+          <a:bodyPr/>
+          <a:lstStyle/>
+          <a:p>
+            <a:r>
+              <a:rPr lang="en-US" dirty="0"/>
+              <a:t>Find existing model</a:t>
+            </a:r>
+          </a:p>
+          <a:p>
+            <a:r>
+              <a:rPr lang="en-US" dirty="0"/>
+              <a:t>Determine what the arguments are</a:t>
+            </a:r>
+          </a:p>
+          <a:p>
+            <a:r>
+              <a:rPr lang="en-US" dirty="0"/>
+              <a:t>Return a list at the bottom of the function</a:t>
+            </a:r>
+          </a:p>
+          <a:p>
+            <a:r>
+              <a:rPr lang="en-US" dirty="0"/>
+              <a:t>Manipulate objects</a:t>
+            </a:r>
+          </a:p>
+          <a:p>
+            <a:r>
+              <a:rPr lang="en-US" dirty="0"/>
+              <a:t>Write </a:t>
+            </a:r>
+            <a:r>
+              <a:rPr lang="en-US" dirty="0" smtClean="0"/>
+              <a:t>warnings</a:t>
+            </a:r>
+            <a:endParaRPr lang="en-US" dirty="0"/>
+          </a:p>
+          <a:p>
+            <a:r>
+              <a:rPr lang="en-US" dirty="0"/>
+              <a:t>Document</a:t>
+            </a:r>
+          </a:p>
+        </p:txBody>
+      </p:sp>
+    </p:spTree>
+  </p:cSld>
+  <p:clrMapOvr>
+    <a:masterClrMapping/>
+  </p:clrMapOvr>
+  <p:timing>
+    <p:tnLst>
+      <p:par>
+        <p:cTn id="1" dur="indefinite" restart="never" nodeType="tmRoot"/>
+      </p:par>
+    </p:tnLst>
+  </p:timing>
+</p:sld>
+</file>
+
+<file path=ppt/slides/slide46.xml><?xml version="1.0" encoding="utf-8"?>
+<p:sld xmlns:a="http://schemas.openxmlformats.org/drawingml/2006/main" xmlns:r="http://schemas.openxmlformats.org/officeDocument/2006/relationships" xmlns:mc="http://schemas.openxmlformats.org/markup-compatibility/2006" xmlns:mv="urn:schemas-microsoft-com:mac:vml" xmlns:p="http://schemas.openxmlformats.org/presentationml/2006/main" mc:Ignorable="mv" mc:PreserveAttributes="mv:*">
+  <p:cSld>
+    <p:spTree>
+      <p:nvGrpSpPr>
+        <p:cNvPr id="1" name=""/>
+        <p:cNvGrpSpPr/>
+        <p:nvPr/>
+      </p:nvGrpSpPr>
+      <p:grpSpPr>
+        <a:xfrm>
+          <a:off x="0" y="0"/>
+          <a:ext cx="0" cy="0"/>
+          <a:chOff x="0" y="0"/>
+          <a:chExt cx="0" cy="0"/>
+        </a:xfrm>
+      </p:grpSpPr>
+      <p:sp>
+        <p:nvSpPr>
+          <p:cNvPr id="2" name="Title 1"/>
+          <p:cNvSpPr>
+            <a:spLocks noGrp="1"/>
+          </p:cNvSpPr>
+          <p:nvPr>
+            <p:ph type="title"/>
+          </p:nvPr>
+        </p:nvSpPr>
+        <p:spPr/>
+        <p:txBody>
+          <a:bodyPr/>
+          <a:lstStyle/>
+          <a:p>
+            <a:r>
+              <a:rPr lang="en-US" dirty="0" smtClean="0"/>
+              <a:t>Workflow</a:t>
+            </a:r>
+            <a:endParaRPr lang="en-US" dirty="0"/>
+          </a:p>
+        </p:txBody>
+      </p:sp>
+      <p:sp>
+        <p:nvSpPr>
+          <p:cNvPr id="3" name="Content Placeholder 2"/>
+          <p:cNvSpPr>
+            <a:spLocks noGrp="1"/>
+          </p:cNvSpPr>
+          <p:nvPr>
+            <p:ph idx="1"/>
+          </p:nvPr>
+        </p:nvSpPr>
+        <p:spPr/>
+        <p:txBody>
+          <a:bodyPr/>
+          <a:lstStyle/>
+          <a:p>
+            <a:r>
+              <a:rPr lang="en-US" dirty="0" smtClean="0"/>
+              <a:t>Write demo code</a:t>
+            </a:r>
+          </a:p>
+          <a:p>
+            <a:r>
+              <a:rPr lang="en-US" dirty="0" smtClean="0"/>
+              <a:t>Develop code (in the “</a:t>
+            </a:r>
+            <a:r>
+              <a:rPr lang="en-US" b="1" dirty="0" smtClean="0"/>
+              <a:t>R/</a:t>
+            </a:r>
+            <a:r>
+              <a:rPr lang="en-US" dirty="0" smtClean="0"/>
+              <a:t>” directory)</a:t>
+            </a:r>
+          </a:p>
+          <a:p>
+            <a:r>
+              <a:rPr lang="en-US" dirty="0" smtClean="0"/>
+              <a:t>Install (or re-install) package</a:t>
+            </a:r>
+          </a:p>
+          <a:p>
+            <a:r>
+              <a:rPr lang="en-US" dirty="0" smtClean="0"/>
+              <a:t>Test demo code</a:t>
+            </a:r>
+          </a:p>
+          <a:p>
+            <a:r>
+              <a:rPr lang="en-US" dirty="0" smtClean="0"/>
+              <a:t>Go back to step 2</a:t>
+            </a:r>
+            <a:endParaRPr lang="en-US" dirty="0"/>
+          </a:p>
+        </p:txBody>
+      </p:sp>
+    </p:spTree>
+    <p:extLst>
+      <p:ext uri="{BB962C8B-B14F-4D97-AF65-F5344CB8AC3E}">
+        <p14:creationId xmlns="" xmlns:a="http://schemas.openxmlformats.org/drawingml/2006/main" xmlns:r="http://schemas.openxmlformats.org/officeDocument/2006/relationships" xmlns:p="http://schemas.openxmlformats.org/presentationml/2006/main" xmlns:p14="http://schemas.microsoft.com/office/powerpoint/2010/main" xmlns:mv="urn:schemas-microsoft-com:mac:vml" xmlns:mc="http://schemas.openxmlformats.org/markup-compatibility/2006" val="3145060271"/>
+      </p:ext>
+    </p:extLst>
+  </p:cSld>
+  <p:clrMapOvr>
+    <a:masterClrMapping/>
+  </p:clrMapOvr>
+  <p:timing>
+    <p:tnLst>
+      <p:par>
+        <p:cTn id="1" dur="indefinite" restart="never" nodeType="tmRoot"/>
+      </p:par>
+    </p:tnLst>
+  </p:timing>
+</p:sld>
+</file>
+
+<file path=ppt/slides/slide47.xml><?xml version="1.0" encoding="utf-8"?>
+<p:sld xmlns:a="http://schemas.openxmlformats.org/drawingml/2006/main" xmlns:r="http://schemas.openxmlformats.org/officeDocument/2006/relationships" xmlns:mc="http://schemas.openxmlformats.org/markup-compatibility/2006" xmlns:mv="urn:schemas-microsoft-com:mac:vml" xmlns:p="http://schemas.openxmlformats.org/presentationml/2006/main" mc:Ignorable="mv" mc:PreserveAttributes="mv:*">
+  <p:cSld>
+    <p:spTree>
+      <p:nvGrpSpPr>
+        <p:cNvPr id="1" name=""/>
+        <p:cNvGrpSpPr/>
+        <p:nvPr/>
+      </p:nvGrpSpPr>
+      <p:grpSpPr>
+        <a:xfrm>
+          <a:off x="0" y="0"/>
+          <a:ext cx="0" cy="0"/>
+          <a:chOff x="0" y="0"/>
+          <a:chExt cx="0" cy="0"/>
+        </a:xfrm>
+      </p:grpSpPr>
+      <p:sp>
+        <p:nvSpPr>
+          <p:cNvPr id="2" name="Title 1"/>
+          <p:cNvSpPr>
+            <a:spLocks noGrp="1"/>
+          </p:cNvSpPr>
+          <p:nvPr>
+            <p:ph type="title"/>
+          </p:nvPr>
+        </p:nvSpPr>
+        <p:spPr/>
+        <p:txBody>
+          <a:bodyPr/>
+          <a:lstStyle/>
+          <a:p>
+            <a:r>
+              <a:rPr lang="en-US"/>
               <a:t>Workshop</a:t>
             </a:r>
           </a:p>
@@ -9278,7 +11877,7 @@
     </p:spTree>
     <p:extLst>
       <p:ext uri="{BB962C8B-B14F-4D97-AF65-F5344CB8AC3E}">
-        <p14:creationId xmlns:p14="http://schemas.microsoft.com/office/powerpoint/2010/main" xmlns:p="http://schemas.openxmlformats.org/presentationml/2006/main" xmlns:r="http://schemas.openxmlformats.org/officeDocument/2006/relationships" xmlns:a="http://schemas.openxmlformats.org/drawingml/2006/main" xmlns="" val="3623617875"/>
+        <p14:creationId xmlns="" xmlns:a="http://schemas.openxmlformats.org/drawingml/2006/main" xmlns:r="http://schemas.openxmlformats.org/officeDocument/2006/relationships" xmlns:p="http://schemas.openxmlformats.org/presentationml/2006/main" xmlns:p14="http://schemas.microsoft.com/office/powerpoint/2010/main" xmlns:mv="urn:schemas-microsoft-com:mac:vml" xmlns:mc="http://schemas.openxmlformats.org/markup-compatibility/2006" val="3623617875"/>
       </p:ext>
     </p:extLst>
   </p:cSld>
@@ -9430,7 +12029,7 @@
     </p:spTree>
     <p:extLst>
       <p:ext uri="{BB962C8B-B14F-4D97-AF65-F5344CB8AC3E}">
-        <p14:creationId xmlns:p14="http://schemas.microsoft.com/office/powerpoint/2010/main" xmlns:p="http://schemas.openxmlformats.org/presentationml/2006/main" xmlns:r="http://schemas.openxmlformats.org/officeDocument/2006/relationships" xmlns:a="http://schemas.openxmlformats.org/drawingml/2006/main" xmlns="" val="70992702"/>
+        <p14:creationId xmlns="" xmlns:a="http://schemas.openxmlformats.org/drawingml/2006/main" xmlns:r="http://schemas.openxmlformats.org/officeDocument/2006/relationships" xmlns:p="http://schemas.openxmlformats.org/presentationml/2006/main" xmlns:p14="http://schemas.microsoft.com/office/powerpoint/2010/main" xmlns:mv="urn:schemas-microsoft-com:mac:vml" xmlns:mc="http://schemas.openxmlformats.org/markup-compatibility/2006" val="70992702"/>
       </p:ext>
     </p:extLst>
   </p:cSld>
@@ -9562,7 +12161,7 @@
     </p:spTree>
     <p:extLst>
       <p:ext uri="{BB962C8B-B14F-4D97-AF65-F5344CB8AC3E}">
-        <p14:creationId xmlns:p14="http://schemas.microsoft.com/office/powerpoint/2010/main" xmlns:p="http://schemas.openxmlformats.org/presentationml/2006/main" xmlns:r="http://schemas.openxmlformats.org/officeDocument/2006/relationships" xmlns:a="http://schemas.openxmlformats.org/drawingml/2006/main" xmlns="" val="2872122745"/>
+        <p14:creationId xmlns="" xmlns:a="http://schemas.openxmlformats.org/drawingml/2006/main" xmlns:r="http://schemas.openxmlformats.org/officeDocument/2006/relationships" xmlns:p="http://schemas.openxmlformats.org/presentationml/2006/main" xmlns:p14="http://schemas.microsoft.com/office/powerpoint/2010/main" xmlns:mv="urn:schemas-microsoft-com:mac:vml" xmlns:mc="http://schemas.openxmlformats.org/markup-compatibility/2006" val="2872122745"/>
       </p:ext>
     </p:extLst>
   </p:cSld>
@@ -9684,7 +12283,7 @@
     </p:spTree>
     <p:extLst>
       <p:ext uri="{BB962C8B-B14F-4D97-AF65-F5344CB8AC3E}">
-        <p14:creationId xmlns:p14="http://schemas.microsoft.com/office/powerpoint/2010/main" xmlns:p="http://schemas.openxmlformats.org/presentationml/2006/main" xmlns:r="http://schemas.openxmlformats.org/officeDocument/2006/relationships" xmlns:a="http://schemas.openxmlformats.org/drawingml/2006/main" xmlns="" val="19752076"/>
+        <p14:creationId xmlns="" xmlns:a="http://schemas.openxmlformats.org/drawingml/2006/main" xmlns:r="http://schemas.openxmlformats.org/officeDocument/2006/relationships" xmlns:p="http://schemas.openxmlformats.org/presentationml/2006/main" xmlns:p14="http://schemas.microsoft.com/office/powerpoint/2010/main" xmlns:mv="urn:schemas-microsoft-com:mac:vml" xmlns:mc="http://schemas.openxmlformats.org/markup-compatibility/2006" val="19752076"/>
       </p:ext>
     </p:extLst>
   </p:cSld>
@@ -9806,6 +12405,13 @@
   <p:clrMapOvr>
     <a:masterClrMapping/>
   </p:clrMapOvr>
+  <p:timing>
+    <p:tnLst>
+      <p:par>
+        <p:cTn id="1" dur="indefinite" restart="never" nodeType="tmRoot"/>
+      </p:par>
+    </p:tnLst>
+  </p:timing>
 </p:sld>
 </file>
 

--- a/January-Class/Zelig_1_regressions.pptx
+++ b/January-Class/Zelig_1_regressions.pptx
@@ -5,7 +5,7 @@
     <p:sldMasterId id="2147483694" r:id="rId1"/>
   </p:sldMasterIdLst>
   <p:notesMasterIdLst>
-    <p:notesMasterId r:id="rId49"/>
+    <p:notesMasterId r:id="rId51"/>
   </p:notesMasterIdLst>
   <p:sldIdLst>
     <p:sldId id="256" r:id="rId2"/>
@@ -18,43 +18,45 @@
     <p:sldId id="306" r:id="rId9"/>
     <p:sldId id="346" r:id="rId10"/>
     <p:sldId id="347" r:id="rId11"/>
-    <p:sldId id="351" r:id="rId12"/>
-    <p:sldId id="352" r:id="rId13"/>
-    <p:sldId id="353" r:id="rId14"/>
-    <p:sldId id="354" r:id="rId15"/>
-    <p:sldId id="355" r:id="rId16"/>
-    <p:sldId id="356" r:id="rId17"/>
-    <p:sldId id="309" r:id="rId18"/>
-    <p:sldId id="339" r:id="rId19"/>
-    <p:sldId id="359" r:id="rId20"/>
-    <p:sldId id="358" r:id="rId21"/>
-    <p:sldId id="357" r:id="rId22"/>
-    <p:sldId id="334" r:id="rId23"/>
-    <p:sldId id="335" r:id="rId24"/>
-    <p:sldId id="336" r:id="rId25"/>
-    <p:sldId id="318" r:id="rId26"/>
-    <p:sldId id="341" r:id="rId27"/>
-    <p:sldId id="320" r:id="rId28"/>
-    <p:sldId id="323" r:id="rId29"/>
-    <p:sldId id="326" r:id="rId30"/>
-    <p:sldId id="324" r:id="rId31"/>
-    <p:sldId id="321" r:id="rId32"/>
-    <p:sldId id="322" r:id="rId33"/>
-    <p:sldId id="328" r:id="rId34"/>
-    <p:sldId id="330" r:id="rId35"/>
-    <p:sldId id="272" r:id="rId36"/>
-    <p:sldId id="331" r:id="rId37"/>
-    <p:sldId id="275" r:id="rId38"/>
-    <p:sldId id="342" r:id="rId39"/>
-    <p:sldId id="343" r:id="rId40"/>
-    <p:sldId id="344" r:id="rId41"/>
-    <p:sldId id="345" r:id="rId42"/>
-    <p:sldId id="273" r:id="rId43"/>
-    <p:sldId id="279" r:id="rId44"/>
-    <p:sldId id="337" r:id="rId45"/>
-    <p:sldId id="278" r:id="rId46"/>
-    <p:sldId id="316" r:id="rId47"/>
-    <p:sldId id="338" r:id="rId48"/>
+    <p:sldId id="360" r:id="rId12"/>
+    <p:sldId id="351" r:id="rId13"/>
+    <p:sldId id="361" r:id="rId14"/>
+    <p:sldId id="352" r:id="rId15"/>
+    <p:sldId id="353" r:id="rId16"/>
+    <p:sldId id="354" r:id="rId17"/>
+    <p:sldId id="355" r:id="rId18"/>
+    <p:sldId id="356" r:id="rId19"/>
+    <p:sldId id="309" r:id="rId20"/>
+    <p:sldId id="339" r:id="rId21"/>
+    <p:sldId id="359" r:id="rId22"/>
+    <p:sldId id="358" r:id="rId23"/>
+    <p:sldId id="357" r:id="rId24"/>
+    <p:sldId id="334" r:id="rId25"/>
+    <p:sldId id="335" r:id="rId26"/>
+    <p:sldId id="336" r:id="rId27"/>
+    <p:sldId id="318" r:id="rId28"/>
+    <p:sldId id="341" r:id="rId29"/>
+    <p:sldId id="320" r:id="rId30"/>
+    <p:sldId id="323" r:id="rId31"/>
+    <p:sldId id="326" r:id="rId32"/>
+    <p:sldId id="324" r:id="rId33"/>
+    <p:sldId id="321" r:id="rId34"/>
+    <p:sldId id="322" r:id="rId35"/>
+    <p:sldId id="328" r:id="rId36"/>
+    <p:sldId id="330" r:id="rId37"/>
+    <p:sldId id="272" r:id="rId38"/>
+    <p:sldId id="331" r:id="rId39"/>
+    <p:sldId id="275" r:id="rId40"/>
+    <p:sldId id="342" r:id="rId41"/>
+    <p:sldId id="343" r:id="rId42"/>
+    <p:sldId id="344" r:id="rId43"/>
+    <p:sldId id="345" r:id="rId44"/>
+    <p:sldId id="273" r:id="rId45"/>
+    <p:sldId id="279" r:id="rId46"/>
+    <p:sldId id="337" r:id="rId47"/>
+    <p:sldId id="278" r:id="rId48"/>
+    <p:sldId id="316" r:id="rId49"/>
+    <p:sldId id="338" r:id="rId50"/>
   </p:sldIdLst>
   <p:sldSz cx="9144000" cy="6858000" type="screen4x3"/>
   <p:notesSz cx="6858000" cy="9144000"/>
@@ -3759,7 +3761,7 @@
             <a:spLocks noGrp="1"/>
           </p:cNvSpPr>
           <p:nvPr>
-            <p:ph type="ctrTitle"/>
+            <p:ph type="title"/>
           </p:nvPr>
         </p:nvSpPr>
         <p:spPr/>
@@ -3769,19 +3771,19 @@
           <a:p>
             <a:r>
               <a:rPr lang="en-US"/>
-              <a:t>Structure of a Zelig Package</a:t>
-            </a:r>
-          </a:p>
-        </p:txBody>
-      </p:sp>
-      <p:sp>
-        <p:nvSpPr>
-          <p:cNvPr id="4" name="Subtitle 3"/>
-          <p:cNvSpPr>
-            <a:spLocks noGrp="1"/>
-          </p:cNvSpPr>
-          <p:nvPr>
-            <p:ph type="subTitle" idx="1"/>
+              <a:t>Example: ZeligLeastSquares</a:t>
+            </a:r>
+          </a:p>
+        </p:txBody>
+      </p:sp>
+      <p:sp>
+        <p:nvSpPr>
+          <p:cNvPr id="3" name="Content Placeholder 2"/>
+          <p:cNvSpPr>
+            <a:spLocks noGrp="1"/>
+          </p:cNvSpPr>
+          <p:nvPr>
+            <p:ph idx="1"/>
           </p:nvPr>
         </p:nvSpPr>
         <p:spPr/>
@@ -3789,7 +3791,16 @@
           <a:bodyPr/>
           <a:lstStyle/>
           <a:p>
-            <a:endParaRPr lang="en-US"/>
+            <a:r>
+              <a:rPr lang="en-US"/>
+              <a:t>Picture of directory structure</a:t>
+            </a:r>
+          </a:p>
+          <a:p>
+            <a:r>
+              <a:rPr lang="en-US"/>
+              <a:t>Highlight important areas</a:t>
+            </a:r>
           </a:p>
         </p:txBody>
       </p:sp>
@@ -3798,10 +3809,184 @@
   <p:clrMapOvr>
     <a:masterClrMapping/>
   </p:clrMapOvr>
+  <p:timing>
+    <p:tnLst>
+      <p:par>
+        <p:cTn id="1" dur="indefinite" restart="never" nodeType="tmRoot"/>
+      </p:par>
+    </p:tnLst>
+  </p:timing>
 </p:sld>
 </file>
 
 <file path=ppt/slides/slide12.xml><?xml version="1.0" encoding="utf-8"?>
+<p:sld xmlns:a="http://schemas.openxmlformats.org/drawingml/2006/main" xmlns:r="http://schemas.openxmlformats.org/officeDocument/2006/relationships" xmlns:mc="http://schemas.openxmlformats.org/markup-compatibility/2006" xmlns:mv="urn:schemas-microsoft-com:mac:vml" xmlns:p="http://schemas.openxmlformats.org/presentationml/2006/main" mc:Ignorable="mv" mc:PreserveAttributes="mv:*">
+  <p:cSld>
+    <p:spTree>
+      <p:nvGrpSpPr>
+        <p:cNvPr id="1" name=""/>
+        <p:cNvGrpSpPr/>
+        <p:nvPr/>
+      </p:nvGrpSpPr>
+      <p:grpSpPr>
+        <a:xfrm>
+          <a:off x="0" y="0"/>
+          <a:ext cx="0" cy="0"/>
+          <a:chOff x="0" y="0"/>
+          <a:chExt cx="0" cy="0"/>
+        </a:xfrm>
+      </p:grpSpPr>
+      <p:sp>
+        <p:nvSpPr>
+          <p:cNvPr id="2" name="Title 1"/>
+          <p:cNvSpPr>
+            <a:spLocks noGrp="1"/>
+          </p:cNvSpPr>
+          <p:nvPr>
+            <p:ph type="ctrTitle"/>
+          </p:nvPr>
+        </p:nvSpPr>
+        <p:spPr/>
+        <p:txBody>
+          <a:bodyPr/>
+          <a:lstStyle/>
+          <a:p>
+            <a:r>
+              <a:rPr lang="en-US"/>
+              <a:t>Structure of a Zelig Package</a:t>
+            </a:r>
+          </a:p>
+        </p:txBody>
+      </p:sp>
+      <p:sp>
+        <p:nvSpPr>
+          <p:cNvPr id="4" name="Subtitle 3"/>
+          <p:cNvSpPr>
+            <a:spLocks noGrp="1"/>
+          </p:cNvSpPr>
+          <p:nvPr>
+            <p:ph type="subTitle" idx="1"/>
+          </p:nvPr>
+        </p:nvSpPr>
+        <p:spPr/>
+        <p:txBody>
+          <a:bodyPr/>
+          <a:lstStyle/>
+          <a:p>
+            <a:endParaRPr lang="en-US"/>
+          </a:p>
+        </p:txBody>
+      </p:sp>
+    </p:spTree>
+  </p:cSld>
+  <p:clrMapOvr>
+    <a:masterClrMapping/>
+  </p:clrMapOvr>
+  <p:timing>
+    <p:tnLst>
+      <p:par>
+        <p:cTn id="1" dur="indefinite" restart="never" nodeType="tmRoot"/>
+      </p:par>
+    </p:tnLst>
+  </p:timing>
+</p:sld>
+</file>
+
+<file path=ppt/slides/slide13.xml><?xml version="1.0" encoding="utf-8"?>
+<p:sld xmlns:a="http://schemas.openxmlformats.org/drawingml/2006/main" xmlns:r="http://schemas.openxmlformats.org/officeDocument/2006/relationships" xmlns:mc="http://schemas.openxmlformats.org/markup-compatibility/2006" xmlns:mv="urn:schemas-microsoft-com:mac:vml" xmlns:p="http://schemas.openxmlformats.org/presentationml/2006/main" mc:Ignorable="mv" mc:PreserveAttributes="mv:*">
+  <p:cSld>
+    <p:spTree>
+      <p:nvGrpSpPr>
+        <p:cNvPr id="1" name=""/>
+        <p:cNvGrpSpPr/>
+        <p:nvPr/>
+      </p:nvGrpSpPr>
+      <p:grpSpPr>
+        <a:xfrm>
+          <a:off x="0" y="0"/>
+          <a:ext cx="0" cy="0"/>
+          <a:chOff x="0" y="0"/>
+          <a:chExt cx="0" cy="0"/>
+        </a:xfrm>
+      </p:grpSpPr>
+      <p:sp>
+        <p:nvSpPr>
+          <p:cNvPr id="2" name="Title 1"/>
+          <p:cNvSpPr>
+            <a:spLocks noGrp="1"/>
+          </p:cNvSpPr>
+          <p:nvPr>
+            <p:ph type="title"/>
+          </p:nvPr>
+        </p:nvSpPr>
+        <p:spPr/>
+        <p:txBody>
+          <a:bodyPr/>
+          <a:lstStyle/>
+          <a:p>
+            <a:r>
+              <a:rPr lang="en-US"/>
+              <a:t>Outline</a:t>
+            </a:r>
+          </a:p>
+        </p:txBody>
+      </p:sp>
+      <p:sp>
+        <p:nvSpPr>
+          <p:cNvPr id="3" name="Content Placeholder 2"/>
+          <p:cNvSpPr>
+            <a:spLocks noGrp="1"/>
+          </p:cNvSpPr>
+          <p:nvPr>
+            <p:ph idx="1"/>
+          </p:nvPr>
+        </p:nvSpPr>
+        <p:spPr/>
+        <p:txBody>
+          <a:bodyPr/>
+          <a:lstStyle/>
+          <a:p>
+            <a:r>
+              <a:rPr lang="en-US"/>
+              <a:t>A typical Zelig program</a:t>
+            </a:r>
+          </a:p>
+          <a:p>
+            <a:r>
+              <a:rPr lang="en-US"/>
+              <a:t>Components of a Zelig model</a:t>
+            </a:r>
+          </a:p>
+          <a:p>
+            <a:r>
+              <a:rPr lang="en-US"/>
+              <a:t>Zelig Demo</a:t>
+            </a:r>
+          </a:p>
+          <a:p>
+            <a:r>
+              <a:rPr lang="en-US"/>
+              <a:t>Overview</a:t>
+            </a:r>
+          </a:p>
+        </p:txBody>
+      </p:sp>
+    </p:spTree>
+  </p:cSld>
+  <p:clrMapOvr>
+    <a:masterClrMapping/>
+  </p:clrMapOvr>
+  <p:timing>
+    <p:tnLst>
+      <p:par>
+        <p:cTn id="1" dur="indefinite" restart="never" nodeType="tmRoot"/>
+      </p:par>
+    </p:tnLst>
+  </p:timing>
+</p:sld>
+</file>
+
+<file path=ppt/slides/slide14.xml><?xml version="1.0" encoding="utf-8"?>
 <p:sld xmlns:a="http://schemas.openxmlformats.org/drawingml/2006/main" xmlns:r="http://schemas.openxmlformats.org/officeDocument/2006/relationships" xmlns:mc="http://schemas.openxmlformats.org/markup-compatibility/2006" xmlns:mv="urn:schemas-microsoft-com:mac:vml" xmlns:p="http://schemas.openxmlformats.org/presentationml/2006/main" mc:Ignorable="mv" mc:PreserveAttributes="mv:*">
   <p:cSld>
     <p:spTree>
@@ -4319,7 +4504,7 @@
 </p:sld>
 </file>
 
-<file path=ppt/slides/slide13.xml><?xml version="1.0" encoding="utf-8"?>
+<file path=ppt/slides/slide15.xml><?xml version="1.0" encoding="utf-8"?>
 <p:sld xmlns:a="http://schemas.openxmlformats.org/drawingml/2006/main" xmlns:r="http://schemas.openxmlformats.org/officeDocument/2006/relationships" xmlns:mc="http://schemas.openxmlformats.org/markup-compatibility/2006" xmlns:mv="urn:schemas-microsoft-com:mac:vml" xmlns:p="http://schemas.openxmlformats.org/presentationml/2006/main" mc:Ignorable="mv" mc:PreserveAttributes="mv:*">
   <p:cSld>
     <p:spTree>
@@ -5396,7 +5581,7 @@
 </p:sld>
 </file>
 
-<file path=ppt/slides/slide14.xml><?xml version="1.0" encoding="utf-8"?>
+<file path=ppt/slides/slide16.xml><?xml version="1.0" encoding="utf-8"?>
 <p:sld xmlns:a="http://schemas.openxmlformats.org/drawingml/2006/main" xmlns:r="http://schemas.openxmlformats.org/officeDocument/2006/relationships" xmlns:mc="http://schemas.openxmlformats.org/markup-compatibility/2006" xmlns:mv="urn:schemas-microsoft-com:mac:vml" xmlns:p="http://schemas.openxmlformats.org/presentationml/2006/main" mc:Ignorable="mv" mc:PreserveAttributes="mv:*">
   <p:cSld>
     <p:spTree>
@@ -5543,7 +5728,7 @@
 </p:sld>
 </file>
 
-<file path=ppt/slides/slide15.xml><?xml version="1.0" encoding="utf-8"?>
+<file path=ppt/slides/slide17.xml><?xml version="1.0" encoding="utf-8"?>
 <p:sld xmlns:a="http://schemas.openxmlformats.org/drawingml/2006/main" xmlns:r="http://schemas.openxmlformats.org/officeDocument/2006/relationships" xmlns:mc="http://schemas.openxmlformats.org/markup-compatibility/2006" xmlns:mv="urn:schemas-microsoft-com:mac:vml" xmlns:p="http://schemas.openxmlformats.org/presentationml/2006/main" mc:Ignorable="mv" mc:PreserveAttributes="mv:*">
   <p:cSld>
     <p:spTree>
@@ -6067,209 +6252,6 @@
 </p:sld>
 </file>
 
-<file path=ppt/slides/slide16.xml><?xml version="1.0" encoding="utf-8"?>
-<p:sld xmlns:a="http://schemas.openxmlformats.org/drawingml/2006/main" xmlns:r="http://schemas.openxmlformats.org/officeDocument/2006/relationships" xmlns:mc="http://schemas.openxmlformats.org/markup-compatibility/2006" xmlns:mv="urn:schemas-microsoft-com:mac:vml" xmlns:p="http://schemas.openxmlformats.org/presentationml/2006/main" mc:Ignorable="mv" mc:PreserveAttributes="mv:*">
-  <p:cSld>
-    <p:spTree>
-      <p:nvGrpSpPr>
-        <p:cNvPr id="1" name=""/>
-        <p:cNvGrpSpPr/>
-        <p:nvPr/>
-      </p:nvGrpSpPr>
-      <p:grpSpPr>
-        <a:xfrm>
-          <a:off x="0" y="0"/>
-          <a:ext cx="0" cy="0"/>
-          <a:chOff x="0" y="0"/>
-          <a:chExt cx="0" cy="0"/>
-        </a:xfrm>
-      </p:grpSpPr>
-      <p:sp>
-        <p:nvSpPr>
-          <p:cNvPr id="2" name="Title 1"/>
-          <p:cNvSpPr>
-            <a:spLocks noGrp="1"/>
-          </p:cNvSpPr>
-          <p:nvPr>
-            <p:ph type="title"/>
-          </p:nvPr>
-        </p:nvSpPr>
-        <p:spPr/>
-        <p:txBody>
-          <a:bodyPr/>
-          <a:lstStyle/>
-          <a:p>
-            <a:r>
-              <a:rPr lang="en-US"/>
-              <a:t>Overview</a:t>
-            </a:r>
-          </a:p>
-        </p:txBody>
-      </p:sp>
-      <p:sp>
-        <p:nvSpPr>
-          <p:cNvPr id="3" name="Content Placeholder 2"/>
-          <p:cNvSpPr>
-            <a:spLocks noGrp="1"/>
-          </p:cNvSpPr>
-          <p:nvPr>
-            <p:ph idx="1"/>
-          </p:nvPr>
-        </p:nvSpPr>
-        <p:spPr/>
-        <p:txBody>
-          <a:bodyPr/>
-          <a:lstStyle/>
-          <a:p>
-            <a:r>
-              <a:rPr lang="en-US"/>
-              <a:t>Writing a zelig model is a three-stage process:</a:t>
-            </a:r>
-          </a:p>
-          <a:p>
-            <a:pPr lvl="1"/>
-            <a:r>
-              <a:rPr lang="en-US"/>
-              <a:t>zelig2 method</a:t>
-            </a:r>
-          </a:p>
-          <a:p>
-            <a:pPr lvl="1"/>
-            <a:r>
-              <a:rPr lang="en-US"/>
-              <a:t>param method</a:t>
-            </a:r>
-          </a:p>
-          <a:p>
-            <a:pPr lvl="1"/>
-            <a:r>
-              <a:rPr lang="en-US"/>
-              <a:t>qi method</a:t>
-            </a:r>
-          </a:p>
-          <a:p>
-            <a:r>
-              <a:rPr lang="en-US"/>
-              <a:t>These correspond to</a:t>
-            </a:r>
-          </a:p>
-          <a:p>
-            <a:pPr lvl="1"/>
-            <a:r>
-              <a:rPr lang="en-US"/>
-              <a:t>Fitting the statistical model (zelig2)</a:t>
-            </a:r>
-          </a:p>
-          <a:p>
-            <a:pPr lvl="1"/>
-            <a:r>
-              <a:rPr lang="en-US"/>
-              <a:t>Parameter simulation (param)</a:t>
-            </a:r>
-          </a:p>
-          <a:p>
-            <a:pPr lvl="1"/>
-            <a:r>
-              <a:rPr lang="en-US"/>
-              <a:t>Quantity of interest simulation (qi)</a:t>
-            </a:r>
-          </a:p>
-        </p:txBody>
-      </p:sp>
-    </p:spTree>
-  </p:cSld>
-  <p:clrMapOvr>
-    <a:masterClrMapping/>
-  </p:clrMapOvr>
-  <p:timing>
-    <p:tnLst>
-      <p:par>
-        <p:cTn id="1" dur="indefinite" restart="never" nodeType="tmRoot"/>
-      </p:par>
-    </p:tnLst>
-  </p:timing>
-</p:sld>
-</file>
-
-<file path=ppt/slides/slide17.xml><?xml version="1.0" encoding="utf-8"?>
-<p:sld xmlns:a="http://schemas.openxmlformats.org/drawingml/2006/main" xmlns:r="http://schemas.openxmlformats.org/officeDocument/2006/relationships" xmlns:mc="http://schemas.openxmlformats.org/markup-compatibility/2006" xmlns:mv="urn:schemas-microsoft-com:mac:vml" xmlns:p="http://schemas.openxmlformats.org/presentationml/2006/main" mc:Ignorable="mv" mc:PreserveAttributes="mv:*">
-  <p:cSld>
-    <p:spTree>
-      <p:nvGrpSpPr>
-        <p:cNvPr id="1" name=""/>
-        <p:cNvGrpSpPr/>
-        <p:nvPr/>
-      </p:nvGrpSpPr>
-      <p:grpSpPr>
-        <a:xfrm>
-          <a:off x="0" y="0"/>
-          <a:ext cx="0" cy="0"/>
-          <a:chOff x="0" y="0"/>
-          <a:chExt cx="0" cy="0"/>
-        </a:xfrm>
-      </p:grpSpPr>
-      <p:sp>
-        <p:nvSpPr>
-          <p:cNvPr id="2" name="Title 1"/>
-          <p:cNvSpPr>
-            <a:spLocks noGrp="1"/>
-          </p:cNvSpPr>
-          <p:nvPr>
-            <p:ph type="ctrTitle"/>
-          </p:nvPr>
-        </p:nvSpPr>
-        <p:spPr/>
-        <p:txBody>
-          <a:bodyPr/>
-          <a:lstStyle/>
-          <a:p>
-            <a:r>
-              <a:rPr lang="en-US" dirty="0" smtClean="0"/>
-              <a:t>Creating a Statistical Package</a:t>
-            </a:r>
-            <a:endParaRPr lang="en-US" dirty="0"/>
-          </a:p>
-        </p:txBody>
-      </p:sp>
-      <p:sp>
-        <p:nvSpPr>
-          <p:cNvPr id="5" name="Subtitle 4"/>
-          <p:cNvSpPr>
-            <a:spLocks noGrp="1"/>
-          </p:cNvSpPr>
-          <p:nvPr>
-            <p:ph type="subTitle" idx="1"/>
-          </p:nvPr>
-        </p:nvSpPr>
-        <p:spPr/>
-        <p:txBody>
-          <a:bodyPr/>
-          <a:lstStyle/>
-          <a:p>
-            <a:endParaRPr lang="en-US"/>
-          </a:p>
-        </p:txBody>
-      </p:sp>
-    </p:spTree>
-    <p:extLst>
-      <p:ext uri="{BB962C8B-B14F-4D97-AF65-F5344CB8AC3E}">
-        <p14:creationId xmlns="" xmlns:a="http://schemas.openxmlformats.org/drawingml/2006/main" xmlns:r="http://schemas.openxmlformats.org/officeDocument/2006/relationships" xmlns:p="http://schemas.openxmlformats.org/presentationml/2006/main" xmlns:p14="http://schemas.microsoft.com/office/powerpoint/2010/main" xmlns:mv="urn:schemas-microsoft-com:mac:vml" xmlns:mc="http://schemas.openxmlformats.org/markup-compatibility/2006" val="3700335886"/>
-      </p:ext>
-    </p:extLst>
-  </p:cSld>
-  <p:clrMapOvr>
-    <a:masterClrMapping/>
-  </p:clrMapOvr>
-  <p:timing>
-    <p:tnLst>
-      <p:par>
-        <p:cTn id="1" dur="indefinite" restart="never" nodeType="tmRoot"/>
-      </p:par>
-    </p:tnLst>
-  </p:timing>
-</p:sld>
-</file>
-
 <file path=ppt/slides/slide18.xml><?xml version="1.0" encoding="utf-8"?>
 <p:sld xmlns:a="http://schemas.openxmlformats.org/drawingml/2006/main" xmlns:r="http://schemas.openxmlformats.org/officeDocument/2006/relationships" xmlns:mc="http://schemas.openxmlformats.org/markup-compatibility/2006" xmlns:mv="urn:schemas-microsoft-com:mac:vml" xmlns:p="http://schemas.openxmlformats.org/presentationml/2006/main" mc:Ignorable="mv" mc:PreserveAttributes="mv:*">
   <p:cSld>
@@ -6304,7 +6286,7 @@
           <a:p>
             <a:r>
               <a:rPr lang="en-US"/>
-              <a:t>Basics</a:t>
+              <a:t>Overview</a:t>
             </a:r>
           </a:p>
         </p:txBody>
@@ -6321,38 +6303,60 @@
         </p:nvSpPr>
         <p:spPr/>
         <p:txBody>
-          <a:bodyPr>
-            <a:normAutofit/>
-          </a:bodyPr>
-          <a:lstStyle/>
-          <a:p>
-            <a:r>
-              <a:rPr lang="en-US" b="1">
-                <a:latin typeface="Courier New"/>
-                <a:cs typeface="Courier New"/>
-              </a:rPr>
-              <a:t>help("package.skeleton")</a:t>
-            </a:r>
-          </a:p>
-          <a:p>
-            <a:r>
-              <a:rPr lang="en-US"/>
-              <a:t>"package.skeleton" creates the outline of a statistical package (creates all necessary files/folders)</a:t>
-            </a:r>
-          </a:p>
-          <a:p>
-            <a:r>
-              <a:rPr lang="en-US" b="1">
-                <a:latin typeface="Courier New"/>
-                <a:cs typeface="Courier New"/>
-              </a:rPr>
-              <a:t>help("zelig.skeleton", "Zelig")</a:t>
-            </a:r>
-          </a:p>
-          <a:p>
-            <a:r>
-              <a:rPr lang="en-US"/>
-              <a:t>"zelig.skeleton" behaves identically except it follows a pattern more useful for Zelig packages</a:t>
+          <a:bodyPr/>
+          <a:lstStyle/>
+          <a:p>
+            <a:r>
+              <a:rPr lang="en-US"/>
+              <a:t>Writing a zelig model is a three-stage process:</a:t>
+            </a:r>
+          </a:p>
+          <a:p>
+            <a:pPr lvl="1"/>
+            <a:r>
+              <a:rPr lang="en-US"/>
+              <a:t>zelig2 method</a:t>
+            </a:r>
+          </a:p>
+          <a:p>
+            <a:pPr lvl="1"/>
+            <a:r>
+              <a:rPr lang="en-US"/>
+              <a:t>param method</a:t>
+            </a:r>
+          </a:p>
+          <a:p>
+            <a:pPr lvl="1"/>
+            <a:r>
+              <a:rPr lang="en-US"/>
+              <a:t>qi method</a:t>
+            </a:r>
+          </a:p>
+          <a:p>
+            <a:r>
+              <a:rPr lang="en-US"/>
+              <a:t>These correspond to</a:t>
+            </a:r>
+          </a:p>
+          <a:p>
+            <a:pPr lvl="1"/>
+            <a:r>
+              <a:rPr lang="en-US"/>
+              <a:t>Fitting the statistical model (zelig2)</a:t>
+            </a:r>
+          </a:p>
+          <a:p>
+            <a:pPr lvl="1"/>
+            <a:r>
+              <a:rPr lang="en-US"/>
+              <a:t>Parameter simulation (param)</a:t>
+            </a:r>
+          </a:p>
+          <a:p>
+            <a:pPr lvl="1"/>
+            <a:r>
+              <a:rPr lang="en-US"/>
+              <a:t>Quantity of interest simulation (qi)</a:t>
             </a:r>
           </a:p>
         </p:txBody>
@@ -6396,31 +6400,30 @@
             <a:spLocks noGrp="1"/>
           </p:cNvSpPr>
           <p:nvPr>
-            <p:ph type="title"/>
+            <p:ph type="ctrTitle"/>
           </p:nvPr>
         </p:nvSpPr>
         <p:spPr/>
         <p:txBody>
-          <a:bodyPr>
-            <a:normAutofit/>
-          </a:bodyPr>
-          <a:lstStyle/>
-          <a:p>
-            <a:r>
-              <a:rPr lang="en-US"/>
-              <a:t>Using "package.skeleton"</a:t>
-            </a:r>
-          </a:p>
-        </p:txBody>
-      </p:sp>
-      <p:sp>
-        <p:nvSpPr>
-          <p:cNvPr id="3" name="Content Placeholder 2"/>
-          <p:cNvSpPr>
-            <a:spLocks noGrp="1"/>
-          </p:cNvSpPr>
-          <p:nvPr>
-            <p:ph idx="1"/>
+          <a:bodyPr/>
+          <a:lstStyle/>
+          <a:p>
+            <a:r>
+              <a:rPr lang="en-US" dirty="0" smtClean="0"/>
+              <a:t>Creating a Statistical Package</a:t>
+            </a:r>
+            <a:endParaRPr lang="en-US" dirty="0"/>
+          </a:p>
+        </p:txBody>
+      </p:sp>
+      <p:sp>
+        <p:nvSpPr>
+          <p:cNvPr id="5" name="Subtitle 4"/>
+          <p:cNvSpPr>
+            <a:spLocks noGrp="1"/>
+          </p:cNvSpPr>
+          <p:nvPr>
+            <p:ph type="subTitle" idx="1"/>
           </p:nvPr>
         </p:nvSpPr>
         <p:spPr/>
@@ -6428,36 +6431,27 @@
           <a:bodyPr/>
           <a:lstStyle/>
           <a:p>
-            <a:r>
-              <a:rPr lang="en-US"/>
-              <a:t>This creates a folder titled "SomePackage"</a:t>
-            </a:r>
-          </a:p>
-          <a:p>
-            <a:r>
-              <a:rPr lang="en-US"/>
-              <a:t>Create an R package with a single function "f"</a:t>
-            </a:r>
-          </a:p>
-          <a:p>
-            <a:r>
-              <a:rPr lang="en-US"/>
-              <a:t>Titles the package "SomePackage"</a:t>
-            </a:r>
-          </a:p>
-          <a:p>
-            <a:r>
-              <a:rPr lang="en-US"/>
-              <a:t>This package will not be "installable" until the author edits the ".Rd" files (found in the "man/" directory)</a:t>
-            </a:r>
+            <a:endParaRPr lang="en-US"/>
           </a:p>
         </p:txBody>
       </p:sp>
     </p:spTree>
+    <p:extLst>
+      <p:ext uri="{BB962C8B-B14F-4D97-AF65-F5344CB8AC3E}">
+        <p14:creationId xmlns="" xmlns:a="http://schemas.openxmlformats.org/drawingml/2006/main" xmlns:r="http://schemas.openxmlformats.org/officeDocument/2006/relationships" xmlns:p="http://schemas.openxmlformats.org/presentationml/2006/main" xmlns:p14="http://schemas.microsoft.com/office/powerpoint/2010/main" xmlns:mv="urn:schemas-microsoft-com:mac:vml" xmlns:mc="http://schemas.openxmlformats.org/markup-compatibility/2006" val="3700335886"/>
+      </p:ext>
+    </p:extLst>
   </p:cSld>
   <p:clrMapOvr>
     <a:masterClrMapping/>
   </p:clrMapOvr>
+  <p:timing>
+    <p:tnLst>
+      <p:par>
+        <p:cTn id="1" dur="indefinite" restart="never" nodeType="tmRoot"/>
+      </p:par>
+    </p:tnLst>
+  </p:timing>
 </p:sld>
 </file>
 
@@ -6693,7 +6687,7 @@
           <a:p>
             <a:r>
               <a:rPr lang="en-US"/>
-              <a:t>Using "package.skeleton"</a:t>
+              <a:t>Basics</a:t>
             </a:r>
           </a:p>
         </p:txBody>
@@ -6711,137 +6705,38 @@
         <p:spPr/>
         <p:txBody>
           <a:bodyPr>
-            <a:noAutofit/>
+            <a:normAutofit/>
           </a:bodyPr>
           <a:lstStyle/>
           <a:p>
-            <a:pPr>
-              <a:buNone/>
-            </a:pPr>
-            <a:r>
-              <a:rPr lang="en-US" sz="1800">
+            <a:r>
+              <a:rPr lang="en-US" b="1">
                 <a:latin typeface="Courier New"/>
                 <a:cs typeface="Courier New"/>
               </a:rPr>
-              <a:t>&gt; f &lt;- function (...) 1</a:t>
-            </a:r>
-          </a:p>
-          <a:p>
-            <a:pPr>
-              <a:buNone/>
-            </a:pPr>
-            <a:r>
-              <a:rPr lang="en-US" sz="1800">
+              <a:t>help("package.skeleton")</a:t>
+            </a:r>
+          </a:p>
+          <a:p>
+            <a:r>
+              <a:rPr lang="en-US"/>
+              <a:t>"package.skeleton" creates the outline of a statistical package (creates all necessary files/folders)</a:t>
+            </a:r>
+          </a:p>
+          <a:p>
+            <a:r>
+              <a:rPr lang="en-US" b="1">
                 <a:latin typeface="Courier New"/>
                 <a:cs typeface="Courier New"/>
               </a:rPr>
-              <a:t>&gt; package.skeleton("SomePackage", "f")</a:t>
-            </a:r>
-          </a:p>
-          <a:p>
-            <a:pPr>
-              <a:buNone/>
-            </a:pPr>
-            <a:r>
-              <a:rPr lang="en-US" sz="1800" b="1">
-                <a:latin typeface="Courier New"/>
-                <a:cs typeface="Courier New"/>
-              </a:rPr>
-              <a:t>Creating directories ...</a:t>
-            </a:r>
-          </a:p>
-          <a:p>
-            <a:pPr>
-              <a:buNone/>
-            </a:pPr>
-            <a:r>
-              <a:rPr lang="en-US" sz="1800" b="1">
-                <a:latin typeface="Courier New"/>
-                <a:cs typeface="Courier New"/>
-              </a:rPr>
-              <a:t>Creating DESCRIPTION ...</a:t>
-            </a:r>
-          </a:p>
-          <a:p>
-            <a:pPr>
-              <a:buNone/>
-            </a:pPr>
-            <a:r>
-              <a:rPr lang="en-US" sz="1800" b="1">
-                <a:latin typeface="Courier New"/>
-                <a:cs typeface="Courier New"/>
-              </a:rPr>
-              <a:t>Creating Read-and-delete-me ...</a:t>
-            </a:r>
-          </a:p>
-          <a:p>
-            <a:pPr>
-              <a:buNone/>
-            </a:pPr>
-            <a:r>
-              <a:rPr lang="en-US" sz="1800" b="1">
-                <a:latin typeface="Courier New"/>
-                <a:cs typeface="Courier New"/>
-              </a:rPr>
-              <a:t>Saving functions and data ...</a:t>
-            </a:r>
-          </a:p>
-          <a:p>
-            <a:pPr>
-              <a:buNone/>
-            </a:pPr>
-            <a:r>
-              <a:rPr lang="en-US" sz="1800" b="1">
-                <a:latin typeface="Courier New"/>
-                <a:cs typeface="Courier New"/>
-              </a:rPr>
-              <a:t>Making help files ...</a:t>
-            </a:r>
-          </a:p>
-          <a:p>
-            <a:pPr>
-              <a:buNone/>
-            </a:pPr>
-            <a:r>
-              <a:rPr lang="en-US" sz="1800" b="1">
-                <a:latin typeface="Courier New"/>
-                <a:cs typeface="Courier New"/>
-              </a:rPr>
-              <a:t>Done.</a:t>
-            </a:r>
-          </a:p>
-          <a:p>
-            <a:pPr>
-              <a:buNone/>
-            </a:pPr>
-            <a:r>
-              <a:rPr lang="en-US" sz="1800" b="1">
-                <a:latin typeface="Courier New"/>
-                <a:cs typeface="Courier New"/>
-              </a:rPr>
-              <a:t>Further steps are described in './SomePackage/Read-and-delete-me'.</a:t>
-            </a:r>
-          </a:p>
-          <a:p>
-            <a:pPr>
-              <a:buNone/>
-            </a:pPr>
-            <a:r>
-              <a:rPr lang="en-US" sz="1800">
-                <a:latin typeface="Courier New"/>
-                <a:cs typeface="Courier New"/>
-              </a:rPr>
-              <a:t>&gt; </a:t>
-            </a:r>
-          </a:p>
-          <a:p>
-            <a:pPr>
-              <a:buNone/>
-            </a:pPr>
-            <a:endParaRPr lang="en-US" sz="1800">
-              <a:latin typeface="Courier New"/>
-              <a:cs typeface="Courier New"/>
-            </a:endParaRPr>
+              <a:t>help("zelig.skeleton", "Zelig")</a:t>
+            </a:r>
+          </a:p>
+          <a:p>
+            <a:r>
+              <a:rPr lang="en-US"/>
+              <a:t>"zelig.skeleton" behaves identically except it follows a pattern more useful for Zelig packages</a:t>
+            </a:r>
           </a:p>
         </p:txBody>
       </p:sp>
@@ -6850,6 +6745,13 @@
   <p:clrMapOvr>
     <a:masterClrMapping/>
   </p:clrMapOvr>
+  <p:timing>
+    <p:tnLst>
+      <p:par>
+        <p:cTn id="1" dur="indefinite" restart="never" nodeType="tmRoot"/>
+      </p:par>
+    </p:tnLst>
+  </p:timing>
 </p:sld>
 </file>
 
@@ -6911,41 +6813,25 @@
           <a:p>
             <a:r>
               <a:rPr lang="en-US"/>
-              <a:t>Slightly more cumbersom than "zelig.skeleton"</a:t>
-            </a:r>
-          </a:p>
-          <a:p>
-            <a:r>
-              <a:rPr lang="en-US"/>
-              <a:t>Requires that users have:</a:t>
-            </a:r>
-          </a:p>
-          <a:p>
-            <a:pPr lvl="1"/>
-            <a:r>
-              <a:rPr lang="en-US"/>
-              <a:t>A name for their package</a:t>
-            </a:r>
-          </a:p>
-          <a:p>
-            <a:pPr lvl="1"/>
-            <a:r>
-              <a:rPr lang="en-US"/>
-              <a:t>At least 1 function defined and named</a:t>
-            </a:r>
-          </a:p>
-          <a:p>
-            <a:r>
-              <a:rPr lang="en-US"/>
-              <a:t>Packages made this way </a:t>
-            </a:r>
-            <a:r>
-              <a:rPr lang="en-US" b="1"/>
-              <a:t>cannot</a:t>
-            </a:r>
-            <a:r>
-              <a:rPr lang="en-US"/>
-              <a:t> be immediately installed.</a:t>
+              <a:t>This creates a folder titled "SomePackage"</a:t>
+            </a:r>
+          </a:p>
+          <a:p>
+            <a:r>
+              <a:rPr lang="en-US"/>
+              <a:t>Create an R package with a single function "f"</a:t>
+            </a:r>
+          </a:p>
+          <a:p>
+            <a:r>
+              <a:rPr lang="en-US"/>
+              <a:t>Titles the package "SomePackage"</a:t>
+            </a:r>
+          </a:p>
+          <a:p>
+            <a:r>
+              <a:rPr lang="en-US"/>
+              <a:t>This package will not be "installable" until the author edits the ".Rd" files (found in the "man/" directory)</a:t>
             </a:r>
           </a:p>
         </p:txBody>
@@ -6955,6 +6841,13 @@
   <p:clrMapOvr>
     <a:masterClrMapping/>
   </p:clrMapOvr>
+  <p:timing>
+    <p:tnLst>
+      <p:par>
+        <p:cTn id="1" dur="indefinite" restart="never" nodeType="tmRoot"/>
+      </p:par>
+    </p:tnLst>
+  </p:timing>
 </p:sld>
 </file>
 
@@ -6991,18 +6884,9 @@
           <a:lstStyle/>
           <a:p>
             <a:r>
-              <a:rPr lang="en-US" dirty="0" smtClean="0"/>
-              <a:t>Creating a </a:t>
-            </a:r>
-            <a:r>
-              <a:rPr lang="en-US" dirty="0" err="1" smtClean="0"/>
-              <a:t>Zelig</a:t>
-            </a:r>
-            <a:r>
-              <a:rPr lang="en-US" dirty="0" smtClean="0"/>
-              <a:t> Package</a:t>
-            </a:r>
-            <a:endParaRPr lang="en-US" dirty="0"/>
+              <a:rPr lang="en-US"/>
+              <a:t>Using "package.skeleton"</a:t>
+            </a:r>
           </a:p>
         </p:txBody>
       </p:sp>
@@ -7018,95 +6902,142 @@
         </p:nvSpPr>
         <p:spPr/>
         <p:txBody>
-          <a:bodyPr/>
-          <a:lstStyle/>
-          <a:p>
-            <a:pPr marL="0" indent="0">
+          <a:bodyPr>
+            <a:noAutofit/>
+          </a:bodyPr>
+          <a:lstStyle/>
+          <a:p>
+            <a:pPr>
               <a:buNone/>
             </a:pPr>
             <a:r>
-              <a:rPr lang="en-US" sz="3600" b="1" dirty="0" smtClean="0"/>
-              <a:t>Five things are needed:</a:t>
-            </a:r>
-          </a:p>
-          <a:p>
-            <a:pPr marL="514350" indent="-514350">
-              <a:buFont typeface="+mj-lt"/>
-              <a:buAutoNum type="arabicPeriod"/>
+              <a:rPr lang="en-US" sz="1800">
+                <a:latin typeface="Courier New"/>
+                <a:cs typeface="Courier New"/>
+              </a:rPr>
+              <a:t>&gt; f &lt;- function (...) 1</a:t>
+            </a:r>
+          </a:p>
+          <a:p>
+            <a:pPr>
+              <a:buNone/>
             </a:pPr>
             <a:r>
-              <a:rPr lang="en-US" dirty="0" smtClean="0"/>
-              <a:t>Package </a:t>
-            </a:r>
-            <a:r>
-              <a:rPr lang="en-US" dirty="0"/>
-              <a:t>Name, e.g. "</a:t>
-            </a:r>
-            <a:r>
-              <a:rPr lang="en-US" dirty="0" err="1"/>
-              <a:t>ZeligLeastSquares</a:t>
-            </a:r>
-            <a:r>
-              <a:rPr lang="en-US" dirty="0"/>
-              <a:t>"</a:t>
-            </a:r>
-          </a:p>
-          <a:p>
-            <a:pPr marL="514350" indent="-514350">
-              <a:buFont typeface="+mj-lt"/>
-              <a:buAutoNum type="arabicPeriod"/>
+              <a:rPr lang="en-US" sz="1800">
+                <a:latin typeface="Courier New"/>
+                <a:cs typeface="Courier New"/>
+              </a:rPr>
+              <a:t>&gt; package.skeleton("SomePackage", "f")</a:t>
+            </a:r>
+          </a:p>
+          <a:p>
+            <a:pPr>
+              <a:buNone/>
             </a:pPr>
             <a:r>
-              <a:rPr lang="en-US" dirty="0"/>
-              <a:t>Model Names, e.g. "</a:t>
-            </a:r>
-            <a:r>
-              <a:rPr lang="en-US" dirty="0" err="1"/>
-              <a:t>logit</a:t>
-            </a:r>
-            <a:r>
-              <a:rPr lang="en-US" dirty="0"/>
-              <a:t>" or "gamma"</a:t>
-            </a:r>
-          </a:p>
-          <a:p>
-            <a:pPr marL="514350" indent="-514350">
-              <a:buFont typeface="+mj-lt"/>
-              <a:buAutoNum type="arabicPeriod"/>
+              <a:rPr lang="en-US" sz="1800" b="1">
+                <a:latin typeface="Courier New"/>
+                <a:cs typeface="Courier New"/>
+              </a:rPr>
+              <a:t>Creating directories ...</a:t>
+            </a:r>
+          </a:p>
+          <a:p>
+            <a:pPr>
+              <a:buNone/>
             </a:pPr>
             <a:r>
-              <a:rPr lang="en-US" dirty="0"/>
-              <a:t>R-package dependencies, e.g. "lme4"</a:t>
-            </a:r>
-          </a:p>
-          <a:p>
-            <a:pPr marL="514350" indent="-514350">
-              <a:buFont typeface="+mj-lt"/>
-              <a:buAutoNum type="arabicPeriod"/>
+              <a:rPr lang="en-US" sz="1800" b="1">
+                <a:latin typeface="Courier New"/>
+                <a:cs typeface="Courier New"/>
+              </a:rPr>
+              <a:t>Creating DESCRIPTION ...</a:t>
+            </a:r>
+          </a:p>
+          <a:p>
+            <a:pPr>
+              <a:buNone/>
             </a:pPr>
             <a:r>
-              <a:rPr lang="en-US" dirty="0"/>
-              <a:t>Author Name</a:t>
-            </a:r>
-          </a:p>
-          <a:p>
-            <a:pPr marL="514350" indent="-514350">
-              <a:buFont typeface="+mj-lt"/>
-              <a:buAutoNum type="arabicPeriod"/>
+              <a:rPr lang="en-US" sz="1800" b="1">
+                <a:latin typeface="Courier New"/>
+                <a:cs typeface="Courier New"/>
+              </a:rPr>
+              <a:t>Creating Read-and-delete-me ...</a:t>
+            </a:r>
+          </a:p>
+          <a:p>
+            <a:pPr>
+              <a:buNone/>
             </a:pPr>
             <a:r>
-              <a:rPr lang="en-US" dirty="0"/>
-              <a:t>Author Email (for use with CRAN)</a:t>
-            </a:r>
+              <a:rPr lang="en-US" sz="1800" b="1">
+                <a:latin typeface="Courier New"/>
+                <a:cs typeface="Courier New"/>
+              </a:rPr>
+              <a:t>Saving functions and data ...</a:t>
+            </a:r>
+          </a:p>
+          <a:p>
+            <a:pPr>
+              <a:buNone/>
+            </a:pPr>
+            <a:r>
+              <a:rPr lang="en-US" sz="1800" b="1">
+                <a:latin typeface="Courier New"/>
+                <a:cs typeface="Courier New"/>
+              </a:rPr>
+              <a:t>Making help files ...</a:t>
+            </a:r>
+          </a:p>
+          <a:p>
+            <a:pPr>
+              <a:buNone/>
+            </a:pPr>
+            <a:r>
+              <a:rPr lang="en-US" sz="1800" b="1">
+                <a:latin typeface="Courier New"/>
+                <a:cs typeface="Courier New"/>
+              </a:rPr>
+              <a:t>Done.</a:t>
+            </a:r>
+          </a:p>
+          <a:p>
+            <a:pPr>
+              <a:buNone/>
+            </a:pPr>
+            <a:r>
+              <a:rPr lang="en-US" sz="1800" b="1">
+                <a:latin typeface="Courier New"/>
+                <a:cs typeface="Courier New"/>
+              </a:rPr>
+              <a:t>Further steps are described in './SomePackage/Read-and-delete-me'.</a:t>
+            </a:r>
+          </a:p>
+          <a:p>
+            <a:pPr>
+              <a:buNone/>
+            </a:pPr>
+            <a:r>
+              <a:rPr lang="en-US" sz="1800">
+                <a:latin typeface="Courier New"/>
+                <a:cs typeface="Courier New"/>
+              </a:rPr>
+              <a:t>&gt; </a:t>
+            </a:r>
+          </a:p>
+          <a:p>
+            <a:pPr>
+              <a:buNone/>
+            </a:pPr>
+            <a:endParaRPr lang="en-US" sz="1800">
+              <a:latin typeface="Courier New"/>
+              <a:cs typeface="Courier New"/>
+            </a:endParaRPr>
           </a:p>
         </p:txBody>
       </p:sp>
     </p:spTree>
-    <p:extLst>
-      <p:ext uri="{BB962C8B-B14F-4D97-AF65-F5344CB8AC3E}">
-        <p14:creationId xmlns="" xmlns:a="http://schemas.openxmlformats.org/drawingml/2006/main" xmlns:r="http://schemas.openxmlformats.org/officeDocument/2006/relationships" xmlns:p="http://schemas.openxmlformats.org/presentationml/2006/main" xmlns:p14="http://schemas.microsoft.com/office/powerpoint/2010/main" xmlns:mv="urn:schemas-microsoft-com:mac:vml" xmlns:mc="http://schemas.openxmlformats.org/markup-compatibility/2006" val="973143670"/>
-      </p:ext>
-    </p:extLst>
   </p:cSld>
   <p:clrMapOvr>
     <a:masterClrMapping/>
@@ -7140,6 +7071,261 @@
       </p:grpSpPr>
       <p:sp>
         <p:nvSpPr>
+          <p:cNvPr id="2" name="Title 1"/>
+          <p:cNvSpPr>
+            <a:spLocks noGrp="1"/>
+          </p:cNvSpPr>
+          <p:nvPr>
+            <p:ph type="title"/>
+          </p:nvPr>
+        </p:nvSpPr>
+        <p:spPr/>
+        <p:txBody>
+          <a:bodyPr>
+            <a:normAutofit/>
+          </a:bodyPr>
+          <a:lstStyle/>
+          <a:p>
+            <a:r>
+              <a:rPr lang="en-US"/>
+              <a:t>Using "package.skeleton"</a:t>
+            </a:r>
+          </a:p>
+        </p:txBody>
+      </p:sp>
+      <p:sp>
+        <p:nvSpPr>
+          <p:cNvPr id="3" name="Content Placeholder 2"/>
+          <p:cNvSpPr>
+            <a:spLocks noGrp="1"/>
+          </p:cNvSpPr>
+          <p:nvPr>
+            <p:ph idx="1"/>
+          </p:nvPr>
+        </p:nvSpPr>
+        <p:spPr/>
+        <p:txBody>
+          <a:bodyPr/>
+          <a:lstStyle/>
+          <a:p>
+            <a:r>
+              <a:rPr lang="en-US"/>
+              <a:t>Slightly more cumbersom than "zelig.skeleton"</a:t>
+            </a:r>
+          </a:p>
+          <a:p>
+            <a:r>
+              <a:rPr lang="en-US"/>
+              <a:t>Requires that users have:</a:t>
+            </a:r>
+          </a:p>
+          <a:p>
+            <a:pPr lvl="1"/>
+            <a:r>
+              <a:rPr lang="en-US"/>
+              <a:t>A name for their package</a:t>
+            </a:r>
+          </a:p>
+          <a:p>
+            <a:pPr lvl="1"/>
+            <a:r>
+              <a:rPr lang="en-US"/>
+              <a:t>At least 1 function defined and named</a:t>
+            </a:r>
+          </a:p>
+          <a:p>
+            <a:r>
+              <a:rPr lang="en-US"/>
+              <a:t>Packages made this way </a:t>
+            </a:r>
+            <a:r>
+              <a:rPr lang="en-US" b="1"/>
+              <a:t>cannot</a:t>
+            </a:r>
+            <a:r>
+              <a:rPr lang="en-US"/>
+              <a:t> be immediately installed.</a:t>
+            </a:r>
+          </a:p>
+        </p:txBody>
+      </p:sp>
+    </p:spTree>
+  </p:cSld>
+  <p:clrMapOvr>
+    <a:masterClrMapping/>
+  </p:clrMapOvr>
+  <p:timing>
+    <p:tnLst>
+      <p:par>
+        <p:cTn id="1" dur="indefinite" restart="never" nodeType="tmRoot"/>
+      </p:par>
+    </p:tnLst>
+  </p:timing>
+</p:sld>
+</file>
+
+<file path=ppt/slides/slide24.xml><?xml version="1.0" encoding="utf-8"?>
+<p:sld xmlns:a="http://schemas.openxmlformats.org/drawingml/2006/main" xmlns:r="http://schemas.openxmlformats.org/officeDocument/2006/relationships" xmlns:mc="http://schemas.openxmlformats.org/markup-compatibility/2006" xmlns:mv="urn:schemas-microsoft-com:mac:vml" xmlns:p="http://schemas.openxmlformats.org/presentationml/2006/main" mc:Ignorable="mv" mc:PreserveAttributes="mv:*">
+  <p:cSld>
+    <p:spTree>
+      <p:nvGrpSpPr>
+        <p:cNvPr id="1" name=""/>
+        <p:cNvGrpSpPr/>
+        <p:nvPr/>
+      </p:nvGrpSpPr>
+      <p:grpSpPr>
+        <a:xfrm>
+          <a:off x="0" y="0"/>
+          <a:ext cx="0" cy="0"/>
+          <a:chOff x="0" y="0"/>
+          <a:chExt cx="0" cy="0"/>
+        </a:xfrm>
+      </p:grpSpPr>
+      <p:sp>
+        <p:nvSpPr>
+          <p:cNvPr id="2" name="Title 1"/>
+          <p:cNvSpPr>
+            <a:spLocks noGrp="1"/>
+          </p:cNvSpPr>
+          <p:nvPr>
+            <p:ph type="title"/>
+          </p:nvPr>
+        </p:nvSpPr>
+        <p:spPr/>
+        <p:txBody>
+          <a:bodyPr/>
+          <a:lstStyle/>
+          <a:p>
+            <a:r>
+              <a:rPr lang="en-US" dirty="0" smtClean="0"/>
+              <a:t>Creating a </a:t>
+            </a:r>
+            <a:r>
+              <a:rPr lang="en-US" dirty="0" err="1" smtClean="0"/>
+              <a:t>Zelig</a:t>
+            </a:r>
+            <a:r>
+              <a:rPr lang="en-US" dirty="0" smtClean="0"/>
+              <a:t> Package</a:t>
+            </a:r>
+            <a:endParaRPr lang="en-US" dirty="0"/>
+          </a:p>
+        </p:txBody>
+      </p:sp>
+      <p:sp>
+        <p:nvSpPr>
+          <p:cNvPr id="3" name="Content Placeholder 2"/>
+          <p:cNvSpPr>
+            <a:spLocks noGrp="1"/>
+          </p:cNvSpPr>
+          <p:nvPr>
+            <p:ph idx="1"/>
+          </p:nvPr>
+        </p:nvSpPr>
+        <p:spPr/>
+        <p:txBody>
+          <a:bodyPr/>
+          <a:lstStyle/>
+          <a:p>
+            <a:pPr marL="0" indent="0">
+              <a:buNone/>
+            </a:pPr>
+            <a:r>
+              <a:rPr lang="en-US" sz="3600" b="1" dirty="0" smtClean="0"/>
+              <a:t>Three things are needed:</a:t>
+            </a:r>
+          </a:p>
+          <a:p>
+            <a:pPr marL="514350" indent="-514350">
+              <a:buFont typeface="+mj-lt"/>
+              <a:buAutoNum type="arabicPeriod"/>
+            </a:pPr>
+            <a:r>
+              <a:rPr lang="en-US" dirty="0" smtClean="0"/>
+              <a:t>Package </a:t>
+            </a:r>
+            <a:r>
+              <a:rPr lang="en-US" dirty="0"/>
+              <a:t>Name, e.g. "</a:t>
+            </a:r>
+            <a:r>
+              <a:rPr lang="en-US" dirty="0" err="1"/>
+              <a:t>ZeligLeastSquares</a:t>
+            </a:r>
+            <a:r>
+              <a:rPr lang="en-US" dirty="0"/>
+              <a:t>"</a:t>
+            </a:r>
+          </a:p>
+          <a:p>
+            <a:pPr marL="514350" indent="-514350">
+              <a:buFont typeface="+mj-lt"/>
+              <a:buAutoNum type="arabicPeriod"/>
+            </a:pPr>
+            <a:r>
+              <a:rPr lang="en-US" dirty="0"/>
+              <a:t>Model Names, e.g. "</a:t>
+            </a:r>
+            <a:r>
+              <a:rPr lang="en-US" dirty="0" err="1"/>
+              <a:t>logit</a:t>
+            </a:r>
+            <a:r>
+              <a:rPr lang="en-US" dirty="0"/>
+              <a:t>" or "gamma"</a:t>
+            </a:r>
+          </a:p>
+          <a:p>
+            <a:pPr marL="514350" indent="-514350">
+              <a:buFont typeface="+mj-lt"/>
+              <a:buAutoNum type="arabicPeriod"/>
+            </a:pPr>
+            <a:r>
+              <a:rPr lang="en-US" dirty="0"/>
+              <a:t>R-package dependencies, e.g. "lme4"</a:t>
+            </a:r>
+          </a:p>
+        </p:txBody>
+      </p:sp>
+    </p:spTree>
+    <p:extLst>
+      <p:ext uri="{BB962C8B-B14F-4D97-AF65-F5344CB8AC3E}">
+        <p14:creationId xmlns="" xmlns:a="http://schemas.openxmlformats.org/drawingml/2006/main" xmlns:r="http://schemas.openxmlformats.org/officeDocument/2006/relationships" xmlns:p="http://schemas.openxmlformats.org/presentationml/2006/main" xmlns:p14="http://schemas.microsoft.com/office/powerpoint/2010/main" xmlns:mv="urn:schemas-microsoft-com:mac:vml" xmlns:mc="http://schemas.openxmlformats.org/markup-compatibility/2006" val="973143670"/>
+      </p:ext>
+    </p:extLst>
+  </p:cSld>
+  <p:clrMapOvr>
+    <a:masterClrMapping/>
+  </p:clrMapOvr>
+  <p:timing>
+    <p:tnLst>
+      <p:par>
+        <p:cTn id="1" dur="indefinite" restart="never" nodeType="tmRoot"/>
+      </p:par>
+    </p:tnLst>
+  </p:timing>
+</p:sld>
+</file>
+
+<file path=ppt/slides/slide25.xml><?xml version="1.0" encoding="utf-8"?>
+<p:sld xmlns:a="http://schemas.openxmlformats.org/drawingml/2006/main" xmlns:r="http://schemas.openxmlformats.org/officeDocument/2006/relationships" xmlns:mc="http://schemas.openxmlformats.org/markup-compatibility/2006" xmlns:mv="urn:schemas-microsoft-com:mac:vml" xmlns:p="http://schemas.openxmlformats.org/presentationml/2006/main" mc:Ignorable="mv" mc:PreserveAttributes="mv:*">
+  <p:cSld>
+    <p:spTree>
+      <p:nvGrpSpPr>
+        <p:cNvPr id="1" name=""/>
+        <p:cNvGrpSpPr/>
+        <p:nvPr/>
+      </p:nvGrpSpPr>
+      <p:grpSpPr>
+        <a:xfrm>
+          <a:off x="0" y="0"/>
+          <a:ext cx="0" cy="0"/>
+          <a:chOff x="0" y="0"/>
+          <a:chExt cx="0" cy="0"/>
+        </a:xfrm>
+      </p:grpSpPr>
+      <p:sp>
+        <p:nvSpPr>
           <p:cNvPr id="9" name="Title 8"/>
           <p:cNvSpPr>
             <a:spLocks noGrp="1"/>
@@ -7248,7 +7434,7 @@
 </p:sld>
 </file>
 
-<file path=ppt/slides/slide24.xml><?xml version="1.0" encoding="utf-8"?>
+<file path=ppt/slides/slide26.xml><?xml version="1.0" encoding="utf-8"?>
 <p:sld xmlns:a="http://schemas.openxmlformats.org/drawingml/2006/main" xmlns:r="http://schemas.openxmlformats.org/officeDocument/2006/relationships" xmlns:mc="http://schemas.openxmlformats.org/markup-compatibility/2006" xmlns:mv="urn:schemas-microsoft-com:mac:vml" xmlns:p="http://schemas.openxmlformats.org/presentationml/2006/main" mc:Ignorable="mv" mc:PreserveAttributes="mv:*">
   <p:cSld>
     <p:spTree>
@@ -7752,173 +7938,6 @@
 </p:sld>
 </file>
 
-<file path=ppt/slides/slide25.xml><?xml version="1.0" encoding="utf-8"?>
-<p:sld xmlns:a="http://schemas.openxmlformats.org/drawingml/2006/main" xmlns:r="http://schemas.openxmlformats.org/officeDocument/2006/relationships" xmlns:mc="http://schemas.openxmlformats.org/markup-compatibility/2006" xmlns:mv="urn:schemas-microsoft-com:mac:vml" xmlns:p="http://schemas.openxmlformats.org/presentationml/2006/main" mc:Ignorable="mv" mc:PreserveAttributes="mv:*">
-  <p:cSld>
-    <p:spTree>
-      <p:nvGrpSpPr>
-        <p:cNvPr id="1" name=""/>
-        <p:cNvGrpSpPr/>
-        <p:nvPr/>
-      </p:nvGrpSpPr>
-      <p:grpSpPr>
-        <a:xfrm>
-          <a:off x="0" y="0"/>
-          <a:ext cx="0" cy="0"/>
-          <a:chOff x="0" y="0"/>
-          <a:chExt cx="0" cy="0"/>
-        </a:xfrm>
-      </p:grpSpPr>
-      <p:sp>
-        <p:nvSpPr>
-          <p:cNvPr id="4" name="Title 3"/>
-          <p:cNvSpPr>
-            <a:spLocks noGrp="1"/>
-          </p:cNvSpPr>
-          <p:nvPr>
-            <p:ph type="ctrTitle"/>
-          </p:nvPr>
-        </p:nvSpPr>
-        <p:spPr/>
-        <p:txBody>
-          <a:bodyPr/>
-          <a:lstStyle/>
-          <a:p>
-            <a:r>
-              <a:rPr lang="en-US" dirty="0" smtClean="0"/>
-              <a:t>Model Fitting Functions</a:t>
-            </a:r>
-            <a:endParaRPr lang="en-US" dirty="0"/>
-          </a:p>
-        </p:txBody>
-      </p:sp>
-      <p:sp>
-        <p:nvSpPr>
-          <p:cNvPr id="5" name="Subtitle 4"/>
-          <p:cNvSpPr>
-            <a:spLocks noGrp="1"/>
-          </p:cNvSpPr>
-          <p:nvPr>
-            <p:ph type="subTitle" idx="1"/>
-          </p:nvPr>
-        </p:nvSpPr>
-        <p:spPr/>
-        <p:txBody>
-          <a:bodyPr/>
-          <a:lstStyle/>
-          <a:p>
-            <a:endParaRPr lang="en-US"/>
-          </a:p>
-        </p:txBody>
-      </p:sp>
-    </p:spTree>
-    <p:extLst>
-      <p:ext uri="{BB962C8B-B14F-4D97-AF65-F5344CB8AC3E}">
-        <p14:creationId xmlns="" xmlns:a="http://schemas.openxmlformats.org/drawingml/2006/main" xmlns:r="http://schemas.openxmlformats.org/officeDocument/2006/relationships" xmlns:p="http://schemas.openxmlformats.org/presentationml/2006/main" xmlns:p14="http://schemas.microsoft.com/office/powerpoint/2010/main" xmlns:mv="urn:schemas-microsoft-com:mac:vml" xmlns:mc="http://schemas.openxmlformats.org/markup-compatibility/2006" val="942656541"/>
-      </p:ext>
-    </p:extLst>
-  </p:cSld>
-  <p:clrMapOvr>
-    <a:masterClrMapping/>
-  </p:clrMapOvr>
-  <p:timing>
-    <p:tnLst>
-      <p:par>
-        <p:cTn id="1" dur="indefinite" restart="never" nodeType="tmRoot"/>
-      </p:par>
-    </p:tnLst>
-  </p:timing>
-</p:sld>
-</file>
-
-<file path=ppt/slides/slide26.xml><?xml version="1.0" encoding="utf-8"?>
-<p:sld xmlns:a="http://schemas.openxmlformats.org/drawingml/2006/main" xmlns:r="http://schemas.openxmlformats.org/officeDocument/2006/relationships" xmlns:mc="http://schemas.openxmlformats.org/markup-compatibility/2006" xmlns:mv="urn:schemas-microsoft-com:mac:vml" xmlns:p="http://schemas.openxmlformats.org/presentationml/2006/main" mc:Ignorable="mv" mc:PreserveAttributes="mv:*">
-  <p:cSld>
-    <p:spTree>
-      <p:nvGrpSpPr>
-        <p:cNvPr id="1" name=""/>
-        <p:cNvGrpSpPr/>
-        <p:nvPr/>
-      </p:nvGrpSpPr>
-      <p:grpSpPr>
-        <a:xfrm>
-          <a:off x="0" y="0"/>
-          <a:ext cx="0" cy="0"/>
-          <a:chOff x="0" y="0"/>
-          <a:chExt cx="0" cy="0"/>
-        </a:xfrm>
-      </p:grpSpPr>
-      <p:sp>
-        <p:nvSpPr>
-          <p:cNvPr id="2" name="Title 1"/>
-          <p:cNvSpPr>
-            <a:spLocks noGrp="1"/>
-          </p:cNvSpPr>
-          <p:nvPr>
-            <p:ph type="title"/>
-          </p:nvPr>
-        </p:nvSpPr>
-        <p:spPr/>
-        <p:txBody>
-          <a:bodyPr/>
-          <a:lstStyle/>
-          <a:p>
-            <a:r>
-              <a:rPr lang="en-US"/>
-              <a:t>Outline for Model Fitting Functions</a:t>
-            </a:r>
-          </a:p>
-        </p:txBody>
-      </p:sp>
-      <p:sp>
-        <p:nvSpPr>
-          <p:cNvPr id="3" name="Content Placeholder 2"/>
-          <p:cNvSpPr>
-            <a:spLocks noGrp="1"/>
-          </p:cNvSpPr>
-          <p:nvPr>
-            <p:ph idx="1"/>
-          </p:nvPr>
-        </p:nvSpPr>
-        <p:spPr/>
-        <p:txBody>
-          <a:bodyPr/>
-          <a:lstStyle/>
-          <a:p>
-            <a:r>
-              <a:rPr lang="en-US"/>
-              <a:t>What is linear regression?</a:t>
-            </a:r>
-          </a:p>
-          <a:p>
-            <a:r>
-              <a:rPr lang="en-US"/>
-              <a:t>Generalized Linear Models (GLM)</a:t>
-            </a:r>
-          </a:p>
-          <a:p>
-            <a:r>
-              <a:rPr lang="en-US"/>
-              <a:t>Example</a:t>
-            </a:r>
-          </a:p>
-        </p:txBody>
-      </p:sp>
-    </p:spTree>
-  </p:cSld>
-  <p:clrMapOvr>
-    <a:masterClrMapping/>
-  </p:clrMapOvr>
-  <p:timing>
-    <p:tnLst>
-      <p:par>
-        <p:cTn id="1" dur="indefinite" restart="never" nodeType="tmRoot"/>
-      </p:par>
-    </p:tnLst>
-  </p:timing>
-</p:sld>
-</file>
-
 <file path=ppt/slides/slide27.xml><?xml version="1.0" encoding="utf-8"?>
 <p:sld xmlns:a="http://schemas.openxmlformats.org/drawingml/2006/main" xmlns:r="http://schemas.openxmlformats.org/officeDocument/2006/relationships" xmlns:mc="http://schemas.openxmlformats.org/markup-compatibility/2006" xmlns:mv="urn:schemas-microsoft-com:mac:vml" xmlns:p="http://schemas.openxmlformats.org/presentationml/2006/main" mc:Ignorable="mv" mc:PreserveAttributes="mv:*">
   <p:cSld>
@@ -7938,12 +7957,12 @@
       </p:grpSpPr>
       <p:sp>
         <p:nvSpPr>
-          <p:cNvPr id="2" name="Title 1"/>
-          <p:cNvSpPr>
-            <a:spLocks noGrp="1"/>
-          </p:cNvSpPr>
-          <p:nvPr>
-            <p:ph type="title"/>
+          <p:cNvPr id="4" name="Title 3"/>
+          <p:cNvSpPr>
+            <a:spLocks noGrp="1"/>
+          </p:cNvSpPr>
+          <p:nvPr>
+            <p:ph type="ctrTitle"/>
           </p:nvPr>
         </p:nvSpPr>
         <p:spPr/>
@@ -7952,94 +7971,36 @@
           <a:lstStyle/>
           <a:p>
             <a:r>
-              <a:rPr lang="en-US"/>
-              <a:t>What is linear regression?</a:t>
-            </a:r>
-          </a:p>
-        </p:txBody>
-      </p:sp>
-      <p:sp>
-        <p:nvSpPr>
-          <p:cNvPr id="3" name="Content Placeholder 2"/>
-          <p:cNvSpPr>
-            <a:spLocks noGrp="1"/>
-          </p:cNvSpPr>
-          <p:nvPr>
-            <p:ph idx="1"/>
+              <a:rPr lang="en-US" dirty="0" smtClean="0"/>
+              <a:t>Model Fitting Functions</a:t>
+            </a:r>
+            <a:endParaRPr lang="en-US" dirty="0"/>
+          </a:p>
+        </p:txBody>
+      </p:sp>
+      <p:sp>
+        <p:nvSpPr>
+          <p:cNvPr id="5" name="Subtitle 4"/>
+          <p:cNvSpPr>
+            <a:spLocks noGrp="1"/>
+          </p:cNvSpPr>
+          <p:nvPr>
+            <p:ph type="subTitle" idx="1"/>
           </p:nvPr>
         </p:nvSpPr>
         <p:spPr/>
         <p:txBody>
-          <a:bodyPr>
-            <a:normAutofit lnSpcReduction="10000"/>
-          </a:bodyPr>
-          <a:lstStyle/>
-          <a:p>
-            <a:r>
-              <a:rPr lang="en-US"/>
-              <a:t>A method for </a:t>
-            </a:r>
-            <a:r>
-              <a:rPr lang="en-US" b="1"/>
-              <a:t>explaining</a:t>
-            </a:r>
-            <a:r>
-              <a:rPr lang="en-US"/>
-              <a:t> and </a:t>
-            </a:r>
-            <a:r>
-              <a:rPr lang="en-US" b="1"/>
-              <a:t>predicting</a:t>
-            </a:r>
-            <a:r>
-              <a:rPr lang="en-US"/>
-              <a:t> observations using data</a:t>
-            </a:r>
-          </a:p>
-          <a:p>
-            <a:r>
-              <a:rPr lang="en-US"/>
-              <a:t>A method for determining </a:t>
-            </a:r>
-            <a:r>
-              <a:rPr lang="en-US" b="1"/>
-              <a:t>unknown parameters</a:t>
-            </a:r>
-            <a:r>
-              <a:rPr lang="en-US"/>
-              <a:t> derived from a data set</a:t>
-            </a:r>
-          </a:p>
-          <a:p>
-            <a:pPr lvl="1"/>
-            <a:r>
-              <a:rPr lang="en-US"/>
-              <a:t>How dependent is my response variable on a particular parameter?</a:t>
-            </a:r>
-          </a:p>
-          <a:p>
-            <a:r>
-              <a:rPr lang="en-US"/>
-              <a:t>Specifically, a method for determining </a:t>
-            </a:r>
-            <a:r>
-              <a:rPr lang="en-US" b="1"/>
-              <a:t>conditional expected values</a:t>
-            </a:r>
-          </a:p>
-          <a:p>
-            <a:pPr lvl="1"/>
-            <a:r>
-              <a:rPr lang="en-US"/>
-              <a:t>"Given x and y, the expected value is…"</a:t>
-            </a:r>
+          <a:bodyPr/>
+          <a:lstStyle/>
+          <a:p>
+            <a:endParaRPr lang="en-US"/>
           </a:p>
         </p:txBody>
       </p:sp>
     </p:spTree>
     <p:extLst>
       <p:ext uri="{BB962C8B-B14F-4D97-AF65-F5344CB8AC3E}">
-        <p14:creationId xmlns="" xmlns:a="http://schemas.openxmlformats.org/drawingml/2006/main" xmlns:r="http://schemas.openxmlformats.org/officeDocument/2006/relationships" xmlns:p="http://schemas.openxmlformats.org/presentationml/2006/main" xmlns:p14="http://schemas.microsoft.com/office/powerpoint/2010/main" xmlns:mv="urn:schemas-microsoft-com:mac:vml" xmlns:mc="http://schemas.openxmlformats.org/markup-compatibility/2006" val="1702243699"/>
+        <p14:creationId xmlns="" xmlns:a="http://schemas.openxmlformats.org/drawingml/2006/main" xmlns:r="http://schemas.openxmlformats.org/officeDocument/2006/relationships" xmlns:p="http://schemas.openxmlformats.org/presentationml/2006/main" xmlns:p14="http://schemas.microsoft.com/office/powerpoint/2010/main" xmlns:mv="urn:schemas-microsoft-com:mac:vml" xmlns:mc="http://schemas.openxmlformats.org/markup-compatibility/2006" val="942656541"/>
       </p:ext>
     </p:extLst>
   </p:cSld>
@@ -8090,102 +8051,46 @@
           <a:p>
             <a:r>
               <a:rPr lang="en-US"/>
+              <a:t>Outline for Model Fitting Functions</a:t>
+            </a:r>
+          </a:p>
+        </p:txBody>
+      </p:sp>
+      <p:sp>
+        <p:nvSpPr>
+          <p:cNvPr id="3" name="Content Placeholder 2"/>
+          <p:cNvSpPr>
+            <a:spLocks noGrp="1"/>
+          </p:cNvSpPr>
+          <p:nvPr>
+            <p:ph idx="1"/>
+          </p:nvPr>
+        </p:nvSpPr>
+        <p:spPr/>
+        <p:txBody>
+          <a:bodyPr/>
+          <a:lstStyle/>
+          <a:p>
+            <a:r>
+              <a:rPr lang="en-US"/>
               <a:t>What is linear regression?</a:t>
             </a:r>
           </a:p>
-        </p:txBody>
-      </p:sp>
-      <p:sp>
-        <p:nvSpPr>
-          <p:cNvPr id="3" name="Content Placeholder 2"/>
-          <p:cNvSpPr>
-            <a:spLocks noGrp="1"/>
-          </p:cNvSpPr>
-          <p:nvPr>
-            <p:ph idx="1"/>
-          </p:nvPr>
-        </p:nvSpPr>
-        <p:spPr/>
-        <p:txBody>
-          <a:bodyPr/>
-          <a:lstStyle/>
-          <a:p>
-            <a:pPr>
-              <a:buNone/>
-            </a:pPr>
-            <a:r>
-              <a:rPr lang="en-US"/>
-              <a:t>There are three necessary components to any generalized linear model:</a:t>
-            </a:r>
-          </a:p>
-          <a:p>
-            <a:r>
-              <a:rPr lang="en-US"/>
-              <a:t>A formula specifying </a:t>
-            </a:r>
-            <a:r>
-              <a:rPr lang="en-US" b="1"/>
-              <a:t>predictor</a:t>
-            </a:r>
-            <a:r>
-              <a:rPr lang="en-US"/>
-              <a:t> and </a:t>
-            </a:r>
-            <a:r>
-              <a:rPr lang="en-US" b="1"/>
-              <a:t>response</a:t>
-            </a:r>
-            <a:r>
-              <a:rPr lang="en-US"/>
-              <a:t> variables: </a:t>
-            </a:r>
-            <a:r>
-              <a:rPr lang="en-US" i="1">
-                <a:latin typeface="Courier New"/>
-                <a:cs typeface="Courier New"/>
-              </a:rPr>
-              <a:t>y ~ x1 + x2 + x3</a:t>
-            </a:r>
-            <a:endParaRPr lang="en-US" b="1" i="1">
-              <a:latin typeface="Courier New"/>
-              <a:cs typeface="Courier New"/>
-            </a:endParaRPr>
-          </a:p>
-          <a:p>
-            <a:r>
-              <a:rPr lang="en-US"/>
-              <a:t>A model – </a:t>
-            </a:r>
-            <a:r>
-              <a:rPr lang="en-US" i="1"/>
-              <a:t>logit, probit, gamma, normal</a:t>
-            </a:r>
-          </a:p>
-          <a:p>
-            <a:r>
-              <a:rPr lang="en-US"/>
-              <a:t>Data – </a:t>
-            </a:r>
-            <a:r>
-              <a:rPr lang="en-US" i="1"/>
-              <a:t>a data-set stored as a </a:t>
-            </a:r>
-            <a:r>
-              <a:rPr lang="en-US" b="1" i="1"/>
-              <a:t>data.frame</a:t>
-            </a:r>
-          </a:p>
-          <a:p>
-            <a:endParaRPr lang="en-US"/>
+          <a:p>
+            <a:r>
+              <a:rPr lang="en-US"/>
+              <a:t>Generalized Linear Models (GLM)</a:t>
+            </a:r>
+          </a:p>
+          <a:p>
+            <a:r>
+              <a:rPr lang="en-US"/>
+              <a:t>Example</a:t>
+            </a:r>
           </a:p>
         </p:txBody>
       </p:sp>
     </p:spTree>
-    <p:extLst>
-      <p:ext uri="{BB962C8B-B14F-4D97-AF65-F5344CB8AC3E}">
-        <p14:creationId xmlns="" xmlns:a="http://schemas.openxmlformats.org/drawingml/2006/main" xmlns:r="http://schemas.openxmlformats.org/officeDocument/2006/relationships" xmlns:p="http://schemas.openxmlformats.org/presentationml/2006/main" xmlns:p14="http://schemas.microsoft.com/office/powerpoint/2010/main" xmlns:mv="urn:schemas-microsoft-com:mac:vml" xmlns:mc="http://schemas.openxmlformats.org/markup-compatibility/2006" val="3143245456"/>
-      </p:ext>
-    </p:extLst>
   </p:cSld>
   <p:clrMapOvr>
     <a:masterClrMapping/>
@@ -8234,7 +8139,7 @@
           <a:p>
             <a:r>
               <a:rPr lang="en-US"/>
-              <a:t>Basics</a:t>
+              <a:t>What is linear regression?</a:t>
             </a:r>
           </a:p>
         </p:txBody>
@@ -8251,69 +8156,68 @@
         </p:nvSpPr>
         <p:spPr/>
         <p:txBody>
-          <a:bodyPr/>
-          <a:lstStyle/>
-          <a:p>
-            <a:r>
-              <a:rPr lang="en-US"/>
-              <a:t>The "lm" model finds the function that best </a:t>
+          <a:bodyPr>
+            <a:normAutofit lnSpcReduction="10000"/>
+          </a:bodyPr>
+          <a:lstStyle/>
+          <a:p>
+            <a:r>
+              <a:rPr lang="en-US"/>
+              <a:t>A method for </a:t>
             </a:r>
             <a:r>
               <a:rPr lang="en-US" b="1"/>
-              <a:t>approximates </a:t>
-            </a:r>
-            <a:r>
-              <a:rPr lang="en-US"/>
-              <a:t>the observed data </a:t>
-            </a:r>
-            <a:r>
-              <a:rPr lang="en-US" b="1" u="sng"/>
-              <a:t>with a line</a:t>
-            </a:r>
-            <a:endParaRPr lang="en-US"/>
-          </a:p>
-          <a:p>
-            <a:r>
-              <a:rPr lang="en-US"/>
-              <a:t>Other regression models approximate observe data with a </a:t>
+              <a:t>explaining</a:t>
+            </a:r>
+            <a:r>
+              <a:rPr lang="en-US"/>
+              <a:t> and </a:t>
             </a:r>
             <a:r>
               <a:rPr lang="en-US" b="1"/>
-              <a:t>nonlinear function</a:t>
-            </a:r>
-            <a:r>
-              <a:rPr lang="en-US"/>
-              <a:t> that takes a line as its parameter</a:t>
+              <a:t>predicting</a:t>
+            </a:r>
+            <a:r>
+              <a:rPr lang="en-US"/>
+              <a:t> observations using data</a:t>
+            </a:r>
+          </a:p>
+          <a:p>
+            <a:r>
+              <a:rPr lang="en-US"/>
+              <a:t>A method for determining </a:t>
+            </a:r>
+            <a:r>
+              <a:rPr lang="en-US" b="1"/>
+              <a:t>unknown parameters</a:t>
+            </a:r>
+            <a:r>
+              <a:rPr lang="en-US"/>
+              <a:t> derived from a data set</a:t>
             </a:r>
           </a:p>
           <a:p>
             <a:pPr lvl="1"/>
             <a:r>
               <a:rPr lang="en-US"/>
-              <a:t>f(y) = X B</a:t>
+              <a:t>How dependent is my response variable on a particular parameter?</a:t>
+            </a:r>
+          </a:p>
+          <a:p>
+            <a:r>
+              <a:rPr lang="en-US"/>
+              <a:t>Specifically, a method for determining </a:t>
+            </a:r>
+            <a:r>
+              <a:rPr lang="en-US" b="1"/>
+              <a:t>conditional expected values</a:t>
             </a:r>
           </a:p>
           <a:p>
             <a:pPr lvl="1"/>
             <a:r>
               <a:rPr lang="en-US"/>
-              <a:t>Where </a:t>
-            </a:r>
-            <a:r>
-              <a:rPr lang="en-US" b="1"/>
-              <a:t>X</a:t>
-            </a:r>
-            <a:r>
-              <a:rPr lang="en-US"/>
-              <a:t> is a matrix and </a:t>
-            </a:r>
-            <a:r>
-              <a:rPr lang="en-US" b="1"/>
-              <a:t>B</a:t>
-            </a:r>
-            <a:r>
-              <a:rPr lang="en-US"/>
-              <a:t> is a vector</a:t>
+              <a:t>"Given x and y, the expected value is…"</a:t>
             </a:r>
           </a:p>
         </p:txBody>
@@ -8321,7 +8225,7 @@
     </p:spTree>
     <p:extLst>
       <p:ext uri="{BB962C8B-B14F-4D97-AF65-F5344CB8AC3E}">
-        <p14:creationId xmlns="" xmlns:a="http://schemas.openxmlformats.org/drawingml/2006/main" xmlns:r="http://schemas.openxmlformats.org/officeDocument/2006/relationships" xmlns:p="http://schemas.openxmlformats.org/presentationml/2006/main" xmlns:p14="http://schemas.microsoft.com/office/powerpoint/2010/main" xmlns:mv="urn:schemas-microsoft-com:mac:vml" xmlns:mc="http://schemas.openxmlformats.org/markup-compatibility/2006" val="1265913865"/>
+        <p14:creationId xmlns="" xmlns:a="http://schemas.openxmlformats.org/drawingml/2006/main" xmlns:r="http://schemas.openxmlformats.org/officeDocument/2006/relationships" xmlns:p="http://schemas.openxmlformats.org/presentationml/2006/main" xmlns:p14="http://schemas.microsoft.com/office/powerpoint/2010/main" xmlns:mv="urn:schemas-microsoft-com:mac:vml" xmlns:mc="http://schemas.openxmlformats.org/markup-compatibility/2006" val="1702243699"/>
       </p:ext>
     </p:extLst>
   </p:cSld>
@@ -8451,7 +8355,7 @@
           <a:p>
             <a:r>
               <a:rPr lang="en-US"/>
-              <a:t>Generalized Linear Models</a:t>
+              <a:t>What is linear regression?</a:t>
             </a:r>
           </a:p>
         </p:txBody>
@@ -8471,23 +8375,80 @@
           <a:bodyPr/>
           <a:lstStyle/>
           <a:p>
-            <a:r>
-              <a:rPr lang="en-US"/>
-              <a:t>The "least squares" method is the foundation of fitting generalized linear models (GLM's)</a:t>
-            </a:r>
-          </a:p>
-          <a:p>
-            <a:r>
-              <a:rPr lang="en-US"/>
-              <a:t>And information on how significantly the response variables varies with the predictor variables</a:t>
-            </a:r>
+            <a:pPr>
+              <a:buNone/>
+            </a:pPr>
+            <a:r>
+              <a:rPr lang="en-US"/>
+              <a:t>There are three necessary components to any generalized linear model:</a:t>
+            </a:r>
+          </a:p>
+          <a:p>
+            <a:r>
+              <a:rPr lang="en-US"/>
+              <a:t>A formula specifying </a:t>
+            </a:r>
+            <a:r>
+              <a:rPr lang="en-US" b="1"/>
+              <a:t>predictor</a:t>
+            </a:r>
+            <a:r>
+              <a:rPr lang="en-US"/>
+              <a:t> and </a:t>
+            </a:r>
+            <a:r>
+              <a:rPr lang="en-US" b="1"/>
+              <a:t>response</a:t>
+            </a:r>
+            <a:r>
+              <a:rPr lang="en-US"/>
+              <a:t> variables: </a:t>
+            </a:r>
+            <a:r>
+              <a:rPr lang="en-US" i="1">
+                <a:latin typeface="Courier New"/>
+                <a:cs typeface="Courier New"/>
+              </a:rPr>
+              <a:t>y ~ x1 + x2 + x3</a:t>
+            </a:r>
+            <a:endParaRPr lang="en-US" b="1" i="1">
+              <a:latin typeface="Courier New"/>
+              <a:cs typeface="Courier New"/>
+            </a:endParaRPr>
+          </a:p>
+          <a:p>
+            <a:r>
+              <a:rPr lang="en-US"/>
+              <a:t>A model – </a:t>
+            </a:r>
+            <a:r>
+              <a:rPr lang="en-US" i="1"/>
+              <a:t>logit, probit, gamma, normal</a:t>
+            </a:r>
+          </a:p>
+          <a:p>
+            <a:r>
+              <a:rPr lang="en-US"/>
+              <a:t>Data – </a:t>
+            </a:r>
+            <a:r>
+              <a:rPr lang="en-US" i="1"/>
+              <a:t>a data-set stored as a </a:t>
+            </a:r>
+            <a:r>
+              <a:rPr lang="en-US" b="1" i="1"/>
+              <a:t>data.frame</a:t>
+            </a:r>
+          </a:p>
+          <a:p>
+            <a:endParaRPr lang="en-US"/>
           </a:p>
         </p:txBody>
       </p:sp>
     </p:spTree>
     <p:extLst>
       <p:ext uri="{BB962C8B-B14F-4D97-AF65-F5344CB8AC3E}">
-        <p14:creationId xmlns="" xmlns:a="http://schemas.openxmlformats.org/drawingml/2006/main" xmlns:r="http://schemas.openxmlformats.org/officeDocument/2006/relationships" xmlns:p="http://schemas.openxmlformats.org/presentationml/2006/main" xmlns:p14="http://schemas.microsoft.com/office/powerpoint/2010/main" xmlns:mv="urn:schemas-microsoft-com:mac:vml" xmlns:mc="http://schemas.openxmlformats.org/markup-compatibility/2006" val="3465388416"/>
+        <p14:creationId xmlns="" xmlns:a="http://schemas.openxmlformats.org/drawingml/2006/main" xmlns:r="http://schemas.openxmlformats.org/officeDocument/2006/relationships" xmlns:p="http://schemas.openxmlformats.org/presentationml/2006/main" xmlns:p14="http://schemas.microsoft.com/office/powerpoint/2010/main" xmlns:mv="urn:schemas-microsoft-com:mac:vml" xmlns:mc="http://schemas.openxmlformats.org/markup-compatibility/2006" val="3143245456"/>
       </p:ext>
     </p:extLst>
   </p:cSld>
@@ -8538,34 +8499,94 @@
           <a:p>
             <a:r>
               <a:rPr lang="en-US"/>
-              <a:t>Example: Data</a:t>
-            </a:r>
-          </a:p>
-        </p:txBody>
-      </p:sp>
-      <p:pic>
-        <p:nvPicPr>
-          <p:cNvPr id="6" name="Content Placeholder 5" descr="Linear_Data.png"/>
-          <p:cNvPicPr>
-            <a:picLocks noGrp="1" noChangeAspect="1"/>
-          </p:cNvPicPr>
+              <a:t>Basics</a:t>
+            </a:r>
+          </a:p>
+        </p:txBody>
+      </p:sp>
+      <p:sp>
+        <p:nvSpPr>
+          <p:cNvPr id="3" name="Content Placeholder 2"/>
+          <p:cNvSpPr>
+            <a:spLocks noGrp="1"/>
+          </p:cNvSpPr>
           <p:nvPr>
             <p:ph idx="1"/>
           </p:nvPr>
-        </p:nvPicPr>
-        <p:blipFill>
-          <a:blip r:embed="rId2"/>
-          <a:srcRect l="-40915" r="-40915"/>
-          <a:stretch>
-            <a:fillRect/>
-          </a:stretch>
-        </p:blipFill>
+        </p:nvSpPr>
         <p:spPr/>
-      </p:pic>
+        <p:txBody>
+          <a:bodyPr/>
+          <a:lstStyle/>
+          <a:p>
+            <a:r>
+              <a:rPr lang="en-US"/>
+              <a:t>The "lm" model finds the function that best </a:t>
+            </a:r>
+            <a:r>
+              <a:rPr lang="en-US" b="1"/>
+              <a:t>approximates </a:t>
+            </a:r>
+            <a:r>
+              <a:rPr lang="en-US"/>
+              <a:t>the observed data </a:t>
+            </a:r>
+            <a:r>
+              <a:rPr lang="en-US" b="1" u="sng"/>
+              <a:t>with a line</a:t>
+            </a:r>
+            <a:endParaRPr lang="en-US"/>
+          </a:p>
+          <a:p>
+            <a:r>
+              <a:rPr lang="en-US"/>
+              <a:t>Other regression models approximate observe data with a </a:t>
+            </a:r>
+            <a:r>
+              <a:rPr lang="en-US" b="1"/>
+              <a:t>nonlinear function</a:t>
+            </a:r>
+            <a:r>
+              <a:rPr lang="en-US"/>
+              <a:t> that takes a line as its parameter</a:t>
+            </a:r>
+          </a:p>
+          <a:p>
+            <a:pPr lvl="1"/>
+            <a:r>
+              <a:rPr lang="en-US"/>
+              <a:t>f(y) = X B</a:t>
+            </a:r>
+          </a:p>
+          <a:p>
+            <a:pPr lvl="1"/>
+            <a:r>
+              <a:rPr lang="en-US"/>
+              <a:t>Where </a:t>
+            </a:r>
+            <a:r>
+              <a:rPr lang="en-US" b="1"/>
+              <a:t>X</a:t>
+            </a:r>
+            <a:r>
+              <a:rPr lang="en-US"/>
+              <a:t> is a matrix and </a:t>
+            </a:r>
+            <a:r>
+              <a:rPr lang="en-US" b="1"/>
+              <a:t>B</a:t>
+            </a:r>
+            <a:r>
+              <a:rPr lang="en-US"/>
+              <a:t> is a vector</a:t>
+            </a:r>
+          </a:p>
+        </p:txBody>
+      </p:sp>
     </p:spTree>
     <p:extLst>
       <p:ext uri="{BB962C8B-B14F-4D97-AF65-F5344CB8AC3E}">
-        <p14:creationId xmlns="" xmlns:a="http://schemas.openxmlformats.org/drawingml/2006/main" xmlns:r="http://schemas.openxmlformats.org/officeDocument/2006/relationships" xmlns:p="http://schemas.openxmlformats.org/presentationml/2006/main" xmlns:p14="http://schemas.microsoft.com/office/powerpoint/2010/main" xmlns:mv="urn:schemas-microsoft-com:mac:vml" xmlns:mc="http://schemas.openxmlformats.org/markup-compatibility/2006" val="2972905603"/>
+        <p14:creationId xmlns="" xmlns:a="http://schemas.openxmlformats.org/drawingml/2006/main" xmlns:r="http://schemas.openxmlformats.org/officeDocument/2006/relationships" xmlns:p="http://schemas.openxmlformats.org/presentationml/2006/main" xmlns:p14="http://schemas.microsoft.com/office/powerpoint/2010/main" xmlns:mv="urn:schemas-microsoft-com:mac:vml" xmlns:mc="http://schemas.openxmlformats.org/markup-compatibility/2006" val="1265913865"/>
       </p:ext>
     </p:extLst>
   </p:cSld>
@@ -8611,48 +8632,48 @@
         </p:nvSpPr>
         <p:spPr/>
         <p:txBody>
-          <a:bodyPr>
-            <a:normAutofit fontScale="90000"/>
-          </a:bodyPr>
-          <a:lstStyle/>
-          <a:p>
-            <a:r>
-              <a:rPr lang="en-US"/>
-              <a:t>Example: Data</a:t>
-            </a:r>
-            <a:br>
-              <a:rPr lang="en-US"/>
-            </a:br>
-            <a:r>
-              <a:rPr lang="en-US"/>
-              <a:t>(and Linear Regression)</a:t>
-            </a:r>
-          </a:p>
-        </p:txBody>
-      </p:sp>
-      <p:pic>
-        <p:nvPicPr>
-          <p:cNvPr id="4" name="Content Placeholder 3" descr="Linear_Regression.png"/>
-          <p:cNvPicPr>
-            <a:picLocks noGrp="1" noChangeAspect="1"/>
-          </p:cNvPicPr>
+          <a:bodyPr/>
+          <a:lstStyle/>
+          <a:p>
+            <a:r>
+              <a:rPr lang="en-US"/>
+              <a:t>Generalized Linear Models</a:t>
+            </a:r>
+          </a:p>
+        </p:txBody>
+      </p:sp>
+      <p:sp>
+        <p:nvSpPr>
+          <p:cNvPr id="3" name="Content Placeholder 2"/>
+          <p:cNvSpPr>
+            <a:spLocks noGrp="1"/>
+          </p:cNvSpPr>
           <p:nvPr>
             <p:ph idx="1"/>
           </p:nvPr>
-        </p:nvPicPr>
-        <p:blipFill>
-          <a:blip r:embed="rId2"/>
-          <a:srcRect l="-40915" r="-40915"/>
-          <a:stretch>
-            <a:fillRect/>
-          </a:stretch>
-        </p:blipFill>
+        </p:nvSpPr>
         <p:spPr/>
-      </p:pic>
+        <p:txBody>
+          <a:bodyPr/>
+          <a:lstStyle/>
+          <a:p>
+            <a:r>
+              <a:rPr lang="en-US"/>
+              <a:t>The "least squares" method is the foundation of fitting generalized linear models (GLM's)</a:t>
+            </a:r>
+          </a:p>
+          <a:p>
+            <a:r>
+              <a:rPr lang="en-US"/>
+              <a:t>And information on how significantly the response variables varies with the predictor variables</a:t>
+            </a:r>
+          </a:p>
+        </p:txBody>
+      </p:sp>
     </p:spTree>
     <p:extLst>
       <p:ext uri="{BB962C8B-B14F-4D97-AF65-F5344CB8AC3E}">
-        <p14:creationId xmlns="" xmlns:a="http://schemas.openxmlformats.org/drawingml/2006/main" xmlns:r="http://schemas.openxmlformats.org/officeDocument/2006/relationships" xmlns:p="http://schemas.openxmlformats.org/presentationml/2006/main" xmlns:p14="http://schemas.microsoft.com/office/powerpoint/2010/main" xmlns:mv="urn:schemas-microsoft-com:mac:vml" xmlns:mc="http://schemas.openxmlformats.org/markup-compatibility/2006" val="2382241759"/>
+        <p14:creationId xmlns="" xmlns:a="http://schemas.openxmlformats.org/drawingml/2006/main" xmlns:r="http://schemas.openxmlformats.org/officeDocument/2006/relationships" xmlns:p="http://schemas.openxmlformats.org/presentationml/2006/main" xmlns:p14="http://schemas.microsoft.com/office/powerpoint/2010/main" xmlns:mv="urn:schemas-microsoft-com:mac:vml" xmlns:mc="http://schemas.openxmlformats.org/markup-compatibility/2006" val="3465388416"/>
       </p:ext>
     </p:extLst>
   </p:cSld>
@@ -8688,12 +8709,12 @@
       </p:grpSpPr>
       <p:sp>
         <p:nvSpPr>
-          <p:cNvPr id="3" name="Title 2"/>
-          <p:cNvSpPr>
-            <a:spLocks noGrp="1"/>
-          </p:cNvSpPr>
-          <p:nvPr>
-            <p:ph type="ctrTitle"/>
+          <p:cNvPr id="2" name="Title 1"/>
+          <p:cNvSpPr>
+            <a:spLocks noGrp="1"/>
+          </p:cNvSpPr>
+          <p:nvPr>
+            <p:ph type="title"/>
           </p:nvPr>
         </p:nvSpPr>
         <p:spPr/>
@@ -8702,36 +8723,35 @@
           <a:lstStyle/>
           <a:p>
             <a:r>
-              <a:rPr lang="en-US" dirty="0" smtClean="0"/>
-              <a:t>The zelig2 Method</a:t>
-            </a:r>
-            <a:endParaRPr lang="en-US" dirty="0"/>
-          </a:p>
-        </p:txBody>
-      </p:sp>
-      <p:sp>
-        <p:nvSpPr>
-          <p:cNvPr id="4" name="Subtitle 3"/>
-          <p:cNvSpPr>
-            <a:spLocks noGrp="1"/>
-          </p:cNvSpPr>
-          <p:nvPr>
-            <p:ph type="subTitle" idx="1"/>
-          </p:nvPr>
-        </p:nvSpPr>
+              <a:rPr lang="en-US"/>
+              <a:t>Example: Data</a:t>
+            </a:r>
+          </a:p>
+        </p:txBody>
+      </p:sp>
+      <p:pic>
+        <p:nvPicPr>
+          <p:cNvPr id="6" name="Content Placeholder 5" descr="Linear_Data.png"/>
+          <p:cNvPicPr>
+            <a:picLocks noGrp="1" noChangeAspect="1"/>
+          </p:cNvPicPr>
+          <p:nvPr>
+            <p:ph idx="1"/>
+          </p:nvPr>
+        </p:nvPicPr>
+        <p:blipFill>
+          <a:blip r:embed="rId2"/>
+          <a:srcRect l="-40915" r="-40915"/>
+          <a:stretch>
+            <a:fillRect/>
+          </a:stretch>
+        </p:blipFill>
         <p:spPr/>
-        <p:txBody>
-          <a:bodyPr/>
-          <a:lstStyle/>
-          <a:p>
-            <a:endParaRPr lang="en-US"/>
-          </a:p>
-        </p:txBody>
-      </p:sp>
+      </p:pic>
     </p:spTree>
     <p:extLst>
       <p:ext uri="{BB962C8B-B14F-4D97-AF65-F5344CB8AC3E}">
-        <p14:creationId xmlns="" xmlns:a="http://schemas.openxmlformats.org/drawingml/2006/main" xmlns:r="http://schemas.openxmlformats.org/officeDocument/2006/relationships" xmlns:p="http://schemas.openxmlformats.org/presentationml/2006/main" xmlns:p14="http://schemas.microsoft.com/office/powerpoint/2010/main" xmlns:mv="urn:schemas-microsoft-com:mac:vml" xmlns:mc="http://schemas.openxmlformats.org/markup-compatibility/2006" val="2601398369"/>
+        <p14:creationId xmlns="" xmlns:a="http://schemas.openxmlformats.org/drawingml/2006/main" xmlns:r="http://schemas.openxmlformats.org/officeDocument/2006/relationships" xmlns:p="http://schemas.openxmlformats.org/presentationml/2006/main" xmlns:p14="http://schemas.microsoft.com/office/powerpoint/2010/main" xmlns:mv="urn:schemas-microsoft-com:mac:vml" xmlns:mc="http://schemas.openxmlformats.org/markup-compatibility/2006" val="2972905603"/>
       </p:ext>
     </p:extLst>
   </p:cSld>
@@ -8777,64 +8797,48 @@
         </p:nvSpPr>
         <p:spPr/>
         <p:txBody>
-          <a:bodyPr/>
-          <a:lstStyle/>
-          <a:p>
-            <a:r>
-              <a:rPr lang="en-US" dirty="0" smtClean="0"/>
-              <a:t>Outline</a:t>
-            </a:r>
-            <a:endParaRPr lang="en-US" dirty="0"/>
-          </a:p>
-        </p:txBody>
-      </p:sp>
-      <p:sp>
-        <p:nvSpPr>
-          <p:cNvPr id="3" name="Content Placeholder 2"/>
-          <p:cNvSpPr>
-            <a:spLocks noGrp="1"/>
-          </p:cNvSpPr>
+          <a:bodyPr>
+            <a:normAutofit fontScale="90000"/>
+          </a:bodyPr>
+          <a:lstStyle/>
+          <a:p>
+            <a:r>
+              <a:rPr lang="en-US"/>
+              <a:t>Example: Data</a:t>
+            </a:r>
+            <a:br>
+              <a:rPr lang="en-US"/>
+            </a:br>
+            <a:r>
+              <a:rPr lang="en-US"/>
+              <a:t>(and Linear Regression)</a:t>
+            </a:r>
+          </a:p>
+        </p:txBody>
+      </p:sp>
+      <p:pic>
+        <p:nvPicPr>
+          <p:cNvPr id="4" name="Content Placeholder 3" descr="Linear_Regression.png"/>
+          <p:cNvPicPr>
+            <a:picLocks noGrp="1" noChangeAspect="1"/>
+          </p:cNvPicPr>
           <p:nvPr>
             <p:ph idx="1"/>
           </p:nvPr>
-        </p:nvSpPr>
+        </p:nvPicPr>
+        <p:blipFill>
+          <a:blip r:embed="rId2"/>
+          <a:srcRect l="-40915" r="-40915"/>
+          <a:stretch>
+            <a:fillRect/>
+          </a:stretch>
+        </p:blipFill>
         <p:spPr/>
-        <p:txBody>
-          <a:bodyPr/>
-          <a:lstStyle/>
-          <a:p>
-            <a:r>
-              <a:rPr lang="en-US" dirty="0" smtClean="0"/>
-              <a:t>Overview</a:t>
-            </a:r>
-          </a:p>
-          <a:p>
-            <a:r>
-              <a:rPr lang="en-US" dirty="0" smtClean="0"/>
-              <a:t>What is a "zelig2" method?</a:t>
-            </a:r>
-          </a:p>
-          <a:p>
-            <a:r>
-              <a:rPr lang="en-US" dirty="0" smtClean="0"/>
-              <a:t>Format of a zelig2 method</a:t>
-            </a:r>
-          </a:p>
-          <a:p>
-            <a:r>
-              <a:rPr lang="en-US" dirty="0" smtClean="0"/>
-              <a:t>Writing the zelig2 method</a:t>
-            </a:r>
-          </a:p>
-          <a:p>
-            <a:endParaRPr lang="en-US" dirty="0"/>
-          </a:p>
-        </p:txBody>
-      </p:sp>
+      </p:pic>
     </p:spTree>
     <p:extLst>
       <p:ext uri="{BB962C8B-B14F-4D97-AF65-F5344CB8AC3E}">
-        <p14:creationId xmlns="" xmlns:a="http://schemas.openxmlformats.org/drawingml/2006/main" xmlns:r="http://schemas.openxmlformats.org/officeDocument/2006/relationships" xmlns:p="http://schemas.openxmlformats.org/presentationml/2006/main" xmlns:p14="http://schemas.microsoft.com/office/powerpoint/2010/main" xmlns:mv="urn:schemas-microsoft-com:mac:vml" xmlns:mc="http://schemas.openxmlformats.org/markup-compatibility/2006" val="520387571"/>
+        <p14:creationId xmlns="" xmlns:a="http://schemas.openxmlformats.org/drawingml/2006/main" xmlns:r="http://schemas.openxmlformats.org/officeDocument/2006/relationships" xmlns:p="http://schemas.openxmlformats.org/presentationml/2006/main" xmlns:p14="http://schemas.microsoft.com/office/powerpoint/2010/main" xmlns:mv="urn:schemas-microsoft-com:mac:vml" xmlns:mc="http://schemas.openxmlformats.org/markup-compatibility/2006" val="2382241759"/>
       </p:ext>
     </p:extLst>
   </p:cSld>
@@ -8870,12 +8874,12 @@
       </p:grpSpPr>
       <p:sp>
         <p:nvSpPr>
-          <p:cNvPr id="2" name="Title 1"/>
-          <p:cNvSpPr>
-            <a:spLocks noGrp="1"/>
-          </p:cNvSpPr>
-          <p:nvPr>
-            <p:ph type="title"/>
+          <p:cNvPr id="3" name="Title 2"/>
+          <p:cNvSpPr>
+            <a:spLocks noGrp="1"/>
+          </p:cNvSpPr>
+          <p:nvPr>
+            <p:ph type="ctrTitle"/>
           </p:nvPr>
         </p:nvSpPr>
         <p:spPr/>
@@ -8884,20 +8888,21 @@
           <a:lstStyle/>
           <a:p>
             <a:r>
-              <a:rPr lang="en-US"/>
-              <a:t>Overview</a:t>
-            </a:r>
-          </a:p>
-        </p:txBody>
-      </p:sp>
-      <p:sp>
-        <p:nvSpPr>
-          <p:cNvPr id="3" name="Content Placeholder 2"/>
-          <p:cNvSpPr>
-            <a:spLocks noGrp="1"/>
-          </p:cNvSpPr>
-          <p:nvPr>
-            <p:ph idx="1"/>
+              <a:rPr lang="en-US" dirty="0" smtClean="0"/>
+              <a:t>The zelig2 Method</a:t>
+            </a:r>
+            <a:endParaRPr lang="en-US" dirty="0"/>
+          </a:p>
+        </p:txBody>
+      </p:sp>
+      <p:sp>
+        <p:nvSpPr>
+          <p:cNvPr id="4" name="Subtitle 3"/>
+          <p:cNvSpPr>
+            <a:spLocks noGrp="1"/>
+          </p:cNvSpPr>
+          <p:nvPr>
+            <p:ph type="subTitle" idx="1"/>
           </p:nvPr>
         </p:nvSpPr>
         <p:spPr/>
@@ -8905,26 +8910,16 @@
           <a:bodyPr/>
           <a:lstStyle/>
           <a:p>
-            <a:r>
-              <a:rPr lang="en-US"/>
-              <a:t>Today we are focusing on fitting the statistical model</a:t>
-            </a:r>
-          </a:p>
-          <a:p>
-            <a:r>
-              <a:rPr lang="en-US"/>
-              <a:t>Zelig requires (typically) that the model is fitted externally</a:t>
-            </a:r>
-          </a:p>
-          <a:p>
-            <a:r>
-              <a:rPr lang="en-US"/>
-              <a:t>Most models are based on "lm" or "glm" because of their general nature</a:t>
-            </a:r>
+            <a:endParaRPr lang="en-US"/>
           </a:p>
         </p:txBody>
       </p:sp>
     </p:spTree>
+    <p:extLst>
+      <p:ext uri="{BB962C8B-B14F-4D97-AF65-F5344CB8AC3E}">
+        <p14:creationId xmlns="" xmlns:a="http://schemas.openxmlformats.org/drawingml/2006/main" xmlns:r="http://schemas.openxmlformats.org/officeDocument/2006/relationships" xmlns:p="http://schemas.openxmlformats.org/presentationml/2006/main" xmlns:p14="http://schemas.microsoft.com/office/powerpoint/2010/main" xmlns:mv="urn:schemas-microsoft-com:mac:vml" xmlns:mc="http://schemas.openxmlformats.org/markup-compatibility/2006" val="2601398369"/>
+      </p:ext>
+    </p:extLst>
   </p:cSld>
   <p:clrMapOvr>
     <a:masterClrMapping/>
@@ -8973,6 +8968,197 @@
           <a:p>
             <a:r>
               <a:rPr lang="en-US" dirty="0" smtClean="0"/>
+              <a:t>Outline</a:t>
+            </a:r>
+            <a:endParaRPr lang="en-US" dirty="0"/>
+          </a:p>
+        </p:txBody>
+      </p:sp>
+      <p:sp>
+        <p:nvSpPr>
+          <p:cNvPr id="3" name="Content Placeholder 2"/>
+          <p:cNvSpPr>
+            <a:spLocks noGrp="1"/>
+          </p:cNvSpPr>
+          <p:nvPr>
+            <p:ph idx="1"/>
+          </p:nvPr>
+        </p:nvSpPr>
+        <p:spPr/>
+        <p:txBody>
+          <a:bodyPr/>
+          <a:lstStyle/>
+          <a:p>
+            <a:r>
+              <a:rPr lang="en-US" dirty="0" smtClean="0"/>
+              <a:t>Overview</a:t>
+            </a:r>
+          </a:p>
+          <a:p>
+            <a:r>
+              <a:rPr lang="en-US" dirty="0" smtClean="0"/>
+              <a:t>What is a "zelig2" method?</a:t>
+            </a:r>
+          </a:p>
+          <a:p>
+            <a:r>
+              <a:rPr lang="en-US" dirty="0" smtClean="0"/>
+              <a:t>Format of a zelig2 method</a:t>
+            </a:r>
+          </a:p>
+          <a:p>
+            <a:r>
+              <a:rPr lang="en-US" dirty="0" smtClean="0"/>
+              <a:t>Writing the zelig2 method</a:t>
+            </a:r>
+          </a:p>
+          <a:p>
+            <a:endParaRPr lang="en-US" dirty="0"/>
+          </a:p>
+        </p:txBody>
+      </p:sp>
+    </p:spTree>
+    <p:extLst>
+      <p:ext uri="{BB962C8B-B14F-4D97-AF65-F5344CB8AC3E}">
+        <p14:creationId xmlns="" xmlns:a="http://schemas.openxmlformats.org/drawingml/2006/main" xmlns:r="http://schemas.openxmlformats.org/officeDocument/2006/relationships" xmlns:p="http://schemas.openxmlformats.org/presentationml/2006/main" xmlns:p14="http://schemas.microsoft.com/office/powerpoint/2010/main" xmlns:mv="urn:schemas-microsoft-com:mac:vml" xmlns:mc="http://schemas.openxmlformats.org/markup-compatibility/2006" val="520387571"/>
+      </p:ext>
+    </p:extLst>
+  </p:cSld>
+  <p:clrMapOvr>
+    <a:masterClrMapping/>
+  </p:clrMapOvr>
+  <p:timing>
+    <p:tnLst>
+      <p:par>
+        <p:cTn id="1" dur="indefinite" restart="never" nodeType="tmRoot"/>
+      </p:par>
+    </p:tnLst>
+  </p:timing>
+</p:sld>
+</file>
+
+<file path=ppt/slides/slide37.xml><?xml version="1.0" encoding="utf-8"?>
+<p:sld xmlns:a="http://schemas.openxmlformats.org/drawingml/2006/main" xmlns:r="http://schemas.openxmlformats.org/officeDocument/2006/relationships" xmlns:mc="http://schemas.openxmlformats.org/markup-compatibility/2006" xmlns:mv="urn:schemas-microsoft-com:mac:vml" xmlns:p="http://schemas.openxmlformats.org/presentationml/2006/main" mc:Ignorable="mv" mc:PreserveAttributes="mv:*">
+  <p:cSld>
+    <p:spTree>
+      <p:nvGrpSpPr>
+        <p:cNvPr id="1" name=""/>
+        <p:cNvGrpSpPr/>
+        <p:nvPr/>
+      </p:nvGrpSpPr>
+      <p:grpSpPr>
+        <a:xfrm>
+          <a:off x="0" y="0"/>
+          <a:ext cx="0" cy="0"/>
+          <a:chOff x="0" y="0"/>
+          <a:chExt cx="0" cy="0"/>
+        </a:xfrm>
+      </p:grpSpPr>
+      <p:sp>
+        <p:nvSpPr>
+          <p:cNvPr id="2" name="Title 1"/>
+          <p:cNvSpPr>
+            <a:spLocks noGrp="1"/>
+          </p:cNvSpPr>
+          <p:nvPr>
+            <p:ph type="title"/>
+          </p:nvPr>
+        </p:nvSpPr>
+        <p:spPr/>
+        <p:txBody>
+          <a:bodyPr/>
+          <a:lstStyle/>
+          <a:p>
+            <a:r>
+              <a:rPr lang="en-US"/>
+              <a:t>Overview</a:t>
+            </a:r>
+          </a:p>
+        </p:txBody>
+      </p:sp>
+      <p:sp>
+        <p:nvSpPr>
+          <p:cNvPr id="3" name="Content Placeholder 2"/>
+          <p:cNvSpPr>
+            <a:spLocks noGrp="1"/>
+          </p:cNvSpPr>
+          <p:nvPr>
+            <p:ph idx="1"/>
+          </p:nvPr>
+        </p:nvSpPr>
+        <p:spPr/>
+        <p:txBody>
+          <a:bodyPr/>
+          <a:lstStyle/>
+          <a:p>
+            <a:r>
+              <a:rPr lang="en-US"/>
+              <a:t>Today we are focusing on fitting the statistical model</a:t>
+            </a:r>
+          </a:p>
+          <a:p>
+            <a:r>
+              <a:rPr lang="en-US"/>
+              <a:t>Zelig requires (typically) that the model is fitted externally</a:t>
+            </a:r>
+          </a:p>
+          <a:p>
+            <a:r>
+              <a:rPr lang="en-US"/>
+              <a:t>Most models are based on "lm" or "glm" because of their general nature</a:t>
+            </a:r>
+          </a:p>
+        </p:txBody>
+      </p:sp>
+    </p:spTree>
+  </p:cSld>
+  <p:clrMapOvr>
+    <a:masterClrMapping/>
+  </p:clrMapOvr>
+  <p:timing>
+    <p:tnLst>
+      <p:par>
+        <p:cTn id="1" dur="indefinite" restart="never" nodeType="tmRoot"/>
+      </p:par>
+    </p:tnLst>
+  </p:timing>
+</p:sld>
+</file>
+
+<file path=ppt/slides/slide38.xml><?xml version="1.0" encoding="utf-8"?>
+<p:sld xmlns:a="http://schemas.openxmlformats.org/drawingml/2006/main" xmlns:r="http://schemas.openxmlformats.org/officeDocument/2006/relationships" xmlns:mc="http://schemas.openxmlformats.org/markup-compatibility/2006" xmlns:mv="urn:schemas-microsoft-com:mac:vml" xmlns:p="http://schemas.openxmlformats.org/presentationml/2006/main" mc:Ignorable="mv" mc:PreserveAttributes="mv:*">
+  <p:cSld>
+    <p:spTree>
+      <p:nvGrpSpPr>
+        <p:cNvPr id="1" name=""/>
+        <p:cNvGrpSpPr/>
+        <p:nvPr/>
+      </p:nvGrpSpPr>
+      <p:grpSpPr>
+        <a:xfrm>
+          <a:off x="0" y="0"/>
+          <a:ext cx="0" cy="0"/>
+          <a:chOff x="0" y="0"/>
+          <a:chExt cx="0" cy="0"/>
+        </a:xfrm>
+      </p:grpSpPr>
+      <p:sp>
+        <p:nvSpPr>
+          <p:cNvPr id="2" name="Title 1"/>
+          <p:cNvSpPr>
+            <a:spLocks noGrp="1"/>
+          </p:cNvSpPr>
+          <p:nvPr>
+            <p:ph type="title"/>
+          </p:nvPr>
+        </p:nvSpPr>
+        <p:spPr/>
+        <p:txBody>
+          <a:bodyPr/>
+          <a:lstStyle/>
+          <a:p>
+            <a:r>
+              <a:rPr lang="en-US" dirty="0" smtClean="0"/>
               <a:t>Goals</a:t>
             </a:r>
             <a:endParaRPr lang="en-US" dirty="0"/>
@@ -9072,7 +9258,7 @@
 </p:sld>
 </file>
 
-<file path=ppt/slides/slide37.xml><?xml version="1.0" encoding="utf-8"?>
+<file path=ppt/slides/slide39.xml><?xml version="1.0" encoding="utf-8"?>
 <p:sld xmlns:a="http://schemas.openxmlformats.org/drawingml/2006/main" xmlns:r="http://schemas.openxmlformats.org/officeDocument/2006/relationships" xmlns:mc="http://schemas.openxmlformats.org/markup-compatibility/2006" xmlns:mv="urn:schemas-microsoft-com:mac:vml" xmlns:p="http://schemas.openxmlformats.org/presentationml/2006/main" mc:Ignorable="mv" mc:PreserveAttributes="mv:*">
   <p:cSld>
     <p:spTree>
@@ -10606,213 +10792,6 @@
 </p:sld>
 </file>
 
-<file path=ppt/slides/slide38.xml><?xml version="1.0" encoding="utf-8"?>
-<p:sld xmlns:a="http://schemas.openxmlformats.org/drawingml/2006/main" xmlns:r="http://schemas.openxmlformats.org/officeDocument/2006/relationships" xmlns:mc="http://schemas.openxmlformats.org/markup-compatibility/2006" xmlns:mv="urn:schemas-microsoft-com:mac:vml" xmlns:p="http://schemas.openxmlformats.org/presentationml/2006/main" mc:Ignorable="mv" mc:PreserveAttributes="mv:*">
-  <p:cSld>
-    <p:spTree>
-      <p:nvGrpSpPr>
-        <p:cNvPr id="1" name=""/>
-        <p:cNvGrpSpPr/>
-        <p:nvPr/>
-      </p:nvGrpSpPr>
-      <p:grpSpPr>
-        <a:xfrm>
-          <a:off x="0" y="0"/>
-          <a:ext cx="0" cy="0"/>
-          <a:chOff x="0" y="0"/>
-          <a:chExt cx="0" cy="0"/>
-        </a:xfrm>
-      </p:grpSpPr>
-      <p:sp>
-        <p:nvSpPr>
-          <p:cNvPr id="2" name="Title 1"/>
-          <p:cNvSpPr>
-            <a:spLocks noGrp="1"/>
-          </p:cNvSpPr>
-          <p:nvPr>
-            <p:ph type="title"/>
-          </p:nvPr>
-        </p:nvSpPr>
-        <p:spPr/>
-        <p:txBody>
-          <a:bodyPr>
-            <a:normAutofit/>
-          </a:bodyPr>
-          <a:lstStyle/>
-          <a:p>
-            <a:r>
-              <a:rPr lang="en-US"/>
-              <a:t>Writing the "zelig2" Method</a:t>
-            </a:r>
-          </a:p>
-        </p:txBody>
-      </p:sp>
-      <p:sp>
-        <p:nvSpPr>
-          <p:cNvPr id="3" name="Content Placeholder 2"/>
-          <p:cNvSpPr>
-            <a:spLocks noGrp="1"/>
-          </p:cNvSpPr>
-          <p:nvPr>
-            <p:ph idx="1"/>
-          </p:nvPr>
-        </p:nvSpPr>
-        <p:spPr/>
-        <p:txBody>
-          <a:bodyPr/>
-          <a:lstStyle/>
-          <a:p>
-            <a:r>
-              <a:rPr lang="en-US"/>
-              <a:t>Has three parts</a:t>
-            </a:r>
-          </a:p>
-          <a:p>
-            <a:pPr lvl="1"/>
-            <a:r>
-              <a:rPr lang="en-US"/>
-              <a:t>Function signature</a:t>
-            </a:r>
-          </a:p>
-          <a:p>
-            <a:pPr lvl="1"/>
-            <a:r>
-              <a:rPr lang="en-US"/>
-              <a:t>Function Body</a:t>
-            </a:r>
-          </a:p>
-          <a:p>
-            <a:pPr lvl="1"/>
-            <a:r>
-              <a:rPr lang="en-US"/>
-              <a:t>Return Value</a:t>
-            </a:r>
-          </a:p>
-        </p:txBody>
-      </p:sp>
-    </p:spTree>
-  </p:cSld>
-  <p:clrMapOvr>
-    <a:masterClrMapping/>
-  </p:clrMapOvr>
-  <p:timing>
-    <p:tnLst>
-      <p:par>
-        <p:cTn id="1" dur="indefinite" restart="never" nodeType="tmRoot"/>
-      </p:par>
-    </p:tnLst>
-  </p:timing>
-</p:sld>
-</file>
-
-<file path=ppt/slides/slide39.xml><?xml version="1.0" encoding="utf-8"?>
-<p:sld xmlns:a="http://schemas.openxmlformats.org/drawingml/2006/main" xmlns:r="http://schemas.openxmlformats.org/officeDocument/2006/relationships" xmlns:mc="http://schemas.openxmlformats.org/markup-compatibility/2006" xmlns:mv="urn:schemas-microsoft-com:mac:vml" xmlns:p="http://schemas.openxmlformats.org/presentationml/2006/main" mc:Ignorable="mv" mc:PreserveAttributes="mv:*">
-  <p:cSld>
-    <p:spTree>
-      <p:nvGrpSpPr>
-        <p:cNvPr id="1" name=""/>
-        <p:cNvGrpSpPr/>
-        <p:nvPr/>
-      </p:nvGrpSpPr>
-      <p:grpSpPr>
-        <a:xfrm>
-          <a:off x="0" y="0"/>
-          <a:ext cx="0" cy="0"/>
-          <a:chOff x="0" y="0"/>
-          <a:chExt cx="0" cy="0"/>
-        </a:xfrm>
-      </p:grpSpPr>
-      <p:sp>
-        <p:nvSpPr>
-          <p:cNvPr id="2" name="Title 1"/>
-          <p:cNvSpPr>
-            <a:spLocks noGrp="1"/>
-          </p:cNvSpPr>
-          <p:nvPr>
-            <p:ph type="title"/>
-          </p:nvPr>
-        </p:nvSpPr>
-        <p:spPr/>
-        <p:txBody>
-          <a:bodyPr/>
-          <a:lstStyle/>
-          <a:p>
-            <a:r>
-              <a:rPr lang="en-US"/>
-              <a:t>zelig2: Function Signature</a:t>
-            </a:r>
-          </a:p>
-        </p:txBody>
-      </p:sp>
-      <p:sp>
-        <p:nvSpPr>
-          <p:cNvPr id="3" name="Content Placeholder 2"/>
-          <p:cNvSpPr>
-            <a:spLocks noGrp="1"/>
-          </p:cNvSpPr>
-          <p:nvPr>
-            <p:ph idx="1"/>
-          </p:nvPr>
-        </p:nvSpPr>
-        <p:spPr/>
-        <p:txBody>
-          <a:bodyPr/>
-          <a:lstStyle/>
-          <a:p>
-            <a:r>
-              <a:rPr lang="en-US"/>
-              <a:t>"formula" specifies the model formula</a:t>
-            </a:r>
-          </a:p>
-          <a:p>
-            <a:r>
-              <a:rPr lang="en-US"/>
-              <a:t>"data" specifies the data.frame</a:t>
-            </a:r>
-          </a:p>
-          <a:p>
-            <a:r>
-              <a:rPr lang="en-US"/>
-              <a:t>All other parameters are </a:t>
-            </a:r>
-            <a:r>
-              <a:rPr lang="en-US" b="1"/>
-              <a:t>optional</a:t>
-            </a:r>
-          </a:p>
-          <a:p>
-            <a:r>
-              <a:rPr lang="en-US"/>
-              <a:t>Other parameters are determined by the model fitting function's requirements</a:t>
-            </a:r>
-          </a:p>
-          <a:p>
-            <a:pPr lvl="1"/>
-            <a:r>
-              <a:rPr lang="en-US"/>
-              <a:t>Use "args" to determine what parameters are available for the model-fitting function</a:t>
-            </a:r>
-          </a:p>
-          <a:p>
-            <a:endParaRPr lang="en-US"/>
-          </a:p>
-        </p:txBody>
-      </p:sp>
-    </p:spTree>
-  </p:cSld>
-  <p:clrMapOvr>
-    <a:masterClrMapping/>
-  </p:clrMapOvr>
-  <p:timing>
-    <p:tnLst>
-      <p:par>
-        <p:cTn id="1" dur="indefinite" restart="never" nodeType="tmRoot"/>
-      </p:par>
-    </p:tnLst>
-  </p:timing>
-</p:sld>
-</file>
-
 <file path=ppt/slides/slide4.xml><?xml version="1.0" encoding="utf-8"?>
 <p:sld xmlns:a="http://schemas.openxmlformats.org/drawingml/2006/main" xmlns:r="http://schemas.openxmlformats.org/officeDocument/2006/relationships" xmlns:mc="http://schemas.openxmlformats.org/markup-compatibility/2006" xmlns:mv="urn:schemas-microsoft-com:mac:vml" xmlns:p="http://schemas.openxmlformats.org/presentationml/2006/main" mc:Ignorable="mv" mc:PreserveAttributes="mv:*">
   <p:cSld>
@@ -10995,58 +10974,58 @@
         </p:nvSpPr>
         <p:spPr/>
         <p:txBody>
+          <a:bodyPr>
+            <a:normAutofit/>
+          </a:bodyPr>
+          <a:lstStyle/>
+          <a:p>
+            <a:r>
+              <a:rPr lang="en-US"/>
+              <a:t>Writing the "zelig2" Method</a:t>
+            </a:r>
+          </a:p>
+        </p:txBody>
+      </p:sp>
+      <p:sp>
+        <p:nvSpPr>
+          <p:cNvPr id="3" name="Content Placeholder 2"/>
+          <p:cNvSpPr>
+            <a:spLocks noGrp="1"/>
+          </p:cNvSpPr>
+          <p:nvPr>
+            <p:ph idx="1"/>
+          </p:nvPr>
+        </p:nvSpPr>
+        <p:spPr/>
+        <p:txBody>
           <a:bodyPr/>
           <a:lstStyle/>
           <a:p>
             <a:r>
               <a:rPr lang="en-US"/>
-              <a:t>zelig2: Function Body</a:t>
-            </a:r>
-          </a:p>
-        </p:txBody>
-      </p:sp>
-      <p:sp>
-        <p:nvSpPr>
-          <p:cNvPr id="3" name="Content Placeholder 2"/>
-          <p:cNvSpPr>
-            <a:spLocks noGrp="1"/>
-          </p:cNvSpPr>
-          <p:nvPr>
-            <p:ph idx="1"/>
-          </p:nvPr>
-        </p:nvSpPr>
-        <p:spPr/>
-        <p:txBody>
-          <a:bodyPr/>
-          <a:lstStyle/>
-          <a:p>
-            <a:r>
-              <a:rPr lang="en-US"/>
-              <a:t>Typically does very little</a:t>
-            </a:r>
-          </a:p>
-          <a:p>
-            <a:r>
-              <a:rPr lang="en-US"/>
-              <a:t>Can be used to</a:t>
+              <a:t>Has three parts</a:t>
             </a:r>
           </a:p>
           <a:p>
             <a:pPr lvl="1"/>
             <a:r>
               <a:rPr lang="en-US"/>
-              <a:t>Print-out error and warning messages</a:t>
+              <a:t>Function signature</a:t>
             </a:r>
           </a:p>
           <a:p>
             <a:pPr lvl="1"/>
             <a:r>
               <a:rPr lang="en-US"/>
-              <a:t>asd</a:t>
-            </a:r>
-          </a:p>
-          <a:p>
-            <a:endParaRPr lang="en-US"/>
+              <a:t>Function Body</a:t>
+            </a:r>
+          </a:p>
+          <a:p>
+            <a:pPr lvl="1"/>
+            <a:r>
+              <a:rPr lang="en-US"/>
+              <a:t>Return Value</a:t>
+            </a:r>
           </a:p>
         </p:txBody>
       </p:sp>
@@ -11099,7 +11078,7 @@
           <a:p>
             <a:r>
               <a:rPr lang="en-US"/>
-              <a:t>zelig2: Return Value</a:t>
+              <a:t>zelig2: Function Signature</a:t>
             </a:r>
           </a:p>
         </p:txBody>
@@ -11118,6 +11097,41 @@
         <p:txBody>
           <a:bodyPr/>
           <a:lstStyle/>
+          <a:p>
+            <a:r>
+              <a:rPr lang="en-US"/>
+              <a:t>"formula" specifies the model formula</a:t>
+            </a:r>
+          </a:p>
+          <a:p>
+            <a:r>
+              <a:rPr lang="en-US"/>
+              <a:t>"data" specifies the data.frame</a:t>
+            </a:r>
+          </a:p>
+          <a:p>
+            <a:r>
+              <a:rPr lang="en-US"/>
+              <a:t>All other parameters are </a:t>
+            </a:r>
+            <a:r>
+              <a:rPr lang="en-US" b="1"/>
+              <a:t>optional</a:t>
+            </a:r>
+          </a:p>
+          <a:p>
+            <a:r>
+              <a:rPr lang="en-US"/>
+              <a:t>Other parameters are determined by the model fitting function's requirements</a:t>
+            </a:r>
+          </a:p>
+          <a:p>
+            <a:pPr lvl="1"/>
+            <a:r>
+              <a:rPr lang="en-US"/>
+              <a:t>Use "args" to determine what parameters are available for the model-fitting function</a:t>
+            </a:r>
+          </a:p>
           <a:p>
             <a:endParaRPr lang="en-US"/>
           </a:p>
@@ -11172,7 +11186,7 @@
           <a:p>
             <a:r>
               <a:rPr lang="en-US"/>
-              <a:t>zelig2</a:t>
+              <a:t>zelig2: Function Body</a:t>
             </a:r>
           </a:p>
         </p:txBody>
@@ -11193,53 +11207,32 @@
           <a:lstStyle/>
           <a:p>
             <a:r>
-              <a:rPr lang="en-US" b="1"/>
-              <a:t>Does not</a:t>
-            </a:r>
-            <a:r>
-              <a:rPr lang="en-US"/>
-              <a:t> fit models itself</a:t>
-            </a:r>
-          </a:p>
-          <a:p>
-            <a:r>
-              <a:rPr lang="en-US"/>
-              <a:t>Uses outside models to fit data</a:t>
+              <a:rPr lang="en-US"/>
+              <a:t>Typically does very little</a:t>
+            </a:r>
+          </a:p>
+          <a:p>
+            <a:r>
+              <a:rPr lang="en-US"/>
+              <a:t>Can be used to</a:t>
             </a:r>
           </a:p>
           <a:p>
             <a:pPr lvl="1"/>
             <a:r>
               <a:rPr lang="en-US"/>
-              <a:t>"lm", "glm", "nlme", etc.</a:t>
-            </a:r>
-          </a:p>
-          <a:p>
-            <a:r>
-              <a:rPr lang="en-US"/>
-              <a:t>Manages how zelig interacts with these models:</a:t>
+              <a:t>Print-out error and warning messages</a:t>
             </a:r>
           </a:p>
           <a:p>
             <a:pPr lvl="1"/>
             <a:r>
               <a:rPr lang="en-US"/>
-              <a:t>Specifies what function will fit the model</a:t>
-            </a:r>
-          </a:p>
-          <a:p>
-            <a:pPr lvl="1"/>
-            <a:r>
-              <a:rPr lang="en-US"/>
-              <a:t>Specifies parameters</a:t>
-            </a:r>
-          </a:p>
-          <a:p>
-            <a:pPr lvl="1"/>
-            <a:r>
-              <a:rPr lang="en-US"/>
-              <a:t>Manipulates objects</a:t>
-            </a:r>
+              <a:t>asd</a:t>
+            </a:r>
+          </a:p>
+          <a:p>
+            <a:endParaRPr lang="en-US"/>
           </a:p>
         </p:txBody>
       </p:sp>
@@ -11292,7 +11285,7 @@
           <a:p>
             <a:r>
               <a:rPr lang="en-US"/>
-              <a:t>Family Objects</a:t>
+              <a:t>zelig2: Return Value</a:t>
             </a:r>
           </a:p>
         </p:txBody>
@@ -11311,44 +11304,6 @@
         <p:txBody>
           <a:bodyPr/>
           <a:lstStyle/>
-          <a:p>
-            <a:r>
-              <a:rPr lang="en-US"/>
-              <a:t>Store information about link functions</a:t>
-            </a:r>
-          </a:p>
-          <a:p>
-            <a:pPr lvl="1"/>
-            <a:r>
-              <a:rPr lang="en-US"/>
-              <a:t>"Link" functions help specify the relationship between the observed value and the underlying linear predictors</a:t>
-            </a:r>
-          </a:p>
-          <a:p>
-            <a:pPr lvl="1"/>
-            <a:r>
-              <a:rPr lang="en-US"/>
-              <a:t>"Inverse Link" simply inverse this process</a:t>
-            </a:r>
-          </a:p>
-          <a:p>
-            <a:r>
-              <a:rPr lang="en-US"/>
-              <a:t>Used by model-fitting functions</a:t>
-            </a:r>
-          </a:p>
-          <a:p>
-            <a:r>
-              <a:rPr lang="en-US"/>
-              <a:t>Inverse link functions are used in qi simulation</a:t>
-            </a:r>
-          </a:p>
-          <a:p>
-            <a:r>
-              <a:rPr lang="en-US"/>
-              <a:t>See help documentation: "?family"</a:t>
-            </a:r>
-          </a:p>
           <a:p>
             <a:endParaRPr lang="en-US"/>
           </a:p>
@@ -11388,12 +11343,12 @@
       </p:grpSpPr>
       <p:sp>
         <p:nvSpPr>
-          <p:cNvPr id="6" name="Title 5"/>
-          <p:cNvSpPr>
-            <a:spLocks noGrp="1"/>
-          </p:cNvSpPr>
-          <p:nvPr>
-            <p:ph type="ctrTitle"/>
+          <p:cNvPr id="2" name="Title 1"/>
+          <p:cNvSpPr>
+            <a:spLocks noGrp="1"/>
+          </p:cNvSpPr>
+          <p:nvPr>
+            <p:ph type="title"/>
           </p:nvPr>
         </p:nvSpPr>
         <p:spPr/>
@@ -11403,19 +11358,19 @@
           <a:p>
             <a:r>
               <a:rPr lang="en-US"/>
-              <a:t>Workflow</a:t>
-            </a:r>
-          </a:p>
-        </p:txBody>
-      </p:sp>
-      <p:sp>
-        <p:nvSpPr>
-          <p:cNvPr id="7" name="Subtitle 6"/>
-          <p:cNvSpPr>
-            <a:spLocks noGrp="1"/>
-          </p:cNvSpPr>
-          <p:nvPr>
-            <p:ph type="subTitle" idx="1"/>
+              <a:t>zelig2</a:t>
+            </a:r>
+          </a:p>
+        </p:txBody>
+      </p:sp>
+      <p:sp>
+        <p:nvSpPr>
+          <p:cNvPr id="3" name="Content Placeholder 2"/>
+          <p:cNvSpPr>
+            <a:spLocks noGrp="1"/>
+          </p:cNvSpPr>
+          <p:nvPr>
+            <p:ph idx="1"/>
           </p:nvPr>
         </p:nvSpPr>
         <p:spPr/>
@@ -11423,7 +11378,54 @@
           <a:bodyPr/>
           <a:lstStyle/>
           <a:p>
-            <a:endParaRPr lang="en-US"/>
+            <a:r>
+              <a:rPr lang="en-US" b="1"/>
+              <a:t>Does not</a:t>
+            </a:r>
+            <a:r>
+              <a:rPr lang="en-US"/>
+              <a:t> fit models itself</a:t>
+            </a:r>
+          </a:p>
+          <a:p>
+            <a:r>
+              <a:rPr lang="en-US"/>
+              <a:t>Uses outside models to fit data</a:t>
+            </a:r>
+          </a:p>
+          <a:p>
+            <a:pPr lvl="1"/>
+            <a:r>
+              <a:rPr lang="en-US"/>
+              <a:t>"lm", "glm", "nlme", etc.</a:t>
+            </a:r>
+          </a:p>
+          <a:p>
+            <a:r>
+              <a:rPr lang="en-US"/>
+              <a:t>Manages how zelig interacts with these models:</a:t>
+            </a:r>
+          </a:p>
+          <a:p>
+            <a:pPr lvl="1"/>
+            <a:r>
+              <a:rPr lang="en-US"/>
+              <a:t>Specifies what function will fit the model</a:t>
+            </a:r>
+          </a:p>
+          <a:p>
+            <a:pPr lvl="1"/>
+            <a:r>
+              <a:rPr lang="en-US"/>
+              <a:t>Specifies parameters</a:t>
+            </a:r>
+          </a:p>
+          <a:p>
+            <a:pPr lvl="1"/>
+            <a:r>
+              <a:rPr lang="en-US"/>
+              <a:t>Manipulates objects</a:t>
+            </a:r>
           </a:p>
         </p:txBody>
       </p:sp>
@@ -11476,7 +11478,7 @@
           <a:p>
             <a:r>
               <a:rPr lang="en-US"/>
-              <a:t>Workflow</a:t>
+              <a:t>Family Objects</a:t>
             </a:r>
           </a:p>
         </p:txBody>
@@ -11497,44 +11499,44 @@
           <a:lstStyle/>
           <a:p>
             <a:r>
-              <a:rPr lang="en-US" dirty="0"/>
-              <a:t>Find existing model</a:t>
-            </a:r>
-          </a:p>
-          <a:p>
-            <a:r>
-              <a:rPr lang="en-US" dirty="0"/>
-              <a:t>Determine what the arguments are</a:t>
-            </a:r>
-          </a:p>
-          <a:p>
-            <a:r>
-              <a:rPr lang="en-US" dirty="0"/>
-              <a:t>Return a list at the bottom of the function</a:t>
-            </a:r>
-          </a:p>
-          <a:p>
-            <a:r>
-              <a:rPr lang="en-US" dirty="0"/>
-              <a:t>Manipulate objects</a:t>
-            </a:r>
-          </a:p>
-          <a:p>
-            <a:r>
-              <a:rPr lang="en-US" dirty="0"/>
-              <a:t>Write </a:t>
-            </a:r>
-            <a:r>
-              <a:rPr lang="en-US" dirty="0" smtClean="0"/>
-              <a:t>warnings</a:t>
-            </a:r>
-            <a:endParaRPr lang="en-US" dirty="0"/>
-          </a:p>
-          <a:p>
-            <a:r>
-              <a:rPr lang="en-US" dirty="0"/>
-              <a:t>Document</a:t>
-            </a:r>
+              <a:rPr lang="en-US"/>
+              <a:t>Store information about link functions</a:t>
+            </a:r>
+          </a:p>
+          <a:p>
+            <a:pPr lvl="1"/>
+            <a:r>
+              <a:rPr lang="en-US"/>
+              <a:t>"Link" functions help specify the relationship between the observed value and the underlying linear predictors</a:t>
+            </a:r>
+          </a:p>
+          <a:p>
+            <a:pPr lvl="1"/>
+            <a:r>
+              <a:rPr lang="en-US"/>
+              <a:t>"Inverse Link" simply inverse this process</a:t>
+            </a:r>
+          </a:p>
+          <a:p>
+            <a:r>
+              <a:rPr lang="en-US"/>
+              <a:t>Used by model-fitting functions</a:t>
+            </a:r>
+          </a:p>
+          <a:p>
+            <a:r>
+              <a:rPr lang="en-US"/>
+              <a:t>Inverse link functions are used in qi simulation</a:t>
+            </a:r>
+          </a:p>
+          <a:p>
+            <a:r>
+              <a:rPr lang="en-US"/>
+              <a:t>See help documentation: "?family"</a:t>
+            </a:r>
+          </a:p>
+          <a:p>
+            <a:endParaRPr lang="en-US"/>
           </a:p>
         </p:txBody>
       </p:sp>
@@ -11572,6 +11574,190 @@
       </p:grpSpPr>
       <p:sp>
         <p:nvSpPr>
+          <p:cNvPr id="6" name="Title 5"/>
+          <p:cNvSpPr>
+            <a:spLocks noGrp="1"/>
+          </p:cNvSpPr>
+          <p:nvPr>
+            <p:ph type="ctrTitle"/>
+          </p:nvPr>
+        </p:nvSpPr>
+        <p:spPr/>
+        <p:txBody>
+          <a:bodyPr/>
+          <a:lstStyle/>
+          <a:p>
+            <a:r>
+              <a:rPr lang="en-US"/>
+              <a:t>Workflow</a:t>
+            </a:r>
+          </a:p>
+        </p:txBody>
+      </p:sp>
+      <p:sp>
+        <p:nvSpPr>
+          <p:cNvPr id="7" name="Subtitle 6"/>
+          <p:cNvSpPr>
+            <a:spLocks noGrp="1"/>
+          </p:cNvSpPr>
+          <p:nvPr>
+            <p:ph type="subTitle" idx="1"/>
+          </p:nvPr>
+        </p:nvSpPr>
+        <p:spPr/>
+        <p:txBody>
+          <a:bodyPr/>
+          <a:lstStyle/>
+          <a:p>
+            <a:endParaRPr lang="en-US"/>
+          </a:p>
+        </p:txBody>
+      </p:sp>
+    </p:spTree>
+  </p:cSld>
+  <p:clrMapOvr>
+    <a:masterClrMapping/>
+  </p:clrMapOvr>
+  <p:timing>
+    <p:tnLst>
+      <p:par>
+        <p:cTn id="1" dur="indefinite" restart="never" nodeType="tmRoot"/>
+      </p:par>
+    </p:tnLst>
+  </p:timing>
+</p:sld>
+</file>
+
+<file path=ppt/slides/slide47.xml><?xml version="1.0" encoding="utf-8"?>
+<p:sld xmlns:a="http://schemas.openxmlformats.org/drawingml/2006/main" xmlns:r="http://schemas.openxmlformats.org/officeDocument/2006/relationships" xmlns:mc="http://schemas.openxmlformats.org/markup-compatibility/2006" xmlns:mv="urn:schemas-microsoft-com:mac:vml" xmlns:p="http://schemas.openxmlformats.org/presentationml/2006/main" mc:Ignorable="mv" mc:PreserveAttributes="mv:*">
+  <p:cSld>
+    <p:spTree>
+      <p:nvGrpSpPr>
+        <p:cNvPr id="1" name=""/>
+        <p:cNvGrpSpPr/>
+        <p:nvPr/>
+      </p:nvGrpSpPr>
+      <p:grpSpPr>
+        <a:xfrm>
+          <a:off x="0" y="0"/>
+          <a:ext cx="0" cy="0"/>
+          <a:chOff x="0" y="0"/>
+          <a:chExt cx="0" cy="0"/>
+        </a:xfrm>
+      </p:grpSpPr>
+      <p:sp>
+        <p:nvSpPr>
+          <p:cNvPr id="2" name="Title 1"/>
+          <p:cNvSpPr>
+            <a:spLocks noGrp="1"/>
+          </p:cNvSpPr>
+          <p:nvPr>
+            <p:ph type="title"/>
+          </p:nvPr>
+        </p:nvSpPr>
+        <p:spPr/>
+        <p:txBody>
+          <a:bodyPr/>
+          <a:lstStyle/>
+          <a:p>
+            <a:r>
+              <a:rPr lang="en-US"/>
+              <a:t>Workflow</a:t>
+            </a:r>
+          </a:p>
+        </p:txBody>
+      </p:sp>
+      <p:sp>
+        <p:nvSpPr>
+          <p:cNvPr id="3" name="Content Placeholder 2"/>
+          <p:cNvSpPr>
+            <a:spLocks noGrp="1"/>
+          </p:cNvSpPr>
+          <p:nvPr>
+            <p:ph idx="1"/>
+          </p:nvPr>
+        </p:nvSpPr>
+        <p:spPr/>
+        <p:txBody>
+          <a:bodyPr/>
+          <a:lstStyle/>
+          <a:p>
+            <a:r>
+              <a:rPr lang="en-US" dirty="0"/>
+              <a:t>Find existing model</a:t>
+            </a:r>
+          </a:p>
+          <a:p>
+            <a:r>
+              <a:rPr lang="en-US" dirty="0"/>
+              <a:t>Determine what the arguments are</a:t>
+            </a:r>
+          </a:p>
+          <a:p>
+            <a:r>
+              <a:rPr lang="en-US" dirty="0"/>
+              <a:t>Return a list at the bottom of the function</a:t>
+            </a:r>
+          </a:p>
+          <a:p>
+            <a:r>
+              <a:rPr lang="en-US" dirty="0"/>
+              <a:t>Manipulate objects</a:t>
+            </a:r>
+          </a:p>
+          <a:p>
+            <a:r>
+              <a:rPr lang="en-US" dirty="0"/>
+              <a:t>Write </a:t>
+            </a:r>
+            <a:r>
+              <a:rPr lang="en-US" dirty="0" smtClean="0"/>
+              <a:t>warnings</a:t>
+            </a:r>
+            <a:endParaRPr lang="en-US" dirty="0"/>
+          </a:p>
+          <a:p>
+            <a:r>
+              <a:rPr lang="en-US" dirty="0"/>
+              <a:t>Document</a:t>
+            </a:r>
+          </a:p>
+        </p:txBody>
+      </p:sp>
+    </p:spTree>
+  </p:cSld>
+  <p:clrMapOvr>
+    <a:masterClrMapping/>
+  </p:clrMapOvr>
+  <p:timing>
+    <p:tnLst>
+      <p:par>
+        <p:cTn id="1" dur="indefinite" restart="never" nodeType="tmRoot"/>
+      </p:par>
+    </p:tnLst>
+  </p:timing>
+</p:sld>
+</file>
+
+<file path=ppt/slides/slide48.xml><?xml version="1.0" encoding="utf-8"?>
+<p:sld xmlns:a="http://schemas.openxmlformats.org/drawingml/2006/main" xmlns:r="http://schemas.openxmlformats.org/officeDocument/2006/relationships" xmlns:mc="http://schemas.openxmlformats.org/markup-compatibility/2006" xmlns:mv="urn:schemas-microsoft-com:mac:vml" xmlns:p="http://schemas.openxmlformats.org/presentationml/2006/main" mc:Ignorable="mv" mc:PreserveAttributes="mv:*">
+  <p:cSld>
+    <p:spTree>
+      <p:nvGrpSpPr>
+        <p:cNvPr id="1" name=""/>
+        <p:cNvGrpSpPr/>
+        <p:nvPr/>
+      </p:nvGrpSpPr>
+      <p:grpSpPr>
+        <a:xfrm>
+          <a:off x="0" y="0"/>
+          <a:ext cx="0" cy="0"/>
+          <a:chOff x="0" y="0"/>
+          <a:chExt cx="0" cy="0"/>
+        </a:xfrm>
+      </p:grpSpPr>
+      <p:sp>
+        <p:nvSpPr>
           <p:cNvPr id="2" name="Title 1"/>
           <p:cNvSpPr>
             <a:spLocks noGrp="1"/>
@@ -11668,7 +11854,7 @@
 </p:sld>
 </file>
 
-<file path=ppt/slides/slide47.xml><?xml version="1.0" encoding="utf-8"?>
+<file path=ppt/slides/slide49.xml><?xml version="1.0" encoding="utf-8"?>
 <p:sld xmlns:a="http://schemas.openxmlformats.org/drawingml/2006/main" xmlns:r="http://schemas.openxmlformats.org/officeDocument/2006/relationships" xmlns:mc="http://schemas.openxmlformats.org/markup-compatibility/2006" xmlns:mv="urn:schemas-microsoft-com:mac:vml" xmlns:p="http://schemas.openxmlformats.org/presentationml/2006/main" mc:Ignorable="mv" mc:PreserveAttributes="mv:*">
   <p:cSld>
     <p:spTree>
@@ -12133,6 +12319,14 @@
             <a:pPr lvl="1"/>
             <a:r>
               <a:rPr lang="en-US"/>
+              <a:t>Package</a:t>
+            </a:r>
+            <a:endParaRPr lang="en-US"/>
+          </a:p>
+          <a:p>
+            <a:pPr lvl="1"/>
+            <a:r>
+              <a:rPr lang="en-US"/>
               <a:t>Depends</a:t>
             </a:r>
           </a:p>
@@ -12141,13 +12335,6 @@
             <a:r>
               <a:rPr lang="en-US"/>
               <a:t>Author</a:t>
-            </a:r>
-          </a:p>
-          <a:p>
-            <a:pPr lvl="1"/>
-            <a:r>
-              <a:rPr lang="en-US"/>
-              <a:t>Version</a:t>
             </a:r>
           </a:p>
           <a:p>

--- a/January-Class/Zelig_1_regressions.pptx
+++ b/January-Class/Zelig_1_regressions.pptx
@@ -5,7 +5,7 @@
     <p:sldMasterId id="2147483694" r:id="rId1"/>
   </p:sldMasterIdLst>
   <p:notesMasterIdLst>
-    <p:notesMasterId r:id="rId51"/>
+    <p:notesMasterId r:id="rId53"/>
   </p:notesMasterIdLst>
   <p:sldIdLst>
     <p:sldId id="256" r:id="rId2"/>
@@ -31,32 +31,34 @@
     <p:sldId id="359" r:id="rId22"/>
     <p:sldId id="358" r:id="rId23"/>
     <p:sldId id="357" r:id="rId24"/>
-    <p:sldId id="334" r:id="rId25"/>
-    <p:sldId id="335" r:id="rId26"/>
-    <p:sldId id="336" r:id="rId27"/>
-    <p:sldId id="318" r:id="rId28"/>
-    <p:sldId id="341" r:id="rId29"/>
-    <p:sldId id="320" r:id="rId30"/>
-    <p:sldId id="323" r:id="rId31"/>
-    <p:sldId id="326" r:id="rId32"/>
-    <p:sldId id="324" r:id="rId33"/>
-    <p:sldId id="321" r:id="rId34"/>
-    <p:sldId id="322" r:id="rId35"/>
-    <p:sldId id="328" r:id="rId36"/>
-    <p:sldId id="330" r:id="rId37"/>
-    <p:sldId id="272" r:id="rId38"/>
-    <p:sldId id="331" r:id="rId39"/>
-    <p:sldId id="275" r:id="rId40"/>
-    <p:sldId id="342" r:id="rId41"/>
-    <p:sldId id="343" r:id="rId42"/>
-    <p:sldId id="344" r:id="rId43"/>
-    <p:sldId id="345" r:id="rId44"/>
-    <p:sldId id="273" r:id="rId45"/>
-    <p:sldId id="279" r:id="rId46"/>
-    <p:sldId id="337" r:id="rId47"/>
-    <p:sldId id="278" r:id="rId48"/>
-    <p:sldId id="316" r:id="rId49"/>
-    <p:sldId id="338" r:id="rId50"/>
+    <p:sldId id="362" r:id="rId25"/>
+    <p:sldId id="334" r:id="rId26"/>
+    <p:sldId id="335" r:id="rId27"/>
+    <p:sldId id="336" r:id="rId28"/>
+    <p:sldId id="318" r:id="rId29"/>
+    <p:sldId id="341" r:id="rId30"/>
+    <p:sldId id="320" r:id="rId31"/>
+    <p:sldId id="323" r:id="rId32"/>
+    <p:sldId id="326" r:id="rId33"/>
+    <p:sldId id="324" r:id="rId34"/>
+    <p:sldId id="321" r:id="rId35"/>
+    <p:sldId id="322" r:id="rId36"/>
+    <p:sldId id="328" r:id="rId37"/>
+    <p:sldId id="330" r:id="rId38"/>
+    <p:sldId id="272" r:id="rId39"/>
+    <p:sldId id="331" r:id="rId40"/>
+    <p:sldId id="363" r:id="rId41"/>
+    <p:sldId id="342" r:id="rId42"/>
+    <p:sldId id="275" r:id="rId43"/>
+    <p:sldId id="343" r:id="rId44"/>
+    <p:sldId id="344" r:id="rId45"/>
+    <p:sldId id="345" r:id="rId46"/>
+    <p:sldId id="273" r:id="rId47"/>
+    <p:sldId id="279" r:id="rId48"/>
+    <p:sldId id="337" r:id="rId49"/>
+    <p:sldId id="278" r:id="rId50"/>
+    <p:sldId id="316" r:id="rId51"/>
+    <p:sldId id="338" r:id="rId52"/>
   </p:sldIdLst>
   <p:sldSz cx="9144000" cy="6858000" type="screen4x3"/>
   <p:notesSz cx="6858000" cy="9144000"/>
@@ -6431,7 +6433,10 @@
           <a:bodyPr/>
           <a:lstStyle/>
           <a:p>
-            <a:endParaRPr lang="en-US"/>
+            <a:r>
+              <a:rPr lang="en-US"/>
+              <a:t>(from scratch)</a:t>
+            </a:r>
           </a:p>
         </p:txBody>
       </p:sp>
@@ -7197,18 +7202,9 @@
           <a:lstStyle/>
           <a:p>
             <a:r>
-              <a:rPr lang="en-US" dirty="0" smtClean="0"/>
-              <a:t>Creating a </a:t>
-            </a:r>
-            <a:r>
-              <a:rPr lang="en-US" dirty="0" err="1" smtClean="0"/>
-              <a:t>Zelig</a:t>
-            </a:r>
-            <a:r>
-              <a:rPr lang="en-US" dirty="0" smtClean="0"/>
-              <a:t> Package</a:t>
-            </a:r>
-            <a:endParaRPr lang="en-US" dirty="0"/>
+              <a:rPr lang="en-US"/>
+              <a:t>Using "zelig.skeleton"</a:t>
+            </a:r>
           </a:p>
         </p:txBody>
       </p:sp>
@@ -7227,83 +7223,24 @@
           <a:bodyPr/>
           <a:lstStyle/>
           <a:p>
-            <a:pPr marL="0" indent="0">
-              <a:buNone/>
-            </a:pPr>
-            <a:r>
-              <a:rPr lang="en-US" sz="3600" b="1" dirty="0" smtClean="0"/>
-              <a:t>Three things are needed:</a:t>
-            </a:r>
-          </a:p>
-          <a:p>
-            <a:pPr marL="514350" indent="-514350">
-              <a:buFont typeface="+mj-lt"/>
-              <a:buAutoNum type="arabicPeriod"/>
-            </a:pPr>
-            <a:r>
-              <a:rPr lang="en-US" dirty="0" smtClean="0"/>
-              <a:t>Package </a:t>
-            </a:r>
-            <a:r>
-              <a:rPr lang="en-US" dirty="0"/>
-              <a:t>Name, e.g. "</a:t>
-            </a:r>
-            <a:r>
-              <a:rPr lang="en-US" dirty="0" err="1"/>
-              <a:t>ZeligLeastSquares</a:t>
-            </a:r>
-            <a:r>
-              <a:rPr lang="en-US" dirty="0"/>
-              <a:t>"</a:t>
-            </a:r>
-          </a:p>
-          <a:p>
-            <a:pPr marL="514350" indent="-514350">
-              <a:buFont typeface="+mj-lt"/>
-              <a:buAutoNum type="arabicPeriod"/>
-            </a:pPr>
-            <a:r>
-              <a:rPr lang="en-US" dirty="0"/>
-              <a:t>Model Names, e.g. "</a:t>
-            </a:r>
-            <a:r>
-              <a:rPr lang="en-US" dirty="0" err="1"/>
-              <a:t>logit</a:t>
-            </a:r>
-            <a:r>
-              <a:rPr lang="en-US" dirty="0"/>
-              <a:t>" or "gamma"</a:t>
-            </a:r>
-          </a:p>
-          <a:p>
-            <a:pPr marL="514350" indent="-514350">
-              <a:buFont typeface="+mj-lt"/>
-              <a:buAutoNum type="arabicPeriod"/>
-            </a:pPr>
-            <a:r>
-              <a:rPr lang="en-US" dirty="0"/>
-              <a:t>R-package dependencies, e.g. "lme4"</a:t>
+            <a:r>
+              <a:rPr lang="en-US"/>
+              <a:t>We will not be using "package.skeleton" to build our packages</a:t>
+            </a:r>
+          </a:p>
+          <a:p>
+            <a:r>
+              <a:rPr lang="en-US"/>
+              <a:t>"zelig.skeleton" provides functionality specifically catered towards developing Zelig package</a:t>
             </a:r>
           </a:p>
         </p:txBody>
       </p:sp>
     </p:spTree>
-    <p:extLst>
-      <p:ext uri="{BB962C8B-B14F-4D97-AF65-F5344CB8AC3E}">
-        <p14:creationId xmlns="" xmlns:a="http://schemas.openxmlformats.org/drawingml/2006/main" xmlns:r="http://schemas.openxmlformats.org/officeDocument/2006/relationships" xmlns:p="http://schemas.openxmlformats.org/presentationml/2006/main" xmlns:p14="http://schemas.microsoft.com/office/powerpoint/2010/main" xmlns:mv="urn:schemas-microsoft-com:mac:vml" xmlns:mc="http://schemas.openxmlformats.org/markup-compatibility/2006" val="973143670"/>
-      </p:ext>
-    </p:extLst>
   </p:cSld>
   <p:clrMapOvr>
     <a:masterClrMapping/>
   </p:clrMapOvr>
-  <p:timing>
-    <p:tnLst>
-      <p:par>
-        <p:cTn id="1" dur="indefinite" restart="never" nodeType="tmRoot"/>
-      </p:par>
-    </p:tnLst>
-  </p:timing>
 </p:sld>
 </file>
 
@@ -7326,7 +7263,7 @@
       </p:grpSpPr>
       <p:sp>
         <p:nvSpPr>
-          <p:cNvPr id="9" name="Title 8"/>
+          <p:cNvPr id="2" name="Title 1"/>
           <p:cNvSpPr>
             <a:spLocks noGrp="1"/>
           </p:cNvSpPr>
@@ -7340,15 +7277,24 @@
           <a:lstStyle/>
           <a:p>
             <a:r>
-              <a:rPr lang="en-US"/>
-              <a:t>Using "zelig.skeleton"</a:t>
-            </a:r>
-          </a:p>
-        </p:txBody>
-      </p:sp>
-      <p:sp>
-        <p:nvSpPr>
-          <p:cNvPr id="10" name="Content Placeholder 9"/>
+              <a:rPr lang="en-US" dirty="0" smtClean="0"/>
+              <a:t>Creating a </a:t>
+            </a:r>
+            <a:r>
+              <a:rPr lang="en-US" dirty="0" err="1" smtClean="0"/>
+              <a:t>Zelig</a:t>
+            </a:r>
+            <a:r>
+              <a:rPr lang="en-US" dirty="0" smtClean="0"/>
+              <a:t> Package</a:t>
+            </a:r>
+            <a:endParaRPr lang="en-US" dirty="0"/>
+          </a:p>
+        </p:txBody>
+      </p:sp>
+      <p:sp>
+        <p:nvSpPr>
+          <p:cNvPr id="3" name="Content Placeholder 2"/>
           <p:cNvSpPr>
             <a:spLocks noGrp="1"/>
           </p:cNvSpPr>
@@ -7361,63 +7307,70 @@
           <a:bodyPr/>
           <a:lstStyle/>
           <a:p>
-            <a:pPr>
+            <a:pPr marL="0" indent="0">
               <a:buNone/>
             </a:pPr>
             <a:r>
-              <a:rPr lang="en-US"/>
-              <a:t>Getting started:</a:t>
-            </a:r>
-          </a:p>
-          <a:p>
-            <a:r>
-              <a:rPr lang="en-US"/>
-              <a:t>Pick a name for the Zelig package. For example:</a:t>
-            </a:r>
-          </a:p>
-          <a:p>
-            <a:pPr lvl="1"/>
-            <a:r>
-              <a:rPr lang="en-US"/>
-              <a:t>"ZeligBayesian"</a:t>
-            </a:r>
-          </a:p>
-          <a:p>
-            <a:pPr lvl="1"/>
-            <a:r>
-              <a:rPr lang="en-US"/>
-              <a:t>"ZeligLeastSquares"</a:t>
-            </a:r>
-          </a:p>
-          <a:p>
-            <a:r>
-              <a:rPr lang="en-US"/>
-              <a:t>Pick a model name:</a:t>
-            </a:r>
-          </a:p>
-          <a:p>
-            <a:pPr lvl="1"/>
-            <a:r>
-              <a:rPr lang="en-US"/>
-              <a:t>"logit"</a:t>
-            </a:r>
-          </a:p>
-          <a:p>
-            <a:pPr lvl="1"/>
-            <a:r>
-              <a:rPr lang="en-US"/>
-              <a:t>"gamma"</a:t>
-            </a:r>
-          </a:p>
-          <a:p>
-            <a:endParaRPr lang="en-US"/>
+              <a:rPr lang="en-US" sz="3600" b="1" dirty="0" smtClean="0"/>
+              <a:t>Three things are needed:</a:t>
+            </a:r>
+          </a:p>
+          <a:p>
+            <a:pPr marL="514350" indent="-514350">
+              <a:buFont typeface="+mj-lt"/>
+              <a:buAutoNum type="arabicPeriod"/>
+            </a:pPr>
+            <a:r>
+              <a:rPr lang="en-US" dirty="0" smtClean="0"/>
+              <a:t>Package </a:t>
+            </a:r>
+            <a:r>
+              <a:rPr lang="en-US" dirty="0"/>
+              <a:t>Name, e.g. "</a:t>
+            </a:r>
+            <a:r>
+              <a:rPr lang="en-US" dirty="0" err="1"/>
+              <a:t>ZeligLeastSquares</a:t>
+            </a:r>
+            <a:r>
+              <a:rPr lang="en-US" dirty="0"/>
+              <a:t>"</a:t>
+            </a:r>
+          </a:p>
+          <a:p>
+            <a:pPr marL="514350" indent="-514350">
+              <a:buFont typeface="+mj-lt"/>
+              <a:buAutoNum type="arabicPeriod"/>
+            </a:pPr>
+            <a:r>
+              <a:rPr lang="en-US" dirty="0"/>
+              <a:t>Model Names, e.g. "</a:t>
+            </a:r>
+            <a:r>
+              <a:rPr lang="en-US" dirty="0" err="1"/>
+              <a:t>logit</a:t>
+            </a:r>
+            <a:r>
+              <a:rPr lang="en-US" dirty="0"/>
+              <a:t>" or "gamma"</a:t>
+            </a:r>
+          </a:p>
+          <a:p>
+            <a:pPr marL="514350" indent="-514350">
+              <a:buFont typeface="+mj-lt"/>
+              <a:buAutoNum type="arabicPeriod"/>
+            </a:pPr>
+            <a:r>
+              <a:rPr lang="en-US" dirty="0"/>
+              <a:t>R-package dependencies, e.g. "lme4"</a:t>
+            </a:r>
           </a:p>
         </p:txBody>
       </p:sp>
     </p:spTree>
     <p:extLst>
       <p:ext uri="{BB962C8B-B14F-4D97-AF65-F5344CB8AC3E}">
-        <p14:creationId xmlns="" xmlns:a="http://schemas.openxmlformats.org/drawingml/2006/main" xmlns:r="http://schemas.openxmlformats.org/officeDocument/2006/relationships" xmlns:p="http://schemas.openxmlformats.org/presentationml/2006/main" xmlns:p14="http://schemas.microsoft.com/office/powerpoint/2010/main" xmlns:mv="urn:schemas-microsoft-com:mac:vml" xmlns:mc="http://schemas.openxmlformats.org/markup-compatibility/2006" val="2675064339"/>
+        <p14:creationId xmlns="" xmlns:a="http://schemas.openxmlformats.org/drawingml/2006/main" xmlns:r="http://schemas.openxmlformats.org/officeDocument/2006/relationships" xmlns:p="http://schemas.openxmlformats.org/presentationml/2006/main" xmlns:p14="http://schemas.microsoft.com/office/powerpoint/2010/main" xmlns:mv="urn:schemas-microsoft-com:mac:vml" xmlns:mc="http://schemas.openxmlformats.org/markup-compatibility/2006" val="973143670"/>
       </p:ext>
     </p:extLst>
   </p:cSld>
@@ -7453,6 +7406,120 @@
       </p:grpSpPr>
       <p:sp>
         <p:nvSpPr>
+          <p:cNvPr id="9" name="Title 8"/>
+          <p:cNvSpPr>
+            <a:spLocks noGrp="1"/>
+          </p:cNvSpPr>
+          <p:nvPr>
+            <p:ph type="title"/>
+          </p:nvPr>
+        </p:nvSpPr>
+        <p:spPr/>
+        <p:txBody>
+          <a:bodyPr/>
+          <a:lstStyle/>
+          <a:p>
+            <a:r>
+              <a:rPr lang="en-US"/>
+              <a:t>Using "zelig.skeleton"</a:t>
+            </a:r>
+          </a:p>
+        </p:txBody>
+      </p:sp>
+      <p:sp>
+        <p:nvSpPr>
+          <p:cNvPr id="10" name="Content Placeholder 9"/>
+          <p:cNvSpPr>
+            <a:spLocks noGrp="1"/>
+          </p:cNvSpPr>
+          <p:nvPr>
+            <p:ph idx="1"/>
+          </p:nvPr>
+        </p:nvSpPr>
+        <p:spPr/>
+        <p:txBody>
+          <a:bodyPr/>
+          <a:lstStyle/>
+          <a:p>
+            <a:r>
+              <a:rPr lang="en-US"/>
+              <a:t>Pick a name for the Zelig package.</a:t>
+            </a:r>
+          </a:p>
+          <a:p>
+            <a:pPr lvl="1"/>
+            <a:r>
+              <a:rPr lang="en-US"/>
+              <a:t>"ZeligLeastSquares"</a:t>
+            </a:r>
+          </a:p>
+          <a:p>
+            <a:r>
+              <a:rPr lang="en-US"/>
+              <a:t>Pick a model name</a:t>
+            </a:r>
+          </a:p>
+          <a:p>
+            <a:pPr lvl="1"/>
+            <a:r>
+              <a:rPr lang="en-US"/>
+              <a:t>"twostage"</a:t>
+            </a:r>
+          </a:p>
+          <a:p>
+            <a:r>
+              <a:rPr lang="en-US"/>
+              <a:t>Determine package dependencies</a:t>
+            </a:r>
+          </a:p>
+          <a:p>
+            <a:pPr lvl="1"/>
+            <a:r>
+              <a:rPr lang="en-US"/>
+              <a:t>"systemfit"</a:t>
+            </a:r>
+          </a:p>
+        </p:txBody>
+      </p:sp>
+    </p:spTree>
+    <p:extLst>
+      <p:ext uri="{BB962C8B-B14F-4D97-AF65-F5344CB8AC3E}">
+        <p14:creationId xmlns="" xmlns:a="http://schemas.openxmlformats.org/drawingml/2006/main" xmlns:r="http://schemas.openxmlformats.org/officeDocument/2006/relationships" xmlns:p="http://schemas.openxmlformats.org/presentationml/2006/main" xmlns:p14="http://schemas.microsoft.com/office/powerpoint/2010/main" xmlns:mv="urn:schemas-microsoft-com:mac:vml" xmlns:mc="http://schemas.openxmlformats.org/markup-compatibility/2006" val="2675064339"/>
+      </p:ext>
+    </p:extLst>
+  </p:cSld>
+  <p:clrMapOvr>
+    <a:masterClrMapping/>
+  </p:clrMapOvr>
+  <p:timing>
+    <p:tnLst>
+      <p:par>
+        <p:cTn id="1" dur="indefinite" restart="never" nodeType="tmRoot"/>
+      </p:par>
+    </p:tnLst>
+  </p:timing>
+</p:sld>
+</file>
+
+<file path=ppt/slides/slide27.xml><?xml version="1.0" encoding="utf-8"?>
+<p:sld xmlns:a="http://schemas.openxmlformats.org/drawingml/2006/main" xmlns:r="http://schemas.openxmlformats.org/officeDocument/2006/relationships" xmlns:mc="http://schemas.openxmlformats.org/markup-compatibility/2006" xmlns:mv="urn:schemas-microsoft-com:mac:vml" xmlns:p="http://schemas.openxmlformats.org/presentationml/2006/main" mc:Ignorable="mv" mc:PreserveAttributes="mv:*">
+  <p:cSld>
+    <p:spTree>
+      <p:nvGrpSpPr>
+        <p:cNvPr id="1" name=""/>
+        <p:cNvGrpSpPr/>
+        <p:nvPr/>
+      </p:nvGrpSpPr>
+      <p:grpSpPr>
+        <a:xfrm>
+          <a:off x="0" y="0"/>
+          <a:ext cx="0" cy="0"/>
+          <a:chOff x="0" y="0"/>
+          <a:chExt cx="0" cy="0"/>
+        </a:xfrm>
+      </p:grpSpPr>
+      <p:sp>
+        <p:nvSpPr>
           <p:cNvPr id="2" name="Title 1"/>
           <p:cNvSpPr>
             <a:spLocks noGrp="1"/>
@@ -7484,7 +7551,7 @@
         <p:spPr bwMode="auto">
           <a:xfrm>
             <a:off x="457200" y="1949450"/>
-            <a:ext cx="8229600" cy="2187395"/>
+            <a:ext cx="8229600" cy="1925785"/>
           </a:xfrm>
           <a:prstGeom prst="rect">
             <a:avLst/>
@@ -7587,7 +7654,18 @@
                 <a:ea typeface="Courier New" charset="0"/>
                 <a:cs typeface="Courier New" charset="0"/>
               </a:rPr>
-              <a:t>&gt; pkgName &lt;- "ZeligLeastSquares"</a:t>
+              <a:t>&gt; pkgName &lt;- </a:t>
+            </a:r>
+            <a:r>
+              <a:rPr lang="en-US" sz="1700" dirty="0">
+                <a:solidFill>
+                  <a:schemeClr val="accent2"/>
+                </a:solidFill>
+                <a:latin typeface="Courier New" charset="0"/>
+                <a:ea typeface="Courier New" charset="0"/>
+                <a:cs typeface="Courier New" charset="0"/>
+              </a:rPr>
+              <a:t>"ZeligLeastSquares"</a:t>
             </a:r>
           </a:p>
           <a:p>
@@ -7625,7 +7703,18 @@
                 <a:ea typeface="Courier New" charset="0"/>
                 <a:cs typeface="Courier New" charset="0"/>
               </a:rPr>
-              <a:t>&gt; model &lt;- "twostage"</a:t>
+              <a:t>&gt; model &lt;- </a:t>
+            </a:r>
+            <a:r>
+              <a:rPr lang="en-US" sz="1700" dirty="0">
+                <a:solidFill>
+                  <a:srgbClr val="C0504D"/>
+                </a:solidFill>
+                <a:latin typeface="Courier New" charset="0"/>
+                <a:ea typeface="Courier New" charset="0"/>
+                <a:cs typeface="Courier New" charset="0"/>
+              </a:rPr>
+              <a:t>"twostage"</a:t>
             </a:r>
           </a:p>
           <a:p>
@@ -7663,7 +7752,18 @@
                 <a:ea typeface="Courier New" charset="0"/>
                 <a:cs typeface="Courier New" charset="0"/>
               </a:rPr>
-              <a:t>&gt; author &lt;- "Matt Owen"</a:t>
+              <a:t>&gt; dependencies &lt;- </a:t>
+            </a:r>
+            <a:r>
+              <a:rPr lang="en-US" sz="1700" dirty="0">
+                <a:solidFill>
+                  <a:srgbClr val="C0504D"/>
+                </a:solidFill>
+                <a:latin typeface="Courier New" charset="0"/>
+                <a:ea typeface="Courier New" charset="0"/>
+                <a:cs typeface="Courier New" charset="0"/>
+              </a:rPr>
+              <a:t>"systemfit"</a:t>
             </a:r>
           </a:p>
           <a:p>
@@ -7701,7 +7801,7 @@
                 <a:ea typeface="Courier New" charset="0"/>
                 <a:cs typeface="Courier New" charset="0"/>
               </a:rPr>
-              <a:t>&gt; email &lt;- "mowen@iq.harvard.edu"</a:t>
+              <a:t>&gt;</a:t>
             </a:r>
           </a:p>
           <a:p>
@@ -7739,7 +7839,29 @@
                 <a:ea typeface="Courier New" charset="0"/>
                 <a:cs typeface="Courier New" charset="0"/>
               </a:rPr>
-              <a:t>&gt; zelig.skeleton(pkgName, model, author = author, email = email)</a:t>
+              <a:t>&gt; </a:t>
+            </a:r>
+            <a:r>
+              <a:rPr lang="en-US" sz="1700" b="1" dirty="0">
+                <a:solidFill>
+                  <a:srgbClr val="000000"/>
+                </a:solidFill>
+                <a:latin typeface="Courier New" charset="0"/>
+                <a:ea typeface="Courier New" charset="0"/>
+                <a:cs typeface="Courier New" charset="0"/>
+              </a:rPr>
+              <a:t>zelig.skeleton</a:t>
+            </a:r>
+            <a:r>
+              <a:rPr lang="en-US" sz="1700" dirty="0">
+                <a:solidFill>
+                  <a:srgbClr val="000000"/>
+                </a:solidFill>
+                <a:latin typeface="Courier New" charset="0"/>
+                <a:ea typeface="Courier New" charset="0"/>
+                <a:cs typeface="Courier New" charset="0"/>
+              </a:rPr>
+              <a:t>(pkgName, model, depends = dependencies)</a:t>
             </a:r>
           </a:p>
           <a:p>
@@ -7938,85 +8060,6 @@
 </p:sld>
 </file>
 
-<file path=ppt/slides/slide27.xml><?xml version="1.0" encoding="utf-8"?>
-<p:sld xmlns:a="http://schemas.openxmlformats.org/drawingml/2006/main" xmlns:r="http://schemas.openxmlformats.org/officeDocument/2006/relationships" xmlns:mc="http://schemas.openxmlformats.org/markup-compatibility/2006" xmlns:mv="urn:schemas-microsoft-com:mac:vml" xmlns:p="http://schemas.openxmlformats.org/presentationml/2006/main" mc:Ignorable="mv" mc:PreserveAttributes="mv:*">
-  <p:cSld>
-    <p:spTree>
-      <p:nvGrpSpPr>
-        <p:cNvPr id="1" name=""/>
-        <p:cNvGrpSpPr/>
-        <p:nvPr/>
-      </p:nvGrpSpPr>
-      <p:grpSpPr>
-        <a:xfrm>
-          <a:off x="0" y="0"/>
-          <a:ext cx="0" cy="0"/>
-          <a:chOff x="0" y="0"/>
-          <a:chExt cx="0" cy="0"/>
-        </a:xfrm>
-      </p:grpSpPr>
-      <p:sp>
-        <p:nvSpPr>
-          <p:cNvPr id="4" name="Title 3"/>
-          <p:cNvSpPr>
-            <a:spLocks noGrp="1"/>
-          </p:cNvSpPr>
-          <p:nvPr>
-            <p:ph type="ctrTitle"/>
-          </p:nvPr>
-        </p:nvSpPr>
-        <p:spPr/>
-        <p:txBody>
-          <a:bodyPr/>
-          <a:lstStyle/>
-          <a:p>
-            <a:r>
-              <a:rPr lang="en-US" dirty="0" smtClean="0"/>
-              <a:t>Model Fitting Functions</a:t>
-            </a:r>
-            <a:endParaRPr lang="en-US" dirty="0"/>
-          </a:p>
-        </p:txBody>
-      </p:sp>
-      <p:sp>
-        <p:nvSpPr>
-          <p:cNvPr id="5" name="Subtitle 4"/>
-          <p:cNvSpPr>
-            <a:spLocks noGrp="1"/>
-          </p:cNvSpPr>
-          <p:nvPr>
-            <p:ph type="subTitle" idx="1"/>
-          </p:nvPr>
-        </p:nvSpPr>
-        <p:spPr/>
-        <p:txBody>
-          <a:bodyPr/>
-          <a:lstStyle/>
-          <a:p>
-            <a:endParaRPr lang="en-US"/>
-          </a:p>
-        </p:txBody>
-      </p:sp>
-    </p:spTree>
-    <p:extLst>
-      <p:ext uri="{BB962C8B-B14F-4D97-AF65-F5344CB8AC3E}">
-        <p14:creationId xmlns="" xmlns:a="http://schemas.openxmlformats.org/drawingml/2006/main" xmlns:r="http://schemas.openxmlformats.org/officeDocument/2006/relationships" xmlns:p="http://schemas.openxmlformats.org/presentationml/2006/main" xmlns:p14="http://schemas.microsoft.com/office/powerpoint/2010/main" xmlns:mv="urn:schemas-microsoft-com:mac:vml" xmlns:mc="http://schemas.openxmlformats.org/markup-compatibility/2006" val="942656541"/>
-      </p:ext>
-    </p:extLst>
-  </p:cSld>
-  <p:clrMapOvr>
-    <a:masterClrMapping/>
-  </p:clrMapOvr>
-  <p:timing>
-    <p:tnLst>
-      <p:par>
-        <p:cTn id="1" dur="indefinite" restart="never" nodeType="tmRoot"/>
-      </p:par>
-    </p:tnLst>
-  </p:timing>
-</p:sld>
-</file>
-
 <file path=ppt/slides/slide28.xml><?xml version="1.0" encoding="utf-8"?>
 <p:sld xmlns:a="http://schemas.openxmlformats.org/drawingml/2006/main" xmlns:r="http://schemas.openxmlformats.org/officeDocument/2006/relationships" xmlns:mc="http://schemas.openxmlformats.org/markup-compatibility/2006" xmlns:mv="urn:schemas-microsoft-com:mac:vml" xmlns:p="http://schemas.openxmlformats.org/presentationml/2006/main" mc:Ignorable="mv" mc:PreserveAttributes="mv:*">
   <p:cSld>
@@ -8036,12 +8079,12 @@
       </p:grpSpPr>
       <p:sp>
         <p:nvSpPr>
-          <p:cNvPr id="2" name="Title 1"/>
-          <p:cNvSpPr>
-            <a:spLocks noGrp="1"/>
-          </p:cNvSpPr>
-          <p:nvPr>
-            <p:ph type="title"/>
+          <p:cNvPr id="4" name="Title 3"/>
+          <p:cNvSpPr>
+            <a:spLocks noGrp="1"/>
+          </p:cNvSpPr>
+          <p:nvPr>
+            <p:ph type="ctrTitle"/>
           </p:nvPr>
         </p:nvSpPr>
         <p:spPr/>
@@ -8050,20 +8093,21 @@
           <a:lstStyle/>
           <a:p>
             <a:r>
-              <a:rPr lang="en-US"/>
-              <a:t>Outline for Model Fitting Functions</a:t>
-            </a:r>
-          </a:p>
-        </p:txBody>
-      </p:sp>
-      <p:sp>
-        <p:nvSpPr>
-          <p:cNvPr id="3" name="Content Placeholder 2"/>
-          <p:cNvSpPr>
-            <a:spLocks noGrp="1"/>
-          </p:cNvSpPr>
-          <p:nvPr>
-            <p:ph idx="1"/>
+              <a:rPr lang="en-US" dirty="0" smtClean="0"/>
+              <a:t>Model Fitting Functions</a:t>
+            </a:r>
+            <a:endParaRPr lang="en-US" dirty="0"/>
+          </a:p>
+        </p:txBody>
+      </p:sp>
+      <p:sp>
+        <p:nvSpPr>
+          <p:cNvPr id="5" name="Subtitle 4"/>
+          <p:cNvSpPr>
+            <a:spLocks noGrp="1"/>
+          </p:cNvSpPr>
+          <p:nvPr>
+            <p:ph type="subTitle" idx="1"/>
           </p:nvPr>
         </p:nvSpPr>
         <p:spPr/>
@@ -8071,26 +8115,16 @@
           <a:bodyPr/>
           <a:lstStyle/>
           <a:p>
-            <a:r>
-              <a:rPr lang="en-US"/>
-              <a:t>What is linear regression?</a:t>
-            </a:r>
-          </a:p>
-          <a:p>
-            <a:r>
-              <a:rPr lang="en-US"/>
-              <a:t>Generalized Linear Models (GLM)</a:t>
-            </a:r>
-          </a:p>
-          <a:p>
-            <a:r>
-              <a:rPr lang="en-US"/>
-              <a:t>Example</a:t>
-            </a:r>
+            <a:endParaRPr lang="en-US"/>
           </a:p>
         </p:txBody>
       </p:sp>
     </p:spTree>
+    <p:extLst>
+      <p:ext uri="{BB962C8B-B14F-4D97-AF65-F5344CB8AC3E}">
+        <p14:creationId xmlns="" xmlns:a="http://schemas.openxmlformats.org/drawingml/2006/main" xmlns:r="http://schemas.openxmlformats.org/officeDocument/2006/relationships" xmlns:p="http://schemas.openxmlformats.org/presentationml/2006/main" xmlns:p14="http://schemas.microsoft.com/office/powerpoint/2010/main" xmlns:mv="urn:schemas-microsoft-com:mac:vml" xmlns:mc="http://schemas.openxmlformats.org/markup-compatibility/2006" val="942656541"/>
+      </p:ext>
+    </p:extLst>
   </p:cSld>
   <p:clrMapOvr>
     <a:masterClrMapping/>
@@ -8139,95 +8173,46 @@
           <a:p>
             <a:r>
               <a:rPr lang="en-US"/>
+              <a:t>Outline for Model Fitting Functions</a:t>
+            </a:r>
+          </a:p>
+        </p:txBody>
+      </p:sp>
+      <p:sp>
+        <p:nvSpPr>
+          <p:cNvPr id="3" name="Content Placeholder 2"/>
+          <p:cNvSpPr>
+            <a:spLocks noGrp="1"/>
+          </p:cNvSpPr>
+          <p:nvPr>
+            <p:ph idx="1"/>
+          </p:nvPr>
+        </p:nvSpPr>
+        <p:spPr/>
+        <p:txBody>
+          <a:bodyPr/>
+          <a:lstStyle/>
+          <a:p>
+            <a:r>
+              <a:rPr lang="en-US"/>
               <a:t>What is linear regression?</a:t>
             </a:r>
           </a:p>
-        </p:txBody>
-      </p:sp>
-      <p:sp>
-        <p:nvSpPr>
-          <p:cNvPr id="3" name="Content Placeholder 2"/>
-          <p:cNvSpPr>
-            <a:spLocks noGrp="1"/>
-          </p:cNvSpPr>
-          <p:nvPr>
-            <p:ph idx="1"/>
-          </p:nvPr>
-        </p:nvSpPr>
-        <p:spPr/>
-        <p:txBody>
-          <a:bodyPr>
-            <a:normAutofit lnSpcReduction="10000"/>
-          </a:bodyPr>
-          <a:lstStyle/>
-          <a:p>
-            <a:r>
-              <a:rPr lang="en-US"/>
-              <a:t>A method for </a:t>
-            </a:r>
-            <a:r>
-              <a:rPr lang="en-US" b="1"/>
-              <a:t>explaining</a:t>
-            </a:r>
-            <a:r>
-              <a:rPr lang="en-US"/>
-              <a:t> and </a:t>
-            </a:r>
-            <a:r>
-              <a:rPr lang="en-US" b="1"/>
-              <a:t>predicting</a:t>
-            </a:r>
-            <a:r>
-              <a:rPr lang="en-US"/>
-              <a:t> observations using data</a:t>
-            </a:r>
-          </a:p>
-          <a:p>
-            <a:r>
-              <a:rPr lang="en-US"/>
-              <a:t>A method for determining </a:t>
-            </a:r>
-            <a:r>
-              <a:rPr lang="en-US" b="1"/>
-              <a:t>unknown parameters</a:t>
-            </a:r>
-            <a:r>
-              <a:rPr lang="en-US"/>
-              <a:t> derived from a data set</a:t>
-            </a:r>
-          </a:p>
-          <a:p>
-            <a:pPr lvl="1"/>
-            <a:r>
-              <a:rPr lang="en-US"/>
-              <a:t>How dependent is my response variable on a particular parameter?</a:t>
-            </a:r>
-          </a:p>
-          <a:p>
-            <a:r>
-              <a:rPr lang="en-US"/>
-              <a:t>Specifically, a method for determining </a:t>
-            </a:r>
-            <a:r>
-              <a:rPr lang="en-US" b="1"/>
-              <a:t>conditional expected values</a:t>
-            </a:r>
-          </a:p>
-          <a:p>
-            <a:pPr lvl="1"/>
-            <a:r>
-              <a:rPr lang="en-US"/>
-              <a:t>"Given x and y, the expected value is…"</a:t>
+          <a:p>
+            <a:r>
+              <a:rPr lang="en-US"/>
+              <a:t>Generalized Linear Models (GLM)</a:t>
+            </a:r>
+          </a:p>
+          <a:p>
+            <a:r>
+              <a:rPr lang="en-US"/>
+              <a:t>Example</a:t>
             </a:r>
           </a:p>
         </p:txBody>
       </p:sp>
     </p:spTree>
-    <p:extLst>
-      <p:ext uri="{BB962C8B-B14F-4D97-AF65-F5344CB8AC3E}">
-        <p14:creationId xmlns="" xmlns:a="http://schemas.openxmlformats.org/drawingml/2006/main" xmlns:r="http://schemas.openxmlformats.org/officeDocument/2006/relationships" xmlns:p="http://schemas.openxmlformats.org/presentationml/2006/main" xmlns:p14="http://schemas.microsoft.com/office/powerpoint/2010/main" xmlns:mv="urn:schemas-microsoft-com:mac:vml" xmlns:mc="http://schemas.openxmlformats.org/markup-compatibility/2006" val="1702243699"/>
-      </p:ext>
-    </p:extLst>
   </p:cSld>
   <p:clrMapOvr>
     <a:masterClrMapping/>
@@ -8372,25 +8357,18 @@
         </p:nvSpPr>
         <p:spPr/>
         <p:txBody>
-          <a:bodyPr/>
-          <a:lstStyle/>
-          <a:p>
-            <a:pPr>
-              <a:buNone/>
-            </a:pPr>
-            <a:r>
-              <a:rPr lang="en-US"/>
-              <a:t>There are three necessary components to any generalized linear model:</a:t>
-            </a:r>
-          </a:p>
-          <a:p>
-            <a:r>
-              <a:rPr lang="en-US"/>
-              <a:t>A formula specifying </a:t>
+          <a:bodyPr>
+            <a:normAutofit lnSpcReduction="10000"/>
+          </a:bodyPr>
+          <a:lstStyle/>
+          <a:p>
+            <a:r>
+              <a:rPr lang="en-US"/>
+              <a:t>A method for </a:t>
             </a:r>
             <a:r>
               <a:rPr lang="en-US" b="1"/>
-              <a:t>predictor</a:t>
+              <a:t>explaining</a:t>
             </a:r>
             <a:r>
               <a:rPr lang="en-US"/>
@@ -8398,57 +8376,57 @@
             </a:r>
             <a:r>
               <a:rPr lang="en-US" b="1"/>
-              <a:t>response</a:t>
-            </a:r>
-            <a:r>
-              <a:rPr lang="en-US"/>
-              <a:t> variables: </a:t>
-            </a:r>
-            <a:r>
-              <a:rPr lang="en-US" i="1">
-                <a:latin typeface="Courier New"/>
-                <a:cs typeface="Courier New"/>
-              </a:rPr>
-              <a:t>y ~ x1 + x2 + x3</a:t>
-            </a:r>
-            <a:endParaRPr lang="en-US" b="1" i="1">
-              <a:latin typeface="Courier New"/>
-              <a:cs typeface="Courier New"/>
-            </a:endParaRPr>
-          </a:p>
-          <a:p>
-            <a:r>
-              <a:rPr lang="en-US"/>
-              <a:t>A model – </a:t>
-            </a:r>
-            <a:r>
-              <a:rPr lang="en-US" i="1"/>
-              <a:t>logit, probit, gamma, normal</a:t>
-            </a:r>
-          </a:p>
-          <a:p>
-            <a:r>
-              <a:rPr lang="en-US"/>
-              <a:t>Data – </a:t>
-            </a:r>
-            <a:r>
-              <a:rPr lang="en-US" i="1"/>
-              <a:t>a data-set stored as a </a:t>
-            </a:r>
-            <a:r>
-              <a:rPr lang="en-US" b="1" i="1"/>
-              <a:t>data.frame</a:t>
-            </a:r>
-          </a:p>
-          <a:p>
-            <a:endParaRPr lang="en-US"/>
+              <a:t>predicting</a:t>
+            </a:r>
+            <a:r>
+              <a:rPr lang="en-US"/>
+              <a:t> observations using data</a:t>
+            </a:r>
+          </a:p>
+          <a:p>
+            <a:r>
+              <a:rPr lang="en-US"/>
+              <a:t>A method for determining </a:t>
+            </a:r>
+            <a:r>
+              <a:rPr lang="en-US" b="1"/>
+              <a:t>unknown parameters</a:t>
+            </a:r>
+            <a:r>
+              <a:rPr lang="en-US"/>
+              <a:t> derived from a data set</a:t>
+            </a:r>
+          </a:p>
+          <a:p>
+            <a:pPr lvl="1"/>
+            <a:r>
+              <a:rPr lang="en-US"/>
+              <a:t>How dependent is my response variable on a particular parameter?</a:t>
+            </a:r>
+          </a:p>
+          <a:p>
+            <a:r>
+              <a:rPr lang="en-US"/>
+              <a:t>Specifically, a method for determining </a:t>
+            </a:r>
+            <a:r>
+              <a:rPr lang="en-US" b="1"/>
+              <a:t>conditional expected values</a:t>
+            </a:r>
+          </a:p>
+          <a:p>
+            <a:pPr lvl="1"/>
+            <a:r>
+              <a:rPr lang="en-US"/>
+              <a:t>"Given x and y, the expected value is…"</a:t>
+            </a:r>
           </a:p>
         </p:txBody>
       </p:sp>
     </p:spTree>
     <p:extLst>
       <p:ext uri="{BB962C8B-B14F-4D97-AF65-F5344CB8AC3E}">
-        <p14:creationId xmlns="" xmlns:a="http://schemas.openxmlformats.org/drawingml/2006/main" xmlns:r="http://schemas.openxmlformats.org/officeDocument/2006/relationships" xmlns:p="http://schemas.openxmlformats.org/presentationml/2006/main" xmlns:p14="http://schemas.microsoft.com/office/powerpoint/2010/main" xmlns:mv="urn:schemas-microsoft-com:mac:vml" xmlns:mc="http://schemas.openxmlformats.org/markup-compatibility/2006" val="3143245456"/>
+        <p14:creationId xmlns="" xmlns:a="http://schemas.openxmlformats.org/drawingml/2006/main" xmlns:r="http://schemas.openxmlformats.org/officeDocument/2006/relationships" xmlns:p="http://schemas.openxmlformats.org/presentationml/2006/main" xmlns:p14="http://schemas.microsoft.com/office/powerpoint/2010/main" xmlns:mv="urn:schemas-microsoft-com:mac:vml" xmlns:mc="http://schemas.openxmlformats.org/markup-compatibility/2006" val="1702243699"/>
       </p:ext>
     </p:extLst>
   </p:cSld>
@@ -8499,7 +8477,7 @@
           <a:p>
             <a:r>
               <a:rPr lang="en-US"/>
-              <a:t>Basics</a:t>
+              <a:t>What is linear regression?</a:t>
             </a:r>
           </a:p>
         </p:txBody>
@@ -8519,74 +8497,80 @@
           <a:bodyPr/>
           <a:lstStyle/>
           <a:p>
-            <a:r>
-              <a:rPr lang="en-US"/>
-              <a:t>The "lm" model finds the function that best </a:t>
+            <a:pPr>
+              <a:buNone/>
+            </a:pPr>
+            <a:r>
+              <a:rPr lang="en-US"/>
+              <a:t>There are three necessary components to any generalized linear model:</a:t>
+            </a:r>
+          </a:p>
+          <a:p>
+            <a:r>
+              <a:rPr lang="en-US"/>
+              <a:t>A formula specifying </a:t>
             </a:r>
             <a:r>
               <a:rPr lang="en-US" b="1"/>
-              <a:t>approximates </a:t>
-            </a:r>
-            <a:r>
-              <a:rPr lang="en-US"/>
-              <a:t>the observed data </a:t>
-            </a:r>
-            <a:r>
-              <a:rPr lang="en-US" b="1" u="sng"/>
-              <a:t>with a line</a:t>
-            </a:r>
+              <a:t>predictor</a:t>
+            </a:r>
+            <a:r>
+              <a:rPr lang="en-US"/>
+              <a:t> and </a:t>
+            </a:r>
+            <a:r>
+              <a:rPr lang="en-US" b="1"/>
+              <a:t>response</a:t>
+            </a:r>
+            <a:r>
+              <a:rPr lang="en-US"/>
+              <a:t> variables: </a:t>
+            </a:r>
+            <a:r>
+              <a:rPr lang="en-US" i="1">
+                <a:latin typeface="Courier New"/>
+                <a:cs typeface="Courier New"/>
+              </a:rPr>
+              <a:t>y ~ x1 + x2 + x3</a:t>
+            </a:r>
+            <a:endParaRPr lang="en-US" b="1" i="1">
+              <a:latin typeface="Courier New"/>
+              <a:cs typeface="Courier New"/>
+            </a:endParaRPr>
+          </a:p>
+          <a:p>
+            <a:r>
+              <a:rPr lang="en-US"/>
+              <a:t>A model – </a:t>
+            </a:r>
+            <a:r>
+              <a:rPr lang="en-US" i="1"/>
+              <a:t>logit, probit, gamma, normal</a:t>
+            </a:r>
+          </a:p>
+          <a:p>
+            <a:r>
+              <a:rPr lang="en-US"/>
+              <a:t>Data – </a:t>
+            </a:r>
+            <a:r>
+              <a:rPr lang="en-US" i="1"/>
+              <a:t>a data-set stored as a </a:t>
+            </a:r>
+            <a:r>
+              <a:rPr lang="en-US" b="1" i="1"/>
+              <a:t>data.frame</a:t>
+            </a:r>
+          </a:p>
+          <a:p>
             <a:endParaRPr lang="en-US"/>
-          </a:p>
-          <a:p>
-            <a:r>
-              <a:rPr lang="en-US"/>
-              <a:t>Other regression models approximate observe data with a </a:t>
-            </a:r>
-            <a:r>
-              <a:rPr lang="en-US" b="1"/>
-              <a:t>nonlinear function</a:t>
-            </a:r>
-            <a:r>
-              <a:rPr lang="en-US"/>
-              <a:t> that takes a line as its parameter</a:t>
-            </a:r>
-          </a:p>
-          <a:p>
-            <a:pPr lvl="1"/>
-            <a:r>
-              <a:rPr lang="en-US"/>
-              <a:t>f(y) = X B</a:t>
-            </a:r>
-          </a:p>
-          <a:p>
-            <a:pPr lvl="1"/>
-            <a:r>
-              <a:rPr lang="en-US"/>
-              <a:t>Where </a:t>
-            </a:r>
-            <a:r>
-              <a:rPr lang="en-US" b="1"/>
-              <a:t>X</a:t>
-            </a:r>
-            <a:r>
-              <a:rPr lang="en-US"/>
-              <a:t> is a matrix and </a:t>
-            </a:r>
-            <a:r>
-              <a:rPr lang="en-US" b="1"/>
-              <a:t>B</a:t>
-            </a:r>
-            <a:r>
-              <a:rPr lang="en-US"/>
-              <a:t> is a vector</a:t>
-            </a:r>
           </a:p>
         </p:txBody>
       </p:sp>
     </p:spTree>
     <p:extLst>
       <p:ext uri="{BB962C8B-B14F-4D97-AF65-F5344CB8AC3E}">
-        <p14:creationId xmlns="" xmlns:a="http://schemas.openxmlformats.org/drawingml/2006/main" xmlns:r="http://schemas.openxmlformats.org/officeDocument/2006/relationships" xmlns:p="http://schemas.openxmlformats.org/presentationml/2006/main" xmlns:p14="http://schemas.microsoft.com/office/powerpoint/2010/main" xmlns:mv="urn:schemas-microsoft-com:mac:vml" xmlns:mc="http://schemas.openxmlformats.org/markup-compatibility/2006" val="1265913865"/>
+        <p14:creationId xmlns="" xmlns:a="http://schemas.openxmlformats.org/drawingml/2006/main" xmlns:r="http://schemas.openxmlformats.org/officeDocument/2006/relationships" xmlns:p="http://schemas.openxmlformats.org/presentationml/2006/main" xmlns:p14="http://schemas.microsoft.com/office/powerpoint/2010/main" xmlns:mv="urn:schemas-microsoft-com:mac:vml" xmlns:mc="http://schemas.openxmlformats.org/markup-compatibility/2006" val="3143245456"/>
       </p:ext>
     </p:extLst>
   </p:cSld>
@@ -8637,7 +8621,7 @@
           <a:p>
             <a:r>
               <a:rPr lang="en-US"/>
-              <a:t>Generalized Linear Models</a:t>
+              <a:t>Basics</a:t>
             </a:r>
           </a:p>
         </p:txBody>
@@ -8659,13 +8643,64 @@
           <a:p>
             <a:r>
               <a:rPr lang="en-US"/>
-              <a:t>The "least squares" method is the foundation of fitting generalized linear models (GLM's)</a:t>
-            </a:r>
-          </a:p>
-          <a:p>
-            <a:r>
-              <a:rPr lang="en-US"/>
-              <a:t>And information on how significantly the response variables varies with the predictor variables</a:t>
+              <a:t>The "lm" model finds the function that best </a:t>
+            </a:r>
+            <a:r>
+              <a:rPr lang="en-US" b="1"/>
+              <a:t>approximates </a:t>
+            </a:r>
+            <a:r>
+              <a:rPr lang="en-US"/>
+              <a:t>the observed data </a:t>
+            </a:r>
+            <a:r>
+              <a:rPr lang="en-US" b="1" u="sng"/>
+              <a:t>with a line</a:t>
+            </a:r>
+            <a:endParaRPr lang="en-US"/>
+          </a:p>
+          <a:p>
+            <a:r>
+              <a:rPr lang="en-US"/>
+              <a:t>Other regression models approximate observe data with a </a:t>
+            </a:r>
+            <a:r>
+              <a:rPr lang="en-US" b="1"/>
+              <a:t>nonlinear function</a:t>
+            </a:r>
+            <a:r>
+              <a:rPr lang="en-US"/>
+              <a:t> that takes a line as its parameter</a:t>
+            </a:r>
+          </a:p>
+          <a:p>
+            <a:pPr lvl="1"/>
+            <a:r>
+              <a:rPr lang="en-US"/>
+              <a:t>f(y) = X B</a:t>
+            </a:r>
+          </a:p>
+          <a:p>
+            <a:pPr lvl="1"/>
+            <a:r>
+              <a:rPr lang="en-US"/>
+              <a:t>Where </a:t>
+            </a:r>
+            <a:r>
+              <a:rPr lang="en-US" b="1"/>
+              <a:t>X</a:t>
+            </a:r>
+            <a:r>
+              <a:rPr lang="en-US"/>
+              <a:t> is a matrix and </a:t>
+            </a:r>
+            <a:r>
+              <a:rPr lang="en-US" b="1"/>
+              <a:t>B</a:t>
+            </a:r>
+            <a:r>
+              <a:rPr lang="en-US"/>
+              <a:t> is a vector</a:t>
             </a:r>
           </a:p>
         </p:txBody>
@@ -8673,7 +8708,7 @@
     </p:spTree>
     <p:extLst>
       <p:ext uri="{BB962C8B-B14F-4D97-AF65-F5344CB8AC3E}">
-        <p14:creationId xmlns="" xmlns:a="http://schemas.openxmlformats.org/drawingml/2006/main" xmlns:r="http://schemas.openxmlformats.org/officeDocument/2006/relationships" xmlns:p="http://schemas.openxmlformats.org/presentationml/2006/main" xmlns:p14="http://schemas.microsoft.com/office/powerpoint/2010/main" xmlns:mv="urn:schemas-microsoft-com:mac:vml" xmlns:mc="http://schemas.openxmlformats.org/markup-compatibility/2006" val="3465388416"/>
+        <p14:creationId xmlns="" xmlns:a="http://schemas.openxmlformats.org/drawingml/2006/main" xmlns:r="http://schemas.openxmlformats.org/officeDocument/2006/relationships" xmlns:p="http://schemas.openxmlformats.org/presentationml/2006/main" xmlns:p14="http://schemas.microsoft.com/office/powerpoint/2010/main" xmlns:mv="urn:schemas-microsoft-com:mac:vml" xmlns:mc="http://schemas.openxmlformats.org/markup-compatibility/2006" val="1265913865"/>
       </p:ext>
     </p:extLst>
   </p:cSld>
@@ -8724,34 +8759,43 @@
           <a:p>
             <a:r>
               <a:rPr lang="en-US"/>
-              <a:t>Example: Data</a:t>
-            </a:r>
-          </a:p>
-        </p:txBody>
-      </p:sp>
-      <p:pic>
-        <p:nvPicPr>
-          <p:cNvPr id="6" name="Content Placeholder 5" descr="Linear_Data.png"/>
-          <p:cNvPicPr>
-            <a:picLocks noGrp="1" noChangeAspect="1"/>
-          </p:cNvPicPr>
+              <a:t>Generalized Linear Models</a:t>
+            </a:r>
+          </a:p>
+        </p:txBody>
+      </p:sp>
+      <p:sp>
+        <p:nvSpPr>
+          <p:cNvPr id="3" name="Content Placeholder 2"/>
+          <p:cNvSpPr>
+            <a:spLocks noGrp="1"/>
+          </p:cNvSpPr>
           <p:nvPr>
             <p:ph idx="1"/>
           </p:nvPr>
-        </p:nvPicPr>
-        <p:blipFill>
-          <a:blip r:embed="rId2"/>
-          <a:srcRect l="-40915" r="-40915"/>
-          <a:stretch>
-            <a:fillRect/>
-          </a:stretch>
-        </p:blipFill>
+        </p:nvSpPr>
         <p:spPr/>
-      </p:pic>
+        <p:txBody>
+          <a:bodyPr/>
+          <a:lstStyle/>
+          <a:p>
+            <a:r>
+              <a:rPr lang="en-US"/>
+              <a:t>The "least squares" method is the foundation of fitting generalized linear models (GLM's)</a:t>
+            </a:r>
+          </a:p>
+          <a:p>
+            <a:r>
+              <a:rPr lang="en-US"/>
+              <a:t>And information on how significantly the response variables varies with the predictor variables</a:t>
+            </a:r>
+          </a:p>
+        </p:txBody>
+      </p:sp>
     </p:spTree>
     <p:extLst>
       <p:ext uri="{BB962C8B-B14F-4D97-AF65-F5344CB8AC3E}">
-        <p14:creationId xmlns="" xmlns:a="http://schemas.openxmlformats.org/drawingml/2006/main" xmlns:r="http://schemas.openxmlformats.org/officeDocument/2006/relationships" xmlns:p="http://schemas.openxmlformats.org/presentationml/2006/main" xmlns:p14="http://schemas.microsoft.com/office/powerpoint/2010/main" xmlns:mv="urn:schemas-microsoft-com:mac:vml" xmlns:mc="http://schemas.openxmlformats.org/markup-compatibility/2006" val="2972905603"/>
+        <p14:creationId xmlns="" xmlns:a="http://schemas.openxmlformats.org/drawingml/2006/main" xmlns:r="http://schemas.openxmlformats.org/officeDocument/2006/relationships" xmlns:p="http://schemas.openxmlformats.org/presentationml/2006/main" xmlns:p14="http://schemas.microsoft.com/office/powerpoint/2010/main" xmlns:mv="urn:schemas-microsoft-com:mac:vml" xmlns:mc="http://schemas.openxmlformats.org/markup-compatibility/2006" val="3465388416"/>
       </p:ext>
     </p:extLst>
   </p:cSld>
@@ -8797,28 +8841,19 @@
         </p:nvSpPr>
         <p:spPr/>
         <p:txBody>
-          <a:bodyPr>
-            <a:normAutofit fontScale="90000"/>
-          </a:bodyPr>
+          <a:bodyPr/>
           <a:lstStyle/>
           <a:p>
             <a:r>
               <a:rPr lang="en-US"/>
               <a:t>Example: Data</a:t>
-            </a:r>
-            <a:br>
-              <a:rPr lang="en-US"/>
-            </a:br>
-            <a:r>
-              <a:rPr lang="en-US"/>
-              <a:t>(and Linear Regression)</a:t>
             </a:r>
           </a:p>
         </p:txBody>
       </p:sp>
       <p:pic>
         <p:nvPicPr>
-          <p:cNvPr id="4" name="Content Placeholder 3" descr="Linear_Regression.png"/>
+          <p:cNvPr id="6" name="Content Placeholder 5" descr="Linear_Data.png"/>
           <p:cNvPicPr>
             <a:picLocks noGrp="1" noChangeAspect="1"/>
           </p:cNvPicPr>
@@ -8838,7 +8873,7 @@
     </p:spTree>
     <p:extLst>
       <p:ext uri="{BB962C8B-B14F-4D97-AF65-F5344CB8AC3E}">
-        <p14:creationId xmlns="" xmlns:a="http://schemas.openxmlformats.org/drawingml/2006/main" xmlns:r="http://schemas.openxmlformats.org/officeDocument/2006/relationships" xmlns:p="http://schemas.openxmlformats.org/presentationml/2006/main" xmlns:p14="http://schemas.microsoft.com/office/powerpoint/2010/main" xmlns:mv="urn:schemas-microsoft-com:mac:vml" xmlns:mc="http://schemas.openxmlformats.org/markup-compatibility/2006" val="2382241759"/>
+        <p14:creationId xmlns="" xmlns:a="http://schemas.openxmlformats.org/drawingml/2006/main" xmlns:r="http://schemas.openxmlformats.org/officeDocument/2006/relationships" xmlns:p="http://schemas.openxmlformats.org/presentationml/2006/main" xmlns:p14="http://schemas.microsoft.com/office/powerpoint/2010/main" xmlns:mv="urn:schemas-microsoft-com:mac:vml" xmlns:mc="http://schemas.openxmlformats.org/markup-compatibility/2006" val="2972905603"/>
       </p:ext>
     </p:extLst>
   </p:cSld>
@@ -8874,50 +8909,58 @@
       </p:grpSpPr>
       <p:sp>
         <p:nvSpPr>
-          <p:cNvPr id="3" name="Title 2"/>
-          <p:cNvSpPr>
-            <a:spLocks noGrp="1"/>
-          </p:cNvSpPr>
-          <p:nvPr>
-            <p:ph type="ctrTitle"/>
+          <p:cNvPr id="2" name="Title 1"/>
+          <p:cNvSpPr>
+            <a:spLocks noGrp="1"/>
+          </p:cNvSpPr>
+          <p:nvPr>
+            <p:ph type="title"/>
           </p:nvPr>
         </p:nvSpPr>
         <p:spPr/>
         <p:txBody>
-          <a:bodyPr/>
-          <a:lstStyle/>
-          <a:p>
-            <a:r>
-              <a:rPr lang="en-US" dirty="0" smtClean="0"/>
-              <a:t>The zelig2 Method</a:t>
-            </a:r>
-            <a:endParaRPr lang="en-US" dirty="0"/>
-          </a:p>
-        </p:txBody>
-      </p:sp>
-      <p:sp>
-        <p:nvSpPr>
-          <p:cNvPr id="4" name="Subtitle 3"/>
-          <p:cNvSpPr>
-            <a:spLocks noGrp="1"/>
-          </p:cNvSpPr>
-          <p:nvPr>
-            <p:ph type="subTitle" idx="1"/>
-          </p:nvPr>
-        </p:nvSpPr>
+          <a:bodyPr>
+            <a:normAutofit fontScale="90000"/>
+          </a:bodyPr>
+          <a:lstStyle/>
+          <a:p>
+            <a:r>
+              <a:rPr lang="en-US"/>
+              <a:t>Example: Data</a:t>
+            </a:r>
+            <a:br>
+              <a:rPr lang="en-US"/>
+            </a:br>
+            <a:r>
+              <a:rPr lang="en-US"/>
+              <a:t>(and Linear Regression)</a:t>
+            </a:r>
+          </a:p>
+        </p:txBody>
+      </p:sp>
+      <p:pic>
+        <p:nvPicPr>
+          <p:cNvPr id="4" name="Content Placeholder 3" descr="Linear_Regression.png"/>
+          <p:cNvPicPr>
+            <a:picLocks noGrp="1" noChangeAspect="1"/>
+          </p:cNvPicPr>
+          <p:nvPr>
+            <p:ph idx="1"/>
+          </p:nvPr>
+        </p:nvPicPr>
+        <p:blipFill>
+          <a:blip r:embed="rId2"/>
+          <a:srcRect l="-40915" r="-40915"/>
+          <a:stretch>
+            <a:fillRect/>
+          </a:stretch>
+        </p:blipFill>
         <p:spPr/>
-        <p:txBody>
-          <a:bodyPr/>
-          <a:lstStyle/>
-          <a:p>
-            <a:endParaRPr lang="en-US"/>
-          </a:p>
-        </p:txBody>
-      </p:sp>
+      </p:pic>
     </p:spTree>
     <p:extLst>
       <p:ext uri="{BB962C8B-B14F-4D97-AF65-F5344CB8AC3E}">
-        <p14:creationId xmlns="" xmlns:a="http://schemas.openxmlformats.org/drawingml/2006/main" xmlns:r="http://schemas.openxmlformats.org/officeDocument/2006/relationships" xmlns:p="http://schemas.openxmlformats.org/presentationml/2006/main" xmlns:p14="http://schemas.microsoft.com/office/powerpoint/2010/main" xmlns:mv="urn:schemas-microsoft-com:mac:vml" xmlns:mc="http://schemas.openxmlformats.org/markup-compatibility/2006" val="2601398369"/>
+        <p14:creationId xmlns="" xmlns:a="http://schemas.openxmlformats.org/drawingml/2006/main" xmlns:r="http://schemas.openxmlformats.org/officeDocument/2006/relationships" xmlns:p="http://schemas.openxmlformats.org/presentationml/2006/main" xmlns:p14="http://schemas.microsoft.com/office/powerpoint/2010/main" xmlns:mv="urn:schemas-microsoft-com:mac:vml" xmlns:mc="http://schemas.openxmlformats.org/markup-compatibility/2006" val="2382241759"/>
       </p:ext>
     </p:extLst>
   </p:cSld>
@@ -8953,12 +8996,12 @@
       </p:grpSpPr>
       <p:sp>
         <p:nvSpPr>
-          <p:cNvPr id="2" name="Title 1"/>
-          <p:cNvSpPr>
-            <a:spLocks noGrp="1"/>
-          </p:cNvSpPr>
-          <p:nvPr>
-            <p:ph type="title"/>
+          <p:cNvPr id="3" name="Title 2"/>
+          <p:cNvSpPr>
+            <a:spLocks noGrp="1"/>
+          </p:cNvSpPr>
+          <p:nvPr>
+            <p:ph type="ctrTitle"/>
           </p:nvPr>
         </p:nvSpPr>
         <p:spPr/>
@@ -8968,7 +9011,7 @@
           <a:p>
             <a:r>
               <a:rPr lang="en-US" dirty="0" smtClean="0"/>
-              <a:t>Outline</a:t>
+              <a:t>The zelig2 Method</a:t>
             </a:r>
             <a:endParaRPr lang="en-US" dirty="0"/>
           </a:p>
@@ -8976,12 +9019,12 @@
       </p:sp>
       <p:sp>
         <p:nvSpPr>
-          <p:cNvPr id="3" name="Content Placeholder 2"/>
-          <p:cNvSpPr>
-            <a:spLocks noGrp="1"/>
-          </p:cNvSpPr>
-          <p:nvPr>
-            <p:ph idx="1"/>
+          <p:cNvPr id="4" name="Subtitle 3"/>
+          <p:cNvSpPr>
+            <a:spLocks noGrp="1"/>
+          </p:cNvSpPr>
+          <p:nvPr>
+            <p:ph type="subTitle" idx="1"/>
           </p:nvPr>
         </p:nvSpPr>
         <p:spPr/>
@@ -8989,38 +9032,14 @@
           <a:bodyPr/>
           <a:lstStyle/>
           <a:p>
-            <a:r>
-              <a:rPr lang="en-US" dirty="0" smtClean="0"/>
-              <a:t>Overview</a:t>
-            </a:r>
-          </a:p>
-          <a:p>
-            <a:r>
-              <a:rPr lang="en-US" dirty="0" smtClean="0"/>
-              <a:t>What is a "zelig2" method?</a:t>
-            </a:r>
-          </a:p>
-          <a:p>
-            <a:r>
-              <a:rPr lang="en-US" dirty="0" smtClean="0"/>
-              <a:t>Format of a zelig2 method</a:t>
-            </a:r>
-          </a:p>
-          <a:p>
-            <a:r>
-              <a:rPr lang="en-US" dirty="0" smtClean="0"/>
-              <a:t>Writing the zelig2 method</a:t>
-            </a:r>
-          </a:p>
-          <a:p>
-            <a:endParaRPr lang="en-US" dirty="0"/>
+            <a:endParaRPr lang="en-US"/>
           </a:p>
         </p:txBody>
       </p:sp>
     </p:spTree>
     <p:extLst>
       <p:ext uri="{BB962C8B-B14F-4D97-AF65-F5344CB8AC3E}">
-        <p14:creationId xmlns="" xmlns:a="http://schemas.openxmlformats.org/drawingml/2006/main" xmlns:r="http://schemas.openxmlformats.org/officeDocument/2006/relationships" xmlns:p="http://schemas.openxmlformats.org/presentationml/2006/main" xmlns:p14="http://schemas.microsoft.com/office/powerpoint/2010/main" xmlns:mv="urn:schemas-microsoft-com:mac:vml" xmlns:mc="http://schemas.openxmlformats.org/markup-compatibility/2006" val="520387571"/>
+        <p14:creationId xmlns="" xmlns:a="http://schemas.openxmlformats.org/drawingml/2006/main" xmlns:r="http://schemas.openxmlformats.org/officeDocument/2006/relationships" xmlns:p="http://schemas.openxmlformats.org/presentationml/2006/main" xmlns:p14="http://schemas.microsoft.com/office/powerpoint/2010/main" xmlns:mv="urn:schemas-microsoft-com:mac:vml" xmlns:mc="http://schemas.openxmlformats.org/markup-compatibility/2006" val="2601398369"/>
       </p:ext>
     </p:extLst>
   </p:cSld>
@@ -9070,47 +9089,62 @@
           <a:lstStyle/>
           <a:p>
             <a:r>
-              <a:rPr lang="en-US"/>
+              <a:rPr lang="en-US" dirty="0" smtClean="0"/>
+              <a:t>Outline</a:t>
+            </a:r>
+            <a:endParaRPr lang="en-US" dirty="0"/>
+          </a:p>
+        </p:txBody>
+      </p:sp>
+      <p:sp>
+        <p:nvSpPr>
+          <p:cNvPr id="3" name="Content Placeholder 2"/>
+          <p:cNvSpPr>
+            <a:spLocks noGrp="1"/>
+          </p:cNvSpPr>
+          <p:nvPr>
+            <p:ph idx="1"/>
+          </p:nvPr>
+        </p:nvSpPr>
+        <p:spPr/>
+        <p:txBody>
+          <a:bodyPr/>
+          <a:lstStyle/>
+          <a:p>
+            <a:r>
+              <a:rPr lang="en-US" dirty="0" smtClean="0"/>
               <a:t>Overview</a:t>
             </a:r>
           </a:p>
-        </p:txBody>
-      </p:sp>
-      <p:sp>
-        <p:nvSpPr>
-          <p:cNvPr id="3" name="Content Placeholder 2"/>
-          <p:cNvSpPr>
-            <a:spLocks noGrp="1"/>
-          </p:cNvSpPr>
-          <p:nvPr>
-            <p:ph idx="1"/>
-          </p:nvPr>
-        </p:nvSpPr>
-        <p:spPr/>
-        <p:txBody>
-          <a:bodyPr/>
-          <a:lstStyle/>
-          <a:p>
-            <a:r>
-              <a:rPr lang="en-US"/>
-              <a:t>Today we are focusing on fitting the statistical model</a:t>
-            </a:r>
-          </a:p>
-          <a:p>
-            <a:r>
-              <a:rPr lang="en-US"/>
-              <a:t>Zelig requires (typically) that the model is fitted externally</a:t>
-            </a:r>
-          </a:p>
-          <a:p>
-            <a:r>
-              <a:rPr lang="en-US"/>
-              <a:t>Most models are based on "lm" or "glm" because of their general nature</a:t>
-            </a:r>
+          <a:p>
+            <a:r>
+              <a:rPr lang="en-US" dirty="0" smtClean="0"/>
+              <a:t>What is a "zelig2" method?</a:t>
+            </a:r>
+          </a:p>
+          <a:p>
+            <a:r>
+              <a:rPr lang="en-US" dirty="0" smtClean="0"/>
+              <a:t>Format of a zelig2 method</a:t>
+            </a:r>
+          </a:p>
+          <a:p>
+            <a:r>
+              <a:rPr lang="en-US" dirty="0" smtClean="0"/>
+              <a:t>Writing the zelig2 method</a:t>
+            </a:r>
+          </a:p>
+          <a:p>
+            <a:endParaRPr lang="en-US" dirty="0"/>
           </a:p>
         </p:txBody>
       </p:sp>
     </p:spTree>
+    <p:extLst>
+      <p:ext uri="{BB962C8B-B14F-4D97-AF65-F5344CB8AC3E}">
+        <p14:creationId xmlns="" xmlns:a="http://schemas.openxmlformats.org/drawingml/2006/main" xmlns:r="http://schemas.openxmlformats.org/officeDocument/2006/relationships" xmlns:p="http://schemas.openxmlformats.org/presentationml/2006/main" xmlns:p14="http://schemas.microsoft.com/office/powerpoint/2010/main" xmlns:mv="urn:schemas-microsoft-com:mac:vml" xmlns:mc="http://schemas.openxmlformats.org/markup-compatibility/2006" val="520387571"/>
+      </p:ext>
+    </p:extLst>
   </p:cSld>
   <p:clrMapOvr>
     <a:masterClrMapping/>
@@ -9158,10 +9192,9 @@
           <a:lstStyle/>
           <a:p>
             <a:r>
-              <a:rPr lang="en-US" dirty="0" smtClean="0"/>
-              <a:t>Goals</a:t>
-            </a:r>
-            <a:endParaRPr lang="en-US" dirty="0"/>
+              <a:rPr lang="en-US"/>
+              <a:t>Overview</a:t>
+            </a:r>
           </a:p>
         </p:txBody>
       </p:sp>
@@ -9177,73 +9210,29 @@
         </p:nvSpPr>
         <p:spPr/>
         <p:txBody>
-          <a:bodyPr>
-            <a:normAutofit lnSpcReduction="10000"/>
-          </a:bodyPr>
-          <a:lstStyle/>
-          <a:p>
-            <a:r>
-              <a:rPr lang="en-US" dirty="0" smtClean="0"/>
-              <a:t>We are going to focus on simulating individual statistical models</a:t>
-            </a:r>
-          </a:p>
-          <a:p>
-            <a:r>
-              <a:rPr lang="en-US" dirty="0" smtClean="0"/>
-              <a:t>Each student will create an R package</a:t>
-            </a:r>
-          </a:p>
-          <a:p>
-            <a:r>
-              <a:rPr lang="en-US" dirty="0" smtClean="0"/>
-              <a:t>Each student will implement a single statistical model</a:t>
-            </a:r>
-          </a:p>
-          <a:p>
-            <a:r>
-              <a:rPr lang="en-US" dirty="0" smtClean="0"/>
-              <a:t>This model will be made up of 3 methods:</a:t>
-            </a:r>
-          </a:p>
-          <a:p>
-            <a:pPr lvl="1"/>
-            <a:r>
-              <a:rPr lang="en-US" dirty="0" smtClean="0"/>
-              <a:t>zelig2&lt;model-name&gt;</a:t>
-            </a:r>
-          </a:p>
-          <a:p>
-            <a:pPr lvl="1"/>
-            <a:r>
-              <a:rPr lang="en-US" dirty="0" err="1" smtClean="0"/>
-              <a:t>param</a:t>
-            </a:r>
-            <a:r>
-              <a:rPr lang="en-US" dirty="0" smtClean="0"/>
-              <a:t>.&lt;model-name&gt;</a:t>
-            </a:r>
-          </a:p>
-          <a:p>
-            <a:pPr lvl="1"/>
-            <a:r>
-              <a:rPr lang="en-US" dirty="0" smtClean="0"/>
-              <a:t>qi.&lt;model-name&gt;</a:t>
-            </a:r>
-          </a:p>
-          <a:p>
-            <a:endParaRPr lang="en-US" dirty="0" smtClean="0"/>
-          </a:p>
-          <a:p>
-            <a:endParaRPr lang="en-US" dirty="0"/>
+          <a:bodyPr/>
+          <a:lstStyle/>
+          <a:p>
+            <a:r>
+              <a:rPr lang="en-US"/>
+              <a:t>Today we are focusing on fitting the statistical model</a:t>
+            </a:r>
+          </a:p>
+          <a:p>
+            <a:r>
+              <a:rPr lang="en-US"/>
+              <a:t>Zelig requires (typically) that the model is fitted externally</a:t>
+            </a:r>
+          </a:p>
+          <a:p>
+            <a:r>
+              <a:rPr lang="en-US"/>
+              <a:t>Most models are based on "lm" or "glm" because of their general nature</a:t>
+            </a:r>
           </a:p>
         </p:txBody>
       </p:sp>
     </p:spTree>
-    <p:extLst>
-      <p:ext uri="{BB962C8B-B14F-4D97-AF65-F5344CB8AC3E}">
-        <p14:creationId xmlns="" xmlns:a="http://schemas.openxmlformats.org/drawingml/2006/main" xmlns:r="http://schemas.openxmlformats.org/officeDocument/2006/relationships" xmlns:p="http://schemas.openxmlformats.org/presentationml/2006/main" xmlns:p14="http://schemas.microsoft.com/office/powerpoint/2010/main" xmlns:mv="urn:schemas-microsoft-com:mac:vml" xmlns:mc="http://schemas.openxmlformats.org/markup-compatibility/2006" val="1712515247"/>
-      </p:ext>
-    </p:extLst>
   </p:cSld>
   <p:clrMapOvr>
     <a:masterClrMapping/>
@@ -9291,8 +9280,294 @@
           <a:lstStyle/>
           <a:p>
             <a:r>
-              <a:rPr lang="en-US"/>
-              <a:t>Format of a zelig2 function</a:t>
+              <a:rPr lang="en-US" dirty="0" smtClean="0"/>
+              <a:t>Goals</a:t>
+            </a:r>
+            <a:endParaRPr lang="en-US" dirty="0"/>
+          </a:p>
+        </p:txBody>
+      </p:sp>
+      <p:sp>
+        <p:nvSpPr>
+          <p:cNvPr id="3" name="Content Placeholder 2"/>
+          <p:cNvSpPr>
+            <a:spLocks noGrp="1"/>
+          </p:cNvSpPr>
+          <p:nvPr>
+            <p:ph idx="1"/>
+          </p:nvPr>
+        </p:nvSpPr>
+        <p:spPr/>
+        <p:txBody>
+          <a:bodyPr>
+            <a:normAutofit lnSpcReduction="10000"/>
+          </a:bodyPr>
+          <a:lstStyle/>
+          <a:p>
+            <a:r>
+              <a:rPr lang="en-US" dirty="0" smtClean="0"/>
+              <a:t>We are going to focus on simulating individual statistical models</a:t>
+            </a:r>
+          </a:p>
+          <a:p>
+            <a:r>
+              <a:rPr lang="en-US" dirty="0" smtClean="0"/>
+              <a:t>Each student will create an R package</a:t>
+            </a:r>
+          </a:p>
+          <a:p>
+            <a:r>
+              <a:rPr lang="en-US" dirty="0" smtClean="0"/>
+              <a:t>Each student will implement a single statistical model</a:t>
+            </a:r>
+          </a:p>
+          <a:p>
+            <a:r>
+              <a:rPr lang="en-US" dirty="0" smtClean="0"/>
+              <a:t>This model will be made up of 3 methods:</a:t>
+            </a:r>
+          </a:p>
+          <a:p>
+            <a:pPr lvl="1"/>
+            <a:r>
+              <a:rPr lang="en-US" dirty="0" smtClean="0"/>
+              <a:t>zelig2&lt;model-name&gt;</a:t>
+            </a:r>
+          </a:p>
+          <a:p>
+            <a:pPr lvl="1"/>
+            <a:r>
+              <a:rPr lang="en-US" dirty="0" err="1" smtClean="0"/>
+              <a:t>param</a:t>
+            </a:r>
+            <a:r>
+              <a:rPr lang="en-US" dirty="0" smtClean="0"/>
+              <a:t>.&lt;model-name&gt;</a:t>
+            </a:r>
+          </a:p>
+          <a:p>
+            <a:pPr lvl="1"/>
+            <a:r>
+              <a:rPr lang="en-US" dirty="0" smtClean="0"/>
+              <a:t>qi.&lt;model-name&gt;</a:t>
+            </a:r>
+          </a:p>
+          <a:p>
+            <a:endParaRPr lang="en-US" dirty="0" smtClean="0"/>
+          </a:p>
+          <a:p>
+            <a:endParaRPr lang="en-US" dirty="0"/>
+          </a:p>
+        </p:txBody>
+      </p:sp>
+    </p:spTree>
+    <p:extLst>
+      <p:ext uri="{BB962C8B-B14F-4D97-AF65-F5344CB8AC3E}">
+        <p14:creationId xmlns="" xmlns:a="http://schemas.openxmlformats.org/drawingml/2006/main" xmlns:r="http://schemas.openxmlformats.org/officeDocument/2006/relationships" xmlns:p="http://schemas.openxmlformats.org/presentationml/2006/main" xmlns:p14="http://schemas.microsoft.com/office/powerpoint/2010/main" xmlns:mv="urn:schemas-microsoft-com:mac:vml" xmlns:mc="http://schemas.openxmlformats.org/markup-compatibility/2006" val="1712515247"/>
+      </p:ext>
+    </p:extLst>
+  </p:cSld>
+  <p:clrMapOvr>
+    <a:masterClrMapping/>
+  </p:clrMapOvr>
+  <p:timing>
+    <p:tnLst>
+      <p:par>
+        <p:cTn id="1" dur="indefinite" restart="never" nodeType="tmRoot"/>
+      </p:par>
+    </p:tnLst>
+  </p:timing>
+</p:sld>
+</file>
+
+<file path=ppt/slides/slide4.xml><?xml version="1.0" encoding="utf-8"?>
+<p:sld xmlns:a="http://schemas.openxmlformats.org/drawingml/2006/main" xmlns:r="http://schemas.openxmlformats.org/officeDocument/2006/relationships" xmlns:mc="http://schemas.openxmlformats.org/markup-compatibility/2006" xmlns:mv="urn:schemas-microsoft-com:mac:vml" xmlns:p="http://schemas.openxmlformats.org/presentationml/2006/main" mc:Ignorable="mv" mc:PreserveAttributes="mv:*">
+  <p:cSld>
+    <p:spTree>
+      <p:nvGrpSpPr>
+        <p:cNvPr id="1" name=""/>
+        <p:cNvGrpSpPr/>
+        <p:nvPr/>
+      </p:nvGrpSpPr>
+      <p:grpSpPr>
+        <a:xfrm>
+          <a:off x="0" y="0"/>
+          <a:ext cx="0" cy="0"/>
+          <a:chOff x="0" y="0"/>
+          <a:chExt cx="0" cy="0"/>
+        </a:xfrm>
+      </p:grpSpPr>
+      <p:sp>
+        <p:nvSpPr>
+          <p:cNvPr id="2" name="Title 1"/>
+          <p:cNvSpPr>
+            <a:spLocks noGrp="1"/>
+          </p:cNvSpPr>
+          <p:nvPr>
+            <p:ph type="title"/>
+          </p:nvPr>
+        </p:nvSpPr>
+        <p:spPr/>
+        <p:txBody>
+          <a:bodyPr/>
+          <a:lstStyle/>
+          <a:p>
+            <a:r>
+              <a:rPr lang="en-US"/>
+              <a:t>Structure of a Package</a:t>
+            </a:r>
+          </a:p>
+        </p:txBody>
+      </p:sp>
+      <p:sp>
+        <p:nvSpPr>
+          <p:cNvPr id="4" name="Content Placeholder 3"/>
+          <p:cNvSpPr>
+            <a:spLocks noGrp="1"/>
+          </p:cNvSpPr>
+          <p:nvPr>
+            <p:ph idx="1"/>
+          </p:nvPr>
+        </p:nvSpPr>
+        <p:spPr>
+          <a:xfrm>
+            <a:off x="457200" y="1600200"/>
+            <a:ext cx="8229600" cy="4525963"/>
+          </a:xfrm>
+        </p:spPr>
+        <p:txBody>
+          <a:bodyPr>
+            <a:normAutofit lnSpcReduction="10000"/>
+          </a:bodyPr>
+          <a:lstStyle/>
+          <a:p>
+            <a:r>
+              <a:rPr lang="en-US" dirty="0" smtClean="0"/>
+              <a:t>Simply a directory </a:t>
+            </a:r>
+          </a:p>
+          <a:p>
+            <a:r>
+              <a:rPr lang="en-US" dirty="0" smtClean="0"/>
+              <a:t>Has two important folders:</a:t>
+            </a:r>
+            <a:endParaRPr lang="en-US" dirty="0"/>
+          </a:p>
+          <a:p>
+            <a:pPr marL="457200" lvl="1" indent="0">
+              <a:buNone/>
+            </a:pPr>
+            <a:r>
+              <a:rPr lang="en-US" sz="4000" b="1" dirty="0" smtClean="0"/>
+              <a:t>R/</a:t>
+            </a:r>
+            <a:endParaRPr lang="en-US" sz="4000" b="1" dirty="0"/>
+          </a:p>
+          <a:p>
+            <a:pPr marL="457200" lvl="1" indent="0">
+              <a:buNone/>
+            </a:pPr>
+            <a:r>
+              <a:rPr lang="en-US" sz="4000" b="1" dirty="0" smtClean="0"/>
+              <a:t>man/</a:t>
+            </a:r>
+            <a:endParaRPr lang="en-US" sz="4000" b="1" dirty="0"/>
+          </a:p>
+          <a:p>
+            <a:r>
+              <a:rPr lang="en-US" dirty="0"/>
+              <a:t>And </a:t>
+            </a:r>
+            <a:r>
+              <a:rPr lang="en-US" dirty="0" smtClean="0"/>
+              <a:t>two important </a:t>
+            </a:r>
+            <a:r>
+              <a:rPr lang="en-US" dirty="0"/>
+              <a:t>files:</a:t>
+            </a:r>
+          </a:p>
+          <a:p>
+            <a:pPr marL="457200" lvl="1" indent="0">
+              <a:buNone/>
+            </a:pPr>
+            <a:r>
+              <a:rPr lang="en-US" sz="4000" b="1" dirty="0"/>
+              <a:t>DESCRIPTION</a:t>
+            </a:r>
+          </a:p>
+          <a:p>
+            <a:pPr marL="457200" lvl="1" indent="0">
+              <a:buNone/>
+            </a:pPr>
+            <a:r>
+              <a:rPr lang="en-US" sz="4000" b="1" dirty="0"/>
+              <a:t>NAMESPACE</a:t>
+            </a:r>
+          </a:p>
+          <a:p>
+            <a:pPr>
+              <a:buNone/>
+            </a:pPr>
+            <a:endParaRPr lang="en-US" dirty="0"/>
+          </a:p>
+        </p:txBody>
+      </p:sp>
+    </p:spTree>
+    <p:extLst>
+      <p:ext uri="{BB962C8B-B14F-4D97-AF65-F5344CB8AC3E}">
+        <p14:creationId xmlns="" xmlns:a="http://schemas.openxmlformats.org/drawingml/2006/main" xmlns:r="http://schemas.openxmlformats.org/officeDocument/2006/relationships" xmlns:p="http://schemas.openxmlformats.org/presentationml/2006/main" xmlns:p14="http://schemas.microsoft.com/office/powerpoint/2010/main" xmlns:mv="urn:schemas-microsoft-com:mac:vml" xmlns:mc="http://schemas.openxmlformats.org/markup-compatibility/2006" val="1501347142"/>
+      </p:ext>
+    </p:extLst>
+  </p:cSld>
+  <p:clrMapOvr>
+    <a:masterClrMapping/>
+  </p:clrMapOvr>
+  <p:timing>
+    <p:tnLst>
+      <p:par>
+        <p:cTn id="1" dur="indefinite" restart="never" nodeType="tmRoot"/>
+      </p:par>
+    </p:tnLst>
+  </p:timing>
+</p:sld>
+</file>
+
+<file path=ppt/slides/slide40.xml><?xml version="1.0" encoding="utf-8"?>
+<p:sld xmlns:a="http://schemas.openxmlformats.org/drawingml/2006/main" xmlns:r="http://schemas.openxmlformats.org/officeDocument/2006/relationships" xmlns:mc="http://schemas.openxmlformats.org/markup-compatibility/2006" xmlns:mv="urn:schemas-microsoft-com:mac:vml" xmlns:p="http://schemas.openxmlformats.org/presentationml/2006/main" mc:Ignorable="mv" mc:PreserveAttributes="mv:*">
+  <p:cSld>
+    <p:spTree>
+      <p:nvGrpSpPr>
+        <p:cNvPr id="1" name=""/>
+        <p:cNvGrpSpPr/>
+        <p:nvPr/>
+      </p:nvGrpSpPr>
+      <p:grpSpPr>
+        <a:xfrm>
+          <a:off x="0" y="0"/>
+          <a:ext cx="0" cy="0"/>
+          <a:chOff x="0" y="0"/>
+          <a:chExt cx="0" cy="0"/>
+        </a:xfrm>
+      </p:grpSpPr>
+      <p:sp>
+        <p:nvSpPr>
+          <p:cNvPr id="2" name="Title 1"/>
+          <p:cNvSpPr>
+            <a:spLocks noGrp="1"/>
+          </p:cNvSpPr>
+          <p:nvPr>
+            <p:ph type="title"/>
+          </p:nvPr>
+        </p:nvSpPr>
+        <p:spPr/>
+        <p:txBody>
+          <a:bodyPr/>
+          <a:lstStyle/>
+          <a:p>
+            <a:r>
+              <a:rPr lang="en-US"/>
+              <a:t>Structure of a zelig2 function</a:t>
             </a:r>
           </a:p>
         </p:txBody>
@@ -9310,12 +9585,12 @@
         <p:spPr>
           <a:xfrm>
             <a:off x="457199" y="1600201"/>
-            <a:ext cx="6343827" cy="2885600"/>
+            <a:ext cx="6343827" cy="4012170"/>
           </a:xfrm>
         </p:spPr>
         <p:txBody>
           <a:bodyPr>
-            <a:normAutofit/>
+            <a:normAutofit fontScale="92500" lnSpcReduction="10000"/>
           </a:bodyPr>
           <a:lstStyle/>
           <a:p>
@@ -9361,8 +9636,148 @@
                 <a:latin typeface="Courier New"/>
                 <a:cs typeface="Courier New"/>
               </a:rPr>
-              <a:t>NULL, ..., data)   </a:t>
-            </a:r>
+              <a:t>NULL, ..., data)</a:t>
+            </a:r>
+          </a:p>
+          <a:p>
+            <a:pPr>
+              <a:buNone/>
+            </a:pPr>
+            <a:r>
+              <a:rPr lang="en-US" sz="1400">
+                <a:latin typeface="Courier New"/>
+                <a:cs typeface="Courier New"/>
+              </a:rPr>
+              <a:t>{  </a:t>
+            </a:r>
+          </a:p>
+          <a:p>
+            <a:pPr>
+              <a:buNone/>
+            </a:pPr>
+            <a:r>
+              <a:rPr lang="en-US" sz="1400">
+                <a:solidFill>
+                  <a:srgbClr val="0000FF"/>
+                </a:solidFill>
+                <a:latin typeface="Courier New"/>
+                <a:cs typeface="Courier New"/>
+              </a:rPr>
+              <a:t>  </a:t>
+            </a:r>
+            <a:r>
+              <a:rPr lang="en-US" sz="1400">
+                <a:latin typeface="Courier New"/>
+                <a:cs typeface="Courier New"/>
+              </a:rPr>
+              <a:t>if (!</a:t>
+            </a:r>
+            <a:r>
+              <a:rPr lang="en-US" sz="1400">
+                <a:solidFill>
+                  <a:srgbClr val="0000FF"/>
+                </a:solidFill>
+                <a:latin typeface="Courier New"/>
+                <a:cs typeface="Courier New"/>
+              </a:rPr>
+              <a:t>is.data.frame</a:t>
+            </a:r>
+            <a:r>
+              <a:rPr lang="en-US" sz="1400">
+                <a:latin typeface="Courier New"/>
+                <a:cs typeface="Courier New"/>
+              </a:rPr>
+              <a:t>(data))</a:t>
+            </a:r>
+          </a:p>
+          <a:p>
+            <a:pPr>
+              <a:buNone/>
+            </a:pPr>
+            <a:r>
+              <a:rPr lang="en-US" sz="1400">
+                <a:latin typeface="Courier New"/>
+                <a:cs typeface="Courier New"/>
+              </a:rPr>
+              <a:t>    </a:t>
+            </a:r>
+            <a:r>
+              <a:rPr lang="en-US" sz="1400">
+                <a:solidFill>
+                  <a:srgbClr val="0000FF"/>
+                </a:solidFill>
+                <a:latin typeface="Courier New"/>
+                <a:cs typeface="Courier New"/>
+              </a:rPr>
+              <a:t>stop</a:t>
+            </a:r>
+            <a:r>
+              <a:rPr lang="en-US" sz="1400">
+                <a:latin typeface="Courier New"/>
+                <a:cs typeface="Courier New"/>
+              </a:rPr>
+              <a:t>(</a:t>
+            </a:r>
+            <a:r>
+              <a:rPr lang="en-US" sz="1400">
+                <a:solidFill>
+                  <a:schemeClr val="accent2"/>
+                </a:solidFill>
+                <a:latin typeface="Courier New"/>
+                <a:cs typeface="Courier New"/>
+              </a:rPr>
+              <a:t>"`data` is not a data-frame"</a:t>
+            </a:r>
+            <a:r>
+              <a:rPr lang="en-US" sz="1400">
+                <a:latin typeface="Courier New"/>
+                <a:cs typeface="Courier New"/>
+              </a:rPr>
+              <a:t>)</a:t>
+            </a:r>
+          </a:p>
+          <a:p>
+            <a:pPr>
+              <a:buNone/>
+            </a:pPr>
+            <a:endParaRPr lang="en-US" sz="1400">
+              <a:latin typeface="Courier New"/>
+              <a:cs typeface="Courier New"/>
+            </a:endParaRPr>
+          </a:p>
+          <a:p>
+            <a:pPr>
+              <a:buNone/>
+            </a:pPr>
+            <a:r>
+              <a:rPr lang="en-US" sz="1400">
+                <a:latin typeface="Courier New"/>
+                <a:cs typeface="Courier New"/>
+              </a:rPr>
+              <a:t>  </a:t>
+            </a:r>
+            <a:r>
+              <a:rPr lang="en-US" sz="1400">
+                <a:solidFill>
+                  <a:schemeClr val="accent3"/>
+                </a:solidFill>
+                <a:latin typeface="Courier New"/>
+                <a:cs typeface="Courier New"/>
+              </a:rPr>
+              <a:t># Some other computations</a:t>
+            </a:r>
+          </a:p>
+          <a:p>
+            <a:pPr>
+              <a:buNone/>
+            </a:pPr>
+            <a:endParaRPr lang="en-US" sz="1400">
+              <a:solidFill>
+                <a:srgbClr val="0000FF"/>
+              </a:solidFill>
+              <a:latin typeface="Courier New"/>
+              <a:cs typeface="Courier New"/>
+            </a:endParaRPr>
           </a:p>
           <a:p>
             <a:pPr>
@@ -9633,6 +10048,18 @@
                 <a:cs typeface="Courier New"/>
               </a:rPr>
               <a:t>        )</a:t>
+            </a:r>
+          </a:p>
+          <a:p>
+            <a:pPr>
+              <a:buNone/>
+            </a:pPr>
+            <a:r>
+              <a:rPr lang="en-US" sz="1400">
+                <a:latin typeface="Courier New"/>
+                <a:cs typeface="Courier New"/>
+              </a:rPr>
+              <a:t>}</a:t>
             </a:r>
           </a:p>
           <a:p>
@@ -9731,7 +10158,7 @@
             <a:pPr algn="ctr"/>
             <a:r>
               <a:rPr lang="en-US"/>
-              <a:t>EXTERNAL MODEL</a:t>
+              <a:t>FUNCTION BODY</a:t>
             </a:r>
           </a:p>
         </p:txBody>
@@ -9744,8 +10171,8 @@
         </p:nvSpPr>
         <p:spPr>
           <a:xfrm>
-            <a:off x="7160666" y="3439572"/>
-            <a:ext cx="1526134" cy="369332"/>
+            <a:off x="6801026" y="3439572"/>
+            <a:ext cx="1885774" cy="369332"/>
           </a:xfrm>
           <a:prstGeom prst="rect">
             <a:avLst/>
@@ -9776,7 +10203,7 @@
             <a:pPr algn="ctr"/>
             <a:r>
               <a:rPr lang="en-US"/>
-              <a:t>PARAMETERS</a:t>
+              <a:t>RETURN VALUE</a:t>
             </a:r>
           </a:p>
         </p:txBody>
@@ -9789,7 +10216,7 @@
         </p:nvSpPr>
         <p:spPr>
           <a:xfrm>
-            <a:off x="457200" y="4648551"/>
+            <a:off x="457200" y="5612371"/>
             <a:ext cx="6770303" cy="646331"/>
           </a:xfrm>
           <a:prstGeom prst="rect">
@@ -9853,8 +10280,8 @@
         </p:nvCxnSpPr>
         <p:spPr>
           <a:xfrm rot="10800000">
-            <a:off x="3738517" y="2273936"/>
-            <a:ext cx="3062511" cy="1588"/>
+            <a:off x="4988103" y="2273936"/>
+            <a:ext cx="1812927" cy="1588"/>
           </a:xfrm>
           <a:prstGeom prst="straightConnector1">
             <a:avLst/>
@@ -9881,13 +10308,15 @@
       <p:cxnSp>
         <p:nvCxnSpPr>
           <p:cNvPr id="11" name="Straight Arrow Connector 10"/>
-          <p:cNvCxnSpPr/>
+          <p:cNvCxnSpPr>
+            <a:stCxn id="6" idx="1"/>
+          </p:cNvCxnSpPr>
           <p:nvPr/>
         </p:nvCxnSpPr>
         <p:spPr>
-          <a:xfrm rot="10800000">
-            <a:off x="4988103" y="3624604"/>
-            <a:ext cx="2172565" cy="1588"/>
+          <a:xfrm rot="10800000" flipV="1">
+            <a:off x="4988104" y="3624237"/>
+            <a:ext cx="1812922" cy="365"/>
           </a:xfrm>
           <a:prstGeom prst="straightConnector1">
             <a:avLst/>
@@ -9919,8 +10348,8 @@
         </p:nvSpPr>
         <p:spPr>
           <a:xfrm>
-            <a:off x="1311047" y="2130238"/>
-            <a:ext cx="2396746" cy="317495"/>
+            <a:off x="457200" y="2057907"/>
+            <a:ext cx="4530905" cy="1106733"/>
           </a:xfrm>
           <a:prstGeom prst="rect">
             <a:avLst/>
@@ -9967,8 +10396,8 @@
         </p:nvSpPr>
         <p:spPr>
           <a:xfrm>
-            <a:off x="1311047" y="2579649"/>
-            <a:ext cx="3656570" cy="1373590"/>
+            <a:off x="457199" y="3308021"/>
+            <a:ext cx="4530903" cy="1812755"/>
           </a:xfrm>
           <a:prstGeom prst="rect">
             <a:avLst/>
@@ -10792,258 +11221,6 @@
 </p:sld>
 </file>
 
-<file path=ppt/slides/slide4.xml><?xml version="1.0" encoding="utf-8"?>
-<p:sld xmlns:a="http://schemas.openxmlformats.org/drawingml/2006/main" xmlns:r="http://schemas.openxmlformats.org/officeDocument/2006/relationships" xmlns:mc="http://schemas.openxmlformats.org/markup-compatibility/2006" xmlns:mv="urn:schemas-microsoft-com:mac:vml" xmlns:p="http://schemas.openxmlformats.org/presentationml/2006/main" mc:Ignorable="mv" mc:PreserveAttributes="mv:*">
-  <p:cSld>
-    <p:spTree>
-      <p:nvGrpSpPr>
-        <p:cNvPr id="1" name=""/>
-        <p:cNvGrpSpPr/>
-        <p:nvPr/>
-      </p:nvGrpSpPr>
-      <p:grpSpPr>
-        <a:xfrm>
-          <a:off x="0" y="0"/>
-          <a:ext cx="0" cy="0"/>
-          <a:chOff x="0" y="0"/>
-          <a:chExt cx="0" cy="0"/>
-        </a:xfrm>
-      </p:grpSpPr>
-      <p:sp>
-        <p:nvSpPr>
-          <p:cNvPr id="2" name="Title 1"/>
-          <p:cNvSpPr>
-            <a:spLocks noGrp="1"/>
-          </p:cNvSpPr>
-          <p:nvPr>
-            <p:ph type="title"/>
-          </p:nvPr>
-        </p:nvSpPr>
-        <p:spPr/>
-        <p:txBody>
-          <a:bodyPr/>
-          <a:lstStyle/>
-          <a:p>
-            <a:r>
-              <a:rPr lang="en-US"/>
-              <a:t>Structure of a Package</a:t>
-            </a:r>
-          </a:p>
-        </p:txBody>
-      </p:sp>
-      <p:sp>
-        <p:nvSpPr>
-          <p:cNvPr id="4" name="Content Placeholder 3"/>
-          <p:cNvSpPr>
-            <a:spLocks noGrp="1"/>
-          </p:cNvSpPr>
-          <p:nvPr>
-            <p:ph idx="1"/>
-          </p:nvPr>
-        </p:nvSpPr>
-        <p:spPr>
-          <a:xfrm>
-            <a:off x="457200" y="1600200"/>
-            <a:ext cx="8229600" cy="4525963"/>
-          </a:xfrm>
-        </p:spPr>
-        <p:txBody>
-          <a:bodyPr>
-            <a:normAutofit lnSpcReduction="10000"/>
-          </a:bodyPr>
-          <a:lstStyle/>
-          <a:p>
-            <a:r>
-              <a:rPr lang="en-US" dirty="0" smtClean="0"/>
-              <a:t>Simply a directory </a:t>
-            </a:r>
-          </a:p>
-          <a:p>
-            <a:r>
-              <a:rPr lang="en-US" dirty="0" smtClean="0"/>
-              <a:t>Has two important folders:</a:t>
-            </a:r>
-            <a:endParaRPr lang="en-US" dirty="0"/>
-          </a:p>
-          <a:p>
-            <a:pPr marL="457200" lvl="1" indent="0">
-              <a:buNone/>
-            </a:pPr>
-            <a:r>
-              <a:rPr lang="en-US" sz="4000" b="1" dirty="0" smtClean="0"/>
-              <a:t>R/</a:t>
-            </a:r>
-            <a:endParaRPr lang="en-US" sz="4000" b="1" dirty="0"/>
-          </a:p>
-          <a:p>
-            <a:pPr marL="457200" lvl="1" indent="0">
-              <a:buNone/>
-            </a:pPr>
-            <a:r>
-              <a:rPr lang="en-US" sz="4000" b="1" dirty="0" smtClean="0"/>
-              <a:t>man/</a:t>
-            </a:r>
-            <a:endParaRPr lang="en-US" sz="4000" b="1" dirty="0"/>
-          </a:p>
-          <a:p>
-            <a:r>
-              <a:rPr lang="en-US" dirty="0"/>
-              <a:t>And </a:t>
-            </a:r>
-            <a:r>
-              <a:rPr lang="en-US" dirty="0" smtClean="0"/>
-              <a:t>two important </a:t>
-            </a:r>
-            <a:r>
-              <a:rPr lang="en-US" dirty="0"/>
-              <a:t>files:</a:t>
-            </a:r>
-          </a:p>
-          <a:p>
-            <a:pPr marL="457200" lvl="1" indent="0">
-              <a:buNone/>
-            </a:pPr>
-            <a:r>
-              <a:rPr lang="en-US" sz="4000" b="1" dirty="0"/>
-              <a:t>DESCRIPTION</a:t>
-            </a:r>
-          </a:p>
-          <a:p>
-            <a:pPr marL="457200" lvl="1" indent="0">
-              <a:buNone/>
-            </a:pPr>
-            <a:r>
-              <a:rPr lang="en-US" sz="4000" b="1" dirty="0"/>
-              <a:t>NAMESPACE</a:t>
-            </a:r>
-          </a:p>
-          <a:p>
-            <a:pPr>
-              <a:buNone/>
-            </a:pPr>
-            <a:endParaRPr lang="en-US" dirty="0"/>
-          </a:p>
-        </p:txBody>
-      </p:sp>
-    </p:spTree>
-    <p:extLst>
-      <p:ext uri="{BB962C8B-B14F-4D97-AF65-F5344CB8AC3E}">
-        <p14:creationId xmlns="" xmlns:a="http://schemas.openxmlformats.org/drawingml/2006/main" xmlns:r="http://schemas.openxmlformats.org/officeDocument/2006/relationships" xmlns:p="http://schemas.openxmlformats.org/presentationml/2006/main" xmlns:p14="http://schemas.microsoft.com/office/powerpoint/2010/main" xmlns:mv="urn:schemas-microsoft-com:mac:vml" xmlns:mc="http://schemas.openxmlformats.org/markup-compatibility/2006" val="1501347142"/>
-      </p:ext>
-    </p:extLst>
-  </p:cSld>
-  <p:clrMapOvr>
-    <a:masterClrMapping/>
-  </p:clrMapOvr>
-  <p:timing>
-    <p:tnLst>
-      <p:par>
-        <p:cTn id="1" dur="indefinite" restart="never" nodeType="tmRoot"/>
-      </p:par>
-    </p:tnLst>
-  </p:timing>
-</p:sld>
-</file>
-
-<file path=ppt/slides/slide40.xml><?xml version="1.0" encoding="utf-8"?>
-<p:sld xmlns:a="http://schemas.openxmlformats.org/drawingml/2006/main" xmlns:r="http://schemas.openxmlformats.org/officeDocument/2006/relationships" xmlns:mc="http://schemas.openxmlformats.org/markup-compatibility/2006" xmlns:mv="urn:schemas-microsoft-com:mac:vml" xmlns:p="http://schemas.openxmlformats.org/presentationml/2006/main" mc:Ignorable="mv" mc:PreserveAttributes="mv:*">
-  <p:cSld>
-    <p:spTree>
-      <p:nvGrpSpPr>
-        <p:cNvPr id="1" name=""/>
-        <p:cNvGrpSpPr/>
-        <p:nvPr/>
-      </p:nvGrpSpPr>
-      <p:grpSpPr>
-        <a:xfrm>
-          <a:off x="0" y="0"/>
-          <a:ext cx="0" cy="0"/>
-          <a:chOff x="0" y="0"/>
-          <a:chExt cx="0" cy="0"/>
-        </a:xfrm>
-      </p:grpSpPr>
-      <p:sp>
-        <p:nvSpPr>
-          <p:cNvPr id="2" name="Title 1"/>
-          <p:cNvSpPr>
-            <a:spLocks noGrp="1"/>
-          </p:cNvSpPr>
-          <p:nvPr>
-            <p:ph type="title"/>
-          </p:nvPr>
-        </p:nvSpPr>
-        <p:spPr/>
-        <p:txBody>
-          <a:bodyPr>
-            <a:normAutofit/>
-          </a:bodyPr>
-          <a:lstStyle/>
-          <a:p>
-            <a:r>
-              <a:rPr lang="en-US"/>
-              <a:t>Writing the "zelig2" Method</a:t>
-            </a:r>
-          </a:p>
-        </p:txBody>
-      </p:sp>
-      <p:sp>
-        <p:nvSpPr>
-          <p:cNvPr id="3" name="Content Placeholder 2"/>
-          <p:cNvSpPr>
-            <a:spLocks noGrp="1"/>
-          </p:cNvSpPr>
-          <p:nvPr>
-            <p:ph idx="1"/>
-          </p:nvPr>
-        </p:nvSpPr>
-        <p:spPr/>
-        <p:txBody>
-          <a:bodyPr/>
-          <a:lstStyle/>
-          <a:p>
-            <a:r>
-              <a:rPr lang="en-US"/>
-              <a:t>Has three parts</a:t>
-            </a:r>
-          </a:p>
-          <a:p>
-            <a:pPr lvl="1"/>
-            <a:r>
-              <a:rPr lang="en-US"/>
-              <a:t>Function signature</a:t>
-            </a:r>
-          </a:p>
-          <a:p>
-            <a:pPr lvl="1"/>
-            <a:r>
-              <a:rPr lang="en-US"/>
-              <a:t>Function Body</a:t>
-            </a:r>
-          </a:p>
-          <a:p>
-            <a:pPr lvl="1"/>
-            <a:r>
-              <a:rPr lang="en-US"/>
-              <a:t>Return Value</a:t>
-            </a:r>
-          </a:p>
-        </p:txBody>
-      </p:sp>
-    </p:spTree>
-  </p:cSld>
-  <p:clrMapOvr>
-    <a:masterClrMapping/>
-  </p:clrMapOvr>
-  <p:timing>
-    <p:tnLst>
-      <p:par>
-        <p:cTn id="1" dur="indefinite" restart="never" nodeType="tmRoot"/>
-      </p:par>
-    </p:tnLst>
-  </p:timing>
-</p:sld>
-</file>
-
 <file path=ppt/slides/slide41.xml><?xml version="1.0" encoding="utf-8"?>
 <p:sld xmlns:a="http://schemas.openxmlformats.org/drawingml/2006/main" xmlns:r="http://schemas.openxmlformats.org/officeDocument/2006/relationships" xmlns:mc="http://schemas.openxmlformats.org/markup-compatibility/2006" xmlns:mv="urn:schemas-microsoft-com:mac:vml" xmlns:p="http://schemas.openxmlformats.org/presentationml/2006/main" mc:Ignorable="mv" mc:PreserveAttributes="mv:*">
   <p:cSld>
@@ -11073,67 +11250,58 @@
         </p:nvSpPr>
         <p:spPr/>
         <p:txBody>
+          <a:bodyPr>
+            <a:normAutofit/>
+          </a:bodyPr>
+          <a:lstStyle/>
+          <a:p>
+            <a:r>
+              <a:rPr lang="en-US"/>
+              <a:t>Writing the "zelig2" Method</a:t>
+            </a:r>
+          </a:p>
+        </p:txBody>
+      </p:sp>
+      <p:sp>
+        <p:nvSpPr>
+          <p:cNvPr id="3" name="Content Placeholder 2"/>
+          <p:cNvSpPr>
+            <a:spLocks noGrp="1"/>
+          </p:cNvSpPr>
+          <p:nvPr>
+            <p:ph idx="1"/>
+          </p:nvPr>
+        </p:nvSpPr>
+        <p:spPr/>
+        <p:txBody>
           <a:bodyPr/>
           <a:lstStyle/>
           <a:p>
             <a:r>
               <a:rPr lang="en-US"/>
-              <a:t>zelig2: Function Signature</a:t>
-            </a:r>
-          </a:p>
-        </p:txBody>
-      </p:sp>
-      <p:sp>
-        <p:nvSpPr>
-          <p:cNvPr id="3" name="Content Placeholder 2"/>
-          <p:cNvSpPr>
-            <a:spLocks noGrp="1"/>
-          </p:cNvSpPr>
-          <p:nvPr>
-            <p:ph idx="1"/>
-          </p:nvPr>
-        </p:nvSpPr>
-        <p:spPr/>
-        <p:txBody>
-          <a:bodyPr/>
-          <a:lstStyle/>
-          <a:p>
-            <a:r>
-              <a:rPr lang="en-US"/>
-              <a:t>"formula" specifies the model formula</a:t>
-            </a:r>
-          </a:p>
-          <a:p>
-            <a:r>
-              <a:rPr lang="en-US"/>
-              <a:t>"data" specifies the data.frame</a:t>
-            </a:r>
-          </a:p>
-          <a:p>
-            <a:r>
-              <a:rPr lang="en-US"/>
-              <a:t>All other parameters are </a:t>
-            </a:r>
-            <a:r>
-              <a:rPr lang="en-US" b="1"/>
-              <a:t>optional</a:t>
-            </a:r>
-          </a:p>
-          <a:p>
-            <a:r>
-              <a:rPr lang="en-US"/>
-              <a:t>Other parameters are determined by the model fitting function's requirements</a:t>
+              <a:t>Has three parts</a:t>
             </a:r>
           </a:p>
           <a:p>
             <a:pPr lvl="1"/>
             <a:r>
               <a:rPr lang="en-US"/>
-              <a:t>Use "args" to determine what parameters are available for the model-fitting function</a:t>
-            </a:r>
-          </a:p>
-          <a:p>
-            <a:endParaRPr lang="en-US"/>
+              <a:t>Function signature</a:t>
+            </a:r>
+          </a:p>
+          <a:p>
+            <a:pPr lvl="1"/>
+            <a:r>
+              <a:rPr lang="en-US"/>
+              <a:t>Function Body</a:t>
+            </a:r>
+          </a:p>
+          <a:p>
+            <a:pPr lvl="1"/>
+            <a:r>
+              <a:rPr lang="en-US"/>
+              <a:t>Return Value</a:t>
+            </a:r>
           </a:p>
         </p:txBody>
       </p:sp>
@@ -11186,7 +11354,7 @@
           <a:p>
             <a:r>
               <a:rPr lang="en-US"/>
-              <a:t>zelig2: Function Body</a:t>
+              <a:t>Format of a zelig2 function</a:t>
             </a:r>
           </a:p>
         </p:txBody>
@@ -11201,36 +11369,749 @@
             <p:ph idx="1"/>
           </p:nvPr>
         </p:nvSpPr>
-        <p:spPr/>
-        <p:txBody>
-          <a:bodyPr/>
-          <a:lstStyle/>
-          <a:p>
-            <a:r>
-              <a:rPr lang="en-US"/>
-              <a:t>Typically does very little</a:t>
-            </a:r>
-          </a:p>
-          <a:p>
-            <a:r>
-              <a:rPr lang="en-US"/>
-              <a:t>Can be used to</a:t>
-            </a:r>
-          </a:p>
-          <a:p>
-            <a:pPr lvl="1"/>
-            <a:r>
-              <a:rPr lang="en-US"/>
-              <a:t>Print-out error and warning messages</a:t>
-            </a:r>
-          </a:p>
-          <a:p>
-            <a:pPr lvl="1"/>
-            <a:r>
-              <a:rPr lang="en-US"/>
-              <a:t>asd</a:t>
-            </a:r>
-          </a:p>
+        <p:spPr>
+          <a:xfrm>
+            <a:off x="457199" y="1600201"/>
+            <a:ext cx="6343827" cy="2885600"/>
+          </a:xfrm>
+        </p:spPr>
+        <p:txBody>
+          <a:bodyPr>
+            <a:normAutofit/>
+          </a:bodyPr>
+          <a:lstStyle/>
+          <a:p>
+            <a:pPr>
+              <a:buNone/>
+            </a:pPr>
+            <a:r>
+              <a:rPr lang="en-US" sz="1400">
+                <a:latin typeface="Courier New"/>
+                <a:cs typeface="Courier New"/>
+              </a:rPr>
+              <a:t>zelig2logit &lt;- </a:t>
+            </a:r>
+            <a:r>
+              <a:rPr lang="en-US" sz="1400">
+                <a:solidFill>
+                  <a:srgbClr val="0000FF"/>
+                </a:solidFill>
+                <a:latin typeface="Courier New"/>
+                <a:cs typeface="Courier New"/>
+              </a:rPr>
+              <a:t>function</a:t>
+            </a:r>
+            <a:r>
+              <a:rPr lang="en-US" sz="1400">
+                <a:latin typeface="Courier New"/>
+                <a:cs typeface="Courier New"/>
+              </a:rPr>
+              <a:t>(formula, weights</a:t>
+            </a:r>
+            <a:r>
+              <a:rPr lang="en-US" sz="1400">
+                <a:solidFill>
+                  <a:schemeClr val="accent1"/>
+                </a:solidFill>
+                <a:latin typeface="Courier New"/>
+                <a:cs typeface="Courier New"/>
+              </a:rPr>
+              <a:t>=</a:t>
+            </a:r>
+            <a:r>
+              <a:rPr lang="en-US" sz="1400">
+                <a:latin typeface="Courier New"/>
+                <a:cs typeface="Courier New"/>
+              </a:rPr>
+              <a:t>NULL, ..., data)   </a:t>
+            </a:r>
+          </a:p>
+          <a:p>
+            <a:pPr>
+              <a:buNone/>
+            </a:pPr>
+            <a:endParaRPr lang="en-US" sz="1400">
+              <a:solidFill>
+                <a:srgbClr val="0000FF"/>
+              </a:solidFill>
+              <a:latin typeface="Courier New"/>
+              <a:cs typeface="Courier New"/>
+            </a:endParaRPr>
+          </a:p>
+          <a:p>
+            <a:pPr>
+              <a:buNone/>
+            </a:pPr>
+            <a:r>
+              <a:rPr lang="en-US" sz="1400">
+                <a:solidFill>
+                  <a:srgbClr val="0000FF"/>
+                </a:solidFill>
+                <a:latin typeface="Courier New"/>
+                <a:cs typeface="Courier New"/>
+              </a:rPr>
+              <a:t>  list</a:t>
+            </a:r>
+            <a:r>
+              <a:rPr lang="en-US" sz="1400">
+                <a:latin typeface="Courier New"/>
+                <a:cs typeface="Courier New"/>
+              </a:rPr>
+              <a:t>(.function </a:t>
+            </a:r>
+            <a:r>
+              <a:rPr lang="en-US" sz="1400">
+                <a:solidFill>
+                  <a:schemeClr val="accent1"/>
+                </a:solidFill>
+                <a:latin typeface="Courier New"/>
+                <a:cs typeface="Courier New"/>
+              </a:rPr>
+              <a:t>=</a:t>
+            </a:r>
+            <a:r>
+              <a:rPr lang="en-US" sz="1400">
+                <a:latin typeface="Courier New"/>
+                <a:cs typeface="Courier New"/>
+              </a:rPr>
+              <a:t> </a:t>
+            </a:r>
+            <a:r>
+              <a:rPr lang="en-US" sz="1400">
+                <a:solidFill>
+                  <a:schemeClr val="accent2"/>
+                </a:solidFill>
+                <a:latin typeface="Courier New"/>
+                <a:cs typeface="Courier New"/>
+              </a:rPr>
+              <a:t>"glm"</a:t>
+            </a:r>
+            <a:r>
+              <a:rPr lang="en-US" sz="1400">
+                <a:latin typeface="Courier New"/>
+                <a:cs typeface="Courier New"/>
+              </a:rPr>
+              <a:t>,</a:t>
+            </a:r>
+          </a:p>
+          <a:p>
+            <a:pPr>
+              <a:buNone/>
+            </a:pPr>
+            <a:endParaRPr lang="en-US" sz="1400">
+              <a:latin typeface="Courier New"/>
+              <a:cs typeface="Courier New"/>
+            </a:endParaRPr>
+          </a:p>
+          <a:p>
+            <a:pPr>
+              <a:buNone/>
+            </a:pPr>
+            <a:r>
+              <a:rPr lang="en-US" sz="1400">
+                <a:latin typeface="Courier New"/>
+                <a:cs typeface="Courier New"/>
+              </a:rPr>
+              <a:t>        formula </a:t>
+            </a:r>
+            <a:r>
+              <a:rPr lang="en-US" sz="1400">
+                <a:solidFill>
+                  <a:schemeClr val="tx2">
+                    <a:lumMod val="40000"/>
+                    <a:lumOff val="60000"/>
+                  </a:schemeClr>
+                </a:solidFill>
+                <a:latin typeface="Courier New"/>
+                <a:cs typeface="Courier New"/>
+              </a:rPr>
+              <a:t>=</a:t>
+            </a:r>
+            <a:r>
+              <a:rPr lang="en-US" sz="1400">
+                <a:latin typeface="Courier New"/>
+                <a:cs typeface="Courier New"/>
+              </a:rPr>
+              <a:t> formula,</a:t>
+            </a:r>
+          </a:p>
+          <a:p>
+            <a:pPr>
+              <a:buNone/>
+            </a:pPr>
+            <a:r>
+              <a:rPr lang="en-US" sz="1400">
+                <a:latin typeface="Courier New"/>
+                <a:cs typeface="Courier New"/>
+              </a:rPr>
+              <a:t>        weights </a:t>
+            </a:r>
+            <a:r>
+              <a:rPr lang="en-US" sz="1400">
+                <a:solidFill>
+                  <a:srgbClr val="8EB4E3"/>
+                </a:solidFill>
+                <a:latin typeface="Courier New"/>
+                <a:cs typeface="Courier New"/>
+              </a:rPr>
+              <a:t>=</a:t>
+            </a:r>
+            <a:r>
+              <a:rPr lang="en-US" sz="1400">
+                <a:latin typeface="Courier New"/>
+                <a:cs typeface="Courier New"/>
+              </a:rPr>
+              <a:t> weights,</a:t>
+            </a:r>
+          </a:p>
+          <a:p>
+            <a:pPr>
+              <a:buNone/>
+            </a:pPr>
+            <a:r>
+              <a:rPr lang="en-US" sz="1400">
+                <a:latin typeface="Courier New"/>
+                <a:cs typeface="Courier New"/>
+              </a:rPr>
+              <a:t>        family  </a:t>
+            </a:r>
+            <a:r>
+              <a:rPr lang="en-US" sz="1400">
+                <a:solidFill>
+                  <a:srgbClr val="8EB4E3"/>
+                </a:solidFill>
+                <a:latin typeface="Courier New"/>
+                <a:cs typeface="Courier New"/>
+              </a:rPr>
+              <a:t>=</a:t>
+            </a:r>
+            <a:r>
+              <a:rPr lang="en-US" sz="1400">
+                <a:latin typeface="Courier New"/>
+                <a:cs typeface="Courier New"/>
+              </a:rPr>
+              <a:t> binomial(link=</a:t>
+            </a:r>
+            <a:r>
+              <a:rPr lang="en-US" sz="1400">
+                <a:solidFill>
+                  <a:srgbClr val="C0504D"/>
+                </a:solidFill>
+                <a:latin typeface="Courier New"/>
+                <a:cs typeface="Courier New"/>
+              </a:rPr>
+              <a:t>"logit"</a:t>
+            </a:r>
+            <a:r>
+              <a:rPr lang="en-US" sz="1400">
+                <a:latin typeface="Courier New"/>
+                <a:cs typeface="Courier New"/>
+              </a:rPr>
+              <a:t>),</a:t>
+            </a:r>
+          </a:p>
+          <a:p>
+            <a:pPr>
+              <a:buNone/>
+            </a:pPr>
+            <a:r>
+              <a:rPr lang="en-US" sz="1400">
+                <a:latin typeface="Courier New"/>
+                <a:cs typeface="Courier New"/>
+              </a:rPr>
+              <a:t>        model   </a:t>
+            </a:r>
+            <a:r>
+              <a:rPr lang="en-US" sz="1400">
+                <a:solidFill>
+                  <a:srgbClr val="8EB4E3"/>
+                </a:solidFill>
+                <a:latin typeface="Courier New"/>
+                <a:cs typeface="Courier New"/>
+              </a:rPr>
+              <a:t>=</a:t>
+            </a:r>
+            <a:r>
+              <a:rPr lang="en-US" sz="1400">
+                <a:latin typeface="Courier New"/>
+                <a:cs typeface="Courier New"/>
+              </a:rPr>
+              <a:t> </a:t>
+            </a:r>
+            <a:r>
+              <a:rPr lang="en-US" sz="1400">
+                <a:solidFill>
+                  <a:schemeClr val="accent2"/>
+                </a:solidFill>
+                <a:latin typeface="Courier New"/>
+                <a:cs typeface="Courier New"/>
+              </a:rPr>
+              <a:t>F</a:t>
+            </a:r>
+            <a:r>
+              <a:rPr lang="en-US" sz="1400">
+                <a:latin typeface="Courier New"/>
+                <a:cs typeface="Courier New"/>
+              </a:rPr>
+              <a:t>,</a:t>
+            </a:r>
+          </a:p>
+          <a:p>
+            <a:pPr>
+              <a:buNone/>
+            </a:pPr>
+            <a:r>
+              <a:rPr lang="en-US" sz="1400">
+                <a:latin typeface="Courier New"/>
+                <a:cs typeface="Courier New"/>
+              </a:rPr>
+              <a:t>        data    </a:t>
+            </a:r>
+            <a:r>
+              <a:rPr lang="en-US" sz="1400">
+                <a:solidFill>
+                  <a:srgbClr val="8EB4E3"/>
+                </a:solidFill>
+                <a:latin typeface="Courier New"/>
+                <a:cs typeface="Courier New"/>
+              </a:rPr>
+              <a:t>=</a:t>
+            </a:r>
+            <a:r>
+              <a:rPr lang="en-US" sz="1400">
+                <a:latin typeface="Courier New"/>
+                <a:cs typeface="Courier New"/>
+              </a:rPr>
+              <a:t> data</a:t>
+            </a:r>
+          </a:p>
+          <a:p>
+            <a:pPr>
+              <a:buNone/>
+            </a:pPr>
+            <a:r>
+              <a:rPr lang="en-US" sz="1400">
+                <a:latin typeface="Courier New"/>
+                <a:cs typeface="Courier New"/>
+              </a:rPr>
+              <a:t>        )</a:t>
+            </a:r>
+          </a:p>
+          <a:p>
+            <a:pPr>
+              <a:buNone/>
+            </a:pPr>
+            <a:endParaRPr lang="en-US" sz="1400">
+              <a:latin typeface="Courier New"/>
+              <a:cs typeface="Courier New"/>
+            </a:endParaRPr>
+          </a:p>
+        </p:txBody>
+      </p:sp>
+      <p:sp>
+        <p:nvSpPr>
+          <p:cNvPr id="4" name="TextBox 3"/>
+          <p:cNvSpPr txBox="1"/>
+          <p:nvPr/>
+        </p:nvSpPr>
+        <p:spPr>
+          <a:xfrm>
+            <a:off x="7293819" y="1600201"/>
+            <a:ext cx="1392981" cy="369332"/>
+          </a:xfrm>
+          <a:prstGeom prst="rect">
+            <a:avLst/>
+          </a:prstGeom>
+        </p:spPr>
+        <p:style>
+          <a:lnRef idx="2">
+            <a:schemeClr val="accent5">
+              <a:shade val="50000"/>
+            </a:schemeClr>
+          </a:lnRef>
+          <a:fillRef idx="1">
+            <a:schemeClr val="accent5"/>
+          </a:fillRef>
+          <a:effectRef idx="0">
+            <a:schemeClr val="accent5"/>
+          </a:effectRef>
+          <a:fontRef idx="minor">
+            <a:schemeClr val="lt1"/>
+          </a:fontRef>
+        </p:style>
+        <p:txBody>
+          <a:bodyPr wrap="square" rtlCol="0">
+            <a:spAutoFit/>
+          </a:bodyPr>
+          <a:lstStyle/>
+          <a:p>
+            <a:pPr algn="ctr"/>
+            <a:r>
+              <a:rPr lang="en-US"/>
+              <a:t>SIGNATURE</a:t>
+            </a:r>
+          </a:p>
+        </p:txBody>
+      </p:sp>
+      <p:sp>
+        <p:nvSpPr>
+          <p:cNvPr id="5" name="TextBox 4"/>
+          <p:cNvSpPr txBox="1"/>
+          <p:nvPr/>
+        </p:nvSpPr>
+        <p:spPr>
+          <a:xfrm>
+            <a:off x="6801026" y="2170570"/>
+            <a:ext cx="1885774" cy="369332"/>
+          </a:xfrm>
+          <a:prstGeom prst="rect">
+            <a:avLst/>
+          </a:prstGeom>
+        </p:spPr>
+        <p:style>
+          <a:lnRef idx="2">
+            <a:schemeClr val="accent5">
+              <a:shade val="50000"/>
+            </a:schemeClr>
+          </a:lnRef>
+          <a:fillRef idx="1">
+            <a:schemeClr val="accent5"/>
+          </a:fillRef>
+          <a:effectRef idx="0">
+            <a:schemeClr val="accent5"/>
+          </a:effectRef>
+          <a:fontRef idx="minor">
+            <a:schemeClr val="lt1"/>
+          </a:fontRef>
+        </p:style>
+        <p:txBody>
+          <a:bodyPr wrap="square" rtlCol="0">
+            <a:spAutoFit/>
+          </a:bodyPr>
+          <a:lstStyle/>
+          <a:p>
+            <a:pPr algn="ctr"/>
+            <a:r>
+              <a:rPr lang="en-US"/>
+              <a:t>EXTERNAL MODEL</a:t>
+            </a:r>
+          </a:p>
+        </p:txBody>
+      </p:sp>
+      <p:sp>
+        <p:nvSpPr>
+          <p:cNvPr id="6" name="TextBox 5"/>
+          <p:cNvSpPr txBox="1"/>
+          <p:nvPr/>
+        </p:nvSpPr>
+        <p:spPr>
+          <a:xfrm>
+            <a:off x="7160666" y="3439572"/>
+            <a:ext cx="1526134" cy="369332"/>
+          </a:xfrm>
+          <a:prstGeom prst="rect">
+            <a:avLst/>
+          </a:prstGeom>
+        </p:spPr>
+        <p:style>
+          <a:lnRef idx="2">
+            <a:schemeClr val="accent5">
+              <a:shade val="50000"/>
+            </a:schemeClr>
+          </a:lnRef>
+          <a:fillRef idx="1">
+            <a:schemeClr val="accent5"/>
+          </a:fillRef>
+          <a:effectRef idx="0">
+            <a:schemeClr val="accent5"/>
+          </a:effectRef>
+          <a:fontRef idx="minor">
+            <a:schemeClr val="lt1"/>
+          </a:fontRef>
+        </p:style>
+        <p:txBody>
+          <a:bodyPr wrap="square" rtlCol="0">
+            <a:spAutoFit/>
+          </a:bodyPr>
+          <a:lstStyle/>
+          <a:p>
+            <a:pPr algn="ctr"/>
+            <a:r>
+              <a:rPr lang="en-US"/>
+              <a:t>PARAMETERS</a:t>
+            </a:r>
+          </a:p>
+        </p:txBody>
+      </p:sp>
+      <p:sp>
+        <p:nvSpPr>
+          <p:cNvPr id="7" name="TextBox 6"/>
+          <p:cNvSpPr txBox="1"/>
+          <p:nvPr/>
+        </p:nvSpPr>
+        <p:spPr>
+          <a:xfrm>
+            <a:off x="457200" y="4648551"/>
+            <a:ext cx="6770303" cy="646331"/>
+          </a:xfrm>
+          <a:prstGeom prst="rect">
+            <a:avLst/>
+          </a:prstGeom>
+          <a:noFill/>
+        </p:spPr>
+        <p:txBody>
+          <a:bodyPr wrap="square" rtlCol="0">
+            <a:spAutoFit/>
+          </a:bodyPr>
+          <a:lstStyle/>
+          <a:p>
+            <a:r>
+              <a:rPr lang="en-US"/>
+              <a:t>Tip: Use the method "args" to determine the parameters that can be submitted to your external model.</a:t>
+            </a:r>
+          </a:p>
+        </p:txBody>
+      </p:sp>
+      <p:cxnSp>
+        <p:nvCxnSpPr>
+          <p:cNvPr id="9" name="Straight Arrow Connector 8"/>
+          <p:cNvCxnSpPr>
+            <a:stCxn id="4" idx="1"/>
+          </p:cNvCxnSpPr>
+          <p:nvPr/>
+        </p:nvCxnSpPr>
+        <p:spPr>
+          <a:xfrm rot="10800000" flipV="1">
+            <a:off x="6801027" y="1784866"/>
+            <a:ext cx="492793" cy="7405"/>
+          </a:xfrm>
+          <a:prstGeom prst="straightConnector1">
+            <a:avLst/>
+          </a:prstGeom>
+          <a:ln>
+            <a:tailEnd type="arrow"/>
+          </a:ln>
+        </p:spPr>
+        <p:style>
+          <a:lnRef idx="2">
+            <a:schemeClr val="accent1"/>
+          </a:lnRef>
+          <a:fillRef idx="0">
+            <a:schemeClr val="accent1"/>
+          </a:fillRef>
+          <a:effectRef idx="1">
+            <a:schemeClr val="accent1"/>
+          </a:effectRef>
+          <a:fontRef idx="minor">
+            <a:schemeClr val="tx1"/>
+          </a:fontRef>
+        </p:style>
+      </p:cxnSp>
+      <p:cxnSp>
+        <p:nvCxnSpPr>
+          <p:cNvPr id="10" name="Straight Arrow Connector 9"/>
+          <p:cNvCxnSpPr/>
+          <p:nvPr/>
+        </p:nvCxnSpPr>
+        <p:spPr>
+          <a:xfrm rot="10800000">
+            <a:off x="3738517" y="2273936"/>
+            <a:ext cx="3062511" cy="1588"/>
+          </a:xfrm>
+          <a:prstGeom prst="straightConnector1">
+            <a:avLst/>
+          </a:prstGeom>
+          <a:ln>
+            <a:tailEnd type="arrow"/>
+          </a:ln>
+        </p:spPr>
+        <p:style>
+          <a:lnRef idx="2">
+            <a:schemeClr val="accent1"/>
+          </a:lnRef>
+          <a:fillRef idx="0">
+            <a:schemeClr val="accent1"/>
+          </a:fillRef>
+          <a:effectRef idx="1">
+            <a:schemeClr val="accent1"/>
+          </a:effectRef>
+          <a:fontRef idx="minor">
+            <a:schemeClr val="tx1"/>
+          </a:fontRef>
+        </p:style>
+      </p:cxnSp>
+      <p:cxnSp>
+        <p:nvCxnSpPr>
+          <p:cNvPr id="11" name="Straight Arrow Connector 10"/>
+          <p:cNvCxnSpPr/>
+          <p:nvPr/>
+        </p:nvCxnSpPr>
+        <p:spPr>
+          <a:xfrm rot="10800000">
+            <a:off x="4988103" y="3624604"/>
+            <a:ext cx="2172565" cy="1588"/>
+          </a:xfrm>
+          <a:prstGeom prst="straightConnector1">
+            <a:avLst/>
+          </a:prstGeom>
+          <a:ln>
+            <a:tailEnd type="arrow"/>
+          </a:ln>
+        </p:spPr>
+        <p:style>
+          <a:lnRef idx="2">
+            <a:schemeClr val="accent1"/>
+          </a:lnRef>
+          <a:fillRef idx="0">
+            <a:schemeClr val="accent1"/>
+          </a:fillRef>
+          <a:effectRef idx="1">
+            <a:schemeClr val="accent1"/>
+          </a:effectRef>
+          <a:fontRef idx="minor">
+            <a:schemeClr val="tx1"/>
+          </a:fontRef>
+        </p:style>
+      </p:cxnSp>
+      <p:sp>
+        <p:nvSpPr>
+          <p:cNvPr id="17" name="TextBox 16"/>
+          <p:cNvSpPr txBox="1"/>
+          <p:nvPr/>
+        </p:nvSpPr>
+        <p:spPr>
+          <a:xfrm>
+            <a:off x="1311047" y="2130238"/>
+            <a:ext cx="2396746" cy="317495"/>
+          </a:xfrm>
+          <a:prstGeom prst="rect">
+            <a:avLst/>
+          </a:prstGeom>
+          <a:noFill/>
+          <a:ln>
+            <a:solidFill>
+              <a:schemeClr val="bg1">
+                <a:lumMod val="65000"/>
+                <a:alpha val="73000"/>
+              </a:schemeClr>
+            </a:solidFill>
+          </a:ln>
+        </p:spPr>
+        <p:style>
+          <a:lnRef idx="2">
+            <a:schemeClr val="accent1"/>
+          </a:lnRef>
+          <a:fillRef idx="1">
+            <a:schemeClr val="lt1"/>
+          </a:fillRef>
+          <a:effectRef idx="0">
+            <a:schemeClr val="accent1"/>
+          </a:effectRef>
+          <a:fontRef idx="minor">
+            <a:schemeClr val="dk1"/>
+          </a:fontRef>
+        </p:style>
+        <p:txBody>
+          <a:bodyPr wrap="square" rtlCol="0">
+            <a:spAutoFit/>
+          </a:bodyPr>
+          <a:lstStyle/>
+          <a:p>
+            <a:endParaRPr lang="en-US"/>
+          </a:p>
+        </p:txBody>
+      </p:sp>
+      <p:sp>
+        <p:nvSpPr>
+          <p:cNvPr id="18" name="TextBox 17"/>
+          <p:cNvSpPr txBox="1"/>
+          <p:nvPr/>
+        </p:nvSpPr>
+        <p:spPr>
+          <a:xfrm>
+            <a:off x="1311047" y="2579649"/>
+            <a:ext cx="3656570" cy="1373590"/>
+          </a:xfrm>
+          <a:prstGeom prst="rect">
+            <a:avLst/>
+          </a:prstGeom>
+          <a:noFill/>
+          <a:ln>
+            <a:solidFill>
+              <a:schemeClr val="bg1">
+                <a:lumMod val="65000"/>
+                <a:alpha val="73000"/>
+              </a:schemeClr>
+            </a:solidFill>
+          </a:ln>
+        </p:spPr>
+        <p:style>
+          <a:lnRef idx="2">
+            <a:schemeClr val="accent1"/>
+          </a:lnRef>
+          <a:fillRef idx="1">
+            <a:schemeClr val="lt1"/>
+          </a:fillRef>
+          <a:effectRef idx="0">
+            <a:schemeClr val="accent1"/>
+          </a:effectRef>
+          <a:fontRef idx="minor">
+            <a:schemeClr val="dk1"/>
+          </a:fontRef>
+        </p:style>
+        <p:txBody>
+          <a:bodyPr wrap="square" rtlCol="0">
+            <a:spAutoFit/>
+          </a:bodyPr>
+          <a:lstStyle/>
+          <a:p>
+            <a:endParaRPr lang="en-US"/>
+          </a:p>
+        </p:txBody>
+      </p:sp>
+      <p:sp>
+        <p:nvSpPr>
+          <p:cNvPr id="19" name="TextBox 18"/>
+          <p:cNvSpPr txBox="1"/>
+          <p:nvPr/>
+        </p:nvSpPr>
+        <p:spPr>
+          <a:xfrm>
+            <a:off x="457199" y="1615876"/>
+            <a:ext cx="6292612" cy="343415"/>
+          </a:xfrm>
+          <a:prstGeom prst="rect">
+            <a:avLst/>
+          </a:prstGeom>
+          <a:noFill/>
+          <a:ln>
+            <a:solidFill>
+              <a:schemeClr val="bg1">
+                <a:lumMod val="65000"/>
+                <a:alpha val="73000"/>
+              </a:schemeClr>
+            </a:solidFill>
+          </a:ln>
+        </p:spPr>
+        <p:style>
+          <a:lnRef idx="2">
+            <a:schemeClr val="accent1"/>
+          </a:lnRef>
+          <a:fillRef idx="1">
+            <a:schemeClr val="lt1"/>
+          </a:fillRef>
+          <a:effectRef idx="0">
+            <a:schemeClr val="accent1"/>
+          </a:effectRef>
+          <a:fontRef idx="minor">
+            <a:schemeClr val="dk1"/>
+          </a:fontRef>
+        </p:style>
+        <p:txBody>
+          <a:bodyPr wrap="square" rtlCol="0">
+            <a:spAutoFit/>
+          </a:bodyPr>
+          <a:lstStyle/>
           <a:p>
             <a:endParaRPr lang="en-US"/>
           </a:p>
@@ -11244,9 +12125,731 @@
   <p:timing>
     <p:tnLst>
       <p:par>
-        <p:cTn id="1" dur="indefinite" restart="never" nodeType="tmRoot"/>
+        <p:cTn id="1" dur="indefinite" restart="never" nodeType="tmRoot">
+          <p:childTnLst>
+            <p:seq concurrent="1" nextAc="seek">
+              <p:cTn id="2" dur="indefinite" nodeType="mainSeq">
+                <p:childTnLst>
+                  <p:par>
+                    <p:cTn id="3" fill="hold">
+                      <p:stCondLst>
+                        <p:cond delay="indefinite"/>
+                      </p:stCondLst>
+                      <p:childTnLst>
+                        <p:par>
+                          <p:cTn id="4" fill="hold">
+                            <p:stCondLst>
+                              <p:cond delay="0"/>
+                            </p:stCondLst>
+                            <p:childTnLst>
+                              <p:par>
+                                <p:cTn id="5" presetID="1" presetClass="entr" presetSubtype="0" fill="hold" nodeType="clickEffect">
+                                  <p:stCondLst>
+                                    <p:cond delay="0"/>
+                                  </p:stCondLst>
+                                  <p:childTnLst>
+                                    <p:set>
+                                      <p:cBhvr>
+                                        <p:cTn id="6" dur="1" fill="hold">
+                                          <p:stCondLst>
+                                            <p:cond delay="0"/>
+                                          </p:stCondLst>
+                                        </p:cTn>
+                                        <p:tgtEl>
+                                          <p:spTgt spid="9"/>
+                                        </p:tgtEl>
+                                        <p:attrNameLst>
+                                          <p:attrName>style.visibility</p:attrName>
+                                        </p:attrNameLst>
+                                      </p:cBhvr>
+                                      <p:to>
+                                        <p:strVal val="visible"/>
+                                      </p:to>
+                                    </p:set>
+                                  </p:childTnLst>
+                                </p:cTn>
+                              </p:par>
+                              <p:par>
+                                <p:cTn id="7" presetID="1" presetClass="entr" presetSubtype="0" fill="hold" grpId="0" nodeType="withEffect">
+                                  <p:stCondLst>
+                                    <p:cond delay="0"/>
+                                  </p:stCondLst>
+                                  <p:childTnLst>
+                                    <p:set>
+                                      <p:cBhvr>
+                                        <p:cTn id="8" dur="1" fill="hold">
+                                          <p:stCondLst>
+                                            <p:cond delay="0"/>
+                                          </p:stCondLst>
+                                        </p:cTn>
+                                        <p:tgtEl>
+                                          <p:spTgt spid="19"/>
+                                        </p:tgtEl>
+                                        <p:attrNameLst>
+                                          <p:attrName>style.visibility</p:attrName>
+                                        </p:attrNameLst>
+                                      </p:cBhvr>
+                                      <p:to>
+                                        <p:strVal val="visible"/>
+                                      </p:to>
+                                    </p:set>
+                                  </p:childTnLst>
+                                </p:cTn>
+                              </p:par>
+                              <p:par>
+                                <p:cTn id="9" presetID="1" presetClass="entr" presetSubtype="0" fill="hold" grpId="0" nodeType="withEffect">
+                                  <p:stCondLst>
+                                    <p:cond delay="0"/>
+                                  </p:stCondLst>
+                                  <p:childTnLst>
+                                    <p:set>
+                                      <p:cBhvr>
+                                        <p:cTn id="10" dur="1" fill="hold">
+                                          <p:stCondLst>
+                                            <p:cond delay="0"/>
+                                          </p:stCondLst>
+                                        </p:cTn>
+                                        <p:tgtEl>
+                                          <p:spTgt spid="4"/>
+                                        </p:tgtEl>
+                                        <p:attrNameLst>
+                                          <p:attrName>style.visibility</p:attrName>
+                                        </p:attrNameLst>
+                                      </p:cBhvr>
+                                      <p:to>
+                                        <p:strVal val="visible"/>
+                                      </p:to>
+                                    </p:set>
+                                  </p:childTnLst>
+                                </p:cTn>
+                              </p:par>
+                            </p:childTnLst>
+                          </p:cTn>
+                        </p:par>
+                      </p:childTnLst>
+                    </p:cTn>
+                  </p:par>
+                  <p:par>
+                    <p:cTn id="11" fill="hold">
+                      <p:stCondLst>
+                        <p:cond delay="indefinite"/>
+                      </p:stCondLst>
+                      <p:childTnLst>
+                        <p:par>
+                          <p:cTn id="12" fill="hold">
+                            <p:stCondLst>
+                              <p:cond delay="0"/>
+                            </p:stCondLst>
+                            <p:childTnLst>
+                              <p:par>
+                                <p:cTn id="13" presetID="1" presetClass="exit" presetSubtype="0" fill="hold" nodeType="clickEffect">
+                                  <p:stCondLst>
+                                    <p:cond delay="0"/>
+                                  </p:stCondLst>
+                                  <p:childTnLst>
+                                    <p:set>
+                                      <p:cBhvr>
+                                        <p:cTn id="14" dur="1" fill="hold">
+                                          <p:stCondLst>
+                                            <p:cond delay="0"/>
+                                          </p:stCondLst>
+                                        </p:cTn>
+                                        <p:tgtEl>
+                                          <p:spTgt spid="9"/>
+                                        </p:tgtEl>
+                                        <p:attrNameLst>
+                                          <p:attrName>style.visibility</p:attrName>
+                                        </p:attrNameLst>
+                                      </p:cBhvr>
+                                      <p:to>
+                                        <p:strVal val="hidden"/>
+                                      </p:to>
+                                    </p:set>
+                                  </p:childTnLst>
+                                </p:cTn>
+                              </p:par>
+                              <p:par>
+                                <p:cTn id="15" presetID="1" presetClass="exit" presetSubtype="0" fill="hold" grpId="1" nodeType="withEffect">
+                                  <p:stCondLst>
+                                    <p:cond delay="0"/>
+                                  </p:stCondLst>
+                                  <p:childTnLst>
+                                    <p:set>
+                                      <p:cBhvr>
+                                        <p:cTn id="16" dur="1" fill="hold">
+                                          <p:stCondLst>
+                                            <p:cond delay="0"/>
+                                          </p:stCondLst>
+                                        </p:cTn>
+                                        <p:tgtEl>
+                                          <p:spTgt spid="19"/>
+                                        </p:tgtEl>
+                                        <p:attrNameLst>
+                                          <p:attrName>style.visibility</p:attrName>
+                                        </p:attrNameLst>
+                                      </p:cBhvr>
+                                      <p:to>
+                                        <p:strVal val="hidden"/>
+                                      </p:to>
+                                    </p:set>
+                                  </p:childTnLst>
+                                </p:cTn>
+                              </p:par>
+                              <p:par>
+                                <p:cTn id="17" presetID="1" presetClass="exit" presetSubtype="0" fill="hold" grpId="1" nodeType="withEffect">
+                                  <p:stCondLst>
+                                    <p:cond delay="0"/>
+                                  </p:stCondLst>
+                                  <p:childTnLst>
+                                    <p:set>
+                                      <p:cBhvr>
+                                        <p:cTn id="18" dur="1" fill="hold">
+                                          <p:stCondLst>
+                                            <p:cond delay="0"/>
+                                          </p:stCondLst>
+                                        </p:cTn>
+                                        <p:tgtEl>
+                                          <p:spTgt spid="4"/>
+                                        </p:tgtEl>
+                                        <p:attrNameLst>
+                                          <p:attrName>style.visibility</p:attrName>
+                                        </p:attrNameLst>
+                                      </p:cBhvr>
+                                      <p:to>
+                                        <p:strVal val="hidden"/>
+                                      </p:to>
+                                    </p:set>
+                                  </p:childTnLst>
+                                </p:cTn>
+                              </p:par>
+                              <p:par>
+                                <p:cTn id="19" presetID="1" presetClass="entr" presetSubtype="0" fill="hold" grpId="0" nodeType="withEffect">
+                                  <p:stCondLst>
+                                    <p:cond delay="0"/>
+                                  </p:stCondLst>
+                                  <p:childTnLst>
+                                    <p:set>
+                                      <p:cBhvr>
+                                        <p:cTn id="20" dur="1" fill="hold">
+                                          <p:stCondLst>
+                                            <p:cond delay="0"/>
+                                          </p:stCondLst>
+                                        </p:cTn>
+                                        <p:tgtEl>
+                                          <p:spTgt spid="17"/>
+                                        </p:tgtEl>
+                                        <p:attrNameLst>
+                                          <p:attrName>style.visibility</p:attrName>
+                                        </p:attrNameLst>
+                                      </p:cBhvr>
+                                      <p:to>
+                                        <p:strVal val="visible"/>
+                                      </p:to>
+                                    </p:set>
+                                  </p:childTnLst>
+                                </p:cTn>
+                              </p:par>
+                              <p:par>
+                                <p:cTn id="21" presetID="1" presetClass="entr" presetSubtype="0" fill="hold" nodeType="withEffect">
+                                  <p:stCondLst>
+                                    <p:cond delay="0"/>
+                                  </p:stCondLst>
+                                  <p:childTnLst>
+                                    <p:set>
+                                      <p:cBhvr>
+                                        <p:cTn id="22" dur="1" fill="hold">
+                                          <p:stCondLst>
+                                            <p:cond delay="0"/>
+                                          </p:stCondLst>
+                                        </p:cTn>
+                                        <p:tgtEl>
+                                          <p:spTgt spid="10"/>
+                                        </p:tgtEl>
+                                        <p:attrNameLst>
+                                          <p:attrName>style.visibility</p:attrName>
+                                        </p:attrNameLst>
+                                      </p:cBhvr>
+                                      <p:to>
+                                        <p:strVal val="visible"/>
+                                      </p:to>
+                                    </p:set>
+                                  </p:childTnLst>
+                                </p:cTn>
+                              </p:par>
+                              <p:par>
+                                <p:cTn id="23" presetID="1" presetClass="entr" presetSubtype="0" fill="hold" grpId="0" nodeType="withEffect">
+                                  <p:stCondLst>
+                                    <p:cond delay="0"/>
+                                  </p:stCondLst>
+                                  <p:childTnLst>
+                                    <p:set>
+                                      <p:cBhvr>
+                                        <p:cTn id="24" dur="1" fill="hold">
+                                          <p:stCondLst>
+                                            <p:cond delay="0"/>
+                                          </p:stCondLst>
+                                        </p:cTn>
+                                        <p:tgtEl>
+                                          <p:spTgt spid="5"/>
+                                        </p:tgtEl>
+                                        <p:attrNameLst>
+                                          <p:attrName>style.visibility</p:attrName>
+                                        </p:attrNameLst>
+                                      </p:cBhvr>
+                                      <p:to>
+                                        <p:strVal val="visible"/>
+                                      </p:to>
+                                    </p:set>
+                                  </p:childTnLst>
+                                </p:cTn>
+                              </p:par>
+                            </p:childTnLst>
+                          </p:cTn>
+                        </p:par>
+                      </p:childTnLst>
+                    </p:cTn>
+                  </p:par>
+                  <p:par>
+                    <p:cTn id="25" fill="hold">
+                      <p:stCondLst>
+                        <p:cond delay="indefinite"/>
+                      </p:stCondLst>
+                      <p:childTnLst>
+                        <p:par>
+                          <p:cTn id="26" fill="hold">
+                            <p:stCondLst>
+                              <p:cond delay="0"/>
+                            </p:stCondLst>
+                            <p:childTnLst>
+                              <p:par>
+                                <p:cTn id="27" presetID="1" presetClass="exit" presetSubtype="0" fill="hold" grpId="1" nodeType="clickEffect">
+                                  <p:stCondLst>
+                                    <p:cond delay="0"/>
+                                  </p:stCondLst>
+                                  <p:childTnLst>
+                                    <p:set>
+                                      <p:cBhvr>
+                                        <p:cTn id="28" dur="1" fill="hold">
+                                          <p:stCondLst>
+                                            <p:cond delay="0"/>
+                                          </p:stCondLst>
+                                        </p:cTn>
+                                        <p:tgtEl>
+                                          <p:spTgt spid="17"/>
+                                        </p:tgtEl>
+                                        <p:attrNameLst>
+                                          <p:attrName>style.visibility</p:attrName>
+                                        </p:attrNameLst>
+                                      </p:cBhvr>
+                                      <p:to>
+                                        <p:strVal val="hidden"/>
+                                      </p:to>
+                                    </p:set>
+                                  </p:childTnLst>
+                                </p:cTn>
+                              </p:par>
+                              <p:par>
+                                <p:cTn id="29" presetID="1" presetClass="exit" presetSubtype="0" fill="hold" nodeType="withEffect">
+                                  <p:stCondLst>
+                                    <p:cond delay="0"/>
+                                  </p:stCondLst>
+                                  <p:childTnLst>
+                                    <p:set>
+                                      <p:cBhvr>
+                                        <p:cTn id="30" dur="1" fill="hold">
+                                          <p:stCondLst>
+                                            <p:cond delay="0"/>
+                                          </p:stCondLst>
+                                        </p:cTn>
+                                        <p:tgtEl>
+                                          <p:spTgt spid="10"/>
+                                        </p:tgtEl>
+                                        <p:attrNameLst>
+                                          <p:attrName>style.visibility</p:attrName>
+                                        </p:attrNameLst>
+                                      </p:cBhvr>
+                                      <p:to>
+                                        <p:strVal val="hidden"/>
+                                      </p:to>
+                                    </p:set>
+                                  </p:childTnLst>
+                                </p:cTn>
+                              </p:par>
+                              <p:par>
+                                <p:cTn id="31" presetID="1" presetClass="exit" presetSubtype="0" fill="hold" grpId="1" nodeType="withEffect">
+                                  <p:stCondLst>
+                                    <p:cond delay="0"/>
+                                  </p:stCondLst>
+                                  <p:childTnLst>
+                                    <p:set>
+                                      <p:cBhvr>
+                                        <p:cTn id="32" dur="1" fill="hold">
+                                          <p:stCondLst>
+                                            <p:cond delay="0"/>
+                                          </p:stCondLst>
+                                        </p:cTn>
+                                        <p:tgtEl>
+                                          <p:spTgt spid="5"/>
+                                        </p:tgtEl>
+                                        <p:attrNameLst>
+                                          <p:attrName>style.visibility</p:attrName>
+                                        </p:attrNameLst>
+                                      </p:cBhvr>
+                                      <p:to>
+                                        <p:strVal val="hidden"/>
+                                      </p:to>
+                                    </p:set>
+                                  </p:childTnLst>
+                                </p:cTn>
+                              </p:par>
+                              <p:par>
+                                <p:cTn id="33" presetID="1" presetClass="entr" presetSubtype="0" fill="hold" nodeType="withEffect">
+                                  <p:stCondLst>
+                                    <p:cond delay="0"/>
+                                  </p:stCondLst>
+                                  <p:childTnLst>
+                                    <p:set>
+                                      <p:cBhvr>
+                                        <p:cTn id="34" dur="1" fill="hold">
+                                          <p:stCondLst>
+                                            <p:cond delay="0"/>
+                                          </p:stCondLst>
+                                        </p:cTn>
+                                        <p:tgtEl>
+                                          <p:spTgt spid="18"/>
+                                        </p:tgtEl>
+                                        <p:attrNameLst>
+                                          <p:attrName>style.visibility</p:attrName>
+                                        </p:attrNameLst>
+                                      </p:cBhvr>
+                                      <p:to>
+                                        <p:strVal val="visible"/>
+                                      </p:to>
+                                    </p:set>
+                                  </p:childTnLst>
+                                </p:cTn>
+                              </p:par>
+                              <p:par>
+                                <p:cTn id="35" presetID="1" presetClass="entr" presetSubtype="0" fill="hold" nodeType="withEffect">
+                                  <p:stCondLst>
+                                    <p:cond delay="0"/>
+                                  </p:stCondLst>
+                                  <p:childTnLst>
+                                    <p:set>
+                                      <p:cBhvr>
+                                        <p:cTn id="36" dur="1" fill="hold">
+                                          <p:stCondLst>
+                                            <p:cond delay="0"/>
+                                          </p:stCondLst>
+                                        </p:cTn>
+                                        <p:tgtEl>
+                                          <p:spTgt spid="11"/>
+                                        </p:tgtEl>
+                                        <p:attrNameLst>
+                                          <p:attrName>style.visibility</p:attrName>
+                                        </p:attrNameLst>
+                                      </p:cBhvr>
+                                      <p:to>
+                                        <p:strVal val="visible"/>
+                                      </p:to>
+                                    </p:set>
+                                  </p:childTnLst>
+                                </p:cTn>
+                              </p:par>
+                              <p:par>
+                                <p:cTn id="37" presetID="1" presetClass="entr" presetSubtype="0" fill="hold" nodeType="withEffect">
+                                  <p:stCondLst>
+                                    <p:cond delay="0"/>
+                                  </p:stCondLst>
+                                  <p:childTnLst>
+                                    <p:set>
+                                      <p:cBhvr>
+                                        <p:cTn id="38" dur="1" fill="hold">
+                                          <p:stCondLst>
+                                            <p:cond delay="0"/>
+                                          </p:stCondLst>
+                                        </p:cTn>
+                                        <p:tgtEl>
+                                          <p:spTgt spid="6"/>
+                                        </p:tgtEl>
+                                        <p:attrNameLst>
+                                          <p:attrName>style.visibility</p:attrName>
+                                        </p:attrNameLst>
+                                      </p:cBhvr>
+                                      <p:to>
+                                        <p:strVal val="visible"/>
+                                      </p:to>
+                                    </p:set>
+                                  </p:childTnLst>
+                                </p:cTn>
+                              </p:par>
+                            </p:childTnLst>
+                          </p:cTn>
+                        </p:par>
+                      </p:childTnLst>
+                    </p:cTn>
+                  </p:par>
+                  <p:par>
+                    <p:cTn id="39" fill="hold">
+                      <p:stCondLst>
+                        <p:cond delay="indefinite"/>
+                      </p:stCondLst>
+                      <p:childTnLst>
+                        <p:par>
+                          <p:cTn id="40" fill="hold">
+                            <p:stCondLst>
+                              <p:cond delay="0"/>
+                            </p:stCondLst>
+                            <p:childTnLst>
+                              <p:par>
+                                <p:cTn id="41" presetID="1" presetClass="entr" presetSubtype="0" fill="hold" nodeType="clickEffect">
+                                  <p:stCondLst>
+                                    <p:cond delay="0"/>
+                                  </p:stCondLst>
+                                  <p:childTnLst>
+                                    <p:set>
+                                      <p:cBhvr>
+                                        <p:cTn id="42" dur="1" fill="hold">
+                                          <p:stCondLst>
+                                            <p:cond delay="0"/>
+                                          </p:stCondLst>
+                                        </p:cTn>
+                                        <p:tgtEl>
+                                          <p:spTgt spid="9"/>
+                                        </p:tgtEl>
+                                        <p:attrNameLst>
+                                          <p:attrName>style.visibility</p:attrName>
+                                        </p:attrNameLst>
+                                      </p:cBhvr>
+                                      <p:to>
+                                        <p:strVal val="visible"/>
+                                      </p:to>
+                                    </p:set>
+                                  </p:childTnLst>
+                                </p:cTn>
+                              </p:par>
+                              <p:par>
+                                <p:cTn id="43" presetID="1" presetClass="entr" presetSubtype="0" fill="hold" grpId="2" nodeType="withEffect">
+                                  <p:stCondLst>
+                                    <p:cond delay="0"/>
+                                  </p:stCondLst>
+                                  <p:childTnLst>
+                                    <p:set>
+                                      <p:cBhvr>
+                                        <p:cTn id="44" dur="1" fill="hold">
+                                          <p:stCondLst>
+                                            <p:cond delay="0"/>
+                                          </p:stCondLst>
+                                        </p:cTn>
+                                        <p:tgtEl>
+                                          <p:spTgt spid="17"/>
+                                        </p:tgtEl>
+                                        <p:attrNameLst>
+                                          <p:attrName>style.visibility</p:attrName>
+                                        </p:attrNameLst>
+                                      </p:cBhvr>
+                                      <p:to>
+                                        <p:strVal val="visible"/>
+                                      </p:to>
+                                    </p:set>
+                                  </p:childTnLst>
+                                </p:cTn>
+                              </p:par>
+                              <p:par>
+                                <p:cTn id="45" presetID="1" presetClass="entr" presetSubtype="0" fill="hold" nodeType="withEffect">
+                                  <p:stCondLst>
+                                    <p:cond delay="0"/>
+                                  </p:stCondLst>
+                                  <p:childTnLst>
+                                    <p:set>
+                                      <p:cBhvr>
+                                        <p:cTn id="46" dur="1" fill="hold">
+                                          <p:stCondLst>
+                                            <p:cond delay="0"/>
+                                          </p:stCondLst>
+                                        </p:cTn>
+                                        <p:tgtEl>
+                                          <p:spTgt spid="10"/>
+                                        </p:tgtEl>
+                                        <p:attrNameLst>
+                                          <p:attrName>style.visibility</p:attrName>
+                                        </p:attrNameLst>
+                                      </p:cBhvr>
+                                      <p:to>
+                                        <p:strVal val="visible"/>
+                                      </p:to>
+                                    </p:set>
+                                  </p:childTnLst>
+                                </p:cTn>
+                              </p:par>
+                              <p:par>
+                                <p:cTn id="47" presetID="1" presetClass="entr" presetSubtype="0" fill="hold" grpId="2" nodeType="withEffect">
+                                  <p:stCondLst>
+                                    <p:cond delay="0"/>
+                                  </p:stCondLst>
+                                  <p:childTnLst>
+                                    <p:set>
+                                      <p:cBhvr>
+                                        <p:cTn id="48" dur="1" fill="hold">
+                                          <p:stCondLst>
+                                            <p:cond delay="0"/>
+                                          </p:stCondLst>
+                                        </p:cTn>
+                                        <p:tgtEl>
+                                          <p:spTgt spid="19"/>
+                                        </p:tgtEl>
+                                        <p:attrNameLst>
+                                          <p:attrName>style.visibility</p:attrName>
+                                        </p:attrNameLst>
+                                      </p:cBhvr>
+                                      <p:to>
+                                        <p:strVal val="visible"/>
+                                      </p:to>
+                                    </p:set>
+                                  </p:childTnLst>
+                                </p:cTn>
+                              </p:par>
+                              <p:par>
+                                <p:cTn id="49" presetID="1" presetClass="entr" presetSubtype="0" fill="hold" grpId="2" nodeType="withEffect">
+                                  <p:stCondLst>
+                                    <p:cond delay="0"/>
+                                  </p:stCondLst>
+                                  <p:childTnLst>
+                                    <p:set>
+                                      <p:cBhvr>
+                                        <p:cTn id="50" dur="1" fill="hold">
+                                          <p:stCondLst>
+                                            <p:cond delay="0"/>
+                                          </p:stCondLst>
+                                        </p:cTn>
+                                        <p:tgtEl>
+                                          <p:spTgt spid="4"/>
+                                        </p:tgtEl>
+                                        <p:attrNameLst>
+                                          <p:attrName>style.visibility</p:attrName>
+                                        </p:attrNameLst>
+                                      </p:cBhvr>
+                                      <p:to>
+                                        <p:strVal val="visible"/>
+                                      </p:to>
+                                    </p:set>
+                                  </p:childTnLst>
+                                </p:cTn>
+                              </p:par>
+                              <p:par>
+                                <p:cTn id="51" presetID="1" presetClass="entr" presetSubtype="0" fill="hold" grpId="2" nodeType="withEffect">
+                                  <p:stCondLst>
+                                    <p:cond delay="0"/>
+                                  </p:stCondLst>
+                                  <p:childTnLst>
+                                    <p:set>
+                                      <p:cBhvr>
+                                        <p:cTn id="52" dur="1" fill="hold">
+                                          <p:stCondLst>
+                                            <p:cond delay="0"/>
+                                          </p:stCondLst>
+                                        </p:cTn>
+                                        <p:tgtEl>
+                                          <p:spTgt spid="5"/>
+                                        </p:tgtEl>
+                                        <p:attrNameLst>
+                                          <p:attrName>style.visibility</p:attrName>
+                                        </p:attrNameLst>
+                                      </p:cBhvr>
+                                      <p:to>
+                                        <p:strVal val="visible"/>
+                                      </p:to>
+                                    </p:set>
+                                  </p:childTnLst>
+                                </p:cTn>
+                              </p:par>
+                            </p:childTnLst>
+                          </p:cTn>
+                        </p:par>
+                      </p:childTnLst>
+                    </p:cTn>
+                  </p:par>
+                  <p:par>
+                    <p:cTn id="53" fill="hold">
+                      <p:stCondLst>
+                        <p:cond delay="indefinite"/>
+                      </p:stCondLst>
+                      <p:childTnLst>
+                        <p:par>
+                          <p:cTn id="54" fill="hold">
+                            <p:stCondLst>
+                              <p:cond delay="0"/>
+                            </p:stCondLst>
+                            <p:childTnLst>
+                              <p:par>
+                                <p:cTn id="55" presetID="1" presetClass="entr" presetSubtype="0" fill="hold" grpId="0" nodeType="clickEffect">
+                                  <p:stCondLst>
+                                    <p:cond delay="0"/>
+                                  </p:stCondLst>
+                                  <p:childTnLst>
+                                    <p:set>
+                                      <p:cBhvr>
+                                        <p:cTn id="56" dur="1" fill="hold">
+                                          <p:stCondLst>
+                                            <p:cond delay="0"/>
+                                          </p:stCondLst>
+                                        </p:cTn>
+                                        <p:tgtEl>
+                                          <p:spTgt spid="7"/>
+                                        </p:tgtEl>
+                                        <p:attrNameLst>
+                                          <p:attrName>style.visibility</p:attrName>
+                                        </p:attrNameLst>
+                                      </p:cBhvr>
+                                      <p:to>
+                                        <p:strVal val="visible"/>
+                                      </p:to>
+                                    </p:set>
+                                  </p:childTnLst>
+                                </p:cTn>
+                              </p:par>
+                            </p:childTnLst>
+                          </p:cTn>
+                        </p:par>
+                      </p:childTnLst>
+                    </p:cTn>
+                  </p:par>
+                </p:childTnLst>
+              </p:cTn>
+              <p:prevCondLst>
+                <p:cond evt="onPrev" delay="0">
+                  <p:tgtEl>
+                    <p:sldTgt/>
+                  </p:tgtEl>
+                </p:cond>
+              </p:prevCondLst>
+              <p:nextCondLst>
+                <p:cond evt="onNext" delay="0">
+                  <p:tgtEl>
+                    <p:sldTgt/>
+                  </p:tgtEl>
+                </p:cond>
+              </p:nextCondLst>
+            </p:seq>
+          </p:childTnLst>
+        </p:cTn>
       </p:par>
     </p:tnLst>
+    <p:bldLst>
+      <p:bldP spid="4" grpId="0" animBg="1"/>
+      <p:bldP spid="4" grpId="1" animBg="1"/>
+      <p:bldP spid="4" grpId="2" animBg="1"/>
+      <p:bldP spid="5" grpId="0" animBg="1"/>
+      <p:bldP spid="5" grpId="1" animBg="1"/>
+      <p:bldP spid="5" grpId="2" animBg="1"/>
+      <p:bldP spid="7" grpId="0"/>
+      <p:bldP spid="17" grpId="0" animBg="1"/>
+      <p:bldP spid="17" grpId="1" animBg="1"/>
+      <p:bldP spid="17" grpId="2" animBg="1"/>
+      <p:bldP spid="19" grpId="0" animBg="1"/>
+      <p:bldP spid="19" grpId="1" animBg="1"/>
+      <p:bldP spid="19" grpId="2" animBg="1"/>
+    </p:bldLst>
   </p:timing>
 </p:sld>
 </file>
@@ -11285,7 +12888,7 @@
           <a:p>
             <a:r>
               <a:rPr lang="en-US"/>
-              <a:t>zelig2: Return Value</a:t>
+              <a:t>zelig2: Function Signature</a:t>
             </a:r>
           </a:p>
         </p:txBody>
@@ -11304,6 +12907,41 @@
         <p:txBody>
           <a:bodyPr/>
           <a:lstStyle/>
+          <a:p>
+            <a:r>
+              <a:rPr lang="en-US"/>
+              <a:t>"formula" specifies the model formula</a:t>
+            </a:r>
+          </a:p>
+          <a:p>
+            <a:r>
+              <a:rPr lang="en-US"/>
+              <a:t>"data" specifies the data.frame</a:t>
+            </a:r>
+          </a:p>
+          <a:p>
+            <a:r>
+              <a:rPr lang="en-US"/>
+              <a:t>All other parameters are </a:t>
+            </a:r>
+            <a:r>
+              <a:rPr lang="en-US" b="1"/>
+              <a:t>optional</a:t>
+            </a:r>
+          </a:p>
+          <a:p>
+            <a:r>
+              <a:rPr lang="en-US"/>
+              <a:t>Other parameters are determined by the model fitting function's requirements</a:t>
+            </a:r>
+          </a:p>
+          <a:p>
+            <a:pPr lvl="1"/>
+            <a:r>
+              <a:rPr lang="en-US"/>
+              <a:t>Use "args" to determine what parameters are available for the model-fitting function</a:t>
+            </a:r>
+          </a:p>
           <a:p>
             <a:endParaRPr lang="en-US"/>
           </a:p>
@@ -11358,7 +12996,7 @@
           <a:p>
             <a:r>
               <a:rPr lang="en-US"/>
-              <a:t>zelig2</a:t>
+              <a:t>zelig2: Function Body</a:t>
             </a:r>
           </a:p>
         </p:txBody>
@@ -11379,53 +13017,40 @@
           <a:lstStyle/>
           <a:p>
             <a:r>
-              <a:rPr lang="en-US" b="1"/>
-              <a:t>Does not</a:t>
-            </a:r>
-            <a:r>
-              <a:rPr lang="en-US"/>
-              <a:t> fit models itself</a:t>
-            </a:r>
-          </a:p>
-          <a:p>
-            <a:r>
-              <a:rPr lang="en-US"/>
-              <a:t>Uses outside models to fit data</a:t>
+              <a:rPr lang="en-US"/>
+              <a:t>Typically does very little</a:t>
+            </a:r>
+          </a:p>
+          <a:p>
+            <a:r>
+              <a:rPr lang="en-US"/>
+              <a:t>Can be used to</a:t>
             </a:r>
           </a:p>
           <a:p>
             <a:pPr lvl="1"/>
             <a:r>
               <a:rPr lang="en-US"/>
-              <a:t>"lm", "glm", "nlme", etc.</a:t>
-            </a:r>
-          </a:p>
-          <a:p>
-            <a:r>
-              <a:rPr lang="en-US"/>
-              <a:t>Manages how zelig interacts with these models:</a:t>
+              <a:t>Print-out error and warning messages</a:t>
             </a:r>
           </a:p>
           <a:p>
             <a:pPr lvl="1"/>
             <a:r>
               <a:rPr lang="en-US"/>
-              <a:t>Specifies what function will fit the model</a:t>
+              <a:t>Manipulate model formulae</a:t>
             </a:r>
           </a:p>
           <a:p>
             <a:pPr lvl="1"/>
             <a:r>
               <a:rPr lang="en-US"/>
-              <a:t>Specifies parameters</a:t>
-            </a:r>
-          </a:p>
-          <a:p>
-            <a:pPr lvl="1"/>
-            <a:r>
-              <a:rPr lang="en-US"/>
-              <a:t>Manipulates objects</a:t>
-            </a:r>
+              <a:t>Assign default values that do not exist for the model-fitting function</a:t>
+            </a:r>
+            <a:endParaRPr lang="en-US"/>
+          </a:p>
+          <a:p>
+            <a:endParaRPr lang="en-US"/>
           </a:p>
         </p:txBody>
       </p:sp>
@@ -11478,7 +13103,7 @@
           <a:p>
             <a:r>
               <a:rPr lang="en-US"/>
-              <a:t>Family Objects</a:t>
+              <a:t>zelig2: Return Value</a:t>
             </a:r>
           </a:p>
         </p:txBody>
@@ -11500,43 +13125,22 @@
           <a:p>
             <a:r>
               <a:rPr lang="en-US"/>
-              <a:t>Store information about link functions</a:t>
-            </a:r>
-          </a:p>
-          <a:p>
-            <a:pPr lvl="1"/>
-            <a:r>
-              <a:rPr lang="en-US"/>
-              <a:t>"Link" functions help specify the relationship between the observed value and the underlying linear predictors</a:t>
-            </a:r>
-          </a:p>
-          <a:p>
-            <a:pPr lvl="1"/>
-            <a:r>
-              <a:rPr lang="en-US"/>
-              <a:t>"Inverse Link" simply inverse this process</a:t>
-            </a:r>
-          </a:p>
-          <a:p>
-            <a:r>
-              <a:rPr lang="en-US"/>
-              <a:t>Used by model-fitting functions</a:t>
-            </a:r>
-          </a:p>
-          <a:p>
-            <a:r>
-              <a:rPr lang="en-US"/>
-              <a:t>Inverse link functions are used in qi simulation</a:t>
-            </a:r>
-          </a:p>
-          <a:p>
-            <a:r>
-              <a:rPr lang="en-US"/>
-              <a:t>See help documentation: "?family"</a:t>
-            </a:r>
-          </a:p>
-          <a:p>
-            <a:endParaRPr lang="en-US"/>
+              <a:t>".function" specifies the name of model-fitting function</a:t>
+            </a:r>
+          </a:p>
+          <a:p>
+            <a:r>
+              <a:rPr lang="en-US"/>
+              <a:t>All other entries specify values to be </a:t>
+            </a:r>
+            <a:r>
+              <a:rPr lang="en-US" b="1"/>
+              <a:t>explicitly</a:t>
+            </a:r>
+            <a:r>
+              <a:rPr lang="en-US"/>
+              <a:t> set for the model-fitting function</a:t>
+            </a:r>
           </a:p>
         </p:txBody>
       </p:sp>
@@ -11574,12 +13178,12 @@
       </p:grpSpPr>
       <p:sp>
         <p:nvSpPr>
-          <p:cNvPr id="6" name="Title 5"/>
-          <p:cNvSpPr>
-            <a:spLocks noGrp="1"/>
-          </p:cNvSpPr>
-          <p:nvPr>
-            <p:ph type="ctrTitle"/>
+          <p:cNvPr id="2" name="Title 1"/>
+          <p:cNvSpPr>
+            <a:spLocks noGrp="1"/>
+          </p:cNvSpPr>
+          <p:nvPr>
+            <p:ph type="title"/>
           </p:nvPr>
         </p:nvSpPr>
         <p:spPr/>
@@ -11589,19 +13193,19 @@
           <a:p>
             <a:r>
               <a:rPr lang="en-US"/>
-              <a:t>Workflow</a:t>
-            </a:r>
-          </a:p>
-        </p:txBody>
-      </p:sp>
-      <p:sp>
-        <p:nvSpPr>
-          <p:cNvPr id="7" name="Subtitle 6"/>
-          <p:cNvSpPr>
-            <a:spLocks noGrp="1"/>
-          </p:cNvSpPr>
-          <p:nvPr>
-            <p:ph type="subTitle" idx="1"/>
+              <a:t>zelig2</a:t>
+            </a:r>
+          </a:p>
+        </p:txBody>
+      </p:sp>
+      <p:sp>
+        <p:nvSpPr>
+          <p:cNvPr id="3" name="Content Placeholder 2"/>
+          <p:cNvSpPr>
+            <a:spLocks noGrp="1"/>
+          </p:cNvSpPr>
+          <p:nvPr>
+            <p:ph idx="1"/>
           </p:nvPr>
         </p:nvSpPr>
         <p:spPr/>
@@ -11609,7 +13213,54 @@
           <a:bodyPr/>
           <a:lstStyle/>
           <a:p>
-            <a:endParaRPr lang="en-US"/>
+            <a:r>
+              <a:rPr lang="en-US" b="1"/>
+              <a:t>Does not</a:t>
+            </a:r>
+            <a:r>
+              <a:rPr lang="en-US"/>
+              <a:t> fit models itself</a:t>
+            </a:r>
+          </a:p>
+          <a:p>
+            <a:r>
+              <a:rPr lang="en-US"/>
+              <a:t>Uses outside models to fit data</a:t>
+            </a:r>
+          </a:p>
+          <a:p>
+            <a:pPr lvl="1"/>
+            <a:r>
+              <a:rPr lang="en-US"/>
+              <a:t>"lm", "glm", "nlme", etc.</a:t>
+            </a:r>
+          </a:p>
+          <a:p>
+            <a:r>
+              <a:rPr lang="en-US"/>
+              <a:t>Manages how zelig interacts with these models:</a:t>
+            </a:r>
+          </a:p>
+          <a:p>
+            <a:pPr lvl="1"/>
+            <a:r>
+              <a:rPr lang="en-US"/>
+              <a:t>Specifies what function will fit the model</a:t>
+            </a:r>
+          </a:p>
+          <a:p>
+            <a:pPr lvl="1"/>
+            <a:r>
+              <a:rPr lang="en-US"/>
+              <a:t>Specifies parameters</a:t>
+            </a:r>
+          </a:p>
+          <a:p>
+            <a:pPr lvl="1"/>
+            <a:r>
+              <a:rPr lang="en-US"/>
+              <a:t>Manipulates objects</a:t>
+            </a:r>
           </a:p>
         </p:txBody>
       </p:sp>
@@ -11662,7 +13313,7 @@
           <a:p>
             <a:r>
               <a:rPr lang="en-US"/>
-              <a:t>Workflow</a:t>
+              <a:t>Family Objects</a:t>
             </a:r>
           </a:p>
         </p:txBody>
@@ -11683,44 +13334,44 @@
           <a:lstStyle/>
           <a:p>
             <a:r>
-              <a:rPr lang="en-US" dirty="0"/>
-              <a:t>Find existing model</a:t>
-            </a:r>
-          </a:p>
-          <a:p>
-            <a:r>
-              <a:rPr lang="en-US" dirty="0"/>
-              <a:t>Determine what the arguments are</a:t>
-            </a:r>
-          </a:p>
-          <a:p>
-            <a:r>
-              <a:rPr lang="en-US" dirty="0"/>
-              <a:t>Return a list at the bottom of the function</a:t>
-            </a:r>
-          </a:p>
-          <a:p>
-            <a:r>
-              <a:rPr lang="en-US" dirty="0"/>
-              <a:t>Manipulate objects</a:t>
-            </a:r>
-          </a:p>
-          <a:p>
-            <a:r>
-              <a:rPr lang="en-US" dirty="0"/>
-              <a:t>Write </a:t>
-            </a:r>
-            <a:r>
-              <a:rPr lang="en-US" dirty="0" smtClean="0"/>
-              <a:t>warnings</a:t>
-            </a:r>
-            <a:endParaRPr lang="en-US" dirty="0"/>
-          </a:p>
-          <a:p>
-            <a:r>
-              <a:rPr lang="en-US" dirty="0"/>
-              <a:t>Document</a:t>
-            </a:r>
+              <a:rPr lang="en-US"/>
+              <a:t>Store information about link functions</a:t>
+            </a:r>
+          </a:p>
+          <a:p>
+            <a:pPr lvl="1"/>
+            <a:r>
+              <a:rPr lang="en-US"/>
+              <a:t>"Link" functions help specify the relationship between the observed value and the underlying linear predictors</a:t>
+            </a:r>
+          </a:p>
+          <a:p>
+            <a:pPr lvl="1"/>
+            <a:r>
+              <a:rPr lang="en-US"/>
+              <a:t>"Inverse Link" simply inverse this process</a:t>
+            </a:r>
+          </a:p>
+          <a:p>
+            <a:r>
+              <a:rPr lang="en-US"/>
+              <a:t>Used by model-fitting functions</a:t>
+            </a:r>
+          </a:p>
+          <a:p>
+            <a:r>
+              <a:rPr lang="en-US"/>
+              <a:t>Inverse link functions are used in qi simulation</a:t>
+            </a:r>
+          </a:p>
+          <a:p>
+            <a:r>
+              <a:rPr lang="en-US"/>
+              <a:t>See help documentation: "?family"</a:t>
+            </a:r>
+          </a:p>
+          <a:p>
+            <a:endParaRPr lang="en-US"/>
           </a:p>
         </p:txBody>
       </p:sp>
@@ -11758,12 +13409,12 @@
       </p:grpSpPr>
       <p:sp>
         <p:nvSpPr>
-          <p:cNvPr id="2" name="Title 1"/>
-          <p:cNvSpPr>
-            <a:spLocks noGrp="1"/>
-          </p:cNvSpPr>
-          <p:nvPr>
-            <p:ph type="title"/>
+          <p:cNvPr id="6" name="Title 5"/>
+          <p:cNvSpPr>
+            <a:spLocks noGrp="1"/>
+          </p:cNvSpPr>
+          <p:nvPr>
+            <p:ph type="ctrTitle"/>
           </p:nvPr>
         </p:nvSpPr>
         <p:spPr/>
@@ -11772,21 +13423,20 @@
           <a:lstStyle/>
           <a:p>
             <a:r>
-              <a:rPr lang="en-US" dirty="0" smtClean="0"/>
+              <a:rPr lang="en-US"/>
               <a:t>Workflow</a:t>
             </a:r>
-            <a:endParaRPr lang="en-US" dirty="0"/>
-          </a:p>
-        </p:txBody>
-      </p:sp>
-      <p:sp>
-        <p:nvSpPr>
-          <p:cNvPr id="3" name="Content Placeholder 2"/>
-          <p:cNvSpPr>
-            <a:spLocks noGrp="1"/>
-          </p:cNvSpPr>
-          <p:nvPr>
-            <p:ph idx="1"/>
+          </a:p>
+        </p:txBody>
+      </p:sp>
+      <p:sp>
+        <p:nvSpPr>
+          <p:cNvPr id="7" name="Subtitle 6"/>
+          <p:cNvSpPr>
+            <a:spLocks noGrp="1"/>
+          </p:cNvSpPr>
+          <p:nvPr>
+            <p:ph type="subTitle" idx="1"/>
           </p:nvPr>
         </p:nvSpPr>
         <p:spPr/>
@@ -11794,52 +13444,11 @@
           <a:bodyPr/>
           <a:lstStyle/>
           <a:p>
-            <a:r>
-              <a:rPr lang="en-US" dirty="0" smtClean="0"/>
-              <a:t>Write demo code</a:t>
-            </a:r>
-          </a:p>
-          <a:p>
-            <a:r>
-              <a:rPr lang="en-US" dirty="0" smtClean="0"/>
-              <a:t>Develop code (in the “</a:t>
-            </a:r>
-            <a:r>
-              <a:rPr lang="en-US" b="1" dirty="0" smtClean="0"/>
-              <a:t>R/</a:t>
-            </a:r>
-            <a:r>
-              <a:rPr lang="en-US" dirty="0" smtClean="0"/>
-              <a:t>” directory)</a:t>
-            </a:r>
-          </a:p>
-          <a:p>
-            <a:r>
-              <a:rPr lang="en-US" dirty="0" smtClean="0"/>
-              <a:t>Install (or re-install) package</a:t>
-            </a:r>
-          </a:p>
-          <a:p>
-            <a:r>
-              <a:rPr lang="en-US" dirty="0" smtClean="0"/>
-              <a:t>Test demo code</a:t>
-            </a:r>
-          </a:p>
-          <a:p>
-            <a:r>
-              <a:rPr lang="en-US" dirty="0" smtClean="0"/>
-              <a:t>Go back to step 2</a:t>
-            </a:r>
-            <a:endParaRPr lang="en-US" dirty="0"/>
+            <a:endParaRPr lang="en-US"/>
           </a:p>
         </p:txBody>
       </p:sp>
     </p:spTree>
-    <p:extLst>
-      <p:ext uri="{BB962C8B-B14F-4D97-AF65-F5344CB8AC3E}">
-        <p14:creationId xmlns="" xmlns:a="http://schemas.openxmlformats.org/drawingml/2006/main" xmlns:r="http://schemas.openxmlformats.org/officeDocument/2006/relationships" xmlns:p="http://schemas.openxmlformats.org/presentationml/2006/main" xmlns:p14="http://schemas.microsoft.com/office/powerpoint/2010/main" xmlns:mv="urn:schemas-microsoft-com:mac:vml" xmlns:mc="http://schemas.openxmlformats.org/markup-compatibility/2006" val="3145060271"/>
-      </p:ext>
-    </p:extLst>
   </p:cSld>
   <p:clrMapOvr>
     <a:masterClrMapping/>
@@ -11888,7 +13497,7 @@
           <a:p>
             <a:r>
               <a:rPr lang="en-US"/>
-              <a:t>Workshop</a:t>
+              <a:t>Workflow</a:t>
             </a:r>
           </a:p>
         </p:txBody>
@@ -11909,18 +13518,44 @@
           <a:lstStyle/>
           <a:p>
             <a:r>
-              <a:rPr lang="en-US"/>
-              <a:t>Choose a Generalized Linear model</a:t>
-            </a:r>
-          </a:p>
-          <a:p>
-            <a:r>
-              <a:rPr lang="en-US"/>
-              <a:t>Create a statistical package (using zelig.skeleton)</a:t>
-            </a:r>
-          </a:p>
-          <a:p>
-            <a:endParaRPr lang="en-US"/>
+              <a:rPr lang="en-US" dirty="0"/>
+              <a:t>Find existing model</a:t>
+            </a:r>
+          </a:p>
+          <a:p>
+            <a:r>
+              <a:rPr lang="en-US" dirty="0"/>
+              <a:t>Determine what the arguments are</a:t>
+            </a:r>
+          </a:p>
+          <a:p>
+            <a:r>
+              <a:rPr lang="en-US" dirty="0"/>
+              <a:t>Return a list at the bottom of the function</a:t>
+            </a:r>
+          </a:p>
+          <a:p>
+            <a:r>
+              <a:rPr lang="en-US" dirty="0"/>
+              <a:t>Manipulate objects</a:t>
+            </a:r>
+          </a:p>
+          <a:p>
+            <a:r>
+              <a:rPr lang="en-US" dirty="0"/>
+              <a:t>Write </a:t>
+            </a:r>
+            <a:r>
+              <a:rPr lang="en-US" dirty="0" smtClean="0"/>
+              <a:t>warnings</a:t>
+            </a:r>
+            <a:endParaRPr lang="en-US" dirty="0"/>
+          </a:p>
+          <a:p>
+            <a:r>
+              <a:rPr lang="en-US" dirty="0"/>
+              <a:t>Document</a:t>
+            </a:r>
           </a:p>
         </p:txBody>
       </p:sp>
@@ -12066,6 +13701,206 @@
         <p14:creationId xmlns="" xmlns:a="http://schemas.openxmlformats.org/drawingml/2006/main" xmlns:r="http://schemas.openxmlformats.org/officeDocument/2006/relationships" xmlns:p="http://schemas.openxmlformats.org/presentationml/2006/main" xmlns:p14="http://schemas.microsoft.com/office/powerpoint/2010/main" xmlns:mv="urn:schemas-microsoft-com:mac:vml" xmlns:mc="http://schemas.openxmlformats.org/markup-compatibility/2006" val="3623617875"/>
       </p:ext>
     </p:extLst>
+  </p:cSld>
+  <p:clrMapOvr>
+    <a:masterClrMapping/>
+  </p:clrMapOvr>
+  <p:timing>
+    <p:tnLst>
+      <p:par>
+        <p:cTn id="1" dur="indefinite" restart="never" nodeType="tmRoot"/>
+      </p:par>
+    </p:tnLst>
+  </p:timing>
+</p:sld>
+</file>
+
+<file path=ppt/slides/slide50.xml><?xml version="1.0" encoding="utf-8"?>
+<p:sld xmlns:a="http://schemas.openxmlformats.org/drawingml/2006/main" xmlns:r="http://schemas.openxmlformats.org/officeDocument/2006/relationships" xmlns:mc="http://schemas.openxmlformats.org/markup-compatibility/2006" xmlns:mv="urn:schemas-microsoft-com:mac:vml" xmlns:p="http://schemas.openxmlformats.org/presentationml/2006/main" mc:Ignorable="mv" mc:PreserveAttributes="mv:*">
+  <p:cSld>
+    <p:spTree>
+      <p:nvGrpSpPr>
+        <p:cNvPr id="1" name=""/>
+        <p:cNvGrpSpPr/>
+        <p:nvPr/>
+      </p:nvGrpSpPr>
+      <p:grpSpPr>
+        <a:xfrm>
+          <a:off x="0" y="0"/>
+          <a:ext cx="0" cy="0"/>
+          <a:chOff x="0" y="0"/>
+          <a:chExt cx="0" cy="0"/>
+        </a:xfrm>
+      </p:grpSpPr>
+      <p:sp>
+        <p:nvSpPr>
+          <p:cNvPr id="2" name="Title 1"/>
+          <p:cNvSpPr>
+            <a:spLocks noGrp="1"/>
+          </p:cNvSpPr>
+          <p:nvPr>
+            <p:ph type="title"/>
+          </p:nvPr>
+        </p:nvSpPr>
+        <p:spPr/>
+        <p:txBody>
+          <a:bodyPr/>
+          <a:lstStyle/>
+          <a:p>
+            <a:r>
+              <a:rPr lang="en-US" dirty="0" smtClean="0"/>
+              <a:t>Workflow</a:t>
+            </a:r>
+            <a:endParaRPr lang="en-US" dirty="0"/>
+          </a:p>
+        </p:txBody>
+      </p:sp>
+      <p:sp>
+        <p:nvSpPr>
+          <p:cNvPr id="3" name="Content Placeholder 2"/>
+          <p:cNvSpPr>
+            <a:spLocks noGrp="1"/>
+          </p:cNvSpPr>
+          <p:nvPr>
+            <p:ph idx="1"/>
+          </p:nvPr>
+        </p:nvSpPr>
+        <p:spPr/>
+        <p:txBody>
+          <a:bodyPr/>
+          <a:lstStyle/>
+          <a:p>
+            <a:r>
+              <a:rPr lang="en-US" dirty="0" smtClean="0"/>
+              <a:t>Write demo code</a:t>
+            </a:r>
+          </a:p>
+          <a:p>
+            <a:r>
+              <a:rPr lang="en-US" dirty="0" smtClean="0"/>
+              <a:t>Develop code (in the “</a:t>
+            </a:r>
+            <a:r>
+              <a:rPr lang="en-US" b="1" dirty="0" smtClean="0"/>
+              <a:t>R/</a:t>
+            </a:r>
+            <a:r>
+              <a:rPr lang="en-US" dirty="0" smtClean="0"/>
+              <a:t>” directory)</a:t>
+            </a:r>
+          </a:p>
+          <a:p>
+            <a:r>
+              <a:rPr lang="en-US" dirty="0" smtClean="0"/>
+              <a:t>Install (or re-install) package</a:t>
+            </a:r>
+          </a:p>
+          <a:p>
+            <a:r>
+              <a:rPr lang="en-US" dirty="0" smtClean="0"/>
+              <a:t>Test demo code</a:t>
+            </a:r>
+          </a:p>
+          <a:p>
+            <a:r>
+              <a:rPr lang="en-US" dirty="0" smtClean="0"/>
+              <a:t>Go back to step 2</a:t>
+            </a:r>
+            <a:endParaRPr lang="en-US" dirty="0"/>
+          </a:p>
+        </p:txBody>
+      </p:sp>
+    </p:spTree>
+    <p:extLst>
+      <p:ext uri="{BB962C8B-B14F-4D97-AF65-F5344CB8AC3E}">
+        <p14:creationId xmlns="" xmlns:a="http://schemas.openxmlformats.org/drawingml/2006/main" xmlns:r="http://schemas.openxmlformats.org/officeDocument/2006/relationships" xmlns:p="http://schemas.openxmlformats.org/presentationml/2006/main" xmlns:p14="http://schemas.microsoft.com/office/powerpoint/2010/main" xmlns:mv="urn:schemas-microsoft-com:mac:vml" xmlns:mc="http://schemas.openxmlformats.org/markup-compatibility/2006" val="3145060271"/>
+      </p:ext>
+    </p:extLst>
+  </p:cSld>
+  <p:clrMapOvr>
+    <a:masterClrMapping/>
+  </p:clrMapOvr>
+  <p:timing>
+    <p:tnLst>
+      <p:par>
+        <p:cTn id="1" dur="indefinite" restart="never" nodeType="tmRoot"/>
+      </p:par>
+    </p:tnLst>
+  </p:timing>
+</p:sld>
+</file>
+
+<file path=ppt/slides/slide51.xml><?xml version="1.0" encoding="utf-8"?>
+<p:sld xmlns:a="http://schemas.openxmlformats.org/drawingml/2006/main" xmlns:r="http://schemas.openxmlformats.org/officeDocument/2006/relationships" xmlns:mc="http://schemas.openxmlformats.org/markup-compatibility/2006" xmlns:mv="urn:schemas-microsoft-com:mac:vml" xmlns:p="http://schemas.openxmlformats.org/presentationml/2006/main" mc:Ignorable="mv" mc:PreserveAttributes="mv:*">
+  <p:cSld>
+    <p:spTree>
+      <p:nvGrpSpPr>
+        <p:cNvPr id="1" name=""/>
+        <p:cNvGrpSpPr/>
+        <p:nvPr/>
+      </p:nvGrpSpPr>
+      <p:grpSpPr>
+        <a:xfrm>
+          <a:off x="0" y="0"/>
+          <a:ext cx="0" cy="0"/>
+          <a:chOff x="0" y="0"/>
+          <a:chExt cx="0" cy="0"/>
+        </a:xfrm>
+      </p:grpSpPr>
+      <p:sp>
+        <p:nvSpPr>
+          <p:cNvPr id="2" name="Title 1"/>
+          <p:cNvSpPr>
+            <a:spLocks noGrp="1"/>
+          </p:cNvSpPr>
+          <p:nvPr>
+            <p:ph type="title"/>
+          </p:nvPr>
+        </p:nvSpPr>
+        <p:spPr/>
+        <p:txBody>
+          <a:bodyPr/>
+          <a:lstStyle/>
+          <a:p>
+            <a:r>
+              <a:rPr lang="en-US"/>
+              <a:t>Workshop</a:t>
+            </a:r>
+          </a:p>
+        </p:txBody>
+      </p:sp>
+      <p:sp>
+        <p:nvSpPr>
+          <p:cNvPr id="3" name="Content Placeholder 2"/>
+          <p:cNvSpPr>
+            <a:spLocks noGrp="1"/>
+          </p:cNvSpPr>
+          <p:nvPr>
+            <p:ph idx="1"/>
+          </p:nvPr>
+        </p:nvSpPr>
+        <p:spPr/>
+        <p:txBody>
+          <a:bodyPr/>
+          <a:lstStyle/>
+          <a:p>
+            <a:r>
+              <a:rPr lang="en-US"/>
+              <a:t>Choose a Generalized Linear model</a:t>
+            </a:r>
+          </a:p>
+          <a:p>
+            <a:r>
+              <a:rPr lang="en-US"/>
+              <a:t>Create a statistical package (using zelig.skeleton)</a:t>
+            </a:r>
+          </a:p>
+          <a:p>
+            <a:endParaRPr lang="en-US"/>
+          </a:p>
+        </p:txBody>
+      </p:sp>
+    </p:spTree>
   </p:cSld>
   <p:clrMapOvr>
     <a:masterClrMapping/>

--- a/January-Class/Zelig_1_regressions.pptx
+++ b/January-Class/Zelig_1_regressions.pptx
@@ -5,7 +5,7 @@
     <p:sldMasterId id="2147483694" r:id="rId1"/>
   </p:sldMasterIdLst>
   <p:notesMasterIdLst>
-    <p:notesMasterId r:id="rId53"/>
+    <p:notesMasterId r:id="rId55"/>
   </p:notesMasterIdLst>
   <p:sldIdLst>
     <p:sldId id="256" r:id="rId2"/>
@@ -16,49 +16,51 @@
     <p:sldId id="304" r:id="rId7"/>
     <p:sldId id="305" r:id="rId8"/>
     <p:sldId id="306" r:id="rId9"/>
-    <p:sldId id="346" r:id="rId10"/>
-    <p:sldId id="347" r:id="rId11"/>
-    <p:sldId id="360" r:id="rId12"/>
+    <p:sldId id="371" r:id="rId10"/>
+    <p:sldId id="372" r:id="rId11"/>
+    <p:sldId id="373" r:id="rId12"/>
     <p:sldId id="351" r:id="rId13"/>
-    <p:sldId id="361" r:id="rId14"/>
-    <p:sldId id="352" r:id="rId15"/>
-    <p:sldId id="353" r:id="rId16"/>
-    <p:sldId id="354" r:id="rId17"/>
-    <p:sldId id="355" r:id="rId18"/>
-    <p:sldId id="356" r:id="rId19"/>
-    <p:sldId id="309" r:id="rId20"/>
-    <p:sldId id="339" r:id="rId21"/>
-    <p:sldId id="359" r:id="rId22"/>
-    <p:sldId id="358" r:id="rId23"/>
-    <p:sldId id="357" r:id="rId24"/>
-    <p:sldId id="362" r:id="rId25"/>
-    <p:sldId id="334" r:id="rId26"/>
-    <p:sldId id="335" r:id="rId27"/>
-    <p:sldId id="336" r:id="rId28"/>
-    <p:sldId id="318" r:id="rId29"/>
-    <p:sldId id="341" r:id="rId30"/>
-    <p:sldId id="320" r:id="rId31"/>
-    <p:sldId id="323" r:id="rId32"/>
-    <p:sldId id="326" r:id="rId33"/>
-    <p:sldId id="324" r:id="rId34"/>
-    <p:sldId id="321" r:id="rId35"/>
-    <p:sldId id="322" r:id="rId36"/>
-    <p:sldId id="328" r:id="rId37"/>
-    <p:sldId id="330" r:id="rId38"/>
-    <p:sldId id="272" r:id="rId39"/>
-    <p:sldId id="331" r:id="rId40"/>
-    <p:sldId id="363" r:id="rId41"/>
-    <p:sldId id="342" r:id="rId42"/>
-    <p:sldId id="275" r:id="rId43"/>
-    <p:sldId id="343" r:id="rId44"/>
-    <p:sldId id="344" r:id="rId45"/>
-    <p:sldId id="345" r:id="rId46"/>
-    <p:sldId id="273" r:id="rId47"/>
-    <p:sldId id="279" r:id="rId48"/>
-    <p:sldId id="337" r:id="rId49"/>
-    <p:sldId id="278" r:id="rId50"/>
-    <p:sldId id="316" r:id="rId51"/>
-    <p:sldId id="338" r:id="rId52"/>
+    <p:sldId id="367" r:id="rId14"/>
+    <p:sldId id="369" r:id="rId15"/>
+    <p:sldId id="368" r:id="rId16"/>
+    <p:sldId id="352" r:id="rId17"/>
+    <p:sldId id="353" r:id="rId18"/>
+    <p:sldId id="355" r:id="rId19"/>
+    <p:sldId id="370" r:id="rId20"/>
+    <p:sldId id="356" r:id="rId21"/>
+    <p:sldId id="309" r:id="rId22"/>
+    <p:sldId id="339" r:id="rId23"/>
+    <p:sldId id="359" r:id="rId24"/>
+    <p:sldId id="358" r:id="rId25"/>
+    <p:sldId id="357" r:id="rId26"/>
+    <p:sldId id="362" r:id="rId27"/>
+    <p:sldId id="335" r:id="rId28"/>
+    <p:sldId id="336" r:id="rId29"/>
+    <p:sldId id="318" r:id="rId30"/>
+    <p:sldId id="341" r:id="rId31"/>
+    <p:sldId id="320" r:id="rId32"/>
+    <p:sldId id="323" r:id="rId33"/>
+    <p:sldId id="326" r:id="rId34"/>
+    <p:sldId id="324" r:id="rId35"/>
+    <p:sldId id="321" r:id="rId36"/>
+    <p:sldId id="322" r:id="rId37"/>
+    <p:sldId id="328" r:id="rId38"/>
+    <p:sldId id="330" r:id="rId39"/>
+    <p:sldId id="272" r:id="rId40"/>
+    <p:sldId id="331" r:id="rId41"/>
+    <p:sldId id="363" r:id="rId42"/>
+    <p:sldId id="342" r:id="rId43"/>
+    <p:sldId id="275" r:id="rId44"/>
+    <p:sldId id="343" r:id="rId45"/>
+    <p:sldId id="344" r:id="rId46"/>
+    <p:sldId id="345" r:id="rId47"/>
+    <p:sldId id="273" r:id="rId48"/>
+    <p:sldId id="374" r:id="rId49"/>
+    <p:sldId id="279" r:id="rId50"/>
+    <p:sldId id="337" r:id="rId51"/>
+    <p:sldId id="278" r:id="rId52"/>
+    <p:sldId id="316" r:id="rId53"/>
+    <p:sldId id="338" r:id="rId54"/>
   </p:sldIdLst>
   <p:sldSz cx="9144000" cy="6858000" type="screen4x3"/>
   <p:notesSz cx="6858000" cy="9144000"/>
@@ -3483,7 +3485,24 @@
           <a:p>
             <a:r>
               <a:rPr lang="en-US"/>
-              <a:t>Creating Statistical Packages, External Models and the "zelig2" Function</a:t>
+              <a:t>Creating Statistical Packages</a:t>
+            </a:r>
+            <a:br>
+              <a:rPr lang="en-US"/>
+            </a:br>
+            <a:r>
+              <a:rPr lang="en-US"/>
+              <a:t>External Models</a:t>
+            </a:r>
+          </a:p>
+          <a:p>
+            <a:r>
+              <a:rPr lang="en-US"/>
+              <a:t>T</a:t>
+            </a:r>
+            <a:r>
+              <a:rPr lang="en-US"/>
+              <a:t>he "zelig2" Method</a:t>
             </a:r>
           </a:p>
         </p:txBody>
@@ -3855,7 +3874,7 @@
           <a:p>
             <a:r>
               <a:rPr lang="en-US"/>
-              <a:t>Structure of a Zelig Package</a:t>
+              <a:t>What is a Zelig Model?</a:t>
             </a:r>
           </a:p>
         </p:txBody>
@@ -3928,7 +3947,7 @@
           <a:p>
             <a:r>
               <a:rPr lang="en-US"/>
-              <a:t>Outline</a:t>
+              <a:t>Zelig Models</a:t>
             </a:r>
           </a:p>
         </p:txBody>
@@ -3950,25 +3969,34 @@
           <a:p>
             <a:r>
               <a:rPr lang="en-US"/>
-              <a:t>A typical Zelig program</a:t>
-            </a:r>
-          </a:p>
-          <a:p>
-            <a:r>
-              <a:rPr lang="en-US"/>
-              <a:t>Components of a Zelig model</a:t>
-            </a:r>
-          </a:p>
-          <a:p>
-            <a:r>
-              <a:rPr lang="en-US"/>
-              <a:t>Zelig Demo</a:t>
-            </a:r>
-          </a:p>
-          <a:p>
-            <a:r>
-              <a:rPr lang="en-US"/>
-              <a:t>Overview</a:t>
+              <a:t>Zelig models are made up of three distinct methods:</a:t>
+            </a:r>
+          </a:p>
+          <a:p>
+            <a:pPr lvl="1"/>
+            <a:r>
+              <a:rPr lang="en-US"/>
+              <a:t>Fitting the statistical model (zelig2 method)</a:t>
+            </a:r>
+          </a:p>
+          <a:p>
+            <a:pPr lvl="1"/>
+            <a:r>
+              <a:rPr lang="en-US"/>
+              <a:t>Simulating parameters (param method)</a:t>
+            </a:r>
+          </a:p>
+          <a:p>
+            <a:pPr lvl="1"/>
+            <a:r>
+              <a:rPr lang="en-US"/>
+              <a:t>Simulating quantities of interest (qi method)</a:t>
+            </a:r>
+          </a:p>
+          <a:p>
+            <a:r>
+              <a:rPr lang="en-US"/>
+              <a:t>An R-package can contain multiple zelig models</a:t>
             </a:r>
           </a:p>
         </p:txBody>
@@ -3989,6 +4017,321 @@
 </file>
 
 <file path=ppt/slides/slide14.xml><?xml version="1.0" encoding="utf-8"?>
+<p:sld xmlns:a="http://schemas.openxmlformats.org/drawingml/2006/main" xmlns:r="http://schemas.openxmlformats.org/officeDocument/2006/relationships" xmlns:mc="http://schemas.openxmlformats.org/markup-compatibility/2006" xmlns:mv="urn:schemas-microsoft-com:mac:vml" xmlns:p="http://schemas.openxmlformats.org/presentationml/2006/main" mc:Ignorable="mv" mc:PreserveAttributes="mv:*">
+  <p:cSld>
+    <p:spTree>
+      <p:nvGrpSpPr>
+        <p:cNvPr id="1" name=""/>
+        <p:cNvGrpSpPr/>
+        <p:nvPr/>
+      </p:nvGrpSpPr>
+      <p:grpSpPr>
+        <a:xfrm>
+          <a:off x="0" y="0"/>
+          <a:ext cx="0" cy="0"/>
+          <a:chOff x="0" y="0"/>
+          <a:chExt cx="0" cy="0"/>
+        </a:xfrm>
+      </p:grpSpPr>
+      <p:sp>
+        <p:nvSpPr>
+          <p:cNvPr id="2" name="Title 1"/>
+          <p:cNvSpPr>
+            <a:spLocks noGrp="1"/>
+          </p:cNvSpPr>
+          <p:nvPr>
+            <p:ph type="title"/>
+          </p:nvPr>
+        </p:nvSpPr>
+        <p:spPr/>
+        <p:txBody>
+          <a:bodyPr/>
+          <a:lstStyle/>
+          <a:p>
+            <a:r>
+              <a:rPr lang="en-US" dirty="0" smtClean="0"/>
+              <a:t>Structure of a </a:t>
+            </a:r>
+            <a:r>
+              <a:rPr lang="en-US" dirty="0" err="1" smtClean="0"/>
+              <a:t>Zelig</a:t>
+            </a:r>
+            <a:r>
+              <a:rPr lang="en-US" dirty="0" smtClean="0"/>
+              <a:t> Package</a:t>
+            </a:r>
+            <a:endParaRPr lang="en-US" dirty="0"/>
+          </a:p>
+        </p:txBody>
+      </p:sp>
+      <p:sp>
+        <p:nvSpPr>
+          <p:cNvPr id="3" name="Content Placeholder 2"/>
+          <p:cNvSpPr>
+            <a:spLocks noGrp="1"/>
+          </p:cNvSpPr>
+          <p:nvPr>
+            <p:ph idx="1"/>
+          </p:nvPr>
+        </p:nvSpPr>
+        <p:spPr/>
+        <p:txBody>
+          <a:bodyPr/>
+          <a:lstStyle/>
+          <a:p>
+            <a:r>
+              <a:rPr lang="en-US" dirty="0" smtClean="0"/>
+              <a:t>A </a:t>
+            </a:r>
+            <a:r>
+              <a:rPr lang="en-US" dirty="0" err="1" smtClean="0"/>
+              <a:t>Zelig</a:t>
+            </a:r>
+            <a:r>
+              <a:rPr lang="en-US" dirty="0" smtClean="0"/>
+              <a:t> package is an R package</a:t>
+            </a:r>
+          </a:p>
+          <a:p>
+            <a:r>
+              <a:rPr lang="en-US" dirty="0" smtClean="0"/>
+              <a:t>Each package contains </a:t>
+            </a:r>
+            <a:r>
+              <a:rPr lang="en-US" b="1" dirty="0" smtClean="0"/>
+              <a:t>one or more </a:t>
+            </a:r>
+            <a:r>
+              <a:rPr lang="en-US" dirty="0" smtClean="0"/>
+              <a:t>models</a:t>
+            </a:r>
+          </a:p>
+          <a:p>
+            <a:r>
+              <a:rPr lang="en-US" dirty="0" smtClean="0"/>
+              <a:t>Each model comprises </a:t>
+            </a:r>
+            <a:r>
+              <a:rPr lang="en-US" b="1" dirty="0" smtClean="0"/>
+              <a:t>three</a:t>
+            </a:r>
+            <a:r>
+              <a:rPr lang="en-US" dirty="0" smtClean="0"/>
+              <a:t> methods:</a:t>
+            </a:r>
+          </a:p>
+          <a:p>
+            <a:pPr lvl="1"/>
+            <a:r>
+              <a:rPr lang="en-US" dirty="0" smtClean="0"/>
+              <a:t>zelig2</a:t>
+            </a:r>
+            <a:r>
+              <a:rPr lang="en-US" i="1" dirty="0" smtClean="0"/>
+              <a:t>&lt;model-name&gt;</a:t>
+            </a:r>
+          </a:p>
+          <a:p>
+            <a:pPr lvl="1"/>
+            <a:r>
+              <a:rPr lang="en-US" dirty="0" err="1" smtClean="0"/>
+              <a:t>param</a:t>
+            </a:r>
+            <a:r>
+              <a:rPr lang="en-US" dirty="0" smtClean="0"/>
+              <a:t>.</a:t>
+            </a:r>
+            <a:r>
+              <a:rPr lang="en-US" i="1" dirty="0" smtClean="0"/>
+              <a:t>&lt;model-name&gt;</a:t>
+            </a:r>
+          </a:p>
+          <a:p>
+            <a:pPr lvl="1"/>
+            <a:r>
+              <a:rPr lang="en-US" dirty="0" smtClean="0"/>
+              <a:t>qi.</a:t>
+            </a:r>
+            <a:r>
+              <a:rPr lang="en-US" i="1" dirty="0" smtClean="0"/>
+              <a:t>&lt;model-name&gt;</a:t>
+            </a:r>
+          </a:p>
+        </p:txBody>
+      </p:sp>
+    </p:spTree>
+    <p:extLst>
+      <p:ext uri="{BB962C8B-B14F-4D97-AF65-F5344CB8AC3E}">
+        <p14:creationId xmlns="" xmlns:a="http://schemas.openxmlformats.org/drawingml/2006/main" xmlns:r="http://schemas.openxmlformats.org/officeDocument/2006/relationships" xmlns:p="http://schemas.openxmlformats.org/presentationml/2006/main" xmlns:p14="http://schemas.microsoft.com/office/powerpoint/2010/main" xmlns:mv="urn:schemas-microsoft-com:mac:vml" xmlns:mc="http://schemas.openxmlformats.org/markup-compatibility/2006" val="2482753411"/>
+      </p:ext>
+    </p:extLst>
+  </p:cSld>
+  <p:clrMapOvr>
+    <a:masterClrMapping/>
+  </p:clrMapOvr>
+  <p:timing>
+    <p:tnLst>
+      <p:par>
+        <p:cTn id="1" dur="indefinite" restart="never" nodeType="tmRoot"/>
+      </p:par>
+    </p:tnLst>
+  </p:timing>
+</p:sld>
+</file>
+
+<file path=ppt/slides/slide15.xml><?xml version="1.0" encoding="utf-8"?>
+<p:sld xmlns:a="http://schemas.openxmlformats.org/drawingml/2006/main" xmlns:r="http://schemas.openxmlformats.org/officeDocument/2006/relationships" xmlns:mc="http://schemas.openxmlformats.org/markup-compatibility/2006" xmlns:mv="urn:schemas-microsoft-com:mac:vml" xmlns:p="http://schemas.openxmlformats.org/presentationml/2006/main" mc:Ignorable="mv" mc:PreserveAttributes="mv:*">
+  <p:cSld>
+    <p:spTree>
+      <p:nvGrpSpPr>
+        <p:cNvPr id="1" name=""/>
+        <p:cNvGrpSpPr/>
+        <p:nvPr/>
+      </p:nvGrpSpPr>
+      <p:grpSpPr>
+        <a:xfrm>
+          <a:off x="0" y="0"/>
+          <a:ext cx="0" cy="0"/>
+          <a:chOff x="0" y="0"/>
+          <a:chExt cx="0" cy="0"/>
+        </a:xfrm>
+      </p:grpSpPr>
+      <p:sp>
+        <p:nvSpPr>
+          <p:cNvPr id="2" name="Title 1"/>
+          <p:cNvSpPr>
+            <a:spLocks noGrp="1"/>
+          </p:cNvSpPr>
+          <p:nvPr>
+            <p:ph type="title"/>
+          </p:nvPr>
+        </p:nvSpPr>
+        <p:spPr/>
+        <p:txBody>
+          <a:bodyPr/>
+          <a:lstStyle/>
+          <a:p>
+            <a:r>
+              <a:rPr lang="en-US"/>
+              <a:t>A Typical Zelig Program</a:t>
+            </a:r>
+          </a:p>
+        </p:txBody>
+      </p:sp>
+      <p:sp>
+        <p:nvSpPr>
+          <p:cNvPr id="3" name="Content Placeholder 2"/>
+          <p:cNvSpPr>
+            <a:spLocks noGrp="1"/>
+          </p:cNvSpPr>
+          <p:nvPr>
+            <p:ph idx="1"/>
+          </p:nvPr>
+        </p:nvSpPr>
+        <p:spPr/>
+        <p:txBody>
+          <a:bodyPr/>
+          <a:lstStyle/>
+          <a:p>
+            <a:r>
+              <a:rPr lang="en-US"/>
+              <a:t>Users use three </a:t>
+            </a:r>
+            <a:r>
+              <a:rPr lang="en-US" b="1"/>
+              <a:t>functions</a:t>
+            </a:r>
+            <a:r>
+              <a:rPr lang="en-US"/>
+              <a:t>:</a:t>
+            </a:r>
+          </a:p>
+          <a:p>
+            <a:pPr lvl="1"/>
+            <a:r>
+              <a:rPr lang="en-US"/>
+              <a:t>zelig</a:t>
+            </a:r>
+          </a:p>
+          <a:p>
+            <a:pPr lvl="1"/>
+            <a:r>
+              <a:rPr lang="en-US"/>
+              <a:t>setx</a:t>
+            </a:r>
+          </a:p>
+          <a:p>
+            <a:pPr lvl="1"/>
+            <a:r>
+              <a:rPr lang="en-US"/>
+              <a:t>sim</a:t>
+            </a:r>
+          </a:p>
+          <a:p>
+            <a:r>
+              <a:rPr lang="en-US"/>
+              <a:t>Developers write three </a:t>
+            </a:r>
+            <a:r>
+              <a:rPr lang="en-US" b="1"/>
+              <a:t>methods</a:t>
+            </a:r>
+            <a:r>
+              <a:rPr lang="en-US"/>
+              <a:t>:</a:t>
+            </a:r>
+          </a:p>
+          <a:p>
+            <a:pPr lvl="1"/>
+            <a:r>
+              <a:rPr lang="en-US"/>
+              <a:t>zelig2</a:t>
+            </a:r>
+            <a:r>
+              <a:rPr lang="en-US" i="1"/>
+              <a:t>&lt;model-name&gt;</a:t>
+            </a:r>
+          </a:p>
+          <a:p>
+            <a:pPr lvl="1"/>
+            <a:r>
+              <a:rPr lang="en-US"/>
+              <a:t>param.</a:t>
+            </a:r>
+            <a:r>
+              <a:rPr lang="en-US" i="1"/>
+              <a:t>&lt;model-name&gt;</a:t>
+            </a:r>
+          </a:p>
+          <a:p>
+            <a:pPr lvl="1"/>
+            <a:r>
+              <a:rPr lang="en-US"/>
+              <a:t>qi.</a:t>
+            </a:r>
+            <a:r>
+              <a:rPr lang="en-US" i="1"/>
+              <a:t>&lt;model-name&gt;</a:t>
+            </a:r>
+          </a:p>
+        </p:txBody>
+      </p:sp>
+    </p:spTree>
+  </p:cSld>
+  <p:clrMapOvr>
+    <a:masterClrMapping/>
+  </p:clrMapOvr>
+  <p:timing>
+    <p:tnLst>
+      <p:par>
+        <p:cTn id="1" dur="indefinite" restart="never" nodeType="tmRoot"/>
+      </p:par>
+    </p:tnLst>
+  </p:timing>
+</p:sld>
+</file>
+
+<file path=ppt/slides/slide16.xml><?xml version="1.0" encoding="utf-8"?>
 <p:sld xmlns:a="http://schemas.openxmlformats.org/drawingml/2006/main" xmlns:r="http://schemas.openxmlformats.org/officeDocument/2006/relationships" xmlns:mc="http://schemas.openxmlformats.org/markup-compatibility/2006" xmlns:mv="urn:schemas-microsoft-com:mac:vml" xmlns:p="http://schemas.openxmlformats.org/presentationml/2006/main" mc:Ignorable="mv" mc:PreserveAttributes="mv:*">
   <p:cSld>
     <p:spTree>
@@ -4506,7 +4849,7 @@
 </p:sld>
 </file>
 
-<file path=ppt/slides/slide15.xml><?xml version="1.0" encoding="utf-8"?>
+<file path=ppt/slides/slide17.xml><?xml version="1.0" encoding="utf-8"?>
 <p:sld xmlns:a="http://schemas.openxmlformats.org/drawingml/2006/main" xmlns:r="http://schemas.openxmlformats.org/officeDocument/2006/relationships" xmlns:mc="http://schemas.openxmlformats.org/markup-compatibility/2006" xmlns:mv="urn:schemas-microsoft-com:mac:vml" xmlns:p="http://schemas.openxmlformats.org/presentationml/2006/main" mc:Ignorable="mv" mc:PreserveAttributes="mv:*">
   <p:cSld>
     <p:spTree>
@@ -4816,7 +5159,11 @@
           <a:prstGeom prst="rect">
             <a:avLst/>
           </a:prstGeom>
-          <a:noFill/>
+          <a:solidFill>
+            <a:schemeClr val="accent1">
+              <a:alpha val="20000"/>
+            </a:schemeClr>
+          </a:solidFill>
           <a:ln>
             <a:solidFill>
               <a:schemeClr val="accent1"/>
@@ -4890,7 +5237,11 @@
           <a:prstGeom prst="rect">
             <a:avLst/>
           </a:prstGeom>
-          <a:noFill/>
+          <a:solidFill>
+            <a:schemeClr val="accent2">
+              <a:alpha val="20000"/>
+            </a:schemeClr>
+          </a:solidFill>
           <a:ln>
             <a:solidFill>
               <a:schemeClr val="accent2"/>
@@ -4921,7 +5272,11 @@
           <a:prstGeom prst="rect">
             <a:avLst/>
           </a:prstGeom>
-          <a:noFill/>
+          <a:solidFill>
+            <a:schemeClr val="accent3">
+              <a:alpha val="20000"/>
+            </a:schemeClr>
+          </a:solidFill>
           <a:ln>
             <a:solidFill>
               <a:schemeClr val="accent3"/>
@@ -5583,154 +5938,7 @@
 </p:sld>
 </file>
 
-<file path=ppt/slides/slide16.xml><?xml version="1.0" encoding="utf-8"?>
-<p:sld xmlns:a="http://schemas.openxmlformats.org/drawingml/2006/main" xmlns:r="http://schemas.openxmlformats.org/officeDocument/2006/relationships" xmlns:mc="http://schemas.openxmlformats.org/markup-compatibility/2006" xmlns:mv="urn:schemas-microsoft-com:mac:vml" xmlns:p="http://schemas.openxmlformats.org/presentationml/2006/main" mc:Ignorable="mv" mc:PreserveAttributes="mv:*">
-  <p:cSld>
-    <p:spTree>
-      <p:nvGrpSpPr>
-        <p:cNvPr id="1" name=""/>
-        <p:cNvGrpSpPr/>
-        <p:nvPr/>
-      </p:nvGrpSpPr>
-      <p:grpSpPr>
-        <a:xfrm>
-          <a:off x="0" y="0"/>
-          <a:ext cx="0" cy="0"/>
-          <a:chOff x="0" y="0"/>
-          <a:chExt cx="0" cy="0"/>
-        </a:xfrm>
-      </p:grpSpPr>
-      <p:sp>
-        <p:nvSpPr>
-          <p:cNvPr id="2" name="Title 1"/>
-          <p:cNvSpPr>
-            <a:spLocks noGrp="1"/>
-          </p:cNvSpPr>
-          <p:nvPr>
-            <p:ph type="title"/>
-          </p:nvPr>
-        </p:nvSpPr>
-        <p:spPr/>
-        <p:txBody>
-          <a:bodyPr/>
-          <a:lstStyle/>
-          <a:p>
-            <a:r>
-              <a:rPr lang="en-US" dirty="0" smtClean="0"/>
-              <a:t>Structure of a </a:t>
-            </a:r>
-            <a:r>
-              <a:rPr lang="en-US" dirty="0" err="1" smtClean="0"/>
-              <a:t>Zelig</a:t>
-            </a:r>
-            <a:r>
-              <a:rPr lang="en-US" dirty="0" smtClean="0"/>
-              <a:t> Package</a:t>
-            </a:r>
-            <a:endParaRPr lang="en-US" dirty="0"/>
-          </a:p>
-        </p:txBody>
-      </p:sp>
-      <p:sp>
-        <p:nvSpPr>
-          <p:cNvPr id="3" name="Content Placeholder 2"/>
-          <p:cNvSpPr>
-            <a:spLocks noGrp="1"/>
-          </p:cNvSpPr>
-          <p:nvPr>
-            <p:ph idx="1"/>
-          </p:nvPr>
-        </p:nvSpPr>
-        <p:spPr/>
-        <p:txBody>
-          <a:bodyPr/>
-          <a:lstStyle/>
-          <a:p>
-            <a:r>
-              <a:rPr lang="en-US" dirty="0" smtClean="0"/>
-              <a:t>A </a:t>
-            </a:r>
-            <a:r>
-              <a:rPr lang="en-US" dirty="0" err="1" smtClean="0"/>
-              <a:t>Zelig</a:t>
-            </a:r>
-            <a:r>
-              <a:rPr lang="en-US" dirty="0" smtClean="0"/>
-              <a:t> package is an R package</a:t>
-            </a:r>
-          </a:p>
-          <a:p>
-            <a:r>
-              <a:rPr lang="en-US" dirty="0" smtClean="0"/>
-              <a:t>Each package contains several models</a:t>
-            </a:r>
-          </a:p>
-          <a:p>
-            <a:r>
-              <a:rPr lang="en-US" dirty="0" smtClean="0"/>
-              <a:t>Each model comprises three methods:</a:t>
-            </a:r>
-          </a:p>
-          <a:p>
-            <a:pPr lvl="1"/>
-            <a:r>
-              <a:rPr lang="en-US" dirty="0" smtClean="0"/>
-              <a:t>zelig2</a:t>
-            </a:r>
-            <a:r>
-              <a:rPr lang="en-US" i="1" dirty="0" smtClean="0"/>
-              <a:t>&lt;model-name&gt;</a:t>
-            </a:r>
-          </a:p>
-          <a:p>
-            <a:pPr lvl="1"/>
-            <a:r>
-              <a:rPr lang="en-US" dirty="0" err="1" smtClean="0"/>
-              <a:t>param</a:t>
-            </a:r>
-            <a:r>
-              <a:rPr lang="en-US" dirty="0" smtClean="0"/>
-              <a:t>.</a:t>
-            </a:r>
-            <a:r>
-              <a:rPr lang="en-US" i="1" dirty="0" smtClean="0"/>
-              <a:t>&lt;model-name&gt;</a:t>
-            </a:r>
-          </a:p>
-          <a:p>
-            <a:pPr lvl="1"/>
-            <a:r>
-              <a:rPr lang="en-US" dirty="0" smtClean="0"/>
-              <a:t>qi.</a:t>
-            </a:r>
-            <a:r>
-              <a:rPr lang="en-US" i="1" dirty="0" smtClean="0"/>
-              <a:t>&lt;model-name&gt;</a:t>
-            </a:r>
-          </a:p>
-        </p:txBody>
-      </p:sp>
-    </p:spTree>
-    <p:extLst>
-      <p:ext uri="{BB962C8B-B14F-4D97-AF65-F5344CB8AC3E}">
-        <p14:creationId xmlns="" xmlns:a="http://schemas.openxmlformats.org/drawingml/2006/main" xmlns:r="http://schemas.openxmlformats.org/officeDocument/2006/relationships" xmlns:p="http://schemas.openxmlformats.org/presentationml/2006/main" xmlns:p14="http://schemas.microsoft.com/office/powerpoint/2010/main" xmlns:mv="urn:schemas-microsoft-com:mac:vml" xmlns:mc="http://schemas.openxmlformats.org/markup-compatibility/2006" val="2482753411"/>
-      </p:ext>
-    </p:extLst>
-  </p:cSld>
-  <p:clrMapOvr>
-    <a:masterClrMapping/>
-  </p:clrMapOvr>
-  <p:timing>
-    <p:tnLst>
-      <p:par>
-        <p:cTn id="1" dur="indefinite" restart="never" nodeType="tmRoot"/>
-      </p:par>
-    </p:tnLst>
-  </p:timing>
-</p:sld>
-</file>
-
-<file path=ppt/slides/slide17.xml><?xml version="1.0" encoding="utf-8"?>
+<file path=ppt/slides/slide18.xml><?xml version="1.0" encoding="utf-8"?>
 <p:sld xmlns:a="http://schemas.openxmlformats.org/drawingml/2006/main" xmlns:r="http://schemas.openxmlformats.org/officeDocument/2006/relationships" xmlns:mc="http://schemas.openxmlformats.org/markup-compatibility/2006" xmlns:mv="urn:schemas-microsoft-com:mac:vml" xmlns:p="http://schemas.openxmlformats.org/presentationml/2006/main" mc:Ignorable="mv" mc:PreserveAttributes="mv:*">
   <p:cSld>
     <p:spTree>
@@ -5961,7 +6169,7 @@
         <p:spPr>
           <a:xfrm>
             <a:off x="5052616" y="2832820"/>
-            <a:ext cx="3377607" cy="1015663"/>
+            <a:ext cx="3377607" cy="400110"/>
           </a:xfrm>
           <a:prstGeom prst="rect">
             <a:avLst/>
@@ -5993,17 +6201,11 @@
             </a:pPr>
             <a:r>
               <a:rPr lang="en-US" sz="2000"/>
-              <a:t> Calls nothing</a:t>
-            </a:r>
-          </a:p>
-          <a:p>
-            <a:pPr>
-              <a:buFont typeface="Arial"/>
-              <a:buChar char="•"/>
-            </a:pPr>
-            <a:r>
-              <a:rPr lang="en-US" sz="2000"/>
-              <a:t> Knows how to build design matrix without help (usually)</a:t>
+              <a:t> Calls </a:t>
+            </a:r>
+            <a:r>
+              <a:rPr lang="en-US" sz="2000" b="1" i="1"/>
+              <a:t>nothing</a:t>
             </a:r>
           </a:p>
         </p:txBody>
@@ -6121,8 +6323,8 @@
         </p:nvCxnSpPr>
         <p:spPr>
           <a:xfrm rot="5400000">
-            <a:off x="2246971" y="3513069"/>
-            <a:ext cx="623422" cy="1588"/>
+            <a:off x="2236311" y="3525317"/>
+            <a:ext cx="646331" cy="1588"/>
           </a:xfrm>
           <a:prstGeom prst="line">
             <a:avLst/>
@@ -6254,130 +6456,6 @@
 </p:sld>
 </file>
 
-<file path=ppt/slides/slide18.xml><?xml version="1.0" encoding="utf-8"?>
-<p:sld xmlns:a="http://schemas.openxmlformats.org/drawingml/2006/main" xmlns:r="http://schemas.openxmlformats.org/officeDocument/2006/relationships" xmlns:mc="http://schemas.openxmlformats.org/markup-compatibility/2006" xmlns:mv="urn:schemas-microsoft-com:mac:vml" xmlns:p="http://schemas.openxmlformats.org/presentationml/2006/main" mc:Ignorable="mv" mc:PreserveAttributes="mv:*">
-  <p:cSld>
-    <p:spTree>
-      <p:nvGrpSpPr>
-        <p:cNvPr id="1" name=""/>
-        <p:cNvGrpSpPr/>
-        <p:nvPr/>
-      </p:nvGrpSpPr>
-      <p:grpSpPr>
-        <a:xfrm>
-          <a:off x="0" y="0"/>
-          <a:ext cx="0" cy="0"/>
-          <a:chOff x="0" y="0"/>
-          <a:chExt cx="0" cy="0"/>
-        </a:xfrm>
-      </p:grpSpPr>
-      <p:sp>
-        <p:nvSpPr>
-          <p:cNvPr id="2" name="Title 1"/>
-          <p:cNvSpPr>
-            <a:spLocks noGrp="1"/>
-          </p:cNvSpPr>
-          <p:nvPr>
-            <p:ph type="title"/>
-          </p:nvPr>
-        </p:nvSpPr>
-        <p:spPr/>
-        <p:txBody>
-          <a:bodyPr/>
-          <a:lstStyle/>
-          <a:p>
-            <a:r>
-              <a:rPr lang="en-US"/>
-              <a:t>Overview</a:t>
-            </a:r>
-          </a:p>
-        </p:txBody>
-      </p:sp>
-      <p:sp>
-        <p:nvSpPr>
-          <p:cNvPr id="3" name="Content Placeholder 2"/>
-          <p:cNvSpPr>
-            <a:spLocks noGrp="1"/>
-          </p:cNvSpPr>
-          <p:nvPr>
-            <p:ph idx="1"/>
-          </p:nvPr>
-        </p:nvSpPr>
-        <p:spPr/>
-        <p:txBody>
-          <a:bodyPr/>
-          <a:lstStyle/>
-          <a:p>
-            <a:r>
-              <a:rPr lang="en-US"/>
-              <a:t>Writing a zelig model is a three-stage process:</a:t>
-            </a:r>
-          </a:p>
-          <a:p>
-            <a:pPr lvl="1"/>
-            <a:r>
-              <a:rPr lang="en-US"/>
-              <a:t>zelig2 method</a:t>
-            </a:r>
-          </a:p>
-          <a:p>
-            <a:pPr lvl="1"/>
-            <a:r>
-              <a:rPr lang="en-US"/>
-              <a:t>param method</a:t>
-            </a:r>
-          </a:p>
-          <a:p>
-            <a:pPr lvl="1"/>
-            <a:r>
-              <a:rPr lang="en-US"/>
-              <a:t>qi method</a:t>
-            </a:r>
-          </a:p>
-          <a:p>
-            <a:r>
-              <a:rPr lang="en-US"/>
-              <a:t>These correspond to</a:t>
-            </a:r>
-          </a:p>
-          <a:p>
-            <a:pPr lvl="1"/>
-            <a:r>
-              <a:rPr lang="en-US"/>
-              <a:t>Fitting the statistical model (zelig2)</a:t>
-            </a:r>
-          </a:p>
-          <a:p>
-            <a:pPr lvl="1"/>
-            <a:r>
-              <a:rPr lang="en-US"/>
-              <a:t>Parameter simulation (param)</a:t>
-            </a:r>
-          </a:p>
-          <a:p>
-            <a:pPr lvl="1"/>
-            <a:r>
-              <a:rPr lang="en-US"/>
-              <a:t>Quantity of interest simulation (qi)</a:t>
-            </a:r>
-          </a:p>
-        </p:txBody>
-      </p:sp>
-    </p:spTree>
-  </p:cSld>
-  <p:clrMapOvr>
-    <a:masterClrMapping/>
-  </p:clrMapOvr>
-  <p:timing>
-    <p:tnLst>
-      <p:par>
-        <p:cTn id="1" dur="indefinite" restart="never" nodeType="tmRoot"/>
-      </p:par>
-    </p:tnLst>
-  </p:timing>
-</p:sld>
-</file>
-
 <file path=ppt/slides/slide19.xml><?xml version="1.0" encoding="utf-8"?>
 <p:sld xmlns:a="http://schemas.openxmlformats.org/drawingml/2006/main" xmlns:r="http://schemas.openxmlformats.org/officeDocument/2006/relationships" xmlns:mc="http://schemas.openxmlformats.org/markup-compatibility/2006" xmlns:mv="urn:schemas-microsoft-com:mac:vml" xmlns:p="http://schemas.openxmlformats.org/presentationml/2006/main" mc:Ignorable="mv" mc:PreserveAttributes="mv:*">
   <p:cSld>
@@ -6402,7 +6480,7 @@
             <a:spLocks noGrp="1"/>
           </p:cNvSpPr>
           <p:nvPr>
-            <p:ph type="ctrTitle"/>
+            <p:ph type="title"/>
           </p:nvPr>
         </p:nvSpPr>
         <p:spPr/>
@@ -6411,21 +6489,28 @@
           <a:lstStyle/>
           <a:p>
             <a:r>
-              <a:rPr lang="en-US" dirty="0" smtClean="0"/>
-              <a:t>Creating a Statistical Package</a:t>
-            </a:r>
-            <a:endParaRPr lang="en-US" dirty="0"/>
-          </a:p>
-        </p:txBody>
-      </p:sp>
-      <p:sp>
-        <p:nvSpPr>
-          <p:cNvPr id="5" name="Subtitle 4"/>
-          <p:cNvSpPr>
-            <a:spLocks noGrp="1"/>
-          </p:cNvSpPr>
-          <p:nvPr>
-            <p:ph type="subTitle" idx="1"/>
+              <a:rPr lang="en-US"/>
+              <a:t>An </a:t>
+            </a:r>
+            <a:r>
+              <a:rPr lang="en-US" b="1"/>
+              <a:t>Atypical </a:t>
+            </a:r>
+            <a:r>
+              <a:rPr lang="en-US"/>
+              <a:t>Zelig Program</a:t>
+            </a:r>
+          </a:p>
+        </p:txBody>
+      </p:sp>
+      <p:sp>
+        <p:nvSpPr>
+          <p:cNvPr id="3" name="Content Placeholder 2"/>
+          <p:cNvSpPr>
+            <a:spLocks noGrp="1"/>
+          </p:cNvSpPr>
+          <p:nvPr>
+            <p:ph idx="1"/>
           </p:nvPr>
         </p:nvSpPr>
         <p:spPr/>
@@ -6435,28 +6520,59 @@
           <a:p>
             <a:r>
               <a:rPr lang="en-US"/>
-              <a:t>(from scratch)</a:t>
+              <a:t>"setx" and "sim" are </a:t>
+            </a:r>
+            <a:r>
+              <a:rPr lang="en-US" b="1"/>
+              <a:t>generic functions</a:t>
+            </a:r>
+            <a:endParaRPr lang="en-US"/>
+          </a:p>
+          <a:p>
+            <a:r>
+              <a:rPr lang="en-US"/>
+              <a:t>A model can override the default "setx" and "sim" functions, by writing the functions:</a:t>
+            </a:r>
+          </a:p>
+          <a:p>
+            <a:pPr lvl="1"/>
+            <a:r>
+              <a:rPr lang="en-US"/>
+              <a:t>setx.</a:t>
+            </a:r>
+            <a:r>
+              <a:rPr lang="en-US" i="1"/>
+              <a:t>&lt;model-name&gt;</a:t>
+            </a:r>
+          </a:p>
+          <a:p>
+            <a:pPr lvl="1"/>
+            <a:r>
+              <a:rPr lang="en-US"/>
+              <a:t>sim.</a:t>
+            </a:r>
+            <a:r>
+              <a:rPr lang="en-US" i="1"/>
+              <a:t>&lt;model-name&gt;</a:t>
+            </a:r>
+            <a:r>
+              <a:rPr lang="en-US"/>
+              <a:t> </a:t>
+            </a:r>
+          </a:p>
+          <a:p>
+            <a:r>
+              <a:rPr lang="en-US"/>
+              <a:t>This will not be covered today</a:t>
             </a:r>
           </a:p>
         </p:txBody>
       </p:sp>
     </p:spTree>
-    <p:extLst>
-      <p:ext uri="{BB962C8B-B14F-4D97-AF65-F5344CB8AC3E}">
-        <p14:creationId xmlns="" xmlns:a="http://schemas.openxmlformats.org/drawingml/2006/main" xmlns:r="http://schemas.openxmlformats.org/officeDocument/2006/relationships" xmlns:p="http://schemas.openxmlformats.org/presentationml/2006/main" xmlns:p14="http://schemas.microsoft.com/office/powerpoint/2010/main" xmlns:mv="urn:schemas-microsoft-com:mac:vml" xmlns:mc="http://schemas.openxmlformats.org/markup-compatibility/2006" val="3700335886"/>
-      </p:ext>
-    </p:extLst>
   </p:cSld>
   <p:clrMapOvr>
     <a:masterClrMapping/>
   </p:clrMapOvr>
-  <p:timing>
-    <p:tnLst>
-      <p:par>
-        <p:cTn id="1" dur="indefinite" restart="never" nodeType="tmRoot"/>
-      </p:par>
-    </p:tnLst>
-  </p:timing>
 </p:sld>
 </file>
 
@@ -6526,7 +6642,7 @@
             </a:r>
             <a:r>
               <a:rPr lang="en-US" dirty="0" smtClean="0"/>
-              <a:t>package</a:t>
+              <a:t>package?</a:t>
             </a:r>
           </a:p>
           <a:p>
@@ -6536,7 +6652,7 @@
             </a:pPr>
             <a:r>
               <a:rPr lang="en-US" dirty="0" smtClean="0"/>
-              <a:t>Structure of a Zelig package</a:t>
+              <a:t>What is a Zelig model?</a:t>
             </a:r>
           </a:p>
           <a:p>
@@ -6692,7 +6808,7 @@
           <a:p>
             <a:r>
               <a:rPr lang="en-US"/>
-              <a:t>Basics</a:t>
+              <a:t>Overview</a:t>
             </a:r>
           </a:p>
         </p:txBody>
@@ -6709,38 +6825,60 @@
         </p:nvSpPr>
         <p:spPr/>
         <p:txBody>
-          <a:bodyPr>
-            <a:normAutofit/>
-          </a:bodyPr>
-          <a:lstStyle/>
-          <a:p>
-            <a:r>
-              <a:rPr lang="en-US" b="1">
-                <a:latin typeface="Courier New"/>
-                <a:cs typeface="Courier New"/>
-              </a:rPr>
-              <a:t>help("package.skeleton")</a:t>
-            </a:r>
-          </a:p>
-          <a:p>
-            <a:r>
-              <a:rPr lang="en-US"/>
-              <a:t>"package.skeleton" creates the outline of a statistical package (creates all necessary files/folders)</a:t>
-            </a:r>
-          </a:p>
-          <a:p>
-            <a:r>
-              <a:rPr lang="en-US" b="1">
-                <a:latin typeface="Courier New"/>
-                <a:cs typeface="Courier New"/>
-              </a:rPr>
-              <a:t>help("zelig.skeleton", "Zelig")</a:t>
-            </a:r>
-          </a:p>
-          <a:p>
-            <a:r>
-              <a:rPr lang="en-US"/>
-              <a:t>"zelig.skeleton" behaves identically except it follows a pattern more useful for Zelig packages</a:t>
+          <a:bodyPr/>
+          <a:lstStyle/>
+          <a:p>
+            <a:r>
+              <a:rPr lang="en-US"/>
+              <a:t>Writing a zelig model is a three-stage process:</a:t>
+            </a:r>
+          </a:p>
+          <a:p>
+            <a:pPr lvl="1"/>
+            <a:r>
+              <a:rPr lang="en-US"/>
+              <a:t>zelig2 method</a:t>
+            </a:r>
+          </a:p>
+          <a:p>
+            <a:pPr lvl="1"/>
+            <a:r>
+              <a:rPr lang="en-US"/>
+              <a:t>param method</a:t>
+            </a:r>
+          </a:p>
+          <a:p>
+            <a:pPr lvl="1"/>
+            <a:r>
+              <a:rPr lang="en-US"/>
+              <a:t>qi method</a:t>
+            </a:r>
+          </a:p>
+          <a:p>
+            <a:r>
+              <a:rPr lang="en-US"/>
+              <a:t>These correspond to</a:t>
+            </a:r>
+          </a:p>
+          <a:p>
+            <a:pPr lvl="1"/>
+            <a:r>
+              <a:rPr lang="en-US"/>
+              <a:t>Fitting the statistical model (zelig2)</a:t>
+            </a:r>
+          </a:p>
+          <a:p>
+            <a:pPr lvl="1"/>
+            <a:r>
+              <a:rPr lang="en-US"/>
+              <a:t>Parameter simulation (param)</a:t>
+            </a:r>
+          </a:p>
+          <a:p>
+            <a:pPr lvl="1"/>
+            <a:r>
+              <a:rPr lang="en-US"/>
+              <a:t>Quantity of interest simulation (qi)</a:t>
             </a:r>
           </a:p>
         </p:txBody>
@@ -6784,31 +6922,30 @@
             <a:spLocks noGrp="1"/>
           </p:cNvSpPr>
           <p:nvPr>
-            <p:ph type="title"/>
+            <p:ph type="ctrTitle"/>
           </p:nvPr>
         </p:nvSpPr>
         <p:spPr/>
         <p:txBody>
-          <a:bodyPr>
-            <a:normAutofit/>
-          </a:bodyPr>
-          <a:lstStyle/>
-          <a:p>
-            <a:r>
-              <a:rPr lang="en-US"/>
-              <a:t>Using "package.skeleton"</a:t>
-            </a:r>
-          </a:p>
-        </p:txBody>
-      </p:sp>
-      <p:sp>
-        <p:nvSpPr>
-          <p:cNvPr id="3" name="Content Placeholder 2"/>
-          <p:cNvSpPr>
-            <a:spLocks noGrp="1"/>
-          </p:cNvSpPr>
-          <p:nvPr>
-            <p:ph idx="1"/>
+          <a:bodyPr/>
+          <a:lstStyle/>
+          <a:p>
+            <a:r>
+              <a:rPr lang="en-US" dirty="0" smtClean="0"/>
+              <a:t>Creating a Statistical Package</a:t>
+            </a:r>
+            <a:endParaRPr lang="en-US" dirty="0"/>
+          </a:p>
+        </p:txBody>
+      </p:sp>
+      <p:sp>
+        <p:nvSpPr>
+          <p:cNvPr id="5" name="Subtitle 4"/>
+          <p:cNvSpPr>
+            <a:spLocks noGrp="1"/>
+          </p:cNvSpPr>
+          <p:nvPr>
+            <p:ph type="subTitle" idx="1"/>
           </p:nvPr>
         </p:nvSpPr>
         <p:spPr/>
@@ -6816,32 +6953,16 @@
           <a:bodyPr/>
           <a:lstStyle/>
           <a:p>
-            <a:r>
-              <a:rPr lang="en-US"/>
-              <a:t>This creates a folder titled "SomePackage"</a:t>
-            </a:r>
-          </a:p>
-          <a:p>
-            <a:r>
-              <a:rPr lang="en-US"/>
-              <a:t>Create an R package with a single function "f"</a:t>
-            </a:r>
-          </a:p>
-          <a:p>
-            <a:r>
-              <a:rPr lang="en-US"/>
-              <a:t>Titles the package "SomePackage"</a:t>
-            </a:r>
-          </a:p>
-          <a:p>
-            <a:r>
-              <a:rPr lang="en-US"/>
-              <a:t>This package will not be "installable" until the author edits the ".Rd" files (found in the "man/" directory)</a:t>
-            </a:r>
+            <a:endParaRPr lang="en-US"/>
           </a:p>
         </p:txBody>
       </p:sp>
     </p:spTree>
+    <p:extLst>
+      <p:ext uri="{BB962C8B-B14F-4D97-AF65-F5344CB8AC3E}">
+        <p14:creationId xmlns="" xmlns:a="http://schemas.openxmlformats.org/drawingml/2006/main" xmlns:r="http://schemas.openxmlformats.org/officeDocument/2006/relationships" xmlns:p="http://schemas.openxmlformats.org/presentationml/2006/main" xmlns:p14="http://schemas.microsoft.com/office/powerpoint/2010/main" xmlns:mv="urn:schemas-microsoft-com:mac:vml" xmlns:mc="http://schemas.openxmlformats.org/markup-compatibility/2006" val="3700335886"/>
+      </p:ext>
+    </p:extLst>
   </p:cSld>
   <p:clrMapOvr>
     <a:masterClrMapping/>
@@ -6890,7 +7011,7 @@
           <a:p>
             <a:r>
               <a:rPr lang="en-US"/>
-              <a:t>Using "package.skeleton"</a:t>
+              <a:t>Basics</a:t>
             </a:r>
           </a:p>
         </p:txBody>
@@ -6908,137 +7029,38 @@
         <p:spPr/>
         <p:txBody>
           <a:bodyPr>
-            <a:noAutofit/>
+            <a:normAutofit/>
           </a:bodyPr>
           <a:lstStyle/>
           <a:p>
-            <a:pPr>
-              <a:buNone/>
-            </a:pPr>
-            <a:r>
-              <a:rPr lang="en-US" sz="1800">
+            <a:r>
+              <a:rPr lang="en-US" b="1">
                 <a:latin typeface="Courier New"/>
                 <a:cs typeface="Courier New"/>
               </a:rPr>
-              <a:t>&gt; f &lt;- function (...) 1</a:t>
-            </a:r>
-          </a:p>
-          <a:p>
-            <a:pPr>
-              <a:buNone/>
-            </a:pPr>
-            <a:r>
-              <a:rPr lang="en-US" sz="1800">
+              <a:t>help("package.skeleton")</a:t>
+            </a:r>
+          </a:p>
+          <a:p>
+            <a:r>
+              <a:rPr lang="en-US"/>
+              <a:t>"package.skeleton" creates the outline of a statistical package (creates all necessary files/folders)</a:t>
+            </a:r>
+          </a:p>
+          <a:p>
+            <a:r>
+              <a:rPr lang="en-US" b="1">
                 <a:latin typeface="Courier New"/>
                 <a:cs typeface="Courier New"/>
               </a:rPr>
-              <a:t>&gt; package.skeleton("SomePackage", "f")</a:t>
-            </a:r>
-          </a:p>
-          <a:p>
-            <a:pPr>
-              <a:buNone/>
-            </a:pPr>
-            <a:r>
-              <a:rPr lang="en-US" sz="1800" b="1">
-                <a:latin typeface="Courier New"/>
-                <a:cs typeface="Courier New"/>
-              </a:rPr>
-              <a:t>Creating directories ...</a:t>
-            </a:r>
-          </a:p>
-          <a:p>
-            <a:pPr>
-              <a:buNone/>
-            </a:pPr>
-            <a:r>
-              <a:rPr lang="en-US" sz="1800" b="1">
-                <a:latin typeface="Courier New"/>
-                <a:cs typeface="Courier New"/>
-              </a:rPr>
-              <a:t>Creating DESCRIPTION ...</a:t>
-            </a:r>
-          </a:p>
-          <a:p>
-            <a:pPr>
-              <a:buNone/>
-            </a:pPr>
-            <a:r>
-              <a:rPr lang="en-US" sz="1800" b="1">
-                <a:latin typeface="Courier New"/>
-                <a:cs typeface="Courier New"/>
-              </a:rPr>
-              <a:t>Creating Read-and-delete-me ...</a:t>
-            </a:r>
-          </a:p>
-          <a:p>
-            <a:pPr>
-              <a:buNone/>
-            </a:pPr>
-            <a:r>
-              <a:rPr lang="en-US" sz="1800" b="1">
-                <a:latin typeface="Courier New"/>
-                <a:cs typeface="Courier New"/>
-              </a:rPr>
-              <a:t>Saving functions and data ...</a:t>
-            </a:r>
-          </a:p>
-          <a:p>
-            <a:pPr>
-              <a:buNone/>
-            </a:pPr>
-            <a:r>
-              <a:rPr lang="en-US" sz="1800" b="1">
-                <a:latin typeface="Courier New"/>
-                <a:cs typeface="Courier New"/>
-              </a:rPr>
-              <a:t>Making help files ...</a:t>
-            </a:r>
-          </a:p>
-          <a:p>
-            <a:pPr>
-              <a:buNone/>
-            </a:pPr>
-            <a:r>
-              <a:rPr lang="en-US" sz="1800" b="1">
-                <a:latin typeface="Courier New"/>
-                <a:cs typeface="Courier New"/>
-              </a:rPr>
-              <a:t>Done.</a:t>
-            </a:r>
-          </a:p>
-          <a:p>
-            <a:pPr>
-              <a:buNone/>
-            </a:pPr>
-            <a:r>
-              <a:rPr lang="en-US" sz="1800" b="1">
-                <a:latin typeface="Courier New"/>
-                <a:cs typeface="Courier New"/>
-              </a:rPr>
-              <a:t>Further steps are described in './SomePackage/Read-and-delete-me'.</a:t>
-            </a:r>
-          </a:p>
-          <a:p>
-            <a:pPr>
-              <a:buNone/>
-            </a:pPr>
-            <a:r>
-              <a:rPr lang="en-US" sz="1800">
-                <a:latin typeface="Courier New"/>
-                <a:cs typeface="Courier New"/>
-              </a:rPr>
-              <a:t>&gt; </a:t>
-            </a:r>
-          </a:p>
-          <a:p>
-            <a:pPr>
-              <a:buNone/>
-            </a:pPr>
-            <a:endParaRPr lang="en-US" sz="1800">
-              <a:latin typeface="Courier New"/>
-              <a:cs typeface="Courier New"/>
-            </a:endParaRPr>
+              <a:t>help("zelig.skeleton", "Zelig")</a:t>
+            </a:r>
+          </a:p>
+          <a:p>
+            <a:r>
+              <a:rPr lang="en-US"/>
+              <a:t>"zelig.skeleton" behaves identically except it follows a pattern more useful for Zelig packages</a:t>
+            </a:r>
           </a:p>
         </p:txBody>
       </p:sp>
@@ -7115,41 +7137,25 @@
           <a:p>
             <a:r>
               <a:rPr lang="en-US"/>
-              <a:t>Slightly more cumbersom than "zelig.skeleton"</a:t>
-            </a:r>
-          </a:p>
-          <a:p>
-            <a:r>
-              <a:rPr lang="en-US"/>
-              <a:t>Requires that users have:</a:t>
-            </a:r>
-          </a:p>
-          <a:p>
-            <a:pPr lvl="1"/>
-            <a:r>
-              <a:rPr lang="en-US"/>
-              <a:t>A name for their package</a:t>
-            </a:r>
-          </a:p>
-          <a:p>
-            <a:pPr lvl="1"/>
-            <a:r>
-              <a:rPr lang="en-US"/>
-              <a:t>At least 1 function defined and named</a:t>
-            </a:r>
-          </a:p>
-          <a:p>
-            <a:r>
-              <a:rPr lang="en-US"/>
-              <a:t>Packages made this way </a:t>
-            </a:r>
-            <a:r>
-              <a:rPr lang="en-US" b="1"/>
-              <a:t>cannot</a:t>
-            </a:r>
-            <a:r>
-              <a:rPr lang="en-US"/>
-              <a:t> be immediately installed.</a:t>
+              <a:t>This creates a folder titled "SomePackage"</a:t>
+            </a:r>
+          </a:p>
+          <a:p>
+            <a:r>
+              <a:rPr lang="en-US"/>
+              <a:t>Create an R package with a single function "f"</a:t>
+            </a:r>
+          </a:p>
+          <a:p>
+            <a:r>
+              <a:rPr lang="en-US"/>
+              <a:t>Titles the package "SomePackage"</a:t>
+            </a:r>
+          </a:p>
+          <a:p>
+            <a:r>
+              <a:rPr lang="en-US"/>
+              <a:t>This package will not be "installable" until the author edits the ".Rd" files (found in the "man/" directory)</a:t>
             </a:r>
           </a:p>
         </p:txBody>
@@ -7203,7 +7209,7 @@
           <a:p>
             <a:r>
               <a:rPr lang="en-US"/>
-              <a:t>Using "zelig.skeleton"</a:t>
+              <a:t>Using "package.skeleton"</a:t>
             </a:r>
           </a:p>
         </p:txBody>
@@ -7220,19 +7226,138 @@
         </p:nvSpPr>
         <p:spPr/>
         <p:txBody>
-          <a:bodyPr/>
-          <a:lstStyle/>
-          <a:p>
-            <a:r>
-              <a:rPr lang="en-US"/>
-              <a:t>We will not be using "package.skeleton" to build our packages</a:t>
-            </a:r>
-          </a:p>
-          <a:p>
-            <a:r>
-              <a:rPr lang="en-US"/>
-              <a:t>"zelig.skeleton" provides functionality specifically catered towards developing Zelig package</a:t>
-            </a:r>
+          <a:bodyPr>
+            <a:noAutofit/>
+          </a:bodyPr>
+          <a:lstStyle/>
+          <a:p>
+            <a:pPr>
+              <a:buNone/>
+            </a:pPr>
+            <a:r>
+              <a:rPr lang="en-US" sz="1800" b="1">
+                <a:latin typeface="Courier New"/>
+                <a:cs typeface="Courier New"/>
+              </a:rPr>
+              <a:t>&gt; f &lt;- function (...) 1</a:t>
+            </a:r>
+          </a:p>
+          <a:p>
+            <a:pPr>
+              <a:buNone/>
+            </a:pPr>
+            <a:r>
+              <a:rPr lang="en-US" sz="1800" b="1">
+                <a:latin typeface="Courier New"/>
+                <a:cs typeface="Courier New"/>
+              </a:rPr>
+              <a:t>&gt; package.skeleton("SomePackage", "f")</a:t>
+            </a:r>
+          </a:p>
+          <a:p>
+            <a:pPr>
+              <a:buNone/>
+            </a:pPr>
+            <a:r>
+              <a:rPr lang="en-US" sz="1800">
+                <a:latin typeface="Courier New"/>
+                <a:cs typeface="Courier New"/>
+              </a:rPr>
+              <a:t>Creating directories ...</a:t>
+            </a:r>
+          </a:p>
+          <a:p>
+            <a:pPr>
+              <a:buNone/>
+            </a:pPr>
+            <a:r>
+              <a:rPr lang="en-US" sz="1800">
+                <a:latin typeface="Courier New"/>
+                <a:cs typeface="Courier New"/>
+              </a:rPr>
+              <a:t>Creating DESCRIPTION ...</a:t>
+            </a:r>
+          </a:p>
+          <a:p>
+            <a:pPr>
+              <a:buNone/>
+            </a:pPr>
+            <a:r>
+              <a:rPr lang="en-US" sz="1800">
+                <a:latin typeface="Courier New"/>
+                <a:cs typeface="Courier New"/>
+              </a:rPr>
+              <a:t>Creating Read-and-delete-me ...</a:t>
+            </a:r>
+          </a:p>
+          <a:p>
+            <a:pPr>
+              <a:buNone/>
+            </a:pPr>
+            <a:r>
+              <a:rPr lang="en-US" sz="1800">
+                <a:latin typeface="Courier New"/>
+                <a:cs typeface="Courier New"/>
+              </a:rPr>
+              <a:t>Saving functions and data ...</a:t>
+            </a:r>
+          </a:p>
+          <a:p>
+            <a:pPr>
+              <a:buNone/>
+            </a:pPr>
+            <a:r>
+              <a:rPr lang="en-US" sz="1800">
+                <a:latin typeface="Courier New"/>
+                <a:cs typeface="Courier New"/>
+              </a:rPr>
+              <a:t>Making help files ...</a:t>
+            </a:r>
+          </a:p>
+          <a:p>
+            <a:pPr>
+              <a:buNone/>
+            </a:pPr>
+            <a:r>
+              <a:rPr lang="en-US" sz="1800">
+                <a:latin typeface="Courier New"/>
+                <a:cs typeface="Courier New"/>
+              </a:rPr>
+              <a:t>Done.</a:t>
+            </a:r>
+          </a:p>
+          <a:p>
+            <a:pPr>
+              <a:buNone/>
+            </a:pPr>
+            <a:r>
+              <a:rPr lang="en-US" sz="1800">
+                <a:latin typeface="Courier New"/>
+                <a:cs typeface="Courier New"/>
+              </a:rPr>
+              <a:t>Further steps are described in './SomePackage/Read-and-delete-me'.</a:t>
+            </a:r>
+          </a:p>
+          <a:p>
+            <a:pPr>
+              <a:buNone/>
+            </a:pPr>
+            <a:r>
+              <a:rPr lang="en-US" sz="1800" b="1">
+                <a:latin typeface="Courier New"/>
+                <a:cs typeface="Courier New"/>
+              </a:rPr>
+              <a:t>&gt; </a:t>
+            </a:r>
+          </a:p>
+          <a:p>
+            <a:pPr>
+              <a:buNone/>
+            </a:pPr>
+            <a:endParaRPr lang="en-US" sz="1800" b="1">
+              <a:latin typeface="Courier New"/>
+              <a:cs typeface="Courier New"/>
+            </a:endParaRPr>
           </a:p>
         </p:txBody>
       </p:sp>
@@ -7241,6 +7366,13 @@
   <p:clrMapOvr>
     <a:masterClrMapping/>
   </p:clrMapOvr>
+  <p:timing>
+    <p:tnLst>
+      <p:par>
+        <p:cTn id="1" dur="indefinite" restart="never" nodeType="tmRoot"/>
+      </p:par>
+    </p:tnLst>
+  </p:timing>
 </p:sld>
 </file>
 
@@ -7273,106 +7405,75 @@
         </p:nvSpPr>
         <p:spPr/>
         <p:txBody>
+          <a:bodyPr>
+            <a:normAutofit/>
+          </a:bodyPr>
+          <a:lstStyle/>
+          <a:p>
+            <a:r>
+              <a:rPr lang="en-US"/>
+              <a:t>Using "package.skeleton"</a:t>
+            </a:r>
+          </a:p>
+        </p:txBody>
+      </p:sp>
+      <p:sp>
+        <p:nvSpPr>
+          <p:cNvPr id="3" name="Content Placeholder 2"/>
+          <p:cNvSpPr>
+            <a:spLocks noGrp="1"/>
+          </p:cNvSpPr>
+          <p:nvPr>
+            <p:ph idx="1"/>
+          </p:nvPr>
+        </p:nvSpPr>
+        <p:spPr/>
+        <p:txBody>
           <a:bodyPr/>
           <a:lstStyle/>
           <a:p>
             <a:r>
-              <a:rPr lang="en-US" dirty="0" smtClean="0"/>
-              <a:t>Creating a </a:t>
-            </a:r>
-            <a:r>
-              <a:rPr lang="en-US" dirty="0" err="1" smtClean="0"/>
-              <a:t>Zelig</a:t>
-            </a:r>
-            <a:r>
-              <a:rPr lang="en-US" dirty="0" smtClean="0"/>
-              <a:t> Package</a:t>
-            </a:r>
-            <a:endParaRPr lang="en-US" dirty="0"/>
-          </a:p>
-        </p:txBody>
-      </p:sp>
-      <p:sp>
-        <p:nvSpPr>
-          <p:cNvPr id="3" name="Content Placeholder 2"/>
-          <p:cNvSpPr>
-            <a:spLocks noGrp="1"/>
-          </p:cNvSpPr>
-          <p:nvPr>
-            <p:ph idx="1"/>
-          </p:nvPr>
-        </p:nvSpPr>
-        <p:spPr/>
-        <p:txBody>
-          <a:bodyPr/>
-          <a:lstStyle/>
-          <a:p>
-            <a:pPr marL="0" indent="0">
-              <a:buNone/>
-            </a:pPr>
-            <a:r>
-              <a:rPr lang="en-US" sz="3600" b="1" dirty="0" smtClean="0"/>
-              <a:t>Three things are needed:</a:t>
-            </a:r>
-          </a:p>
-          <a:p>
-            <a:pPr marL="514350" indent="-514350">
-              <a:buFont typeface="+mj-lt"/>
-              <a:buAutoNum type="arabicPeriod"/>
-            </a:pPr>
-            <a:r>
-              <a:rPr lang="en-US" dirty="0" smtClean="0"/>
-              <a:t>Package </a:t>
-            </a:r>
-            <a:r>
-              <a:rPr lang="en-US" dirty="0"/>
-              <a:t>Name, e.g. "</a:t>
-            </a:r>
-            <a:r>
-              <a:rPr lang="en-US" dirty="0" err="1"/>
-              <a:t>ZeligLeastSquares</a:t>
-            </a:r>
-            <a:r>
-              <a:rPr lang="en-US" dirty="0"/>
-              <a:t>"</a:t>
-            </a:r>
-          </a:p>
-          <a:p>
-            <a:pPr marL="514350" indent="-514350">
-              <a:buFont typeface="+mj-lt"/>
-              <a:buAutoNum type="arabicPeriod"/>
-            </a:pPr>
-            <a:r>
-              <a:rPr lang="en-US" dirty="0"/>
-              <a:t>Model Names, e.g. "</a:t>
-            </a:r>
-            <a:r>
-              <a:rPr lang="en-US" dirty="0" err="1"/>
-              <a:t>logit</a:t>
-            </a:r>
-            <a:r>
-              <a:rPr lang="en-US" dirty="0"/>
-              <a:t>" or "gamma"</a:t>
-            </a:r>
-          </a:p>
-          <a:p>
-            <a:pPr marL="514350" indent="-514350">
-              <a:buFont typeface="+mj-lt"/>
-              <a:buAutoNum type="arabicPeriod"/>
-            </a:pPr>
-            <a:r>
-              <a:rPr lang="en-US" dirty="0"/>
-              <a:t>R-package dependencies, e.g. "lme4"</a:t>
+              <a:rPr lang="en-US"/>
+              <a:t>Slightly more cumbersome than "zelig.skeleton"</a:t>
+            </a:r>
+          </a:p>
+          <a:p>
+            <a:r>
+              <a:rPr lang="en-US"/>
+              <a:t>Requires that users have:</a:t>
+            </a:r>
+          </a:p>
+          <a:p>
+            <a:pPr lvl="1"/>
+            <a:r>
+              <a:rPr lang="en-US"/>
+              <a:t>A name for their package</a:t>
+            </a:r>
+          </a:p>
+          <a:p>
+            <a:pPr lvl="1"/>
+            <a:r>
+              <a:rPr lang="en-US"/>
+              <a:t>At least 1 function defined and named</a:t>
+            </a:r>
+          </a:p>
+          <a:p>
+            <a:r>
+              <a:rPr lang="en-US"/>
+              <a:t>Packages made this way </a:t>
+            </a:r>
+            <a:r>
+              <a:rPr lang="en-US" b="1"/>
+              <a:t>cannot</a:t>
+            </a:r>
+            <a:r>
+              <a:rPr lang="en-US"/>
+              <a:t> be immediately installed.</a:t>
             </a:r>
           </a:p>
         </p:txBody>
       </p:sp>
     </p:spTree>
-    <p:extLst>
-      <p:ext uri="{BB962C8B-B14F-4D97-AF65-F5344CB8AC3E}">
-        <p14:creationId xmlns="" xmlns:a="http://schemas.openxmlformats.org/drawingml/2006/main" xmlns:r="http://schemas.openxmlformats.org/officeDocument/2006/relationships" xmlns:p="http://schemas.openxmlformats.org/presentationml/2006/main" xmlns:p14="http://schemas.microsoft.com/office/powerpoint/2010/main" xmlns:mv="urn:schemas-microsoft-com:mac:vml" xmlns:mc="http://schemas.openxmlformats.org/markup-compatibility/2006" val="973143670"/>
-      </p:ext>
-    </p:extLst>
   </p:cSld>
   <p:clrMapOvr>
     <a:masterClrMapping/>
@@ -7406,6 +7507,88 @@
       </p:grpSpPr>
       <p:sp>
         <p:nvSpPr>
+          <p:cNvPr id="2" name="Title 1"/>
+          <p:cNvSpPr>
+            <a:spLocks noGrp="1"/>
+          </p:cNvSpPr>
+          <p:nvPr>
+            <p:ph type="title"/>
+          </p:nvPr>
+        </p:nvSpPr>
+        <p:spPr/>
+        <p:txBody>
+          <a:bodyPr/>
+          <a:lstStyle/>
+          <a:p>
+            <a:r>
+              <a:rPr lang="en-US"/>
+              <a:t>Using "zelig.skeleton"</a:t>
+            </a:r>
+          </a:p>
+        </p:txBody>
+      </p:sp>
+      <p:sp>
+        <p:nvSpPr>
+          <p:cNvPr id="3" name="Content Placeholder 2"/>
+          <p:cNvSpPr>
+            <a:spLocks noGrp="1"/>
+          </p:cNvSpPr>
+          <p:nvPr>
+            <p:ph idx="1"/>
+          </p:nvPr>
+        </p:nvSpPr>
+        <p:spPr/>
+        <p:txBody>
+          <a:bodyPr/>
+          <a:lstStyle/>
+          <a:p>
+            <a:r>
+              <a:rPr lang="en-US"/>
+              <a:t>We will not be using "package.skeleton" to build our packages</a:t>
+            </a:r>
+          </a:p>
+          <a:p>
+            <a:r>
+              <a:rPr lang="en-US"/>
+              <a:t>"zelig.skeleton" provides functionality specifically catered towards developing statistical models and Zelig-dependent packages</a:t>
+            </a:r>
+          </a:p>
+        </p:txBody>
+      </p:sp>
+    </p:spTree>
+  </p:cSld>
+  <p:clrMapOvr>
+    <a:masterClrMapping/>
+  </p:clrMapOvr>
+  <p:timing>
+    <p:tnLst>
+      <p:par>
+        <p:cTn id="1" dur="indefinite" restart="never" nodeType="tmRoot"/>
+      </p:par>
+    </p:tnLst>
+  </p:timing>
+</p:sld>
+</file>
+
+<file path=ppt/slides/slide27.xml><?xml version="1.0" encoding="utf-8"?>
+<p:sld xmlns:a="http://schemas.openxmlformats.org/drawingml/2006/main" xmlns:r="http://schemas.openxmlformats.org/officeDocument/2006/relationships" xmlns:mc="http://schemas.openxmlformats.org/markup-compatibility/2006" xmlns:mv="urn:schemas-microsoft-com:mac:vml" xmlns:p="http://schemas.openxmlformats.org/presentationml/2006/main" mc:Ignorable="mv" mc:PreserveAttributes="mv:*">
+  <p:cSld>
+    <p:spTree>
+      <p:nvGrpSpPr>
+        <p:cNvPr id="1" name=""/>
+        <p:cNvGrpSpPr/>
+        <p:nvPr/>
+      </p:nvGrpSpPr>
+      <p:grpSpPr>
+        <a:xfrm>
+          <a:off x="0" y="0"/>
+          <a:ext cx="0" cy="0"/>
+          <a:chOff x="0" y="0"/>
+          <a:chExt cx="0" cy="0"/>
+        </a:xfrm>
+      </p:grpSpPr>
+      <p:sp>
+        <p:nvSpPr>
           <p:cNvPr id="9" name="Title 8"/>
           <p:cNvSpPr>
             <a:spLocks noGrp="1"/>
@@ -7449,7 +7632,11 @@
           <a:p>
             <a:pPr lvl="1"/>
             <a:r>
-              <a:rPr lang="en-US"/>
+              <a:rPr lang="en-US">
+                <a:solidFill>
+                  <a:srgbClr val="C0504D"/>
+                </a:solidFill>
+              </a:rPr>
               <a:t>"ZeligLeastSquares"</a:t>
             </a:r>
           </a:p>
@@ -7462,7 +7649,11 @@
           <a:p>
             <a:pPr lvl="1"/>
             <a:r>
-              <a:rPr lang="en-US"/>
+              <a:rPr lang="en-US">
+                <a:solidFill>
+                  <a:srgbClr val="C0504D"/>
+                </a:solidFill>
+              </a:rPr>
               <a:t>"twostage"</a:t>
             </a:r>
           </a:p>
@@ -7475,7 +7666,11 @@
           <a:p>
             <a:pPr lvl="1"/>
             <a:r>
-              <a:rPr lang="en-US"/>
+              <a:rPr lang="en-US">
+                <a:solidFill>
+                  <a:srgbClr val="C0504D"/>
+                </a:solidFill>
+              </a:rPr>
               <a:t>"systemfit"</a:t>
             </a:r>
           </a:p>
@@ -7501,7 +7696,7 @@
 </p:sld>
 </file>
 
-<file path=ppt/slides/slide27.xml><?xml version="1.0" encoding="utf-8"?>
+<file path=ppt/slides/slide28.xml><?xml version="1.0" encoding="utf-8"?>
 <p:sld xmlns:a="http://schemas.openxmlformats.org/drawingml/2006/main" xmlns:r="http://schemas.openxmlformats.org/officeDocument/2006/relationships" xmlns:mc="http://schemas.openxmlformats.org/markup-compatibility/2006" xmlns:mv="urn:schemas-microsoft-com:mac:vml" xmlns:p="http://schemas.openxmlformats.org/presentationml/2006/main" mc:Ignorable="mv" mc:PreserveAttributes="mv:*">
   <p:cSld>
     <p:spTree>
@@ -8060,85 +8255,6 @@
 </p:sld>
 </file>
 
-<file path=ppt/slides/slide28.xml><?xml version="1.0" encoding="utf-8"?>
-<p:sld xmlns:a="http://schemas.openxmlformats.org/drawingml/2006/main" xmlns:r="http://schemas.openxmlformats.org/officeDocument/2006/relationships" xmlns:mc="http://schemas.openxmlformats.org/markup-compatibility/2006" xmlns:mv="urn:schemas-microsoft-com:mac:vml" xmlns:p="http://schemas.openxmlformats.org/presentationml/2006/main" mc:Ignorable="mv" mc:PreserveAttributes="mv:*">
-  <p:cSld>
-    <p:spTree>
-      <p:nvGrpSpPr>
-        <p:cNvPr id="1" name=""/>
-        <p:cNvGrpSpPr/>
-        <p:nvPr/>
-      </p:nvGrpSpPr>
-      <p:grpSpPr>
-        <a:xfrm>
-          <a:off x="0" y="0"/>
-          <a:ext cx="0" cy="0"/>
-          <a:chOff x="0" y="0"/>
-          <a:chExt cx="0" cy="0"/>
-        </a:xfrm>
-      </p:grpSpPr>
-      <p:sp>
-        <p:nvSpPr>
-          <p:cNvPr id="4" name="Title 3"/>
-          <p:cNvSpPr>
-            <a:spLocks noGrp="1"/>
-          </p:cNvSpPr>
-          <p:nvPr>
-            <p:ph type="ctrTitle"/>
-          </p:nvPr>
-        </p:nvSpPr>
-        <p:spPr/>
-        <p:txBody>
-          <a:bodyPr/>
-          <a:lstStyle/>
-          <a:p>
-            <a:r>
-              <a:rPr lang="en-US" dirty="0" smtClean="0"/>
-              <a:t>Model Fitting Functions</a:t>
-            </a:r>
-            <a:endParaRPr lang="en-US" dirty="0"/>
-          </a:p>
-        </p:txBody>
-      </p:sp>
-      <p:sp>
-        <p:nvSpPr>
-          <p:cNvPr id="5" name="Subtitle 4"/>
-          <p:cNvSpPr>
-            <a:spLocks noGrp="1"/>
-          </p:cNvSpPr>
-          <p:nvPr>
-            <p:ph type="subTitle" idx="1"/>
-          </p:nvPr>
-        </p:nvSpPr>
-        <p:spPr/>
-        <p:txBody>
-          <a:bodyPr/>
-          <a:lstStyle/>
-          <a:p>
-            <a:endParaRPr lang="en-US"/>
-          </a:p>
-        </p:txBody>
-      </p:sp>
-    </p:spTree>
-    <p:extLst>
-      <p:ext uri="{BB962C8B-B14F-4D97-AF65-F5344CB8AC3E}">
-        <p14:creationId xmlns="" xmlns:a="http://schemas.openxmlformats.org/drawingml/2006/main" xmlns:r="http://schemas.openxmlformats.org/officeDocument/2006/relationships" xmlns:p="http://schemas.openxmlformats.org/presentationml/2006/main" xmlns:p14="http://schemas.microsoft.com/office/powerpoint/2010/main" xmlns:mv="urn:schemas-microsoft-com:mac:vml" xmlns:mc="http://schemas.openxmlformats.org/markup-compatibility/2006" val="942656541"/>
-      </p:ext>
-    </p:extLst>
-  </p:cSld>
-  <p:clrMapOvr>
-    <a:masterClrMapping/>
-  </p:clrMapOvr>
-  <p:timing>
-    <p:tnLst>
-      <p:par>
-        <p:cTn id="1" dur="indefinite" restart="never" nodeType="tmRoot"/>
-      </p:par>
-    </p:tnLst>
-  </p:timing>
-</p:sld>
-</file>
-
 <file path=ppt/slides/slide29.xml><?xml version="1.0" encoding="utf-8"?>
 <p:sld xmlns:a="http://schemas.openxmlformats.org/drawingml/2006/main" xmlns:r="http://schemas.openxmlformats.org/officeDocument/2006/relationships" xmlns:mc="http://schemas.openxmlformats.org/markup-compatibility/2006" xmlns:mv="urn:schemas-microsoft-com:mac:vml" xmlns:p="http://schemas.openxmlformats.org/presentationml/2006/main" mc:Ignorable="mv" mc:PreserveAttributes="mv:*">
   <p:cSld>
@@ -8158,12 +8274,12 @@
       </p:grpSpPr>
       <p:sp>
         <p:nvSpPr>
-          <p:cNvPr id="2" name="Title 1"/>
-          <p:cNvSpPr>
-            <a:spLocks noGrp="1"/>
-          </p:cNvSpPr>
-          <p:nvPr>
-            <p:ph type="title"/>
+          <p:cNvPr id="4" name="Title 3"/>
+          <p:cNvSpPr>
+            <a:spLocks noGrp="1"/>
+          </p:cNvSpPr>
+          <p:nvPr>
+            <p:ph type="ctrTitle"/>
           </p:nvPr>
         </p:nvSpPr>
         <p:spPr/>
@@ -8172,20 +8288,21 @@
           <a:lstStyle/>
           <a:p>
             <a:r>
-              <a:rPr lang="en-US"/>
-              <a:t>Outline for Model Fitting Functions</a:t>
-            </a:r>
-          </a:p>
-        </p:txBody>
-      </p:sp>
-      <p:sp>
-        <p:nvSpPr>
-          <p:cNvPr id="3" name="Content Placeholder 2"/>
-          <p:cNvSpPr>
-            <a:spLocks noGrp="1"/>
-          </p:cNvSpPr>
-          <p:nvPr>
-            <p:ph idx="1"/>
+              <a:rPr lang="en-US" dirty="0" smtClean="0"/>
+              <a:t>Model Fitting Functions</a:t>
+            </a:r>
+            <a:endParaRPr lang="en-US" dirty="0"/>
+          </a:p>
+        </p:txBody>
+      </p:sp>
+      <p:sp>
+        <p:nvSpPr>
+          <p:cNvPr id="5" name="Subtitle 4"/>
+          <p:cNvSpPr>
+            <a:spLocks noGrp="1"/>
+          </p:cNvSpPr>
+          <p:nvPr>
+            <p:ph type="subTitle" idx="1"/>
           </p:nvPr>
         </p:nvSpPr>
         <p:spPr/>
@@ -8193,26 +8310,16 @@
           <a:bodyPr/>
           <a:lstStyle/>
           <a:p>
-            <a:r>
-              <a:rPr lang="en-US"/>
-              <a:t>What is linear regression?</a:t>
-            </a:r>
-          </a:p>
-          <a:p>
-            <a:r>
-              <a:rPr lang="en-US"/>
-              <a:t>Generalized Linear Models (GLM)</a:t>
-            </a:r>
-          </a:p>
-          <a:p>
-            <a:r>
-              <a:rPr lang="en-US"/>
-              <a:t>Example</a:t>
-            </a:r>
+            <a:endParaRPr lang="en-US"/>
           </a:p>
         </p:txBody>
       </p:sp>
     </p:spTree>
+    <p:extLst>
+      <p:ext uri="{BB962C8B-B14F-4D97-AF65-F5344CB8AC3E}">
+        <p14:creationId xmlns="" xmlns:a="http://schemas.openxmlformats.org/drawingml/2006/main" xmlns:r="http://schemas.openxmlformats.org/officeDocument/2006/relationships" xmlns:p="http://schemas.openxmlformats.org/presentationml/2006/main" xmlns:p14="http://schemas.microsoft.com/office/powerpoint/2010/main" xmlns:mv="urn:schemas-microsoft-com:mac:vml" xmlns:mc="http://schemas.openxmlformats.org/markup-compatibility/2006" val="942656541"/>
+      </p:ext>
+    </p:extLst>
   </p:cSld>
   <p:clrMapOvr>
     <a:masterClrMapping/>
@@ -8340,95 +8447,46 @@
           <a:p>
             <a:r>
               <a:rPr lang="en-US"/>
+              <a:t>Outline for Model Fitting Functions</a:t>
+            </a:r>
+          </a:p>
+        </p:txBody>
+      </p:sp>
+      <p:sp>
+        <p:nvSpPr>
+          <p:cNvPr id="3" name="Content Placeholder 2"/>
+          <p:cNvSpPr>
+            <a:spLocks noGrp="1"/>
+          </p:cNvSpPr>
+          <p:nvPr>
+            <p:ph idx="1"/>
+          </p:nvPr>
+        </p:nvSpPr>
+        <p:spPr/>
+        <p:txBody>
+          <a:bodyPr/>
+          <a:lstStyle/>
+          <a:p>
+            <a:r>
+              <a:rPr lang="en-US"/>
               <a:t>What is linear regression?</a:t>
             </a:r>
           </a:p>
-        </p:txBody>
-      </p:sp>
-      <p:sp>
-        <p:nvSpPr>
-          <p:cNvPr id="3" name="Content Placeholder 2"/>
-          <p:cNvSpPr>
-            <a:spLocks noGrp="1"/>
-          </p:cNvSpPr>
-          <p:nvPr>
-            <p:ph idx="1"/>
-          </p:nvPr>
-        </p:nvSpPr>
-        <p:spPr/>
-        <p:txBody>
-          <a:bodyPr>
-            <a:normAutofit lnSpcReduction="10000"/>
-          </a:bodyPr>
-          <a:lstStyle/>
-          <a:p>
-            <a:r>
-              <a:rPr lang="en-US"/>
-              <a:t>A method for </a:t>
-            </a:r>
-            <a:r>
-              <a:rPr lang="en-US" b="1"/>
-              <a:t>explaining</a:t>
-            </a:r>
-            <a:r>
-              <a:rPr lang="en-US"/>
-              <a:t> and </a:t>
-            </a:r>
-            <a:r>
-              <a:rPr lang="en-US" b="1"/>
-              <a:t>predicting</a:t>
-            </a:r>
-            <a:r>
-              <a:rPr lang="en-US"/>
-              <a:t> observations using data</a:t>
-            </a:r>
-          </a:p>
-          <a:p>
-            <a:r>
-              <a:rPr lang="en-US"/>
-              <a:t>A method for determining </a:t>
-            </a:r>
-            <a:r>
-              <a:rPr lang="en-US" b="1"/>
-              <a:t>unknown parameters</a:t>
-            </a:r>
-            <a:r>
-              <a:rPr lang="en-US"/>
-              <a:t> derived from a data set</a:t>
-            </a:r>
-          </a:p>
-          <a:p>
-            <a:pPr lvl="1"/>
-            <a:r>
-              <a:rPr lang="en-US"/>
-              <a:t>How dependent is my response variable on a particular parameter?</a:t>
-            </a:r>
-          </a:p>
-          <a:p>
-            <a:r>
-              <a:rPr lang="en-US"/>
-              <a:t>Specifically, a method for determining </a:t>
-            </a:r>
-            <a:r>
-              <a:rPr lang="en-US" b="1"/>
-              <a:t>conditional expected values</a:t>
-            </a:r>
-          </a:p>
-          <a:p>
-            <a:pPr lvl="1"/>
-            <a:r>
-              <a:rPr lang="en-US"/>
-              <a:t>"Given x and y, the expected value is…"</a:t>
+          <a:p>
+            <a:r>
+              <a:rPr lang="en-US"/>
+              <a:t>Generalized Linear Models (GLM)</a:t>
+            </a:r>
+          </a:p>
+          <a:p>
+            <a:r>
+              <a:rPr lang="en-US"/>
+              <a:t>Example</a:t>
             </a:r>
           </a:p>
         </p:txBody>
       </p:sp>
     </p:spTree>
-    <p:extLst>
-      <p:ext uri="{BB962C8B-B14F-4D97-AF65-F5344CB8AC3E}">
-        <p14:creationId xmlns="" xmlns:a="http://schemas.openxmlformats.org/drawingml/2006/main" xmlns:r="http://schemas.openxmlformats.org/officeDocument/2006/relationships" xmlns:p="http://schemas.openxmlformats.org/presentationml/2006/main" xmlns:p14="http://schemas.microsoft.com/office/powerpoint/2010/main" xmlns:mv="urn:schemas-microsoft-com:mac:vml" xmlns:mc="http://schemas.openxmlformats.org/markup-compatibility/2006" val="1702243699"/>
-      </p:ext>
-    </p:extLst>
   </p:cSld>
   <p:clrMapOvr>
     <a:masterClrMapping/>
@@ -8494,25 +8552,18 @@
         </p:nvSpPr>
         <p:spPr/>
         <p:txBody>
-          <a:bodyPr/>
-          <a:lstStyle/>
-          <a:p>
-            <a:pPr>
-              <a:buNone/>
-            </a:pPr>
-            <a:r>
-              <a:rPr lang="en-US"/>
-              <a:t>There are three necessary components to any generalized linear model:</a:t>
-            </a:r>
-          </a:p>
-          <a:p>
-            <a:r>
-              <a:rPr lang="en-US"/>
-              <a:t>A formula specifying </a:t>
+          <a:bodyPr>
+            <a:normAutofit lnSpcReduction="10000"/>
+          </a:bodyPr>
+          <a:lstStyle/>
+          <a:p>
+            <a:r>
+              <a:rPr lang="en-US"/>
+              <a:t>A method for </a:t>
             </a:r>
             <a:r>
               <a:rPr lang="en-US" b="1"/>
-              <a:t>predictor</a:t>
+              <a:t>explaining</a:t>
             </a:r>
             <a:r>
               <a:rPr lang="en-US"/>
@@ -8520,57 +8571,57 @@
             </a:r>
             <a:r>
               <a:rPr lang="en-US" b="1"/>
-              <a:t>response</a:t>
-            </a:r>
-            <a:r>
-              <a:rPr lang="en-US"/>
-              <a:t> variables: </a:t>
-            </a:r>
-            <a:r>
-              <a:rPr lang="en-US" i="1">
-                <a:latin typeface="Courier New"/>
-                <a:cs typeface="Courier New"/>
-              </a:rPr>
-              <a:t>y ~ x1 + x2 + x3</a:t>
-            </a:r>
-            <a:endParaRPr lang="en-US" b="1" i="1">
-              <a:latin typeface="Courier New"/>
-              <a:cs typeface="Courier New"/>
-            </a:endParaRPr>
-          </a:p>
-          <a:p>
-            <a:r>
-              <a:rPr lang="en-US"/>
-              <a:t>A model – </a:t>
-            </a:r>
-            <a:r>
-              <a:rPr lang="en-US" i="1"/>
-              <a:t>logit, probit, gamma, normal</a:t>
-            </a:r>
-          </a:p>
-          <a:p>
-            <a:r>
-              <a:rPr lang="en-US"/>
-              <a:t>Data – </a:t>
-            </a:r>
-            <a:r>
-              <a:rPr lang="en-US" i="1"/>
-              <a:t>a data-set stored as a </a:t>
-            </a:r>
-            <a:r>
-              <a:rPr lang="en-US" b="1" i="1"/>
-              <a:t>data.frame</a:t>
-            </a:r>
-          </a:p>
-          <a:p>
-            <a:endParaRPr lang="en-US"/>
+              <a:t>predicting</a:t>
+            </a:r>
+            <a:r>
+              <a:rPr lang="en-US"/>
+              <a:t> observations using data</a:t>
+            </a:r>
+          </a:p>
+          <a:p>
+            <a:r>
+              <a:rPr lang="en-US"/>
+              <a:t>A method for determining </a:t>
+            </a:r>
+            <a:r>
+              <a:rPr lang="en-US" b="1"/>
+              <a:t>unknown parameters</a:t>
+            </a:r>
+            <a:r>
+              <a:rPr lang="en-US"/>
+              <a:t> derived from a data set</a:t>
+            </a:r>
+          </a:p>
+          <a:p>
+            <a:pPr lvl="1"/>
+            <a:r>
+              <a:rPr lang="en-US"/>
+              <a:t>How dependent is my response variable on a particular parameter?</a:t>
+            </a:r>
+          </a:p>
+          <a:p>
+            <a:r>
+              <a:rPr lang="en-US"/>
+              <a:t>Specifically, a method for determining </a:t>
+            </a:r>
+            <a:r>
+              <a:rPr lang="en-US" b="1"/>
+              <a:t>conditional expected values</a:t>
+            </a:r>
+          </a:p>
+          <a:p>
+            <a:pPr lvl="1"/>
+            <a:r>
+              <a:rPr lang="en-US"/>
+              <a:t>"Given x and y, the expected value is…"</a:t>
+            </a:r>
           </a:p>
         </p:txBody>
       </p:sp>
     </p:spTree>
     <p:extLst>
       <p:ext uri="{BB962C8B-B14F-4D97-AF65-F5344CB8AC3E}">
-        <p14:creationId xmlns="" xmlns:a="http://schemas.openxmlformats.org/drawingml/2006/main" xmlns:r="http://schemas.openxmlformats.org/officeDocument/2006/relationships" xmlns:p="http://schemas.openxmlformats.org/presentationml/2006/main" xmlns:p14="http://schemas.microsoft.com/office/powerpoint/2010/main" xmlns:mv="urn:schemas-microsoft-com:mac:vml" xmlns:mc="http://schemas.openxmlformats.org/markup-compatibility/2006" val="3143245456"/>
+        <p14:creationId xmlns="" xmlns:a="http://schemas.openxmlformats.org/drawingml/2006/main" xmlns:r="http://schemas.openxmlformats.org/officeDocument/2006/relationships" xmlns:p="http://schemas.openxmlformats.org/presentationml/2006/main" xmlns:p14="http://schemas.microsoft.com/office/powerpoint/2010/main" xmlns:mv="urn:schemas-microsoft-com:mac:vml" xmlns:mc="http://schemas.openxmlformats.org/markup-compatibility/2006" val="1702243699"/>
       </p:ext>
     </p:extLst>
   </p:cSld>
@@ -8621,7 +8672,7 @@
           <a:p>
             <a:r>
               <a:rPr lang="en-US"/>
-              <a:t>Basics</a:t>
+              <a:t>What is linear regression?</a:t>
             </a:r>
           </a:p>
         </p:txBody>
@@ -8641,74 +8692,80 @@
           <a:bodyPr/>
           <a:lstStyle/>
           <a:p>
-            <a:r>
-              <a:rPr lang="en-US"/>
-              <a:t>The "lm" model finds the function that best </a:t>
+            <a:pPr>
+              <a:buNone/>
+            </a:pPr>
+            <a:r>
+              <a:rPr lang="en-US"/>
+              <a:t>There are three necessary components to any generalized linear model:</a:t>
+            </a:r>
+          </a:p>
+          <a:p>
+            <a:r>
+              <a:rPr lang="en-US"/>
+              <a:t>A formula specifying </a:t>
             </a:r>
             <a:r>
               <a:rPr lang="en-US" b="1"/>
-              <a:t>approximates </a:t>
-            </a:r>
-            <a:r>
-              <a:rPr lang="en-US"/>
-              <a:t>the observed data </a:t>
-            </a:r>
-            <a:r>
-              <a:rPr lang="en-US" b="1" u="sng"/>
-              <a:t>with a line</a:t>
-            </a:r>
+              <a:t>predictor</a:t>
+            </a:r>
+            <a:r>
+              <a:rPr lang="en-US"/>
+              <a:t> and </a:t>
+            </a:r>
+            <a:r>
+              <a:rPr lang="en-US" b="1"/>
+              <a:t>response</a:t>
+            </a:r>
+            <a:r>
+              <a:rPr lang="en-US"/>
+              <a:t> variables: </a:t>
+            </a:r>
+            <a:r>
+              <a:rPr lang="en-US" i="1">
+                <a:latin typeface="Courier New"/>
+                <a:cs typeface="Courier New"/>
+              </a:rPr>
+              <a:t>y ~ x1 + x2 + x3</a:t>
+            </a:r>
+            <a:endParaRPr lang="en-US" b="1" i="1">
+              <a:latin typeface="Courier New"/>
+              <a:cs typeface="Courier New"/>
+            </a:endParaRPr>
+          </a:p>
+          <a:p>
+            <a:r>
+              <a:rPr lang="en-US"/>
+              <a:t>A model – </a:t>
+            </a:r>
+            <a:r>
+              <a:rPr lang="en-US" i="1"/>
+              <a:t>logit, probit, gamma, normal</a:t>
+            </a:r>
+          </a:p>
+          <a:p>
+            <a:r>
+              <a:rPr lang="en-US"/>
+              <a:t>Data – </a:t>
+            </a:r>
+            <a:r>
+              <a:rPr lang="en-US" i="1"/>
+              <a:t>a data-set stored as a </a:t>
+            </a:r>
+            <a:r>
+              <a:rPr lang="en-US" b="1" i="1"/>
+              <a:t>data.frame</a:t>
+            </a:r>
+          </a:p>
+          <a:p>
             <a:endParaRPr lang="en-US"/>
-          </a:p>
-          <a:p>
-            <a:r>
-              <a:rPr lang="en-US"/>
-              <a:t>Other regression models approximate observe data with a </a:t>
-            </a:r>
-            <a:r>
-              <a:rPr lang="en-US" b="1"/>
-              <a:t>nonlinear function</a:t>
-            </a:r>
-            <a:r>
-              <a:rPr lang="en-US"/>
-              <a:t> that takes a line as its parameter</a:t>
-            </a:r>
-          </a:p>
-          <a:p>
-            <a:pPr lvl="1"/>
-            <a:r>
-              <a:rPr lang="en-US"/>
-              <a:t>f(y) = X B</a:t>
-            </a:r>
-          </a:p>
-          <a:p>
-            <a:pPr lvl="1"/>
-            <a:r>
-              <a:rPr lang="en-US"/>
-              <a:t>Where </a:t>
-            </a:r>
-            <a:r>
-              <a:rPr lang="en-US" b="1"/>
-              <a:t>X</a:t>
-            </a:r>
-            <a:r>
-              <a:rPr lang="en-US"/>
-              <a:t> is a matrix and </a:t>
-            </a:r>
-            <a:r>
-              <a:rPr lang="en-US" b="1"/>
-              <a:t>B</a:t>
-            </a:r>
-            <a:r>
-              <a:rPr lang="en-US"/>
-              <a:t> is a vector</a:t>
-            </a:r>
           </a:p>
         </p:txBody>
       </p:sp>
     </p:spTree>
     <p:extLst>
       <p:ext uri="{BB962C8B-B14F-4D97-AF65-F5344CB8AC3E}">
-        <p14:creationId xmlns="" xmlns:a="http://schemas.openxmlformats.org/drawingml/2006/main" xmlns:r="http://schemas.openxmlformats.org/officeDocument/2006/relationships" xmlns:p="http://schemas.openxmlformats.org/presentationml/2006/main" xmlns:p14="http://schemas.microsoft.com/office/powerpoint/2010/main" xmlns:mv="urn:schemas-microsoft-com:mac:vml" xmlns:mc="http://schemas.openxmlformats.org/markup-compatibility/2006" val="1265913865"/>
+        <p14:creationId xmlns="" xmlns:a="http://schemas.openxmlformats.org/drawingml/2006/main" xmlns:r="http://schemas.openxmlformats.org/officeDocument/2006/relationships" xmlns:p="http://schemas.openxmlformats.org/presentationml/2006/main" xmlns:p14="http://schemas.microsoft.com/office/powerpoint/2010/main" xmlns:mv="urn:schemas-microsoft-com:mac:vml" xmlns:mc="http://schemas.openxmlformats.org/markup-compatibility/2006" val="3143245456"/>
       </p:ext>
     </p:extLst>
   </p:cSld>
@@ -8759,7 +8816,7 @@
           <a:p>
             <a:r>
               <a:rPr lang="en-US"/>
-              <a:t>Generalized Linear Models</a:t>
+              <a:t>Basics</a:t>
             </a:r>
           </a:p>
         </p:txBody>
@@ -8781,13 +8838,64 @@
           <a:p>
             <a:r>
               <a:rPr lang="en-US"/>
-              <a:t>The "least squares" method is the foundation of fitting generalized linear models (GLM's)</a:t>
-            </a:r>
-          </a:p>
-          <a:p>
-            <a:r>
-              <a:rPr lang="en-US"/>
-              <a:t>And information on how significantly the response variables varies with the predictor variables</a:t>
+              <a:t>The "lm" model finds the function that best </a:t>
+            </a:r>
+            <a:r>
+              <a:rPr lang="en-US" b="1"/>
+              <a:t>approximates </a:t>
+            </a:r>
+            <a:r>
+              <a:rPr lang="en-US"/>
+              <a:t>the observed data </a:t>
+            </a:r>
+            <a:r>
+              <a:rPr lang="en-US" b="1" u="sng"/>
+              <a:t>with a line</a:t>
+            </a:r>
+            <a:endParaRPr lang="en-US"/>
+          </a:p>
+          <a:p>
+            <a:r>
+              <a:rPr lang="en-US"/>
+              <a:t>Other regression models approximate observe data with a </a:t>
+            </a:r>
+            <a:r>
+              <a:rPr lang="en-US" b="1"/>
+              <a:t>nonlinear function</a:t>
+            </a:r>
+            <a:r>
+              <a:rPr lang="en-US"/>
+              <a:t> that takes a line as its parameter</a:t>
+            </a:r>
+          </a:p>
+          <a:p>
+            <a:pPr lvl="1"/>
+            <a:r>
+              <a:rPr lang="en-US"/>
+              <a:t>f(y) = X B</a:t>
+            </a:r>
+          </a:p>
+          <a:p>
+            <a:pPr lvl="1"/>
+            <a:r>
+              <a:rPr lang="en-US"/>
+              <a:t>Where </a:t>
+            </a:r>
+            <a:r>
+              <a:rPr lang="en-US" b="1"/>
+              <a:t>X</a:t>
+            </a:r>
+            <a:r>
+              <a:rPr lang="en-US"/>
+              <a:t> is a matrix and </a:t>
+            </a:r>
+            <a:r>
+              <a:rPr lang="en-US" b="1"/>
+              <a:t>B</a:t>
+            </a:r>
+            <a:r>
+              <a:rPr lang="en-US"/>
+              <a:t> is a vector</a:t>
             </a:r>
           </a:p>
         </p:txBody>
@@ -8795,7 +8903,7 @@
     </p:spTree>
     <p:extLst>
       <p:ext uri="{BB962C8B-B14F-4D97-AF65-F5344CB8AC3E}">
-        <p14:creationId xmlns="" xmlns:a="http://schemas.openxmlformats.org/drawingml/2006/main" xmlns:r="http://schemas.openxmlformats.org/officeDocument/2006/relationships" xmlns:p="http://schemas.openxmlformats.org/presentationml/2006/main" xmlns:p14="http://schemas.microsoft.com/office/powerpoint/2010/main" xmlns:mv="urn:schemas-microsoft-com:mac:vml" xmlns:mc="http://schemas.openxmlformats.org/markup-compatibility/2006" val="3465388416"/>
+        <p14:creationId xmlns="" xmlns:a="http://schemas.openxmlformats.org/drawingml/2006/main" xmlns:r="http://schemas.openxmlformats.org/officeDocument/2006/relationships" xmlns:p="http://schemas.openxmlformats.org/presentationml/2006/main" xmlns:p14="http://schemas.microsoft.com/office/powerpoint/2010/main" xmlns:mv="urn:schemas-microsoft-com:mac:vml" xmlns:mc="http://schemas.openxmlformats.org/markup-compatibility/2006" val="1265913865"/>
       </p:ext>
     </p:extLst>
   </p:cSld>
@@ -8846,34 +8954,43 @@
           <a:p>
             <a:r>
               <a:rPr lang="en-US"/>
-              <a:t>Example: Data</a:t>
-            </a:r>
-          </a:p>
-        </p:txBody>
-      </p:sp>
-      <p:pic>
-        <p:nvPicPr>
-          <p:cNvPr id="6" name="Content Placeholder 5" descr="Linear_Data.png"/>
-          <p:cNvPicPr>
-            <a:picLocks noGrp="1" noChangeAspect="1"/>
-          </p:cNvPicPr>
+              <a:t>Generalized Linear Models</a:t>
+            </a:r>
+          </a:p>
+        </p:txBody>
+      </p:sp>
+      <p:sp>
+        <p:nvSpPr>
+          <p:cNvPr id="3" name="Content Placeholder 2"/>
+          <p:cNvSpPr>
+            <a:spLocks noGrp="1"/>
+          </p:cNvSpPr>
           <p:nvPr>
             <p:ph idx="1"/>
           </p:nvPr>
-        </p:nvPicPr>
-        <p:blipFill>
-          <a:blip r:embed="rId2"/>
-          <a:srcRect l="-40915" r="-40915"/>
-          <a:stretch>
-            <a:fillRect/>
-          </a:stretch>
-        </p:blipFill>
+        </p:nvSpPr>
         <p:spPr/>
-      </p:pic>
+        <p:txBody>
+          <a:bodyPr/>
+          <a:lstStyle/>
+          <a:p>
+            <a:r>
+              <a:rPr lang="en-US"/>
+              <a:t>The "least squares" method is the foundation of fitting generalized linear models (GLM's)</a:t>
+            </a:r>
+          </a:p>
+          <a:p>
+            <a:r>
+              <a:rPr lang="en-US"/>
+              <a:t>And information on how significantly the response variables varies with the predictor variables</a:t>
+            </a:r>
+          </a:p>
+        </p:txBody>
+      </p:sp>
     </p:spTree>
     <p:extLst>
       <p:ext uri="{BB962C8B-B14F-4D97-AF65-F5344CB8AC3E}">
-        <p14:creationId xmlns="" xmlns:a="http://schemas.openxmlformats.org/drawingml/2006/main" xmlns:r="http://schemas.openxmlformats.org/officeDocument/2006/relationships" xmlns:p="http://schemas.openxmlformats.org/presentationml/2006/main" xmlns:p14="http://schemas.microsoft.com/office/powerpoint/2010/main" xmlns:mv="urn:schemas-microsoft-com:mac:vml" xmlns:mc="http://schemas.openxmlformats.org/markup-compatibility/2006" val="2972905603"/>
+        <p14:creationId xmlns="" xmlns:a="http://schemas.openxmlformats.org/drawingml/2006/main" xmlns:r="http://schemas.openxmlformats.org/officeDocument/2006/relationships" xmlns:p="http://schemas.openxmlformats.org/presentationml/2006/main" xmlns:p14="http://schemas.microsoft.com/office/powerpoint/2010/main" xmlns:mv="urn:schemas-microsoft-com:mac:vml" xmlns:mc="http://schemas.openxmlformats.org/markup-compatibility/2006" val="3465388416"/>
       </p:ext>
     </p:extLst>
   </p:cSld>
@@ -8919,28 +9036,19 @@
         </p:nvSpPr>
         <p:spPr/>
         <p:txBody>
-          <a:bodyPr>
-            <a:normAutofit fontScale="90000"/>
-          </a:bodyPr>
+          <a:bodyPr/>
           <a:lstStyle/>
           <a:p>
             <a:r>
               <a:rPr lang="en-US"/>
               <a:t>Example: Data</a:t>
-            </a:r>
-            <a:br>
-              <a:rPr lang="en-US"/>
-            </a:br>
-            <a:r>
-              <a:rPr lang="en-US"/>
-              <a:t>(and Linear Regression)</a:t>
             </a:r>
           </a:p>
         </p:txBody>
       </p:sp>
       <p:pic>
         <p:nvPicPr>
-          <p:cNvPr id="4" name="Content Placeholder 3" descr="Linear_Regression.png"/>
+          <p:cNvPr id="6" name="Content Placeholder 5" descr="Linear_Data.png"/>
           <p:cNvPicPr>
             <a:picLocks noGrp="1" noChangeAspect="1"/>
           </p:cNvPicPr>
@@ -8960,7 +9068,7 @@
     </p:spTree>
     <p:extLst>
       <p:ext uri="{BB962C8B-B14F-4D97-AF65-F5344CB8AC3E}">
-        <p14:creationId xmlns="" xmlns:a="http://schemas.openxmlformats.org/drawingml/2006/main" xmlns:r="http://schemas.openxmlformats.org/officeDocument/2006/relationships" xmlns:p="http://schemas.openxmlformats.org/presentationml/2006/main" xmlns:p14="http://schemas.microsoft.com/office/powerpoint/2010/main" xmlns:mv="urn:schemas-microsoft-com:mac:vml" xmlns:mc="http://schemas.openxmlformats.org/markup-compatibility/2006" val="2382241759"/>
+        <p14:creationId xmlns="" xmlns:a="http://schemas.openxmlformats.org/drawingml/2006/main" xmlns:r="http://schemas.openxmlformats.org/officeDocument/2006/relationships" xmlns:p="http://schemas.openxmlformats.org/presentationml/2006/main" xmlns:p14="http://schemas.microsoft.com/office/powerpoint/2010/main" xmlns:mv="urn:schemas-microsoft-com:mac:vml" xmlns:mc="http://schemas.openxmlformats.org/markup-compatibility/2006" val="2972905603"/>
       </p:ext>
     </p:extLst>
   </p:cSld>
@@ -8996,50 +9104,58 @@
       </p:grpSpPr>
       <p:sp>
         <p:nvSpPr>
-          <p:cNvPr id="3" name="Title 2"/>
-          <p:cNvSpPr>
-            <a:spLocks noGrp="1"/>
-          </p:cNvSpPr>
-          <p:nvPr>
-            <p:ph type="ctrTitle"/>
+          <p:cNvPr id="2" name="Title 1"/>
+          <p:cNvSpPr>
+            <a:spLocks noGrp="1"/>
+          </p:cNvSpPr>
+          <p:nvPr>
+            <p:ph type="title"/>
           </p:nvPr>
         </p:nvSpPr>
         <p:spPr/>
         <p:txBody>
-          <a:bodyPr/>
-          <a:lstStyle/>
-          <a:p>
-            <a:r>
-              <a:rPr lang="en-US" dirty="0" smtClean="0"/>
-              <a:t>The zelig2 Method</a:t>
-            </a:r>
-            <a:endParaRPr lang="en-US" dirty="0"/>
-          </a:p>
-        </p:txBody>
-      </p:sp>
-      <p:sp>
-        <p:nvSpPr>
-          <p:cNvPr id="4" name="Subtitle 3"/>
-          <p:cNvSpPr>
-            <a:spLocks noGrp="1"/>
-          </p:cNvSpPr>
-          <p:nvPr>
-            <p:ph type="subTitle" idx="1"/>
-          </p:nvPr>
-        </p:nvSpPr>
+          <a:bodyPr>
+            <a:normAutofit fontScale="90000"/>
+          </a:bodyPr>
+          <a:lstStyle/>
+          <a:p>
+            <a:r>
+              <a:rPr lang="en-US"/>
+              <a:t>Example: Data</a:t>
+            </a:r>
+            <a:br>
+              <a:rPr lang="en-US"/>
+            </a:br>
+            <a:r>
+              <a:rPr lang="en-US"/>
+              <a:t>(and Linear Regression)</a:t>
+            </a:r>
+          </a:p>
+        </p:txBody>
+      </p:sp>
+      <p:pic>
+        <p:nvPicPr>
+          <p:cNvPr id="4" name="Content Placeholder 3" descr="Linear_Regression.png"/>
+          <p:cNvPicPr>
+            <a:picLocks noGrp="1" noChangeAspect="1"/>
+          </p:cNvPicPr>
+          <p:nvPr>
+            <p:ph idx="1"/>
+          </p:nvPr>
+        </p:nvPicPr>
+        <p:blipFill>
+          <a:blip r:embed="rId2"/>
+          <a:srcRect l="-40915" r="-40915"/>
+          <a:stretch>
+            <a:fillRect/>
+          </a:stretch>
+        </p:blipFill>
         <p:spPr/>
-        <p:txBody>
-          <a:bodyPr/>
-          <a:lstStyle/>
-          <a:p>
-            <a:endParaRPr lang="en-US"/>
-          </a:p>
-        </p:txBody>
-      </p:sp>
+      </p:pic>
     </p:spTree>
     <p:extLst>
       <p:ext uri="{BB962C8B-B14F-4D97-AF65-F5344CB8AC3E}">
-        <p14:creationId xmlns="" xmlns:a="http://schemas.openxmlformats.org/drawingml/2006/main" xmlns:r="http://schemas.openxmlformats.org/officeDocument/2006/relationships" xmlns:p="http://schemas.openxmlformats.org/presentationml/2006/main" xmlns:p14="http://schemas.microsoft.com/office/powerpoint/2010/main" xmlns:mv="urn:schemas-microsoft-com:mac:vml" xmlns:mc="http://schemas.openxmlformats.org/markup-compatibility/2006" val="2601398369"/>
+        <p14:creationId xmlns="" xmlns:a="http://schemas.openxmlformats.org/drawingml/2006/main" xmlns:r="http://schemas.openxmlformats.org/officeDocument/2006/relationships" xmlns:p="http://schemas.openxmlformats.org/presentationml/2006/main" xmlns:p14="http://schemas.microsoft.com/office/powerpoint/2010/main" xmlns:mv="urn:schemas-microsoft-com:mac:vml" xmlns:mc="http://schemas.openxmlformats.org/markup-compatibility/2006" val="2382241759"/>
       </p:ext>
     </p:extLst>
   </p:cSld>
@@ -9075,12 +9191,12 @@
       </p:grpSpPr>
       <p:sp>
         <p:nvSpPr>
-          <p:cNvPr id="2" name="Title 1"/>
-          <p:cNvSpPr>
-            <a:spLocks noGrp="1"/>
-          </p:cNvSpPr>
-          <p:nvPr>
-            <p:ph type="title"/>
+          <p:cNvPr id="3" name="Title 2"/>
+          <p:cNvSpPr>
+            <a:spLocks noGrp="1"/>
+          </p:cNvSpPr>
+          <p:nvPr>
+            <p:ph type="ctrTitle"/>
           </p:nvPr>
         </p:nvSpPr>
         <p:spPr/>
@@ -9090,7 +9206,7 @@
           <a:p>
             <a:r>
               <a:rPr lang="en-US" dirty="0" smtClean="0"/>
-              <a:t>Outline</a:t>
+              <a:t>The zelig2 Method</a:t>
             </a:r>
             <a:endParaRPr lang="en-US" dirty="0"/>
           </a:p>
@@ -9098,12 +9214,12 @@
       </p:sp>
       <p:sp>
         <p:nvSpPr>
-          <p:cNvPr id="3" name="Content Placeholder 2"/>
-          <p:cNvSpPr>
-            <a:spLocks noGrp="1"/>
-          </p:cNvSpPr>
-          <p:nvPr>
-            <p:ph idx="1"/>
+          <p:cNvPr id="4" name="Subtitle 3"/>
+          <p:cNvSpPr>
+            <a:spLocks noGrp="1"/>
+          </p:cNvSpPr>
+          <p:nvPr>
+            <p:ph type="subTitle" idx="1"/>
           </p:nvPr>
         </p:nvSpPr>
         <p:spPr/>
@@ -9111,38 +9227,14 @@
           <a:bodyPr/>
           <a:lstStyle/>
           <a:p>
-            <a:r>
-              <a:rPr lang="en-US" dirty="0" smtClean="0"/>
-              <a:t>Overview</a:t>
-            </a:r>
-          </a:p>
-          <a:p>
-            <a:r>
-              <a:rPr lang="en-US" dirty="0" smtClean="0"/>
-              <a:t>What is a "zelig2" method?</a:t>
-            </a:r>
-          </a:p>
-          <a:p>
-            <a:r>
-              <a:rPr lang="en-US" dirty="0" smtClean="0"/>
-              <a:t>Format of a zelig2 method</a:t>
-            </a:r>
-          </a:p>
-          <a:p>
-            <a:r>
-              <a:rPr lang="en-US" dirty="0" smtClean="0"/>
-              <a:t>Writing the zelig2 method</a:t>
-            </a:r>
-          </a:p>
-          <a:p>
-            <a:endParaRPr lang="en-US" dirty="0"/>
+            <a:endParaRPr lang="en-US"/>
           </a:p>
         </p:txBody>
       </p:sp>
     </p:spTree>
     <p:extLst>
       <p:ext uri="{BB962C8B-B14F-4D97-AF65-F5344CB8AC3E}">
-        <p14:creationId xmlns="" xmlns:a="http://schemas.openxmlformats.org/drawingml/2006/main" xmlns:r="http://schemas.openxmlformats.org/officeDocument/2006/relationships" xmlns:p="http://schemas.openxmlformats.org/presentationml/2006/main" xmlns:p14="http://schemas.microsoft.com/office/powerpoint/2010/main" xmlns:mv="urn:schemas-microsoft-com:mac:vml" xmlns:mc="http://schemas.openxmlformats.org/markup-compatibility/2006" val="520387571"/>
+        <p14:creationId xmlns="" xmlns:a="http://schemas.openxmlformats.org/drawingml/2006/main" xmlns:r="http://schemas.openxmlformats.org/officeDocument/2006/relationships" xmlns:p="http://schemas.openxmlformats.org/presentationml/2006/main" xmlns:p14="http://schemas.microsoft.com/office/powerpoint/2010/main" xmlns:mv="urn:schemas-microsoft-com:mac:vml" xmlns:mc="http://schemas.openxmlformats.org/markup-compatibility/2006" val="2601398369"/>
       </p:ext>
     </p:extLst>
   </p:cSld>
@@ -9192,47 +9284,62 @@
           <a:lstStyle/>
           <a:p>
             <a:r>
-              <a:rPr lang="en-US"/>
+              <a:rPr lang="en-US" dirty="0" smtClean="0"/>
+              <a:t>Outline</a:t>
+            </a:r>
+            <a:endParaRPr lang="en-US" dirty="0"/>
+          </a:p>
+        </p:txBody>
+      </p:sp>
+      <p:sp>
+        <p:nvSpPr>
+          <p:cNvPr id="3" name="Content Placeholder 2"/>
+          <p:cNvSpPr>
+            <a:spLocks noGrp="1"/>
+          </p:cNvSpPr>
+          <p:nvPr>
+            <p:ph idx="1"/>
+          </p:nvPr>
+        </p:nvSpPr>
+        <p:spPr/>
+        <p:txBody>
+          <a:bodyPr/>
+          <a:lstStyle/>
+          <a:p>
+            <a:r>
+              <a:rPr lang="en-US" dirty="0" smtClean="0"/>
               <a:t>Overview</a:t>
             </a:r>
           </a:p>
-        </p:txBody>
-      </p:sp>
-      <p:sp>
-        <p:nvSpPr>
-          <p:cNvPr id="3" name="Content Placeholder 2"/>
-          <p:cNvSpPr>
-            <a:spLocks noGrp="1"/>
-          </p:cNvSpPr>
-          <p:nvPr>
-            <p:ph idx="1"/>
-          </p:nvPr>
-        </p:nvSpPr>
-        <p:spPr/>
-        <p:txBody>
-          <a:bodyPr/>
-          <a:lstStyle/>
-          <a:p>
-            <a:r>
-              <a:rPr lang="en-US"/>
-              <a:t>Today we are focusing on fitting the statistical model</a:t>
-            </a:r>
-          </a:p>
-          <a:p>
-            <a:r>
-              <a:rPr lang="en-US"/>
-              <a:t>Zelig requires (typically) that the model is fitted externally</a:t>
-            </a:r>
-          </a:p>
-          <a:p>
-            <a:r>
-              <a:rPr lang="en-US"/>
-              <a:t>Most models are based on "lm" or "glm" because of their general nature</a:t>
-            </a:r>
+          <a:p>
+            <a:r>
+              <a:rPr lang="en-US" dirty="0" smtClean="0"/>
+              <a:t>What is a zelig2 method?</a:t>
+            </a:r>
+          </a:p>
+          <a:p>
+            <a:r>
+              <a:rPr lang="en-US" dirty="0" smtClean="0"/>
+              <a:t>Format of a zelig2 method</a:t>
+            </a:r>
+          </a:p>
+          <a:p>
+            <a:r>
+              <a:rPr lang="en-US" dirty="0" smtClean="0"/>
+              <a:t>Writing the zelig2 method</a:t>
+            </a:r>
+          </a:p>
+          <a:p>
+            <a:endParaRPr lang="en-US" dirty="0"/>
           </a:p>
         </p:txBody>
       </p:sp>
     </p:spTree>
+    <p:extLst>
+      <p:ext uri="{BB962C8B-B14F-4D97-AF65-F5344CB8AC3E}">
+        <p14:creationId xmlns="" xmlns:a="http://schemas.openxmlformats.org/drawingml/2006/main" xmlns:r="http://schemas.openxmlformats.org/officeDocument/2006/relationships" xmlns:p="http://schemas.openxmlformats.org/presentationml/2006/main" xmlns:p14="http://schemas.microsoft.com/office/powerpoint/2010/main" xmlns:mv="urn:schemas-microsoft-com:mac:vml" xmlns:mc="http://schemas.openxmlformats.org/markup-compatibility/2006" val="520387571"/>
+      </p:ext>
+    </p:extLst>
   </p:cSld>
   <p:clrMapOvr>
     <a:masterClrMapping/>
@@ -9280,10 +9387,9 @@
           <a:lstStyle/>
           <a:p>
             <a:r>
-              <a:rPr lang="en-US" dirty="0" smtClean="0"/>
-              <a:t>Goals</a:t>
-            </a:r>
-            <a:endParaRPr lang="en-US" dirty="0"/>
+              <a:rPr lang="en-US"/>
+              <a:t>Overview</a:t>
+            </a:r>
           </a:p>
         </p:txBody>
       </p:sp>
@@ -9299,73 +9405,29 @@
         </p:nvSpPr>
         <p:spPr/>
         <p:txBody>
-          <a:bodyPr>
-            <a:normAutofit lnSpcReduction="10000"/>
-          </a:bodyPr>
-          <a:lstStyle/>
-          <a:p>
-            <a:r>
-              <a:rPr lang="en-US" dirty="0" smtClean="0"/>
-              <a:t>We are going to focus on simulating individual statistical models</a:t>
-            </a:r>
-          </a:p>
-          <a:p>
-            <a:r>
-              <a:rPr lang="en-US" dirty="0" smtClean="0"/>
-              <a:t>Each student will create an R package</a:t>
-            </a:r>
-          </a:p>
-          <a:p>
-            <a:r>
-              <a:rPr lang="en-US" dirty="0" smtClean="0"/>
-              <a:t>Each student will implement a single statistical model</a:t>
-            </a:r>
-          </a:p>
-          <a:p>
-            <a:r>
-              <a:rPr lang="en-US" dirty="0" smtClean="0"/>
-              <a:t>This model will be made up of 3 methods:</a:t>
-            </a:r>
-          </a:p>
-          <a:p>
-            <a:pPr lvl="1"/>
-            <a:r>
-              <a:rPr lang="en-US" dirty="0" smtClean="0"/>
-              <a:t>zelig2&lt;model-name&gt;</a:t>
-            </a:r>
-          </a:p>
-          <a:p>
-            <a:pPr lvl="1"/>
-            <a:r>
-              <a:rPr lang="en-US" dirty="0" err="1" smtClean="0"/>
-              <a:t>param</a:t>
-            </a:r>
-            <a:r>
-              <a:rPr lang="en-US" dirty="0" smtClean="0"/>
-              <a:t>.&lt;model-name&gt;</a:t>
-            </a:r>
-          </a:p>
-          <a:p>
-            <a:pPr lvl="1"/>
-            <a:r>
-              <a:rPr lang="en-US" dirty="0" smtClean="0"/>
-              <a:t>qi.&lt;model-name&gt;</a:t>
-            </a:r>
-          </a:p>
-          <a:p>
-            <a:endParaRPr lang="en-US" dirty="0" smtClean="0"/>
-          </a:p>
-          <a:p>
-            <a:endParaRPr lang="en-US" dirty="0"/>
+          <a:bodyPr/>
+          <a:lstStyle/>
+          <a:p>
+            <a:r>
+              <a:rPr lang="en-US"/>
+              <a:t>Today we are focusing on fitting the statistical model</a:t>
+            </a:r>
+          </a:p>
+          <a:p>
+            <a:r>
+              <a:rPr lang="en-US"/>
+              <a:t>Zelig requires (typically) that the model is fitted externally</a:t>
+            </a:r>
+          </a:p>
+          <a:p>
+            <a:r>
+              <a:rPr lang="en-US"/>
+              <a:t>Most models are based on "lm" or "glm" because of their general nature</a:t>
+            </a:r>
           </a:p>
         </p:txBody>
       </p:sp>
     </p:spTree>
-    <p:extLst>
-      <p:ext uri="{BB962C8B-B14F-4D97-AF65-F5344CB8AC3E}">
-        <p14:creationId xmlns="" xmlns:a="http://schemas.openxmlformats.org/drawingml/2006/main" xmlns:r="http://schemas.openxmlformats.org/officeDocument/2006/relationships" xmlns:p="http://schemas.openxmlformats.org/presentationml/2006/main" xmlns:p14="http://schemas.microsoft.com/office/powerpoint/2010/main" xmlns:mv="urn:schemas-microsoft-com:mac:vml" xmlns:mc="http://schemas.openxmlformats.org/markup-compatibility/2006" val="1712515247"/>
-      </p:ext>
-    </p:extLst>
   </p:cSld>
   <p:clrMapOvr>
     <a:masterClrMapping/>
@@ -9534,6 +9596,139 @@
 </file>
 
 <file path=ppt/slides/slide40.xml><?xml version="1.0" encoding="utf-8"?>
+<p:sld xmlns:a="http://schemas.openxmlformats.org/drawingml/2006/main" xmlns:r="http://schemas.openxmlformats.org/officeDocument/2006/relationships" xmlns:mc="http://schemas.openxmlformats.org/markup-compatibility/2006" xmlns:mv="urn:schemas-microsoft-com:mac:vml" xmlns:p="http://schemas.openxmlformats.org/presentationml/2006/main" mc:Ignorable="mv" mc:PreserveAttributes="mv:*">
+  <p:cSld>
+    <p:spTree>
+      <p:nvGrpSpPr>
+        <p:cNvPr id="1" name=""/>
+        <p:cNvGrpSpPr/>
+        <p:nvPr/>
+      </p:nvGrpSpPr>
+      <p:grpSpPr>
+        <a:xfrm>
+          <a:off x="0" y="0"/>
+          <a:ext cx="0" cy="0"/>
+          <a:chOff x="0" y="0"/>
+          <a:chExt cx="0" cy="0"/>
+        </a:xfrm>
+      </p:grpSpPr>
+      <p:sp>
+        <p:nvSpPr>
+          <p:cNvPr id="2" name="Title 1"/>
+          <p:cNvSpPr>
+            <a:spLocks noGrp="1"/>
+          </p:cNvSpPr>
+          <p:nvPr>
+            <p:ph type="title"/>
+          </p:nvPr>
+        </p:nvSpPr>
+        <p:spPr/>
+        <p:txBody>
+          <a:bodyPr/>
+          <a:lstStyle/>
+          <a:p>
+            <a:r>
+              <a:rPr lang="en-US" dirty="0" smtClean="0"/>
+              <a:t>Goals</a:t>
+            </a:r>
+            <a:endParaRPr lang="en-US" dirty="0"/>
+          </a:p>
+        </p:txBody>
+      </p:sp>
+      <p:sp>
+        <p:nvSpPr>
+          <p:cNvPr id="3" name="Content Placeholder 2"/>
+          <p:cNvSpPr>
+            <a:spLocks noGrp="1"/>
+          </p:cNvSpPr>
+          <p:nvPr>
+            <p:ph idx="1"/>
+          </p:nvPr>
+        </p:nvSpPr>
+        <p:spPr/>
+        <p:txBody>
+          <a:bodyPr>
+            <a:normAutofit lnSpcReduction="10000"/>
+          </a:bodyPr>
+          <a:lstStyle/>
+          <a:p>
+            <a:r>
+              <a:rPr lang="en-US" dirty="0" smtClean="0"/>
+              <a:t>We are going to focus on simulating individual statistical models</a:t>
+            </a:r>
+          </a:p>
+          <a:p>
+            <a:r>
+              <a:rPr lang="en-US" dirty="0" smtClean="0"/>
+              <a:t>Each student will create an R package</a:t>
+            </a:r>
+          </a:p>
+          <a:p>
+            <a:r>
+              <a:rPr lang="en-US" dirty="0" smtClean="0"/>
+              <a:t>Each student will implement a single statistical model</a:t>
+            </a:r>
+          </a:p>
+          <a:p>
+            <a:r>
+              <a:rPr lang="en-US" dirty="0" smtClean="0"/>
+              <a:t>This model will be made up of 3 methods:</a:t>
+            </a:r>
+          </a:p>
+          <a:p>
+            <a:pPr lvl="1"/>
+            <a:r>
+              <a:rPr lang="en-US" dirty="0" smtClean="0"/>
+              <a:t>zelig2&lt;model-name&gt;</a:t>
+            </a:r>
+          </a:p>
+          <a:p>
+            <a:pPr lvl="1"/>
+            <a:r>
+              <a:rPr lang="en-US" dirty="0" err="1" smtClean="0"/>
+              <a:t>param</a:t>
+            </a:r>
+            <a:r>
+              <a:rPr lang="en-US" dirty="0" smtClean="0"/>
+              <a:t>.&lt;model-name&gt;</a:t>
+            </a:r>
+          </a:p>
+          <a:p>
+            <a:pPr lvl="1"/>
+            <a:r>
+              <a:rPr lang="en-US" dirty="0" smtClean="0"/>
+              <a:t>qi.&lt;model-name&gt;</a:t>
+            </a:r>
+          </a:p>
+          <a:p>
+            <a:endParaRPr lang="en-US" dirty="0" smtClean="0"/>
+          </a:p>
+          <a:p>
+            <a:endParaRPr lang="en-US" dirty="0"/>
+          </a:p>
+        </p:txBody>
+      </p:sp>
+    </p:spTree>
+    <p:extLst>
+      <p:ext uri="{BB962C8B-B14F-4D97-AF65-F5344CB8AC3E}">
+        <p14:creationId xmlns="" xmlns:a="http://schemas.openxmlformats.org/drawingml/2006/main" xmlns:r="http://schemas.openxmlformats.org/officeDocument/2006/relationships" xmlns:p="http://schemas.openxmlformats.org/presentationml/2006/main" xmlns:p14="http://schemas.microsoft.com/office/powerpoint/2010/main" xmlns:mv="urn:schemas-microsoft-com:mac:vml" xmlns:mc="http://schemas.openxmlformats.org/markup-compatibility/2006" val="1712515247"/>
+      </p:ext>
+    </p:extLst>
+  </p:cSld>
+  <p:clrMapOvr>
+    <a:masterClrMapping/>
+  </p:clrMapOvr>
+  <p:timing>
+    <p:tnLst>
+      <p:par>
+        <p:cTn id="1" dur="indefinite" restart="never" nodeType="tmRoot"/>
+      </p:par>
+    </p:tnLst>
+  </p:timing>
+</p:sld>
+</file>
+
+<file path=ppt/slides/slide41.xml><?xml version="1.0" encoding="utf-8"?>
 <p:sld xmlns:a="http://schemas.openxmlformats.org/drawingml/2006/main" xmlns:r="http://schemas.openxmlformats.org/officeDocument/2006/relationships" xmlns:mc="http://schemas.openxmlformats.org/markup-compatibility/2006" xmlns:mv="urn:schemas-microsoft-com:mac:vml" xmlns:p="http://schemas.openxmlformats.org/presentationml/2006/main" mc:Ignorable="mv" mc:PreserveAttributes="mv:*">
   <p:cSld>
     <p:spTree>
@@ -11221,7 +11416,7 @@
 </p:sld>
 </file>
 
-<file path=ppt/slides/slide41.xml><?xml version="1.0" encoding="utf-8"?>
+<file path=ppt/slides/slide42.xml><?xml version="1.0" encoding="utf-8"?>
 <p:sld xmlns:a="http://schemas.openxmlformats.org/drawingml/2006/main" xmlns:r="http://schemas.openxmlformats.org/officeDocument/2006/relationships" xmlns:mc="http://schemas.openxmlformats.org/markup-compatibility/2006" xmlns:mv="urn:schemas-microsoft-com:mac:vml" xmlns:p="http://schemas.openxmlformats.org/presentationml/2006/main" mc:Ignorable="mv" mc:PreserveAttributes="mv:*">
   <p:cSld>
     <p:spTree>
@@ -11320,7 +11515,7 @@
 </p:sld>
 </file>
 
-<file path=ppt/slides/slide42.xml><?xml version="1.0" encoding="utf-8"?>
+<file path=ppt/slides/slide43.xml><?xml version="1.0" encoding="utf-8"?>
 <p:sld xmlns:a="http://schemas.openxmlformats.org/drawingml/2006/main" xmlns:r="http://schemas.openxmlformats.org/officeDocument/2006/relationships" xmlns:mc="http://schemas.openxmlformats.org/markup-compatibility/2006" xmlns:mv="urn:schemas-microsoft-com:mac:vml" xmlns:p="http://schemas.openxmlformats.org/presentationml/2006/main" mc:Ignorable="mv" mc:PreserveAttributes="mv:*">
   <p:cSld>
     <p:spTree>
@@ -12854,114 +13049,6 @@
 </p:sld>
 </file>
 
-<file path=ppt/slides/slide43.xml><?xml version="1.0" encoding="utf-8"?>
-<p:sld xmlns:a="http://schemas.openxmlformats.org/drawingml/2006/main" xmlns:r="http://schemas.openxmlformats.org/officeDocument/2006/relationships" xmlns:mc="http://schemas.openxmlformats.org/markup-compatibility/2006" xmlns:mv="urn:schemas-microsoft-com:mac:vml" xmlns:p="http://schemas.openxmlformats.org/presentationml/2006/main" mc:Ignorable="mv" mc:PreserveAttributes="mv:*">
-  <p:cSld>
-    <p:spTree>
-      <p:nvGrpSpPr>
-        <p:cNvPr id="1" name=""/>
-        <p:cNvGrpSpPr/>
-        <p:nvPr/>
-      </p:nvGrpSpPr>
-      <p:grpSpPr>
-        <a:xfrm>
-          <a:off x="0" y="0"/>
-          <a:ext cx="0" cy="0"/>
-          <a:chOff x="0" y="0"/>
-          <a:chExt cx="0" cy="0"/>
-        </a:xfrm>
-      </p:grpSpPr>
-      <p:sp>
-        <p:nvSpPr>
-          <p:cNvPr id="2" name="Title 1"/>
-          <p:cNvSpPr>
-            <a:spLocks noGrp="1"/>
-          </p:cNvSpPr>
-          <p:nvPr>
-            <p:ph type="title"/>
-          </p:nvPr>
-        </p:nvSpPr>
-        <p:spPr/>
-        <p:txBody>
-          <a:bodyPr/>
-          <a:lstStyle/>
-          <a:p>
-            <a:r>
-              <a:rPr lang="en-US"/>
-              <a:t>zelig2: Function Signature</a:t>
-            </a:r>
-          </a:p>
-        </p:txBody>
-      </p:sp>
-      <p:sp>
-        <p:nvSpPr>
-          <p:cNvPr id="3" name="Content Placeholder 2"/>
-          <p:cNvSpPr>
-            <a:spLocks noGrp="1"/>
-          </p:cNvSpPr>
-          <p:nvPr>
-            <p:ph idx="1"/>
-          </p:nvPr>
-        </p:nvSpPr>
-        <p:spPr/>
-        <p:txBody>
-          <a:bodyPr/>
-          <a:lstStyle/>
-          <a:p>
-            <a:r>
-              <a:rPr lang="en-US"/>
-              <a:t>"formula" specifies the model formula</a:t>
-            </a:r>
-          </a:p>
-          <a:p>
-            <a:r>
-              <a:rPr lang="en-US"/>
-              <a:t>"data" specifies the data.frame</a:t>
-            </a:r>
-          </a:p>
-          <a:p>
-            <a:r>
-              <a:rPr lang="en-US"/>
-              <a:t>All other parameters are </a:t>
-            </a:r>
-            <a:r>
-              <a:rPr lang="en-US" b="1"/>
-              <a:t>optional</a:t>
-            </a:r>
-          </a:p>
-          <a:p>
-            <a:r>
-              <a:rPr lang="en-US"/>
-              <a:t>Other parameters are determined by the model fitting function's requirements</a:t>
-            </a:r>
-          </a:p>
-          <a:p>
-            <a:pPr lvl="1"/>
-            <a:r>
-              <a:rPr lang="en-US"/>
-              <a:t>Use "args" to determine what parameters are available for the model-fitting function</a:t>
-            </a:r>
-          </a:p>
-          <a:p>
-            <a:endParaRPr lang="en-US"/>
-          </a:p>
-        </p:txBody>
-      </p:sp>
-    </p:spTree>
-  </p:cSld>
-  <p:clrMapOvr>
-    <a:masterClrMapping/>
-  </p:clrMapOvr>
-  <p:timing>
-    <p:tnLst>
-      <p:par>
-        <p:cTn id="1" dur="indefinite" restart="never" nodeType="tmRoot"/>
-      </p:par>
-    </p:tnLst>
-  </p:timing>
-</p:sld>
-</file>
-
 <file path=ppt/slides/slide44.xml><?xml version="1.0" encoding="utf-8"?>
 <p:sld xmlns:a="http://schemas.openxmlformats.org/drawingml/2006/main" xmlns:r="http://schemas.openxmlformats.org/officeDocument/2006/relationships" xmlns:mc="http://schemas.openxmlformats.org/markup-compatibility/2006" xmlns:mv="urn:schemas-microsoft-com:mac:vml" xmlns:p="http://schemas.openxmlformats.org/presentationml/2006/main" mc:Ignorable="mv" mc:PreserveAttributes="mv:*">
   <p:cSld>
@@ -12996,7 +13083,7 @@
           <a:p>
             <a:r>
               <a:rPr lang="en-US"/>
-              <a:t>zelig2: Function Body</a:t>
+              <a:t>zelig2: Function Signature</a:t>
             </a:r>
           </a:p>
         </p:txBody>
@@ -13018,36 +13105,37 @@
           <a:p>
             <a:r>
               <a:rPr lang="en-US"/>
-              <a:t>Typically does very little</a:t>
-            </a:r>
-          </a:p>
-          <a:p>
-            <a:r>
-              <a:rPr lang="en-US"/>
-              <a:t>Can be used to</a:t>
+              <a:t>"formula" specifies the model formula</a:t>
+            </a:r>
+          </a:p>
+          <a:p>
+            <a:r>
+              <a:rPr lang="en-US"/>
+              <a:t>"data" specifies the data.frame</a:t>
+            </a:r>
+          </a:p>
+          <a:p>
+            <a:r>
+              <a:rPr lang="en-US"/>
+              <a:t>All other parameters are </a:t>
+            </a:r>
+            <a:r>
+              <a:rPr lang="en-US" b="1"/>
+              <a:t>optional</a:t>
+            </a:r>
+          </a:p>
+          <a:p>
+            <a:r>
+              <a:rPr lang="en-US"/>
+              <a:t>Other parameters are determined by the model fitting function's requirements</a:t>
             </a:r>
           </a:p>
           <a:p>
             <a:pPr lvl="1"/>
             <a:r>
               <a:rPr lang="en-US"/>
-              <a:t>Print-out error and warning messages</a:t>
-            </a:r>
-          </a:p>
-          <a:p>
-            <a:pPr lvl="1"/>
-            <a:r>
-              <a:rPr lang="en-US"/>
-              <a:t>Manipulate model formulae</a:t>
-            </a:r>
-          </a:p>
-          <a:p>
-            <a:pPr lvl="1"/>
-            <a:r>
-              <a:rPr lang="en-US"/>
-              <a:t>Assign default values that do not exist for the model-fitting function</a:t>
-            </a:r>
-            <a:endParaRPr lang="en-US"/>
+              <a:t>Use "args" to determine what parameters are available for the model-fitting function</a:t>
+            </a:r>
           </a:p>
           <a:p>
             <a:endParaRPr lang="en-US"/>
@@ -13103,7 +13191,7 @@
           <a:p>
             <a:r>
               <a:rPr lang="en-US"/>
-              <a:t>zelig2: Return Value</a:t>
+              <a:t>zelig2: Function Body</a:t>
             </a:r>
           </a:p>
         </p:txBody>
@@ -13125,22 +13213,39 @@
           <a:p>
             <a:r>
               <a:rPr lang="en-US"/>
-              <a:t>".function" specifies the name of model-fitting function</a:t>
-            </a:r>
-          </a:p>
-          <a:p>
-            <a:r>
-              <a:rPr lang="en-US"/>
-              <a:t>All other entries specify values to be </a:t>
-            </a:r>
-            <a:r>
-              <a:rPr lang="en-US" b="1"/>
-              <a:t>explicitly</a:t>
-            </a:r>
-            <a:r>
-              <a:rPr lang="en-US"/>
-              <a:t> set for the model-fitting function</a:t>
-            </a:r>
+              <a:t>Typically does very little</a:t>
+            </a:r>
+          </a:p>
+          <a:p>
+            <a:r>
+              <a:rPr lang="en-US"/>
+              <a:t>Can be used to</a:t>
+            </a:r>
+          </a:p>
+          <a:p>
+            <a:pPr lvl="1"/>
+            <a:r>
+              <a:rPr lang="en-US"/>
+              <a:t>Print-out error and warning messages</a:t>
+            </a:r>
+          </a:p>
+          <a:p>
+            <a:pPr lvl="1"/>
+            <a:r>
+              <a:rPr lang="en-US"/>
+              <a:t>Manipulate model formulae</a:t>
+            </a:r>
+          </a:p>
+          <a:p>
+            <a:pPr lvl="1"/>
+            <a:r>
+              <a:rPr lang="en-US"/>
+              <a:t>Assign default values that do not exist for the model-fitting function</a:t>
+            </a:r>
+            <a:endParaRPr lang="en-US"/>
+          </a:p>
+          <a:p>
+            <a:endParaRPr lang="en-US"/>
           </a:p>
         </p:txBody>
       </p:sp>
@@ -13193,7 +13298,7 @@
           <a:p>
             <a:r>
               <a:rPr lang="en-US"/>
-              <a:t>zelig2</a:t>
+              <a:t>zelig2: Return Value</a:t>
             </a:r>
           </a:p>
         </p:txBody>
@@ -13214,52 +13319,22 @@
           <a:lstStyle/>
           <a:p>
             <a:r>
+              <a:rPr lang="en-US"/>
+              <a:t>".function" specifies the name of model-fitting function</a:t>
+            </a:r>
+          </a:p>
+          <a:p>
+            <a:r>
+              <a:rPr lang="en-US"/>
+              <a:t>All other entries specify values to be </a:t>
+            </a:r>
+            <a:r>
               <a:rPr lang="en-US" b="1"/>
-              <a:t>Does not</a:t>
-            </a:r>
-            <a:r>
-              <a:rPr lang="en-US"/>
-              <a:t> fit models itself</a:t>
-            </a:r>
-          </a:p>
-          <a:p>
-            <a:r>
-              <a:rPr lang="en-US"/>
-              <a:t>Uses outside models to fit data</a:t>
-            </a:r>
-          </a:p>
-          <a:p>
-            <a:pPr lvl="1"/>
-            <a:r>
-              <a:rPr lang="en-US"/>
-              <a:t>"lm", "glm", "nlme", etc.</a:t>
-            </a:r>
-          </a:p>
-          <a:p>
-            <a:r>
-              <a:rPr lang="en-US"/>
-              <a:t>Manages how zelig interacts with these models:</a:t>
-            </a:r>
-          </a:p>
-          <a:p>
-            <a:pPr lvl="1"/>
-            <a:r>
-              <a:rPr lang="en-US"/>
-              <a:t>Specifies what function will fit the model</a:t>
-            </a:r>
-          </a:p>
-          <a:p>
-            <a:pPr lvl="1"/>
-            <a:r>
-              <a:rPr lang="en-US"/>
-              <a:t>Specifies parameters</a:t>
-            </a:r>
-          </a:p>
-          <a:p>
-            <a:pPr lvl="1"/>
-            <a:r>
-              <a:rPr lang="en-US"/>
-              <a:t>Manipulates objects</a:t>
+              <a:t>explicitly</a:t>
+            </a:r>
+            <a:r>
+              <a:rPr lang="en-US"/>
+              <a:t> set for the model-fitting function</a:t>
             </a:r>
           </a:p>
         </p:txBody>
@@ -13313,7 +13388,7 @@
           <a:p>
             <a:r>
               <a:rPr lang="en-US"/>
-              <a:t>Family Objects</a:t>
+              <a:t>zelig2</a:t>
             </a:r>
           </a:p>
         </p:txBody>
@@ -13334,44 +13409,53 @@
           <a:lstStyle/>
           <a:p>
             <a:r>
-              <a:rPr lang="en-US"/>
-              <a:t>Store information about link functions</a:t>
+              <a:rPr lang="en-US" b="1"/>
+              <a:t>Does not</a:t>
+            </a:r>
+            <a:r>
+              <a:rPr lang="en-US"/>
+              <a:t> fit models itself</a:t>
+            </a:r>
+          </a:p>
+          <a:p>
+            <a:r>
+              <a:rPr lang="en-US"/>
+              <a:t>Uses outside models to fit data</a:t>
             </a:r>
           </a:p>
           <a:p>
             <a:pPr lvl="1"/>
             <a:r>
               <a:rPr lang="en-US"/>
-              <a:t>"Link" functions help specify the relationship between the observed value and the underlying linear predictors</a:t>
+              <a:t>"lm", "glm", "nlme", etc.</a:t>
+            </a:r>
+          </a:p>
+          <a:p>
+            <a:r>
+              <a:rPr lang="en-US"/>
+              <a:t>Manages how zelig interacts with these models:</a:t>
             </a:r>
           </a:p>
           <a:p>
             <a:pPr lvl="1"/>
             <a:r>
               <a:rPr lang="en-US"/>
-              <a:t>"Inverse Link" simply inverse this process</a:t>
-            </a:r>
-          </a:p>
-          <a:p>
-            <a:r>
-              <a:rPr lang="en-US"/>
-              <a:t>Used by model-fitting functions</a:t>
-            </a:r>
-          </a:p>
-          <a:p>
-            <a:r>
-              <a:rPr lang="en-US"/>
-              <a:t>Inverse link functions are used in qi simulation</a:t>
-            </a:r>
-          </a:p>
-          <a:p>
-            <a:r>
-              <a:rPr lang="en-US"/>
-              <a:t>See help documentation: "?family"</a:t>
-            </a:r>
-          </a:p>
-          <a:p>
-            <a:endParaRPr lang="en-US"/>
+              <a:t>Specifies what function will fit the model</a:t>
+            </a:r>
+          </a:p>
+          <a:p>
+            <a:pPr lvl="1"/>
+            <a:r>
+              <a:rPr lang="en-US"/>
+              <a:t>Specifies parameters</a:t>
+            </a:r>
+          </a:p>
+          <a:p>
+            <a:pPr lvl="1"/>
+            <a:r>
+              <a:rPr lang="en-US"/>
+              <a:t>Manipulates objects</a:t>
+            </a:r>
           </a:p>
         </p:txBody>
       </p:sp>
@@ -13409,7 +13493,7 @@
       </p:grpSpPr>
       <p:sp>
         <p:nvSpPr>
-          <p:cNvPr id="6" name="Title 5"/>
+          <p:cNvPr id="4" name="Title 3"/>
           <p:cNvSpPr>
             <a:spLocks noGrp="1"/>
           </p:cNvSpPr>
@@ -13424,14 +13508,14 @@
           <a:p>
             <a:r>
               <a:rPr lang="en-US"/>
-              <a:t>Workflow</a:t>
-            </a:r>
-          </a:p>
-        </p:txBody>
-      </p:sp>
-      <p:sp>
-        <p:nvSpPr>
-          <p:cNvPr id="7" name="Subtitle 6"/>
+              <a:t>Miscellaneous Topics</a:t>
+            </a:r>
+          </a:p>
+        </p:txBody>
+      </p:sp>
+      <p:sp>
+        <p:nvSpPr>
+          <p:cNvPr id="5" name="Subtitle 4"/>
           <p:cNvSpPr>
             <a:spLocks noGrp="1"/>
           </p:cNvSpPr>
@@ -13453,13 +13537,6 @@
   <p:clrMapOvr>
     <a:masterClrMapping/>
   </p:clrMapOvr>
-  <p:timing>
-    <p:tnLst>
-      <p:par>
-        <p:cTn id="1" dur="indefinite" restart="never" nodeType="tmRoot"/>
-      </p:par>
-    </p:tnLst>
-  </p:timing>
 </p:sld>
 </file>
 
@@ -13497,7 +13574,7 @@
           <a:p>
             <a:r>
               <a:rPr lang="en-US"/>
-              <a:t>Workflow</a:t>
+              <a:t>Family Objects</a:t>
             </a:r>
           </a:p>
         </p:txBody>
@@ -13518,44 +13595,44 @@
           <a:lstStyle/>
           <a:p>
             <a:r>
-              <a:rPr lang="en-US" dirty="0"/>
-              <a:t>Find existing model</a:t>
-            </a:r>
-          </a:p>
-          <a:p>
-            <a:r>
-              <a:rPr lang="en-US" dirty="0"/>
-              <a:t>Determine what the arguments are</a:t>
-            </a:r>
-          </a:p>
-          <a:p>
-            <a:r>
-              <a:rPr lang="en-US" dirty="0"/>
-              <a:t>Return a list at the bottom of the function</a:t>
-            </a:r>
-          </a:p>
-          <a:p>
-            <a:r>
-              <a:rPr lang="en-US" dirty="0"/>
-              <a:t>Manipulate objects</a:t>
-            </a:r>
-          </a:p>
-          <a:p>
-            <a:r>
-              <a:rPr lang="en-US" dirty="0"/>
-              <a:t>Write </a:t>
-            </a:r>
-            <a:r>
-              <a:rPr lang="en-US" dirty="0" smtClean="0"/>
-              <a:t>warnings</a:t>
-            </a:r>
-            <a:endParaRPr lang="en-US" dirty="0"/>
-          </a:p>
-          <a:p>
-            <a:r>
-              <a:rPr lang="en-US" dirty="0"/>
-              <a:t>Document</a:t>
-            </a:r>
+              <a:rPr lang="en-US"/>
+              <a:t>Store information about link functions</a:t>
+            </a:r>
+          </a:p>
+          <a:p>
+            <a:pPr lvl="1"/>
+            <a:r>
+              <a:rPr lang="en-US"/>
+              <a:t>"Link" functions help specify the relationship between the observed value and the underlying linear predictors</a:t>
+            </a:r>
+          </a:p>
+          <a:p>
+            <a:pPr lvl="1"/>
+            <a:r>
+              <a:rPr lang="en-US"/>
+              <a:t>"Inverse Link" simply inverse this process</a:t>
+            </a:r>
+          </a:p>
+          <a:p>
+            <a:r>
+              <a:rPr lang="en-US"/>
+              <a:t>Used by model-fitting functions</a:t>
+            </a:r>
+          </a:p>
+          <a:p>
+            <a:r>
+              <a:rPr lang="en-US"/>
+              <a:t>Inverse link functions are used in qi simulation</a:t>
+            </a:r>
+          </a:p>
+          <a:p>
+            <a:r>
+              <a:rPr lang="en-US"/>
+              <a:t>See help documentation: "?family"</a:t>
+            </a:r>
+          </a:p>
+          <a:p>
+            <a:endParaRPr lang="en-US"/>
           </a:p>
         </p:txBody>
       </p:sp>
@@ -13734,6 +13811,190 @@
       </p:grpSpPr>
       <p:sp>
         <p:nvSpPr>
+          <p:cNvPr id="6" name="Title 5"/>
+          <p:cNvSpPr>
+            <a:spLocks noGrp="1"/>
+          </p:cNvSpPr>
+          <p:nvPr>
+            <p:ph type="ctrTitle"/>
+          </p:nvPr>
+        </p:nvSpPr>
+        <p:spPr/>
+        <p:txBody>
+          <a:bodyPr/>
+          <a:lstStyle/>
+          <a:p>
+            <a:r>
+              <a:rPr lang="en-US"/>
+              <a:t>Workflow</a:t>
+            </a:r>
+          </a:p>
+        </p:txBody>
+      </p:sp>
+      <p:sp>
+        <p:nvSpPr>
+          <p:cNvPr id="7" name="Subtitle 6"/>
+          <p:cNvSpPr>
+            <a:spLocks noGrp="1"/>
+          </p:cNvSpPr>
+          <p:nvPr>
+            <p:ph type="subTitle" idx="1"/>
+          </p:nvPr>
+        </p:nvSpPr>
+        <p:spPr/>
+        <p:txBody>
+          <a:bodyPr/>
+          <a:lstStyle/>
+          <a:p>
+            <a:endParaRPr lang="en-US"/>
+          </a:p>
+        </p:txBody>
+      </p:sp>
+    </p:spTree>
+  </p:cSld>
+  <p:clrMapOvr>
+    <a:masterClrMapping/>
+  </p:clrMapOvr>
+  <p:timing>
+    <p:tnLst>
+      <p:par>
+        <p:cTn id="1" dur="indefinite" restart="never" nodeType="tmRoot"/>
+      </p:par>
+    </p:tnLst>
+  </p:timing>
+</p:sld>
+</file>
+
+<file path=ppt/slides/slide51.xml><?xml version="1.0" encoding="utf-8"?>
+<p:sld xmlns:a="http://schemas.openxmlformats.org/drawingml/2006/main" xmlns:r="http://schemas.openxmlformats.org/officeDocument/2006/relationships" xmlns:mc="http://schemas.openxmlformats.org/markup-compatibility/2006" xmlns:mv="urn:schemas-microsoft-com:mac:vml" xmlns:p="http://schemas.openxmlformats.org/presentationml/2006/main" mc:Ignorable="mv" mc:PreserveAttributes="mv:*">
+  <p:cSld>
+    <p:spTree>
+      <p:nvGrpSpPr>
+        <p:cNvPr id="1" name=""/>
+        <p:cNvGrpSpPr/>
+        <p:nvPr/>
+      </p:nvGrpSpPr>
+      <p:grpSpPr>
+        <a:xfrm>
+          <a:off x="0" y="0"/>
+          <a:ext cx="0" cy="0"/>
+          <a:chOff x="0" y="0"/>
+          <a:chExt cx="0" cy="0"/>
+        </a:xfrm>
+      </p:grpSpPr>
+      <p:sp>
+        <p:nvSpPr>
+          <p:cNvPr id="2" name="Title 1"/>
+          <p:cNvSpPr>
+            <a:spLocks noGrp="1"/>
+          </p:cNvSpPr>
+          <p:nvPr>
+            <p:ph type="title"/>
+          </p:nvPr>
+        </p:nvSpPr>
+        <p:spPr/>
+        <p:txBody>
+          <a:bodyPr/>
+          <a:lstStyle/>
+          <a:p>
+            <a:r>
+              <a:rPr lang="en-US"/>
+              <a:t>Workflow</a:t>
+            </a:r>
+          </a:p>
+        </p:txBody>
+      </p:sp>
+      <p:sp>
+        <p:nvSpPr>
+          <p:cNvPr id="3" name="Content Placeholder 2"/>
+          <p:cNvSpPr>
+            <a:spLocks noGrp="1"/>
+          </p:cNvSpPr>
+          <p:nvPr>
+            <p:ph idx="1"/>
+          </p:nvPr>
+        </p:nvSpPr>
+        <p:spPr/>
+        <p:txBody>
+          <a:bodyPr/>
+          <a:lstStyle/>
+          <a:p>
+            <a:r>
+              <a:rPr lang="en-US" dirty="0"/>
+              <a:t>Find existing model</a:t>
+            </a:r>
+          </a:p>
+          <a:p>
+            <a:r>
+              <a:rPr lang="en-US" dirty="0"/>
+              <a:t>Determine what the arguments are</a:t>
+            </a:r>
+          </a:p>
+          <a:p>
+            <a:r>
+              <a:rPr lang="en-US" dirty="0"/>
+              <a:t>Return a list at the bottom of the function</a:t>
+            </a:r>
+          </a:p>
+          <a:p>
+            <a:r>
+              <a:rPr lang="en-US" dirty="0"/>
+              <a:t>Manipulate objects</a:t>
+            </a:r>
+          </a:p>
+          <a:p>
+            <a:r>
+              <a:rPr lang="en-US" dirty="0"/>
+              <a:t>Write </a:t>
+            </a:r>
+            <a:r>
+              <a:rPr lang="en-US" dirty="0" smtClean="0"/>
+              <a:t>warnings</a:t>
+            </a:r>
+            <a:endParaRPr lang="en-US" dirty="0"/>
+          </a:p>
+          <a:p>
+            <a:r>
+              <a:rPr lang="en-US" dirty="0"/>
+              <a:t>Document</a:t>
+            </a:r>
+          </a:p>
+        </p:txBody>
+      </p:sp>
+    </p:spTree>
+  </p:cSld>
+  <p:clrMapOvr>
+    <a:masterClrMapping/>
+  </p:clrMapOvr>
+  <p:timing>
+    <p:tnLst>
+      <p:par>
+        <p:cTn id="1" dur="indefinite" restart="never" nodeType="tmRoot"/>
+      </p:par>
+    </p:tnLst>
+  </p:timing>
+</p:sld>
+</file>
+
+<file path=ppt/slides/slide52.xml><?xml version="1.0" encoding="utf-8"?>
+<p:sld xmlns:a="http://schemas.openxmlformats.org/drawingml/2006/main" xmlns:r="http://schemas.openxmlformats.org/officeDocument/2006/relationships" xmlns:mc="http://schemas.openxmlformats.org/markup-compatibility/2006" xmlns:mv="urn:schemas-microsoft-com:mac:vml" xmlns:p="http://schemas.openxmlformats.org/presentationml/2006/main" mc:Ignorable="mv" mc:PreserveAttributes="mv:*">
+  <p:cSld>
+    <p:spTree>
+      <p:nvGrpSpPr>
+        <p:cNvPr id="1" name=""/>
+        <p:cNvGrpSpPr/>
+        <p:nvPr/>
+      </p:nvGrpSpPr>
+      <p:grpSpPr>
+        <a:xfrm>
+          <a:off x="0" y="0"/>
+          <a:ext cx="0" cy="0"/>
+          <a:chOff x="0" y="0"/>
+          <a:chExt cx="0" cy="0"/>
+        </a:xfrm>
+      </p:grpSpPr>
+      <p:sp>
+        <p:nvSpPr>
           <p:cNvPr id="2" name="Title 1"/>
           <p:cNvSpPr>
             <a:spLocks noGrp="1"/>
@@ -13830,7 +14091,7 @@
 </p:sld>
 </file>
 
-<file path=ppt/slides/slide51.xml><?xml version="1.0" encoding="utf-8"?>
+<file path=ppt/slides/slide53.xml><?xml version="1.0" encoding="utf-8"?>
 <p:sld xmlns:a="http://schemas.openxmlformats.org/drawingml/2006/main" xmlns:r="http://schemas.openxmlformats.org/officeDocument/2006/relationships" xmlns:mc="http://schemas.openxmlformats.org/markup-compatibility/2006" xmlns:mv="urn:schemas-microsoft-com:mac:vml" xmlns:p="http://schemas.openxmlformats.org/presentationml/2006/main" mc:Ignorable="mv" mc:PreserveAttributes="mv:*">
   <p:cSld>
     <p:spTree>
@@ -14378,7 +14639,7 @@
           <a:p>
             <a:r>
               <a:rPr lang="en-US"/>
-              <a:t>Consider the example of "ZeligLeastSquares"</a:t>
+              <a:t>Consider the package "ZeligLeastSquares"</a:t>
             </a:r>
           </a:p>
           <a:p>

--- a/January-Class/Zelig_1_regressions.pptx
+++ b/January-Class/Zelig_1_regressions.pptx
@@ -5,7 +5,7 @@
     <p:sldMasterId id="2147483694" r:id="rId1"/>
   </p:sldMasterIdLst>
   <p:notesMasterIdLst>
-    <p:notesMasterId r:id="rId55"/>
+    <p:notesMasterId r:id="rId54"/>
   </p:notesMasterIdLst>
   <p:sldIdLst>
     <p:sldId id="256" r:id="rId2"/>
@@ -20,47 +20,46 @@
     <p:sldId id="372" r:id="rId11"/>
     <p:sldId id="373" r:id="rId12"/>
     <p:sldId id="351" r:id="rId13"/>
-    <p:sldId id="367" r:id="rId14"/>
-    <p:sldId id="369" r:id="rId15"/>
-    <p:sldId id="368" r:id="rId16"/>
-    <p:sldId id="352" r:id="rId17"/>
-    <p:sldId id="353" r:id="rId18"/>
-    <p:sldId id="355" r:id="rId19"/>
-    <p:sldId id="370" r:id="rId20"/>
-    <p:sldId id="356" r:id="rId21"/>
-    <p:sldId id="309" r:id="rId22"/>
-    <p:sldId id="339" r:id="rId23"/>
-    <p:sldId id="359" r:id="rId24"/>
-    <p:sldId id="358" r:id="rId25"/>
-    <p:sldId id="357" r:id="rId26"/>
-    <p:sldId id="362" r:id="rId27"/>
-    <p:sldId id="335" r:id="rId28"/>
-    <p:sldId id="336" r:id="rId29"/>
-    <p:sldId id="318" r:id="rId30"/>
-    <p:sldId id="341" r:id="rId31"/>
-    <p:sldId id="320" r:id="rId32"/>
-    <p:sldId id="323" r:id="rId33"/>
-    <p:sldId id="326" r:id="rId34"/>
-    <p:sldId id="324" r:id="rId35"/>
-    <p:sldId id="321" r:id="rId36"/>
-    <p:sldId id="322" r:id="rId37"/>
-    <p:sldId id="328" r:id="rId38"/>
-    <p:sldId id="330" r:id="rId39"/>
-    <p:sldId id="272" r:id="rId40"/>
-    <p:sldId id="331" r:id="rId41"/>
-    <p:sldId id="363" r:id="rId42"/>
-    <p:sldId id="342" r:id="rId43"/>
-    <p:sldId id="275" r:id="rId44"/>
-    <p:sldId id="343" r:id="rId45"/>
-    <p:sldId id="344" r:id="rId46"/>
-    <p:sldId id="345" r:id="rId47"/>
-    <p:sldId id="273" r:id="rId48"/>
-    <p:sldId id="374" r:id="rId49"/>
-    <p:sldId id="279" r:id="rId50"/>
-    <p:sldId id="337" r:id="rId51"/>
-    <p:sldId id="278" r:id="rId52"/>
-    <p:sldId id="316" r:id="rId53"/>
-    <p:sldId id="338" r:id="rId54"/>
+    <p:sldId id="369" r:id="rId14"/>
+    <p:sldId id="368" r:id="rId15"/>
+    <p:sldId id="352" r:id="rId16"/>
+    <p:sldId id="353" r:id="rId17"/>
+    <p:sldId id="355" r:id="rId18"/>
+    <p:sldId id="370" r:id="rId19"/>
+    <p:sldId id="356" r:id="rId20"/>
+    <p:sldId id="309" r:id="rId21"/>
+    <p:sldId id="339" r:id="rId22"/>
+    <p:sldId id="359" r:id="rId23"/>
+    <p:sldId id="358" r:id="rId24"/>
+    <p:sldId id="357" r:id="rId25"/>
+    <p:sldId id="362" r:id="rId26"/>
+    <p:sldId id="335" r:id="rId27"/>
+    <p:sldId id="336" r:id="rId28"/>
+    <p:sldId id="318" r:id="rId29"/>
+    <p:sldId id="341" r:id="rId30"/>
+    <p:sldId id="320" r:id="rId31"/>
+    <p:sldId id="323" r:id="rId32"/>
+    <p:sldId id="326" r:id="rId33"/>
+    <p:sldId id="324" r:id="rId34"/>
+    <p:sldId id="321" r:id="rId35"/>
+    <p:sldId id="322" r:id="rId36"/>
+    <p:sldId id="328" r:id="rId37"/>
+    <p:sldId id="330" r:id="rId38"/>
+    <p:sldId id="272" r:id="rId39"/>
+    <p:sldId id="331" r:id="rId40"/>
+    <p:sldId id="363" r:id="rId41"/>
+    <p:sldId id="342" r:id="rId42"/>
+    <p:sldId id="275" r:id="rId43"/>
+    <p:sldId id="343" r:id="rId44"/>
+    <p:sldId id="344" r:id="rId45"/>
+    <p:sldId id="345" r:id="rId46"/>
+    <p:sldId id="273" r:id="rId47"/>
+    <p:sldId id="374" r:id="rId48"/>
+    <p:sldId id="279" r:id="rId49"/>
+    <p:sldId id="337" r:id="rId50"/>
+    <p:sldId id="278" r:id="rId51"/>
+    <p:sldId id="316" r:id="rId52"/>
+    <p:sldId id="338" r:id="rId53"/>
   </p:sldIdLst>
   <p:sldSz cx="9144000" cy="6858000" type="screen4x3"/>
   <p:notesSz cx="6858000" cy="9144000"/>
@@ -3946,9 +3945,18 @@
           <a:lstStyle/>
           <a:p>
             <a:r>
-              <a:rPr lang="en-US"/>
-              <a:t>Zelig Models</a:t>
-            </a:r>
+              <a:rPr lang="en-US" dirty="0" smtClean="0"/>
+              <a:t>Structure of a </a:t>
+            </a:r>
+            <a:r>
+              <a:rPr lang="en-US" dirty="0" err="1" smtClean="0"/>
+              <a:t>Zelig</a:t>
+            </a:r>
+            <a:r>
+              <a:rPr lang="en-US" dirty="0" smtClean="0"/>
+              <a:t> Package</a:t>
+            </a:r>
+            <a:endParaRPr lang="en-US" dirty="0"/>
           </a:p>
         </p:txBody>
       </p:sp>
@@ -3964,44 +3972,159 @@
         </p:nvSpPr>
         <p:spPr/>
         <p:txBody>
-          <a:bodyPr/>
-          <a:lstStyle/>
-          <a:p>
-            <a:r>
-              <a:rPr lang="en-US"/>
-              <a:t>Zelig models are made up of three distinct methods:</a:t>
+          <a:bodyPr>
+            <a:normAutofit/>
+          </a:bodyPr>
+          <a:lstStyle/>
+          <a:p>
+            <a:r>
+              <a:rPr lang="en-US" dirty="0" smtClean="0"/>
+              <a:t>A </a:t>
+            </a:r>
+            <a:r>
+              <a:rPr lang="en-US" dirty="0" err="1" smtClean="0"/>
+              <a:t>Zelig</a:t>
+            </a:r>
+            <a:r>
+              <a:rPr lang="en-US" dirty="0" smtClean="0"/>
+              <a:t> package is an R package</a:t>
+            </a:r>
+          </a:p>
+          <a:p>
+            <a:r>
+              <a:rPr lang="en-US" dirty="0" smtClean="0"/>
+              <a:t>Each package contains </a:t>
+            </a:r>
+            <a:r>
+              <a:rPr lang="en-US" b="1" dirty="0" smtClean="0"/>
+              <a:t>one or more </a:t>
+            </a:r>
+            <a:r>
+              <a:rPr lang="en-US" dirty="0" smtClean="0"/>
+              <a:t>models</a:t>
+            </a:r>
+          </a:p>
+          <a:p>
+            <a:r>
+              <a:rPr lang="en-US" dirty="0" smtClean="0"/>
+              <a:t>Each model comprises </a:t>
+            </a:r>
+            <a:r>
+              <a:rPr lang="en-US" b="1" dirty="0" smtClean="0"/>
+              <a:t>three</a:t>
+            </a:r>
+            <a:r>
+              <a:rPr lang="en-US" dirty="0" smtClean="0"/>
+              <a:t> methods:</a:t>
             </a:r>
           </a:p>
           <a:p>
             <a:pPr lvl="1"/>
             <a:r>
               <a:rPr lang="en-US"/>
-              <a:t>Fitting the statistical model (zelig2 method)</a:t>
+              <a:t>zelig2</a:t>
+            </a:r>
+            <a:r>
+              <a:rPr lang="en-US" i="1">
+                <a:solidFill>
+                  <a:schemeClr val="bg1">
+                    <a:lumMod val="50000"/>
+                  </a:schemeClr>
+                </a:solidFill>
+              </a:rPr>
+              <a:t>&lt;model-name&gt;</a:t>
+            </a:r>
+            <a:r>
+              <a:rPr lang="en-US">
+                <a:solidFill>
+                  <a:schemeClr val="bg1">
+                    <a:lumMod val="50000"/>
+                  </a:schemeClr>
+                </a:solidFill>
+              </a:rPr>
+              <a:t> </a:t>
+            </a:r>
+            <a:r>
+              <a:rPr lang="en-US" sz="2600"/>
+              <a:t>(Fitting the statistical model)</a:t>
             </a:r>
           </a:p>
           <a:p>
             <a:pPr lvl="1"/>
             <a:r>
               <a:rPr lang="en-US"/>
-              <a:t>Simulating parameters (param method)</a:t>
+              <a:t>param.</a:t>
+            </a:r>
+            <a:r>
+              <a:rPr lang="en-US" i="1">
+                <a:solidFill>
+                  <a:srgbClr val="7F7F7F"/>
+                </a:solidFill>
+              </a:rPr>
+              <a:t>&lt;model-name&gt;</a:t>
+            </a:r>
+            <a:r>
+              <a:rPr lang="en-US">
+                <a:solidFill>
+                  <a:srgbClr val="7F7F7F"/>
+                </a:solidFill>
+              </a:rPr>
+              <a:t> </a:t>
+            </a:r>
+            <a:r>
+              <a:rPr lang="en-US" sz="2600"/>
+              <a:t>(Simulate parameters)</a:t>
             </a:r>
           </a:p>
           <a:p>
             <a:pPr lvl="1"/>
             <a:r>
               <a:rPr lang="en-US"/>
-              <a:t>Simulating quantities of interest (qi method)</a:t>
-            </a:r>
-          </a:p>
-          <a:p>
-            <a:r>
-              <a:rPr lang="en-US"/>
-              <a:t>An R-package can contain multiple zelig models</a:t>
+              <a:t>sim.</a:t>
+            </a:r>
+            <a:r>
+              <a:rPr lang="en-US" i="1">
+                <a:solidFill>
+                  <a:srgbClr val="7F7F7F"/>
+                </a:solidFill>
+              </a:rPr>
+              <a:t>&lt;model-name&gt;</a:t>
+            </a:r>
+            <a:r>
+              <a:rPr lang="en-US">
+                <a:solidFill>
+                  <a:srgbClr val="7F7F7F"/>
+                </a:solidFill>
+              </a:rPr>
+              <a:t> </a:t>
+            </a:r>
+            <a:r>
+              <a:rPr lang="en-US" sz="2600"/>
+              <a:t>(Simulate quantities of interest)</a:t>
+            </a:r>
+          </a:p>
+          <a:p>
+            <a:r>
+              <a:rPr lang="en-US" sz="3000"/>
+              <a:t>An R package can contain </a:t>
+            </a:r>
+            <a:r>
+              <a:rPr lang="en-US" sz="3000" b="1"/>
+              <a:t>multiple</a:t>
+            </a:r>
+            <a:r>
+              <a:rPr lang="en-US" sz="3000"/>
+              <a:t> Zelig models</a:t>
             </a:r>
           </a:p>
         </p:txBody>
       </p:sp>
     </p:spTree>
+    <p:extLst>
+      <p:ext uri="{BB962C8B-B14F-4D97-AF65-F5344CB8AC3E}">
+        <p14:creationId xmlns="" xmlns:a="http://schemas.openxmlformats.org/drawingml/2006/main" xmlns:r="http://schemas.openxmlformats.org/officeDocument/2006/relationships" xmlns:p="http://schemas.openxmlformats.org/presentationml/2006/main" xmlns:p14="http://schemas.microsoft.com/office/powerpoint/2010/main" xmlns:mv="urn:schemas-microsoft-com:mac:vml" xmlns:mc="http://schemas.openxmlformats.org/markup-compatibility/2006" val="2482753411"/>
+      </p:ext>
+    </p:extLst>
   </p:cSld>
   <p:clrMapOvr>
     <a:masterClrMapping/>
@@ -4049,18 +4172,9 @@
           <a:lstStyle/>
           <a:p>
             <a:r>
-              <a:rPr lang="en-US" dirty="0" smtClean="0"/>
-              <a:t>Structure of a </a:t>
-            </a:r>
-            <a:r>
-              <a:rPr lang="en-US" dirty="0" err="1" smtClean="0"/>
-              <a:t>Zelig</a:t>
-            </a:r>
-            <a:r>
-              <a:rPr lang="en-US" dirty="0" smtClean="0"/>
-              <a:t> Package</a:t>
-            </a:r>
-            <a:endParaRPr lang="en-US" dirty="0"/>
+              <a:rPr lang="en-US"/>
+              <a:t>A Typical Zelig Program</a:t>
+            </a:r>
           </a:p>
         </p:txBody>
       </p:sp>
@@ -4076,95 +4190,101 @@
         </p:nvSpPr>
         <p:spPr/>
         <p:txBody>
-          <a:bodyPr/>
-          <a:lstStyle/>
-          <a:p>
-            <a:r>
-              <a:rPr lang="en-US" dirty="0" smtClean="0"/>
-              <a:t>A </a:t>
-            </a:r>
-            <a:r>
-              <a:rPr lang="en-US" dirty="0" err="1" smtClean="0"/>
-              <a:t>Zelig</a:t>
-            </a:r>
-            <a:r>
-              <a:rPr lang="en-US" dirty="0" smtClean="0"/>
-              <a:t> package is an R package</a:t>
-            </a:r>
-          </a:p>
-          <a:p>
-            <a:r>
-              <a:rPr lang="en-US" dirty="0" smtClean="0"/>
-              <a:t>Each package contains </a:t>
-            </a:r>
-            <a:r>
-              <a:rPr lang="en-US" b="1" dirty="0" smtClean="0"/>
-              <a:t>one or more </a:t>
-            </a:r>
-            <a:r>
-              <a:rPr lang="en-US" dirty="0" smtClean="0"/>
-              <a:t>models</a:t>
-            </a:r>
-          </a:p>
-          <a:p>
-            <a:r>
-              <a:rPr lang="en-US" dirty="0" smtClean="0"/>
-              <a:t>Each model comprises </a:t>
-            </a:r>
-            <a:r>
-              <a:rPr lang="en-US" b="1" dirty="0" smtClean="0"/>
-              <a:t>three</a:t>
-            </a:r>
-            <a:r>
-              <a:rPr lang="en-US" dirty="0" smtClean="0"/>
-              <a:t> methods:</a:t>
+          <a:bodyPr>
+            <a:normAutofit lnSpcReduction="10000"/>
+          </a:bodyPr>
+          <a:lstStyle/>
+          <a:p>
+            <a:r>
+              <a:rPr lang="en-US"/>
+              <a:t>Users do not have access to these methods</a:t>
+            </a:r>
+          </a:p>
+          <a:p>
+            <a:r>
+              <a:rPr lang="en-US"/>
+              <a:t>Users use three </a:t>
+            </a:r>
+            <a:r>
+              <a:rPr lang="en-US" b="1"/>
+              <a:t>functions</a:t>
+            </a:r>
+            <a:r>
+              <a:rPr lang="en-US"/>
+              <a:t>:</a:t>
             </a:r>
           </a:p>
           <a:p>
             <a:pPr lvl="1"/>
             <a:r>
-              <a:rPr lang="en-US" dirty="0" smtClean="0"/>
+              <a:rPr lang="en-US"/>
+              <a:t>zelig</a:t>
+            </a:r>
+          </a:p>
+          <a:p>
+            <a:pPr lvl="1"/>
+            <a:r>
+              <a:rPr lang="en-US"/>
+              <a:t>setx</a:t>
+            </a:r>
+          </a:p>
+          <a:p>
+            <a:pPr lvl="1"/>
+            <a:r>
+              <a:rPr lang="en-US"/>
+              <a:t>sim</a:t>
+            </a:r>
+          </a:p>
+          <a:p>
+            <a:r>
+              <a:rPr lang="en-US"/>
+              <a:t>Developers write three </a:t>
+            </a:r>
+            <a:r>
+              <a:rPr lang="en-US" b="1"/>
+              <a:t>methods</a:t>
+            </a:r>
+            <a:r>
+              <a:rPr lang="en-US"/>
+              <a:t>:</a:t>
+            </a:r>
+          </a:p>
+          <a:p>
+            <a:pPr lvl="1"/>
+            <a:r>
+              <a:rPr lang="en-US"/>
               <a:t>zelig2</a:t>
             </a:r>
             <a:r>
-              <a:rPr lang="en-US" i="1" dirty="0" smtClean="0"/>
+              <a:rPr lang="en-US" i="1"/>
               <a:t>&lt;model-name&gt;</a:t>
             </a:r>
           </a:p>
           <a:p>
             <a:pPr lvl="1"/>
             <a:r>
-              <a:rPr lang="en-US" dirty="0" err="1" smtClean="0"/>
-              <a:t>param</a:t>
-            </a:r>
-            <a:r>
-              <a:rPr lang="en-US" dirty="0" smtClean="0"/>
-              <a:t>.</a:t>
-            </a:r>
-            <a:r>
-              <a:rPr lang="en-US" i="1" dirty="0" smtClean="0"/>
+              <a:rPr lang="en-US"/>
+              <a:t>param.</a:t>
+            </a:r>
+            <a:r>
+              <a:rPr lang="en-US" i="1"/>
               <a:t>&lt;model-name&gt;</a:t>
             </a:r>
           </a:p>
           <a:p>
             <a:pPr lvl="1"/>
             <a:r>
-              <a:rPr lang="en-US" dirty="0" smtClean="0"/>
+              <a:rPr lang="en-US"/>
               <a:t>qi.</a:t>
             </a:r>
             <a:r>
-              <a:rPr lang="en-US" i="1" dirty="0" smtClean="0"/>
+              <a:rPr lang="en-US" i="1"/>
               <a:t>&lt;model-name&gt;</a:t>
             </a:r>
           </a:p>
         </p:txBody>
       </p:sp>
     </p:spTree>
-    <p:extLst>
-      <p:ext uri="{BB962C8B-B14F-4D97-AF65-F5344CB8AC3E}">
-        <p14:creationId xmlns="" xmlns:a="http://schemas.openxmlformats.org/drawingml/2006/main" xmlns:r="http://schemas.openxmlformats.org/officeDocument/2006/relationships" xmlns:p="http://schemas.openxmlformats.org/presentationml/2006/main" xmlns:p14="http://schemas.microsoft.com/office/powerpoint/2010/main" xmlns:mv="urn:schemas-microsoft-com:mac:vml" xmlns:mc="http://schemas.openxmlformats.org/markup-compatibility/2006" val="2482753411"/>
-      </p:ext>
-    </p:extLst>
   </p:cSld>
   <p:clrMapOvr>
     <a:masterClrMapping/>
@@ -4180,158 +4300,6 @@
 </file>
 
 <file path=ppt/slides/slide15.xml><?xml version="1.0" encoding="utf-8"?>
-<p:sld xmlns:a="http://schemas.openxmlformats.org/drawingml/2006/main" xmlns:r="http://schemas.openxmlformats.org/officeDocument/2006/relationships" xmlns:mc="http://schemas.openxmlformats.org/markup-compatibility/2006" xmlns:mv="urn:schemas-microsoft-com:mac:vml" xmlns:p="http://schemas.openxmlformats.org/presentationml/2006/main" mc:Ignorable="mv" mc:PreserveAttributes="mv:*">
-  <p:cSld>
-    <p:spTree>
-      <p:nvGrpSpPr>
-        <p:cNvPr id="1" name=""/>
-        <p:cNvGrpSpPr/>
-        <p:nvPr/>
-      </p:nvGrpSpPr>
-      <p:grpSpPr>
-        <a:xfrm>
-          <a:off x="0" y="0"/>
-          <a:ext cx="0" cy="0"/>
-          <a:chOff x="0" y="0"/>
-          <a:chExt cx="0" cy="0"/>
-        </a:xfrm>
-      </p:grpSpPr>
-      <p:sp>
-        <p:nvSpPr>
-          <p:cNvPr id="2" name="Title 1"/>
-          <p:cNvSpPr>
-            <a:spLocks noGrp="1"/>
-          </p:cNvSpPr>
-          <p:nvPr>
-            <p:ph type="title"/>
-          </p:nvPr>
-        </p:nvSpPr>
-        <p:spPr/>
-        <p:txBody>
-          <a:bodyPr/>
-          <a:lstStyle/>
-          <a:p>
-            <a:r>
-              <a:rPr lang="en-US"/>
-              <a:t>A Typical Zelig Program</a:t>
-            </a:r>
-          </a:p>
-        </p:txBody>
-      </p:sp>
-      <p:sp>
-        <p:nvSpPr>
-          <p:cNvPr id="3" name="Content Placeholder 2"/>
-          <p:cNvSpPr>
-            <a:spLocks noGrp="1"/>
-          </p:cNvSpPr>
-          <p:nvPr>
-            <p:ph idx="1"/>
-          </p:nvPr>
-        </p:nvSpPr>
-        <p:spPr/>
-        <p:txBody>
-          <a:bodyPr/>
-          <a:lstStyle/>
-          <a:p>
-            <a:r>
-              <a:rPr lang="en-US"/>
-              <a:t>Users use three </a:t>
-            </a:r>
-            <a:r>
-              <a:rPr lang="en-US" b="1"/>
-              <a:t>functions</a:t>
-            </a:r>
-            <a:r>
-              <a:rPr lang="en-US"/>
-              <a:t>:</a:t>
-            </a:r>
-          </a:p>
-          <a:p>
-            <a:pPr lvl="1"/>
-            <a:r>
-              <a:rPr lang="en-US"/>
-              <a:t>zelig</a:t>
-            </a:r>
-          </a:p>
-          <a:p>
-            <a:pPr lvl="1"/>
-            <a:r>
-              <a:rPr lang="en-US"/>
-              <a:t>setx</a:t>
-            </a:r>
-          </a:p>
-          <a:p>
-            <a:pPr lvl="1"/>
-            <a:r>
-              <a:rPr lang="en-US"/>
-              <a:t>sim</a:t>
-            </a:r>
-          </a:p>
-          <a:p>
-            <a:r>
-              <a:rPr lang="en-US"/>
-              <a:t>Developers write three </a:t>
-            </a:r>
-            <a:r>
-              <a:rPr lang="en-US" b="1"/>
-              <a:t>methods</a:t>
-            </a:r>
-            <a:r>
-              <a:rPr lang="en-US"/>
-              <a:t>:</a:t>
-            </a:r>
-          </a:p>
-          <a:p>
-            <a:pPr lvl="1"/>
-            <a:r>
-              <a:rPr lang="en-US"/>
-              <a:t>zelig2</a:t>
-            </a:r>
-            <a:r>
-              <a:rPr lang="en-US" i="1"/>
-              <a:t>&lt;model-name&gt;</a:t>
-            </a:r>
-          </a:p>
-          <a:p>
-            <a:pPr lvl="1"/>
-            <a:r>
-              <a:rPr lang="en-US"/>
-              <a:t>param.</a:t>
-            </a:r>
-            <a:r>
-              <a:rPr lang="en-US" i="1"/>
-              <a:t>&lt;model-name&gt;</a:t>
-            </a:r>
-          </a:p>
-          <a:p>
-            <a:pPr lvl="1"/>
-            <a:r>
-              <a:rPr lang="en-US"/>
-              <a:t>qi.</a:t>
-            </a:r>
-            <a:r>
-              <a:rPr lang="en-US" i="1"/>
-              <a:t>&lt;model-name&gt;</a:t>
-            </a:r>
-          </a:p>
-        </p:txBody>
-      </p:sp>
-    </p:spTree>
-  </p:cSld>
-  <p:clrMapOvr>
-    <a:masterClrMapping/>
-  </p:clrMapOvr>
-  <p:timing>
-    <p:tnLst>
-      <p:par>
-        <p:cTn id="1" dur="indefinite" restart="never" nodeType="tmRoot"/>
-      </p:par>
-    </p:tnLst>
-  </p:timing>
-</p:sld>
-</file>
-
-<file path=ppt/slides/slide16.xml><?xml version="1.0" encoding="utf-8"?>
 <p:sld xmlns:a="http://schemas.openxmlformats.org/drawingml/2006/main" xmlns:r="http://schemas.openxmlformats.org/officeDocument/2006/relationships" xmlns:mc="http://schemas.openxmlformats.org/markup-compatibility/2006" xmlns:mv="urn:schemas-microsoft-com:mac:vml" xmlns:p="http://schemas.openxmlformats.org/presentationml/2006/main" mc:Ignorable="mv" mc:PreserveAttributes="mv:*">
   <p:cSld>
     <p:spTree>
@@ -4849,7 +4817,7 @@
 </p:sld>
 </file>
 
-<file path=ppt/slides/slide17.xml><?xml version="1.0" encoding="utf-8"?>
+<file path=ppt/slides/slide16.xml><?xml version="1.0" encoding="utf-8"?>
 <p:sld xmlns:a="http://schemas.openxmlformats.org/drawingml/2006/main" xmlns:r="http://schemas.openxmlformats.org/officeDocument/2006/relationships" xmlns:mc="http://schemas.openxmlformats.org/markup-compatibility/2006" xmlns:mv="urn:schemas-microsoft-com:mac:vml" xmlns:p="http://schemas.openxmlformats.org/presentationml/2006/main" mc:Ignorable="mv" mc:PreserveAttributes="mv:*">
   <p:cSld>
     <p:spTree>
@@ -5938,7 +5906,7 @@
 </p:sld>
 </file>
 
-<file path=ppt/slides/slide18.xml><?xml version="1.0" encoding="utf-8"?>
+<file path=ppt/slides/slide17.xml><?xml version="1.0" encoding="utf-8"?>
 <p:sld xmlns:a="http://schemas.openxmlformats.org/drawingml/2006/main" xmlns:r="http://schemas.openxmlformats.org/officeDocument/2006/relationships" xmlns:mc="http://schemas.openxmlformats.org/markup-compatibility/2006" xmlns:mv="urn:schemas-microsoft-com:mac:vml" xmlns:p="http://schemas.openxmlformats.org/presentationml/2006/main" mc:Ignorable="mv" mc:PreserveAttributes="mv:*">
   <p:cSld>
     <p:spTree>
@@ -6151,7 +6119,7 @@
             </a:r>
             <a:r>
               <a:rPr lang="en-US" sz="2000" i="1"/>
-              <a:t>&lt;model-name&gt;</a:t>
+              <a:t>logit</a:t>
             </a:r>
             <a:r>
               <a:rPr lang="en-US" sz="2000"/>
@@ -6255,7 +6223,7 @@
             </a:r>
             <a:r>
               <a:rPr lang="en-US" sz="2000" i="1"/>
-              <a:t>&lt;model-name&gt;</a:t>
+              <a:t>logit</a:t>
             </a:r>
             <a:r>
               <a:rPr lang="en-US" sz="2000"/>
@@ -6273,7 +6241,7 @@
             </a:r>
             <a:r>
               <a:rPr lang="en-US" sz="2000" i="1"/>
-              <a:t>&lt;model-name&gt;</a:t>
+              <a:t>logit</a:t>
             </a:r>
             <a:r>
               <a:rPr lang="en-US" sz="2000"/>
@@ -6456,6 +6424,126 @@
 </p:sld>
 </file>
 
+<file path=ppt/slides/slide18.xml><?xml version="1.0" encoding="utf-8"?>
+<p:sld xmlns:a="http://schemas.openxmlformats.org/drawingml/2006/main" xmlns:r="http://schemas.openxmlformats.org/officeDocument/2006/relationships" xmlns:mc="http://schemas.openxmlformats.org/markup-compatibility/2006" xmlns:mv="urn:schemas-microsoft-com:mac:vml" xmlns:p="http://schemas.openxmlformats.org/presentationml/2006/main" mc:Ignorable="mv" mc:PreserveAttributes="mv:*">
+  <p:cSld>
+    <p:spTree>
+      <p:nvGrpSpPr>
+        <p:cNvPr id="1" name=""/>
+        <p:cNvGrpSpPr/>
+        <p:nvPr/>
+      </p:nvGrpSpPr>
+      <p:grpSpPr>
+        <a:xfrm>
+          <a:off x="0" y="0"/>
+          <a:ext cx="0" cy="0"/>
+          <a:chOff x="0" y="0"/>
+          <a:chExt cx="0" cy="0"/>
+        </a:xfrm>
+      </p:grpSpPr>
+      <p:sp>
+        <p:nvSpPr>
+          <p:cNvPr id="2" name="Title 1"/>
+          <p:cNvSpPr>
+            <a:spLocks noGrp="1"/>
+          </p:cNvSpPr>
+          <p:nvPr>
+            <p:ph type="title"/>
+          </p:nvPr>
+        </p:nvSpPr>
+        <p:spPr/>
+        <p:txBody>
+          <a:bodyPr/>
+          <a:lstStyle/>
+          <a:p>
+            <a:r>
+              <a:rPr lang="en-US"/>
+              <a:t>An </a:t>
+            </a:r>
+            <a:r>
+              <a:rPr lang="en-US" b="1"/>
+              <a:t>Atypical </a:t>
+            </a:r>
+            <a:r>
+              <a:rPr lang="en-US"/>
+              <a:t>Zelig Program</a:t>
+            </a:r>
+          </a:p>
+        </p:txBody>
+      </p:sp>
+      <p:sp>
+        <p:nvSpPr>
+          <p:cNvPr id="3" name="Content Placeholder 2"/>
+          <p:cNvSpPr>
+            <a:spLocks noGrp="1"/>
+          </p:cNvSpPr>
+          <p:nvPr>
+            <p:ph idx="1"/>
+          </p:nvPr>
+        </p:nvSpPr>
+        <p:spPr/>
+        <p:txBody>
+          <a:bodyPr/>
+          <a:lstStyle/>
+          <a:p>
+            <a:r>
+              <a:rPr lang="en-US"/>
+              <a:t>"setx" and "sim" are </a:t>
+            </a:r>
+            <a:r>
+              <a:rPr lang="en-US" b="1"/>
+              <a:t>generic functions</a:t>
+            </a:r>
+            <a:endParaRPr lang="en-US"/>
+          </a:p>
+          <a:p>
+            <a:r>
+              <a:rPr lang="en-US"/>
+              <a:t>A model can override the default "setx" and "sim" functions, by writing the functions:</a:t>
+            </a:r>
+          </a:p>
+          <a:p>
+            <a:pPr lvl="1"/>
+            <a:r>
+              <a:rPr lang="en-US"/>
+              <a:t>setx.</a:t>
+            </a:r>
+            <a:r>
+              <a:rPr lang="en-US" i="1"/>
+              <a:t>&lt;model-name&gt;</a:t>
+            </a:r>
+          </a:p>
+          <a:p>
+            <a:pPr lvl="1"/>
+            <a:r>
+              <a:rPr lang="en-US"/>
+              <a:t>sim.</a:t>
+            </a:r>
+            <a:r>
+              <a:rPr lang="en-US" i="1"/>
+              <a:t>&lt;model-name&gt;</a:t>
+            </a:r>
+            <a:r>
+              <a:rPr lang="en-US"/>
+              <a:t> </a:t>
+            </a:r>
+          </a:p>
+          <a:p>
+            <a:r>
+              <a:rPr lang="en-US"/>
+              <a:t>This will not be covered today</a:t>
+            </a:r>
+          </a:p>
+        </p:txBody>
+      </p:sp>
+    </p:spTree>
+  </p:cSld>
+  <p:clrMapOvr>
+    <a:masterClrMapping/>
+  </p:clrMapOvr>
+</p:sld>
+</file>
+
 <file path=ppt/slides/slide19.xml><?xml version="1.0" encoding="utf-8"?>
 <p:sld xmlns:a="http://schemas.openxmlformats.org/drawingml/2006/main" xmlns:r="http://schemas.openxmlformats.org/officeDocument/2006/relationships" xmlns:mc="http://schemas.openxmlformats.org/markup-compatibility/2006" xmlns:mv="urn:schemas-microsoft-com:mac:vml" xmlns:p="http://schemas.openxmlformats.org/presentationml/2006/main" mc:Ignorable="mv" mc:PreserveAttributes="mv:*">
   <p:cSld>
@@ -6490,81 +6578,95 @@
           <a:p>
             <a:r>
               <a:rPr lang="en-US"/>
-              <a:t>An </a:t>
+              <a:t>Overview</a:t>
+            </a:r>
+          </a:p>
+        </p:txBody>
+      </p:sp>
+      <p:sp>
+        <p:nvSpPr>
+          <p:cNvPr id="3" name="Content Placeholder 2"/>
+          <p:cNvSpPr>
+            <a:spLocks noGrp="1"/>
+          </p:cNvSpPr>
+          <p:nvPr>
+            <p:ph idx="1"/>
+          </p:nvPr>
+        </p:nvSpPr>
+        <p:spPr/>
+        <p:txBody>
+          <a:bodyPr>
+            <a:normAutofit lnSpcReduction="10000"/>
+          </a:bodyPr>
+          <a:lstStyle/>
+          <a:p>
+            <a:r>
+              <a:rPr lang="en-US"/>
+              <a:t>Writing a zelig model is a three-stage process:</a:t>
+            </a:r>
+          </a:p>
+          <a:p>
+            <a:pPr lvl="1"/>
+            <a:r>
+              <a:rPr lang="en-US"/>
+              <a:t>zelig2 method</a:t>
+            </a:r>
+          </a:p>
+          <a:p>
+            <a:pPr lvl="1"/>
+            <a:r>
+              <a:rPr lang="en-US"/>
+              <a:t>param method</a:t>
+            </a:r>
+          </a:p>
+          <a:p>
+            <a:pPr lvl="1"/>
+            <a:r>
+              <a:rPr lang="en-US"/>
+              <a:t>qi method</a:t>
+            </a:r>
+          </a:p>
+          <a:p>
+            <a:r>
+              <a:rPr lang="en-US"/>
+              <a:t>These correspond to</a:t>
+            </a:r>
+          </a:p>
+          <a:p>
+            <a:pPr lvl="1"/>
+            <a:r>
+              <a:rPr lang="en-US"/>
+              <a:t>Fitting the statistical model (zelig2)</a:t>
+            </a:r>
+          </a:p>
+          <a:p>
+            <a:pPr lvl="1"/>
+            <a:r>
+              <a:rPr lang="en-US"/>
+              <a:t>Parameter simulation (param)</a:t>
+            </a:r>
+          </a:p>
+          <a:p>
+            <a:pPr lvl="1"/>
+            <a:r>
+              <a:rPr lang="en-US"/>
+              <a:t>Quantity of interest simulation (qi)</a:t>
+            </a:r>
+          </a:p>
+          <a:p>
+            <a:r>
+              <a:rPr lang="en-US"/>
+              <a:t>Users </a:t>
             </a:r>
             <a:r>
               <a:rPr lang="en-US" b="1"/>
-              <a:t>Atypical </a:t>
-            </a:r>
-            <a:r>
-              <a:rPr lang="en-US"/>
-              <a:t>Zelig Program</a:t>
-            </a:r>
-          </a:p>
-        </p:txBody>
-      </p:sp>
-      <p:sp>
-        <p:nvSpPr>
-          <p:cNvPr id="3" name="Content Placeholder 2"/>
-          <p:cNvSpPr>
-            <a:spLocks noGrp="1"/>
-          </p:cNvSpPr>
-          <p:nvPr>
-            <p:ph idx="1"/>
-          </p:nvPr>
-        </p:nvSpPr>
-        <p:spPr/>
-        <p:txBody>
-          <a:bodyPr/>
-          <a:lstStyle/>
-          <a:p>
-            <a:r>
-              <a:rPr lang="en-US"/>
-              <a:t>"setx" and "sim" are </a:t>
-            </a:r>
-            <a:r>
-              <a:rPr lang="en-US" b="1"/>
-              <a:t>generic functions</a:t>
+              <a:t>do not</a:t>
+            </a:r>
+            <a:r>
+              <a:rPr lang="en-US"/>
+              <a:t> directly call these methods</a:t>
             </a:r>
             <a:endParaRPr lang="en-US"/>
-          </a:p>
-          <a:p>
-            <a:r>
-              <a:rPr lang="en-US"/>
-              <a:t>A model can override the default "setx" and "sim" functions, by writing the functions:</a:t>
-            </a:r>
-          </a:p>
-          <a:p>
-            <a:pPr lvl="1"/>
-            <a:r>
-              <a:rPr lang="en-US"/>
-              <a:t>setx.</a:t>
-            </a:r>
-            <a:r>
-              <a:rPr lang="en-US" i="1"/>
-              <a:t>&lt;model-name&gt;</a:t>
-            </a:r>
-          </a:p>
-          <a:p>
-            <a:pPr lvl="1"/>
-            <a:r>
-              <a:rPr lang="en-US"/>
-              <a:t>sim.</a:t>
-            </a:r>
-            <a:r>
-              <a:rPr lang="en-US" i="1"/>
-              <a:t>&lt;model-name&gt;</a:t>
-            </a:r>
-            <a:r>
-              <a:rPr lang="en-US"/>
-              <a:t> </a:t>
-            </a:r>
-          </a:p>
-          <a:p>
-            <a:r>
-              <a:rPr lang="en-US"/>
-              <a:t>This will not be covered today</a:t>
-            </a:r>
           </a:p>
         </p:txBody>
       </p:sp>
@@ -6573,6 +6675,13 @@
   <p:clrMapOvr>
     <a:masterClrMapping/>
   </p:clrMapOvr>
+  <p:timing>
+    <p:tnLst>
+      <p:par>
+        <p:cTn id="1" dur="indefinite" restart="never" nodeType="tmRoot"/>
+      </p:par>
+    </p:tnLst>
+  </p:timing>
 </p:sld>
 </file>
 
@@ -6798,7 +6907,7 @@
             <a:spLocks noGrp="1"/>
           </p:cNvSpPr>
           <p:nvPr>
-            <p:ph type="title"/>
+            <p:ph type="ctrTitle"/>
           </p:nvPr>
         </p:nvSpPr>
         <p:spPr/>
@@ -6807,20 +6916,21 @@
           <a:lstStyle/>
           <a:p>
             <a:r>
-              <a:rPr lang="en-US"/>
-              <a:t>Overview</a:t>
-            </a:r>
-          </a:p>
-        </p:txBody>
-      </p:sp>
-      <p:sp>
-        <p:nvSpPr>
-          <p:cNvPr id="3" name="Content Placeholder 2"/>
-          <p:cNvSpPr>
-            <a:spLocks noGrp="1"/>
-          </p:cNvSpPr>
-          <p:nvPr>
-            <p:ph idx="1"/>
+              <a:rPr lang="en-US" dirty="0" smtClean="0"/>
+              <a:t>Creating a Statistical Package</a:t>
+            </a:r>
+            <a:endParaRPr lang="en-US" dirty="0"/>
+          </a:p>
+        </p:txBody>
+      </p:sp>
+      <p:sp>
+        <p:nvSpPr>
+          <p:cNvPr id="5" name="Subtitle 4"/>
+          <p:cNvSpPr>
+            <a:spLocks noGrp="1"/>
+          </p:cNvSpPr>
+          <p:nvPr>
+            <p:ph type="subTitle" idx="1"/>
           </p:nvPr>
         </p:nvSpPr>
         <p:spPr/>
@@ -6828,62 +6938,16 @@
           <a:bodyPr/>
           <a:lstStyle/>
           <a:p>
-            <a:r>
-              <a:rPr lang="en-US"/>
-              <a:t>Writing a zelig model is a three-stage process:</a:t>
-            </a:r>
-          </a:p>
-          <a:p>
-            <a:pPr lvl="1"/>
-            <a:r>
-              <a:rPr lang="en-US"/>
-              <a:t>zelig2 method</a:t>
-            </a:r>
-          </a:p>
-          <a:p>
-            <a:pPr lvl="1"/>
-            <a:r>
-              <a:rPr lang="en-US"/>
-              <a:t>param method</a:t>
-            </a:r>
-          </a:p>
-          <a:p>
-            <a:pPr lvl="1"/>
-            <a:r>
-              <a:rPr lang="en-US"/>
-              <a:t>qi method</a:t>
-            </a:r>
-          </a:p>
-          <a:p>
-            <a:r>
-              <a:rPr lang="en-US"/>
-              <a:t>These correspond to</a:t>
-            </a:r>
-          </a:p>
-          <a:p>
-            <a:pPr lvl="1"/>
-            <a:r>
-              <a:rPr lang="en-US"/>
-              <a:t>Fitting the statistical model (zelig2)</a:t>
-            </a:r>
-          </a:p>
-          <a:p>
-            <a:pPr lvl="1"/>
-            <a:r>
-              <a:rPr lang="en-US"/>
-              <a:t>Parameter simulation (param)</a:t>
-            </a:r>
-          </a:p>
-          <a:p>
-            <a:pPr lvl="1"/>
-            <a:r>
-              <a:rPr lang="en-US"/>
-              <a:t>Quantity of interest simulation (qi)</a:t>
-            </a:r>
+            <a:endParaRPr lang="en-US"/>
           </a:p>
         </p:txBody>
       </p:sp>
     </p:spTree>
+    <p:extLst>
+      <p:ext uri="{BB962C8B-B14F-4D97-AF65-F5344CB8AC3E}">
+        <p14:creationId xmlns="" xmlns:a="http://schemas.openxmlformats.org/drawingml/2006/main" xmlns:r="http://schemas.openxmlformats.org/officeDocument/2006/relationships" xmlns:p="http://schemas.openxmlformats.org/presentationml/2006/main" xmlns:p14="http://schemas.microsoft.com/office/powerpoint/2010/main" xmlns:mv="urn:schemas-microsoft-com:mac:vml" xmlns:mc="http://schemas.openxmlformats.org/markup-compatibility/2006" val="3700335886"/>
+      </p:ext>
+    </p:extLst>
   </p:cSld>
   <p:clrMapOvr>
     <a:masterClrMapping/>
@@ -6922,7 +6986,7 @@
             <a:spLocks noGrp="1"/>
           </p:cNvSpPr>
           <p:nvPr>
-            <p:ph type="ctrTitle"/>
+            <p:ph type="title"/>
           </p:nvPr>
         </p:nvSpPr>
         <p:spPr/>
@@ -6931,38 +6995,61 @@
           <a:lstStyle/>
           <a:p>
             <a:r>
-              <a:rPr lang="en-US" dirty="0" smtClean="0"/>
-              <a:t>Creating a Statistical Package</a:t>
-            </a:r>
-            <a:endParaRPr lang="en-US" dirty="0"/>
-          </a:p>
-        </p:txBody>
-      </p:sp>
-      <p:sp>
-        <p:nvSpPr>
-          <p:cNvPr id="5" name="Subtitle 4"/>
-          <p:cNvSpPr>
-            <a:spLocks noGrp="1"/>
-          </p:cNvSpPr>
-          <p:nvPr>
-            <p:ph type="subTitle" idx="1"/>
+              <a:rPr lang="en-US"/>
+              <a:t>Basics</a:t>
+            </a:r>
+          </a:p>
+        </p:txBody>
+      </p:sp>
+      <p:sp>
+        <p:nvSpPr>
+          <p:cNvPr id="3" name="Content Placeholder 2"/>
+          <p:cNvSpPr>
+            <a:spLocks noGrp="1"/>
+          </p:cNvSpPr>
+          <p:nvPr>
+            <p:ph idx="1"/>
           </p:nvPr>
         </p:nvSpPr>
         <p:spPr/>
         <p:txBody>
-          <a:bodyPr/>
-          <a:lstStyle/>
-          <a:p>
-            <a:endParaRPr lang="en-US"/>
+          <a:bodyPr>
+            <a:normAutofit/>
+          </a:bodyPr>
+          <a:lstStyle/>
+          <a:p>
+            <a:r>
+              <a:rPr lang="en-US" b="1">
+                <a:latin typeface="Courier New"/>
+                <a:cs typeface="Courier New"/>
+              </a:rPr>
+              <a:t>help("package.skeleton")</a:t>
+            </a:r>
+          </a:p>
+          <a:p>
+            <a:r>
+              <a:rPr lang="en-US"/>
+              <a:t>"package.skeleton" creates the outline of a statistical package (creates all necessary files/folders)</a:t>
+            </a:r>
+          </a:p>
+          <a:p>
+            <a:r>
+              <a:rPr lang="en-US" b="1">
+                <a:latin typeface="Courier New"/>
+                <a:cs typeface="Courier New"/>
+              </a:rPr>
+              <a:t>help("zelig.skeleton", "Zelig")</a:t>
+            </a:r>
+          </a:p>
+          <a:p>
+            <a:r>
+              <a:rPr lang="en-US"/>
+              <a:t>"zelig.skeleton" behaves identically except it follows a pattern more useful for Zelig packages</a:t>
+            </a:r>
           </a:p>
         </p:txBody>
       </p:sp>
     </p:spTree>
-    <p:extLst>
-      <p:ext uri="{BB962C8B-B14F-4D97-AF65-F5344CB8AC3E}">
-        <p14:creationId xmlns="" xmlns:a="http://schemas.openxmlformats.org/drawingml/2006/main" xmlns:r="http://schemas.openxmlformats.org/officeDocument/2006/relationships" xmlns:p="http://schemas.openxmlformats.org/presentationml/2006/main" xmlns:p14="http://schemas.microsoft.com/office/powerpoint/2010/main" xmlns:mv="urn:schemas-microsoft-com:mac:vml" xmlns:mc="http://schemas.openxmlformats.org/markup-compatibility/2006" val="3700335886"/>
-      </p:ext>
-    </p:extLst>
   </p:cSld>
   <p:clrMapOvr>
     <a:masterClrMapping/>
@@ -7006,60 +7093,54 @@
         </p:nvSpPr>
         <p:spPr/>
         <p:txBody>
-          <a:bodyPr/>
-          <a:lstStyle/>
-          <a:p>
-            <a:r>
-              <a:rPr lang="en-US"/>
-              <a:t>Basics</a:t>
-            </a:r>
-          </a:p>
-        </p:txBody>
-      </p:sp>
-      <p:sp>
-        <p:nvSpPr>
-          <p:cNvPr id="3" name="Content Placeholder 2"/>
-          <p:cNvSpPr>
-            <a:spLocks noGrp="1"/>
-          </p:cNvSpPr>
-          <p:nvPr>
-            <p:ph idx="1"/>
-          </p:nvPr>
-        </p:nvSpPr>
-        <p:spPr/>
-        <p:txBody>
           <a:bodyPr>
             <a:normAutofit/>
           </a:bodyPr>
           <a:lstStyle/>
           <a:p>
             <a:r>
-              <a:rPr lang="en-US" b="1">
-                <a:latin typeface="Courier New"/>
-                <a:cs typeface="Courier New"/>
-              </a:rPr>
-              <a:t>help("package.skeleton")</a:t>
-            </a:r>
-          </a:p>
-          <a:p>
-            <a:r>
-              <a:rPr lang="en-US"/>
-              <a:t>"package.skeleton" creates the outline of a statistical package (creates all necessary files/folders)</a:t>
-            </a:r>
-          </a:p>
-          <a:p>
-            <a:r>
-              <a:rPr lang="en-US" b="1">
-                <a:latin typeface="Courier New"/>
-                <a:cs typeface="Courier New"/>
-              </a:rPr>
-              <a:t>help("zelig.skeleton", "Zelig")</a:t>
-            </a:r>
-          </a:p>
-          <a:p>
-            <a:r>
-              <a:rPr lang="en-US"/>
-              <a:t>"zelig.skeleton" behaves identically except it follows a pattern more useful for Zelig packages</a:t>
+              <a:rPr lang="en-US"/>
+              <a:t>Using "package.skeleton"</a:t>
+            </a:r>
+          </a:p>
+        </p:txBody>
+      </p:sp>
+      <p:sp>
+        <p:nvSpPr>
+          <p:cNvPr id="3" name="Content Placeholder 2"/>
+          <p:cNvSpPr>
+            <a:spLocks noGrp="1"/>
+          </p:cNvSpPr>
+          <p:nvPr>
+            <p:ph idx="1"/>
+          </p:nvPr>
+        </p:nvSpPr>
+        <p:spPr/>
+        <p:txBody>
+          <a:bodyPr/>
+          <a:lstStyle/>
+          <a:p>
+            <a:r>
+              <a:rPr lang="en-US"/>
+              <a:t>This creates a folder titled "SomePackage"</a:t>
+            </a:r>
+          </a:p>
+          <a:p>
+            <a:r>
+              <a:rPr lang="en-US"/>
+              <a:t>Create an R package with a single function "f"</a:t>
+            </a:r>
+          </a:p>
+          <a:p>
+            <a:r>
+              <a:rPr lang="en-US"/>
+              <a:t>Titles the package "SomePackage"</a:t>
+            </a:r>
+          </a:p>
+          <a:p>
+            <a:r>
+              <a:rPr lang="en-US"/>
+              <a:t>This package will not be "installable" until the author edits the ".Rd" files (found in the "man/" directory)</a:t>
             </a:r>
           </a:p>
         </p:txBody>
@@ -7108,55 +7189,160 @@
         </p:nvSpPr>
         <p:spPr/>
         <p:txBody>
+          <a:bodyPr/>
+          <a:lstStyle/>
+          <a:p>
+            <a:r>
+              <a:rPr lang="en-US"/>
+              <a:t>Using "package.skeleton"</a:t>
+            </a:r>
+          </a:p>
+        </p:txBody>
+      </p:sp>
+      <p:sp>
+        <p:nvSpPr>
+          <p:cNvPr id="3" name="Content Placeholder 2"/>
+          <p:cNvSpPr>
+            <a:spLocks noGrp="1"/>
+          </p:cNvSpPr>
+          <p:nvPr>
+            <p:ph idx="1"/>
+          </p:nvPr>
+        </p:nvSpPr>
+        <p:spPr/>
+        <p:txBody>
           <a:bodyPr>
-            <a:normAutofit/>
+            <a:noAutofit/>
           </a:bodyPr>
           <a:lstStyle/>
           <a:p>
-            <a:r>
-              <a:rPr lang="en-US"/>
-              <a:t>Using "package.skeleton"</a:t>
-            </a:r>
-          </a:p>
-        </p:txBody>
-      </p:sp>
-      <p:sp>
-        <p:nvSpPr>
-          <p:cNvPr id="3" name="Content Placeholder 2"/>
-          <p:cNvSpPr>
-            <a:spLocks noGrp="1"/>
-          </p:cNvSpPr>
-          <p:nvPr>
-            <p:ph idx="1"/>
-          </p:nvPr>
-        </p:nvSpPr>
-        <p:spPr/>
-        <p:txBody>
-          <a:bodyPr/>
-          <a:lstStyle/>
-          <a:p>
-            <a:r>
-              <a:rPr lang="en-US"/>
-              <a:t>This creates a folder titled "SomePackage"</a:t>
-            </a:r>
-          </a:p>
-          <a:p>
-            <a:r>
-              <a:rPr lang="en-US"/>
-              <a:t>Create an R package with a single function "f"</a:t>
-            </a:r>
-          </a:p>
-          <a:p>
-            <a:r>
-              <a:rPr lang="en-US"/>
-              <a:t>Titles the package "SomePackage"</a:t>
-            </a:r>
-          </a:p>
-          <a:p>
-            <a:r>
-              <a:rPr lang="en-US"/>
-              <a:t>This package will not be "installable" until the author edits the ".Rd" files (found in the "man/" directory)</a:t>
-            </a:r>
+            <a:pPr>
+              <a:buNone/>
+            </a:pPr>
+            <a:r>
+              <a:rPr lang="en-US" sz="1800" b="1">
+                <a:latin typeface="Courier New"/>
+                <a:cs typeface="Courier New"/>
+              </a:rPr>
+              <a:t>&gt; f &lt;- function (...) 1</a:t>
+            </a:r>
+          </a:p>
+          <a:p>
+            <a:pPr>
+              <a:buNone/>
+            </a:pPr>
+            <a:r>
+              <a:rPr lang="en-US" sz="1800" b="1">
+                <a:latin typeface="Courier New"/>
+                <a:cs typeface="Courier New"/>
+              </a:rPr>
+              <a:t>&gt; package.skeleton("SomePackage", "f")</a:t>
+            </a:r>
+          </a:p>
+          <a:p>
+            <a:pPr>
+              <a:buNone/>
+            </a:pPr>
+            <a:r>
+              <a:rPr lang="en-US" sz="1800">
+                <a:latin typeface="Courier New"/>
+                <a:cs typeface="Courier New"/>
+              </a:rPr>
+              <a:t>Creating directories ...</a:t>
+            </a:r>
+          </a:p>
+          <a:p>
+            <a:pPr>
+              <a:buNone/>
+            </a:pPr>
+            <a:r>
+              <a:rPr lang="en-US" sz="1800">
+                <a:latin typeface="Courier New"/>
+                <a:cs typeface="Courier New"/>
+              </a:rPr>
+              <a:t>Creating DESCRIPTION ...</a:t>
+            </a:r>
+          </a:p>
+          <a:p>
+            <a:pPr>
+              <a:buNone/>
+            </a:pPr>
+            <a:r>
+              <a:rPr lang="en-US" sz="1800">
+                <a:latin typeface="Courier New"/>
+                <a:cs typeface="Courier New"/>
+              </a:rPr>
+              <a:t>Creating Read-and-delete-me ...</a:t>
+            </a:r>
+          </a:p>
+          <a:p>
+            <a:pPr>
+              <a:buNone/>
+            </a:pPr>
+            <a:r>
+              <a:rPr lang="en-US" sz="1800">
+                <a:latin typeface="Courier New"/>
+                <a:cs typeface="Courier New"/>
+              </a:rPr>
+              <a:t>Saving functions and data ...</a:t>
+            </a:r>
+          </a:p>
+          <a:p>
+            <a:pPr>
+              <a:buNone/>
+            </a:pPr>
+            <a:r>
+              <a:rPr lang="en-US" sz="1800">
+                <a:latin typeface="Courier New"/>
+                <a:cs typeface="Courier New"/>
+              </a:rPr>
+              <a:t>Making help files ...</a:t>
+            </a:r>
+          </a:p>
+          <a:p>
+            <a:pPr>
+              <a:buNone/>
+            </a:pPr>
+            <a:r>
+              <a:rPr lang="en-US" sz="1800">
+                <a:latin typeface="Courier New"/>
+                <a:cs typeface="Courier New"/>
+              </a:rPr>
+              <a:t>Done.</a:t>
+            </a:r>
+          </a:p>
+          <a:p>
+            <a:pPr>
+              <a:buNone/>
+            </a:pPr>
+            <a:r>
+              <a:rPr lang="en-US" sz="1800">
+                <a:latin typeface="Courier New"/>
+                <a:cs typeface="Courier New"/>
+              </a:rPr>
+              <a:t>Further steps are described in './SomePackage/Read-and-delete-me'.</a:t>
+            </a:r>
+          </a:p>
+          <a:p>
+            <a:pPr>
+              <a:buNone/>
+            </a:pPr>
+            <a:r>
+              <a:rPr lang="en-US" sz="1800" b="1">
+                <a:latin typeface="Courier New"/>
+                <a:cs typeface="Courier New"/>
+              </a:rPr>
+              <a:t>&gt; </a:t>
+            </a:r>
+          </a:p>
+          <a:p>
+            <a:pPr>
+              <a:buNone/>
+            </a:pPr>
+            <a:endParaRPr lang="en-US" sz="1800" b="1">
+              <a:latin typeface="Courier New"/>
+              <a:cs typeface="Courier New"/>
+            </a:endParaRPr>
           </a:p>
         </p:txBody>
       </p:sp>
@@ -7204,160 +7390,71 @@
         </p:nvSpPr>
         <p:spPr/>
         <p:txBody>
+          <a:bodyPr>
+            <a:normAutofit/>
+          </a:bodyPr>
+          <a:lstStyle/>
+          <a:p>
+            <a:r>
+              <a:rPr lang="en-US"/>
+              <a:t>Using "package.skeleton"</a:t>
+            </a:r>
+          </a:p>
+        </p:txBody>
+      </p:sp>
+      <p:sp>
+        <p:nvSpPr>
+          <p:cNvPr id="3" name="Content Placeholder 2"/>
+          <p:cNvSpPr>
+            <a:spLocks noGrp="1"/>
+          </p:cNvSpPr>
+          <p:nvPr>
+            <p:ph idx="1"/>
+          </p:nvPr>
+        </p:nvSpPr>
+        <p:spPr/>
+        <p:txBody>
           <a:bodyPr/>
           <a:lstStyle/>
           <a:p>
             <a:r>
               <a:rPr lang="en-US"/>
-              <a:t>Using "package.skeleton"</a:t>
-            </a:r>
-          </a:p>
-        </p:txBody>
-      </p:sp>
-      <p:sp>
-        <p:nvSpPr>
-          <p:cNvPr id="3" name="Content Placeholder 2"/>
-          <p:cNvSpPr>
-            <a:spLocks noGrp="1"/>
-          </p:cNvSpPr>
-          <p:nvPr>
-            <p:ph idx="1"/>
-          </p:nvPr>
-        </p:nvSpPr>
-        <p:spPr/>
-        <p:txBody>
-          <a:bodyPr>
-            <a:noAutofit/>
-          </a:bodyPr>
-          <a:lstStyle/>
-          <a:p>
-            <a:pPr>
-              <a:buNone/>
-            </a:pPr>
-            <a:r>
-              <a:rPr lang="en-US" sz="1800" b="1">
-                <a:latin typeface="Courier New"/>
-                <a:cs typeface="Courier New"/>
-              </a:rPr>
-              <a:t>&gt; f &lt;- function (...) 1</a:t>
-            </a:r>
-          </a:p>
-          <a:p>
-            <a:pPr>
-              <a:buNone/>
-            </a:pPr>
-            <a:r>
-              <a:rPr lang="en-US" sz="1800" b="1">
-                <a:latin typeface="Courier New"/>
-                <a:cs typeface="Courier New"/>
-              </a:rPr>
-              <a:t>&gt; package.skeleton("SomePackage", "f")</a:t>
-            </a:r>
-          </a:p>
-          <a:p>
-            <a:pPr>
-              <a:buNone/>
-            </a:pPr>
-            <a:r>
-              <a:rPr lang="en-US" sz="1800">
-                <a:latin typeface="Courier New"/>
-                <a:cs typeface="Courier New"/>
-              </a:rPr>
-              <a:t>Creating directories ...</a:t>
-            </a:r>
-          </a:p>
-          <a:p>
-            <a:pPr>
-              <a:buNone/>
-            </a:pPr>
-            <a:r>
-              <a:rPr lang="en-US" sz="1800">
-                <a:latin typeface="Courier New"/>
-                <a:cs typeface="Courier New"/>
-              </a:rPr>
-              <a:t>Creating DESCRIPTION ...</a:t>
-            </a:r>
-          </a:p>
-          <a:p>
-            <a:pPr>
-              <a:buNone/>
-            </a:pPr>
-            <a:r>
-              <a:rPr lang="en-US" sz="1800">
-                <a:latin typeface="Courier New"/>
-                <a:cs typeface="Courier New"/>
-              </a:rPr>
-              <a:t>Creating Read-and-delete-me ...</a:t>
-            </a:r>
-          </a:p>
-          <a:p>
-            <a:pPr>
-              <a:buNone/>
-            </a:pPr>
-            <a:r>
-              <a:rPr lang="en-US" sz="1800">
-                <a:latin typeface="Courier New"/>
-                <a:cs typeface="Courier New"/>
-              </a:rPr>
-              <a:t>Saving functions and data ...</a:t>
-            </a:r>
-          </a:p>
-          <a:p>
-            <a:pPr>
-              <a:buNone/>
-            </a:pPr>
-            <a:r>
-              <a:rPr lang="en-US" sz="1800">
-                <a:latin typeface="Courier New"/>
-                <a:cs typeface="Courier New"/>
-              </a:rPr>
-              <a:t>Making help files ...</a:t>
-            </a:r>
-          </a:p>
-          <a:p>
-            <a:pPr>
-              <a:buNone/>
-            </a:pPr>
-            <a:r>
-              <a:rPr lang="en-US" sz="1800">
-                <a:latin typeface="Courier New"/>
-                <a:cs typeface="Courier New"/>
-              </a:rPr>
-              <a:t>Done.</a:t>
-            </a:r>
-          </a:p>
-          <a:p>
-            <a:pPr>
-              <a:buNone/>
-            </a:pPr>
-            <a:r>
-              <a:rPr lang="en-US" sz="1800">
-                <a:latin typeface="Courier New"/>
-                <a:cs typeface="Courier New"/>
-              </a:rPr>
-              <a:t>Further steps are described in './SomePackage/Read-and-delete-me'.</a:t>
-            </a:r>
-          </a:p>
-          <a:p>
-            <a:pPr>
-              <a:buNone/>
-            </a:pPr>
-            <a:r>
-              <a:rPr lang="en-US" sz="1800" b="1">
-                <a:latin typeface="Courier New"/>
-                <a:cs typeface="Courier New"/>
-              </a:rPr>
-              <a:t>&gt; </a:t>
-            </a:r>
-          </a:p>
-          <a:p>
-            <a:pPr>
-              <a:buNone/>
-            </a:pPr>
-            <a:endParaRPr lang="en-US" sz="1800" b="1">
-              <a:latin typeface="Courier New"/>
-              <a:cs typeface="Courier New"/>
-            </a:endParaRPr>
+              <a:t>Slightly more cumbersome than "zelig.skeleton"</a:t>
+            </a:r>
+          </a:p>
+          <a:p>
+            <a:r>
+              <a:rPr lang="en-US"/>
+              <a:t>Requires that users have:</a:t>
+            </a:r>
+          </a:p>
+          <a:p>
+            <a:pPr lvl="1"/>
+            <a:r>
+              <a:rPr lang="en-US"/>
+              <a:t>A name for their package</a:t>
+            </a:r>
+          </a:p>
+          <a:p>
+            <a:pPr lvl="1"/>
+            <a:r>
+              <a:rPr lang="en-US"/>
+              <a:t>At least 1 function defined and named</a:t>
+            </a:r>
+          </a:p>
+          <a:p>
+            <a:r>
+              <a:rPr lang="en-US"/>
+              <a:t>Packages made this way </a:t>
+            </a:r>
+            <a:r>
+              <a:rPr lang="en-US" b="1"/>
+              <a:t>cannot</a:t>
+            </a:r>
+            <a:r>
+              <a:rPr lang="en-US"/>
+              <a:t> be immediately installed.</a:t>
+            </a:r>
           </a:p>
         </p:txBody>
       </p:sp>
@@ -7405,14 +7502,12 @@
         </p:nvSpPr>
         <p:spPr/>
         <p:txBody>
-          <a:bodyPr>
-            <a:normAutofit/>
-          </a:bodyPr>
-          <a:lstStyle/>
-          <a:p>
-            <a:r>
-              <a:rPr lang="en-US"/>
-              <a:t>Using "package.skeleton"</a:t>
+          <a:bodyPr/>
+          <a:lstStyle/>
+          <a:p>
+            <a:r>
+              <a:rPr lang="en-US"/>
+              <a:t>Using "zelig.skeleton"</a:t>
             </a:r>
           </a:p>
         </p:txBody>
@@ -7434,41 +7529,13 @@
           <a:p>
             <a:r>
               <a:rPr lang="en-US"/>
-              <a:t>Slightly more cumbersome than "zelig.skeleton"</a:t>
-            </a:r>
-          </a:p>
-          <a:p>
-            <a:r>
-              <a:rPr lang="en-US"/>
-              <a:t>Requires that users have:</a:t>
-            </a:r>
-          </a:p>
-          <a:p>
-            <a:pPr lvl="1"/>
-            <a:r>
-              <a:rPr lang="en-US"/>
-              <a:t>A name for their package</a:t>
-            </a:r>
-          </a:p>
-          <a:p>
-            <a:pPr lvl="1"/>
-            <a:r>
-              <a:rPr lang="en-US"/>
-              <a:t>At least 1 function defined and named</a:t>
-            </a:r>
-          </a:p>
-          <a:p>
-            <a:r>
-              <a:rPr lang="en-US"/>
-              <a:t>Packages made this way </a:t>
-            </a:r>
-            <a:r>
-              <a:rPr lang="en-US" b="1"/>
-              <a:t>cannot</a:t>
-            </a:r>
-            <a:r>
-              <a:rPr lang="en-US"/>
-              <a:t> be immediately installed.</a:t>
+              <a:t>We will not be using "package.skeleton" to build our packages</a:t>
+            </a:r>
+          </a:p>
+          <a:p>
+            <a:r>
+              <a:rPr lang="en-US"/>
+              <a:t>"zelig.skeleton" provides functionality specifically catered towards developing statistical models and Zelig-dependent packages</a:t>
             </a:r>
           </a:p>
         </p:txBody>
@@ -7507,88 +7574,6 @@
       </p:grpSpPr>
       <p:sp>
         <p:nvSpPr>
-          <p:cNvPr id="2" name="Title 1"/>
-          <p:cNvSpPr>
-            <a:spLocks noGrp="1"/>
-          </p:cNvSpPr>
-          <p:nvPr>
-            <p:ph type="title"/>
-          </p:nvPr>
-        </p:nvSpPr>
-        <p:spPr/>
-        <p:txBody>
-          <a:bodyPr/>
-          <a:lstStyle/>
-          <a:p>
-            <a:r>
-              <a:rPr lang="en-US"/>
-              <a:t>Using "zelig.skeleton"</a:t>
-            </a:r>
-          </a:p>
-        </p:txBody>
-      </p:sp>
-      <p:sp>
-        <p:nvSpPr>
-          <p:cNvPr id="3" name="Content Placeholder 2"/>
-          <p:cNvSpPr>
-            <a:spLocks noGrp="1"/>
-          </p:cNvSpPr>
-          <p:nvPr>
-            <p:ph idx="1"/>
-          </p:nvPr>
-        </p:nvSpPr>
-        <p:spPr/>
-        <p:txBody>
-          <a:bodyPr/>
-          <a:lstStyle/>
-          <a:p>
-            <a:r>
-              <a:rPr lang="en-US"/>
-              <a:t>We will not be using "package.skeleton" to build our packages</a:t>
-            </a:r>
-          </a:p>
-          <a:p>
-            <a:r>
-              <a:rPr lang="en-US"/>
-              <a:t>"zelig.skeleton" provides functionality specifically catered towards developing statistical models and Zelig-dependent packages</a:t>
-            </a:r>
-          </a:p>
-        </p:txBody>
-      </p:sp>
-    </p:spTree>
-  </p:cSld>
-  <p:clrMapOvr>
-    <a:masterClrMapping/>
-  </p:clrMapOvr>
-  <p:timing>
-    <p:tnLst>
-      <p:par>
-        <p:cTn id="1" dur="indefinite" restart="never" nodeType="tmRoot"/>
-      </p:par>
-    </p:tnLst>
-  </p:timing>
-</p:sld>
-</file>
-
-<file path=ppt/slides/slide27.xml><?xml version="1.0" encoding="utf-8"?>
-<p:sld xmlns:a="http://schemas.openxmlformats.org/drawingml/2006/main" xmlns:r="http://schemas.openxmlformats.org/officeDocument/2006/relationships" xmlns:mc="http://schemas.openxmlformats.org/markup-compatibility/2006" xmlns:mv="urn:schemas-microsoft-com:mac:vml" xmlns:p="http://schemas.openxmlformats.org/presentationml/2006/main" mc:Ignorable="mv" mc:PreserveAttributes="mv:*">
-  <p:cSld>
-    <p:spTree>
-      <p:nvGrpSpPr>
-        <p:cNvPr id="1" name=""/>
-        <p:cNvGrpSpPr/>
-        <p:nvPr/>
-      </p:nvGrpSpPr>
-      <p:grpSpPr>
-        <a:xfrm>
-          <a:off x="0" y="0"/>
-          <a:ext cx="0" cy="0"/>
-          <a:chOff x="0" y="0"/>
-          <a:chExt cx="0" cy="0"/>
-        </a:xfrm>
-      </p:grpSpPr>
-      <p:sp>
-        <p:nvSpPr>
           <p:cNvPr id="9" name="Title 8"/>
           <p:cNvSpPr>
             <a:spLocks noGrp="1"/>
@@ -7696,7 +7681,7 @@
 </p:sld>
 </file>
 
-<file path=ppt/slides/slide28.xml><?xml version="1.0" encoding="utf-8"?>
+<file path=ppt/slides/slide27.xml><?xml version="1.0" encoding="utf-8"?>
 <p:sld xmlns:a="http://schemas.openxmlformats.org/drawingml/2006/main" xmlns:r="http://schemas.openxmlformats.org/officeDocument/2006/relationships" xmlns:mc="http://schemas.openxmlformats.org/markup-compatibility/2006" xmlns:mv="urn:schemas-microsoft-com:mac:vml" xmlns:p="http://schemas.openxmlformats.org/presentationml/2006/main" mc:Ignorable="mv" mc:PreserveAttributes="mv:*">
   <p:cSld>
     <p:spTree>
@@ -8255,6 +8240,85 @@
 </p:sld>
 </file>
 
+<file path=ppt/slides/slide28.xml><?xml version="1.0" encoding="utf-8"?>
+<p:sld xmlns:a="http://schemas.openxmlformats.org/drawingml/2006/main" xmlns:r="http://schemas.openxmlformats.org/officeDocument/2006/relationships" xmlns:mc="http://schemas.openxmlformats.org/markup-compatibility/2006" xmlns:mv="urn:schemas-microsoft-com:mac:vml" xmlns:p="http://schemas.openxmlformats.org/presentationml/2006/main" mc:Ignorable="mv" mc:PreserveAttributes="mv:*">
+  <p:cSld>
+    <p:spTree>
+      <p:nvGrpSpPr>
+        <p:cNvPr id="1" name=""/>
+        <p:cNvGrpSpPr/>
+        <p:nvPr/>
+      </p:nvGrpSpPr>
+      <p:grpSpPr>
+        <a:xfrm>
+          <a:off x="0" y="0"/>
+          <a:ext cx="0" cy="0"/>
+          <a:chOff x="0" y="0"/>
+          <a:chExt cx="0" cy="0"/>
+        </a:xfrm>
+      </p:grpSpPr>
+      <p:sp>
+        <p:nvSpPr>
+          <p:cNvPr id="4" name="Title 3"/>
+          <p:cNvSpPr>
+            <a:spLocks noGrp="1"/>
+          </p:cNvSpPr>
+          <p:nvPr>
+            <p:ph type="ctrTitle"/>
+          </p:nvPr>
+        </p:nvSpPr>
+        <p:spPr/>
+        <p:txBody>
+          <a:bodyPr/>
+          <a:lstStyle/>
+          <a:p>
+            <a:r>
+              <a:rPr lang="en-US" dirty="0" smtClean="0"/>
+              <a:t>Model Fitting Functions</a:t>
+            </a:r>
+            <a:endParaRPr lang="en-US" dirty="0"/>
+          </a:p>
+        </p:txBody>
+      </p:sp>
+      <p:sp>
+        <p:nvSpPr>
+          <p:cNvPr id="5" name="Subtitle 4"/>
+          <p:cNvSpPr>
+            <a:spLocks noGrp="1"/>
+          </p:cNvSpPr>
+          <p:nvPr>
+            <p:ph type="subTitle" idx="1"/>
+          </p:nvPr>
+        </p:nvSpPr>
+        <p:spPr/>
+        <p:txBody>
+          <a:bodyPr/>
+          <a:lstStyle/>
+          <a:p>
+            <a:endParaRPr lang="en-US"/>
+          </a:p>
+        </p:txBody>
+      </p:sp>
+    </p:spTree>
+    <p:extLst>
+      <p:ext uri="{BB962C8B-B14F-4D97-AF65-F5344CB8AC3E}">
+        <p14:creationId xmlns="" xmlns:a="http://schemas.openxmlformats.org/drawingml/2006/main" xmlns:r="http://schemas.openxmlformats.org/officeDocument/2006/relationships" xmlns:p="http://schemas.openxmlformats.org/presentationml/2006/main" xmlns:p14="http://schemas.microsoft.com/office/powerpoint/2010/main" xmlns:mv="urn:schemas-microsoft-com:mac:vml" xmlns:mc="http://schemas.openxmlformats.org/markup-compatibility/2006" val="942656541"/>
+      </p:ext>
+    </p:extLst>
+  </p:cSld>
+  <p:clrMapOvr>
+    <a:masterClrMapping/>
+  </p:clrMapOvr>
+  <p:timing>
+    <p:tnLst>
+      <p:par>
+        <p:cTn id="1" dur="indefinite" restart="never" nodeType="tmRoot"/>
+      </p:par>
+    </p:tnLst>
+  </p:timing>
+</p:sld>
+</file>
+
 <file path=ppt/slides/slide29.xml><?xml version="1.0" encoding="utf-8"?>
 <p:sld xmlns:a="http://schemas.openxmlformats.org/drawingml/2006/main" xmlns:r="http://schemas.openxmlformats.org/officeDocument/2006/relationships" xmlns:mc="http://schemas.openxmlformats.org/markup-compatibility/2006" xmlns:mv="urn:schemas-microsoft-com:mac:vml" xmlns:p="http://schemas.openxmlformats.org/presentationml/2006/main" mc:Ignorable="mv" mc:PreserveAttributes="mv:*">
   <p:cSld>
@@ -8274,12 +8338,12 @@
       </p:grpSpPr>
       <p:sp>
         <p:nvSpPr>
-          <p:cNvPr id="4" name="Title 3"/>
-          <p:cNvSpPr>
-            <a:spLocks noGrp="1"/>
-          </p:cNvSpPr>
-          <p:nvPr>
-            <p:ph type="ctrTitle"/>
+          <p:cNvPr id="2" name="Title 1"/>
+          <p:cNvSpPr>
+            <a:spLocks noGrp="1"/>
+          </p:cNvSpPr>
+          <p:nvPr>
+            <p:ph type="title"/>
           </p:nvPr>
         </p:nvSpPr>
         <p:spPr/>
@@ -8288,21 +8352,20 @@
           <a:lstStyle/>
           <a:p>
             <a:r>
-              <a:rPr lang="en-US" dirty="0" smtClean="0"/>
-              <a:t>Model Fitting Functions</a:t>
-            </a:r>
-            <a:endParaRPr lang="en-US" dirty="0"/>
-          </a:p>
-        </p:txBody>
-      </p:sp>
-      <p:sp>
-        <p:nvSpPr>
-          <p:cNvPr id="5" name="Subtitle 4"/>
-          <p:cNvSpPr>
-            <a:spLocks noGrp="1"/>
-          </p:cNvSpPr>
-          <p:nvPr>
-            <p:ph type="subTitle" idx="1"/>
+              <a:rPr lang="en-US"/>
+              <a:t>Outline for Model Fitting Functions</a:t>
+            </a:r>
+          </a:p>
+        </p:txBody>
+      </p:sp>
+      <p:sp>
+        <p:nvSpPr>
+          <p:cNvPr id="3" name="Content Placeholder 2"/>
+          <p:cNvSpPr>
+            <a:spLocks noGrp="1"/>
+          </p:cNvSpPr>
+          <p:nvPr>
+            <p:ph idx="1"/>
           </p:nvPr>
         </p:nvSpPr>
         <p:spPr/>
@@ -8310,16 +8373,26 @@
           <a:bodyPr/>
           <a:lstStyle/>
           <a:p>
-            <a:endParaRPr lang="en-US"/>
+            <a:r>
+              <a:rPr lang="en-US"/>
+              <a:t>What is linear regression?</a:t>
+            </a:r>
+          </a:p>
+          <a:p>
+            <a:r>
+              <a:rPr lang="en-US"/>
+              <a:t>Generalized Linear Models (GLM)</a:t>
+            </a:r>
+          </a:p>
+          <a:p>
+            <a:r>
+              <a:rPr lang="en-US"/>
+              <a:t>Example</a:t>
+            </a:r>
           </a:p>
         </p:txBody>
       </p:sp>
     </p:spTree>
-    <p:extLst>
-      <p:ext uri="{BB962C8B-B14F-4D97-AF65-F5344CB8AC3E}">
-        <p14:creationId xmlns="" xmlns:a="http://schemas.openxmlformats.org/drawingml/2006/main" xmlns:r="http://schemas.openxmlformats.org/officeDocument/2006/relationships" xmlns:p="http://schemas.openxmlformats.org/presentationml/2006/main" xmlns:p14="http://schemas.microsoft.com/office/powerpoint/2010/main" xmlns:mv="urn:schemas-microsoft-com:mac:vml" xmlns:mc="http://schemas.openxmlformats.org/markup-compatibility/2006" val="942656541"/>
-      </p:ext>
-    </p:extLst>
   </p:cSld>
   <p:clrMapOvr>
     <a:masterClrMapping/>
@@ -8447,7 +8520,7 @@
           <a:p>
             <a:r>
               <a:rPr lang="en-US"/>
-              <a:t>Outline for Model Fitting Functions</a:t>
+              <a:t>What is linear regression?</a:t>
             </a:r>
           </a:p>
         </p:txBody>
@@ -8464,29 +8537,78 @@
         </p:nvSpPr>
         <p:spPr/>
         <p:txBody>
-          <a:bodyPr/>
-          <a:lstStyle/>
-          <a:p>
-            <a:r>
-              <a:rPr lang="en-US"/>
-              <a:t>What is linear regression?</a:t>
-            </a:r>
-          </a:p>
-          <a:p>
-            <a:r>
-              <a:rPr lang="en-US"/>
-              <a:t>Generalized Linear Models (GLM)</a:t>
-            </a:r>
-          </a:p>
-          <a:p>
-            <a:r>
-              <a:rPr lang="en-US"/>
-              <a:t>Example</a:t>
+          <a:bodyPr>
+            <a:normAutofit lnSpcReduction="10000"/>
+          </a:bodyPr>
+          <a:lstStyle/>
+          <a:p>
+            <a:r>
+              <a:rPr lang="en-US"/>
+              <a:t>A method for </a:t>
+            </a:r>
+            <a:r>
+              <a:rPr lang="en-US" b="1"/>
+              <a:t>explaining</a:t>
+            </a:r>
+            <a:r>
+              <a:rPr lang="en-US"/>
+              <a:t> and </a:t>
+            </a:r>
+            <a:r>
+              <a:rPr lang="en-US" b="1"/>
+              <a:t>predicting</a:t>
+            </a:r>
+            <a:r>
+              <a:rPr lang="en-US"/>
+              <a:t> observations using data</a:t>
+            </a:r>
+          </a:p>
+          <a:p>
+            <a:r>
+              <a:rPr lang="en-US"/>
+              <a:t>A method for determining </a:t>
+            </a:r>
+            <a:r>
+              <a:rPr lang="en-US" b="1"/>
+              <a:t>unknown parameters</a:t>
+            </a:r>
+            <a:r>
+              <a:rPr lang="en-US"/>
+              <a:t> derived from a data set</a:t>
+            </a:r>
+          </a:p>
+          <a:p>
+            <a:pPr lvl="1"/>
+            <a:r>
+              <a:rPr lang="en-US"/>
+              <a:t>How dependent is my response variable on a particular parameter?</a:t>
+            </a:r>
+          </a:p>
+          <a:p>
+            <a:r>
+              <a:rPr lang="en-US"/>
+              <a:t>Specifically, a method for determining </a:t>
+            </a:r>
+            <a:r>
+              <a:rPr lang="en-US" b="1"/>
+              <a:t>conditional expected values</a:t>
+            </a:r>
+          </a:p>
+          <a:p>
+            <a:pPr lvl="1"/>
+            <a:r>
+              <a:rPr lang="en-US"/>
+              <a:t>"Given x and y, the expected value is…"</a:t>
             </a:r>
           </a:p>
         </p:txBody>
       </p:sp>
     </p:spTree>
+    <p:extLst>
+      <p:ext uri="{BB962C8B-B14F-4D97-AF65-F5344CB8AC3E}">
+        <p14:creationId xmlns="" xmlns:a="http://schemas.openxmlformats.org/drawingml/2006/main" xmlns:r="http://schemas.openxmlformats.org/officeDocument/2006/relationships" xmlns:p="http://schemas.openxmlformats.org/presentationml/2006/main" xmlns:p14="http://schemas.microsoft.com/office/powerpoint/2010/main" xmlns:mv="urn:schemas-microsoft-com:mac:vml" xmlns:mc="http://schemas.openxmlformats.org/markup-compatibility/2006" val="1702243699"/>
+      </p:ext>
+    </p:extLst>
   </p:cSld>
   <p:clrMapOvr>
     <a:masterClrMapping/>
@@ -8552,18 +8674,25 @@
         </p:nvSpPr>
         <p:spPr/>
         <p:txBody>
-          <a:bodyPr>
-            <a:normAutofit lnSpcReduction="10000"/>
-          </a:bodyPr>
-          <a:lstStyle/>
-          <a:p>
-            <a:r>
-              <a:rPr lang="en-US"/>
-              <a:t>A method for </a:t>
+          <a:bodyPr/>
+          <a:lstStyle/>
+          <a:p>
+            <a:pPr>
+              <a:buNone/>
+            </a:pPr>
+            <a:r>
+              <a:rPr lang="en-US"/>
+              <a:t>There are three necessary components to any generalized linear model:</a:t>
+            </a:r>
+          </a:p>
+          <a:p>
+            <a:r>
+              <a:rPr lang="en-US"/>
+              <a:t>A formula specifying </a:t>
             </a:r>
             <a:r>
               <a:rPr lang="en-US" b="1"/>
-              <a:t>explaining</a:t>
+              <a:t>predictor</a:t>
             </a:r>
             <a:r>
               <a:rPr lang="en-US"/>
@@ -8571,57 +8700,57 @@
             </a:r>
             <a:r>
               <a:rPr lang="en-US" b="1"/>
-              <a:t>predicting</a:t>
-            </a:r>
-            <a:r>
-              <a:rPr lang="en-US"/>
-              <a:t> observations using data</a:t>
-            </a:r>
-          </a:p>
-          <a:p>
-            <a:r>
-              <a:rPr lang="en-US"/>
-              <a:t>A method for determining </a:t>
-            </a:r>
-            <a:r>
-              <a:rPr lang="en-US" b="1"/>
-              <a:t>unknown parameters</a:t>
-            </a:r>
-            <a:r>
-              <a:rPr lang="en-US"/>
-              <a:t> derived from a data set</a:t>
-            </a:r>
-          </a:p>
-          <a:p>
-            <a:pPr lvl="1"/>
-            <a:r>
-              <a:rPr lang="en-US"/>
-              <a:t>How dependent is my response variable on a particular parameter?</a:t>
-            </a:r>
-          </a:p>
-          <a:p>
-            <a:r>
-              <a:rPr lang="en-US"/>
-              <a:t>Specifically, a method for determining </a:t>
-            </a:r>
-            <a:r>
-              <a:rPr lang="en-US" b="1"/>
-              <a:t>conditional expected values</a:t>
-            </a:r>
-          </a:p>
-          <a:p>
-            <a:pPr lvl="1"/>
-            <a:r>
-              <a:rPr lang="en-US"/>
-              <a:t>"Given x and y, the expected value is…"</a:t>
-            </a:r>
+              <a:t>response</a:t>
+            </a:r>
+            <a:r>
+              <a:rPr lang="en-US"/>
+              <a:t> variables: </a:t>
+            </a:r>
+            <a:r>
+              <a:rPr lang="en-US" i="1">
+                <a:latin typeface="Courier New"/>
+                <a:cs typeface="Courier New"/>
+              </a:rPr>
+              <a:t>y ~ x1 + x2 + x3</a:t>
+            </a:r>
+            <a:endParaRPr lang="en-US" b="1" i="1">
+              <a:latin typeface="Courier New"/>
+              <a:cs typeface="Courier New"/>
+            </a:endParaRPr>
+          </a:p>
+          <a:p>
+            <a:r>
+              <a:rPr lang="en-US"/>
+              <a:t>A model – </a:t>
+            </a:r>
+            <a:r>
+              <a:rPr lang="en-US" i="1"/>
+              <a:t>logit, probit, gamma, normal</a:t>
+            </a:r>
+          </a:p>
+          <a:p>
+            <a:r>
+              <a:rPr lang="en-US"/>
+              <a:t>Data – </a:t>
+            </a:r>
+            <a:r>
+              <a:rPr lang="en-US" i="1"/>
+              <a:t>a data-set stored as a </a:t>
+            </a:r>
+            <a:r>
+              <a:rPr lang="en-US" b="1" i="1"/>
+              <a:t>data.frame</a:t>
+            </a:r>
+          </a:p>
+          <a:p>
+            <a:endParaRPr lang="en-US"/>
           </a:p>
         </p:txBody>
       </p:sp>
     </p:spTree>
     <p:extLst>
       <p:ext uri="{BB962C8B-B14F-4D97-AF65-F5344CB8AC3E}">
-        <p14:creationId xmlns="" xmlns:a="http://schemas.openxmlformats.org/drawingml/2006/main" xmlns:r="http://schemas.openxmlformats.org/officeDocument/2006/relationships" xmlns:p="http://schemas.openxmlformats.org/presentationml/2006/main" xmlns:p14="http://schemas.microsoft.com/office/powerpoint/2010/main" xmlns:mv="urn:schemas-microsoft-com:mac:vml" xmlns:mc="http://schemas.openxmlformats.org/markup-compatibility/2006" val="1702243699"/>
+        <p14:creationId xmlns="" xmlns:a="http://schemas.openxmlformats.org/drawingml/2006/main" xmlns:r="http://schemas.openxmlformats.org/officeDocument/2006/relationships" xmlns:p="http://schemas.openxmlformats.org/presentationml/2006/main" xmlns:p14="http://schemas.microsoft.com/office/powerpoint/2010/main" xmlns:mv="urn:schemas-microsoft-com:mac:vml" xmlns:mc="http://schemas.openxmlformats.org/markup-compatibility/2006" val="3143245456"/>
       </p:ext>
     </p:extLst>
   </p:cSld>
@@ -8672,7 +8801,7 @@
           <a:p>
             <a:r>
               <a:rPr lang="en-US"/>
-              <a:t>What is linear regression?</a:t>
+              <a:t>Basics</a:t>
             </a:r>
           </a:p>
         </p:txBody>
@@ -8692,80 +8821,74 @@
           <a:bodyPr/>
           <a:lstStyle/>
           <a:p>
-            <a:pPr>
-              <a:buNone/>
-            </a:pPr>
-            <a:r>
-              <a:rPr lang="en-US"/>
-              <a:t>There are three necessary components to any generalized linear model:</a:t>
-            </a:r>
-          </a:p>
-          <a:p>
-            <a:r>
-              <a:rPr lang="en-US"/>
-              <a:t>A formula specifying </a:t>
+            <a:r>
+              <a:rPr lang="en-US"/>
+              <a:t>The "lm" model finds the function that best </a:t>
             </a:r>
             <a:r>
               <a:rPr lang="en-US" b="1"/>
-              <a:t>predictor</a:t>
-            </a:r>
-            <a:r>
-              <a:rPr lang="en-US"/>
-              <a:t> and </a:t>
+              <a:t>approximates </a:t>
+            </a:r>
+            <a:r>
+              <a:rPr lang="en-US"/>
+              <a:t>the observed data </a:t>
+            </a:r>
+            <a:r>
+              <a:rPr lang="en-US" b="1" u="sng"/>
+              <a:t>with a line</a:t>
+            </a:r>
+            <a:endParaRPr lang="en-US"/>
+          </a:p>
+          <a:p>
+            <a:r>
+              <a:rPr lang="en-US"/>
+              <a:t>Other regression models approximate observe data with a </a:t>
             </a:r>
             <a:r>
               <a:rPr lang="en-US" b="1"/>
-              <a:t>response</a:t>
-            </a:r>
-            <a:r>
-              <a:rPr lang="en-US"/>
-              <a:t> variables: </a:t>
-            </a:r>
-            <a:r>
-              <a:rPr lang="en-US" i="1">
-                <a:latin typeface="Courier New"/>
-                <a:cs typeface="Courier New"/>
-              </a:rPr>
-              <a:t>y ~ x1 + x2 + x3</a:t>
-            </a:r>
-            <a:endParaRPr lang="en-US" b="1" i="1">
-              <a:latin typeface="Courier New"/>
-              <a:cs typeface="Courier New"/>
-            </a:endParaRPr>
-          </a:p>
-          <a:p>
-            <a:r>
-              <a:rPr lang="en-US"/>
-              <a:t>A model – </a:t>
-            </a:r>
-            <a:r>
-              <a:rPr lang="en-US" i="1"/>
-              <a:t>logit, probit, gamma, normal</a:t>
-            </a:r>
-          </a:p>
-          <a:p>
-            <a:r>
-              <a:rPr lang="en-US"/>
-              <a:t>Data – </a:t>
-            </a:r>
-            <a:r>
-              <a:rPr lang="en-US" i="1"/>
-              <a:t>a data-set stored as a </a:t>
-            </a:r>
-            <a:r>
-              <a:rPr lang="en-US" b="1" i="1"/>
-              <a:t>data.frame</a:t>
-            </a:r>
-          </a:p>
-          <a:p>
-            <a:endParaRPr lang="en-US"/>
+              <a:t>nonlinear function</a:t>
+            </a:r>
+            <a:r>
+              <a:rPr lang="en-US"/>
+              <a:t> that takes a line as its parameter</a:t>
+            </a:r>
+          </a:p>
+          <a:p>
+            <a:pPr lvl="1"/>
+            <a:r>
+              <a:rPr lang="en-US"/>
+              <a:t>f(y) = X B</a:t>
+            </a:r>
+          </a:p>
+          <a:p>
+            <a:pPr lvl="1"/>
+            <a:r>
+              <a:rPr lang="en-US"/>
+              <a:t>Where </a:t>
+            </a:r>
+            <a:r>
+              <a:rPr lang="en-US" b="1"/>
+              <a:t>X</a:t>
+            </a:r>
+            <a:r>
+              <a:rPr lang="en-US"/>
+              <a:t> is a matrix and </a:t>
+            </a:r>
+            <a:r>
+              <a:rPr lang="en-US" b="1"/>
+              <a:t>B</a:t>
+            </a:r>
+            <a:r>
+              <a:rPr lang="en-US"/>
+              <a:t> is a vector</a:t>
+            </a:r>
           </a:p>
         </p:txBody>
       </p:sp>
     </p:spTree>
     <p:extLst>
       <p:ext uri="{BB962C8B-B14F-4D97-AF65-F5344CB8AC3E}">
-        <p14:creationId xmlns="" xmlns:a="http://schemas.openxmlformats.org/drawingml/2006/main" xmlns:r="http://schemas.openxmlformats.org/officeDocument/2006/relationships" xmlns:p="http://schemas.openxmlformats.org/presentationml/2006/main" xmlns:p14="http://schemas.microsoft.com/office/powerpoint/2010/main" xmlns:mv="urn:schemas-microsoft-com:mac:vml" xmlns:mc="http://schemas.openxmlformats.org/markup-compatibility/2006" val="3143245456"/>
+        <p14:creationId xmlns="" xmlns:a="http://schemas.openxmlformats.org/drawingml/2006/main" xmlns:r="http://schemas.openxmlformats.org/officeDocument/2006/relationships" xmlns:p="http://schemas.openxmlformats.org/presentationml/2006/main" xmlns:p14="http://schemas.microsoft.com/office/powerpoint/2010/main" xmlns:mv="urn:schemas-microsoft-com:mac:vml" xmlns:mc="http://schemas.openxmlformats.org/markup-compatibility/2006" val="1265913865"/>
       </p:ext>
     </p:extLst>
   </p:cSld>
@@ -8816,7 +8939,7 @@
           <a:p>
             <a:r>
               <a:rPr lang="en-US"/>
-              <a:t>Basics</a:t>
+              <a:t>Generalized Linear Models</a:t>
             </a:r>
           </a:p>
         </p:txBody>
@@ -8838,64 +8961,13 @@
           <a:p>
             <a:r>
               <a:rPr lang="en-US"/>
-              <a:t>The "lm" model finds the function that best </a:t>
-            </a:r>
-            <a:r>
-              <a:rPr lang="en-US" b="1"/>
-              <a:t>approximates </a:t>
-            </a:r>
-            <a:r>
-              <a:rPr lang="en-US"/>
-              <a:t>the observed data </a:t>
-            </a:r>
-            <a:r>
-              <a:rPr lang="en-US" b="1" u="sng"/>
-              <a:t>with a line</a:t>
-            </a:r>
-            <a:endParaRPr lang="en-US"/>
-          </a:p>
-          <a:p>
-            <a:r>
-              <a:rPr lang="en-US"/>
-              <a:t>Other regression models approximate observe data with a </a:t>
-            </a:r>
-            <a:r>
-              <a:rPr lang="en-US" b="1"/>
-              <a:t>nonlinear function</a:t>
-            </a:r>
-            <a:r>
-              <a:rPr lang="en-US"/>
-              <a:t> that takes a line as its parameter</a:t>
-            </a:r>
-          </a:p>
-          <a:p>
-            <a:pPr lvl="1"/>
-            <a:r>
-              <a:rPr lang="en-US"/>
-              <a:t>f(y) = X B</a:t>
-            </a:r>
-          </a:p>
-          <a:p>
-            <a:pPr lvl="1"/>
-            <a:r>
-              <a:rPr lang="en-US"/>
-              <a:t>Where </a:t>
-            </a:r>
-            <a:r>
-              <a:rPr lang="en-US" b="1"/>
-              <a:t>X</a:t>
-            </a:r>
-            <a:r>
-              <a:rPr lang="en-US"/>
-              <a:t> is a matrix and </a:t>
-            </a:r>
-            <a:r>
-              <a:rPr lang="en-US" b="1"/>
-              <a:t>B</a:t>
-            </a:r>
-            <a:r>
-              <a:rPr lang="en-US"/>
-              <a:t> is a vector</a:t>
+              <a:t>The "least squares" method is the foundation of fitting generalized linear models (GLM's)</a:t>
+            </a:r>
+          </a:p>
+          <a:p>
+            <a:r>
+              <a:rPr lang="en-US"/>
+              <a:t>And information on how significantly the response variables varies with the predictor variables</a:t>
             </a:r>
           </a:p>
         </p:txBody>
@@ -8903,7 +8975,7 @@
     </p:spTree>
     <p:extLst>
       <p:ext uri="{BB962C8B-B14F-4D97-AF65-F5344CB8AC3E}">
-        <p14:creationId xmlns="" xmlns:a="http://schemas.openxmlformats.org/drawingml/2006/main" xmlns:r="http://schemas.openxmlformats.org/officeDocument/2006/relationships" xmlns:p="http://schemas.openxmlformats.org/presentationml/2006/main" xmlns:p14="http://schemas.microsoft.com/office/powerpoint/2010/main" xmlns:mv="urn:schemas-microsoft-com:mac:vml" xmlns:mc="http://schemas.openxmlformats.org/markup-compatibility/2006" val="1265913865"/>
+        <p14:creationId xmlns="" xmlns:a="http://schemas.openxmlformats.org/drawingml/2006/main" xmlns:r="http://schemas.openxmlformats.org/officeDocument/2006/relationships" xmlns:p="http://schemas.openxmlformats.org/presentationml/2006/main" xmlns:p14="http://schemas.microsoft.com/office/powerpoint/2010/main" xmlns:mv="urn:schemas-microsoft-com:mac:vml" xmlns:mc="http://schemas.openxmlformats.org/markup-compatibility/2006" val="3465388416"/>
       </p:ext>
     </p:extLst>
   </p:cSld>
@@ -8954,43 +9026,34 @@
           <a:p>
             <a:r>
               <a:rPr lang="en-US"/>
-              <a:t>Generalized Linear Models</a:t>
-            </a:r>
-          </a:p>
-        </p:txBody>
-      </p:sp>
-      <p:sp>
-        <p:nvSpPr>
-          <p:cNvPr id="3" name="Content Placeholder 2"/>
-          <p:cNvSpPr>
-            <a:spLocks noGrp="1"/>
-          </p:cNvSpPr>
+              <a:t>Example: Data</a:t>
+            </a:r>
+          </a:p>
+        </p:txBody>
+      </p:sp>
+      <p:pic>
+        <p:nvPicPr>
+          <p:cNvPr id="6" name="Content Placeholder 5" descr="Linear_Data.png"/>
+          <p:cNvPicPr>
+            <a:picLocks noGrp="1" noChangeAspect="1"/>
+          </p:cNvPicPr>
           <p:nvPr>
             <p:ph idx="1"/>
           </p:nvPr>
-        </p:nvSpPr>
+        </p:nvPicPr>
+        <p:blipFill>
+          <a:blip r:embed="rId2"/>
+          <a:srcRect l="-40915" r="-40915"/>
+          <a:stretch>
+            <a:fillRect/>
+          </a:stretch>
+        </p:blipFill>
         <p:spPr/>
-        <p:txBody>
-          <a:bodyPr/>
-          <a:lstStyle/>
-          <a:p>
-            <a:r>
-              <a:rPr lang="en-US"/>
-              <a:t>The "least squares" method is the foundation of fitting generalized linear models (GLM's)</a:t>
-            </a:r>
-          </a:p>
-          <a:p>
-            <a:r>
-              <a:rPr lang="en-US"/>
-              <a:t>And information on how significantly the response variables varies with the predictor variables</a:t>
-            </a:r>
-          </a:p>
-        </p:txBody>
-      </p:sp>
+      </p:pic>
     </p:spTree>
     <p:extLst>
       <p:ext uri="{BB962C8B-B14F-4D97-AF65-F5344CB8AC3E}">
-        <p14:creationId xmlns="" xmlns:a="http://schemas.openxmlformats.org/drawingml/2006/main" xmlns:r="http://schemas.openxmlformats.org/officeDocument/2006/relationships" xmlns:p="http://schemas.openxmlformats.org/presentationml/2006/main" xmlns:p14="http://schemas.microsoft.com/office/powerpoint/2010/main" xmlns:mv="urn:schemas-microsoft-com:mac:vml" xmlns:mc="http://schemas.openxmlformats.org/markup-compatibility/2006" val="3465388416"/>
+        <p14:creationId xmlns="" xmlns:a="http://schemas.openxmlformats.org/drawingml/2006/main" xmlns:r="http://schemas.openxmlformats.org/officeDocument/2006/relationships" xmlns:p="http://schemas.openxmlformats.org/presentationml/2006/main" xmlns:p14="http://schemas.microsoft.com/office/powerpoint/2010/main" xmlns:mv="urn:schemas-microsoft-com:mac:vml" xmlns:mc="http://schemas.openxmlformats.org/markup-compatibility/2006" val="2972905603"/>
       </p:ext>
     </p:extLst>
   </p:cSld>
@@ -9036,19 +9099,28 @@
         </p:nvSpPr>
         <p:spPr/>
         <p:txBody>
-          <a:bodyPr/>
+          <a:bodyPr>
+            <a:normAutofit fontScale="90000"/>
+          </a:bodyPr>
           <a:lstStyle/>
           <a:p>
             <a:r>
               <a:rPr lang="en-US"/>
               <a:t>Example: Data</a:t>
+            </a:r>
+            <a:br>
+              <a:rPr lang="en-US"/>
+            </a:br>
+            <a:r>
+              <a:rPr lang="en-US"/>
+              <a:t>(and Linear Regression)</a:t>
             </a:r>
           </a:p>
         </p:txBody>
       </p:sp>
       <p:pic>
         <p:nvPicPr>
-          <p:cNvPr id="6" name="Content Placeholder 5" descr="Linear_Data.png"/>
+          <p:cNvPr id="4" name="Content Placeholder 3" descr="Linear_Regression.png"/>
           <p:cNvPicPr>
             <a:picLocks noGrp="1" noChangeAspect="1"/>
           </p:cNvPicPr>
@@ -9068,7 +9140,7 @@
     </p:spTree>
     <p:extLst>
       <p:ext uri="{BB962C8B-B14F-4D97-AF65-F5344CB8AC3E}">
-        <p14:creationId xmlns="" xmlns:a="http://schemas.openxmlformats.org/drawingml/2006/main" xmlns:r="http://schemas.openxmlformats.org/officeDocument/2006/relationships" xmlns:p="http://schemas.openxmlformats.org/presentationml/2006/main" xmlns:p14="http://schemas.microsoft.com/office/powerpoint/2010/main" xmlns:mv="urn:schemas-microsoft-com:mac:vml" xmlns:mc="http://schemas.openxmlformats.org/markup-compatibility/2006" val="2972905603"/>
+        <p14:creationId xmlns="" xmlns:a="http://schemas.openxmlformats.org/drawingml/2006/main" xmlns:r="http://schemas.openxmlformats.org/officeDocument/2006/relationships" xmlns:p="http://schemas.openxmlformats.org/presentationml/2006/main" xmlns:p14="http://schemas.microsoft.com/office/powerpoint/2010/main" xmlns:mv="urn:schemas-microsoft-com:mac:vml" xmlns:mc="http://schemas.openxmlformats.org/markup-compatibility/2006" val="2382241759"/>
       </p:ext>
     </p:extLst>
   </p:cSld>
@@ -9104,58 +9176,50 @@
       </p:grpSpPr>
       <p:sp>
         <p:nvSpPr>
-          <p:cNvPr id="2" name="Title 1"/>
-          <p:cNvSpPr>
-            <a:spLocks noGrp="1"/>
-          </p:cNvSpPr>
-          <p:nvPr>
-            <p:ph type="title"/>
+          <p:cNvPr id="3" name="Title 2"/>
+          <p:cNvSpPr>
+            <a:spLocks noGrp="1"/>
+          </p:cNvSpPr>
+          <p:nvPr>
+            <p:ph type="ctrTitle"/>
           </p:nvPr>
         </p:nvSpPr>
         <p:spPr/>
         <p:txBody>
-          <a:bodyPr>
-            <a:normAutofit fontScale="90000"/>
-          </a:bodyPr>
-          <a:lstStyle/>
-          <a:p>
-            <a:r>
-              <a:rPr lang="en-US"/>
-              <a:t>Example: Data</a:t>
-            </a:r>
-            <a:br>
-              <a:rPr lang="en-US"/>
-            </a:br>
-            <a:r>
-              <a:rPr lang="en-US"/>
-              <a:t>(and Linear Regression)</a:t>
-            </a:r>
-          </a:p>
-        </p:txBody>
-      </p:sp>
-      <p:pic>
-        <p:nvPicPr>
-          <p:cNvPr id="4" name="Content Placeholder 3" descr="Linear_Regression.png"/>
-          <p:cNvPicPr>
-            <a:picLocks noGrp="1" noChangeAspect="1"/>
-          </p:cNvPicPr>
-          <p:nvPr>
-            <p:ph idx="1"/>
-          </p:nvPr>
-        </p:nvPicPr>
-        <p:blipFill>
-          <a:blip r:embed="rId2"/>
-          <a:srcRect l="-40915" r="-40915"/>
-          <a:stretch>
-            <a:fillRect/>
-          </a:stretch>
-        </p:blipFill>
+          <a:bodyPr/>
+          <a:lstStyle/>
+          <a:p>
+            <a:r>
+              <a:rPr lang="en-US" dirty="0" smtClean="0"/>
+              <a:t>The zelig2 Method</a:t>
+            </a:r>
+            <a:endParaRPr lang="en-US" dirty="0"/>
+          </a:p>
+        </p:txBody>
+      </p:sp>
+      <p:sp>
+        <p:nvSpPr>
+          <p:cNvPr id="4" name="Subtitle 3"/>
+          <p:cNvSpPr>
+            <a:spLocks noGrp="1"/>
+          </p:cNvSpPr>
+          <p:nvPr>
+            <p:ph type="subTitle" idx="1"/>
+          </p:nvPr>
+        </p:nvSpPr>
         <p:spPr/>
-      </p:pic>
+        <p:txBody>
+          <a:bodyPr/>
+          <a:lstStyle/>
+          <a:p>
+            <a:endParaRPr lang="en-US"/>
+          </a:p>
+        </p:txBody>
+      </p:sp>
     </p:spTree>
     <p:extLst>
       <p:ext uri="{BB962C8B-B14F-4D97-AF65-F5344CB8AC3E}">
-        <p14:creationId xmlns="" xmlns:a="http://schemas.openxmlformats.org/drawingml/2006/main" xmlns:r="http://schemas.openxmlformats.org/officeDocument/2006/relationships" xmlns:p="http://schemas.openxmlformats.org/presentationml/2006/main" xmlns:p14="http://schemas.microsoft.com/office/powerpoint/2010/main" xmlns:mv="urn:schemas-microsoft-com:mac:vml" xmlns:mc="http://schemas.openxmlformats.org/markup-compatibility/2006" val="2382241759"/>
+        <p14:creationId xmlns="" xmlns:a="http://schemas.openxmlformats.org/drawingml/2006/main" xmlns:r="http://schemas.openxmlformats.org/officeDocument/2006/relationships" xmlns:p="http://schemas.openxmlformats.org/presentationml/2006/main" xmlns:p14="http://schemas.microsoft.com/office/powerpoint/2010/main" xmlns:mv="urn:schemas-microsoft-com:mac:vml" xmlns:mc="http://schemas.openxmlformats.org/markup-compatibility/2006" val="2601398369"/>
       </p:ext>
     </p:extLst>
   </p:cSld>
@@ -9191,12 +9255,12 @@
       </p:grpSpPr>
       <p:sp>
         <p:nvSpPr>
-          <p:cNvPr id="3" name="Title 2"/>
-          <p:cNvSpPr>
-            <a:spLocks noGrp="1"/>
-          </p:cNvSpPr>
-          <p:nvPr>
-            <p:ph type="ctrTitle"/>
+          <p:cNvPr id="2" name="Title 1"/>
+          <p:cNvSpPr>
+            <a:spLocks noGrp="1"/>
+          </p:cNvSpPr>
+          <p:nvPr>
+            <p:ph type="title"/>
           </p:nvPr>
         </p:nvSpPr>
         <p:spPr/>
@@ -9206,7 +9270,7 @@
           <a:p>
             <a:r>
               <a:rPr lang="en-US" dirty="0" smtClean="0"/>
-              <a:t>The zelig2 Method</a:t>
+              <a:t>Outline</a:t>
             </a:r>
             <a:endParaRPr lang="en-US" dirty="0"/>
           </a:p>
@@ -9214,12 +9278,12 @@
       </p:sp>
       <p:sp>
         <p:nvSpPr>
-          <p:cNvPr id="4" name="Subtitle 3"/>
-          <p:cNvSpPr>
-            <a:spLocks noGrp="1"/>
-          </p:cNvSpPr>
-          <p:nvPr>
-            <p:ph type="subTitle" idx="1"/>
+          <p:cNvPr id="3" name="Content Placeholder 2"/>
+          <p:cNvSpPr>
+            <a:spLocks noGrp="1"/>
+          </p:cNvSpPr>
+          <p:nvPr>
+            <p:ph idx="1"/>
           </p:nvPr>
         </p:nvSpPr>
         <p:spPr/>
@@ -9227,14 +9291,38 @@
           <a:bodyPr/>
           <a:lstStyle/>
           <a:p>
-            <a:endParaRPr lang="en-US"/>
+            <a:r>
+              <a:rPr lang="en-US" dirty="0" smtClean="0"/>
+              <a:t>Overview</a:t>
+            </a:r>
+          </a:p>
+          <a:p>
+            <a:r>
+              <a:rPr lang="en-US" dirty="0" smtClean="0"/>
+              <a:t>What is a zelig2 method?</a:t>
+            </a:r>
+          </a:p>
+          <a:p>
+            <a:r>
+              <a:rPr lang="en-US" dirty="0" smtClean="0"/>
+              <a:t>Format of a zelig2 method</a:t>
+            </a:r>
+          </a:p>
+          <a:p>
+            <a:r>
+              <a:rPr lang="en-US" dirty="0" smtClean="0"/>
+              <a:t>Writing the zelig2 method</a:t>
+            </a:r>
+          </a:p>
+          <a:p>
+            <a:endParaRPr lang="en-US" dirty="0"/>
           </a:p>
         </p:txBody>
       </p:sp>
     </p:spTree>
     <p:extLst>
       <p:ext uri="{BB962C8B-B14F-4D97-AF65-F5344CB8AC3E}">
-        <p14:creationId xmlns="" xmlns:a="http://schemas.openxmlformats.org/drawingml/2006/main" xmlns:r="http://schemas.openxmlformats.org/officeDocument/2006/relationships" xmlns:p="http://schemas.openxmlformats.org/presentationml/2006/main" xmlns:p14="http://schemas.microsoft.com/office/powerpoint/2010/main" xmlns:mv="urn:schemas-microsoft-com:mac:vml" xmlns:mc="http://schemas.openxmlformats.org/markup-compatibility/2006" val="2601398369"/>
+        <p14:creationId xmlns="" xmlns:a="http://schemas.openxmlformats.org/drawingml/2006/main" xmlns:r="http://schemas.openxmlformats.org/officeDocument/2006/relationships" xmlns:p="http://schemas.openxmlformats.org/presentationml/2006/main" xmlns:p14="http://schemas.microsoft.com/office/powerpoint/2010/main" xmlns:mv="urn:schemas-microsoft-com:mac:vml" xmlns:mc="http://schemas.openxmlformats.org/markup-compatibility/2006" val="520387571"/>
       </p:ext>
     </p:extLst>
   </p:cSld>
@@ -9284,10 +9372,9 @@
           <a:lstStyle/>
           <a:p>
             <a:r>
-              <a:rPr lang="en-US" dirty="0" smtClean="0"/>
-              <a:t>Outline</a:t>
-            </a:r>
-            <a:endParaRPr lang="en-US" dirty="0"/>
+              <a:rPr lang="en-US"/>
+              <a:t>Overview</a:t>
+            </a:r>
           </a:p>
         </p:txBody>
       </p:sp>
@@ -9307,39 +9394,25 @@
           <a:lstStyle/>
           <a:p>
             <a:r>
-              <a:rPr lang="en-US" dirty="0" smtClean="0"/>
-              <a:t>Overview</a:t>
-            </a:r>
-          </a:p>
-          <a:p>
-            <a:r>
-              <a:rPr lang="en-US" dirty="0" smtClean="0"/>
-              <a:t>What is a zelig2 method?</a:t>
-            </a:r>
-          </a:p>
-          <a:p>
-            <a:r>
-              <a:rPr lang="en-US" dirty="0" smtClean="0"/>
-              <a:t>Format of a zelig2 method</a:t>
-            </a:r>
-          </a:p>
-          <a:p>
-            <a:r>
-              <a:rPr lang="en-US" dirty="0" smtClean="0"/>
-              <a:t>Writing the zelig2 method</a:t>
-            </a:r>
-          </a:p>
-          <a:p>
-            <a:endParaRPr lang="en-US" dirty="0"/>
+              <a:rPr lang="en-US"/>
+              <a:t>Today we are focusing on fitting the statistical model</a:t>
+            </a:r>
+          </a:p>
+          <a:p>
+            <a:r>
+              <a:rPr lang="en-US"/>
+              <a:t>Zelig requires (typically) that the model is fitted externally</a:t>
+            </a:r>
+          </a:p>
+          <a:p>
+            <a:r>
+              <a:rPr lang="en-US"/>
+              <a:t>Most models are based on "lm" or "glm" because of their general nature</a:t>
+            </a:r>
           </a:p>
         </p:txBody>
       </p:sp>
     </p:spTree>
-    <p:extLst>
-      <p:ext uri="{BB962C8B-B14F-4D97-AF65-F5344CB8AC3E}">
-        <p14:creationId xmlns="" xmlns:a="http://schemas.openxmlformats.org/drawingml/2006/main" xmlns:r="http://schemas.openxmlformats.org/officeDocument/2006/relationships" xmlns:p="http://schemas.openxmlformats.org/presentationml/2006/main" xmlns:p14="http://schemas.microsoft.com/office/powerpoint/2010/main" xmlns:mv="urn:schemas-microsoft-com:mac:vml" xmlns:mc="http://schemas.openxmlformats.org/markup-compatibility/2006" val="520387571"/>
-      </p:ext>
-    </p:extLst>
   </p:cSld>
   <p:clrMapOvr>
     <a:masterClrMapping/>
@@ -9387,9 +9460,10 @@
           <a:lstStyle/>
           <a:p>
             <a:r>
-              <a:rPr lang="en-US"/>
-              <a:t>Overview</a:t>
-            </a:r>
+              <a:rPr lang="en-US" dirty="0" smtClean="0"/>
+              <a:t>Goals</a:t>
+            </a:r>
+            <a:endParaRPr lang="en-US" dirty="0"/>
           </a:p>
         </p:txBody>
       </p:sp>
@@ -9405,29 +9479,73 @@
         </p:nvSpPr>
         <p:spPr/>
         <p:txBody>
-          <a:bodyPr/>
-          <a:lstStyle/>
-          <a:p>
-            <a:r>
-              <a:rPr lang="en-US"/>
-              <a:t>Today we are focusing on fitting the statistical model</a:t>
-            </a:r>
-          </a:p>
-          <a:p>
-            <a:r>
-              <a:rPr lang="en-US"/>
-              <a:t>Zelig requires (typically) that the model is fitted externally</a:t>
-            </a:r>
-          </a:p>
-          <a:p>
-            <a:r>
-              <a:rPr lang="en-US"/>
-              <a:t>Most models are based on "lm" or "glm" because of their general nature</a:t>
-            </a:r>
+          <a:bodyPr>
+            <a:normAutofit lnSpcReduction="10000"/>
+          </a:bodyPr>
+          <a:lstStyle/>
+          <a:p>
+            <a:r>
+              <a:rPr lang="en-US" dirty="0" smtClean="0"/>
+              <a:t>We are going to focus on simulating individual statistical models</a:t>
+            </a:r>
+          </a:p>
+          <a:p>
+            <a:r>
+              <a:rPr lang="en-US" dirty="0" smtClean="0"/>
+              <a:t>Each student will create an R package</a:t>
+            </a:r>
+          </a:p>
+          <a:p>
+            <a:r>
+              <a:rPr lang="en-US" dirty="0" smtClean="0"/>
+              <a:t>Each student will implement a single statistical model</a:t>
+            </a:r>
+          </a:p>
+          <a:p>
+            <a:r>
+              <a:rPr lang="en-US" dirty="0" smtClean="0"/>
+              <a:t>This model will be made up of 3 methods:</a:t>
+            </a:r>
+          </a:p>
+          <a:p>
+            <a:pPr lvl="1"/>
+            <a:r>
+              <a:rPr lang="en-US" dirty="0" smtClean="0"/>
+              <a:t>zelig2&lt;model-name&gt;</a:t>
+            </a:r>
+          </a:p>
+          <a:p>
+            <a:pPr lvl="1"/>
+            <a:r>
+              <a:rPr lang="en-US" dirty="0" err="1" smtClean="0"/>
+              <a:t>param</a:t>
+            </a:r>
+            <a:r>
+              <a:rPr lang="en-US" dirty="0" smtClean="0"/>
+              <a:t>.&lt;model-name&gt;</a:t>
+            </a:r>
+          </a:p>
+          <a:p>
+            <a:pPr lvl="1"/>
+            <a:r>
+              <a:rPr lang="en-US" dirty="0" smtClean="0"/>
+              <a:t>qi.&lt;model-name&gt;</a:t>
+            </a:r>
+          </a:p>
+          <a:p>
+            <a:endParaRPr lang="en-US" dirty="0" smtClean="0"/>
+          </a:p>
+          <a:p>
+            <a:endParaRPr lang="en-US" dirty="0"/>
           </a:p>
         </p:txBody>
       </p:sp>
     </p:spTree>
+    <p:extLst>
+      <p:ext uri="{BB962C8B-B14F-4D97-AF65-F5344CB8AC3E}">
+        <p14:creationId xmlns="" xmlns:a="http://schemas.openxmlformats.org/drawingml/2006/main" xmlns:r="http://schemas.openxmlformats.org/officeDocument/2006/relationships" xmlns:p="http://schemas.openxmlformats.org/presentationml/2006/main" xmlns:p14="http://schemas.microsoft.com/office/powerpoint/2010/main" xmlns:mv="urn:schemas-microsoft-com:mac:vml" xmlns:mc="http://schemas.openxmlformats.org/markup-compatibility/2006" val="1712515247"/>
+      </p:ext>
+    </p:extLst>
   </p:cSld>
   <p:clrMapOvr>
     <a:masterClrMapping/>
@@ -9596,139 +9714,6 @@
 </file>
 
 <file path=ppt/slides/slide40.xml><?xml version="1.0" encoding="utf-8"?>
-<p:sld xmlns:a="http://schemas.openxmlformats.org/drawingml/2006/main" xmlns:r="http://schemas.openxmlformats.org/officeDocument/2006/relationships" xmlns:mc="http://schemas.openxmlformats.org/markup-compatibility/2006" xmlns:mv="urn:schemas-microsoft-com:mac:vml" xmlns:p="http://schemas.openxmlformats.org/presentationml/2006/main" mc:Ignorable="mv" mc:PreserveAttributes="mv:*">
-  <p:cSld>
-    <p:spTree>
-      <p:nvGrpSpPr>
-        <p:cNvPr id="1" name=""/>
-        <p:cNvGrpSpPr/>
-        <p:nvPr/>
-      </p:nvGrpSpPr>
-      <p:grpSpPr>
-        <a:xfrm>
-          <a:off x="0" y="0"/>
-          <a:ext cx="0" cy="0"/>
-          <a:chOff x="0" y="0"/>
-          <a:chExt cx="0" cy="0"/>
-        </a:xfrm>
-      </p:grpSpPr>
-      <p:sp>
-        <p:nvSpPr>
-          <p:cNvPr id="2" name="Title 1"/>
-          <p:cNvSpPr>
-            <a:spLocks noGrp="1"/>
-          </p:cNvSpPr>
-          <p:nvPr>
-            <p:ph type="title"/>
-          </p:nvPr>
-        </p:nvSpPr>
-        <p:spPr/>
-        <p:txBody>
-          <a:bodyPr/>
-          <a:lstStyle/>
-          <a:p>
-            <a:r>
-              <a:rPr lang="en-US" dirty="0" smtClean="0"/>
-              <a:t>Goals</a:t>
-            </a:r>
-            <a:endParaRPr lang="en-US" dirty="0"/>
-          </a:p>
-        </p:txBody>
-      </p:sp>
-      <p:sp>
-        <p:nvSpPr>
-          <p:cNvPr id="3" name="Content Placeholder 2"/>
-          <p:cNvSpPr>
-            <a:spLocks noGrp="1"/>
-          </p:cNvSpPr>
-          <p:nvPr>
-            <p:ph idx="1"/>
-          </p:nvPr>
-        </p:nvSpPr>
-        <p:spPr/>
-        <p:txBody>
-          <a:bodyPr>
-            <a:normAutofit lnSpcReduction="10000"/>
-          </a:bodyPr>
-          <a:lstStyle/>
-          <a:p>
-            <a:r>
-              <a:rPr lang="en-US" dirty="0" smtClean="0"/>
-              <a:t>We are going to focus on simulating individual statistical models</a:t>
-            </a:r>
-          </a:p>
-          <a:p>
-            <a:r>
-              <a:rPr lang="en-US" dirty="0" smtClean="0"/>
-              <a:t>Each student will create an R package</a:t>
-            </a:r>
-          </a:p>
-          <a:p>
-            <a:r>
-              <a:rPr lang="en-US" dirty="0" smtClean="0"/>
-              <a:t>Each student will implement a single statistical model</a:t>
-            </a:r>
-          </a:p>
-          <a:p>
-            <a:r>
-              <a:rPr lang="en-US" dirty="0" smtClean="0"/>
-              <a:t>This model will be made up of 3 methods:</a:t>
-            </a:r>
-          </a:p>
-          <a:p>
-            <a:pPr lvl="1"/>
-            <a:r>
-              <a:rPr lang="en-US" dirty="0" smtClean="0"/>
-              <a:t>zelig2&lt;model-name&gt;</a:t>
-            </a:r>
-          </a:p>
-          <a:p>
-            <a:pPr lvl="1"/>
-            <a:r>
-              <a:rPr lang="en-US" dirty="0" err="1" smtClean="0"/>
-              <a:t>param</a:t>
-            </a:r>
-            <a:r>
-              <a:rPr lang="en-US" dirty="0" smtClean="0"/>
-              <a:t>.&lt;model-name&gt;</a:t>
-            </a:r>
-          </a:p>
-          <a:p>
-            <a:pPr lvl="1"/>
-            <a:r>
-              <a:rPr lang="en-US" dirty="0" smtClean="0"/>
-              <a:t>qi.&lt;model-name&gt;</a:t>
-            </a:r>
-          </a:p>
-          <a:p>
-            <a:endParaRPr lang="en-US" dirty="0" smtClean="0"/>
-          </a:p>
-          <a:p>
-            <a:endParaRPr lang="en-US" dirty="0"/>
-          </a:p>
-        </p:txBody>
-      </p:sp>
-    </p:spTree>
-    <p:extLst>
-      <p:ext uri="{BB962C8B-B14F-4D97-AF65-F5344CB8AC3E}">
-        <p14:creationId xmlns="" xmlns:a="http://schemas.openxmlformats.org/drawingml/2006/main" xmlns:r="http://schemas.openxmlformats.org/officeDocument/2006/relationships" xmlns:p="http://schemas.openxmlformats.org/presentationml/2006/main" xmlns:p14="http://schemas.microsoft.com/office/powerpoint/2010/main" xmlns:mv="urn:schemas-microsoft-com:mac:vml" xmlns:mc="http://schemas.openxmlformats.org/markup-compatibility/2006" val="1712515247"/>
-      </p:ext>
-    </p:extLst>
-  </p:cSld>
-  <p:clrMapOvr>
-    <a:masterClrMapping/>
-  </p:clrMapOvr>
-  <p:timing>
-    <p:tnLst>
-      <p:par>
-        <p:cTn id="1" dur="indefinite" restart="never" nodeType="tmRoot"/>
-      </p:par>
-    </p:tnLst>
-  </p:timing>
-</p:sld>
-</file>
-
-<file path=ppt/slides/slide41.xml><?xml version="1.0" encoding="utf-8"?>
 <p:sld xmlns:a="http://schemas.openxmlformats.org/drawingml/2006/main" xmlns:r="http://schemas.openxmlformats.org/officeDocument/2006/relationships" xmlns:mc="http://schemas.openxmlformats.org/markup-compatibility/2006" xmlns:mv="urn:schemas-microsoft-com:mac:vml" xmlns:p="http://schemas.openxmlformats.org/presentationml/2006/main" mc:Ignorable="mv" mc:PreserveAttributes="mv:*">
   <p:cSld>
     <p:spTree>
@@ -11416,7 +11401,7 @@
 </p:sld>
 </file>
 
-<file path=ppt/slides/slide42.xml><?xml version="1.0" encoding="utf-8"?>
+<file path=ppt/slides/slide41.xml><?xml version="1.0" encoding="utf-8"?>
 <p:sld xmlns:a="http://schemas.openxmlformats.org/drawingml/2006/main" xmlns:r="http://schemas.openxmlformats.org/officeDocument/2006/relationships" xmlns:mc="http://schemas.openxmlformats.org/markup-compatibility/2006" xmlns:mv="urn:schemas-microsoft-com:mac:vml" xmlns:p="http://schemas.openxmlformats.org/presentationml/2006/main" mc:Ignorable="mv" mc:PreserveAttributes="mv:*">
   <p:cSld>
     <p:spTree>
@@ -11515,7 +11500,7 @@
 </p:sld>
 </file>
 
-<file path=ppt/slides/slide43.xml><?xml version="1.0" encoding="utf-8"?>
+<file path=ppt/slides/slide42.xml><?xml version="1.0" encoding="utf-8"?>
 <p:sld xmlns:a="http://schemas.openxmlformats.org/drawingml/2006/main" xmlns:r="http://schemas.openxmlformats.org/officeDocument/2006/relationships" xmlns:mc="http://schemas.openxmlformats.org/markup-compatibility/2006" xmlns:mv="urn:schemas-microsoft-com:mac:vml" xmlns:p="http://schemas.openxmlformats.org/presentationml/2006/main" mc:Ignorable="mv" mc:PreserveAttributes="mv:*">
   <p:cSld>
     <p:spTree>
@@ -13049,6 +13034,114 @@
 </p:sld>
 </file>
 
+<file path=ppt/slides/slide43.xml><?xml version="1.0" encoding="utf-8"?>
+<p:sld xmlns:a="http://schemas.openxmlformats.org/drawingml/2006/main" xmlns:r="http://schemas.openxmlformats.org/officeDocument/2006/relationships" xmlns:mc="http://schemas.openxmlformats.org/markup-compatibility/2006" xmlns:mv="urn:schemas-microsoft-com:mac:vml" xmlns:p="http://schemas.openxmlformats.org/presentationml/2006/main" mc:Ignorable="mv" mc:PreserveAttributes="mv:*">
+  <p:cSld>
+    <p:spTree>
+      <p:nvGrpSpPr>
+        <p:cNvPr id="1" name=""/>
+        <p:cNvGrpSpPr/>
+        <p:nvPr/>
+      </p:nvGrpSpPr>
+      <p:grpSpPr>
+        <a:xfrm>
+          <a:off x="0" y="0"/>
+          <a:ext cx="0" cy="0"/>
+          <a:chOff x="0" y="0"/>
+          <a:chExt cx="0" cy="0"/>
+        </a:xfrm>
+      </p:grpSpPr>
+      <p:sp>
+        <p:nvSpPr>
+          <p:cNvPr id="2" name="Title 1"/>
+          <p:cNvSpPr>
+            <a:spLocks noGrp="1"/>
+          </p:cNvSpPr>
+          <p:nvPr>
+            <p:ph type="title"/>
+          </p:nvPr>
+        </p:nvSpPr>
+        <p:spPr/>
+        <p:txBody>
+          <a:bodyPr/>
+          <a:lstStyle/>
+          <a:p>
+            <a:r>
+              <a:rPr lang="en-US"/>
+              <a:t>zelig2: Function Signature</a:t>
+            </a:r>
+          </a:p>
+        </p:txBody>
+      </p:sp>
+      <p:sp>
+        <p:nvSpPr>
+          <p:cNvPr id="3" name="Content Placeholder 2"/>
+          <p:cNvSpPr>
+            <a:spLocks noGrp="1"/>
+          </p:cNvSpPr>
+          <p:nvPr>
+            <p:ph idx="1"/>
+          </p:nvPr>
+        </p:nvSpPr>
+        <p:spPr/>
+        <p:txBody>
+          <a:bodyPr/>
+          <a:lstStyle/>
+          <a:p>
+            <a:r>
+              <a:rPr lang="en-US"/>
+              <a:t>"formula" specifies the model formula</a:t>
+            </a:r>
+          </a:p>
+          <a:p>
+            <a:r>
+              <a:rPr lang="en-US"/>
+              <a:t>"data" specifies the data.frame</a:t>
+            </a:r>
+          </a:p>
+          <a:p>
+            <a:r>
+              <a:rPr lang="en-US"/>
+              <a:t>All other parameters are </a:t>
+            </a:r>
+            <a:r>
+              <a:rPr lang="en-US" b="1"/>
+              <a:t>optional</a:t>
+            </a:r>
+          </a:p>
+          <a:p>
+            <a:r>
+              <a:rPr lang="en-US"/>
+              <a:t>Other parameters are determined by the model fitting function's requirements</a:t>
+            </a:r>
+          </a:p>
+          <a:p>
+            <a:pPr lvl="1"/>
+            <a:r>
+              <a:rPr lang="en-US"/>
+              <a:t>Use "args" to determine what parameters are available for the model-fitting function</a:t>
+            </a:r>
+          </a:p>
+          <a:p>
+            <a:endParaRPr lang="en-US"/>
+          </a:p>
+        </p:txBody>
+      </p:sp>
+    </p:spTree>
+  </p:cSld>
+  <p:clrMapOvr>
+    <a:masterClrMapping/>
+  </p:clrMapOvr>
+  <p:timing>
+    <p:tnLst>
+      <p:par>
+        <p:cTn id="1" dur="indefinite" restart="never" nodeType="tmRoot"/>
+      </p:par>
+    </p:tnLst>
+  </p:timing>
+</p:sld>
+</file>
+
 <file path=ppt/slides/slide44.xml><?xml version="1.0" encoding="utf-8"?>
 <p:sld xmlns:a="http://schemas.openxmlformats.org/drawingml/2006/main" xmlns:r="http://schemas.openxmlformats.org/officeDocument/2006/relationships" xmlns:mc="http://schemas.openxmlformats.org/markup-compatibility/2006" xmlns:mv="urn:schemas-microsoft-com:mac:vml" xmlns:p="http://schemas.openxmlformats.org/presentationml/2006/main" mc:Ignorable="mv" mc:PreserveAttributes="mv:*">
   <p:cSld>
@@ -13083,7 +13176,7 @@
           <a:p>
             <a:r>
               <a:rPr lang="en-US"/>
-              <a:t>zelig2: Function Signature</a:t>
+              <a:t>zelig2: Function Body</a:t>
             </a:r>
           </a:p>
         </p:txBody>
@@ -13105,37 +13198,36 @@
           <a:p>
             <a:r>
               <a:rPr lang="en-US"/>
-              <a:t>"formula" specifies the model formula</a:t>
-            </a:r>
-          </a:p>
-          <a:p>
-            <a:r>
-              <a:rPr lang="en-US"/>
-              <a:t>"data" specifies the data.frame</a:t>
-            </a:r>
-          </a:p>
-          <a:p>
-            <a:r>
-              <a:rPr lang="en-US"/>
-              <a:t>All other parameters are </a:t>
-            </a:r>
-            <a:r>
-              <a:rPr lang="en-US" b="1"/>
-              <a:t>optional</a:t>
-            </a:r>
-          </a:p>
-          <a:p>
-            <a:r>
-              <a:rPr lang="en-US"/>
-              <a:t>Other parameters are determined by the model fitting function's requirements</a:t>
+              <a:t>Typically does very little</a:t>
+            </a:r>
+          </a:p>
+          <a:p>
+            <a:r>
+              <a:rPr lang="en-US"/>
+              <a:t>Can be used to</a:t>
             </a:r>
           </a:p>
           <a:p>
             <a:pPr lvl="1"/>
             <a:r>
               <a:rPr lang="en-US"/>
-              <a:t>Use "args" to determine what parameters are available for the model-fitting function</a:t>
-            </a:r>
+              <a:t>Print-out error and warning messages</a:t>
+            </a:r>
+          </a:p>
+          <a:p>
+            <a:pPr lvl="1"/>
+            <a:r>
+              <a:rPr lang="en-US"/>
+              <a:t>Manipulate model formulae</a:t>
+            </a:r>
+          </a:p>
+          <a:p>
+            <a:pPr lvl="1"/>
+            <a:r>
+              <a:rPr lang="en-US"/>
+              <a:t>Assign default values that do not exist for the model-fitting function</a:t>
+            </a:r>
+            <a:endParaRPr lang="en-US"/>
           </a:p>
           <a:p>
             <a:endParaRPr lang="en-US"/>
@@ -13191,7 +13283,7 @@
           <a:p>
             <a:r>
               <a:rPr lang="en-US"/>
-              <a:t>zelig2: Function Body</a:t>
+              <a:t>zelig2: Return Value</a:t>
             </a:r>
           </a:p>
         </p:txBody>
@@ -13213,39 +13305,22 @@
           <a:p>
             <a:r>
               <a:rPr lang="en-US"/>
-              <a:t>Typically does very little</a:t>
-            </a:r>
-          </a:p>
-          <a:p>
-            <a:r>
-              <a:rPr lang="en-US"/>
-              <a:t>Can be used to</a:t>
-            </a:r>
-          </a:p>
-          <a:p>
-            <a:pPr lvl="1"/>
-            <a:r>
-              <a:rPr lang="en-US"/>
-              <a:t>Print-out error and warning messages</a:t>
-            </a:r>
-          </a:p>
-          <a:p>
-            <a:pPr lvl="1"/>
-            <a:r>
-              <a:rPr lang="en-US"/>
-              <a:t>Manipulate model formulae</a:t>
-            </a:r>
-          </a:p>
-          <a:p>
-            <a:pPr lvl="1"/>
-            <a:r>
-              <a:rPr lang="en-US"/>
-              <a:t>Assign default values that do not exist for the model-fitting function</a:t>
-            </a:r>
-            <a:endParaRPr lang="en-US"/>
-          </a:p>
-          <a:p>
-            <a:endParaRPr lang="en-US"/>
+              <a:t>".function" specifies the name of model-fitting function</a:t>
+            </a:r>
+          </a:p>
+          <a:p>
+            <a:r>
+              <a:rPr lang="en-US"/>
+              <a:t>All other entries specify values to be </a:t>
+            </a:r>
+            <a:r>
+              <a:rPr lang="en-US" b="1"/>
+              <a:t>explicitly</a:t>
+            </a:r>
+            <a:r>
+              <a:rPr lang="en-US"/>
+              <a:t> set for the model-fitting function</a:t>
+            </a:r>
           </a:p>
         </p:txBody>
       </p:sp>
@@ -13298,7 +13373,7 @@
           <a:p>
             <a:r>
               <a:rPr lang="en-US"/>
-              <a:t>zelig2: Return Value</a:t>
+              <a:t>zelig2</a:t>
             </a:r>
           </a:p>
         </p:txBody>
@@ -13319,22 +13394,52 @@
           <a:lstStyle/>
           <a:p>
             <a:r>
-              <a:rPr lang="en-US"/>
-              <a:t>".function" specifies the name of model-fitting function</a:t>
-            </a:r>
-          </a:p>
-          <a:p>
-            <a:r>
-              <a:rPr lang="en-US"/>
-              <a:t>All other entries specify values to be </a:t>
-            </a:r>
-            <a:r>
               <a:rPr lang="en-US" b="1"/>
-              <a:t>explicitly</a:t>
-            </a:r>
-            <a:r>
-              <a:rPr lang="en-US"/>
-              <a:t> set for the model-fitting function</a:t>
+              <a:t>Does not</a:t>
+            </a:r>
+            <a:r>
+              <a:rPr lang="en-US"/>
+              <a:t> fit models itself</a:t>
+            </a:r>
+          </a:p>
+          <a:p>
+            <a:r>
+              <a:rPr lang="en-US"/>
+              <a:t>Uses outside models to fit data</a:t>
+            </a:r>
+          </a:p>
+          <a:p>
+            <a:pPr lvl="1"/>
+            <a:r>
+              <a:rPr lang="en-US"/>
+              <a:t>"lm", "glm", "nlme", etc.</a:t>
+            </a:r>
+          </a:p>
+          <a:p>
+            <a:r>
+              <a:rPr lang="en-US"/>
+              <a:t>Manages how zelig interacts with these models:</a:t>
+            </a:r>
+          </a:p>
+          <a:p>
+            <a:pPr lvl="1"/>
+            <a:r>
+              <a:rPr lang="en-US"/>
+              <a:t>Specifies what function will fit the model</a:t>
+            </a:r>
+          </a:p>
+          <a:p>
+            <a:pPr lvl="1"/>
+            <a:r>
+              <a:rPr lang="en-US"/>
+              <a:t>Specifies parameters</a:t>
+            </a:r>
+          </a:p>
+          <a:p>
+            <a:pPr lvl="1"/>
+            <a:r>
+              <a:rPr lang="en-US"/>
+              <a:t>Manipulates objects</a:t>
             </a:r>
           </a:p>
         </p:txBody>
@@ -13373,12 +13478,12 @@
       </p:grpSpPr>
       <p:sp>
         <p:nvSpPr>
-          <p:cNvPr id="2" name="Title 1"/>
-          <p:cNvSpPr>
-            <a:spLocks noGrp="1"/>
-          </p:cNvSpPr>
-          <p:nvPr>
-            <p:ph type="title"/>
+          <p:cNvPr id="4" name="Title 3"/>
+          <p:cNvSpPr>
+            <a:spLocks noGrp="1"/>
+          </p:cNvSpPr>
+          <p:nvPr>
+            <p:ph type="ctrTitle"/>
           </p:nvPr>
         </p:nvSpPr>
         <p:spPr/>
@@ -13388,19 +13493,19 @@
           <a:p>
             <a:r>
               <a:rPr lang="en-US"/>
-              <a:t>zelig2</a:t>
-            </a:r>
-          </a:p>
-        </p:txBody>
-      </p:sp>
-      <p:sp>
-        <p:nvSpPr>
-          <p:cNvPr id="3" name="Content Placeholder 2"/>
-          <p:cNvSpPr>
-            <a:spLocks noGrp="1"/>
-          </p:cNvSpPr>
-          <p:nvPr>
-            <p:ph idx="1"/>
+              <a:t>Miscellaneous Topics</a:t>
+            </a:r>
+          </a:p>
+        </p:txBody>
+      </p:sp>
+      <p:sp>
+        <p:nvSpPr>
+          <p:cNvPr id="5" name="Subtitle 4"/>
+          <p:cNvSpPr>
+            <a:spLocks noGrp="1"/>
+          </p:cNvSpPr>
+          <p:nvPr>
+            <p:ph type="subTitle" idx="1"/>
           </p:nvPr>
         </p:nvSpPr>
         <p:spPr/>
@@ -13408,54 +13513,7 @@
           <a:bodyPr/>
           <a:lstStyle/>
           <a:p>
-            <a:r>
-              <a:rPr lang="en-US" b="1"/>
-              <a:t>Does not</a:t>
-            </a:r>
-            <a:r>
-              <a:rPr lang="en-US"/>
-              <a:t> fit models itself</a:t>
-            </a:r>
-          </a:p>
-          <a:p>
-            <a:r>
-              <a:rPr lang="en-US"/>
-              <a:t>Uses outside models to fit data</a:t>
-            </a:r>
-          </a:p>
-          <a:p>
-            <a:pPr lvl="1"/>
-            <a:r>
-              <a:rPr lang="en-US"/>
-              <a:t>"lm", "glm", "nlme", etc.</a:t>
-            </a:r>
-          </a:p>
-          <a:p>
-            <a:r>
-              <a:rPr lang="en-US"/>
-              <a:t>Manages how zelig interacts with these models:</a:t>
-            </a:r>
-          </a:p>
-          <a:p>
-            <a:pPr lvl="1"/>
-            <a:r>
-              <a:rPr lang="en-US"/>
-              <a:t>Specifies what function will fit the model</a:t>
-            </a:r>
-          </a:p>
-          <a:p>
-            <a:pPr lvl="1"/>
-            <a:r>
-              <a:rPr lang="en-US"/>
-              <a:t>Specifies parameters</a:t>
-            </a:r>
-          </a:p>
-          <a:p>
-            <a:pPr lvl="1"/>
-            <a:r>
-              <a:rPr lang="en-US"/>
-              <a:t>Manipulates objects</a:t>
-            </a:r>
+            <a:endParaRPr lang="en-US"/>
           </a:p>
         </p:txBody>
       </p:sp>
@@ -13464,13 +13522,6 @@
   <p:clrMapOvr>
     <a:masterClrMapping/>
   </p:clrMapOvr>
-  <p:timing>
-    <p:tnLst>
-      <p:par>
-        <p:cTn id="1" dur="indefinite" restart="never" nodeType="tmRoot"/>
-      </p:par>
-    </p:tnLst>
-  </p:timing>
 </p:sld>
 </file>
 
@@ -13493,12 +13544,12 @@
       </p:grpSpPr>
       <p:sp>
         <p:nvSpPr>
-          <p:cNvPr id="4" name="Title 3"/>
-          <p:cNvSpPr>
-            <a:spLocks noGrp="1"/>
-          </p:cNvSpPr>
-          <p:nvPr>
-            <p:ph type="ctrTitle"/>
+          <p:cNvPr id="2" name="Title 1"/>
+          <p:cNvSpPr>
+            <a:spLocks noGrp="1"/>
+          </p:cNvSpPr>
+          <p:nvPr>
+            <p:ph type="title"/>
           </p:nvPr>
         </p:nvSpPr>
         <p:spPr/>
@@ -13508,25 +13559,63 @@
           <a:p>
             <a:r>
               <a:rPr lang="en-US"/>
-              <a:t>Miscellaneous Topics</a:t>
-            </a:r>
-          </a:p>
-        </p:txBody>
-      </p:sp>
-      <p:sp>
-        <p:nvSpPr>
-          <p:cNvPr id="5" name="Subtitle 4"/>
-          <p:cNvSpPr>
-            <a:spLocks noGrp="1"/>
-          </p:cNvSpPr>
-          <p:nvPr>
-            <p:ph type="subTitle" idx="1"/>
+              <a:t>Family Objects</a:t>
+            </a:r>
+          </a:p>
+        </p:txBody>
+      </p:sp>
+      <p:sp>
+        <p:nvSpPr>
+          <p:cNvPr id="3" name="Content Placeholder 2"/>
+          <p:cNvSpPr>
+            <a:spLocks noGrp="1"/>
+          </p:cNvSpPr>
+          <p:nvPr>
+            <p:ph idx="1"/>
           </p:nvPr>
         </p:nvSpPr>
         <p:spPr/>
         <p:txBody>
           <a:bodyPr/>
           <a:lstStyle/>
+          <a:p>
+            <a:r>
+              <a:rPr lang="en-US"/>
+              <a:t>Store information about link functions</a:t>
+            </a:r>
+          </a:p>
+          <a:p>
+            <a:pPr lvl="1"/>
+            <a:r>
+              <a:rPr lang="en-US"/>
+              <a:t>"Link" functions help specify the relationship between the observed value and the underlying linear predictors</a:t>
+            </a:r>
+          </a:p>
+          <a:p>
+            <a:pPr lvl="1"/>
+            <a:r>
+              <a:rPr lang="en-US"/>
+              <a:t>"Inverse Link" simply inverse this process</a:t>
+            </a:r>
+          </a:p>
+          <a:p>
+            <a:r>
+              <a:rPr lang="en-US"/>
+              <a:t>Used by model-fitting functions</a:t>
+            </a:r>
+          </a:p>
+          <a:p>
+            <a:r>
+              <a:rPr lang="en-US"/>
+              <a:t>Inverse link functions are used in qi simulation</a:t>
+            </a:r>
+          </a:p>
+          <a:p>
+            <a:r>
+              <a:rPr lang="en-US"/>
+              <a:t>See help documentation: "?family"</a:t>
+            </a:r>
+          </a:p>
           <a:p>
             <a:endParaRPr lang="en-US"/>
           </a:p>
@@ -13537,6 +13626,13 @@
   <p:clrMapOvr>
     <a:masterClrMapping/>
   </p:clrMapOvr>
+  <p:timing>
+    <p:tnLst>
+      <p:par>
+        <p:cTn id="1" dur="indefinite" restart="never" nodeType="tmRoot"/>
+      </p:par>
+    </p:tnLst>
+  </p:timing>
 </p:sld>
 </file>
 
@@ -13559,12 +13655,12 @@
       </p:grpSpPr>
       <p:sp>
         <p:nvSpPr>
-          <p:cNvPr id="2" name="Title 1"/>
-          <p:cNvSpPr>
-            <a:spLocks noGrp="1"/>
-          </p:cNvSpPr>
-          <p:nvPr>
-            <p:ph type="title"/>
+          <p:cNvPr id="6" name="Title 5"/>
+          <p:cNvSpPr>
+            <a:spLocks noGrp="1"/>
+          </p:cNvSpPr>
+          <p:nvPr>
+            <p:ph type="ctrTitle"/>
           </p:nvPr>
         </p:nvSpPr>
         <p:spPr/>
@@ -13574,63 +13670,25 @@
           <a:p>
             <a:r>
               <a:rPr lang="en-US"/>
-              <a:t>Family Objects</a:t>
-            </a:r>
-          </a:p>
-        </p:txBody>
-      </p:sp>
-      <p:sp>
-        <p:nvSpPr>
-          <p:cNvPr id="3" name="Content Placeholder 2"/>
-          <p:cNvSpPr>
-            <a:spLocks noGrp="1"/>
-          </p:cNvSpPr>
-          <p:nvPr>
-            <p:ph idx="1"/>
+              <a:t>Workflow</a:t>
+            </a:r>
+          </a:p>
+        </p:txBody>
+      </p:sp>
+      <p:sp>
+        <p:nvSpPr>
+          <p:cNvPr id="7" name="Subtitle 6"/>
+          <p:cNvSpPr>
+            <a:spLocks noGrp="1"/>
+          </p:cNvSpPr>
+          <p:nvPr>
+            <p:ph type="subTitle" idx="1"/>
           </p:nvPr>
         </p:nvSpPr>
         <p:spPr/>
         <p:txBody>
           <a:bodyPr/>
           <a:lstStyle/>
-          <a:p>
-            <a:r>
-              <a:rPr lang="en-US"/>
-              <a:t>Store information about link functions</a:t>
-            </a:r>
-          </a:p>
-          <a:p>
-            <a:pPr lvl="1"/>
-            <a:r>
-              <a:rPr lang="en-US"/>
-              <a:t>"Link" functions help specify the relationship between the observed value and the underlying linear predictors</a:t>
-            </a:r>
-          </a:p>
-          <a:p>
-            <a:pPr lvl="1"/>
-            <a:r>
-              <a:rPr lang="en-US"/>
-              <a:t>"Inverse Link" simply inverse this process</a:t>
-            </a:r>
-          </a:p>
-          <a:p>
-            <a:r>
-              <a:rPr lang="en-US"/>
-              <a:t>Used by model-fitting functions</a:t>
-            </a:r>
-          </a:p>
-          <a:p>
-            <a:r>
-              <a:rPr lang="en-US"/>
-              <a:t>Inverse link functions are used in qi simulation</a:t>
-            </a:r>
-          </a:p>
-          <a:p>
-            <a:r>
-              <a:rPr lang="en-US"/>
-              <a:t>See help documentation: "?family"</a:t>
-            </a:r>
-          </a:p>
           <a:p>
             <a:endParaRPr lang="en-US"/>
           </a:p>
@@ -13811,12 +13869,12 @@
       </p:grpSpPr>
       <p:sp>
         <p:nvSpPr>
-          <p:cNvPr id="6" name="Title 5"/>
-          <p:cNvSpPr>
-            <a:spLocks noGrp="1"/>
-          </p:cNvSpPr>
-          <p:nvPr>
-            <p:ph type="ctrTitle"/>
+          <p:cNvPr id="2" name="Title 1"/>
+          <p:cNvSpPr>
+            <a:spLocks noGrp="1"/>
+          </p:cNvSpPr>
+          <p:nvPr>
+            <p:ph type="title"/>
           </p:nvPr>
         </p:nvSpPr>
         <p:spPr/>
@@ -13833,12 +13891,12 @@
       </p:sp>
       <p:sp>
         <p:nvSpPr>
-          <p:cNvPr id="7" name="Subtitle 6"/>
-          <p:cNvSpPr>
-            <a:spLocks noGrp="1"/>
-          </p:cNvSpPr>
-          <p:nvPr>
-            <p:ph type="subTitle" idx="1"/>
+          <p:cNvPr id="3" name="Content Placeholder 2"/>
+          <p:cNvSpPr>
+            <a:spLocks noGrp="1"/>
+          </p:cNvSpPr>
+          <p:nvPr>
+            <p:ph idx="1"/>
           </p:nvPr>
         </p:nvSpPr>
         <p:spPr/>
@@ -13846,7 +13904,45 @@
           <a:bodyPr/>
           <a:lstStyle/>
           <a:p>
-            <a:endParaRPr lang="en-US"/>
+            <a:r>
+              <a:rPr lang="en-US" dirty="0"/>
+              <a:t>Find existing model</a:t>
+            </a:r>
+          </a:p>
+          <a:p>
+            <a:r>
+              <a:rPr lang="en-US" dirty="0"/>
+              <a:t>Determine what the arguments are</a:t>
+            </a:r>
+          </a:p>
+          <a:p>
+            <a:r>
+              <a:rPr lang="en-US" dirty="0"/>
+              <a:t>Return a list at the bottom of the function</a:t>
+            </a:r>
+          </a:p>
+          <a:p>
+            <a:r>
+              <a:rPr lang="en-US" dirty="0"/>
+              <a:t>Manipulate objects</a:t>
+            </a:r>
+          </a:p>
+          <a:p>
+            <a:r>
+              <a:rPr lang="en-US" dirty="0"/>
+              <a:t>Write </a:t>
+            </a:r>
+            <a:r>
+              <a:rPr lang="en-US" dirty="0" smtClean="0"/>
+              <a:t>warnings</a:t>
+            </a:r>
+            <a:endParaRPr lang="en-US" dirty="0"/>
+          </a:p>
+          <a:p>
+            <a:r>
+              <a:rPr lang="en-US" dirty="0"/>
+              <a:t>Document</a:t>
+            </a:r>
           </a:p>
         </p:txBody>
       </p:sp>
@@ -13898,117 +13994,6 @@
           <a:lstStyle/>
           <a:p>
             <a:r>
-              <a:rPr lang="en-US"/>
-              <a:t>Workflow</a:t>
-            </a:r>
-          </a:p>
-        </p:txBody>
-      </p:sp>
-      <p:sp>
-        <p:nvSpPr>
-          <p:cNvPr id="3" name="Content Placeholder 2"/>
-          <p:cNvSpPr>
-            <a:spLocks noGrp="1"/>
-          </p:cNvSpPr>
-          <p:nvPr>
-            <p:ph idx="1"/>
-          </p:nvPr>
-        </p:nvSpPr>
-        <p:spPr/>
-        <p:txBody>
-          <a:bodyPr/>
-          <a:lstStyle/>
-          <a:p>
-            <a:r>
-              <a:rPr lang="en-US" dirty="0"/>
-              <a:t>Find existing model</a:t>
-            </a:r>
-          </a:p>
-          <a:p>
-            <a:r>
-              <a:rPr lang="en-US" dirty="0"/>
-              <a:t>Determine what the arguments are</a:t>
-            </a:r>
-          </a:p>
-          <a:p>
-            <a:r>
-              <a:rPr lang="en-US" dirty="0"/>
-              <a:t>Return a list at the bottom of the function</a:t>
-            </a:r>
-          </a:p>
-          <a:p>
-            <a:r>
-              <a:rPr lang="en-US" dirty="0"/>
-              <a:t>Manipulate objects</a:t>
-            </a:r>
-          </a:p>
-          <a:p>
-            <a:r>
-              <a:rPr lang="en-US" dirty="0"/>
-              <a:t>Write </a:t>
-            </a:r>
-            <a:r>
-              <a:rPr lang="en-US" dirty="0" smtClean="0"/>
-              <a:t>warnings</a:t>
-            </a:r>
-            <a:endParaRPr lang="en-US" dirty="0"/>
-          </a:p>
-          <a:p>
-            <a:r>
-              <a:rPr lang="en-US" dirty="0"/>
-              <a:t>Document</a:t>
-            </a:r>
-          </a:p>
-        </p:txBody>
-      </p:sp>
-    </p:spTree>
-  </p:cSld>
-  <p:clrMapOvr>
-    <a:masterClrMapping/>
-  </p:clrMapOvr>
-  <p:timing>
-    <p:tnLst>
-      <p:par>
-        <p:cTn id="1" dur="indefinite" restart="never" nodeType="tmRoot"/>
-      </p:par>
-    </p:tnLst>
-  </p:timing>
-</p:sld>
-</file>
-
-<file path=ppt/slides/slide52.xml><?xml version="1.0" encoding="utf-8"?>
-<p:sld xmlns:a="http://schemas.openxmlformats.org/drawingml/2006/main" xmlns:r="http://schemas.openxmlformats.org/officeDocument/2006/relationships" xmlns:mc="http://schemas.openxmlformats.org/markup-compatibility/2006" xmlns:mv="urn:schemas-microsoft-com:mac:vml" xmlns:p="http://schemas.openxmlformats.org/presentationml/2006/main" mc:Ignorable="mv" mc:PreserveAttributes="mv:*">
-  <p:cSld>
-    <p:spTree>
-      <p:nvGrpSpPr>
-        <p:cNvPr id="1" name=""/>
-        <p:cNvGrpSpPr/>
-        <p:nvPr/>
-      </p:nvGrpSpPr>
-      <p:grpSpPr>
-        <a:xfrm>
-          <a:off x="0" y="0"/>
-          <a:ext cx="0" cy="0"/>
-          <a:chOff x="0" y="0"/>
-          <a:chExt cx="0" cy="0"/>
-        </a:xfrm>
-      </p:grpSpPr>
-      <p:sp>
-        <p:nvSpPr>
-          <p:cNvPr id="2" name="Title 1"/>
-          <p:cNvSpPr>
-            <a:spLocks noGrp="1"/>
-          </p:cNvSpPr>
-          <p:nvPr>
-            <p:ph type="title"/>
-          </p:nvPr>
-        </p:nvSpPr>
-        <p:spPr/>
-        <p:txBody>
-          <a:bodyPr/>
-          <a:lstStyle/>
-          <a:p>
-            <a:r>
               <a:rPr lang="en-US" dirty="0" smtClean="0"/>
               <a:t>Workflow</a:t>
             </a:r>
@@ -14091,7 +14076,7 @@
 </p:sld>
 </file>
 
-<file path=ppt/slides/slide53.xml><?xml version="1.0" encoding="utf-8"?>
+<file path=ppt/slides/slide52.xml><?xml version="1.0" encoding="utf-8"?>
 <p:sld xmlns:a="http://schemas.openxmlformats.org/drawingml/2006/main" xmlns:r="http://schemas.openxmlformats.org/officeDocument/2006/relationships" xmlns:mc="http://schemas.openxmlformats.org/markup-compatibility/2006" xmlns:mv="urn:schemas-microsoft-com:mac:vml" xmlns:p="http://schemas.openxmlformats.org/presentationml/2006/main" mc:Ignorable="mv" mc:PreserveAttributes="mv:*">
   <p:cSld>
     <p:spTree>

--- a/January-Class/Zelig_1_regressions.pptx
+++ b/January-Class/Zelig_1_regressions.pptx
@@ -5,7 +5,7 @@
     <p:sldMasterId id="2147483694" r:id="rId1"/>
   </p:sldMasterIdLst>
   <p:notesMasterIdLst>
-    <p:notesMasterId r:id="rId54"/>
+    <p:notesMasterId r:id="rId53"/>
   </p:notesMasterIdLst>
   <p:sldIdLst>
     <p:sldId id="256" r:id="rId2"/>
@@ -46,20 +46,19 @@
     <p:sldId id="328" r:id="rId37"/>
     <p:sldId id="330" r:id="rId38"/>
     <p:sldId id="272" r:id="rId39"/>
-    <p:sldId id="331" r:id="rId40"/>
-    <p:sldId id="363" r:id="rId41"/>
-    <p:sldId id="342" r:id="rId42"/>
-    <p:sldId id="275" r:id="rId43"/>
-    <p:sldId id="343" r:id="rId44"/>
-    <p:sldId id="344" r:id="rId45"/>
-    <p:sldId id="345" r:id="rId46"/>
-    <p:sldId id="273" r:id="rId47"/>
-    <p:sldId id="374" r:id="rId48"/>
-    <p:sldId id="279" r:id="rId49"/>
-    <p:sldId id="337" r:id="rId50"/>
-    <p:sldId id="278" r:id="rId51"/>
-    <p:sldId id="316" r:id="rId52"/>
-    <p:sldId id="338" r:id="rId53"/>
+    <p:sldId id="363" r:id="rId40"/>
+    <p:sldId id="342" r:id="rId41"/>
+    <p:sldId id="275" r:id="rId42"/>
+    <p:sldId id="343" r:id="rId43"/>
+    <p:sldId id="344" r:id="rId44"/>
+    <p:sldId id="345" r:id="rId45"/>
+    <p:sldId id="273" r:id="rId46"/>
+    <p:sldId id="374" r:id="rId47"/>
+    <p:sldId id="279" r:id="rId48"/>
+    <p:sldId id="337" r:id="rId49"/>
+    <p:sldId id="278" r:id="rId50"/>
+    <p:sldId id="316" r:id="rId51"/>
+    <p:sldId id="375" r:id="rId52"/>
   </p:sldIdLst>
   <p:sldSz cx="9144000" cy="6858000" type="screen4x3"/>
   <p:notesSz cx="6858000" cy="9144000"/>
@@ -414,7 +413,7 @@
     </p:spTree>
     <p:extLst>
       <p:ext uri="{BB962C8B-B14F-4D97-AF65-F5344CB8AC3E}">
-        <p14:creationId xmlns="" xmlns:a="http://schemas.openxmlformats.org/drawingml/2006/main" xmlns:r="http://schemas.openxmlformats.org/officeDocument/2006/relationships" xmlns:p="http://schemas.openxmlformats.org/presentationml/2006/main" xmlns:p14="http://schemas.microsoft.com/office/powerpoint/2010/main" xmlns:mv="urn:schemas-microsoft-com:mac:vml" xmlns:mc="http://schemas.openxmlformats.org/markup-compatibility/2006" val="1070545073"/>
+        <p14:creationId xmlns:mc="http://schemas.openxmlformats.org/markup-compatibility/2006" xmlns:mv="urn:schemas-microsoft-com:mac:vml" xmlns:p14="http://schemas.microsoft.com/office/powerpoint/2010/main" xmlns:p="http://schemas.openxmlformats.org/presentationml/2006/main" xmlns:r="http://schemas.openxmlformats.org/officeDocument/2006/relationships" xmlns:a="http://schemas.openxmlformats.org/drawingml/2006/main" xmlns="" val="1070545073"/>
       </p:ext>
     </p:extLst>
   </p:cSld>
@@ -3497,11 +3496,7 @@
           <a:p>
             <a:r>
               <a:rPr lang="en-US"/>
-              <a:t>T</a:t>
-            </a:r>
-            <a:r>
-              <a:rPr lang="en-US"/>
-              <a:t>he "zelig2" Method</a:t>
+              <a:t>The "zelig2" Method</a:t>
             </a:r>
           </a:p>
         </p:txBody>
@@ -4122,7 +4117,7 @@
     </p:spTree>
     <p:extLst>
       <p:ext uri="{BB962C8B-B14F-4D97-AF65-F5344CB8AC3E}">
-        <p14:creationId xmlns="" xmlns:a="http://schemas.openxmlformats.org/drawingml/2006/main" xmlns:r="http://schemas.openxmlformats.org/officeDocument/2006/relationships" xmlns:p="http://schemas.openxmlformats.org/presentationml/2006/main" xmlns:p14="http://schemas.microsoft.com/office/powerpoint/2010/main" xmlns:mv="urn:schemas-microsoft-com:mac:vml" xmlns:mc="http://schemas.openxmlformats.org/markup-compatibility/2006" val="2482753411"/>
+        <p14:creationId xmlns:mc="http://schemas.openxmlformats.org/markup-compatibility/2006" xmlns:mv="urn:schemas-microsoft-com:mac:vml" xmlns:p14="http://schemas.microsoft.com/office/powerpoint/2010/main" xmlns:p="http://schemas.openxmlformats.org/presentationml/2006/main" xmlns:r="http://schemas.openxmlformats.org/officeDocument/2006/relationships" xmlns:a="http://schemas.openxmlformats.org/drawingml/2006/main" xmlns="" val="2482753411"/>
       </p:ext>
     </p:extLst>
   </p:cSld>
@@ -6666,7 +6661,6 @@
               <a:rPr lang="en-US"/>
               <a:t> directly call these methods</a:t>
             </a:r>
-            <a:endParaRPr lang="en-US"/>
           </a:p>
         </p:txBody>
       </p:sp>
@@ -6945,7 +6939,7 @@
     </p:spTree>
     <p:extLst>
       <p:ext uri="{BB962C8B-B14F-4D97-AF65-F5344CB8AC3E}">
-        <p14:creationId xmlns="" xmlns:a="http://schemas.openxmlformats.org/drawingml/2006/main" xmlns:r="http://schemas.openxmlformats.org/officeDocument/2006/relationships" xmlns:p="http://schemas.openxmlformats.org/presentationml/2006/main" xmlns:p14="http://schemas.microsoft.com/office/powerpoint/2010/main" xmlns:mv="urn:schemas-microsoft-com:mac:vml" xmlns:mc="http://schemas.openxmlformats.org/markup-compatibility/2006" val="3700335886"/>
+        <p14:creationId xmlns:mc="http://schemas.openxmlformats.org/markup-compatibility/2006" xmlns:mv="urn:schemas-microsoft-com:mac:vml" xmlns:p14="http://schemas.microsoft.com/office/powerpoint/2010/main" xmlns:p="http://schemas.openxmlformats.org/presentationml/2006/main" xmlns:r="http://schemas.openxmlformats.org/officeDocument/2006/relationships" xmlns:a="http://schemas.openxmlformats.org/drawingml/2006/main" xmlns="" val="3700335886"/>
       </p:ext>
     </p:extLst>
   </p:cSld>
@@ -7664,7 +7658,7 @@
     </p:spTree>
     <p:extLst>
       <p:ext uri="{BB962C8B-B14F-4D97-AF65-F5344CB8AC3E}">
-        <p14:creationId xmlns="" xmlns:a="http://schemas.openxmlformats.org/drawingml/2006/main" xmlns:r="http://schemas.openxmlformats.org/officeDocument/2006/relationships" xmlns:p="http://schemas.openxmlformats.org/presentationml/2006/main" xmlns:p14="http://schemas.microsoft.com/office/powerpoint/2010/main" xmlns:mv="urn:schemas-microsoft-com:mac:vml" xmlns:mc="http://schemas.openxmlformats.org/markup-compatibility/2006" val="2675064339"/>
+        <p14:creationId xmlns:mc="http://schemas.openxmlformats.org/markup-compatibility/2006" xmlns:mv="urn:schemas-microsoft-com:mac:vml" xmlns:p14="http://schemas.microsoft.com/office/powerpoint/2010/main" xmlns:p="http://schemas.openxmlformats.org/presentationml/2006/main" xmlns:r="http://schemas.openxmlformats.org/officeDocument/2006/relationships" xmlns:a="http://schemas.openxmlformats.org/drawingml/2006/main" xmlns="" val="2675064339"/>
       </p:ext>
     </p:extLst>
   </p:cSld>
@@ -8155,7 +8149,7 @@
     </p:spTree>
     <p:extLst>
       <p:ext uri="{BB962C8B-B14F-4D97-AF65-F5344CB8AC3E}">
-        <p14:creationId xmlns="" xmlns:a="http://schemas.openxmlformats.org/drawingml/2006/main" xmlns:r="http://schemas.openxmlformats.org/officeDocument/2006/relationships" xmlns:p="http://schemas.openxmlformats.org/presentationml/2006/main" xmlns:p14="http://schemas.microsoft.com/office/powerpoint/2010/main" xmlns:mv="urn:schemas-microsoft-com:mac:vml" xmlns:mc="http://schemas.openxmlformats.org/markup-compatibility/2006" val="869150859"/>
+        <p14:creationId xmlns:mc="http://schemas.openxmlformats.org/markup-compatibility/2006" xmlns:mv="urn:schemas-microsoft-com:mac:vml" xmlns:p14="http://schemas.microsoft.com/office/powerpoint/2010/main" xmlns:p="http://schemas.openxmlformats.org/presentationml/2006/main" xmlns:r="http://schemas.openxmlformats.org/officeDocument/2006/relationships" xmlns:a="http://schemas.openxmlformats.org/drawingml/2006/main" xmlns="" val="869150859"/>
       </p:ext>
     </p:extLst>
   </p:cSld>
@@ -8302,7 +8296,7 @@
     </p:spTree>
     <p:extLst>
       <p:ext uri="{BB962C8B-B14F-4D97-AF65-F5344CB8AC3E}">
-        <p14:creationId xmlns="" xmlns:a="http://schemas.openxmlformats.org/drawingml/2006/main" xmlns:r="http://schemas.openxmlformats.org/officeDocument/2006/relationships" xmlns:p="http://schemas.openxmlformats.org/presentationml/2006/main" xmlns:p14="http://schemas.microsoft.com/office/powerpoint/2010/main" xmlns:mv="urn:schemas-microsoft-com:mac:vml" xmlns:mc="http://schemas.openxmlformats.org/markup-compatibility/2006" val="942656541"/>
+        <p14:creationId xmlns:mc="http://schemas.openxmlformats.org/markup-compatibility/2006" xmlns:mv="urn:schemas-microsoft-com:mac:vml" xmlns:p14="http://schemas.microsoft.com/office/powerpoint/2010/main" xmlns:p="http://schemas.openxmlformats.org/presentationml/2006/main" xmlns:r="http://schemas.openxmlformats.org/officeDocument/2006/relationships" xmlns:a="http://schemas.openxmlformats.org/drawingml/2006/main" xmlns="" val="942656541"/>
       </p:ext>
     </p:extLst>
   </p:cSld>
@@ -8469,7 +8463,7 @@
     </p:spTree>
     <p:extLst>
       <p:ext uri="{BB962C8B-B14F-4D97-AF65-F5344CB8AC3E}">
-        <p14:creationId xmlns="" xmlns:a="http://schemas.openxmlformats.org/drawingml/2006/main" xmlns:r="http://schemas.openxmlformats.org/officeDocument/2006/relationships" xmlns:p="http://schemas.openxmlformats.org/presentationml/2006/main" xmlns:p14="http://schemas.microsoft.com/office/powerpoint/2010/main" xmlns:mv="urn:schemas-microsoft-com:mac:vml" xmlns:mc="http://schemas.openxmlformats.org/markup-compatibility/2006" val="2238547365"/>
+        <p14:creationId xmlns:mc="http://schemas.openxmlformats.org/markup-compatibility/2006" xmlns:mv="urn:schemas-microsoft-com:mac:vml" xmlns:p14="http://schemas.microsoft.com/office/powerpoint/2010/main" xmlns:p="http://schemas.openxmlformats.org/presentationml/2006/main" xmlns:r="http://schemas.openxmlformats.org/officeDocument/2006/relationships" xmlns:a="http://schemas.openxmlformats.org/drawingml/2006/main" xmlns="" val="2238547365"/>
       </p:ext>
     </p:extLst>
   </p:cSld>
@@ -8606,7 +8600,7 @@
     </p:spTree>
     <p:extLst>
       <p:ext uri="{BB962C8B-B14F-4D97-AF65-F5344CB8AC3E}">
-        <p14:creationId xmlns="" xmlns:a="http://schemas.openxmlformats.org/drawingml/2006/main" xmlns:r="http://schemas.openxmlformats.org/officeDocument/2006/relationships" xmlns:p="http://schemas.openxmlformats.org/presentationml/2006/main" xmlns:p14="http://schemas.microsoft.com/office/powerpoint/2010/main" xmlns:mv="urn:schemas-microsoft-com:mac:vml" xmlns:mc="http://schemas.openxmlformats.org/markup-compatibility/2006" val="1702243699"/>
+        <p14:creationId xmlns:mc="http://schemas.openxmlformats.org/markup-compatibility/2006" xmlns:mv="urn:schemas-microsoft-com:mac:vml" xmlns:p14="http://schemas.microsoft.com/office/powerpoint/2010/main" xmlns:p="http://schemas.openxmlformats.org/presentationml/2006/main" xmlns:r="http://schemas.openxmlformats.org/officeDocument/2006/relationships" xmlns:a="http://schemas.openxmlformats.org/drawingml/2006/main" xmlns="" val="1702243699"/>
       </p:ext>
     </p:extLst>
   </p:cSld>
@@ -8750,7 +8744,7 @@
     </p:spTree>
     <p:extLst>
       <p:ext uri="{BB962C8B-B14F-4D97-AF65-F5344CB8AC3E}">
-        <p14:creationId xmlns="" xmlns:a="http://schemas.openxmlformats.org/drawingml/2006/main" xmlns:r="http://schemas.openxmlformats.org/officeDocument/2006/relationships" xmlns:p="http://schemas.openxmlformats.org/presentationml/2006/main" xmlns:p14="http://schemas.microsoft.com/office/powerpoint/2010/main" xmlns:mv="urn:schemas-microsoft-com:mac:vml" xmlns:mc="http://schemas.openxmlformats.org/markup-compatibility/2006" val="3143245456"/>
+        <p14:creationId xmlns:mc="http://schemas.openxmlformats.org/markup-compatibility/2006" xmlns:mv="urn:schemas-microsoft-com:mac:vml" xmlns:p14="http://schemas.microsoft.com/office/powerpoint/2010/main" xmlns:p="http://schemas.openxmlformats.org/presentationml/2006/main" xmlns:r="http://schemas.openxmlformats.org/officeDocument/2006/relationships" xmlns:a="http://schemas.openxmlformats.org/drawingml/2006/main" xmlns="" val="3143245456"/>
       </p:ext>
     </p:extLst>
   </p:cSld>
@@ -8888,7 +8882,7 @@
     </p:spTree>
     <p:extLst>
       <p:ext uri="{BB962C8B-B14F-4D97-AF65-F5344CB8AC3E}">
-        <p14:creationId xmlns="" xmlns:a="http://schemas.openxmlformats.org/drawingml/2006/main" xmlns:r="http://schemas.openxmlformats.org/officeDocument/2006/relationships" xmlns:p="http://schemas.openxmlformats.org/presentationml/2006/main" xmlns:p14="http://schemas.microsoft.com/office/powerpoint/2010/main" xmlns:mv="urn:schemas-microsoft-com:mac:vml" xmlns:mc="http://schemas.openxmlformats.org/markup-compatibility/2006" val="1265913865"/>
+        <p14:creationId xmlns:mc="http://schemas.openxmlformats.org/markup-compatibility/2006" xmlns:mv="urn:schemas-microsoft-com:mac:vml" xmlns:p14="http://schemas.microsoft.com/office/powerpoint/2010/main" xmlns:p="http://schemas.openxmlformats.org/presentationml/2006/main" xmlns:r="http://schemas.openxmlformats.org/officeDocument/2006/relationships" xmlns:a="http://schemas.openxmlformats.org/drawingml/2006/main" xmlns="" val="1265913865"/>
       </p:ext>
     </p:extLst>
   </p:cSld>
@@ -8975,7 +8969,7 @@
     </p:spTree>
     <p:extLst>
       <p:ext uri="{BB962C8B-B14F-4D97-AF65-F5344CB8AC3E}">
-        <p14:creationId xmlns="" xmlns:a="http://schemas.openxmlformats.org/drawingml/2006/main" xmlns:r="http://schemas.openxmlformats.org/officeDocument/2006/relationships" xmlns:p="http://schemas.openxmlformats.org/presentationml/2006/main" xmlns:p14="http://schemas.microsoft.com/office/powerpoint/2010/main" xmlns:mv="urn:schemas-microsoft-com:mac:vml" xmlns:mc="http://schemas.openxmlformats.org/markup-compatibility/2006" val="3465388416"/>
+        <p14:creationId xmlns:mc="http://schemas.openxmlformats.org/markup-compatibility/2006" xmlns:mv="urn:schemas-microsoft-com:mac:vml" xmlns:p14="http://schemas.microsoft.com/office/powerpoint/2010/main" xmlns:p="http://schemas.openxmlformats.org/presentationml/2006/main" xmlns:r="http://schemas.openxmlformats.org/officeDocument/2006/relationships" xmlns:a="http://schemas.openxmlformats.org/drawingml/2006/main" xmlns="" val="3465388416"/>
       </p:ext>
     </p:extLst>
   </p:cSld>
@@ -9053,7 +9047,7 @@
     </p:spTree>
     <p:extLst>
       <p:ext uri="{BB962C8B-B14F-4D97-AF65-F5344CB8AC3E}">
-        <p14:creationId xmlns="" xmlns:a="http://schemas.openxmlformats.org/drawingml/2006/main" xmlns:r="http://schemas.openxmlformats.org/officeDocument/2006/relationships" xmlns:p="http://schemas.openxmlformats.org/presentationml/2006/main" xmlns:p14="http://schemas.microsoft.com/office/powerpoint/2010/main" xmlns:mv="urn:schemas-microsoft-com:mac:vml" xmlns:mc="http://schemas.openxmlformats.org/markup-compatibility/2006" val="2972905603"/>
+        <p14:creationId xmlns:mc="http://schemas.openxmlformats.org/markup-compatibility/2006" xmlns:mv="urn:schemas-microsoft-com:mac:vml" xmlns:p14="http://schemas.microsoft.com/office/powerpoint/2010/main" xmlns:p="http://schemas.openxmlformats.org/presentationml/2006/main" xmlns:r="http://schemas.openxmlformats.org/officeDocument/2006/relationships" xmlns:a="http://schemas.openxmlformats.org/drawingml/2006/main" xmlns="" val="2972905603"/>
       </p:ext>
     </p:extLst>
   </p:cSld>
@@ -9140,7 +9134,7 @@
     </p:spTree>
     <p:extLst>
       <p:ext uri="{BB962C8B-B14F-4D97-AF65-F5344CB8AC3E}">
-        <p14:creationId xmlns="" xmlns:a="http://schemas.openxmlformats.org/drawingml/2006/main" xmlns:r="http://schemas.openxmlformats.org/officeDocument/2006/relationships" xmlns:p="http://schemas.openxmlformats.org/presentationml/2006/main" xmlns:p14="http://schemas.microsoft.com/office/powerpoint/2010/main" xmlns:mv="urn:schemas-microsoft-com:mac:vml" xmlns:mc="http://schemas.openxmlformats.org/markup-compatibility/2006" val="2382241759"/>
+        <p14:creationId xmlns:mc="http://schemas.openxmlformats.org/markup-compatibility/2006" xmlns:mv="urn:schemas-microsoft-com:mac:vml" xmlns:p14="http://schemas.microsoft.com/office/powerpoint/2010/main" xmlns:p="http://schemas.openxmlformats.org/presentationml/2006/main" xmlns:r="http://schemas.openxmlformats.org/officeDocument/2006/relationships" xmlns:a="http://schemas.openxmlformats.org/drawingml/2006/main" xmlns="" val="2382241759"/>
       </p:ext>
     </p:extLst>
   </p:cSld>
@@ -9219,7 +9213,7 @@
     </p:spTree>
     <p:extLst>
       <p:ext uri="{BB962C8B-B14F-4D97-AF65-F5344CB8AC3E}">
-        <p14:creationId xmlns="" xmlns:a="http://schemas.openxmlformats.org/drawingml/2006/main" xmlns:r="http://schemas.openxmlformats.org/officeDocument/2006/relationships" xmlns:p="http://schemas.openxmlformats.org/presentationml/2006/main" xmlns:p14="http://schemas.microsoft.com/office/powerpoint/2010/main" xmlns:mv="urn:schemas-microsoft-com:mac:vml" xmlns:mc="http://schemas.openxmlformats.org/markup-compatibility/2006" val="2601398369"/>
+        <p14:creationId xmlns:mc="http://schemas.openxmlformats.org/markup-compatibility/2006" xmlns:mv="urn:schemas-microsoft-com:mac:vml" xmlns:p14="http://schemas.microsoft.com/office/powerpoint/2010/main" xmlns:p="http://schemas.openxmlformats.org/presentationml/2006/main" xmlns:r="http://schemas.openxmlformats.org/officeDocument/2006/relationships" xmlns:a="http://schemas.openxmlformats.org/drawingml/2006/main" xmlns="" val="2601398369"/>
       </p:ext>
     </p:extLst>
   </p:cSld>
@@ -9322,7 +9316,7 @@
     </p:spTree>
     <p:extLst>
       <p:ext uri="{BB962C8B-B14F-4D97-AF65-F5344CB8AC3E}">
-        <p14:creationId xmlns="" xmlns:a="http://schemas.openxmlformats.org/drawingml/2006/main" xmlns:r="http://schemas.openxmlformats.org/officeDocument/2006/relationships" xmlns:p="http://schemas.openxmlformats.org/presentationml/2006/main" xmlns:p14="http://schemas.microsoft.com/office/powerpoint/2010/main" xmlns:mv="urn:schemas-microsoft-com:mac:vml" xmlns:mc="http://schemas.openxmlformats.org/markup-compatibility/2006" val="520387571"/>
+        <p14:creationId xmlns:mc="http://schemas.openxmlformats.org/markup-compatibility/2006" xmlns:mv="urn:schemas-microsoft-com:mac:vml" xmlns:p14="http://schemas.microsoft.com/office/powerpoint/2010/main" xmlns:p="http://schemas.openxmlformats.org/presentationml/2006/main" xmlns:r="http://schemas.openxmlformats.org/officeDocument/2006/relationships" xmlns:a="http://schemas.openxmlformats.org/drawingml/2006/main" xmlns="" val="520387571"/>
       </p:ext>
     </p:extLst>
   </p:cSld>
@@ -9428,292 +9422,6 @@
 </file>
 
 <file path=ppt/slides/slide39.xml><?xml version="1.0" encoding="utf-8"?>
-<p:sld xmlns:a="http://schemas.openxmlformats.org/drawingml/2006/main" xmlns:r="http://schemas.openxmlformats.org/officeDocument/2006/relationships" xmlns:mc="http://schemas.openxmlformats.org/markup-compatibility/2006" xmlns:mv="urn:schemas-microsoft-com:mac:vml" xmlns:p="http://schemas.openxmlformats.org/presentationml/2006/main" mc:Ignorable="mv" mc:PreserveAttributes="mv:*">
-  <p:cSld>
-    <p:spTree>
-      <p:nvGrpSpPr>
-        <p:cNvPr id="1" name=""/>
-        <p:cNvGrpSpPr/>
-        <p:nvPr/>
-      </p:nvGrpSpPr>
-      <p:grpSpPr>
-        <a:xfrm>
-          <a:off x="0" y="0"/>
-          <a:ext cx="0" cy="0"/>
-          <a:chOff x="0" y="0"/>
-          <a:chExt cx="0" cy="0"/>
-        </a:xfrm>
-      </p:grpSpPr>
-      <p:sp>
-        <p:nvSpPr>
-          <p:cNvPr id="2" name="Title 1"/>
-          <p:cNvSpPr>
-            <a:spLocks noGrp="1"/>
-          </p:cNvSpPr>
-          <p:nvPr>
-            <p:ph type="title"/>
-          </p:nvPr>
-        </p:nvSpPr>
-        <p:spPr/>
-        <p:txBody>
-          <a:bodyPr/>
-          <a:lstStyle/>
-          <a:p>
-            <a:r>
-              <a:rPr lang="en-US" dirty="0" smtClean="0"/>
-              <a:t>Goals</a:t>
-            </a:r>
-            <a:endParaRPr lang="en-US" dirty="0"/>
-          </a:p>
-        </p:txBody>
-      </p:sp>
-      <p:sp>
-        <p:nvSpPr>
-          <p:cNvPr id="3" name="Content Placeholder 2"/>
-          <p:cNvSpPr>
-            <a:spLocks noGrp="1"/>
-          </p:cNvSpPr>
-          <p:nvPr>
-            <p:ph idx="1"/>
-          </p:nvPr>
-        </p:nvSpPr>
-        <p:spPr/>
-        <p:txBody>
-          <a:bodyPr>
-            <a:normAutofit lnSpcReduction="10000"/>
-          </a:bodyPr>
-          <a:lstStyle/>
-          <a:p>
-            <a:r>
-              <a:rPr lang="en-US" dirty="0" smtClean="0"/>
-              <a:t>We are going to focus on simulating individual statistical models</a:t>
-            </a:r>
-          </a:p>
-          <a:p>
-            <a:r>
-              <a:rPr lang="en-US" dirty="0" smtClean="0"/>
-              <a:t>Each student will create an R package</a:t>
-            </a:r>
-          </a:p>
-          <a:p>
-            <a:r>
-              <a:rPr lang="en-US" dirty="0" smtClean="0"/>
-              <a:t>Each student will implement a single statistical model</a:t>
-            </a:r>
-          </a:p>
-          <a:p>
-            <a:r>
-              <a:rPr lang="en-US" dirty="0" smtClean="0"/>
-              <a:t>This model will be made up of 3 methods:</a:t>
-            </a:r>
-          </a:p>
-          <a:p>
-            <a:pPr lvl="1"/>
-            <a:r>
-              <a:rPr lang="en-US" dirty="0" smtClean="0"/>
-              <a:t>zelig2&lt;model-name&gt;</a:t>
-            </a:r>
-          </a:p>
-          <a:p>
-            <a:pPr lvl="1"/>
-            <a:r>
-              <a:rPr lang="en-US" dirty="0" err="1" smtClean="0"/>
-              <a:t>param</a:t>
-            </a:r>
-            <a:r>
-              <a:rPr lang="en-US" dirty="0" smtClean="0"/>
-              <a:t>.&lt;model-name&gt;</a:t>
-            </a:r>
-          </a:p>
-          <a:p>
-            <a:pPr lvl="1"/>
-            <a:r>
-              <a:rPr lang="en-US" dirty="0" smtClean="0"/>
-              <a:t>qi.&lt;model-name&gt;</a:t>
-            </a:r>
-          </a:p>
-          <a:p>
-            <a:endParaRPr lang="en-US" dirty="0" smtClean="0"/>
-          </a:p>
-          <a:p>
-            <a:endParaRPr lang="en-US" dirty="0"/>
-          </a:p>
-        </p:txBody>
-      </p:sp>
-    </p:spTree>
-    <p:extLst>
-      <p:ext uri="{BB962C8B-B14F-4D97-AF65-F5344CB8AC3E}">
-        <p14:creationId xmlns="" xmlns:a="http://schemas.openxmlformats.org/drawingml/2006/main" xmlns:r="http://schemas.openxmlformats.org/officeDocument/2006/relationships" xmlns:p="http://schemas.openxmlformats.org/presentationml/2006/main" xmlns:p14="http://schemas.microsoft.com/office/powerpoint/2010/main" xmlns:mv="urn:schemas-microsoft-com:mac:vml" xmlns:mc="http://schemas.openxmlformats.org/markup-compatibility/2006" val="1712515247"/>
-      </p:ext>
-    </p:extLst>
-  </p:cSld>
-  <p:clrMapOvr>
-    <a:masterClrMapping/>
-  </p:clrMapOvr>
-  <p:timing>
-    <p:tnLst>
-      <p:par>
-        <p:cTn id="1" dur="indefinite" restart="never" nodeType="tmRoot"/>
-      </p:par>
-    </p:tnLst>
-  </p:timing>
-</p:sld>
-</file>
-
-<file path=ppt/slides/slide4.xml><?xml version="1.0" encoding="utf-8"?>
-<p:sld xmlns:a="http://schemas.openxmlformats.org/drawingml/2006/main" xmlns:r="http://schemas.openxmlformats.org/officeDocument/2006/relationships" xmlns:mc="http://schemas.openxmlformats.org/markup-compatibility/2006" xmlns:mv="urn:schemas-microsoft-com:mac:vml" xmlns:p="http://schemas.openxmlformats.org/presentationml/2006/main" mc:Ignorable="mv" mc:PreserveAttributes="mv:*">
-  <p:cSld>
-    <p:spTree>
-      <p:nvGrpSpPr>
-        <p:cNvPr id="1" name=""/>
-        <p:cNvGrpSpPr/>
-        <p:nvPr/>
-      </p:nvGrpSpPr>
-      <p:grpSpPr>
-        <a:xfrm>
-          <a:off x="0" y="0"/>
-          <a:ext cx="0" cy="0"/>
-          <a:chOff x="0" y="0"/>
-          <a:chExt cx="0" cy="0"/>
-        </a:xfrm>
-      </p:grpSpPr>
-      <p:sp>
-        <p:nvSpPr>
-          <p:cNvPr id="2" name="Title 1"/>
-          <p:cNvSpPr>
-            <a:spLocks noGrp="1"/>
-          </p:cNvSpPr>
-          <p:nvPr>
-            <p:ph type="title"/>
-          </p:nvPr>
-        </p:nvSpPr>
-        <p:spPr/>
-        <p:txBody>
-          <a:bodyPr/>
-          <a:lstStyle/>
-          <a:p>
-            <a:r>
-              <a:rPr lang="en-US"/>
-              <a:t>Structure of a Package</a:t>
-            </a:r>
-          </a:p>
-        </p:txBody>
-      </p:sp>
-      <p:sp>
-        <p:nvSpPr>
-          <p:cNvPr id="4" name="Content Placeholder 3"/>
-          <p:cNvSpPr>
-            <a:spLocks noGrp="1"/>
-          </p:cNvSpPr>
-          <p:nvPr>
-            <p:ph idx="1"/>
-          </p:nvPr>
-        </p:nvSpPr>
-        <p:spPr>
-          <a:xfrm>
-            <a:off x="457200" y="1600200"/>
-            <a:ext cx="8229600" cy="4525963"/>
-          </a:xfrm>
-        </p:spPr>
-        <p:txBody>
-          <a:bodyPr>
-            <a:normAutofit lnSpcReduction="10000"/>
-          </a:bodyPr>
-          <a:lstStyle/>
-          <a:p>
-            <a:r>
-              <a:rPr lang="en-US" dirty="0" smtClean="0"/>
-              <a:t>Simply a directory </a:t>
-            </a:r>
-          </a:p>
-          <a:p>
-            <a:r>
-              <a:rPr lang="en-US" dirty="0" smtClean="0"/>
-              <a:t>Has two important folders:</a:t>
-            </a:r>
-            <a:endParaRPr lang="en-US" dirty="0"/>
-          </a:p>
-          <a:p>
-            <a:pPr marL="457200" lvl="1" indent="0">
-              <a:buNone/>
-            </a:pPr>
-            <a:r>
-              <a:rPr lang="en-US" sz="4000" b="1" dirty="0" smtClean="0"/>
-              <a:t>R/</a:t>
-            </a:r>
-            <a:endParaRPr lang="en-US" sz="4000" b="1" dirty="0"/>
-          </a:p>
-          <a:p>
-            <a:pPr marL="457200" lvl="1" indent="0">
-              <a:buNone/>
-            </a:pPr>
-            <a:r>
-              <a:rPr lang="en-US" sz="4000" b="1" dirty="0" smtClean="0"/>
-              <a:t>man/</a:t>
-            </a:r>
-            <a:endParaRPr lang="en-US" sz="4000" b="1" dirty="0"/>
-          </a:p>
-          <a:p>
-            <a:r>
-              <a:rPr lang="en-US" dirty="0"/>
-              <a:t>And </a:t>
-            </a:r>
-            <a:r>
-              <a:rPr lang="en-US" dirty="0" smtClean="0"/>
-              <a:t>two important </a:t>
-            </a:r>
-            <a:r>
-              <a:rPr lang="en-US" dirty="0"/>
-              <a:t>files:</a:t>
-            </a:r>
-          </a:p>
-          <a:p>
-            <a:pPr marL="457200" lvl="1" indent="0">
-              <a:buNone/>
-            </a:pPr>
-            <a:r>
-              <a:rPr lang="en-US" sz="4000" b="1" dirty="0"/>
-              <a:t>DESCRIPTION</a:t>
-            </a:r>
-          </a:p>
-          <a:p>
-            <a:pPr marL="457200" lvl="1" indent="0">
-              <a:buNone/>
-            </a:pPr>
-            <a:r>
-              <a:rPr lang="en-US" sz="4000" b="1" dirty="0"/>
-              <a:t>NAMESPACE</a:t>
-            </a:r>
-          </a:p>
-          <a:p>
-            <a:pPr>
-              <a:buNone/>
-            </a:pPr>
-            <a:endParaRPr lang="en-US" dirty="0"/>
-          </a:p>
-        </p:txBody>
-      </p:sp>
-    </p:spTree>
-    <p:extLst>
-      <p:ext uri="{BB962C8B-B14F-4D97-AF65-F5344CB8AC3E}">
-        <p14:creationId xmlns="" xmlns:a="http://schemas.openxmlformats.org/drawingml/2006/main" xmlns:r="http://schemas.openxmlformats.org/officeDocument/2006/relationships" xmlns:p="http://schemas.openxmlformats.org/presentationml/2006/main" xmlns:p14="http://schemas.microsoft.com/office/powerpoint/2010/main" xmlns:mv="urn:schemas-microsoft-com:mac:vml" xmlns:mc="http://schemas.openxmlformats.org/markup-compatibility/2006" val="1501347142"/>
-      </p:ext>
-    </p:extLst>
-  </p:cSld>
-  <p:clrMapOvr>
-    <a:masterClrMapping/>
-  </p:clrMapOvr>
-  <p:timing>
-    <p:tnLst>
-      <p:par>
-        <p:cTn id="1" dur="indefinite" restart="never" nodeType="tmRoot"/>
-      </p:par>
-    </p:tnLst>
-  </p:timing>
-</p:sld>
-</file>
-
-<file path=ppt/slides/slide40.xml><?xml version="1.0" encoding="utf-8"?>
 <p:sld xmlns:a="http://schemas.openxmlformats.org/drawingml/2006/main" xmlns:r="http://schemas.openxmlformats.org/officeDocument/2006/relationships" xmlns:mc="http://schemas.openxmlformats.org/markup-compatibility/2006" xmlns:mv="urn:schemas-microsoft-com:mac:vml" xmlns:p="http://schemas.openxmlformats.org/presentationml/2006/main" mc:Ignorable="mv" mc:PreserveAttributes="mv:*">
   <p:cSld>
     <p:spTree>
@@ -11401,7 +11109,7 @@
 </p:sld>
 </file>
 
-<file path=ppt/slides/slide41.xml><?xml version="1.0" encoding="utf-8"?>
+<file path=ppt/slides/slide4.xml><?xml version="1.0" encoding="utf-8"?>
 <p:sld xmlns:a="http://schemas.openxmlformats.org/drawingml/2006/main" xmlns:r="http://schemas.openxmlformats.org/officeDocument/2006/relationships" xmlns:mc="http://schemas.openxmlformats.org/markup-compatibility/2006" xmlns:mv="urn:schemas-microsoft-com:mac:vml" xmlns:p="http://schemas.openxmlformats.org/presentationml/2006/main" mc:Ignorable="mv" mc:PreserveAttributes="mv:*">
   <p:cSld>
     <p:spTree>
@@ -11430,6 +11138,159 @@
         </p:nvSpPr>
         <p:spPr/>
         <p:txBody>
+          <a:bodyPr/>
+          <a:lstStyle/>
+          <a:p>
+            <a:r>
+              <a:rPr lang="en-US"/>
+              <a:t>Structure of a Package</a:t>
+            </a:r>
+          </a:p>
+        </p:txBody>
+      </p:sp>
+      <p:sp>
+        <p:nvSpPr>
+          <p:cNvPr id="4" name="Content Placeholder 3"/>
+          <p:cNvSpPr>
+            <a:spLocks noGrp="1"/>
+          </p:cNvSpPr>
+          <p:nvPr>
+            <p:ph idx="1"/>
+          </p:nvPr>
+        </p:nvSpPr>
+        <p:spPr>
+          <a:xfrm>
+            <a:off x="457200" y="1600200"/>
+            <a:ext cx="8229600" cy="4525963"/>
+          </a:xfrm>
+        </p:spPr>
+        <p:txBody>
+          <a:bodyPr>
+            <a:normAutofit lnSpcReduction="10000"/>
+          </a:bodyPr>
+          <a:lstStyle/>
+          <a:p>
+            <a:r>
+              <a:rPr lang="en-US" dirty="0" smtClean="0"/>
+              <a:t>Simply a directory </a:t>
+            </a:r>
+          </a:p>
+          <a:p>
+            <a:r>
+              <a:rPr lang="en-US" dirty="0" smtClean="0"/>
+              <a:t>Has two important folders:</a:t>
+            </a:r>
+            <a:endParaRPr lang="en-US" dirty="0"/>
+          </a:p>
+          <a:p>
+            <a:pPr marL="457200" lvl="1" indent="0">
+              <a:buNone/>
+            </a:pPr>
+            <a:r>
+              <a:rPr lang="en-US" sz="4000" b="1" dirty="0" smtClean="0"/>
+              <a:t>R/</a:t>
+            </a:r>
+            <a:endParaRPr lang="en-US" sz="4000" b="1" dirty="0"/>
+          </a:p>
+          <a:p>
+            <a:pPr marL="457200" lvl="1" indent="0">
+              <a:buNone/>
+            </a:pPr>
+            <a:r>
+              <a:rPr lang="en-US" sz="4000" b="1" dirty="0" smtClean="0"/>
+              <a:t>man/</a:t>
+            </a:r>
+            <a:endParaRPr lang="en-US" sz="4000" b="1" dirty="0"/>
+          </a:p>
+          <a:p>
+            <a:r>
+              <a:rPr lang="en-US" dirty="0"/>
+              <a:t>And </a:t>
+            </a:r>
+            <a:r>
+              <a:rPr lang="en-US" dirty="0" smtClean="0"/>
+              <a:t>two important </a:t>
+            </a:r>
+            <a:r>
+              <a:rPr lang="en-US" dirty="0"/>
+              <a:t>files:</a:t>
+            </a:r>
+          </a:p>
+          <a:p>
+            <a:pPr marL="457200" lvl="1" indent="0">
+              <a:buNone/>
+            </a:pPr>
+            <a:r>
+              <a:rPr lang="en-US" sz="4000" b="1" dirty="0"/>
+              <a:t>DESCRIPTION</a:t>
+            </a:r>
+          </a:p>
+          <a:p>
+            <a:pPr marL="457200" lvl="1" indent="0">
+              <a:buNone/>
+            </a:pPr>
+            <a:r>
+              <a:rPr lang="en-US" sz="4000" b="1" dirty="0"/>
+              <a:t>NAMESPACE</a:t>
+            </a:r>
+          </a:p>
+          <a:p>
+            <a:pPr>
+              <a:buNone/>
+            </a:pPr>
+            <a:endParaRPr lang="en-US" dirty="0"/>
+          </a:p>
+        </p:txBody>
+      </p:sp>
+    </p:spTree>
+    <p:extLst>
+      <p:ext uri="{BB962C8B-B14F-4D97-AF65-F5344CB8AC3E}">
+        <p14:creationId xmlns:mc="http://schemas.openxmlformats.org/markup-compatibility/2006" xmlns:mv="urn:schemas-microsoft-com:mac:vml" xmlns:p14="http://schemas.microsoft.com/office/powerpoint/2010/main" xmlns:p="http://schemas.openxmlformats.org/presentationml/2006/main" xmlns:r="http://schemas.openxmlformats.org/officeDocument/2006/relationships" xmlns:a="http://schemas.openxmlformats.org/drawingml/2006/main" xmlns="" val="1501347142"/>
+      </p:ext>
+    </p:extLst>
+  </p:cSld>
+  <p:clrMapOvr>
+    <a:masterClrMapping/>
+  </p:clrMapOvr>
+  <p:timing>
+    <p:tnLst>
+      <p:par>
+        <p:cTn id="1" dur="indefinite" restart="never" nodeType="tmRoot"/>
+      </p:par>
+    </p:tnLst>
+  </p:timing>
+</p:sld>
+</file>
+
+<file path=ppt/slides/slide40.xml><?xml version="1.0" encoding="utf-8"?>
+<p:sld xmlns:a="http://schemas.openxmlformats.org/drawingml/2006/main" xmlns:r="http://schemas.openxmlformats.org/officeDocument/2006/relationships" xmlns:mc="http://schemas.openxmlformats.org/markup-compatibility/2006" xmlns:mv="urn:schemas-microsoft-com:mac:vml" xmlns:p="http://schemas.openxmlformats.org/presentationml/2006/main" mc:Ignorable="mv" mc:PreserveAttributes="mv:*">
+  <p:cSld>
+    <p:spTree>
+      <p:nvGrpSpPr>
+        <p:cNvPr id="1" name=""/>
+        <p:cNvGrpSpPr/>
+        <p:nvPr/>
+      </p:nvGrpSpPr>
+      <p:grpSpPr>
+        <a:xfrm>
+          <a:off x="0" y="0"/>
+          <a:ext cx="0" cy="0"/>
+          <a:chOff x="0" y="0"/>
+          <a:chExt cx="0" cy="0"/>
+        </a:xfrm>
+      </p:grpSpPr>
+      <p:sp>
+        <p:nvSpPr>
+          <p:cNvPr id="2" name="Title 1"/>
+          <p:cNvSpPr>
+            <a:spLocks noGrp="1"/>
+          </p:cNvSpPr>
+          <p:nvPr>
+            <p:ph type="title"/>
+          </p:nvPr>
+        </p:nvSpPr>
+        <p:spPr/>
+        <p:txBody>
           <a:bodyPr>
             <a:normAutofit/>
           </a:bodyPr>
@@ -11500,7 +11361,7 @@
 </p:sld>
 </file>
 
-<file path=ppt/slides/slide42.xml><?xml version="1.0" encoding="utf-8"?>
+<file path=ppt/slides/slide41.xml><?xml version="1.0" encoding="utf-8"?>
 <p:sld xmlns:a="http://schemas.openxmlformats.org/drawingml/2006/main" xmlns:r="http://schemas.openxmlformats.org/officeDocument/2006/relationships" xmlns:mc="http://schemas.openxmlformats.org/markup-compatibility/2006" xmlns:mv="urn:schemas-microsoft-com:mac:vml" xmlns:p="http://schemas.openxmlformats.org/presentationml/2006/main" mc:Ignorable="mv" mc:PreserveAttributes="mv:*">
   <p:cSld>
     <p:spTree>
@@ -13034,6 +12895,114 @@
 </p:sld>
 </file>
 
+<file path=ppt/slides/slide42.xml><?xml version="1.0" encoding="utf-8"?>
+<p:sld xmlns:a="http://schemas.openxmlformats.org/drawingml/2006/main" xmlns:r="http://schemas.openxmlformats.org/officeDocument/2006/relationships" xmlns:mc="http://schemas.openxmlformats.org/markup-compatibility/2006" xmlns:mv="urn:schemas-microsoft-com:mac:vml" xmlns:p="http://schemas.openxmlformats.org/presentationml/2006/main" mc:Ignorable="mv" mc:PreserveAttributes="mv:*">
+  <p:cSld>
+    <p:spTree>
+      <p:nvGrpSpPr>
+        <p:cNvPr id="1" name=""/>
+        <p:cNvGrpSpPr/>
+        <p:nvPr/>
+      </p:nvGrpSpPr>
+      <p:grpSpPr>
+        <a:xfrm>
+          <a:off x="0" y="0"/>
+          <a:ext cx="0" cy="0"/>
+          <a:chOff x="0" y="0"/>
+          <a:chExt cx="0" cy="0"/>
+        </a:xfrm>
+      </p:grpSpPr>
+      <p:sp>
+        <p:nvSpPr>
+          <p:cNvPr id="2" name="Title 1"/>
+          <p:cNvSpPr>
+            <a:spLocks noGrp="1"/>
+          </p:cNvSpPr>
+          <p:nvPr>
+            <p:ph type="title"/>
+          </p:nvPr>
+        </p:nvSpPr>
+        <p:spPr/>
+        <p:txBody>
+          <a:bodyPr/>
+          <a:lstStyle/>
+          <a:p>
+            <a:r>
+              <a:rPr lang="en-US"/>
+              <a:t>zelig2: Function Signature</a:t>
+            </a:r>
+          </a:p>
+        </p:txBody>
+      </p:sp>
+      <p:sp>
+        <p:nvSpPr>
+          <p:cNvPr id="3" name="Content Placeholder 2"/>
+          <p:cNvSpPr>
+            <a:spLocks noGrp="1"/>
+          </p:cNvSpPr>
+          <p:nvPr>
+            <p:ph idx="1"/>
+          </p:nvPr>
+        </p:nvSpPr>
+        <p:spPr/>
+        <p:txBody>
+          <a:bodyPr/>
+          <a:lstStyle/>
+          <a:p>
+            <a:r>
+              <a:rPr lang="en-US"/>
+              <a:t>"formula" specifies the model formula</a:t>
+            </a:r>
+          </a:p>
+          <a:p>
+            <a:r>
+              <a:rPr lang="en-US"/>
+              <a:t>"data" specifies the data.frame</a:t>
+            </a:r>
+          </a:p>
+          <a:p>
+            <a:r>
+              <a:rPr lang="en-US"/>
+              <a:t>All other parameters are </a:t>
+            </a:r>
+            <a:r>
+              <a:rPr lang="en-US" b="1"/>
+              <a:t>optional</a:t>
+            </a:r>
+          </a:p>
+          <a:p>
+            <a:r>
+              <a:rPr lang="en-US"/>
+              <a:t>Other parameters are determined by the model fitting function's requirements</a:t>
+            </a:r>
+          </a:p>
+          <a:p>
+            <a:pPr lvl="1"/>
+            <a:r>
+              <a:rPr lang="en-US"/>
+              <a:t>Use "args" to determine what parameters are available for the model-fitting function</a:t>
+            </a:r>
+          </a:p>
+          <a:p>
+            <a:endParaRPr lang="en-US"/>
+          </a:p>
+        </p:txBody>
+      </p:sp>
+    </p:spTree>
+  </p:cSld>
+  <p:clrMapOvr>
+    <a:masterClrMapping/>
+  </p:clrMapOvr>
+  <p:timing>
+    <p:tnLst>
+      <p:par>
+        <p:cTn id="1" dur="indefinite" restart="never" nodeType="tmRoot"/>
+      </p:par>
+    </p:tnLst>
+  </p:timing>
+</p:sld>
+</file>
+
 <file path=ppt/slides/slide43.xml><?xml version="1.0" encoding="utf-8"?>
 <p:sld xmlns:a="http://schemas.openxmlformats.org/drawingml/2006/main" xmlns:r="http://schemas.openxmlformats.org/officeDocument/2006/relationships" xmlns:mc="http://schemas.openxmlformats.org/markup-compatibility/2006" xmlns:mv="urn:schemas-microsoft-com:mac:vml" xmlns:p="http://schemas.openxmlformats.org/presentationml/2006/main" mc:Ignorable="mv" mc:PreserveAttributes="mv:*">
   <p:cSld>
@@ -13068,7 +13037,7 @@
           <a:p>
             <a:r>
               <a:rPr lang="en-US"/>
-              <a:t>zelig2: Function Signature</a:t>
+              <a:t>zelig2: Function Body</a:t>
             </a:r>
           </a:p>
         </p:txBody>
@@ -13090,36 +13059,34 @@
           <a:p>
             <a:r>
               <a:rPr lang="en-US"/>
-              <a:t>"formula" specifies the model formula</a:t>
-            </a:r>
-          </a:p>
-          <a:p>
-            <a:r>
-              <a:rPr lang="en-US"/>
-              <a:t>"data" specifies the data.frame</a:t>
-            </a:r>
-          </a:p>
-          <a:p>
-            <a:r>
-              <a:rPr lang="en-US"/>
-              <a:t>All other parameters are </a:t>
-            </a:r>
-            <a:r>
-              <a:rPr lang="en-US" b="1"/>
-              <a:t>optional</a:t>
-            </a:r>
-          </a:p>
-          <a:p>
-            <a:r>
-              <a:rPr lang="en-US"/>
-              <a:t>Other parameters are determined by the model fitting function's requirements</a:t>
+              <a:t>Typically does very little</a:t>
+            </a:r>
+          </a:p>
+          <a:p>
+            <a:r>
+              <a:rPr lang="en-US"/>
+              <a:t>Can be used to</a:t>
             </a:r>
           </a:p>
           <a:p>
             <a:pPr lvl="1"/>
             <a:r>
               <a:rPr lang="en-US"/>
-              <a:t>Use "args" to determine what parameters are available for the model-fitting function</a:t>
+              <a:t>Print-out error and warning messages</a:t>
+            </a:r>
+          </a:p>
+          <a:p>
+            <a:pPr lvl="1"/>
+            <a:r>
+              <a:rPr lang="en-US"/>
+              <a:t>Manipulate model formulae</a:t>
+            </a:r>
+          </a:p>
+          <a:p>
+            <a:pPr lvl="1"/>
+            <a:r>
+              <a:rPr lang="en-US"/>
+              <a:t>Assign default values that do not exist for the model-fitting function</a:t>
             </a:r>
           </a:p>
           <a:p>
@@ -13176,7 +13143,7 @@
           <a:p>
             <a:r>
               <a:rPr lang="en-US"/>
-              <a:t>zelig2: Function Body</a:t>
+              <a:t>zelig2: Return Value</a:t>
             </a:r>
           </a:p>
         </p:txBody>
@@ -13198,39 +13165,22 @@
           <a:p>
             <a:r>
               <a:rPr lang="en-US"/>
-              <a:t>Typically does very little</a:t>
-            </a:r>
-          </a:p>
-          <a:p>
-            <a:r>
-              <a:rPr lang="en-US"/>
-              <a:t>Can be used to</a:t>
-            </a:r>
-          </a:p>
-          <a:p>
-            <a:pPr lvl="1"/>
-            <a:r>
-              <a:rPr lang="en-US"/>
-              <a:t>Print-out error and warning messages</a:t>
-            </a:r>
-          </a:p>
-          <a:p>
-            <a:pPr lvl="1"/>
-            <a:r>
-              <a:rPr lang="en-US"/>
-              <a:t>Manipulate model formulae</a:t>
-            </a:r>
-          </a:p>
-          <a:p>
-            <a:pPr lvl="1"/>
-            <a:r>
-              <a:rPr lang="en-US"/>
-              <a:t>Assign default values that do not exist for the model-fitting function</a:t>
-            </a:r>
-            <a:endParaRPr lang="en-US"/>
-          </a:p>
-          <a:p>
-            <a:endParaRPr lang="en-US"/>
+              <a:t>".function" specifies the name of model-fitting function</a:t>
+            </a:r>
+          </a:p>
+          <a:p>
+            <a:r>
+              <a:rPr lang="en-US"/>
+              <a:t>All other entries specify values to be </a:t>
+            </a:r>
+            <a:r>
+              <a:rPr lang="en-US" b="1"/>
+              <a:t>explicitly</a:t>
+            </a:r>
+            <a:r>
+              <a:rPr lang="en-US"/>
+              <a:t> set for the model-fitting function</a:t>
+            </a:r>
           </a:p>
         </p:txBody>
       </p:sp>
@@ -13283,7 +13233,7 @@
           <a:p>
             <a:r>
               <a:rPr lang="en-US"/>
-              <a:t>zelig2: Return Value</a:t>
+              <a:t>zelig2</a:t>
             </a:r>
           </a:p>
         </p:txBody>
@@ -13304,22 +13254,52 @@
           <a:lstStyle/>
           <a:p>
             <a:r>
-              <a:rPr lang="en-US"/>
-              <a:t>".function" specifies the name of model-fitting function</a:t>
-            </a:r>
-          </a:p>
-          <a:p>
-            <a:r>
-              <a:rPr lang="en-US"/>
-              <a:t>All other entries specify values to be </a:t>
-            </a:r>
-            <a:r>
               <a:rPr lang="en-US" b="1"/>
-              <a:t>explicitly</a:t>
-            </a:r>
-            <a:r>
-              <a:rPr lang="en-US"/>
-              <a:t> set for the model-fitting function</a:t>
+              <a:t>Does not</a:t>
+            </a:r>
+            <a:r>
+              <a:rPr lang="en-US"/>
+              <a:t> fit models itself</a:t>
+            </a:r>
+          </a:p>
+          <a:p>
+            <a:r>
+              <a:rPr lang="en-US"/>
+              <a:t>Uses outside models to fit data</a:t>
+            </a:r>
+          </a:p>
+          <a:p>
+            <a:pPr lvl="1"/>
+            <a:r>
+              <a:rPr lang="en-US"/>
+              <a:t>"lm", "glm", "nlme", etc.</a:t>
+            </a:r>
+          </a:p>
+          <a:p>
+            <a:r>
+              <a:rPr lang="en-US"/>
+              <a:t>Manages how zelig interacts with these models:</a:t>
+            </a:r>
+          </a:p>
+          <a:p>
+            <a:pPr lvl="1"/>
+            <a:r>
+              <a:rPr lang="en-US"/>
+              <a:t>Specifies what function will fit the model</a:t>
+            </a:r>
+          </a:p>
+          <a:p>
+            <a:pPr lvl="1"/>
+            <a:r>
+              <a:rPr lang="en-US"/>
+              <a:t>Specifies parameters</a:t>
+            </a:r>
+          </a:p>
+          <a:p>
+            <a:pPr lvl="1"/>
+            <a:r>
+              <a:rPr lang="en-US"/>
+              <a:t>Manipulates objects</a:t>
             </a:r>
           </a:p>
         </p:txBody>
@@ -13358,12 +13338,12 @@
       </p:grpSpPr>
       <p:sp>
         <p:nvSpPr>
-          <p:cNvPr id="2" name="Title 1"/>
-          <p:cNvSpPr>
-            <a:spLocks noGrp="1"/>
-          </p:cNvSpPr>
-          <p:nvPr>
-            <p:ph type="title"/>
+          <p:cNvPr id="4" name="Title 3"/>
+          <p:cNvSpPr>
+            <a:spLocks noGrp="1"/>
+          </p:cNvSpPr>
+          <p:nvPr>
+            <p:ph type="ctrTitle"/>
           </p:nvPr>
         </p:nvSpPr>
         <p:spPr/>
@@ -13373,19 +13353,19 @@
           <a:p>
             <a:r>
               <a:rPr lang="en-US"/>
-              <a:t>zelig2</a:t>
-            </a:r>
-          </a:p>
-        </p:txBody>
-      </p:sp>
-      <p:sp>
-        <p:nvSpPr>
-          <p:cNvPr id="3" name="Content Placeholder 2"/>
-          <p:cNvSpPr>
-            <a:spLocks noGrp="1"/>
-          </p:cNvSpPr>
-          <p:nvPr>
-            <p:ph idx="1"/>
+              <a:t>Miscellaneous Topics</a:t>
+            </a:r>
+          </a:p>
+        </p:txBody>
+      </p:sp>
+      <p:sp>
+        <p:nvSpPr>
+          <p:cNvPr id="5" name="Subtitle 4"/>
+          <p:cNvSpPr>
+            <a:spLocks noGrp="1"/>
+          </p:cNvSpPr>
+          <p:nvPr>
+            <p:ph type="subTitle" idx="1"/>
           </p:nvPr>
         </p:nvSpPr>
         <p:spPr/>
@@ -13393,54 +13373,7 @@
           <a:bodyPr/>
           <a:lstStyle/>
           <a:p>
-            <a:r>
-              <a:rPr lang="en-US" b="1"/>
-              <a:t>Does not</a:t>
-            </a:r>
-            <a:r>
-              <a:rPr lang="en-US"/>
-              <a:t> fit models itself</a:t>
-            </a:r>
-          </a:p>
-          <a:p>
-            <a:r>
-              <a:rPr lang="en-US"/>
-              <a:t>Uses outside models to fit data</a:t>
-            </a:r>
-          </a:p>
-          <a:p>
-            <a:pPr lvl="1"/>
-            <a:r>
-              <a:rPr lang="en-US"/>
-              <a:t>"lm", "glm", "nlme", etc.</a:t>
-            </a:r>
-          </a:p>
-          <a:p>
-            <a:r>
-              <a:rPr lang="en-US"/>
-              <a:t>Manages how zelig interacts with these models:</a:t>
-            </a:r>
-          </a:p>
-          <a:p>
-            <a:pPr lvl="1"/>
-            <a:r>
-              <a:rPr lang="en-US"/>
-              <a:t>Specifies what function will fit the model</a:t>
-            </a:r>
-          </a:p>
-          <a:p>
-            <a:pPr lvl="1"/>
-            <a:r>
-              <a:rPr lang="en-US"/>
-              <a:t>Specifies parameters</a:t>
-            </a:r>
-          </a:p>
-          <a:p>
-            <a:pPr lvl="1"/>
-            <a:r>
-              <a:rPr lang="en-US"/>
-              <a:t>Manipulates objects</a:t>
-            </a:r>
+            <a:endParaRPr lang="en-US"/>
           </a:p>
         </p:txBody>
       </p:sp>
@@ -13449,13 +13382,6 @@
   <p:clrMapOvr>
     <a:masterClrMapping/>
   </p:clrMapOvr>
-  <p:timing>
-    <p:tnLst>
-      <p:par>
-        <p:cTn id="1" dur="indefinite" restart="never" nodeType="tmRoot"/>
-      </p:par>
-    </p:tnLst>
-  </p:timing>
 </p:sld>
 </file>
 
@@ -13478,12 +13404,12 @@
       </p:grpSpPr>
       <p:sp>
         <p:nvSpPr>
-          <p:cNvPr id="4" name="Title 3"/>
-          <p:cNvSpPr>
-            <a:spLocks noGrp="1"/>
-          </p:cNvSpPr>
-          <p:nvPr>
-            <p:ph type="ctrTitle"/>
+          <p:cNvPr id="2" name="Title 1"/>
+          <p:cNvSpPr>
+            <a:spLocks noGrp="1"/>
+          </p:cNvSpPr>
+          <p:nvPr>
+            <p:ph type="title"/>
           </p:nvPr>
         </p:nvSpPr>
         <p:spPr/>
@@ -13493,25 +13419,63 @@
           <a:p>
             <a:r>
               <a:rPr lang="en-US"/>
-              <a:t>Miscellaneous Topics</a:t>
-            </a:r>
-          </a:p>
-        </p:txBody>
-      </p:sp>
-      <p:sp>
-        <p:nvSpPr>
-          <p:cNvPr id="5" name="Subtitle 4"/>
-          <p:cNvSpPr>
-            <a:spLocks noGrp="1"/>
-          </p:cNvSpPr>
-          <p:nvPr>
-            <p:ph type="subTitle" idx="1"/>
+              <a:t>Family Objects</a:t>
+            </a:r>
+          </a:p>
+        </p:txBody>
+      </p:sp>
+      <p:sp>
+        <p:nvSpPr>
+          <p:cNvPr id="3" name="Content Placeholder 2"/>
+          <p:cNvSpPr>
+            <a:spLocks noGrp="1"/>
+          </p:cNvSpPr>
+          <p:nvPr>
+            <p:ph idx="1"/>
           </p:nvPr>
         </p:nvSpPr>
         <p:spPr/>
         <p:txBody>
           <a:bodyPr/>
           <a:lstStyle/>
+          <a:p>
+            <a:r>
+              <a:rPr lang="en-US"/>
+              <a:t>Store information about link functions</a:t>
+            </a:r>
+          </a:p>
+          <a:p>
+            <a:pPr lvl="1"/>
+            <a:r>
+              <a:rPr lang="en-US"/>
+              <a:t>"Link" functions help specify the relationship between the observed value and the underlying linear predictors</a:t>
+            </a:r>
+          </a:p>
+          <a:p>
+            <a:pPr lvl="1"/>
+            <a:r>
+              <a:rPr lang="en-US"/>
+              <a:t>"Inverse Link" simply inverse this process</a:t>
+            </a:r>
+          </a:p>
+          <a:p>
+            <a:r>
+              <a:rPr lang="en-US"/>
+              <a:t>Used by model-fitting functions</a:t>
+            </a:r>
+          </a:p>
+          <a:p>
+            <a:r>
+              <a:rPr lang="en-US"/>
+              <a:t>Inverse link functions are used in qi simulation</a:t>
+            </a:r>
+          </a:p>
+          <a:p>
+            <a:r>
+              <a:rPr lang="en-US"/>
+              <a:t>See help documentation: "?family"</a:t>
+            </a:r>
+          </a:p>
           <a:p>
             <a:endParaRPr lang="en-US"/>
           </a:p>
@@ -13522,6 +13486,13 @@
   <p:clrMapOvr>
     <a:masterClrMapping/>
   </p:clrMapOvr>
+  <p:timing>
+    <p:tnLst>
+      <p:par>
+        <p:cTn id="1" dur="indefinite" restart="never" nodeType="tmRoot"/>
+      </p:par>
+    </p:tnLst>
+  </p:timing>
 </p:sld>
 </file>
 
@@ -13544,12 +13515,12 @@
       </p:grpSpPr>
       <p:sp>
         <p:nvSpPr>
-          <p:cNvPr id="2" name="Title 1"/>
-          <p:cNvSpPr>
-            <a:spLocks noGrp="1"/>
-          </p:cNvSpPr>
-          <p:nvPr>
-            <p:ph type="title"/>
+          <p:cNvPr id="6" name="Title 5"/>
+          <p:cNvSpPr>
+            <a:spLocks noGrp="1"/>
+          </p:cNvSpPr>
+          <p:nvPr>
+            <p:ph type="ctrTitle"/>
           </p:nvPr>
         </p:nvSpPr>
         <p:spPr/>
@@ -13559,63 +13530,25 @@
           <a:p>
             <a:r>
               <a:rPr lang="en-US"/>
-              <a:t>Family Objects</a:t>
-            </a:r>
-          </a:p>
-        </p:txBody>
-      </p:sp>
-      <p:sp>
-        <p:nvSpPr>
-          <p:cNvPr id="3" name="Content Placeholder 2"/>
-          <p:cNvSpPr>
-            <a:spLocks noGrp="1"/>
-          </p:cNvSpPr>
-          <p:nvPr>
-            <p:ph idx="1"/>
+              <a:t>Workflow</a:t>
+            </a:r>
+          </a:p>
+        </p:txBody>
+      </p:sp>
+      <p:sp>
+        <p:nvSpPr>
+          <p:cNvPr id="7" name="Subtitle 6"/>
+          <p:cNvSpPr>
+            <a:spLocks noGrp="1"/>
+          </p:cNvSpPr>
+          <p:nvPr>
+            <p:ph type="subTitle" idx="1"/>
           </p:nvPr>
         </p:nvSpPr>
         <p:spPr/>
         <p:txBody>
           <a:bodyPr/>
           <a:lstStyle/>
-          <a:p>
-            <a:r>
-              <a:rPr lang="en-US"/>
-              <a:t>Store information about link functions</a:t>
-            </a:r>
-          </a:p>
-          <a:p>
-            <a:pPr lvl="1"/>
-            <a:r>
-              <a:rPr lang="en-US"/>
-              <a:t>"Link" functions help specify the relationship between the observed value and the underlying linear predictors</a:t>
-            </a:r>
-          </a:p>
-          <a:p>
-            <a:pPr lvl="1"/>
-            <a:r>
-              <a:rPr lang="en-US"/>
-              <a:t>"Inverse Link" simply inverse this process</a:t>
-            </a:r>
-          </a:p>
-          <a:p>
-            <a:r>
-              <a:rPr lang="en-US"/>
-              <a:t>Used by model-fitting functions</a:t>
-            </a:r>
-          </a:p>
-          <a:p>
-            <a:r>
-              <a:rPr lang="en-US"/>
-              <a:t>Inverse link functions are used in qi simulation</a:t>
-            </a:r>
-          </a:p>
-          <a:p>
-            <a:r>
-              <a:rPr lang="en-US"/>
-              <a:t>See help documentation: "?family"</a:t>
-            </a:r>
-          </a:p>
           <a:p>
             <a:endParaRPr lang="en-US"/>
           </a:p>
@@ -13655,12 +13588,12 @@
       </p:grpSpPr>
       <p:sp>
         <p:nvSpPr>
-          <p:cNvPr id="6" name="Title 5"/>
-          <p:cNvSpPr>
-            <a:spLocks noGrp="1"/>
-          </p:cNvSpPr>
-          <p:nvPr>
-            <p:ph type="ctrTitle"/>
+          <p:cNvPr id="2" name="Title 1"/>
+          <p:cNvSpPr>
+            <a:spLocks noGrp="1"/>
+          </p:cNvSpPr>
+          <p:nvPr>
+            <p:ph type="title"/>
           </p:nvPr>
         </p:nvSpPr>
         <p:spPr/>
@@ -13677,12 +13610,12 @@
       </p:sp>
       <p:sp>
         <p:nvSpPr>
-          <p:cNvPr id="7" name="Subtitle 6"/>
-          <p:cNvSpPr>
-            <a:spLocks noGrp="1"/>
-          </p:cNvSpPr>
-          <p:nvPr>
-            <p:ph type="subTitle" idx="1"/>
+          <p:cNvPr id="3" name="Content Placeholder 2"/>
+          <p:cNvSpPr>
+            <a:spLocks noGrp="1"/>
+          </p:cNvSpPr>
+          <p:nvPr>
+            <p:ph idx="1"/>
           </p:nvPr>
         </p:nvSpPr>
         <p:spPr/>
@@ -13690,7 +13623,45 @@
           <a:bodyPr/>
           <a:lstStyle/>
           <a:p>
-            <a:endParaRPr lang="en-US"/>
+            <a:r>
+              <a:rPr lang="en-US" dirty="0"/>
+              <a:t>Find existing model</a:t>
+            </a:r>
+          </a:p>
+          <a:p>
+            <a:r>
+              <a:rPr lang="en-US" dirty="0"/>
+              <a:t>Determine what the arguments are</a:t>
+            </a:r>
+          </a:p>
+          <a:p>
+            <a:r>
+              <a:rPr lang="en-US" dirty="0"/>
+              <a:t>Return a list at the bottom of the function</a:t>
+            </a:r>
+          </a:p>
+          <a:p>
+            <a:r>
+              <a:rPr lang="en-US" dirty="0"/>
+              <a:t>Manipulate objects</a:t>
+            </a:r>
+          </a:p>
+          <a:p>
+            <a:r>
+              <a:rPr lang="en-US" dirty="0"/>
+              <a:t>Write </a:t>
+            </a:r>
+            <a:r>
+              <a:rPr lang="en-US" dirty="0" smtClean="0"/>
+              <a:t>warnings</a:t>
+            </a:r>
+            <a:endParaRPr lang="en-US" dirty="0"/>
+          </a:p>
+          <a:p>
+            <a:r>
+              <a:rPr lang="en-US" dirty="0"/>
+              <a:t>Document</a:t>
+            </a:r>
           </a:p>
         </p:txBody>
       </p:sp>
@@ -13833,7 +13804,7 @@
     </p:spTree>
     <p:extLst>
       <p:ext uri="{BB962C8B-B14F-4D97-AF65-F5344CB8AC3E}">
-        <p14:creationId xmlns="" xmlns:a="http://schemas.openxmlformats.org/drawingml/2006/main" xmlns:r="http://schemas.openxmlformats.org/officeDocument/2006/relationships" xmlns:p="http://schemas.openxmlformats.org/presentationml/2006/main" xmlns:p14="http://schemas.microsoft.com/office/powerpoint/2010/main" xmlns:mv="urn:schemas-microsoft-com:mac:vml" xmlns:mc="http://schemas.openxmlformats.org/markup-compatibility/2006" val="3623617875"/>
+        <p14:creationId xmlns:mc="http://schemas.openxmlformats.org/markup-compatibility/2006" xmlns:mv="urn:schemas-microsoft-com:mac:vml" xmlns:p14="http://schemas.microsoft.com/office/powerpoint/2010/main" xmlns:p="http://schemas.openxmlformats.org/presentationml/2006/main" xmlns:r="http://schemas.openxmlformats.org/officeDocument/2006/relationships" xmlns:a="http://schemas.openxmlformats.org/drawingml/2006/main" xmlns="" val="3623617875"/>
       </p:ext>
     </p:extLst>
   </p:cSld>
@@ -13883,9 +13854,10 @@
           <a:lstStyle/>
           <a:p>
             <a:r>
-              <a:rPr lang="en-US"/>
+              <a:rPr lang="en-US" dirty="0" smtClean="0"/>
               <a:t>Workflow</a:t>
             </a:r>
+            <a:endParaRPr lang="en-US" dirty="0"/>
           </a:p>
         </p:txBody>
       </p:sp>
@@ -13905,48 +13877,51 @@
           <a:lstStyle/>
           <a:p>
             <a:r>
-              <a:rPr lang="en-US" dirty="0"/>
-              <a:t>Find existing model</a:t>
-            </a:r>
-          </a:p>
-          <a:p>
-            <a:r>
-              <a:rPr lang="en-US" dirty="0"/>
-              <a:t>Determine what the arguments are</a:t>
-            </a:r>
-          </a:p>
-          <a:p>
-            <a:r>
-              <a:rPr lang="en-US" dirty="0"/>
-              <a:t>Return a list at the bottom of the function</a:t>
-            </a:r>
-          </a:p>
-          <a:p>
-            <a:r>
-              <a:rPr lang="en-US" dirty="0"/>
-              <a:t>Manipulate objects</a:t>
-            </a:r>
-          </a:p>
-          <a:p>
-            <a:r>
-              <a:rPr lang="en-US" dirty="0"/>
-              <a:t>Write </a:t>
-            </a:r>
-            <a:r>
               <a:rPr lang="en-US" dirty="0" smtClean="0"/>
-              <a:t>warnings</a:t>
+              <a:t>Write demo code</a:t>
+            </a:r>
+          </a:p>
+          <a:p>
+            <a:r>
+              <a:rPr lang="en-US" dirty="0" smtClean="0"/>
+              <a:t>Develop code (in the “</a:t>
+            </a:r>
+            <a:r>
+              <a:rPr lang="en-US" b="1" dirty="0" smtClean="0"/>
+              <a:t>R/</a:t>
+            </a:r>
+            <a:r>
+              <a:rPr lang="en-US" dirty="0" smtClean="0"/>
+              <a:t>” directory)</a:t>
+            </a:r>
+          </a:p>
+          <a:p>
+            <a:r>
+              <a:rPr lang="en-US" dirty="0" smtClean="0"/>
+              <a:t>Install (or re-install) package</a:t>
+            </a:r>
+          </a:p>
+          <a:p>
+            <a:r>
+              <a:rPr lang="en-US" dirty="0" smtClean="0"/>
+              <a:t>Test demo code</a:t>
+            </a:r>
+          </a:p>
+          <a:p>
+            <a:r>
+              <a:rPr lang="en-US" dirty="0" smtClean="0"/>
+              <a:t>Go back to step 2</a:t>
             </a:r>
             <a:endParaRPr lang="en-US" dirty="0"/>
           </a:p>
-          <a:p>
-            <a:r>
-              <a:rPr lang="en-US" dirty="0"/>
-              <a:t>Document</a:t>
-            </a:r>
-          </a:p>
         </p:txBody>
       </p:sp>
     </p:spTree>
+    <p:extLst>
+      <p:ext uri="{BB962C8B-B14F-4D97-AF65-F5344CB8AC3E}">
+        <p14:creationId xmlns:mc="http://schemas.openxmlformats.org/markup-compatibility/2006" xmlns:mv="urn:schemas-microsoft-com:mac:vml" xmlns:p14="http://schemas.microsoft.com/office/powerpoint/2010/main" xmlns:p="http://schemas.openxmlformats.org/presentationml/2006/main" xmlns:r="http://schemas.openxmlformats.org/officeDocument/2006/relationships" xmlns:a="http://schemas.openxmlformats.org/drawingml/2006/main" xmlns="" val="3145060271"/>
+      </p:ext>
+    </p:extLst>
   </p:cSld>
   <p:clrMapOvr>
     <a:masterClrMapping/>
@@ -13995,7 +13970,7 @@
           <a:p>
             <a:r>
               <a:rPr lang="en-US" dirty="0" smtClean="0"/>
-              <a:t>Workflow</a:t>
+              <a:t>Workshop Goals</a:t>
             </a:r>
             <a:endParaRPr lang="en-US" dirty="0"/>
           </a:p>
@@ -14013,45 +13988,63 @@
         </p:nvSpPr>
         <p:spPr/>
         <p:txBody>
-          <a:bodyPr/>
+          <a:bodyPr>
+            <a:normAutofit lnSpcReduction="10000"/>
+          </a:bodyPr>
           <a:lstStyle/>
           <a:p>
             <a:r>
               <a:rPr lang="en-US" dirty="0" smtClean="0"/>
-              <a:t>Write demo code</a:t>
+              <a:t>We are going to focus on simulating individual statistical models</a:t>
             </a:r>
           </a:p>
           <a:p>
             <a:r>
               <a:rPr lang="en-US" dirty="0" smtClean="0"/>
-              <a:t>Develop code (in the “</a:t>
-            </a:r>
-            <a:r>
-              <a:rPr lang="en-US" b="1" dirty="0" smtClean="0"/>
-              <a:t>R/</a:t>
-            </a:r>
+              <a:t>Each student will create an R package</a:t>
+            </a:r>
+          </a:p>
+          <a:p>
             <a:r>
               <a:rPr lang="en-US" dirty="0" smtClean="0"/>
-              <a:t>” directory)</a:t>
+              <a:t>Each student will implement a single statistical model</a:t>
             </a:r>
           </a:p>
           <a:p>
             <a:r>
               <a:rPr lang="en-US" dirty="0" smtClean="0"/>
-              <a:t>Install (or re-install) package</a:t>
-            </a:r>
-          </a:p>
-          <a:p>
+              <a:t>This model will be made up of 3 methods:</a:t>
+            </a:r>
+          </a:p>
+          <a:p>
+            <a:pPr lvl="1"/>
             <a:r>
               <a:rPr lang="en-US" dirty="0" smtClean="0"/>
-              <a:t>Test demo code</a:t>
-            </a:r>
-          </a:p>
-          <a:p>
+              <a:t>zelig2&lt;model-name&gt;</a:t>
+            </a:r>
+          </a:p>
+          <a:p>
+            <a:pPr lvl="1"/>
+            <a:r>
+              <a:rPr lang="en-US" dirty="0" err="1" smtClean="0"/>
+              <a:t>param</a:t>
+            </a:r>
             <a:r>
               <a:rPr lang="en-US" dirty="0" smtClean="0"/>
-              <a:t>Go back to step 2</a:t>
-            </a:r>
+              <a:t>.&lt;model-name&gt;</a:t>
+            </a:r>
+          </a:p>
+          <a:p>
+            <a:pPr lvl="1"/>
+            <a:r>
+              <a:rPr lang="en-US" dirty="0" smtClean="0"/>
+              <a:t>qi.&lt;model-name&gt;</a:t>
+            </a:r>
+          </a:p>
+          <a:p>
+            <a:endParaRPr lang="en-US" dirty="0" smtClean="0"/>
+          </a:p>
+          <a:p>
             <a:endParaRPr lang="en-US" dirty="0"/>
           </a:p>
         </p:txBody>
@@ -14059,94 +14052,9 @@
     </p:spTree>
     <p:extLst>
       <p:ext uri="{BB962C8B-B14F-4D97-AF65-F5344CB8AC3E}">
-        <p14:creationId xmlns="" xmlns:a="http://schemas.openxmlformats.org/drawingml/2006/main" xmlns:r="http://schemas.openxmlformats.org/officeDocument/2006/relationships" xmlns:p="http://schemas.openxmlformats.org/presentationml/2006/main" xmlns:p14="http://schemas.microsoft.com/office/powerpoint/2010/main" xmlns:mv="urn:schemas-microsoft-com:mac:vml" xmlns:mc="http://schemas.openxmlformats.org/markup-compatibility/2006" val="3145060271"/>
+        <p14:creationId xmlns:mc="http://schemas.openxmlformats.org/markup-compatibility/2006" xmlns:mv="urn:schemas-microsoft-com:mac:vml" xmlns:p14="http://schemas.microsoft.com/office/powerpoint/2010/main" xmlns:p="http://schemas.openxmlformats.org/presentationml/2006/main" xmlns:r="http://schemas.openxmlformats.org/officeDocument/2006/relationships" xmlns:a="http://schemas.openxmlformats.org/drawingml/2006/main" xmlns="" val="1712515247"/>
       </p:ext>
     </p:extLst>
-  </p:cSld>
-  <p:clrMapOvr>
-    <a:masterClrMapping/>
-  </p:clrMapOvr>
-  <p:timing>
-    <p:tnLst>
-      <p:par>
-        <p:cTn id="1" dur="indefinite" restart="never" nodeType="tmRoot"/>
-      </p:par>
-    </p:tnLst>
-  </p:timing>
-</p:sld>
-</file>
-
-<file path=ppt/slides/slide52.xml><?xml version="1.0" encoding="utf-8"?>
-<p:sld xmlns:a="http://schemas.openxmlformats.org/drawingml/2006/main" xmlns:r="http://schemas.openxmlformats.org/officeDocument/2006/relationships" xmlns:mc="http://schemas.openxmlformats.org/markup-compatibility/2006" xmlns:mv="urn:schemas-microsoft-com:mac:vml" xmlns:p="http://schemas.openxmlformats.org/presentationml/2006/main" mc:Ignorable="mv" mc:PreserveAttributes="mv:*">
-  <p:cSld>
-    <p:spTree>
-      <p:nvGrpSpPr>
-        <p:cNvPr id="1" name=""/>
-        <p:cNvGrpSpPr/>
-        <p:nvPr/>
-      </p:nvGrpSpPr>
-      <p:grpSpPr>
-        <a:xfrm>
-          <a:off x="0" y="0"/>
-          <a:ext cx="0" cy="0"/>
-          <a:chOff x="0" y="0"/>
-          <a:chExt cx="0" cy="0"/>
-        </a:xfrm>
-      </p:grpSpPr>
-      <p:sp>
-        <p:nvSpPr>
-          <p:cNvPr id="2" name="Title 1"/>
-          <p:cNvSpPr>
-            <a:spLocks noGrp="1"/>
-          </p:cNvSpPr>
-          <p:nvPr>
-            <p:ph type="title"/>
-          </p:nvPr>
-        </p:nvSpPr>
-        <p:spPr/>
-        <p:txBody>
-          <a:bodyPr/>
-          <a:lstStyle/>
-          <a:p>
-            <a:r>
-              <a:rPr lang="en-US"/>
-              <a:t>Workshop</a:t>
-            </a:r>
-          </a:p>
-        </p:txBody>
-      </p:sp>
-      <p:sp>
-        <p:nvSpPr>
-          <p:cNvPr id="3" name="Content Placeholder 2"/>
-          <p:cNvSpPr>
-            <a:spLocks noGrp="1"/>
-          </p:cNvSpPr>
-          <p:nvPr>
-            <p:ph idx="1"/>
-          </p:nvPr>
-        </p:nvSpPr>
-        <p:spPr/>
-        <p:txBody>
-          <a:bodyPr/>
-          <a:lstStyle/>
-          <a:p>
-            <a:r>
-              <a:rPr lang="en-US"/>
-              <a:t>Choose a Generalized Linear model</a:t>
-            </a:r>
-          </a:p>
-          <a:p>
-            <a:r>
-              <a:rPr lang="en-US"/>
-              <a:t>Create a statistical package (using zelig.skeleton)</a:t>
-            </a:r>
-          </a:p>
-          <a:p>
-            <a:endParaRPr lang="en-US"/>
-          </a:p>
-        </p:txBody>
-      </p:sp>
-    </p:spTree>
   </p:cSld>
   <p:clrMapOvr>
     <a:masterClrMapping/>
@@ -14296,7 +14204,7 @@
     </p:spTree>
     <p:extLst>
       <p:ext uri="{BB962C8B-B14F-4D97-AF65-F5344CB8AC3E}">
-        <p14:creationId xmlns="" xmlns:a="http://schemas.openxmlformats.org/drawingml/2006/main" xmlns:r="http://schemas.openxmlformats.org/officeDocument/2006/relationships" xmlns:p="http://schemas.openxmlformats.org/presentationml/2006/main" xmlns:p14="http://schemas.microsoft.com/office/powerpoint/2010/main" xmlns:mv="urn:schemas-microsoft-com:mac:vml" xmlns:mc="http://schemas.openxmlformats.org/markup-compatibility/2006" val="70992702"/>
+        <p14:creationId xmlns:mc="http://schemas.openxmlformats.org/markup-compatibility/2006" xmlns:mv="urn:schemas-microsoft-com:mac:vml" xmlns:p14="http://schemas.microsoft.com/office/powerpoint/2010/main" xmlns:p="http://schemas.openxmlformats.org/presentationml/2006/main" xmlns:r="http://schemas.openxmlformats.org/officeDocument/2006/relationships" xmlns:a="http://schemas.openxmlformats.org/drawingml/2006/main" xmlns="" val="70992702"/>
       </p:ext>
     </p:extLst>
   </p:cSld>
@@ -14402,7 +14310,6 @@
               <a:rPr lang="en-US"/>
               <a:t>Package</a:t>
             </a:r>
-            <a:endParaRPr lang="en-US"/>
           </a:p>
           <a:p>
             <a:pPr lvl="1"/>
@@ -14429,7 +14336,7 @@
     </p:spTree>
     <p:extLst>
       <p:ext uri="{BB962C8B-B14F-4D97-AF65-F5344CB8AC3E}">
-        <p14:creationId xmlns="" xmlns:a="http://schemas.openxmlformats.org/drawingml/2006/main" xmlns:r="http://schemas.openxmlformats.org/officeDocument/2006/relationships" xmlns:p="http://schemas.openxmlformats.org/presentationml/2006/main" xmlns:p14="http://schemas.microsoft.com/office/powerpoint/2010/main" xmlns:mv="urn:schemas-microsoft-com:mac:vml" xmlns:mc="http://schemas.openxmlformats.org/markup-compatibility/2006" val="2872122745"/>
+        <p14:creationId xmlns:mc="http://schemas.openxmlformats.org/markup-compatibility/2006" xmlns:mv="urn:schemas-microsoft-com:mac:vml" xmlns:p14="http://schemas.microsoft.com/office/powerpoint/2010/main" xmlns:p="http://schemas.openxmlformats.org/presentationml/2006/main" xmlns:r="http://schemas.openxmlformats.org/officeDocument/2006/relationships" xmlns:a="http://schemas.openxmlformats.org/drawingml/2006/main" xmlns="" val="2872122745"/>
       </p:ext>
     </p:extLst>
   </p:cSld>
@@ -14551,7 +14458,7 @@
     </p:spTree>
     <p:extLst>
       <p:ext uri="{BB962C8B-B14F-4D97-AF65-F5344CB8AC3E}">
-        <p14:creationId xmlns="" xmlns:a="http://schemas.openxmlformats.org/drawingml/2006/main" xmlns:r="http://schemas.openxmlformats.org/officeDocument/2006/relationships" xmlns:p="http://schemas.openxmlformats.org/presentationml/2006/main" xmlns:p14="http://schemas.microsoft.com/office/powerpoint/2010/main" xmlns:mv="urn:schemas-microsoft-com:mac:vml" xmlns:mc="http://schemas.openxmlformats.org/markup-compatibility/2006" val="19752076"/>
+        <p14:creationId xmlns:mc="http://schemas.openxmlformats.org/markup-compatibility/2006" xmlns:mv="urn:schemas-microsoft-com:mac:vml" xmlns:p14="http://schemas.microsoft.com/office/powerpoint/2010/main" xmlns:p="http://schemas.openxmlformats.org/presentationml/2006/main" xmlns:r="http://schemas.openxmlformats.org/officeDocument/2006/relationships" xmlns:a="http://schemas.openxmlformats.org/drawingml/2006/main" xmlns="" val="19752076"/>
       </p:ext>
     </p:extLst>
   </p:cSld>

--- a/January-Class/Zelig_1_regressions.pptx
+++ b/January-Class/Zelig_1_regressions.pptx
@@ -1,64 +1,65 @@
 
 <file path=ppt/presentation.xml><?xml version="1.0" encoding="utf-8"?>
-<p:presentation xmlns:a="http://schemas.openxmlformats.org/drawingml/2006/main" xmlns:r="http://schemas.openxmlformats.org/officeDocument/2006/relationships" xmlns:mc="http://schemas.openxmlformats.org/markup-compatibility/2006" xmlns:mv="urn:schemas-microsoft-com:mac:vml" xmlns:p="http://schemas.openxmlformats.org/presentationml/2006/main" mc:Ignorable="mv" mc:PreserveAttributes="mv:*" saveSubsetFonts="1" autoCompressPictures="0">
+<p:presentation xmlns:a="http://schemas.openxmlformats.org/drawingml/2006/main" xmlns:r="http://schemas.openxmlformats.org/officeDocument/2006/relationships" xmlns:p="http://schemas.openxmlformats.org/presentationml/2006/main" saveSubsetFonts="1" autoCompressPictures="0">
   <p:sldMasterIdLst>
     <p:sldMasterId id="2147483694" r:id="rId1"/>
   </p:sldMasterIdLst>
   <p:notesMasterIdLst>
-    <p:notesMasterId r:id="rId53"/>
+    <p:notesMasterId r:id="rId54"/>
   </p:notesMasterIdLst>
   <p:sldIdLst>
-    <p:sldId id="256" r:id="rId2"/>
-    <p:sldId id="276" r:id="rId3"/>
-    <p:sldId id="294" r:id="rId4"/>
-    <p:sldId id="301" r:id="rId5"/>
-    <p:sldId id="303" r:id="rId6"/>
-    <p:sldId id="304" r:id="rId7"/>
-    <p:sldId id="305" r:id="rId8"/>
-    <p:sldId id="306" r:id="rId9"/>
-    <p:sldId id="371" r:id="rId10"/>
-    <p:sldId id="372" r:id="rId11"/>
-    <p:sldId id="373" r:id="rId12"/>
-    <p:sldId id="351" r:id="rId13"/>
-    <p:sldId id="369" r:id="rId14"/>
-    <p:sldId id="368" r:id="rId15"/>
-    <p:sldId id="352" r:id="rId16"/>
-    <p:sldId id="353" r:id="rId17"/>
-    <p:sldId id="355" r:id="rId18"/>
-    <p:sldId id="370" r:id="rId19"/>
-    <p:sldId id="356" r:id="rId20"/>
-    <p:sldId id="309" r:id="rId21"/>
-    <p:sldId id="339" r:id="rId22"/>
-    <p:sldId id="359" r:id="rId23"/>
-    <p:sldId id="358" r:id="rId24"/>
-    <p:sldId id="357" r:id="rId25"/>
-    <p:sldId id="362" r:id="rId26"/>
-    <p:sldId id="335" r:id="rId27"/>
-    <p:sldId id="336" r:id="rId28"/>
-    <p:sldId id="318" r:id="rId29"/>
-    <p:sldId id="341" r:id="rId30"/>
-    <p:sldId id="320" r:id="rId31"/>
-    <p:sldId id="323" r:id="rId32"/>
-    <p:sldId id="326" r:id="rId33"/>
-    <p:sldId id="324" r:id="rId34"/>
-    <p:sldId id="321" r:id="rId35"/>
-    <p:sldId id="322" r:id="rId36"/>
-    <p:sldId id="328" r:id="rId37"/>
-    <p:sldId id="330" r:id="rId38"/>
-    <p:sldId id="272" r:id="rId39"/>
-    <p:sldId id="363" r:id="rId40"/>
-    <p:sldId id="342" r:id="rId41"/>
-    <p:sldId id="275" r:id="rId42"/>
-    <p:sldId id="343" r:id="rId43"/>
-    <p:sldId id="344" r:id="rId44"/>
-    <p:sldId id="345" r:id="rId45"/>
-    <p:sldId id="273" r:id="rId46"/>
-    <p:sldId id="374" r:id="rId47"/>
-    <p:sldId id="279" r:id="rId48"/>
-    <p:sldId id="337" r:id="rId49"/>
-    <p:sldId id="278" r:id="rId50"/>
-    <p:sldId id="316" r:id="rId51"/>
-    <p:sldId id="375" r:id="rId52"/>
+    <p:sldId id="376" r:id="rId2"/>
+    <p:sldId id="256" r:id="rId3"/>
+    <p:sldId id="276" r:id="rId4"/>
+    <p:sldId id="294" r:id="rId5"/>
+    <p:sldId id="301" r:id="rId6"/>
+    <p:sldId id="303" r:id="rId7"/>
+    <p:sldId id="304" r:id="rId8"/>
+    <p:sldId id="305" r:id="rId9"/>
+    <p:sldId id="306" r:id="rId10"/>
+    <p:sldId id="371" r:id="rId11"/>
+    <p:sldId id="372" r:id="rId12"/>
+    <p:sldId id="373" r:id="rId13"/>
+    <p:sldId id="351" r:id="rId14"/>
+    <p:sldId id="369" r:id="rId15"/>
+    <p:sldId id="368" r:id="rId16"/>
+    <p:sldId id="352" r:id="rId17"/>
+    <p:sldId id="353" r:id="rId18"/>
+    <p:sldId id="355" r:id="rId19"/>
+    <p:sldId id="370" r:id="rId20"/>
+    <p:sldId id="356" r:id="rId21"/>
+    <p:sldId id="309" r:id="rId22"/>
+    <p:sldId id="339" r:id="rId23"/>
+    <p:sldId id="359" r:id="rId24"/>
+    <p:sldId id="358" r:id="rId25"/>
+    <p:sldId id="357" r:id="rId26"/>
+    <p:sldId id="362" r:id="rId27"/>
+    <p:sldId id="335" r:id="rId28"/>
+    <p:sldId id="336" r:id="rId29"/>
+    <p:sldId id="318" r:id="rId30"/>
+    <p:sldId id="341" r:id="rId31"/>
+    <p:sldId id="320" r:id="rId32"/>
+    <p:sldId id="323" r:id="rId33"/>
+    <p:sldId id="326" r:id="rId34"/>
+    <p:sldId id="324" r:id="rId35"/>
+    <p:sldId id="321" r:id="rId36"/>
+    <p:sldId id="322" r:id="rId37"/>
+    <p:sldId id="328" r:id="rId38"/>
+    <p:sldId id="330" r:id="rId39"/>
+    <p:sldId id="272" r:id="rId40"/>
+    <p:sldId id="363" r:id="rId41"/>
+    <p:sldId id="342" r:id="rId42"/>
+    <p:sldId id="275" r:id="rId43"/>
+    <p:sldId id="343" r:id="rId44"/>
+    <p:sldId id="344" r:id="rId45"/>
+    <p:sldId id="345" r:id="rId46"/>
+    <p:sldId id="273" r:id="rId47"/>
+    <p:sldId id="374" r:id="rId48"/>
+    <p:sldId id="279" r:id="rId49"/>
+    <p:sldId id="337" r:id="rId50"/>
+    <p:sldId id="278" r:id="rId51"/>
+    <p:sldId id="316" r:id="rId52"/>
+    <p:sldId id="375" r:id="rId53"/>
   </p:sldIdLst>
   <p:sldSz cx="9144000" cy="6858000" type="screen4x3"/>
   <p:notesSz cx="6858000" cy="9144000"/>
@@ -161,7 +162,7 @@
 </file>
 
 <file path=ppt/notesMasters/notesMaster1.xml><?xml version="1.0" encoding="utf-8"?>
-<p:notesMaster xmlns:a="http://schemas.openxmlformats.org/drawingml/2006/main" xmlns:r="http://schemas.openxmlformats.org/officeDocument/2006/relationships" xmlns:mc="http://schemas.openxmlformats.org/markup-compatibility/2006" xmlns:mv="urn:schemas-microsoft-com:mac:vml" xmlns:p="http://schemas.openxmlformats.org/presentationml/2006/main" mc:Ignorable="mv" mc:PreserveAttributes="mv:*">
+<p:notesMaster xmlns:a="http://schemas.openxmlformats.org/drawingml/2006/main" xmlns:r="http://schemas.openxmlformats.org/officeDocument/2006/relationships" xmlns:p="http://schemas.openxmlformats.org/presentationml/2006/main">
   <p:cSld>
     <p:bg>
       <p:bgRef idx="1001">
@@ -243,7 +244,7 @@
             <a:fld id="{A425829C-BC0A-2947-AC1D-CBD687136EF9}" type="datetimeFigureOut">
               <a:rPr lang="en-US"/>
               <a:pPr/>
-              <a:t>12/19/11</a:t>
+              <a:t>12/19/2011</a:t>
             </a:fld>
             <a:endParaRPr lang="en-US"/>
           </a:p>
@@ -413,7 +414,7 @@
     </p:spTree>
     <p:extLst>
       <p:ext uri="{BB962C8B-B14F-4D97-AF65-F5344CB8AC3E}">
-        <p14:creationId xmlns:mc="http://schemas.openxmlformats.org/markup-compatibility/2006" xmlns:mv="urn:schemas-microsoft-com:mac:vml" xmlns:p14="http://schemas.microsoft.com/office/powerpoint/2010/main" xmlns:p="http://schemas.openxmlformats.org/presentationml/2006/main" xmlns:r="http://schemas.openxmlformats.org/officeDocument/2006/relationships" xmlns:a="http://schemas.openxmlformats.org/drawingml/2006/main" xmlns="" val="1070545073"/>
+        <p14:creationId xmlns:p14="http://schemas.microsoft.com/office/powerpoint/2010/main" val="1070545073"/>
       </p:ext>
     </p:extLst>
   </p:cSld>
@@ -514,7 +515,7 @@
 </file>
 
 <file path=ppt/slideLayouts/slideLayout1.xml><?xml version="1.0" encoding="utf-8"?>
-<p:sldLayout xmlns:a="http://schemas.openxmlformats.org/drawingml/2006/main" xmlns:r="http://schemas.openxmlformats.org/officeDocument/2006/relationships" xmlns:mc="http://schemas.openxmlformats.org/markup-compatibility/2006" xmlns:mv="urn:schemas-microsoft-com:mac:vml" xmlns:p="http://schemas.openxmlformats.org/presentationml/2006/main" mc:Ignorable="mv" mc:PreserveAttributes="mv:*" type="title" preserve="1">
+<p:sldLayout xmlns:a="http://schemas.openxmlformats.org/drawingml/2006/main" xmlns:r="http://schemas.openxmlformats.org/officeDocument/2006/relationships" xmlns:p="http://schemas.openxmlformats.org/presentationml/2006/main" type="title" preserve="1">
   <p:cSld name="Title Slide">
     <p:spTree>
       <p:nvGrpSpPr>
@@ -693,7 +694,7 @@
             <a:fld id="{52146219-D444-4949-8B82-1A0079A42925}" type="datetimeFigureOut">
               <a:rPr lang="en-US"/>
               <a:pPr/>
-              <a:t>12/19/11</a:t>
+              <a:t>12/19/2011</a:t>
             </a:fld>
             <a:endParaRPr lang="en-US"/>
           </a:p>
@@ -751,7 +752,7 @@
 </file>
 
 <file path=ppt/slideLayouts/slideLayout10.xml><?xml version="1.0" encoding="utf-8"?>
-<p:sldLayout xmlns:a="http://schemas.openxmlformats.org/drawingml/2006/main" xmlns:r="http://schemas.openxmlformats.org/officeDocument/2006/relationships" xmlns:mc="http://schemas.openxmlformats.org/markup-compatibility/2006" xmlns:mv="urn:schemas-microsoft-com:mac:vml" xmlns:p="http://schemas.openxmlformats.org/presentationml/2006/main" mc:Ignorable="mv" mc:PreserveAttributes="mv:*" type="vertTx" preserve="1">
+<p:sldLayout xmlns:a="http://schemas.openxmlformats.org/drawingml/2006/main" xmlns:r="http://schemas.openxmlformats.org/officeDocument/2006/relationships" xmlns:p="http://schemas.openxmlformats.org/presentationml/2006/main" type="vertTx" preserve="1">
   <p:cSld name="Title and Vertical Text">
     <p:spTree>
       <p:nvGrpSpPr>
@@ -858,7 +859,7 @@
             <a:fld id="{52146219-D444-4949-8B82-1A0079A42925}" type="datetimeFigureOut">
               <a:rPr lang="en-US"/>
               <a:pPr/>
-              <a:t>12/19/11</a:t>
+              <a:t>12/19/2011</a:t>
             </a:fld>
             <a:endParaRPr lang="en-US"/>
           </a:p>
@@ -916,7 +917,7 @@
 </file>
 
 <file path=ppt/slideLayouts/slideLayout11.xml><?xml version="1.0" encoding="utf-8"?>
-<p:sldLayout xmlns:a="http://schemas.openxmlformats.org/drawingml/2006/main" xmlns:r="http://schemas.openxmlformats.org/officeDocument/2006/relationships" xmlns:mc="http://schemas.openxmlformats.org/markup-compatibility/2006" xmlns:mv="urn:schemas-microsoft-com:mac:vml" xmlns:p="http://schemas.openxmlformats.org/presentationml/2006/main" mc:Ignorable="mv" mc:PreserveAttributes="mv:*" type="vertTitleAndTx" preserve="1">
+<p:sldLayout xmlns:a="http://schemas.openxmlformats.org/drawingml/2006/main" xmlns:r="http://schemas.openxmlformats.org/officeDocument/2006/relationships" xmlns:p="http://schemas.openxmlformats.org/presentationml/2006/main" type="vertTitleAndTx" preserve="1">
   <p:cSld name="Vertical Title and Text">
     <p:spTree>
       <p:nvGrpSpPr>
@@ -1033,7 +1034,7 @@
             <a:fld id="{52146219-D444-4949-8B82-1A0079A42925}" type="datetimeFigureOut">
               <a:rPr lang="en-US"/>
               <a:pPr/>
-              <a:t>12/19/11</a:t>
+              <a:t>12/19/2011</a:t>
             </a:fld>
             <a:endParaRPr lang="en-US"/>
           </a:p>
@@ -1091,7 +1092,7 @@
 </file>
 
 <file path=ppt/slideLayouts/slideLayout2.xml><?xml version="1.0" encoding="utf-8"?>
-<p:sldLayout xmlns:a="http://schemas.openxmlformats.org/drawingml/2006/main" xmlns:r="http://schemas.openxmlformats.org/officeDocument/2006/relationships" xmlns:mc="http://schemas.openxmlformats.org/markup-compatibility/2006" xmlns:mv="urn:schemas-microsoft-com:mac:vml" xmlns:p="http://schemas.openxmlformats.org/presentationml/2006/main" mc:Ignorable="mv" mc:PreserveAttributes="mv:*" type="obj" preserve="1">
+<p:sldLayout xmlns:a="http://schemas.openxmlformats.org/drawingml/2006/main" xmlns:r="http://schemas.openxmlformats.org/officeDocument/2006/relationships" xmlns:p="http://schemas.openxmlformats.org/presentationml/2006/main" type="obj" preserve="1">
   <p:cSld name="Title and Content">
     <p:spTree>
       <p:nvGrpSpPr>
@@ -1198,7 +1199,7 @@
             <a:fld id="{52146219-D444-4949-8B82-1A0079A42925}" type="datetimeFigureOut">
               <a:rPr lang="en-US"/>
               <a:pPr/>
-              <a:t>12/19/11</a:t>
+              <a:t>12/19/2011</a:t>
             </a:fld>
             <a:endParaRPr lang="en-US"/>
           </a:p>
@@ -1256,7 +1257,7 @@
 </file>
 
 <file path=ppt/slideLayouts/slideLayout3.xml><?xml version="1.0" encoding="utf-8"?>
-<p:sldLayout xmlns:a="http://schemas.openxmlformats.org/drawingml/2006/main" xmlns:r="http://schemas.openxmlformats.org/officeDocument/2006/relationships" xmlns:mc="http://schemas.openxmlformats.org/markup-compatibility/2006" xmlns:mv="urn:schemas-microsoft-com:mac:vml" xmlns:p="http://schemas.openxmlformats.org/presentationml/2006/main" mc:Ignorable="mv" mc:PreserveAttributes="mv:*" type="secHead" preserve="1">
+<p:sldLayout xmlns:a="http://schemas.openxmlformats.org/drawingml/2006/main" xmlns:r="http://schemas.openxmlformats.org/officeDocument/2006/relationships" xmlns:p="http://schemas.openxmlformats.org/presentationml/2006/main" type="secHead" preserve="1">
   <p:cSld name="Section Header">
     <p:spTree>
       <p:nvGrpSpPr>
@@ -1440,7 +1441,7 @@
             <a:fld id="{52146219-D444-4949-8B82-1A0079A42925}" type="datetimeFigureOut">
               <a:rPr lang="en-US"/>
               <a:pPr/>
-              <a:t>12/19/11</a:t>
+              <a:t>12/19/2011</a:t>
             </a:fld>
             <a:endParaRPr lang="en-US"/>
           </a:p>
@@ -1498,7 +1499,7 @@
 </file>
 
 <file path=ppt/slideLayouts/slideLayout4.xml><?xml version="1.0" encoding="utf-8"?>
-<p:sldLayout xmlns:a="http://schemas.openxmlformats.org/drawingml/2006/main" xmlns:r="http://schemas.openxmlformats.org/officeDocument/2006/relationships" xmlns:mc="http://schemas.openxmlformats.org/markup-compatibility/2006" xmlns:mv="urn:schemas-microsoft-com:mac:vml" xmlns:p="http://schemas.openxmlformats.org/presentationml/2006/main" mc:Ignorable="mv" mc:PreserveAttributes="mv:*" type="twoObj" preserve="1">
+<p:sldLayout xmlns:a="http://schemas.openxmlformats.org/drawingml/2006/main" xmlns:r="http://schemas.openxmlformats.org/officeDocument/2006/relationships" xmlns:p="http://schemas.openxmlformats.org/presentationml/2006/main" type="twoObj" preserve="1">
   <p:cSld name="Two Content">
     <p:spTree>
       <p:nvGrpSpPr>
@@ -1722,7 +1723,7 @@
             <a:fld id="{52146219-D444-4949-8B82-1A0079A42925}" type="datetimeFigureOut">
               <a:rPr lang="en-US"/>
               <a:pPr/>
-              <a:t>12/19/11</a:t>
+              <a:t>12/19/2011</a:t>
             </a:fld>
             <a:endParaRPr lang="en-US"/>
           </a:p>
@@ -1780,7 +1781,7 @@
 </file>
 
 <file path=ppt/slideLayouts/slideLayout5.xml><?xml version="1.0" encoding="utf-8"?>
-<p:sldLayout xmlns:a="http://schemas.openxmlformats.org/drawingml/2006/main" xmlns:r="http://schemas.openxmlformats.org/officeDocument/2006/relationships" xmlns:mc="http://schemas.openxmlformats.org/markup-compatibility/2006" xmlns:mv="urn:schemas-microsoft-com:mac:vml" xmlns:p="http://schemas.openxmlformats.org/presentationml/2006/main" mc:Ignorable="mv" mc:PreserveAttributes="mv:*" type="twoTxTwoObj" preserve="1">
+<p:sldLayout xmlns:a="http://schemas.openxmlformats.org/drawingml/2006/main" xmlns:r="http://schemas.openxmlformats.org/officeDocument/2006/relationships" xmlns:p="http://schemas.openxmlformats.org/presentationml/2006/main" type="twoTxTwoObj" preserve="1">
   <p:cSld name="Comparison">
     <p:spTree>
       <p:nvGrpSpPr>
@@ -2138,7 +2139,7 @@
             <a:fld id="{52146219-D444-4949-8B82-1A0079A42925}" type="datetimeFigureOut">
               <a:rPr lang="en-US"/>
               <a:pPr/>
-              <a:t>12/19/11</a:t>
+              <a:t>12/19/2011</a:t>
             </a:fld>
             <a:endParaRPr lang="en-US"/>
           </a:p>
@@ -2196,7 +2197,7 @@
 </file>
 
 <file path=ppt/slideLayouts/slideLayout6.xml><?xml version="1.0" encoding="utf-8"?>
-<p:sldLayout xmlns:a="http://schemas.openxmlformats.org/drawingml/2006/main" xmlns:r="http://schemas.openxmlformats.org/officeDocument/2006/relationships" xmlns:mc="http://schemas.openxmlformats.org/markup-compatibility/2006" xmlns:mv="urn:schemas-microsoft-com:mac:vml" xmlns:p="http://schemas.openxmlformats.org/presentationml/2006/main" mc:Ignorable="mv" mc:PreserveAttributes="mv:*" type="titleOnly" preserve="1">
+<p:sldLayout xmlns:a="http://schemas.openxmlformats.org/drawingml/2006/main" xmlns:r="http://schemas.openxmlformats.org/officeDocument/2006/relationships" xmlns:p="http://schemas.openxmlformats.org/presentationml/2006/main" type="titleOnly" preserve="1">
   <p:cSld name="Title Only">
     <p:spTree>
       <p:nvGrpSpPr>
@@ -2252,7 +2253,7 @@
             <a:fld id="{52146219-D444-4949-8B82-1A0079A42925}" type="datetimeFigureOut">
               <a:rPr lang="en-US"/>
               <a:pPr/>
-              <a:t>12/19/11</a:t>
+              <a:t>12/19/2011</a:t>
             </a:fld>
             <a:endParaRPr lang="en-US"/>
           </a:p>
@@ -2310,7 +2311,7 @@
 </file>
 
 <file path=ppt/slideLayouts/slideLayout7.xml><?xml version="1.0" encoding="utf-8"?>
-<p:sldLayout xmlns:a="http://schemas.openxmlformats.org/drawingml/2006/main" xmlns:r="http://schemas.openxmlformats.org/officeDocument/2006/relationships" xmlns:mc="http://schemas.openxmlformats.org/markup-compatibility/2006" xmlns:mv="urn:schemas-microsoft-com:mac:vml" xmlns:p="http://schemas.openxmlformats.org/presentationml/2006/main" mc:Ignorable="mv" mc:PreserveAttributes="mv:*" type="blank" preserve="1">
+<p:sldLayout xmlns:a="http://schemas.openxmlformats.org/drawingml/2006/main" xmlns:r="http://schemas.openxmlformats.org/officeDocument/2006/relationships" xmlns:p="http://schemas.openxmlformats.org/presentationml/2006/main" type="blank" preserve="1">
   <p:cSld name="Blank">
     <p:spTree>
       <p:nvGrpSpPr>
@@ -2344,7 +2345,7 @@
             <a:fld id="{52146219-D444-4949-8B82-1A0079A42925}" type="datetimeFigureOut">
               <a:rPr lang="en-US"/>
               <a:pPr/>
-              <a:t>12/19/11</a:t>
+              <a:t>12/19/2011</a:t>
             </a:fld>
             <a:endParaRPr lang="en-US"/>
           </a:p>
@@ -2402,7 +2403,7 @@
 </file>
 
 <file path=ppt/slideLayouts/slideLayout8.xml><?xml version="1.0" encoding="utf-8"?>
-<p:sldLayout xmlns:a="http://schemas.openxmlformats.org/drawingml/2006/main" xmlns:r="http://schemas.openxmlformats.org/officeDocument/2006/relationships" xmlns:mc="http://schemas.openxmlformats.org/markup-compatibility/2006" xmlns:mv="urn:schemas-microsoft-com:mac:vml" xmlns:p="http://schemas.openxmlformats.org/presentationml/2006/main" mc:Ignorable="mv" mc:PreserveAttributes="mv:*" type="objTx" preserve="1">
+<p:sldLayout xmlns:a="http://schemas.openxmlformats.org/drawingml/2006/main" xmlns:r="http://schemas.openxmlformats.org/officeDocument/2006/relationships" xmlns:p="http://schemas.openxmlformats.org/presentationml/2006/main" type="objTx" preserve="1">
   <p:cSld name="Content with Caption">
     <p:spTree>
       <p:nvGrpSpPr>
@@ -2616,7 +2617,7 @@
             <a:fld id="{52146219-D444-4949-8B82-1A0079A42925}" type="datetimeFigureOut">
               <a:rPr lang="en-US"/>
               <a:pPr/>
-              <a:t>12/19/11</a:t>
+              <a:t>12/19/2011</a:t>
             </a:fld>
             <a:endParaRPr lang="en-US"/>
           </a:p>
@@ -2674,7 +2675,7 @@
 </file>
 
 <file path=ppt/slideLayouts/slideLayout9.xml><?xml version="1.0" encoding="utf-8"?>
-<p:sldLayout xmlns:a="http://schemas.openxmlformats.org/drawingml/2006/main" xmlns:r="http://schemas.openxmlformats.org/officeDocument/2006/relationships" xmlns:mc="http://schemas.openxmlformats.org/markup-compatibility/2006" xmlns:mv="urn:schemas-microsoft-com:mac:vml" xmlns:p="http://schemas.openxmlformats.org/presentationml/2006/main" mc:Ignorable="mv" mc:PreserveAttributes="mv:*" type="picTx" preserve="1">
+<p:sldLayout xmlns:a="http://schemas.openxmlformats.org/drawingml/2006/main" xmlns:r="http://schemas.openxmlformats.org/officeDocument/2006/relationships" xmlns:p="http://schemas.openxmlformats.org/presentationml/2006/main" type="picTx" preserve="1">
   <p:cSld name="Picture with Caption">
     <p:spTree>
       <p:nvGrpSpPr>
@@ -2865,7 +2866,7 @@
             <a:fld id="{52146219-D444-4949-8B82-1A0079A42925}" type="datetimeFigureOut">
               <a:rPr lang="en-US"/>
               <a:pPr/>
-              <a:t>12/19/11</a:t>
+              <a:t>12/19/2011</a:t>
             </a:fld>
             <a:endParaRPr lang="en-US"/>
           </a:p>
@@ -2923,7 +2924,7 @@
 </file>
 
 <file path=ppt/slideMasters/slideMaster1.xml><?xml version="1.0" encoding="utf-8"?>
-<p:sldMaster xmlns:a="http://schemas.openxmlformats.org/drawingml/2006/main" xmlns:r="http://schemas.openxmlformats.org/officeDocument/2006/relationships" xmlns:mc="http://schemas.openxmlformats.org/markup-compatibility/2006" xmlns:mv="urn:schemas-microsoft-com:mac:vml" xmlns:p="http://schemas.openxmlformats.org/presentationml/2006/main" mc:Ignorable="mv" mc:PreserveAttributes="mv:*">
+<p:sldMaster xmlns:a="http://schemas.openxmlformats.org/drawingml/2006/main" xmlns:r="http://schemas.openxmlformats.org/officeDocument/2006/relationships" xmlns:p="http://schemas.openxmlformats.org/presentationml/2006/main">
   <p:cSld>
     <p:bg>
       <p:bgRef idx="1001">
@@ -3073,7 +3074,7 @@
             <a:fld id="{52146219-D444-4949-8B82-1A0079A42925}" type="datetimeFigureOut">
               <a:rPr lang="en-US"/>
               <a:pPr/>
-              <a:t>12/19/11</a:t>
+              <a:t>12/19/2011</a:t>
             </a:fld>
             <a:endParaRPr lang="en-US"/>
           </a:p>
@@ -3428,7 +3429,7 @@
 </file>
 
 <file path=ppt/slides/slide1.xml><?xml version="1.0" encoding="utf-8"?>
-<p:sld xmlns:a="http://schemas.openxmlformats.org/drawingml/2006/main" xmlns:r="http://schemas.openxmlformats.org/officeDocument/2006/relationships" xmlns:mc="http://schemas.openxmlformats.org/markup-compatibility/2006" xmlns:mv="urn:schemas-microsoft-com:mac:vml" xmlns:p="http://schemas.openxmlformats.org/presentationml/2006/main" mc:Ignorable="mv" mc:PreserveAttributes="mv:*">
+<p:sld xmlns:a="http://schemas.openxmlformats.org/drawingml/2006/main" xmlns:r="http://schemas.openxmlformats.org/officeDocument/2006/relationships" xmlns:p="http://schemas.openxmlformats.org/presentationml/2006/main">
   <p:cSld>
     <p:spTree>
       <p:nvGrpSpPr>
@@ -3446,12 +3447,12 @@
       </p:grpSpPr>
       <p:sp>
         <p:nvSpPr>
-          <p:cNvPr id="2" name="Title 1"/>
-          <p:cNvSpPr>
-            <a:spLocks noGrp="1"/>
-          </p:cNvSpPr>
-          <p:nvPr>
-            <p:ph type="ctrTitle"/>
+          <p:cNvPr id="5" name="Title 4"/>
+          <p:cNvSpPr>
+            <a:spLocks noGrp="1"/>
+          </p:cNvSpPr>
+          <p:nvPr>
+            <p:ph type="title"/>
           </p:nvPr>
         </p:nvSpPr>
         <p:spPr/>
@@ -3459,21 +3460,18 @@
           <a:bodyPr/>
           <a:lstStyle/>
           <a:p>
-            <a:r>
-              <a:rPr lang="en-US"/>
-              <a:t>Programming Statistical Models with Zelig 4</a:t>
-            </a:r>
-          </a:p>
-        </p:txBody>
-      </p:sp>
-      <p:sp>
-        <p:nvSpPr>
-          <p:cNvPr id="3" name="Subtitle 2"/>
-          <p:cNvSpPr>
-            <a:spLocks noGrp="1"/>
-          </p:cNvSpPr>
-          <p:nvPr>
-            <p:ph type="subTitle" idx="1"/>
+            <a:endParaRPr lang="en-US"/>
+          </a:p>
+        </p:txBody>
+      </p:sp>
+      <p:sp>
+        <p:nvSpPr>
+          <p:cNvPr id="6" name="Content Placeholder 5"/>
+          <p:cNvSpPr>
+            <a:spLocks noGrp="1"/>
+          </p:cNvSpPr>
+          <p:nvPr>
+            <p:ph idx="1"/>
           </p:nvPr>
         </p:nvSpPr>
         <p:spPr/>
@@ -3482,42 +3480,79 @@
           <a:lstStyle/>
           <a:p>
             <a:r>
-              <a:rPr lang="en-US"/>
-              <a:t>Creating Statistical Packages</a:t>
-            </a:r>
-            <a:br>
-              <a:rPr lang="en-US"/>
-            </a:br>
-            <a:r>
-              <a:rPr lang="en-US"/>
-              <a:t>External Models</a:t>
-            </a:r>
-          </a:p>
-          <a:p>
-            <a:r>
-              <a:rPr lang="en-US"/>
-              <a:t>The "zelig2" Method</a:t>
-            </a:r>
+              <a:rPr lang="en-US" dirty="0" smtClean="0"/>
+              <a:t>Structure of package screenshot</a:t>
+            </a:r>
+          </a:p>
+          <a:p>
+            <a:pPr lvl="1"/>
+            <a:r>
+              <a:rPr lang="en-US" dirty="0" smtClean="0"/>
+              <a:t>Dependency structure (notes)</a:t>
+            </a:r>
+          </a:p>
+          <a:p>
+            <a:pPr lvl="1"/>
+            <a:r>
+              <a:rPr lang="en-US" dirty="0" smtClean="0"/>
+              <a:t>DESCRIPTION</a:t>
+            </a:r>
+          </a:p>
+          <a:p>
+            <a:r>
+              <a:rPr lang="en-US" dirty="0" smtClean="0"/>
+              <a:t>Overload functions</a:t>
+            </a:r>
+          </a:p>
+          <a:p>
+            <a:pPr lvl="1"/>
+            <a:r>
+              <a:rPr lang="en-US" dirty="0" smtClean="0"/>
+              <a:t>This is also known as overloading</a:t>
+            </a:r>
+          </a:p>
+          <a:p>
+            <a:r>
+              <a:rPr lang="en-US" dirty="0" smtClean="0"/>
+              <a:t>Simplify function available (“</a:t>
+            </a:r>
+            <a:r>
+              <a:rPr lang="en-US" dirty="0" err="1" smtClean="0"/>
+              <a:t>HelloWorld</a:t>
+            </a:r>
+            <a:r>
+              <a:rPr lang="en-US" dirty="0" smtClean="0"/>
+              <a:t>”)</a:t>
+            </a:r>
+          </a:p>
+          <a:p>
+            <a:r>
+              <a:rPr lang="en-US" dirty="0" smtClean="0"/>
+              <a:t>Download a package </a:t>
+            </a:r>
+            <a:r>
+              <a:rPr lang="en-US" smtClean="0"/>
+              <a:t>and edit it</a:t>
+            </a:r>
+            <a:endParaRPr lang="en-US" dirty="0"/>
           </a:p>
         </p:txBody>
       </p:sp>
     </p:spTree>
+    <p:extLst>
+      <p:ext uri="{BB962C8B-B14F-4D97-AF65-F5344CB8AC3E}">
+        <p14:creationId xmlns:p14="http://schemas.microsoft.com/office/powerpoint/2010/main" val="3599172022"/>
+      </p:ext>
+    </p:extLst>
   </p:cSld>
   <p:clrMapOvr>
     <a:masterClrMapping/>
   </p:clrMapOvr>
-  <p:timing>
-    <p:tnLst>
-      <p:par>
-        <p:cTn id="1" dur="indefinite" restart="never" nodeType="tmRoot"/>
-      </p:par>
-    </p:tnLst>
-  </p:timing>
 </p:sld>
 </file>
 
 <file path=ppt/slides/slide10.xml><?xml version="1.0" encoding="utf-8"?>
-<p:sld xmlns:a="http://schemas.openxmlformats.org/drawingml/2006/main" xmlns:r="http://schemas.openxmlformats.org/officeDocument/2006/relationships" xmlns:mc="http://schemas.openxmlformats.org/markup-compatibility/2006" xmlns:mv="urn:schemas-microsoft-com:mac:vml" xmlns:p="http://schemas.openxmlformats.org/presentationml/2006/main" mc:Ignorable="mv" mc:PreserveAttributes="mv:*">
+<p:sld xmlns:a="http://schemas.openxmlformats.org/drawingml/2006/main" xmlns:r="http://schemas.openxmlformats.org/officeDocument/2006/relationships" xmlns:p="http://schemas.openxmlformats.org/presentationml/2006/main">
   <p:cSld>
     <p:spTree>
       <p:nvGrpSpPr>
@@ -3549,191 +3584,90 @@
           <a:lstStyle/>
           <a:p>
             <a:r>
-              <a:rPr lang="en-US"/>
-              <a:t>Example: ZeligLeastSquares</a:t>
-            </a:r>
-          </a:p>
-        </p:txBody>
-      </p:sp>
-      <p:sp>
-        <p:nvSpPr>
-          <p:cNvPr id="4" name="Rectangle 3"/>
-          <p:cNvSpPr/>
-          <p:nvPr/>
-        </p:nvSpPr>
-        <p:spPr>
-          <a:xfrm>
-            <a:off x="457200" y="1720840"/>
-            <a:ext cx="8229600" cy="3139321"/>
-          </a:xfrm>
-          <a:prstGeom prst="rect">
-            <a:avLst/>
-          </a:prstGeom>
-        </p:spPr>
-        <p:txBody>
-          <a:bodyPr wrap="square">
-            <a:spAutoFit/>
-          </a:bodyPr>
-          <a:lstStyle/>
-          <a:p>
-            <a:r>
-              <a:rPr lang="en-US" b="1">
-                <a:latin typeface="Courier New"/>
-                <a:cs typeface="Courier New"/>
-              </a:rPr>
+              <a:rPr lang="en-US" dirty="0"/>
+              <a:t>Example: </a:t>
+            </a:r>
+            <a:r>
+              <a:rPr lang="en-US" dirty="0" err="1" smtClean="0"/>
+              <a:t>ZeligDEMO</a:t>
+            </a:r>
+            <a:endParaRPr lang="en-US" dirty="0"/>
+          </a:p>
+        </p:txBody>
+      </p:sp>
+      <p:sp>
+        <p:nvSpPr>
+          <p:cNvPr id="3" name="Content Placeholder 2"/>
+          <p:cNvSpPr>
+            <a:spLocks noGrp="1"/>
+          </p:cNvSpPr>
+          <p:nvPr>
+            <p:ph idx="1"/>
+          </p:nvPr>
+        </p:nvSpPr>
+        <p:spPr/>
+        <p:txBody>
+          <a:bodyPr/>
+          <a:lstStyle/>
+          <a:p>
+            <a:r>
+              <a:rPr lang="en-US" dirty="0"/>
+              <a:t>Consider the package </a:t>
+            </a:r>
+            <a:r>
+              <a:rPr lang="en-US" dirty="0" smtClean="0"/>
+              <a:t>“</a:t>
+            </a:r>
+            <a:r>
+              <a:rPr lang="en-US" dirty="0" err="1" smtClean="0"/>
+              <a:t>ZeligDEMO</a:t>
+            </a:r>
+            <a:r>
+              <a:rPr lang="en-US" dirty="0" smtClean="0"/>
+              <a:t>"</a:t>
+            </a:r>
+            <a:endParaRPr lang="en-US" dirty="0"/>
+          </a:p>
+          <a:p>
+            <a:r>
+              <a:rPr lang="en-US" dirty="0"/>
+              <a:t>This package can be found in the folder "___"</a:t>
+            </a:r>
+          </a:p>
+          <a:p>
+            <a:r>
+              <a:rPr lang="en-US" dirty="0"/>
+              <a:t>Note its directory structure</a:t>
+            </a:r>
+          </a:p>
+          <a:p>
+            <a:r>
+              <a:rPr lang="en-US" dirty="0"/>
+              <a:t>Open the "DESCRIPTION" file</a:t>
+            </a:r>
+          </a:p>
+          <a:p>
+            <a:pPr lvl="1"/>
+            <a:r>
+              <a:rPr lang="en-US" dirty="0" smtClean="0"/>
               <a:t>Package</a:t>
             </a:r>
-            <a:r>
-              <a:rPr lang="en-US">
-                <a:latin typeface="Courier New"/>
-                <a:cs typeface="Courier New"/>
-              </a:rPr>
-              <a:t>: ZeligLeastSquares                                                                                                                                                                                        </a:t>
-            </a:r>
-          </a:p>
-          <a:p>
-            <a:r>
-              <a:rPr lang="en-US" b="1">
-                <a:latin typeface="Courier New"/>
-                <a:cs typeface="Courier New"/>
-              </a:rPr>
-              <a:t>Maintainer</a:t>
-            </a:r>
-            <a:r>
-              <a:rPr lang="en-US">
-                <a:latin typeface="Courier New"/>
-                <a:cs typeface="Courier New"/>
-              </a:rPr>
-              <a:t>: Matt Owen &lt;mowen@iq.harvard.edu&gt;</a:t>
-            </a:r>
-          </a:p>
-          <a:p>
-            <a:r>
-              <a:rPr lang="en-US">
-                <a:latin typeface="Courier New"/>
-                <a:cs typeface="Courier New"/>
-              </a:rPr>
-              <a:t>License: GPL (&gt;=2)</a:t>
-            </a:r>
-          </a:p>
-          <a:p>
-            <a:r>
-              <a:rPr lang="en-US">
-                <a:latin typeface="Courier New"/>
-                <a:cs typeface="Courier New"/>
-              </a:rPr>
-              <a:t>Title: A Zelig Model</a:t>
-            </a:r>
-          </a:p>
-          <a:p>
-            <a:r>
-              <a:rPr lang="en-US" b="1">
-                <a:latin typeface="Courier New"/>
-                <a:cs typeface="Courier New"/>
-              </a:rPr>
+          </a:p>
+          <a:p>
+            <a:pPr lvl="1"/>
+            <a:r>
+              <a:rPr lang="en-US" dirty="0" smtClean="0"/>
               <a:t>Author</a:t>
             </a:r>
-            <a:r>
-              <a:rPr lang="en-US">
-                <a:latin typeface="Courier New"/>
-                <a:cs typeface="Courier New"/>
-              </a:rPr>
-              <a:t>: Matt Owen</a:t>
-            </a:r>
-          </a:p>
-          <a:p>
-            <a:r>
-              <a:rPr lang="en-US">
-                <a:latin typeface="Courier New"/>
-                <a:cs typeface="Courier New"/>
-              </a:rPr>
-              <a:t>Description: A Zelig Model</a:t>
-            </a:r>
-          </a:p>
-          <a:p>
-            <a:r>
-              <a:rPr lang="en-US">
-                <a:latin typeface="Courier New"/>
-                <a:cs typeface="Courier New"/>
-              </a:rPr>
-              <a:t>Version: 0.2</a:t>
-            </a:r>
-          </a:p>
-          <a:p>
-            <a:r>
-              <a:rPr lang="en-US">
-                <a:latin typeface="Courier New"/>
-                <a:cs typeface="Courier New"/>
-              </a:rPr>
-              <a:t>Packaged: Tue Nov 8 12:42:13 2011</a:t>
-            </a:r>
-          </a:p>
-          <a:p>
-            <a:r>
-              <a:rPr lang="en-US">
-                <a:latin typeface="Courier New"/>
-                <a:cs typeface="Courier New"/>
-              </a:rPr>
-              <a:t>URL: http://gking.harvard.edu/zelig</a:t>
-            </a:r>
-          </a:p>
-          <a:p>
-            <a:r>
-              <a:rPr lang="en-US">
-                <a:latin typeface="Courier New"/>
-                <a:cs typeface="Courier New"/>
-              </a:rPr>
-              <a:t>Date: 2011-12-12</a:t>
-            </a:r>
-          </a:p>
-          <a:p>
-            <a:r>
-              <a:rPr lang="en-US" b="1">
-                <a:latin typeface="Courier New"/>
-                <a:cs typeface="Courier New"/>
-              </a:rPr>
+            <a:endParaRPr lang="en-US" dirty="0"/>
+          </a:p>
+          <a:p>
+            <a:pPr lvl="1"/>
+            <a:r>
+              <a:rPr lang="en-US" dirty="0" smtClean="0"/>
               <a:t>Depends</a:t>
             </a:r>
-            <a:r>
-              <a:rPr lang="en-US">
-                <a:latin typeface="Courier New"/>
-                <a:cs typeface="Courier New"/>
-              </a:rPr>
-              <a:t>: Zelig (&gt;= 4.0-6), systemfit</a:t>
-            </a:r>
-          </a:p>
-        </p:txBody>
-      </p:sp>
-      <p:sp>
-        <p:nvSpPr>
-          <p:cNvPr id="5" name="TextBox 4"/>
-          <p:cNvSpPr txBox="1"/>
-          <p:nvPr/>
-        </p:nvSpPr>
-        <p:spPr>
-          <a:xfrm>
-            <a:off x="457200" y="5161746"/>
-            <a:ext cx="8229600" cy="646331"/>
-          </a:xfrm>
-          <a:prstGeom prst="rect">
-            <a:avLst/>
-          </a:prstGeom>
-          <a:noFill/>
-        </p:spPr>
-        <p:txBody>
-          <a:bodyPr wrap="square" rtlCol="0">
-            <a:spAutoFit/>
-          </a:bodyPr>
-          <a:lstStyle/>
-          <a:p>
-            <a:r>
-              <a:rPr lang="en-US" b="1"/>
-              <a:t>Note </a:t>
-            </a:r>
-            <a:r>
-              <a:rPr lang="en-US"/>
-              <a:t>that the bold text is strictly for emphasis. That is, the actual DESCRIPTION file is plain-text.</a:t>
-            </a:r>
+            <a:endParaRPr lang="en-US" dirty="0"/>
           </a:p>
         </p:txBody>
       </p:sp>
@@ -3753,7 +3687,7 @@
 </file>
 
 <file path=ppt/slides/slide11.xml><?xml version="1.0" encoding="utf-8"?>
-<p:sld xmlns:a="http://schemas.openxmlformats.org/drawingml/2006/main" xmlns:r="http://schemas.openxmlformats.org/officeDocument/2006/relationships" xmlns:mc="http://schemas.openxmlformats.org/markup-compatibility/2006" xmlns:mv="urn:schemas-microsoft-com:mac:vml" xmlns:p="http://schemas.openxmlformats.org/presentationml/2006/main" mc:Ignorable="mv" mc:PreserveAttributes="mv:*">
+<p:sld xmlns:a="http://schemas.openxmlformats.org/drawingml/2006/main" xmlns:r="http://schemas.openxmlformats.org/officeDocument/2006/relationships" xmlns:p="http://schemas.openxmlformats.org/presentationml/2006/main">
   <p:cSld>
     <p:spTree>
       <p:nvGrpSpPr>
@@ -3785,36 +3719,259 @@
           <a:lstStyle/>
           <a:p>
             <a:r>
-              <a:rPr lang="en-US"/>
-              <a:t>Example: ZeligLeastSquares</a:t>
-            </a:r>
-          </a:p>
-        </p:txBody>
-      </p:sp>
-      <p:sp>
-        <p:nvSpPr>
-          <p:cNvPr id="3" name="Content Placeholder 2"/>
-          <p:cNvSpPr>
-            <a:spLocks noGrp="1"/>
-          </p:cNvSpPr>
-          <p:nvPr>
-            <p:ph idx="1"/>
-          </p:nvPr>
-        </p:nvSpPr>
-        <p:spPr/>
-        <p:txBody>
-          <a:bodyPr/>
-          <a:lstStyle/>
-          <a:p>
-            <a:r>
-              <a:rPr lang="en-US"/>
-              <a:t>Picture of directory structure</a:t>
-            </a:r>
-          </a:p>
-          <a:p>
-            <a:r>
-              <a:rPr lang="en-US"/>
-              <a:t>Highlight important areas</a:t>
+              <a:rPr lang="en-US" dirty="0"/>
+              <a:t>Example: </a:t>
+            </a:r>
+            <a:r>
+              <a:rPr lang="en-US" dirty="0" err="1" smtClean="0"/>
+              <a:t>ZeligDEMO</a:t>
+            </a:r>
+            <a:endParaRPr lang="en-US" dirty="0"/>
+          </a:p>
+        </p:txBody>
+      </p:sp>
+      <p:sp>
+        <p:nvSpPr>
+          <p:cNvPr id="4" name="Rectangle 3"/>
+          <p:cNvSpPr/>
+          <p:nvPr/>
+        </p:nvSpPr>
+        <p:spPr>
+          <a:xfrm>
+            <a:off x="457200" y="1720840"/>
+            <a:ext cx="8229600" cy="3139321"/>
+          </a:xfrm>
+          <a:prstGeom prst="rect">
+            <a:avLst/>
+          </a:prstGeom>
+        </p:spPr>
+        <p:txBody>
+          <a:bodyPr wrap="square">
+            <a:spAutoFit/>
+          </a:bodyPr>
+          <a:lstStyle/>
+          <a:p>
+            <a:r>
+              <a:rPr lang="en-US" b="1" dirty="0">
+                <a:latin typeface="Courier New"/>
+                <a:cs typeface="Courier New"/>
+              </a:rPr>
+              <a:t>Package</a:t>
+            </a:r>
+            <a:r>
+              <a:rPr lang="en-US" dirty="0">
+                <a:latin typeface="Courier New"/>
+                <a:cs typeface="Courier New"/>
+              </a:rPr>
+              <a:t>: </a:t>
+            </a:r>
+            <a:r>
+              <a:rPr lang="en-US" dirty="0" err="1" smtClean="0">
+                <a:latin typeface="Courier New"/>
+                <a:cs typeface="Courier New"/>
+              </a:rPr>
+              <a:t>ZeligDEMO</a:t>
+            </a:r>
+            <a:endParaRPr lang="en-US" dirty="0">
+              <a:latin typeface="Courier New"/>
+              <a:cs typeface="Courier New"/>
+            </a:endParaRPr>
+          </a:p>
+          <a:p>
+            <a:r>
+              <a:rPr lang="en-US" b="1" dirty="0">
+                <a:latin typeface="Courier New"/>
+                <a:cs typeface="Courier New"/>
+              </a:rPr>
+              <a:t>Maintainer</a:t>
+            </a:r>
+            <a:r>
+              <a:rPr lang="en-US" dirty="0">
+                <a:latin typeface="Courier New"/>
+                <a:cs typeface="Courier New"/>
+              </a:rPr>
+              <a:t>: Matt Owen &lt;mowen@iq.harvard.edu&gt;</a:t>
+            </a:r>
+          </a:p>
+          <a:p>
+            <a:r>
+              <a:rPr lang="en-US" dirty="0">
+                <a:latin typeface="Courier New"/>
+                <a:cs typeface="Courier New"/>
+              </a:rPr>
+              <a:t>License: GPL (&gt;=2)</a:t>
+            </a:r>
+          </a:p>
+          <a:p>
+            <a:r>
+              <a:rPr lang="en-US" dirty="0">
+                <a:latin typeface="Courier New"/>
+                <a:cs typeface="Courier New"/>
+              </a:rPr>
+              <a:t>Title: A </a:t>
+            </a:r>
+            <a:r>
+              <a:rPr lang="en-US" dirty="0" err="1">
+                <a:latin typeface="Courier New"/>
+                <a:cs typeface="Courier New"/>
+              </a:rPr>
+              <a:t>Zelig</a:t>
+            </a:r>
+            <a:r>
+              <a:rPr lang="en-US" dirty="0">
+                <a:latin typeface="Courier New"/>
+                <a:cs typeface="Courier New"/>
+              </a:rPr>
+              <a:t> Model</a:t>
+            </a:r>
+          </a:p>
+          <a:p>
+            <a:r>
+              <a:rPr lang="en-US" b="1" dirty="0">
+                <a:latin typeface="Courier New"/>
+                <a:cs typeface="Courier New"/>
+              </a:rPr>
+              <a:t>Author</a:t>
+            </a:r>
+            <a:r>
+              <a:rPr lang="en-US" dirty="0">
+                <a:latin typeface="Courier New"/>
+                <a:cs typeface="Courier New"/>
+              </a:rPr>
+              <a:t>: Matt Owen</a:t>
+            </a:r>
+          </a:p>
+          <a:p>
+            <a:r>
+              <a:rPr lang="en-US" dirty="0">
+                <a:latin typeface="Courier New"/>
+                <a:cs typeface="Courier New"/>
+              </a:rPr>
+              <a:t>Description: A </a:t>
+            </a:r>
+            <a:r>
+              <a:rPr lang="en-US" dirty="0" err="1">
+                <a:latin typeface="Courier New"/>
+                <a:cs typeface="Courier New"/>
+              </a:rPr>
+              <a:t>Zelig</a:t>
+            </a:r>
+            <a:r>
+              <a:rPr lang="en-US" dirty="0">
+                <a:latin typeface="Courier New"/>
+                <a:cs typeface="Courier New"/>
+              </a:rPr>
+              <a:t> Model</a:t>
+            </a:r>
+          </a:p>
+          <a:p>
+            <a:r>
+              <a:rPr lang="en-US" dirty="0">
+                <a:latin typeface="Courier New"/>
+                <a:cs typeface="Courier New"/>
+              </a:rPr>
+              <a:t>Version: 0.2</a:t>
+            </a:r>
+          </a:p>
+          <a:p>
+            <a:r>
+              <a:rPr lang="en-US" dirty="0">
+                <a:latin typeface="Courier New"/>
+                <a:cs typeface="Courier New"/>
+              </a:rPr>
+              <a:t>Packaged: Tue Nov 8 12:42:13 2011</a:t>
+            </a:r>
+          </a:p>
+          <a:p>
+            <a:r>
+              <a:rPr lang="en-US" dirty="0">
+                <a:latin typeface="Courier New"/>
+                <a:cs typeface="Courier New"/>
+              </a:rPr>
+              <a:t>URL: http://gking.harvard.edu/zelig</a:t>
+            </a:r>
+          </a:p>
+          <a:p>
+            <a:r>
+              <a:rPr lang="en-US" dirty="0">
+                <a:latin typeface="Courier New"/>
+                <a:cs typeface="Courier New"/>
+              </a:rPr>
+              <a:t>Date: 2011-12-12</a:t>
+            </a:r>
+          </a:p>
+          <a:p>
+            <a:r>
+              <a:rPr lang="en-US" b="1" dirty="0">
+                <a:latin typeface="Courier New"/>
+                <a:cs typeface="Courier New"/>
+              </a:rPr>
+              <a:t>Depends</a:t>
+            </a:r>
+            <a:r>
+              <a:rPr lang="en-US" dirty="0">
+                <a:latin typeface="Courier New"/>
+                <a:cs typeface="Courier New"/>
+              </a:rPr>
+              <a:t>: </a:t>
+            </a:r>
+            <a:r>
+              <a:rPr lang="en-US" dirty="0" err="1">
+                <a:latin typeface="Courier New"/>
+                <a:cs typeface="Courier New"/>
+              </a:rPr>
+              <a:t>Zelig</a:t>
+            </a:r>
+            <a:r>
+              <a:rPr lang="en-US" dirty="0">
+                <a:latin typeface="Courier New"/>
+                <a:cs typeface="Courier New"/>
+              </a:rPr>
+              <a:t> (&gt;= 4.0-6), </a:t>
+            </a:r>
+            <a:r>
+              <a:rPr lang="en-US" dirty="0" err="1">
+                <a:latin typeface="Courier New"/>
+                <a:cs typeface="Courier New"/>
+              </a:rPr>
+              <a:t>systemfit</a:t>
+            </a:r>
+            <a:endParaRPr lang="en-US" dirty="0">
+              <a:latin typeface="Courier New"/>
+              <a:cs typeface="Courier New"/>
+            </a:endParaRPr>
+          </a:p>
+        </p:txBody>
+      </p:sp>
+      <p:sp>
+        <p:nvSpPr>
+          <p:cNvPr id="5" name="TextBox 4"/>
+          <p:cNvSpPr txBox="1"/>
+          <p:nvPr/>
+        </p:nvSpPr>
+        <p:spPr>
+          <a:xfrm>
+            <a:off x="457200" y="5161746"/>
+            <a:ext cx="8229600" cy="646331"/>
+          </a:xfrm>
+          <a:prstGeom prst="rect">
+            <a:avLst/>
+          </a:prstGeom>
+          <a:noFill/>
+        </p:spPr>
+        <p:txBody>
+          <a:bodyPr wrap="square" rtlCol="0">
+            <a:spAutoFit/>
+          </a:bodyPr>
+          <a:lstStyle/>
+          <a:p>
+            <a:r>
+              <a:rPr lang="en-US" b="1"/>
+              <a:t>Note </a:t>
+            </a:r>
+            <a:r>
+              <a:rPr lang="en-US"/>
+              <a:t>that the bold text is strictly for emphasis. That is, the actual DESCRIPTION file is plain-text.</a:t>
             </a:r>
           </a:p>
         </p:txBody>
@@ -3835,7 +3992,7 @@
 </file>
 
 <file path=ppt/slides/slide12.xml><?xml version="1.0" encoding="utf-8"?>
-<p:sld xmlns:a="http://schemas.openxmlformats.org/drawingml/2006/main" xmlns:r="http://schemas.openxmlformats.org/officeDocument/2006/relationships" xmlns:mc="http://schemas.openxmlformats.org/markup-compatibility/2006" xmlns:mv="urn:schemas-microsoft-com:mac:vml" xmlns:p="http://schemas.openxmlformats.org/presentationml/2006/main" mc:Ignorable="mv" mc:PreserveAttributes="mv:*">
+<p:sld xmlns:a="http://schemas.openxmlformats.org/drawingml/2006/main" xmlns:r="http://schemas.openxmlformats.org/officeDocument/2006/relationships" xmlns:p="http://schemas.openxmlformats.org/presentationml/2006/main">
   <p:cSld>
     <p:spTree>
       <p:nvGrpSpPr>
@@ -3858,7 +4015,7 @@
             <a:spLocks noGrp="1"/>
           </p:cNvSpPr>
           <p:nvPr>
-            <p:ph type="ctrTitle"/>
+            <p:ph type="title"/>
           </p:nvPr>
         </p:nvSpPr>
         <p:spPr/>
@@ -3867,20 +4024,25 @@
           <a:lstStyle/>
           <a:p>
             <a:r>
-              <a:rPr lang="en-US"/>
-              <a:t>What is a Zelig Model?</a:t>
-            </a:r>
-          </a:p>
-        </p:txBody>
-      </p:sp>
-      <p:sp>
-        <p:nvSpPr>
-          <p:cNvPr id="4" name="Subtitle 3"/>
-          <p:cNvSpPr>
-            <a:spLocks noGrp="1"/>
-          </p:cNvSpPr>
-          <p:nvPr>
-            <p:ph type="subTitle" idx="1"/>
+              <a:rPr lang="en-US" dirty="0"/>
+              <a:t>Example: </a:t>
+            </a:r>
+            <a:r>
+              <a:rPr lang="en-US" dirty="0" err="1" smtClean="0"/>
+              <a:t>ZeligDEMO</a:t>
+            </a:r>
+            <a:endParaRPr lang="en-US" dirty="0"/>
+          </a:p>
+        </p:txBody>
+      </p:sp>
+      <p:sp>
+        <p:nvSpPr>
+          <p:cNvPr id="3" name="Content Placeholder 2"/>
+          <p:cNvSpPr>
+            <a:spLocks noGrp="1"/>
+          </p:cNvSpPr>
+          <p:nvPr>
+            <p:ph idx="1"/>
           </p:nvPr>
         </p:nvSpPr>
         <p:spPr/>
@@ -3888,7 +4050,34 @@
           <a:bodyPr/>
           <a:lstStyle/>
           <a:p>
-            <a:endParaRPr lang="en-US"/>
+            <a:r>
+              <a:rPr lang="en-US" dirty="0" smtClean="0"/>
+              <a:t>(Picture </a:t>
+            </a:r>
+            <a:r>
+              <a:rPr lang="en-US" dirty="0"/>
+              <a:t>of directory </a:t>
+            </a:r>
+            <a:r>
+              <a:rPr lang="en-US" dirty="0" smtClean="0"/>
+              <a:t>structure)</a:t>
+            </a:r>
+            <a:endParaRPr lang="en-US" dirty="0"/>
+          </a:p>
+          <a:p>
+            <a:r>
+              <a:rPr lang="en-US" dirty="0" smtClean="0"/>
+              <a:t>(Highlight </a:t>
+            </a:r>
+            <a:r>
+              <a:rPr lang="en-US" dirty="0"/>
+              <a:t>important </a:t>
+            </a:r>
+            <a:r>
+              <a:rPr lang="en-US" dirty="0" smtClean="0"/>
+              <a:t>areas)</a:t>
+            </a:r>
+            <a:endParaRPr lang="en-US" dirty="0"/>
           </a:p>
         </p:txBody>
       </p:sp>
@@ -3908,7 +4097,7 @@
 </file>
 
 <file path=ppt/slides/slide13.xml><?xml version="1.0" encoding="utf-8"?>
-<p:sld xmlns:a="http://schemas.openxmlformats.org/drawingml/2006/main" xmlns:r="http://schemas.openxmlformats.org/officeDocument/2006/relationships" xmlns:mc="http://schemas.openxmlformats.org/markup-compatibility/2006" xmlns:mv="urn:schemas-microsoft-com:mac:vml" xmlns:p="http://schemas.openxmlformats.org/presentationml/2006/main" mc:Ignorable="mv" mc:PreserveAttributes="mv:*">
+<p:sld xmlns:a="http://schemas.openxmlformats.org/drawingml/2006/main" xmlns:r="http://schemas.openxmlformats.org/officeDocument/2006/relationships" xmlns:p="http://schemas.openxmlformats.org/presentationml/2006/main">
   <p:cSld>
     <p:spTree>
       <p:nvGrpSpPr>
@@ -3931,6 +4120,79 @@
             <a:spLocks noGrp="1"/>
           </p:cNvSpPr>
           <p:nvPr>
+            <p:ph type="ctrTitle"/>
+          </p:nvPr>
+        </p:nvSpPr>
+        <p:spPr/>
+        <p:txBody>
+          <a:bodyPr/>
+          <a:lstStyle/>
+          <a:p>
+            <a:r>
+              <a:rPr lang="en-US"/>
+              <a:t>What is a Zelig Model?</a:t>
+            </a:r>
+          </a:p>
+        </p:txBody>
+      </p:sp>
+      <p:sp>
+        <p:nvSpPr>
+          <p:cNvPr id="4" name="Subtitle 3"/>
+          <p:cNvSpPr>
+            <a:spLocks noGrp="1"/>
+          </p:cNvSpPr>
+          <p:nvPr>
+            <p:ph type="subTitle" idx="1"/>
+          </p:nvPr>
+        </p:nvSpPr>
+        <p:spPr/>
+        <p:txBody>
+          <a:bodyPr/>
+          <a:lstStyle/>
+          <a:p>
+            <a:endParaRPr lang="en-US"/>
+          </a:p>
+        </p:txBody>
+      </p:sp>
+    </p:spTree>
+  </p:cSld>
+  <p:clrMapOvr>
+    <a:masterClrMapping/>
+  </p:clrMapOvr>
+  <p:timing>
+    <p:tnLst>
+      <p:par>
+        <p:cTn id="1" dur="indefinite" restart="never" nodeType="tmRoot"/>
+      </p:par>
+    </p:tnLst>
+  </p:timing>
+</p:sld>
+</file>
+
+<file path=ppt/slides/slide14.xml><?xml version="1.0" encoding="utf-8"?>
+<p:sld xmlns:a="http://schemas.openxmlformats.org/drawingml/2006/main" xmlns:r="http://schemas.openxmlformats.org/officeDocument/2006/relationships" xmlns:p="http://schemas.openxmlformats.org/presentationml/2006/main">
+  <p:cSld>
+    <p:spTree>
+      <p:nvGrpSpPr>
+        <p:cNvPr id="1" name=""/>
+        <p:cNvGrpSpPr/>
+        <p:nvPr/>
+      </p:nvGrpSpPr>
+      <p:grpSpPr>
+        <a:xfrm>
+          <a:off x="0" y="0"/>
+          <a:ext cx="0" cy="0"/>
+          <a:chOff x="0" y="0"/>
+          <a:chExt cx="0" cy="0"/>
+        </a:xfrm>
+      </p:grpSpPr>
+      <p:sp>
+        <p:nvSpPr>
+          <p:cNvPr id="2" name="Title 1"/>
+          <p:cNvSpPr>
+            <a:spLocks noGrp="1"/>
+          </p:cNvSpPr>
+          <p:nvPr>
             <p:ph type="title"/>
           </p:nvPr>
         </p:nvSpPr>
@@ -3965,7 +4227,12 @@
             <p:ph idx="1"/>
           </p:nvPr>
         </p:nvSpPr>
-        <p:spPr/>
+        <p:spPr>
+          <a:xfrm>
+            <a:off x="457200" y="1600200"/>
+            <a:ext cx="8229600" cy="4525963"/>
+          </a:xfrm>
+        </p:spPr>
         <p:txBody>
           <a:bodyPr>
             <a:normAutofit/>
@@ -4016,11 +4283,11 @@
           <a:p>
             <a:pPr lvl="1"/>
             <a:r>
-              <a:rPr lang="en-US"/>
+              <a:rPr lang="en-US" dirty="0"/>
               <a:t>zelig2</a:t>
             </a:r>
             <a:r>
-              <a:rPr lang="en-US" i="1">
+              <a:rPr lang="en-US" i="1" dirty="0">
                 <a:solidFill>
                   <a:schemeClr val="bg1">
                     <a:lumMod val="50000"/>
@@ -4030,7 +4297,7 @@
               <a:t>&lt;model-name&gt;</a:t>
             </a:r>
             <a:r>
-              <a:rPr lang="en-US">
+              <a:rPr lang="en-US" dirty="0">
                 <a:solidFill>
                   <a:schemeClr val="bg1">
                     <a:lumMod val="50000"/>
@@ -4040,18 +4307,22 @@
               <a:t> </a:t>
             </a:r>
             <a:r>
-              <a:rPr lang="en-US" sz="2600"/>
+              <a:rPr lang="en-US" sz="2600" dirty="0"/>
               <a:t>(Fitting the statistical model)</a:t>
             </a:r>
           </a:p>
           <a:p>
             <a:pPr lvl="1"/>
             <a:r>
-              <a:rPr lang="en-US"/>
-              <a:t>param.</a:t>
-            </a:r>
-            <a:r>
-              <a:rPr lang="en-US" i="1">
+              <a:rPr lang="en-US" dirty="0" err="1"/>
+              <a:t>param</a:t>
+            </a:r>
+            <a:r>
+              <a:rPr lang="en-US" dirty="0"/>
+              <a:t>.</a:t>
+            </a:r>
+            <a:r>
+              <a:rPr lang="en-US" i="1" dirty="0">
                 <a:solidFill>
                   <a:srgbClr val="7F7F7F"/>
                 </a:solidFill>
@@ -4059,7 +4330,7 @@
               <a:t>&lt;model-name&gt;</a:t>
             </a:r>
             <a:r>
-              <a:rPr lang="en-US">
+              <a:rPr lang="en-US" dirty="0">
                 <a:solidFill>
                   <a:srgbClr val="7F7F7F"/>
                 </a:solidFill>
@@ -4067,18 +4338,22 @@
               <a:t> </a:t>
             </a:r>
             <a:r>
-              <a:rPr lang="en-US" sz="2600"/>
+              <a:rPr lang="en-US" sz="2600" dirty="0"/>
               <a:t>(Simulate parameters)</a:t>
             </a:r>
           </a:p>
           <a:p>
             <a:pPr lvl="1"/>
             <a:r>
-              <a:rPr lang="en-US"/>
-              <a:t>sim.</a:t>
-            </a:r>
-            <a:r>
-              <a:rPr lang="en-US" i="1">
+              <a:rPr lang="en-US" dirty="0" err="1"/>
+              <a:t>sim</a:t>
+            </a:r>
+            <a:r>
+              <a:rPr lang="en-US" dirty="0"/>
+              <a:t>.</a:t>
+            </a:r>
+            <a:r>
+              <a:rPr lang="en-US" i="1" dirty="0">
                 <a:solidFill>
                   <a:srgbClr val="7F7F7F"/>
                 </a:solidFill>
@@ -4086,7 +4361,7 @@
               <a:t>&lt;model-name&gt;</a:t>
             </a:r>
             <a:r>
-              <a:rPr lang="en-US">
+              <a:rPr lang="en-US" dirty="0">
                 <a:solidFill>
                   <a:srgbClr val="7F7F7F"/>
                 </a:solidFill>
@@ -4094,30 +4369,57 @@
               <a:t> </a:t>
             </a:r>
             <a:r>
-              <a:rPr lang="en-US" sz="2600"/>
+              <a:rPr lang="en-US" sz="2600" dirty="0"/>
               <a:t>(Simulate quantities of interest)</a:t>
             </a:r>
           </a:p>
           <a:p>
             <a:r>
-              <a:rPr lang="en-US" sz="3000"/>
+              <a:rPr lang="en-US" sz="3000" dirty="0"/>
               <a:t>An R package can contain </a:t>
             </a:r>
             <a:r>
-              <a:rPr lang="en-US" sz="3000" b="1"/>
+              <a:rPr lang="en-US" sz="3000" b="1" dirty="0"/>
               <a:t>multiple</a:t>
             </a:r>
             <a:r>
-              <a:rPr lang="en-US" sz="3000"/>
-              <a:t> Zelig models</a:t>
-            </a:r>
+              <a:rPr lang="en-US" sz="3000" dirty="0"/>
+              <a:t> </a:t>
+            </a:r>
+            <a:r>
+              <a:rPr lang="en-US" sz="3000" dirty="0" err="1"/>
+              <a:t>Zelig</a:t>
+            </a:r>
+            <a:r>
+              <a:rPr lang="en-US" sz="3000" dirty="0"/>
+              <a:t> </a:t>
+            </a:r>
+            <a:r>
+              <a:rPr lang="en-US" sz="3000" dirty="0" smtClean="0"/>
+              <a:t>models</a:t>
+            </a:r>
+          </a:p>
+          <a:p>
+            <a:r>
+              <a:rPr lang="en-US" sz="3000" dirty="0" smtClean="0"/>
+              <a:t>“</a:t>
+            </a:r>
+            <a:r>
+              <a:rPr lang="en-US" sz="3000" dirty="0" err="1" smtClean="0"/>
+              <a:t>ZeligDEMO</a:t>
+            </a:r>
+            <a:r>
+              <a:rPr lang="en-US" sz="3000" dirty="0" smtClean="0"/>
+              <a:t>” is an R package containing 1 model</a:t>
+            </a:r>
+            <a:endParaRPr lang="en-US" sz="3000" dirty="0"/>
           </a:p>
         </p:txBody>
       </p:sp>
     </p:spTree>
     <p:extLst>
       <p:ext uri="{BB962C8B-B14F-4D97-AF65-F5344CB8AC3E}">
-        <p14:creationId xmlns:mc="http://schemas.openxmlformats.org/markup-compatibility/2006" xmlns:mv="urn:schemas-microsoft-com:mac:vml" xmlns:p14="http://schemas.microsoft.com/office/powerpoint/2010/main" xmlns:p="http://schemas.openxmlformats.org/presentationml/2006/main" xmlns:r="http://schemas.openxmlformats.org/officeDocument/2006/relationships" xmlns:a="http://schemas.openxmlformats.org/drawingml/2006/main" xmlns="" val="2482753411"/>
+        <p14:creationId xmlns:p14="http://schemas.microsoft.com/office/powerpoint/2010/main" val="2482753411"/>
       </p:ext>
     </p:extLst>
   </p:cSld>
@@ -4134,8 +4436,8 @@
 </p:sld>
 </file>
 
-<file path=ppt/slides/slide14.xml><?xml version="1.0" encoding="utf-8"?>
-<p:sld xmlns:a="http://schemas.openxmlformats.org/drawingml/2006/main" xmlns:r="http://schemas.openxmlformats.org/officeDocument/2006/relationships" xmlns:mc="http://schemas.openxmlformats.org/markup-compatibility/2006" xmlns:mv="urn:schemas-microsoft-com:mac:vml" xmlns:p="http://schemas.openxmlformats.org/presentationml/2006/main" mc:Ignorable="mv" mc:PreserveAttributes="mv:*">
+<file path=ppt/slides/slide15.xml><?xml version="1.0" encoding="utf-8"?>
+<p:sld xmlns:a="http://schemas.openxmlformats.org/drawingml/2006/main" xmlns:r="http://schemas.openxmlformats.org/officeDocument/2006/relationships" xmlns:p="http://schemas.openxmlformats.org/presentationml/2006/main">
   <p:cSld>
     <p:spTree>
       <p:nvGrpSpPr>
@@ -4191,91 +4493,119 @@
           <a:lstStyle/>
           <a:p>
             <a:r>
-              <a:rPr lang="en-US"/>
-              <a:t>Users do not have access to these methods</a:t>
-            </a:r>
-          </a:p>
-          <a:p>
-            <a:r>
-              <a:rPr lang="en-US"/>
-              <a:t>Users use three </a:t>
-            </a:r>
-            <a:r>
-              <a:rPr lang="en-US" b="1"/>
+              <a:rPr lang="en-US" u="sng" dirty="0" smtClean="0"/>
+              <a:t>Users</a:t>
+            </a:r>
+            <a:r>
+              <a:rPr lang="en-US" dirty="0" smtClean="0"/>
+              <a:t> </a:t>
+            </a:r>
+            <a:r>
+              <a:rPr lang="en-US" dirty="0"/>
+              <a:t>use three </a:t>
+            </a:r>
+            <a:r>
+              <a:rPr lang="en-US" b="1" dirty="0"/>
               <a:t>functions</a:t>
             </a:r>
             <a:r>
-              <a:rPr lang="en-US"/>
+              <a:rPr lang="en-US" dirty="0"/>
               <a:t>:</a:t>
             </a:r>
           </a:p>
           <a:p>
             <a:pPr lvl="1"/>
             <a:r>
-              <a:rPr lang="en-US"/>
+              <a:rPr lang="en-US" dirty="0" err="1"/>
               <a:t>zelig</a:t>
             </a:r>
+            <a:endParaRPr lang="en-US" dirty="0"/>
           </a:p>
           <a:p>
             <a:pPr lvl="1"/>
             <a:r>
-              <a:rPr lang="en-US"/>
+              <a:rPr lang="en-US" dirty="0" err="1"/>
               <a:t>setx</a:t>
             </a:r>
+            <a:endParaRPr lang="en-US" dirty="0"/>
           </a:p>
           <a:p>
             <a:pPr lvl="1"/>
             <a:r>
-              <a:rPr lang="en-US"/>
+              <a:rPr lang="en-US" dirty="0" err="1"/>
               <a:t>sim</a:t>
             </a:r>
-          </a:p>
-          <a:p>
-            <a:r>
-              <a:rPr lang="en-US"/>
-              <a:t>Developers write three </a:t>
-            </a:r>
-            <a:r>
-              <a:rPr lang="en-US" b="1"/>
+            <a:endParaRPr lang="en-US" dirty="0"/>
+          </a:p>
+          <a:p>
+            <a:r>
+              <a:rPr lang="en-US" u="sng" dirty="0"/>
+              <a:t>Developers</a:t>
+            </a:r>
+            <a:r>
+              <a:rPr lang="en-US" dirty="0"/>
+              <a:t> write three </a:t>
+            </a:r>
+            <a:r>
+              <a:rPr lang="en-US" b="1" dirty="0"/>
               <a:t>methods</a:t>
             </a:r>
             <a:r>
-              <a:rPr lang="en-US"/>
+              <a:rPr lang="en-US" dirty="0"/>
               <a:t>:</a:t>
             </a:r>
           </a:p>
           <a:p>
             <a:pPr lvl="1"/>
             <a:r>
-              <a:rPr lang="en-US"/>
+              <a:rPr lang="en-US" dirty="0"/>
               <a:t>zelig2</a:t>
             </a:r>
             <a:r>
-              <a:rPr lang="en-US" i="1"/>
+              <a:rPr lang="en-US" i="1" dirty="0"/>
               <a:t>&lt;model-name&gt;</a:t>
             </a:r>
           </a:p>
           <a:p>
             <a:pPr lvl="1"/>
             <a:r>
-              <a:rPr lang="en-US"/>
-              <a:t>param.</a:t>
-            </a:r>
-            <a:r>
-              <a:rPr lang="en-US" i="1"/>
+              <a:rPr lang="en-US" dirty="0" err="1"/>
+              <a:t>param</a:t>
+            </a:r>
+            <a:r>
+              <a:rPr lang="en-US" dirty="0"/>
+              <a:t>.</a:t>
+            </a:r>
+            <a:r>
+              <a:rPr lang="en-US" i="1" dirty="0"/>
               <a:t>&lt;model-name&gt;</a:t>
             </a:r>
           </a:p>
           <a:p>
             <a:pPr lvl="1"/>
             <a:r>
-              <a:rPr lang="en-US"/>
+              <a:rPr lang="en-US" dirty="0" smtClean="0"/>
               <a:t>qi.</a:t>
             </a:r>
             <a:r>
-              <a:rPr lang="en-US" i="1"/>
+              <a:rPr lang="en-US" i="1" dirty="0" smtClean="0"/>
               <a:t>&lt;model-name&gt;</a:t>
             </a:r>
+          </a:p>
+          <a:p>
+            <a:r>
+              <a:rPr lang="en-US" u="sng" dirty="0"/>
+              <a:t>Users</a:t>
+            </a:r>
+            <a:r>
+              <a:rPr lang="en-US" dirty="0"/>
+              <a:t> do not have access to these </a:t>
+            </a:r>
+            <a:r>
+              <a:rPr lang="en-US" dirty="0" smtClean="0"/>
+              <a:t>methods</a:t>
+            </a:r>
+            <a:endParaRPr lang="en-US" dirty="0"/>
           </a:p>
         </p:txBody>
       </p:sp>
@@ -4294,8 +4624,8 @@
 </p:sld>
 </file>
 
-<file path=ppt/slides/slide15.xml><?xml version="1.0" encoding="utf-8"?>
-<p:sld xmlns:a="http://schemas.openxmlformats.org/drawingml/2006/main" xmlns:r="http://schemas.openxmlformats.org/officeDocument/2006/relationships" xmlns:mc="http://schemas.openxmlformats.org/markup-compatibility/2006" xmlns:mv="urn:schemas-microsoft-com:mac:vml" xmlns:p="http://schemas.openxmlformats.org/presentationml/2006/main" mc:Ignorable="mv" mc:PreserveAttributes="mv:*">
+<file path=ppt/slides/slide16.xml><?xml version="1.0" encoding="utf-8"?>
+<p:sld xmlns:a="http://schemas.openxmlformats.org/drawingml/2006/main" xmlns:r="http://schemas.openxmlformats.org/officeDocument/2006/relationships" xmlns:p="http://schemas.openxmlformats.org/presentationml/2006/main">
   <p:cSld>
     <p:spTree>
       <p:nvGrpSpPr>
@@ -4812,8 +5142,8 @@
 </p:sld>
 </file>
 
-<file path=ppt/slides/slide16.xml><?xml version="1.0" encoding="utf-8"?>
-<p:sld xmlns:a="http://schemas.openxmlformats.org/drawingml/2006/main" xmlns:r="http://schemas.openxmlformats.org/officeDocument/2006/relationships" xmlns:mc="http://schemas.openxmlformats.org/markup-compatibility/2006" xmlns:mv="urn:schemas-microsoft-com:mac:vml" xmlns:p="http://schemas.openxmlformats.org/presentationml/2006/main" mc:Ignorable="mv" mc:PreserveAttributes="mv:*">
+<file path=ppt/slides/slide17.xml><?xml version="1.0" encoding="utf-8"?>
+<p:sld xmlns:a="http://schemas.openxmlformats.org/drawingml/2006/main" xmlns:r="http://schemas.openxmlformats.org/officeDocument/2006/relationships" xmlns:p="http://schemas.openxmlformats.org/presentationml/2006/main">
   <p:cSld>
     <p:spTree>
       <p:nvGrpSpPr>
@@ -5901,8 +6231,8 @@
 </p:sld>
 </file>
 
-<file path=ppt/slides/slide17.xml><?xml version="1.0" encoding="utf-8"?>
-<p:sld xmlns:a="http://schemas.openxmlformats.org/drawingml/2006/main" xmlns:r="http://schemas.openxmlformats.org/officeDocument/2006/relationships" xmlns:mc="http://schemas.openxmlformats.org/markup-compatibility/2006" xmlns:mv="urn:schemas-microsoft-com:mac:vml" xmlns:p="http://schemas.openxmlformats.org/presentationml/2006/main" mc:Ignorable="mv" mc:PreserveAttributes="mv:*">
+<file path=ppt/slides/slide18.xml><?xml version="1.0" encoding="utf-8"?>
+<p:sld xmlns:a="http://schemas.openxmlformats.org/drawingml/2006/main" xmlns:r="http://schemas.openxmlformats.org/officeDocument/2006/relationships" xmlns:p="http://schemas.openxmlformats.org/presentationml/2006/main">
   <p:cSld>
     <p:spTree>
       <p:nvGrpSpPr>
@@ -6419,8 +6749,8 @@
 </p:sld>
 </file>
 
-<file path=ppt/slides/slide18.xml><?xml version="1.0" encoding="utf-8"?>
-<p:sld xmlns:a="http://schemas.openxmlformats.org/drawingml/2006/main" xmlns:r="http://schemas.openxmlformats.org/officeDocument/2006/relationships" xmlns:mc="http://schemas.openxmlformats.org/markup-compatibility/2006" xmlns:mv="urn:schemas-microsoft-com:mac:vml" xmlns:p="http://schemas.openxmlformats.org/presentationml/2006/main" mc:Ignorable="mv" mc:PreserveAttributes="mv:*">
+<file path=ppt/slides/slide19.xml><?xml version="1.0" encoding="utf-8"?>
+<p:sld xmlns:a="http://schemas.openxmlformats.org/drawingml/2006/main" xmlns:r="http://schemas.openxmlformats.org/officeDocument/2006/relationships" xmlns:p="http://schemas.openxmlformats.org/presentationml/2006/main">
   <p:cSld>
     <p:spTree>
       <p:nvGrpSpPr>
@@ -6527,139 +6857,6 @@
             <a:r>
               <a:rPr lang="en-US"/>
               <a:t>This will not be covered today</a:t>
-            </a:r>
-          </a:p>
-        </p:txBody>
-      </p:sp>
-    </p:spTree>
-  </p:cSld>
-  <p:clrMapOvr>
-    <a:masterClrMapping/>
-  </p:clrMapOvr>
-</p:sld>
-</file>
-
-<file path=ppt/slides/slide19.xml><?xml version="1.0" encoding="utf-8"?>
-<p:sld xmlns:a="http://schemas.openxmlformats.org/drawingml/2006/main" xmlns:r="http://schemas.openxmlformats.org/officeDocument/2006/relationships" xmlns:mc="http://schemas.openxmlformats.org/markup-compatibility/2006" xmlns:mv="urn:schemas-microsoft-com:mac:vml" xmlns:p="http://schemas.openxmlformats.org/presentationml/2006/main" mc:Ignorable="mv" mc:PreserveAttributes="mv:*">
-  <p:cSld>
-    <p:spTree>
-      <p:nvGrpSpPr>
-        <p:cNvPr id="1" name=""/>
-        <p:cNvGrpSpPr/>
-        <p:nvPr/>
-      </p:nvGrpSpPr>
-      <p:grpSpPr>
-        <a:xfrm>
-          <a:off x="0" y="0"/>
-          <a:ext cx="0" cy="0"/>
-          <a:chOff x="0" y="0"/>
-          <a:chExt cx="0" cy="0"/>
-        </a:xfrm>
-      </p:grpSpPr>
-      <p:sp>
-        <p:nvSpPr>
-          <p:cNvPr id="2" name="Title 1"/>
-          <p:cNvSpPr>
-            <a:spLocks noGrp="1"/>
-          </p:cNvSpPr>
-          <p:nvPr>
-            <p:ph type="title"/>
-          </p:nvPr>
-        </p:nvSpPr>
-        <p:spPr/>
-        <p:txBody>
-          <a:bodyPr/>
-          <a:lstStyle/>
-          <a:p>
-            <a:r>
-              <a:rPr lang="en-US"/>
-              <a:t>Overview</a:t>
-            </a:r>
-          </a:p>
-        </p:txBody>
-      </p:sp>
-      <p:sp>
-        <p:nvSpPr>
-          <p:cNvPr id="3" name="Content Placeholder 2"/>
-          <p:cNvSpPr>
-            <a:spLocks noGrp="1"/>
-          </p:cNvSpPr>
-          <p:nvPr>
-            <p:ph idx="1"/>
-          </p:nvPr>
-        </p:nvSpPr>
-        <p:spPr/>
-        <p:txBody>
-          <a:bodyPr>
-            <a:normAutofit lnSpcReduction="10000"/>
-          </a:bodyPr>
-          <a:lstStyle/>
-          <a:p>
-            <a:r>
-              <a:rPr lang="en-US"/>
-              <a:t>Writing a zelig model is a three-stage process:</a:t>
-            </a:r>
-          </a:p>
-          <a:p>
-            <a:pPr lvl="1"/>
-            <a:r>
-              <a:rPr lang="en-US"/>
-              <a:t>zelig2 method</a:t>
-            </a:r>
-          </a:p>
-          <a:p>
-            <a:pPr lvl="1"/>
-            <a:r>
-              <a:rPr lang="en-US"/>
-              <a:t>param method</a:t>
-            </a:r>
-          </a:p>
-          <a:p>
-            <a:pPr lvl="1"/>
-            <a:r>
-              <a:rPr lang="en-US"/>
-              <a:t>qi method</a:t>
-            </a:r>
-          </a:p>
-          <a:p>
-            <a:r>
-              <a:rPr lang="en-US"/>
-              <a:t>These correspond to</a:t>
-            </a:r>
-          </a:p>
-          <a:p>
-            <a:pPr lvl="1"/>
-            <a:r>
-              <a:rPr lang="en-US"/>
-              <a:t>Fitting the statistical model (zelig2)</a:t>
-            </a:r>
-          </a:p>
-          <a:p>
-            <a:pPr lvl="1"/>
-            <a:r>
-              <a:rPr lang="en-US"/>
-              <a:t>Parameter simulation (param)</a:t>
-            </a:r>
-          </a:p>
-          <a:p>
-            <a:pPr lvl="1"/>
-            <a:r>
-              <a:rPr lang="en-US"/>
-              <a:t>Quantity of interest simulation (qi)</a:t>
-            </a:r>
-          </a:p>
-          <a:p>
-            <a:r>
-              <a:rPr lang="en-US"/>
-              <a:t>Users </a:t>
-            </a:r>
-            <a:r>
-              <a:rPr lang="en-US" b="1"/>
-              <a:t>do not</a:t>
-            </a:r>
-            <a:r>
-              <a:rPr lang="en-US"/>
-              <a:t> directly call these methods</a:t>
             </a:r>
           </a:p>
         </p:txBody>
@@ -6680,7 +6877,7 @@
 </file>
 
 <file path=ppt/slides/slide2.xml><?xml version="1.0" encoding="utf-8"?>
-<p:sld xmlns:a="http://schemas.openxmlformats.org/drawingml/2006/main" xmlns:r="http://schemas.openxmlformats.org/officeDocument/2006/relationships" xmlns:mc="http://schemas.openxmlformats.org/markup-compatibility/2006" xmlns:mv="urn:schemas-microsoft-com:mac:vml" xmlns:p="http://schemas.openxmlformats.org/presentationml/2006/main" mc:Ignorable="mv" mc:PreserveAttributes="mv:*">
+<p:sld xmlns:a="http://schemas.openxmlformats.org/drawingml/2006/main" xmlns:r="http://schemas.openxmlformats.org/officeDocument/2006/relationships" xmlns:p="http://schemas.openxmlformats.org/presentationml/2006/main">
   <p:cSld>
     <p:spTree>
       <p:nvGrpSpPr>
@@ -6703,7 +6900,7 @@
             <a:spLocks noGrp="1"/>
           </p:cNvSpPr>
           <p:nvPr>
-            <p:ph type="title"/>
+            <p:ph type="ctrTitle"/>
           </p:nvPr>
         </p:nvSpPr>
         <p:spPr/>
@@ -6713,152 +6910,43 @@
           <a:p>
             <a:r>
               <a:rPr lang="en-US"/>
-              <a:t>Outline</a:t>
-            </a:r>
-          </a:p>
-        </p:txBody>
-      </p:sp>
-      <p:sp>
-        <p:nvSpPr>
-          <p:cNvPr id="3" name="Content Placeholder 2"/>
-          <p:cNvSpPr>
-            <a:spLocks noGrp="1"/>
-          </p:cNvSpPr>
-          <p:nvPr>
-            <p:ph idx="1"/>
+              <a:t>Programming Statistical Models with Zelig 4</a:t>
+            </a:r>
+          </a:p>
+        </p:txBody>
+      </p:sp>
+      <p:sp>
+        <p:nvSpPr>
+          <p:cNvPr id="3" name="Subtitle 2"/>
+          <p:cNvSpPr>
+            <a:spLocks noGrp="1"/>
+          </p:cNvSpPr>
+          <p:nvPr>
+            <p:ph type="subTitle" idx="1"/>
           </p:nvPr>
         </p:nvSpPr>
         <p:spPr/>
         <p:txBody>
-          <a:bodyPr>
-            <a:normAutofit fontScale="92500" lnSpcReduction="10000"/>
-          </a:bodyPr>
-          <a:lstStyle/>
-          <a:p>
-            <a:pPr marL="514350" indent="-514350">
-              <a:buFont typeface="+mj-lt"/>
-              <a:buAutoNum type="arabicPeriod"/>
-            </a:pPr>
-            <a:r>
-              <a:rPr lang="en-US" dirty="0"/>
-              <a:t>What is a statistical </a:t>
-            </a:r>
-            <a:r>
-              <a:rPr lang="en-US" dirty="0" smtClean="0"/>
-              <a:t>package?</a:t>
-            </a:r>
-          </a:p>
-          <a:p>
-            <a:pPr marL="514350" indent="-514350">
-              <a:buFont typeface="+mj-lt"/>
-              <a:buAutoNum type="arabicPeriod"/>
-            </a:pPr>
-            <a:r>
-              <a:rPr lang="en-US" dirty="0" smtClean="0"/>
-              <a:t>What is a Zelig model?</a:t>
-            </a:r>
-          </a:p>
-          <a:p>
-            <a:pPr marL="514350" indent="-514350">
-              <a:buFont typeface="+mj-lt"/>
-              <a:buAutoNum type="arabicPeriod"/>
-            </a:pPr>
-            <a:r>
-              <a:rPr lang="en-US" dirty="0" smtClean="0"/>
-              <a:t>Creating a statistical package</a:t>
-            </a:r>
-            <a:endParaRPr lang="en-US" dirty="0"/>
-          </a:p>
-          <a:p>
-            <a:pPr marL="514350" indent="-514350">
-              <a:buFont typeface="+mj-lt"/>
-              <a:buAutoNum type="arabicPeriod"/>
-            </a:pPr>
-            <a:r>
-              <a:rPr lang="en-US" dirty="0" smtClean="0"/>
-              <a:t>Model </a:t>
-            </a:r>
-            <a:r>
-              <a:rPr lang="en-US" dirty="0"/>
-              <a:t>fitting functions</a:t>
-            </a:r>
-          </a:p>
-          <a:p>
-            <a:pPr marL="514350" indent="-514350">
-              <a:buFont typeface="+mj-lt"/>
-              <a:buAutoNum type="arabicPeriod"/>
-            </a:pPr>
-            <a:r>
-              <a:rPr lang="en-US" dirty="0"/>
-              <a:t>The </a:t>
-            </a:r>
-            <a:r>
-              <a:rPr lang="en-US" b="1" dirty="0">
-                <a:latin typeface="Courier New"/>
-                <a:cs typeface="Courier New"/>
-              </a:rPr>
-              <a:t>zelig2</a:t>
-            </a:r>
-            <a:r>
-              <a:rPr lang="en-US" dirty="0"/>
-              <a:t> </a:t>
-            </a:r>
-            <a:r>
-              <a:rPr lang="en-US" dirty="0" smtClean="0"/>
-              <a:t>method</a:t>
-            </a:r>
-          </a:p>
-          <a:p>
-            <a:pPr marL="514350" indent="-514350">
-              <a:buFont typeface="+mj-lt"/>
-              <a:buAutoNum type="arabicPeriod"/>
-            </a:pPr>
-            <a:r>
-              <a:rPr lang="en-US" dirty="0"/>
-              <a:t>Workflow for creating a statistical </a:t>
-            </a:r>
-            <a:r>
-              <a:rPr lang="en-US" dirty="0" smtClean="0"/>
-              <a:t>package</a:t>
-            </a:r>
-            <a:endParaRPr lang="en-US" dirty="0"/>
-          </a:p>
-          <a:p>
-            <a:pPr marL="514350" indent="-514350">
-              <a:buFont typeface="+mj-lt"/>
-              <a:buAutoNum type="arabicPeriod"/>
-            </a:pPr>
-            <a:r>
-              <a:rPr lang="en-US" dirty="0"/>
-              <a:t>Looking </a:t>
-            </a:r>
-            <a:r>
-              <a:rPr lang="en-US" dirty="0" smtClean="0"/>
-              <a:t>ahead</a:t>
-            </a:r>
-            <a:endParaRPr lang="en-US" dirty="0"/>
-          </a:p>
-          <a:p>
-            <a:pPr lvl="1"/>
-            <a:r>
-              <a:rPr lang="en-US" dirty="0"/>
-              <a:t>Design (a.k.a. model) matrices</a:t>
-            </a:r>
-          </a:p>
-          <a:p>
-            <a:pPr lvl="1"/>
-            <a:r>
-              <a:rPr lang="en-US" dirty="0"/>
-              <a:t>Counterfactuals and interaction terms</a:t>
-            </a:r>
-          </a:p>
-          <a:p>
-            <a:pPr lvl="1"/>
-            <a:endParaRPr lang="en-US" dirty="0"/>
-          </a:p>
-          <a:p>
-            <a:pPr lvl="1"/>
-            <a:endParaRPr lang="en-US" dirty="0"/>
+          <a:bodyPr/>
+          <a:lstStyle/>
+          <a:p>
+            <a:r>
+              <a:rPr lang="en-US"/>
+              <a:t>Creating Statistical Packages</a:t>
+            </a:r>
+            <a:br>
+              <a:rPr lang="en-US"/>
+            </a:br>
+            <a:r>
+              <a:rPr lang="en-US"/>
+              <a:t>External Models</a:t>
+            </a:r>
+          </a:p>
+          <a:p>
+            <a:r>
+              <a:rPr lang="en-US"/>
+              <a:t>The "zelig2" Method</a:t>
+            </a:r>
           </a:p>
         </p:txBody>
       </p:sp>
@@ -6878,7 +6966,7 @@
 </file>
 
 <file path=ppt/slides/slide20.xml><?xml version="1.0" encoding="utf-8"?>
-<p:sld xmlns:a="http://schemas.openxmlformats.org/drawingml/2006/main" xmlns:r="http://schemas.openxmlformats.org/officeDocument/2006/relationships" xmlns:mc="http://schemas.openxmlformats.org/markup-compatibility/2006" xmlns:mv="urn:schemas-microsoft-com:mac:vml" xmlns:p="http://schemas.openxmlformats.org/presentationml/2006/main" mc:Ignorable="mv" mc:PreserveAttributes="mv:*">
+<p:sld xmlns:a="http://schemas.openxmlformats.org/drawingml/2006/main" xmlns:r="http://schemas.openxmlformats.org/officeDocument/2006/relationships" xmlns:p="http://schemas.openxmlformats.org/presentationml/2006/main">
   <p:cSld>
     <p:spTree>
       <p:nvGrpSpPr>
@@ -6901,6 +6989,146 @@
             <a:spLocks noGrp="1"/>
           </p:cNvSpPr>
           <p:nvPr>
+            <p:ph type="title"/>
+          </p:nvPr>
+        </p:nvSpPr>
+        <p:spPr/>
+        <p:txBody>
+          <a:bodyPr/>
+          <a:lstStyle/>
+          <a:p>
+            <a:r>
+              <a:rPr lang="en-US"/>
+              <a:t>Overview</a:t>
+            </a:r>
+          </a:p>
+        </p:txBody>
+      </p:sp>
+      <p:sp>
+        <p:nvSpPr>
+          <p:cNvPr id="3" name="Content Placeholder 2"/>
+          <p:cNvSpPr>
+            <a:spLocks noGrp="1"/>
+          </p:cNvSpPr>
+          <p:nvPr>
+            <p:ph idx="1"/>
+          </p:nvPr>
+        </p:nvSpPr>
+        <p:spPr/>
+        <p:txBody>
+          <a:bodyPr>
+            <a:normAutofit lnSpcReduction="10000"/>
+          </a:bodyPr>
+          <a:lstStyle/>
+          <a:p>
+            <a:r>
+              <a:rPr lang="en-US"/>
+              <a:t>Writing a zelig model is a three-stage process:</a:t>
+            </a:r>
+          </a:p>
+          <a:p>
+            <a:pPr lvl="1"/>
+            <a:r>
+              <a:rPr lang="en-US"/>
+              <a:t>zelig2 method</a:t>
+            </a:r>
+          </a:p>
+          <a:p>
+            <a:pPr lvl="1"/>
+            <a:r>
+              <a:rPr lang="en-US"/>
+              <a:t>param method</a:t>
+            </a:r>
+          </a:p>
+          <a:p>
+            <a:pPr lvl="1"/>
+            <a:r>
+              <a:rPr lang="en-US"/>
+              <a:t>qi method</a:t>
+            </a:r>
+          </a:p>
+          <a:p>
+            <a:r>
+              <a:rPr lang="en-US"/>
+              <a:t>These correspond to</a:t>
+            </a:r>
+          </a:p>
+          <a:p>
+            <a:pPr lvl="1"/>
+            <a:r>
+              <a:rPr lang="en-US"/>
+              <a:t>Fitting the statistical model (zelig2)</a:t>
+            </a:r>
+          </a:p>
+          <a:p>
+            <a:pPr lvl="1"/>
+            <a:r>
+              <a:rPr lang="en-US"/>
+              <a:t>Parameter simulation (param)</a:t>
+            </a:r>
+          </a:p>
+          <a:p>
+            <a:pPr lvl="1"/>
+            <a:r>
+              <a:rPr lang="en-US"/>
+              <a:t>Quantity of interest simulation (qi)</a:t>
+            </a:r>
+          </a:p>
+          <a:p>
+            <a:r>
+              <a:rPr lang="en-US"/>
+              <a:t>Users </a:t>
+            </a:r>
+            <a:r>
+              <a:rPr lang="en-US" b="1"/>
+              <a:t>do not</a:t>
+            </a:r>
+            <a:r>
+              <a:rPr lang="en-US"/>
+              <a:t> directly call these methods</a:t>
+            </a:r>
+          </a:p>
+        </p:txBody>
+      </p:sp>
+    </p:spTree>
+  </p:cSld>
+  <p:clrMapOvr>
+    <a:masterClrMapping/>
+  </p:clrMapOvr>
+  <p:timing>
+    <p:tnLst>
+      <p:par>
+        <p:cTn id="1" dur="indefinite" restart="never" nodeType="tmRoot"/>
+      </p:par>
+    </p:tnLst>
+  </p:timing>
+</p:sld>
+</file>
+
+<file path=ppt/slides/slide21.xml><?xml version="1.0" encoding="utf-8"?>
+<p:sld xmlns:a="http://schemas.openxmlformats.org/drawingml/2006/main" xmlns:r="http://schemas.openxmlformats.org/officeDocument/2006/relationships" xmlns:p="http://schemas.openxmlformats.org/presentationml/2006/main">
+  <p:cSld>
+    <p:spTree>
+      <p:nvGrpSpPr>
+        <p:cNvPr id="1" name=""/>
+        <p:cNvGrpSpPr/>
+        <p:nvPr/>
+      </p:nvGrpSpPr>
+      <p:grpSpPr>
+        <a:xfrm>
+          <a:off x="0" y="0"/>
+          <a:ext cx="0" cy="0"/>
+          <a:chOff x="0" y="0"/>
+          <a:chExt cx="0" cy="0"/>
+        </a:xfrm>
+      </p:grpSpPr>
+      <p:sp>
+        <p:nvSpPr>
+          <p:cNvPr id="2" name="Title 1"/>
+          <p:cNvSpPr>
+            <a:spLocks noGrp="1"/>
+          </p:cNvSpPr>
+          <p:nvPr>
             <p:ph type="ctrTitle"/>
           </p:nvPr>
         </p:nvSpPr>
@@ -6939,7 +7167,7 @@
     </p:spTree>
     <p:extLst>
       <p:ext uri="{BB962C8B-B14F-4D97-AF65-F5344CB8AC3E}">
-        <p14:creationId xmlns:mc="http://schemas.openxmlformats.org/markup-compatibility/2006" xmlns:mv="urn:schemas-microsoft-com:mac:vml" xmlns:p14="http://schemas.microsoft.com/office/powerpoint/2010/main" xmlns:p="http://schemas.openxmlformats.org/presentationml/2006/main" xmlns:r="http://schemas.openxmlformats.org/officeDocument/2006/relationships" xmlns:a="http://schemas.openxmlformats.org/drawingml/2006/main" xmlns="" val="3700335886"/>
+        <p14:creationId xmlns:p14="http://schemas.microsoft.com/office/powerpoint/2010/main" val="3700335886"/>
       </p:ext>
     </p:extLst>
   </p:cSld>
@@ -6956,8 +7184,8 @@
 </p:sld>
 </file>
 
-<file path=ppt/slides/slide21.xml><?xml version="1.0" encoding="utf-8"?>
-<p:sld xmlns:a="http://schemas.openxmlformats.org/drawingml/2006/main" xmlns:r="http://schemas.openxmlformats.org/officeDocument/2006/relationships" xmlns:mc="http://schemas.openxmlformats.org/markup-compatibility/2006" xmlns:mv="urn:schemas-microsoft-com:mac:vml" xmlns:p="http://schemas.openxmlformats.org/presentationml/2006/main" mc:Ignorable="mv" mc:PreserveAttributes="mv:*">
+<file path=ppt/slides/slide22.xml><?xml version="1.0" encoding="utf-8"?>
+<p:sld xmlns:a="http://schemas.openxmlformats.org/drawingml/2006/main" xmlns:r="http://schemas.openxmlformats.org/officeDocument/2006/relationships" xmlns:p="http://schemas.openxmlformats.org/presentationml/2006/main">
   <p:cSld>
     <p:spTree>
       <p:nvGrpSpPr>
@@ -7039,102 +7267,6 @@
             <a:r>
               <a:rPr lang="en-US"/>
               <a:t>"zelig.skeleton" behaves identically except it follows a pattern more useful for Zelig packages</a:t>
-            </a:r>
-          </a:p>
-        </p:txBody>
-      </p:sp>
-    </p:spTree>
-  </p:cSld>
-  <p:clrMapOvr>
-    <a:masterClrMapping/>
-  </p:clrMapOvr>
-  <p:timing>
-    <p:tnLst>
-      <p:par>
-        <p:cTn id="1" dur="indefinite" restart="never" nodeType="tmRoot"/>
-      </p:par>
-    </p:tnLst>
-  </p:timing>
-</p:sld>
-</file>
-
-<file path=ppt/slides/slide22.xml><?xml version="1.0" encoding="utf-8"?>
-<p:sld xmlns:a="http://schemas.openxmlformats.org/drawingml/2006/main" xmlns:r="http://schemas.openxmlformats.org/officeDocument/2006/relationships" xmlns:mc="http://schemas.openxmlformats.org/markup-compatibility/2006" xmlns:mv="urn:schemas-microsoft-com:mac:vml" xmlns:p="http://schemas.openxmlformats.org/presentationml/2006/main" mc:Ignorable="mv" mc:PreserveAttributes="mv:*">
-  <p:cSld>
-    <p:spTree>
-      <p:nvGrpSpPr>
-        <p:cNvPr id="1" name=""/>
-        <p:cNvGrpSpPr/>
-        <p:nvPr/>
-      </p:nvGrpSpPr>
-      <p:grpSpPr>
-        <a:xfrm>
-          <a:off x="0" y="0"/>
-          <a:ext cx="0" cy="0"/>
-          <a:chOff x="0" y="0"/>
-          <a:chExt cx="0" cy="0"/>
-        </a:xfrm>
-      </p:grpSpPr>
-      <p:sp>
-        <p:nvSpPr>
-          <p:cNvPr id="2" name="Title 1"/>
-          <p:cNvSpPr>
-            <a:spLocks noGrp="1"/>
-          </p:cNvSpPr>
-          <p:nvPr>
-            <p:ph type="title"/>
-          </p:nvPr>
-        </p:nvSpPr>
-        <p:spPr/>
-        <p:txBody>
-          <a:bodyPr>
-            <a:normAutofit/>
-          </a:bodyPr>
-          <a:lstStyle/>
-          <a:p>
-            <a:r>
-              <a:rPr lang="en-US"/>
-              <a:t>Using "package.skeleton"</a:t>
-            </a:r>
-          </a:p>
-        </p:txBody>
-      </p:sp>
-      <p:sp>
-        <p:nvSpPr>
-          <p:cNvPr id="3" name="Content Placeholder 2"/>
-          <p:cNvSpPr>
-            <a:spLocks noGrp="1"/>
-          </p:cNvSpPr>
-          <p:nvPr>
-            <p:ph idx="1"/>
-          </p:nvPr>
-        </p:nvSpPr>
-        <p:spPr/>
-        <p:txBody>
-          <a:bodyPr/>
-          <a:lstStyle/>
-          <a:p>
-            <a:r>
-              <a:rPr lang="en-US"/>
-              <a:t>This creates a folder titled "SomePackage"</a:t>
-            </a:r>
-          </a:p>
-          <a:p>
-            <a:r>
-              <a:rPr lang="en-US"/>
-              <a:t>Create an R package with a single function "f"</a:t>
-            </a:r>
-          </a:p>
-          <a:p>
-            <a:r>
-              <a:rPr lang="en-US"/>
-              <a:t>Titles the package "SomePackage"</a:t>
-            </a:r>
-          </a:p>
-          <a:p>
-            <a:r>
-              <a:rPr lang="en-US"/>
-              <a:t>This package will not be "installable" until the author edits the ".Rd" files (found in the "man/" directory)</a:t>
             </a:r>
           </a:p>
         </p:txBody>
@@ -7155,7 +7287,7 @@
 </file>
 
 <file path=ppt/slides/slide23.xml><?xml version="1.0" encoding="utf-8"?>
-<p:sld xmlns:a="http://schemas.openxmlformats.org/drawingml/2006/main" xmlns:r="http://schemas.openxmlformats.org/officeDocument/2006/relationships" xmlns:mc="http://schemas.openxmlformats.org/markup-compatibility/2006" xmlns:mv="urn:schemas-microsoft-com:mac:vml" xmlns:p="http://schemas.openxmlformats.org/presentationml/2006/main" mc:Ignorable="mv" mc:PreserveAttributes="mv:*">
+<p:sld xmlns:a="http://schemas.openxmlformats.org/drawingml/2006/main" xmlns:r="http://schemas.openxmlformats.org/officeDocument/2006/relationships" xmlns:p="http://schemas.openxmlformats.org/presentationml/2006/main">
   <p:cSld>
     <p:spTree>
       <p:nvGrpSpPr>
@@ -7183,160 +7315,55 @@
         </p:nvSpPr>
         <p:spPr/>
         <p:txBody>
+          <a:bodyPr>
+            <a:normAutofit/>
+          </a:bodyPr>
+          <a:lstStyle/>
+          <a:p>
+            <a:r>
+              <a:rPr lang="en-US"/>
+              <a:t>Using "package.skeleton"</a:t>
+            </a:r>
+          </a:p>
+        </p:txBody>
+      </p:sp>
+      <p:sp>
+        <p:nvSpPr>
+          <p:cNvPr id="3" name="Content Placeholder 2"/>
+          <p:cNvSpPr>
+            <a:spLocks noGrp="1"/>
+          </p:cNvSpPr>
+          <p:nvPr>
+            <p:ph idx="1"/>
+          </p:nvPr>
+        </p:nvSpPr>
+        <p:spPr/>
+        <p:txBody>
           <a:bodyPr/>
           <a:lstStyle/>
           <a:p>
             <a:r>
               <a:rPr lang="en-US"/>
-              <a:t>Using "package.skeleton"</a:t>
-            </a:r>
-          </a:p>
-        </p:txBody>
-      </p:sp>
-      <p:sp>
-        <p:nvSpPr>
-          <p:cNvPr id="3" name="Content Placeholder 2"/>
-          <p:cNvSpPr>
-            <a:spLocks noGrp="1"/>
-          </p:cNvSpPr>
-          <p:nvPr>
-            <p:ph idx="1"/>
-          </p:nvPr>
-        </p:nvSpPr>
-        <p:spPr/>
-        <p:txBody>
-          <a:bodyPr>
-            <a:noAutofit/>
-          </a:bodyPr>
-          <a:lstStyle/>
-          <a:p>
-            <a:pPr>
-              <a:buNone/>
-            </a:pPr>
-            <a:r>
-              <a:rPr lang="en-US" sz="1800" b="1">
-                <a:latin typeface="Courier New"/>
-                <a:cs typeface="Courier New"/>
-              </a:rPr>
-              <a:t>&gt; f &lt;- function (...) 1</a:t>
-            </a:r>
-          </a:p>
-          <a:p>
-            <a:pPr>
-              <a:buNone/>
-            </a:pPr>
-            <a:r>
-              <a:rPr lang="en-US" sz="1800" b="1">
-                <a:latin typeface="Courier New"/>
-                <a:cs typeface="Courier New"/>
-              </a:rPr>
-              <a:t>&gt; package.skeleton("SomePackage", "f")</a:t>
-            </a:r>
-          </a:p>
-          <a:p>
-            <a:pPr>
-              <a:buNone/>
-            </a:pPr>
-            <a:r>
-              <a:rPr lang="en-US" sz="1800">
-                <a:latin typeface="Courier New"/>
-                <a:cs typeface="Courier New"/>
-              </a:rPr>
-              <a:t>Creating directories ...</a:t>
-            </a:r>
-          </a:p>
-          <a:p>
-            <a:pPr>
-              <a:buNone/>
-            </a:pPr>
-            <a:r>
-              <a:rPr lang="en-US" sz="1800">
-                <a:latin typeface="Courier New"/>
-                <a:cs typeface="Courier New"/>
-              </a:rPr>
-              <a:t>Creating DESCRIPTION ...</a:t>
-            </a:r>
-          </a:p>
-          <a:p>
-            <a:pPr>
-              <a:buNone/>
-            </a:pPr>
-            <a:r>
-              <a:rPr lang="en-US" sz="1800">
-                <a:latin typeface="Courier New"/>
-                <a:cs typeface="Courier New"/>
-              </a:rPr>
-              <a:t>Creating Read-and-delete-me ...</a:t>
-            </a:r>
-          </a:p>
-          <a:p>
-            <a:pPr>
-              <a:buNone/>
-            </a:pPr>
-            <a:r>
-              <a:rPr lang="en-US" sz="1800">
-                <a:latin typeface="Courier New"/>
-                <a:cs typeface="Courier New"/>
-              </a:rPr>
-              <a:t>Saving functions and data ...</a:t>
-            </a:r>
-          </a:p>
-          <a:p>
-            <a:pPr>
-              <a:buNone/>
-            </a:pPr>
-            <a:r>
-              <a:rPr lang="en-US" sz="1800">
-                <a:latin typeface="Courier New"/>
-                <a:cs typeface="Courier New"/>
-              </a:rPr>
-              <a:t>Making help files ...</a:t>
-            </a:r>
-          </a:p>
-          <a:p>
-            <a:pPr>
-              <a:buNone/>
-            </a:pPr>
-            <a:r>
-              <a:rPr lang="en-US" sz="1800">
-                <a:latin typeface="Courier New"/>
-                <a:cs typeface="Courier New"/>
-              </a:rPr>
-              <a:t>Done.</a:t>
-            </a:r>
-          </a:p>
-          <a:p>
-            <a:pPr>
-              <a:buNone/>
-            </a:pPr>
-            <a:r>
-              <a:rPr lang="en-US" sz="1800">
-                <a:latin typeface="Courier New"/>
-                <a:cs typeface="Courier New"/>
-              </a:rPr>
-              <a:t>Further steps are described in './SomePackage/Read-and-delete-me'.</a:t>
-            </a:r>
-          </a:p>
-          <a:p>
-            <a:pPr>
-              <a:buNone/>
-            </a:pPr>
-            <a:r>
-              <a:rPr lang="en-US" sz="1800" b="1">
-                <a:latin typeface="Courier New"/>
-                <a:cs typeface="Courier New"/>
-              </a:rPr>
-              <a:t>&gt; </a:t>
-            </a:r>
-          </a:p>
-          <a:p>
-            <a:pPr>
-              <a:buNone/>
-            </a:pPr>
-            <a:endParaRPr lang="en-US" sz="1800" b="1">
-              <a:latin typeface="Courier New"/>
-              <a:cs typeface="Courier New"/>
-            </a:endParaRPr>
+              <a:t>This creates a folder titled "SomePackage"</a:t>
+            </a:r>
+          </a:p>
+          <a:p>
+            <a:r>
+              <a:rPr lang="en-US"/>
+              <a:t>Create an R package with a single function "f"</a:t>
+            </a:r>
+          </a:p>
+          <a:p>
+            <a:r>
+              <a:rPr lang="en-US"/>
+              <a:t>Titles the package "SomePackage"</a:t>
+            </a:r>
+          </a:p>
+          <a:p>
+            <a:r>
+              <a:rPr lang="en-US"/>
+              <a:t>This package will not be "installable" until the author edits the ".Rd" files (found in the "man/" directory)</a:t>
+            </a:r>
           </a:p>
         </p:txBody>
       </p:sp>
@@ -7356,7 +7383,7 @@
 </file>
 
 <file path=ppt/slides/slide24.xml><?xml version="1.0" encoding="utf-8"?>
-<p:sld xmlns:a="http://schemas.openxmlformats.org/drawingml/2006/main" xmlns:r="http://schemas.openxmlformats.org/officeDocument/2006/relationships" xmlns:mc="http://schemas.openxmlformats.org/markup-compatibility/2006" xmlns:mv="urn:schemas-microsoft-com:mac:vml" xmlns:p="http://schemas.openxmlformats.org/presentationml/2006/main" mc:Ignorable="mv" mc:PreserveAttributes="mv:*">
+<p:sld xmlns:a="http://schemas.openxmlformats.org/drawingml/2006/main" xmlns:r="http://schemas.openxmlformats.org/officeDocument/2006/relationships" xmlns:p="http://schemas.openxmlformats.org/presentationml/2006/main">
   <p:cSld>
     <p:spTree>
       <p:nvGrpSpPr>
@@ -7384,71 +7411,160 @@
         </p:nvSpPr>
         <p:spPr/>
         <p:txBody>
+          <a:bodyPr/>
+          <a:lstStyle/>
+          <a:p>
+            <a:r>
+              <a:rPr lang="en-US"/>
+              <a:t>Using "package.skeleton"</a:t>
+            </a:r>
+          </a:p>
+        </p:txBody>
+      </p:sp>
+      <p:sp>
+        <p:nvSpPr>
+          <p:cNvPr id="3" name="Content Placeholder 2"/>
+          <p:cNvSpPr>
+            <a:spLocks noGrp="1"/>
+          </p:cNvSpPr>
+          <p:nvPr>
+            <p:ph idx="1"/>
+          </p:nvPr>
+        </p:nvSpPr>
+        <p:spPr/>
+        <p:txBody>
           <a:bodyPr>
-            <a:normAutofit/>
+            <a:noAutofit/>
           </a:bodyPr>
           <a:lstStyle/>
           <a:p>
-            <a:r>
-              <a:rPr lang="en-US"/>
-              <a:t>Using "package.skeleton"</a:t>
-            </a:r>
-          </a:p>
-        </p:txBody>
-      </p:sp>
-      <p:sp>
-        <p:nvSpPr>
-          <p:cNvPr id="3" name="Content Placeholder 2"/>
-          <p:cNvSpPr>
-            <a:spLocks noGrp="1"/>
-          </p:cNvSpPr>
-          <p:nvPr>
-            <p:ph idx="1"/>
-          </p:nvPr>
-        </p:nvSpPr>
-        <p:spPr/>
-        <p:txBody>
-          <a:bodyPr/>
-          <a:lstStyle/>
-          <a:p>
-            <a:r>
-              <a:rPr lang="en-US"/>
-              <a:t>Slightly more cumbersome than "zelig.skeleton"</a:t>
-            </a:r>
-          </a:p>
-          <a:p>
-            <a:r>
-              <a:rPr lang="en-US"/>
-              <a:t>Requires that users have:</a:t>
-            </a:r>
-          </a:p>
-          <a:p>
-            <a:pPr lvl="1"/>
-            <a:r>
-              <a:rPr lang="en-US"/>
-              <a:t>A name for their package</a:t>
-            </a:r>
-          </a:p>
-          <a:p>
-            <a:pPr lvl="1"/>
-            <a:r>
-              <a:rPr lang="en-US"/>
-              <a:t>At least 1 function defined and named</a:t>
-            </a:r>
-          </a:p>
-          <a:p>
-            <a:r>
-              <a:rPr lang="en-US"/>
-              <a:t>Packages made this way </a:t>
-            </a:r>
-            <a:r>
-              <a:rPr lang="en-US" b="1"/>
-              <a:t>cannot</a:t>
-            </a:r>
-            <a:r>
-              <a:rPr lang="en-US"/>
-              <a:t> be immediately installed.</a:t>
-            </a:r>
+            <a:pPr>
+              <a:buNone/>
+            </a:pPr>
+            <a:r>
+              <a:rPr lang="en-US" sz="1800" b="1">
+                <a:latin typeface="Courier New"/>
+                <a:cs typeface="Courier New"/>
+              </a:rPr>
+              <a:t>&gt; f &lt;- function (...) 1</a:t>
+            </a:r>
+          </a:p>
+          <a:p>
+            <a:pPr>
+              <a:buNone/>
+            </a:pPr>
+            <a:r>
+              <a:rPr lang="en-US" sz="1800" b="1">
+                <a:latin typeface="Courier New"/>
+                <a:cs typeface="Courier New"/>
+              </a:rPr>
+              <a:t>&gt; package.skeleton("SomePackage", "f")</a:t>
+            </a:r>
+          </a:p>
+          <a:p>
+            <a:pPr>
+              <a:buNone/>
+            </a:pPr>
+            <a:r>
+              <a:rPr lang="en-US" sz="1800">
+                <a:latin typeface="Courier New"/>
+                <a:cs typeface="Courier New"/>
+              </a:rPr>
+              <a:t>Creating directories ...</a:t>
+            </a:r>
+          </a:p>
+          <a:p>
+            <a:pPr>
+              <a:buNone/>
+            </a:pPr>
+            <a:r>
+              <a:rPr lang="en-US" sz="1800">
+                <a:latin typeface="Courier New"/>
+                <a:cs typeface="Courier New"/>
+              </a:rPr>
+              <a:t>Creating DESCRIPTION ...</a:t>
+            </a:r>
+          </a:p>
+          <a:p>
+            <a:pPr>
+              <a:buNone/>
+            </a:pPr>
+            <a:r>
+              <a:rPr lang="en-US" sz="1800">
+                <a:latin typeface="Courier New"/>
+                <a:cs typeface="Courier New"/>
+              </a:rPr>
+              <a:t>Creating Read-and-delete-me ...</a:t>
+            </a:r>
+          </a:p>
+          <a:p>
+            <a:pPr>
+              <a:buNone/>
+            </a:pPr>
+            <a:r>
+              <a:rPr lang="en-US" sz="1800">
+                <a:latin typeface="Courier New"/>
+                <a:cs typeface="Courier New"/>
+              </a:rPr>
+              <a:t>Saving functions and data ...</a:t>
+            </a:r>
+          </a:p>
+          <a:p>
+            <a:pPr>
+              <a:buNone/>
+            </a:pPr>
+            <a:r>
+              <a:rPr lang="en-US" sz="1800">
+                <a:latin typeface="Courier New"/>
+                <a:cs typeface="Courier New"/>
+              </a:rPr>
+              <a:t>Making help files ...</a:t>
+            </a:r>
+          </a:p>
+          <a:p>
+            <a:pPr>
+              <a:buNone/>
+            </a:pPr>
+            <a:r>
+              <a:rPr lang="en-US" sz="1800">
+                <a:latin typeface="Courier New"/>
+                <a:cs typeface="Courier New"/>
+              </a:rPr>
+              <a:t>Done.</a:t>
+            </a:r>
+          </a:p>
+          <a:p>
+            <a:pPr>
+              <a:buNone/>
+            </a:pPr>
+            <a:r>
+              <a:rPr lang="en-US" sz="1800">
+                <a:latin typeface="Courier New"/>
+                <a:cs typeface="Courier New"/>
+              </a:rPr>
+              <a:t>Further steps are described in './SomePackage/Read-and-delete-me'.</a:t>
+            </a:r>
+          </a:p>
+          <a:p>
+            <a:pPr>
+              <a:buNone/>
+            </a:pPr>
+            <a:r>
+              <a:rPr lang="en-US" sz="1800" b="1">
+                <a:latin typeface="Courier New"/>
+                <a:cs typeface="Courier New"/>
+              </a:rPr>
+              <a:t>&gt; </a:t>
+            </a:r>
+          </a:p>
+          <a:p>
+            <a:pPr>
+              <a:buNone/>
+            </a:pPr>
+            <a:endParaRPr lang="en-US" sz="1800" b="1">
+              <a:latin typeface="Courier New"/>
+              <a:cs typeface="Courier New"/>
+            </a:endParaRPr>
           </a:p>
         </p:txBody>
       </p:sp>
@@ -7468,7 +7584,7 @@
 </file>
 
 <file path=ppt/slides/slide25.xml><?xml version="1.0" encoding="utf-8"?>
-<p:sld xmlns:a="http://schemas.openxmlformats.org/drawingml/2006/main" xmlns:r="http://schemas.openxmlformats.org/officeDocument/2006/relationships" xmlns:mc="http://schemas.openxmlformats.org/markup-compatibility/2006" xmlns:mv="urn:schemas-microsoft-com:mac:vml" xmlns:p="http://schemas.openxmlformats.org/presentationml/2006/main" mc:Ignorable="mv" mc:PreserveAttributes="mv:*">
+<p:sld xmlns:a="http://schemas.openxmlformats.org/drawingml/2006/main" xmlns:r="http://schemas.openxmlformats.org/officeDocument/2006/relationships" xmlns:p="http://schemas.openxmlformats.org/presentationml/2006/main">
   <p:cSld>
     <p:spTree>
       <p:nvGrpSpPr>
@@ -7496,40 +7612,70 @@
         </p:nvSpPr>
         <p:spPr/>
         <p:txBody>
+          <a:bodyPr>
+            <a:normAutofit/>
+          </a:bodyPr>
+          <a:lstStyle/>
+          <a:p>
+            <a:r>
+              <a:rPr lang="en-US"/>
+              <a:t>Using "package.skeleton"</a:t>
+            </a:r>
+          </a:p>
+        </p:txBody>
+      </p:sp>
+      <p:sp>
+        <p:nvSpPr>
+          <p:cNvPr id="3" name="Content Placeholder 2"/>
+          <p:cNvSpPr>
+            <a:spLocks noGrp="1"/>
+          </p:cNvSpPr>
+          <p:nvPr>
+            <p:ph idx="1"/>
+          </p:nvPr>
+        </p:nvSpPr>
+        <p:spPr/>
+        <p:txBody>
           <a:bodyPr/>
           <a:lstStyle/>
           <a:p>
             <a:r>
               <a:rPr lang="en-US"/>
-              <a:t>Using "zelig.skeleton"</a:t>
-            </a:r>
-          </a:p>
-        </p:txBody>
-      </p:sp>
-      <p:sp>
-        <p:nvSpPr>
-          <p:cNvPr id="3" name="Content Placeholder 2"/>
-          <p:cNvSpPr>
-            <a:spLocks noGrp="1"/>
-          </p:cNvSpPr>
-          <p:nvPr>
-            <p:ph idx="1"/>
-          </p:nvPr>
-        </p:nvSpPr>
-        <p:spPr/>
-        <p:txBody>
-          <a:bodyPr/>
-          <a:lstStyle/>
-          <a:p>
-            <a:r>
-              <a:rPr lang="en-US"/>
-              <a:t>We will not be using "package.skeleton" to build our packages</a:t>
-            </a:r>
-          </a:p>
-          <a:p>
-            <a:r>
-              <a:rPr lang="en-US"/>
-              <a:t>"zelig.skeleton" provides functionality specifically catered towards developing statistical models and Zelig-dependent packages</a:t>
+              <a:t>Slightly more cumbersome than "zelig.skeleton"</a:t>
+            </a:r>
+          </a:p>
+          <a:p>
+            <a:r>
+              <a:rPr lang="en-US"/>
+              <a:t>Requires that users have:</a:t>
+            </a:r>
+          </a:p>
+          <a:p>
+            <a:pPr lvl="1"/>
+            <a:r>
+              <a:rPr lang="en-US"/>
+              <a:t>A name for their package</a:t>
+            </a:r>
+          </a:p>
+          <a:p>
+            <a:pPr lvl="1"/>
+            <a:r>
+              <a:rPr lang="en-US"/>
+              <a:t>At least 1 function defined and named</a:t>
+            </a:r>
+          </a:p>
+          <a:p>
+            <a:r>
+              <a:rPr lang="en-US"/>
+              <a:t>Packages made this way </a:t>
+            </a:r>
+            <a:r>
+              <a:rPr lang="en-US" b="1"/>
+              <a:t>cannot</a:t>
+            </a:r>
+            <a:r>
+              <a:rPr lang="en-US"/>
+              <a:t> be immediately installed.</a:t>
             </a:r>
           </a:p>
         </p:txBody>
@@ -7550,7 +7696,7 @@
 </file>
 
 <file path=ppt/slides/slide26.xml><?xml version="1.0" encoding="utf-8"?>
-<p:sld xmlns:a="http://schemas.openxmlformats.org/drawingml/2006/main" xmlns:r="http://schemas.openxmlformats.org/officeDocument/2006/relationships" xmlns:mc="http://schemas.openxmlformats.org/markup-compatibility/2006" xmlns:mv="urn:schemas-microsoft-com:mac:vml" xmlns:p="http://schemas.openxmlformats.org/presentationml/2006/main" mc:Ignorable="mv" mc:PreserveAttributes="mv:*">
+<p:sld xmlns:a="http://schemas.openxmlformats.org/drawingml/2006/main" xmlns:r="http://schemas.openxmlformats.org/officeDocument/2006/relationships" xmlns:p="http://schemas.openxmlformats.org/presentationml/2006/main">
   <p:cSld>
     <p:spTree>
       <p:nvGrpSpPr>
@@ -7568,6 +7714,88 @@
       </p:grpSpPr>
       <p:sp>
         <p:nvSpPr>
+          <p:cNvPr id="2" name="Title 1"/>
+          <p:cNvSpPr>
+            <a:spLocks noGrp="1"/>
+          </p:cNvSpPr>
+          <p:nvPr>
+            <p:ph type="title"/>
+          </p:nvPr>
+        </p:nvSpPr>
+        <p:spPr/>
+        <p:txBody>
+          <a:bodyPr/>
+          <a:lstStyle/>
+          <a:p>
+            <a:r>
+              <a:rPr lang="en-US"/>
+              <a:t>Using "zelig.skeleton"</a:t>
+            </a:r>
+          </a:p>
+        </p:txBody>
+      </p:sp>
+      <p:sp>
+        <p:nvSpPr>
+          <p:cNvPr id="3" name="Content Placeholder 2"/>
+          <p:cNvSpPr>
+            <a:spLocks noGrp="1"/>
+          </p:cNvSpPr>
+          <p:nvPr>
+            <p:ph idx="1"/>
+          </p:nvPr>
+        </p:nvSpPr>
+        <p:spPr/>
+        <p:txBody>
+          <a:bodyPr/>
+          <a:lstStyle/>
+          <a:p>
+            <a:r>
+              <a:rPr lang="en-US"/>
+              <a:t>We will not be using "package.skeleton" to build our packages</a:t>
+            </a:r>
+          </a:p>
+          <a:p>
+            <a:r>
+              <a:rPr lang="en-US"/>
+              <a:t>"zelig.skeleton" provides functionality specifically catered towards developing statistical models and Zelig-dependent packages</a:t>
+            </a:r>
+          </a:p>
+        </p:txBody>
+      </p:sp>
+    </p:spTree>
+  </p:cSld>
+  <p:clrMapOvr>
+    <a:masterClrMapping/>
+  </p:clrMapOvr>
+  <p:timing>
+    <p:tnLst>
+      <p:par>
+        <p:cTn id="1" dur="indefinite" restart="never" nodeType="tmRoot"/>
+      </p:par>
+    </p:tnLst>
+  </p:timing>
+</p:sld>
+</file>
+
+<file path=ppt/slides/slide27.xml><?xml version="1.0" encoding="utf-8"?>
+<p:sld xmlns:a="http://schemas.openxmlformats.org/drawingml/2006/main" xmlns:r="http://schemas.openxmlformats.org/officeDocument/2006/relationships" xmlns:p="http://schemas.openxmlformats.org/presentationml/2006/main">
+  <p:cSld>
+    <p:spTree>
+      <p:nvGrpSpPr>
+        <p:cNvPr id="1" name=""/>
+        <p:cNvGrpSpPr/>
+        <p:nvPr/>
+      </p:nvGrpSpPr>
+      <p:grpSpPr>
+        <a:xfrm>
+          <a:off x="0" y="0"/>
+          <a:ext cx="0" cy="0"/>
+          <a:chOff x="0" y="0"/>
+          <a:chExt cx="0" cy="0"/>
+        </a:xfrm>
+      </p:grpSpPr>
+      <p:sp>
+        <p:nvSpPr>
           <p:cNvPr id="9" name="Title 8"/>
           <p:cNvSpPr>
             <a:spLocks noGrp="1"/>
@@ -7658,7 +7886,7 @@
     </p:spTree>
     <p:extLst>
       <p:ext uri="{BB962C8B-B14F-4D97-AF65-F5344CB8AC3E}">
-        <p14:creationId xmlns:mc="http://schemas.openxmlformats.org/markup-compatibility/2006" xmlns:mv="urn:schemas-microsoft-com:mac:vml" xmlns:p14="http://schemas.microsoft.com/office/powerpoint/2010/main" xmlns:p="http://schemas.openxmlformats.org/presentationml/2006/main" xmlns:r="http://schemas.openxmlformats.org/officeDocument/2006/relationships" xmlns:a="http://schemas.openxmlformats.org/drawingml/2006/main" xmlns="" val="2675064339"/>
+        <p14:creationId xmlns:p14="http://schemas.microsoft.com/office/powerpoint/2010/main" val="2675064339"/>
       </p:ext>
     </p:extLst>
   </p:cSld>
@@ -7675,8 +7903,8 @@
 </p:sld>
 </file>
 
-<file path=ppt/slides/slide27.xml><?xml version="1.0" encoding="utf-8"?>
-<p:sld xmlns:a="http://schemas.openxmlformats.org/drawingml/2006/main" xmlns:r="http://schemas.openxmlformats.org/officeDocument/2006/relationships" xmlns:mc="http://schemas.openxmlformats.org/markup-compatibility/2006" xmlns:mv="urn:schemas-microsoft-com:mac:vml" xmlns:p="http://schemas.openxmlformats.org/presentationml/2006/main" mc:Ignorable="mv" mc:PreserveAttributes="mv:*">
+<file path=ppt/slides/slide28.xml><?xml version="1.0" encoding="utf-8"?>
+<p:sld xmlns:a="http://schemas.openxmlformats.org/drawingml/2006/main" xmlns:r="http://schemas.openxmlformats.org/officeDocument/2006/relationships" xmlns:p="http://schemas.openxmlformats.org/presentationml/2006/main">
   <p:cSld>
     <p:spTree>
       <p:nvGrpSpPr>
@@ -8149,7 +8377,7 @@
     </p:spTree>
     <p:extLst>
       <p:ext uri="{BB962C8B-B14F-4D97-AF65-F5344CB8AC3E}">
-        <p14:creationId xmlns:mc="http://schemas.openxmlformats.org/markup-compatibility/2006" xmlns:mv="urn:schemas-microsoft-com:mac:vml" xmlns:p14="http://schemas.microsoft.com/office/powerpoint/2010/main" xmlns:p="http://schemas.openxmlformats.org/presentationml/2006/main" xmlns:r="http://schemas.openxmlformats.org/officeDocument/2006/relationships" xmlns:a="http://schemas.openxmlformats.org/drawingml/2006/main" xmlns="" val="869150859"/>
+        <p14:creationId xmlns:p14="http://schemas.microsoft.com/office/powerpoint/2010/main" val="869150859"/>
       </p:ext>
     </p:extLst>
   </p:cSld>
@@ -8234,8 +8462,8 @@
 </p:sld>
 </file>
 
-<file path=ppt/slides/slide28.xml><?xml version="1.0" encoding="utf-8"?>
-<p:sld xmlns:a="http://schemas.openxmlformats.org/drawingml/2006/main" xmlns:r="http://schemas.openxmlformats.org/officeDocument/2006/relationships" xmlns:mc="http://schemas.openxmlformats.org/markup-compatibility/2006" xmlns:mv="urn:schemas-microsoft-com:mac:vml" xmlns:p="http://schemas.openxmlformats.org/presentationml/2006/main" mc:Ignorable="mv" mc:PreserveAttributes="mv:*">
+<file path=ppt/slides/slide29.xml><?xml version="1.0" encoding="utf-8"?>
+<p:sld xmlns:a="http://schemas.openxmlformats.org/drawingml/2006/main" xmlns:r="http://schemas.openxmlformats.org/officeDocument/2006/relationships" xmlns:p="http://schemas.openxmlformats.org/presentationml/2006/main">
   <p:cSld>
     <p:spTree>
       <p:nvGrpSpPr>
@@ -8296,7 +8524,7 @@
     </p:spTree>
     <p:extLst>
       <p:ext uri="{BB962C8B-B14F-4D97-AF65-F5344CB8AC3E}">
-        <p14:creationId xmlns:mc="http://schemas.openxmlformats.org/markup-compatibility/2006" xmlns:mv="urn:schemas-microsoft-com:mac:vml" xmlns:p14="http://schemas.microsoft.com/office/powerpoint/2010/main" xmlns:p="http://schemas.openxmlformats.org/presentationml/2006/main" xmlns:r="http://schemas.openxmlformats.org/officeDocument/2006/relationships" xmlns:a="http://schemas.openxmlformats.org/drawingml/2006/main" xmlns="" val="942656541"/>
+        <p14:creationId xmlns:p14="http://schemas.microsoft.com/office/powerpoint/2010/main" val="942656541"/>
       </p:ext>
     </p:extLst>
   </p:cSld>
@@ -8313,8 +8541,8 @@
 </p:sld>
 </file>
 
-<file path=ppt/slides/slide29.xml><?xml version="1.0" encoding="utf-8"?>
-<p:sld xmlns:a="http://schemas.openxmlformats.org/drawingml/2006/main" xmlns:r="http://schemas.openxmlformats.org/officeDocument/2006/relationships" xmlns:mc="http://schemas.openxmlformats.org/markup-compatibility/2006" xmlns:mv="urn:schemas-microsoft-com:mac:vml" xmlns:p="http://schemas.openxmlformats.org/presentationml/2006/main" mc:Ignorable="mv" mc:PreserveAttributes="mv:*">
+<file path=ppt/slides/slide3.xml><?xml version="1.0" encoding="utf-8"?>
+<p:sld xmlns:a="http://schemas.openxmlformats.org/drawingml/2006/main" xmlns:r="http://schemas.openxmlformats.org/officeDocument/2006/relationships" xmlns:p="http://schemas.openxmlformats.org/presentationml/2006/main">
   <p:cSld>
     <p:spTree>
       <p:nvGrpSpPr>
@@ -8347,7 +8575,7 @@
           <a:p>
             <a:r>
               <a:rPr lang="en-US"/>
-              <a:t>Outline for Model Fitting Functions</a:t>
+              <a:t>Outline</a:t>
             </a:r>
           </a:p>
         </p:txBody>
@@ -8364,25 +8592,135 @@
         </p:nvSpPr>
         <p:spPr/>
         <p:txBody>
-          <a:bodyPr/>
-          <a:lstStyle/>
-          <a:p>
-            <a:r>
-              <a:rPr lang="en-US"/>
-              <a:t>What is linear regression?</a:t>
-            </a:r>
-          </a:p>
-          <a:p>
-            <a:r>
-              <a:rPr lang="en-US"/>
-              <a:t>Generalized Linear Models (GLM)</a:t>
-            </a:r>
-          </a:p>
-          <a:p>
-            <a:r>
-              <a:rPr lang="en-US"/>
-              <a:t>Example</a:t>
-            </a:r>
+          <a:bodyPr>
+            <a:normAutofit fontScale="92500" lnSpcReduction="10000"/>
+          </a:bodyPr>
+          <a:lstStyle/>
+          <a:p>
+            <a:pPr marL="514350" indent="-514350">
+              <a:buFont typeface="+mj-lt"/>
+              <a:buAutoNum type="arabicPeriod"/>
+            </a:pPr>
+            <a:r>
+              <a:rPr lang="en-US" dirty="0"/>
+              <a:t>What is a statistical </a:t>
+            </a:r>
+            <a:r>
+              <a:rPr lang="en-US" dirty="0" smtClean="0"/>
+              <a:t>package?</a:t>
+            </a:r>
+          </a:p>
+          <a:p>
+            <a:pPr marL="514350" indent="-514350">
+              <a:buFont typeface="+mj-lt"/>
+              <a:buAutoNum type="arabicPeriod"/>
+            </a:pPr>
+            <a:r>
+              <a:rPr lang="en-US" dirty="0" smtClean="0"/>
+              <a:t>What is a Zelig model?</a:t>
+            </a:r>
+          </a:p>
+          <a:p>
+            <a:pPr marL="514350" indent="-514350">
+              <a:buFont typeface="+mj-lt"/>
+              <a:buAutoNum type="arabicPeriod"/>
+            </a:pPr>
+            <a:r>
+              <a:rPr lang="en-US" dirty="0" smtClean="0"/>
+              <a:t>Creating a statistical package</a:t>
+            </a:r>
+            <a:endParaRPr lang="en-US" dirty="0"/>
+          </a:p>
+          <a:p>
+            <a:pPr marL="514350" indent="-514350">
+              <a:buFont typeface="+mj-lt"/>
+              <a:buAutoNum type="arabicPeriod"/>
+            </a:pPr>
+            <a:r>
+              <a:rPr lang="en-US" dirty="0" smtClean="0"/>
+              <a:t>Model </a:t>
+            </a:r>
+            <a:r>
+              <a:rPr lang="en-US" dirty="0"/>
+              <a:t>fitting functions</a:t>
+            </a:r>
+          </a:p>
+          <a:p>
+            <a:pPr marL="514350" indent="-514350">
+              <a:buFont typeface="+mj-lt"/>
+              <a:buAutoNum type="arabicPeriod"/>
+            </a:pPr>
+            <a:r>
+              <a:rPr lang="en-US" dirty="0"/>
+              <a:t>The </a:t>
+            </a:r>
+            <a:r>
+              <a:rPr lang="en-US" b="1" dirty="0">
+                <a:latin typeface="Courier New"/>
+                <a:cs typeface="Courier New"/>
+              </a:rPr>
+              <a:t>zelig2</a:t>
+            </a:r>
+            <a:r>
+              <a:rPr lang="en-US" dirty="0"/>
+              <a:t> </a:t>
+            </a:r>
+            <a:r>
+              <a:rPr lang="en-US" dirty="0" smtClean="0"/>
+              <a:t>method</a:t>
+            </a:r>
+          </a:p>
+          <a:p>
+            <a:pPr marL="514350" indent="-514350">
+              <a:buFont typeface="+mj-lt"/>
+              <a:buAutoNum type="arabicPeriod"/>
+            </a:pPr>
+            <a:r>
+              <a:rPr lang="en-US" dirty="0"/>
+              <a:t>Workflow for creating a statistical </a:t>
+            </a:r>
+            <a:r>
+              <a:rPr lang="en-US" dirty="0" smtClean="0"/>
+              <a:t>package</a:t>
+            </a:r>
+            <a:endParaRPr lang="en-US" dirty="0"/>
+          </a:p>
+          <a:p>
+            <a:pPr marL="514350" indent="-514350">
+              <a:buFont typeface="+mj-lt"/>
+              <a:buAutoNum type="arabicPeriod"/>
+            </a:pPr>
+            <a:r>
+              <a:rPr lang="en-US" dirty="0"/>
+              <a:t>Looking </a:t>
+            </a:r>
+            <a:r>
+              <a:rPr lang="en-US" dirty="0" smtClean="0"/>
+              <a:t>ahead</a:t>
+            </a:r>
+            <a:endParaRPr lang="en-US" dirty="0"/>
+          </a:p>
+          <a:p>
+            <a:pPr lvl="1"/>
+            <a:r>
+              <a:rPr lang="en-US" dirty="0"/>
+              <a:t>Design (a.k.a. model) matrices</a:t>
+            </a:r>
+          </a:p>
+          <a:p>
+            <a:pPr lvl="1"/>
+            <a:r>
+              <a:rPr lang="en-US" dirty="0"/>
+              <a:t>Counterfactuals and interaction terms</a:t>
+            </a:r>
+          </a:p>
+          <a:p>
+            <a:pPr lvl="1"/>
+            <a:endParaRPr lang="en-US" dirty="0"/>
+          </a:p>
+          <a:p>
+            <a:pPr lvl="1"/>
+            <a:endParaRPr lang="en-US" dirty="0"/>
           </a:p>
         </p:txBody>
       </p:sp>
@@ -8401,8 +8739,8 @@
 </p:sld>
 </file>
 
-<file path=ppt/slides/slide3.xml><?xml version="1.0" encoding="utf-8"?>
-<p:sld xmlns:a="http://schemas.openxmlformats.org/drawingml/2006/main" xmlns:r="http://schemas.openxmlformats.org/officeDocument/2006/relationships" xmlns:mc="http://schemas.openxmlformats.org/markup-compatibility/2006" xmlns:mv="urn:schemas-microsoft-com:mac:vml" xmlns:p="http://schemas.openxmlformats.org/presentationml/2006/main" mc:Ignorable="mv" mc:PreserveAttributes="mv:*">
+<file path=ppt/slides/slide30.xml><?xml version="1.0" encoding="utf-8"?>
+<p:sld xmlns:a="http://schemas.openxmlformats.org/drawingml/2006/main" xmlns:r="http://schemas.openxmlformats.org/officeDocument/2006/relationships" xmlns:p="http://schemas.openxmlformats.org/presentationml/2006/main">
   <p:cSld>
     <p:spTree>
       <p:nvGrpSpPr>
@@ -8420,12 +8758,12 @@
       </p:grpSpPr>
       <p:sp>
         <p:nvSpPr>
-          <p:cNvPr id="4" name="Title 3"/>
-          <p:cNvSpPr>
-            <a:spLocks noGrp="1"/>
-          </p:cNvSpPr>
-          <p:nvPr>
-            <p:ph type="ctrTitle"/>
+          <p:cNvPr id="2" name="Title 1"/>
+          <p:cNvSpPr>
+            <a:spLocks noGrp="1"/>
+          </p:cNvSpPr>
+          <p:nvPr>
+            <p:ph type="title"/>
           </p:nvPr>
         </p:nvSpPr>
         <p:spPr/>
@@ -8434,21 +8772,20 @@
           <a:lstStyle/>
           <a:p>
             <a:r>
-              <a:rPr lang="en-US" dirty="0" smtClean="0"/>
-              <a:t>What is a statistical package?</a:t>
-            </a:r>
-            <a:endParaRPr lang="en-US" dirty="0"/>
-          </a:p>
-        </p:txBody>
-      </p:sp>
-      <p:sp>
-        <p:nvSpPr>
-          <p:cNvPr id="5" name="Subtitle 4"/>
-          <p:cNvSpPr>
-            <a:spLocks noGrp="1"/>
-          </p:cNvSpPr>
-          <p:nvPr>
-            <p:ph type="subTitle" idx="1"/>
+              <a:rPr lang="en-US"/>
+              <a:t>Outline for Model Fitting Functions</a:t>
+            </a:r>
+          </a:p>
+        </p:txBody>
+      </p:sp>
+      <p:sp>
+        <p:nvSpPr>
+          <p:cNvPr id="3" name="Content Placeholder 2"/>
+          <p:cNvSpPr>
+            <a:spLocks noGrp="1"/>
+          </p:cNvSpPr>
+          <p:nvPr>
+            <p:ph idx="1"/>
           </p:nvPr>
         </p:nvSpPr>
         <p:spPr/>
@@ -8456,16 +8793,26 @@
           <a:bodyPr/>
           <a:lstStyle/>
           <a:p>
-            <a:endParaRPr lang="en-US" dirty="0"/>
+            <a:r>
+              <a:rPr lang="en-US"/>
+              <a:t>What is linear regression?</a:t>
+            </a:r>
+          </a:p>
+          <a:p>
+            <a:r>
+              <a:rPr lang="en-US"/>
+              <a:t>Generalized Linear Models (GLM)</a:t>
+            </a:r>
+          </a:p>
+          <a:p>
+            <a:r>
+              <a:rPr lang="en-US"/>
+              <a:t>Example</a:t>
+            </a:r>
           </a:p>
         </p:txBody>
       </p:sp>
     </p:spTree>
-    <p:extLst>
-      <p:ext uri="{BB962C8B-B14F-4D97-AF65-F5344CB8AC3E}">
-        <p14:creationId xmlns:mc="http://schemas.openxmlformats.org/markup-compatibility/2006" xmlns:mv="urn:schemas-microsoft-com:mac:vml" xmlns:p14="http://schemas.microsoft.com/office/powerpoint/2010/main" xmlns:p="http://schemas.openxmlformats.org/presentationml/2006/main" xmlns:r="http://schemas.openxmlformats.org/officeDocument/2006/relationships" xmlns:a="http://schemas.openxmlformats.org/drawingml/2006/main" xmlns="" val="2238547365"/>
-      </p:ext>
-    </p:extLst>
   </p:cSld>
   <p:clrMapOvr>
     <a:masterClrMapping/>
@@ -8480,8 +8827,8 @@
 </p:sld>
 </file>
 
-<file path=ppt/slides/slide30.xml><?xml version="1.0" encoding="utf-8"?>
-<p:sld xmlns:a="http://schemas.openxmlformats.org/drawingml/2006/main" xmlns:r="http://schemas.openxmlformats.org/officeDocument/2006/relationships" xmlns:mc="http://schemas.openxmlformats.org/markup-compatibility/2006" xmlns:mv="urn:schemas-microsoft-com:mac:vml" xmlns:p="http://schemas.openxmlformats.org/presentationml/2006/main" mc:Ignorable="mv" mc:PreserveAttributes="mv:*">
+<file path=ppt/slides/slide31.xml><?xml version="1.0" encoding="utf-8"?>
+<p:sld xmlns:a="http://schemas.openxmlformats.org/drawingml/2006/main" xmlns:r="http://schemas.openxmlformats.org/officeDocument/2006/relationships" xmlns:p="http://schemas.openxmlformats.org/presentationml/2006/main">
   <p:cSld>
     <p:spTree>
       <p:nvGrpSpPr>
@@ -8600,151 +8947,7 @@
     </p:spTree>
     <p:extLst>
       <p:ext uri="{BB962C8B-B14F-4D97-AF65-F5344CB8AC3E}">
-        <p14:creationId xmlns:mc="http://schemas.openxmlformats.org/markup-compatibility/2006" xmlns:mv="urn:schemas-microsoft-com:mac:vml" xmlns:p14="http://schemas.microsoft.com/office/powerpoint/2010/main" xmlns:p="http://schemas.openxmlformats.org/presentationml/2006/main" xmlns:r="http://schemas.openxmlformats.org/officeDocument/2006/relationships" xmlns:a="http://schemas.openxmlformats.org/drawingml/2006/main" xmlns="" val="1702243699"/>
-      </p:ext>
-    </p:extLst>
-  </p:cSld>
-  <p:clrMapOvr>
-    <a:masterClrMapping/>
-  </p:clrMapOvr>
-  <p:timing>
-    <p:tnLst>
-      <p:par>
-        <p:cTn id="1" dur="indefinite" restart="never" nodeType="tmRoot"/>
-      </p:par>
-    </p:tnLst>
-  </p:timing>
-</p:sld>
-</file>
-
-<file path=ppt/slides/slide31.xml><?xml version="1.0" encoding="utf-8"?>
-<p:sld xmlns:a="http://schemas.openxmlformats.org/drawingml/2006/main" xmlns:r="http://schemas.openxmlformats.org/officeDocument/2006/relationships" xmlns:mc="http://schemas.openxmlformats.org/markup-compatibility/2006" xmlns:mv="urn:schemas-microsoft-com:mac:vml" xmlns:p="http://schemas.openxmlformats.org/presentationml/2006/main" mc:Ignorable="mv" mc:PreserveAttributes="mv:*">
-  <p:cSld>
-    <p:spTree>
-      <p:nvGrpSpPr>
-        <p:cNvPr id="1" name=""/>
-        <p:cNvGrpSpPr/>
-        <p:nvPr/>
-      </p:nvGrpSpPr>
-      <p:grpSpPr>
-        <a:xfrm>
-          <a:off x="0" y="0"/>
-          <a:ext cx="0" cy="0"/>
-          <a:chOff x="0" y="0"/>
-          <a:chExt cx="0" cy="0"/>
-        </a:xfrm>
-      </p:grpSpPr>
-      <p:sp>
-        <p:nvSpPr>
-          <p:cNvPr id="2" name="Title 1"/>
-          <p:cNvSpPr>
-            <a:spLocks noGrp="1"/>
-          </p:cNvSpPr>
-          <p:nvPr>
-            <p:ph type="title"/>
-          </p:nvPr>
-        </p:nvSpPr>
-        <p:spPr/>
-        <p:txBody>
-          <a:bodyPr/>
-          <a:lstStyle/>
-          <a:p>
-            <a:r>
-              <a:rPr lang="en-US"/>
-              <a:t>What is linear regression?</a:t>
-            </a:r>
-          </a:p>
-        </p:txBody>
-      </p:sp>
-      <p:sp>
-        <p:nvSpPr>
-          <p:cNvPr id="3" name="Content Placeholder 2"/>
-          <p:cNvSpPr>
-            <a:spLocks noGrp="1"/>
-          </p:cNvSpPr>
-          <p:nvPr>
-            <p:ph idx="1"/>
-          </p:nvPr>
-        </p:nvSpPr>
-        <p:spPr/>
-        <p:txBody>
-          <a:bodyPr/>
-          <a:lstStyle/>
-          <a:p>
-            <a:pPr>
-              <a:buNone/>
-            </a:pPr>
-            <a:r>
-              <a:rPr lang="en-US"/>
-              <a:t>There are three necessary components to any generalized linear model:</a:t>
-            </a:r>
-          </a:p>
-          <a:p>
-            <a:r>
-              <a:rPr lang="en-US"/>
-              <a:t>A formula specifying </a:t>
-            </a:r>
-            <a:r>
-              <a:rPr lang="en-US" b="1"/>
-              <a:t>predictor</a:t>
-            </a:r>
-            <a:r>
-              <a:rPr lang="en-US"/>
-              <a:t> and </a:t>
-            </a:r>
-            <a:r>
-              <a:rPr lang="en-US" b="1"/>
-              <a:t>response</a:t>
-            </a:r>
-            <a:r>
-              <a:rPr lang="en-US"/>
-              <a:t> variables: </a:t>
-            </a:r>
-            <a:r>
-              <a:rPr lang="en-US" i="1">
-                <a:latin typeface="Courier New"/>
-                <a:cs typeface="Courier New"/>
-              </a:rPr>
-              <a:t>y ~ x1 + x2 + x3</a:t>
-            </a:r>
-            <a:endParaRPr lang="en-US" b="1" i="1">
-              <a:latin typeface="Courier New"/>
-              <a:cs typeface="Courier New"/>
-            </a:endParaRPr>
-          </a:p>
-          <a:p>
-            <a:r>
-              <a:rPr lang="en-US"/>
-              <a:t>A model – </a:t>
-            </a:r>
-            <a:r>
-              <a:rPr lang="en-US" i="1"/>
-              <a:t>logit, probit, gamma, normal</a:t>
-            </a:r>
-          </a:p>
-          <a:p>
-            <a:r>
-              <a:rPr lang="en-US"/>
-              <a:t>Data – </a:t>
-            </a:r>
-            <a:r>
-              <a:rPr lang="en-US" i="1"/>
-              <a:t>a data-set stored as a </a:t>
-            </a:r>
-            <a:r>
-              <a:rPr lang="en-US" b="1" i="1"/>
-              <a:t>data.frame</a:t>
-            </a:r>
-          </a:p>
-          <a:p>
-            <a:endParaRPr lang="en-US"/>
-          </a:p>
-        </p:txBody>
-      </p:sp>
-    </p:spTree>
-    <p:extLst>
-      <p:ext uri="{BB962C8B-B14F-4D97-AF65-F5344CB8AC3E}">
-        <p14:creationId xmlns:mc="http://schemas.openxmlformats.org/markup-compatibility/2006" xmlns:mv="urn:schemas-microsoft-com:mac:vml" xmlns:p14="http://schemas.microsoft.com/office/powerpoint/2010/main" xmlns:p="http://schemas.openxmlformats.org/presentationml/2006/main" xmlns:r="http://schemas.openxmlformats.org/officeDocument/2006/relationships" xmlns:a="http://schemas.openxmlformats.org/drawingml/2006/main" xmlns="" val="3143245456"/>
+        <p14:creationId xmlns:p14="http://schemas.microsoft.com/office/powerpoint/2010/main" val="1702243699"/>
       </p:ext>
     </p:extLst>
   </p:cSld>
@@ -8762,7 +8965,7 @@
 </file>
 
 <file path=ppt/slides/slide32.xml><?xml version="1.0" encoding="utf-8"?>
-<p:sld xmlns:a="http://schemas.openxmlformats.org/drawingml/2006/main" xmlns:r="http://schemas.openxmlformats.org/officeDocument/2006/relationships" xmlns:mc="http://schemas.openxmlformats.org/markup-compatibility/2006" xmlns:mv="urn:schemas-microsoft-com:mac:vml" xmlns:p="http://schemas.openxmlformats.org/presentationml/2006/main" mc:Ignorable="mv" mc:PreserveAttributes="mv:*">
+<p:sld xmlns:a="http://schemas.openxmlformats.org/drawingml/2006/main" xmlns:r="http://schemas.openxmlformats.org/officeDocument/2006/relationships" xmlns:p="http://schemas.openxmlformats.org/presentationml/2006/main">
   <p:cSld>
     <p:spTree>
       <p:nvGrpSpPr>
@@ -8795,7 +8998,7 @@
           <a:p>
             <a:r>
               <a:rPr lang="en-US"/>
-              <a:t>Basics</a:t>
+              <a:t>What is linear regression?</a:t>
             </a:r>
           </a:p>
         </p:txBody>
@@ -8815,74 +9018,80 @@
           <a:bodyPr/>
           <a:lstStyle/>
           <a:p>
-            <a:r>
-              <a:rPr lang="en-US"/>
-              <a:t>The "lm" model finds the function that best </a:t>
+            <a:pPr>
+              <a:buNone/>
+            </a:pPr>
+            <a:r>
+              <a:rPr lang="en-US"/>
+              <a:t>There are three necessary components to any generalized linear model:</a:t>
+            </a:r>
+          </a:p>
+          <a:p>
+            <a:r>
+              <a:rPr lang="en-US"/>
+              <a:t>A formula specifying </a:t>
             </a:r>
             <a:r>
               <a:rPr lang="en-US" b="1"/>
-              <a:t>approximates </a:t>
-            </a:r>
-            <a:r>
-              <a:rPr lang="en-US"/>
-              <a:t>the observed data </a:t>
-            </a:r>
-            <a:r>
-              <a:rPr lang="en-US" b="1" u="sng"/>
-              <a:t>with a line</a:t>
-            </a:r>
+              <a:t>predictor</a:t>
+            </a:r>
+            <a:r>
+              <a:rPr lang="en-US"/>
+              <a:t> and </a:t>
+            </a:r>
+            <a:r>
+              <a:rPr lang="en-US" b="1"/>
+              <a:t>response</a:t>
+            </a:r>
+            <a:r>
+              <a:rPr lang="en-US"/>
+              <a:t> variables: </a:t>
+            </a:r>
+            <a:r>
+              <a:rPr lang="en-US" i="1">
+                <a:latin typeface="Courier New"/>
+                <a:cs typeface="Courier New"/>
+              </a:rPr>
+              <a:t>y ~ x1 + x2 + x3</a:t>
+            </a:r>
+            <a:endParaRPr lang="en-US" b="1" i="1">
+              <a:latin typeface="Courier New"/>
+              <a:cs typeface="Courier New"/>
+            </a:endParaRPr>
+          </a:p>
+          <a:p>
+            <a:r>
+              <a:rPr lang="en-US"/>
+              <a:t>A model – </a:t>
+            </a:r>
+            <a:r>
+              <a:rPr lang="en-US" i="1"/>
+              <a:t>logit, probit, gamma, normal</a:t>
+            </a:r>
+          </a:p>
+          <a:p>
+            <a:r>
+              <a:rPr lang="en-US"/>
+              <a:t>Data – </a:t>
+            </a:r>
+            <a:r>
+              <a:rPr lang="en-US" i="1"/>
+              <a:t>a data-set stored as a </a:t>
+            </a:r>
+            <a:r>
+              <a:rPr lang="en-US" b="1" i="1"/>
+              <a:t>data.frame</a:t>
+            </a:r>
+          </a:p>
+          <a:p>
             <a:endParaRPr lang="en-US"/>
-          </a:p>
-          <a:p>
-            <a:r>
-              <a:rPr lang="en-US"/>
-              <a:t>Other regression models approximate observe data with a </a:t>
-            </a:r>
-            <a:r>
-              <a:rPr lang="en-US" b="1"/>
-              <a:t>nonlinear function</a:t>
-            </a:r>
-            <a:r>
-              <a:rPr lang="en-US"/>
-              <a:t> that takes a line as its parameter</a:t>
-            </a:r>
-          </a:p>
-          <a:p>
-            <a:pPr lvl="1"/>
-            <a:r>
-              <a:rPr lang="en-US"/>
-              <a:t>f(y) = X B</a:t>
-            </a:r>
-          </a:p>
-          <a:p>
-            <a:pPr lvl="1"/>
-            <a:r>
-              <a:rPr lang="en-US"/>
-              <a:t>Where </a:t>
-            </a:r>
-            <a:r>
-              <a:rPr lang="en-US" b="1"/>
-              <a:t>X</a:t>
-            </a:r>
-            <a:r>
-              <a:rPr lang="en-US"/>
-              <a:t> is a matrix and </a:t>
-            </a:r>
-            <a:r>
-              <a:rPr lang="en-US" b="1"/>
-              <a:t>B</a:t>
-            </a:r>
-            <a:r>
-              <a:rPr lang="en-US"/>
-              <a:t> is a vector</a:t>
-            </a:r>
           </a:p>
         </p:txBody>
       </p:sp>
     </p:spTree>
     <p:extLst>
       <p:ext uri="{BB962C8B-B14F-4D97-AF65-F5344CB8AC3E}">
-        <p14:creationId xmlns:mc="http://schemas.openxmlformats.org/markup-compatibility/2006" xmlns:mv="urn:schemas-microsoft-com:mac:vml" xmlns:p14="http://schemas.microsoft.com/office/powerpoint/2010/main" xmlns:p="http://schemas.openxmlformats.org/presentationml/2006/main" xmlns:r="http://schemas.openxmlformats.org/officeDocument/2006/relationships" xmlns:a="http://schemas.openxmlformats.org/drawingml/2006/main" xmlns="" val="1265913865"/>
+        <p14:creationId xmlns:p14="http://schemas.microsoft.com/office/powerpoint/2010/main" val="3143245456"/>
       </p:ext>
     </p:extLst>
   </p:cSld>
@@ -8900,7 +9109,7 @@
 </file>
 
 <file path=ppt/slides/slide33.xml><?xml version="1.0" encoding="utf-8"?>
-<p:sld xmlns:a="http://schemas.openxmlformats.org/drawingml/2006/main" xmlns:r="http://schemas.openxmlformats.org/officeDocument/2006/relationships" xmlns:mc="http://schemas.openxmlformats.org/markup-compatibility/2006" xmlns:mv="urn:schemas-microsoft-com:mac:vml" xmlns:p="http://schemas.openxmlformats.org/presentationml/2006/main" mc:Ignorable="mv" mc:PreserveAttributes="mv:*">
+<p:sld xmlns:a="http://schemas.openxmlformats.org/drawingml/2006/main" xmlns:r="http://schemas.openxmlformats.org/officeDocument/2006/relationships" xmlns:p="http://schemas.openxmlformats.org/presentationml/2006/main">
   <p:cSld>
     <p:spTree>
       <p:nvGrpSpPr>
@@ -8933,7 +9142,7 @@
           <a:p>
             <a:r>
               <a:rPr lang="en-US"/>
-              <a:t>Generalized Linear Models</a:t>
+              <a:t>Basics</a:t>
             </a:r>
           </a:p>
         </p:txBody>
@@ -8955,13 +9164,64 @@
           <a:p>
             <a:r>
               <a:rPr lang="en-US"/>
-              <a:t>The "least squares" method is the foundation of fitting generalized linear models (GLM's)</a:t>
-            </a:r>
-          </a:p>
-          <a:p>
-            <a:r>
-              <a:rPr lang="en-US"/>
-              <a:t>And information on how significantly the response variables varies with the predictor variables</a:t>
+              <a:t>The "lm" model finds the function that best </a:t>
+            </a:r>
+            <a:r>
+              <a:rPr lang="en-US" b="1"/>
+              <a:t>approximates </a:t>
+            </a:r>
+            <a:r>
+              <a:rPr lang="en-US"/>
+              <a:t>the observed data </a:t>
+            </a:r>
+            <a:r>
+              <a:rPr lang="en-US" b="1" u="sng"/>
+              <a:t>with a line</a:t>
+            </a:r>
+            <a:endParaRPr lang="en-US"/>
+          </a:p>
+          <a:p>
+            <a:r>
+              <a:rPr lang="en-US"/>
+              <a:t>Other regression models approximate observe data with a </a:t>
+            </a:r>
+            <a:r>
+              <a:rPr lang="en-US" b="1"/>
+              <a:t>nonlinear function</a:t>
+            </a:r>
+            <a:r>
+              <a:rPr lang="en-US"/>
+              <a:t> that takes a line as its parameter</a:t>
+            </a:r>
+          </a:p>
+          <a:p>
+            <a:pPr lvl="1"/>
+            <a:r>
+              <a:rPr lang="en-US"/>
+              <a:t>f(y) = X B</a:t>
+            </a:r>
+          </a:p>
+          <a:p>
+            <a:pPr lvl="1"/>
+            <a:r>
+              <a:rPr lang="en-US"/>
+              <a:t>Where </a:t>
+            </a:r>
+            <a:r>
+              <a:rPr lang="en-US" b="1"/>
+              <a:t>X</a:t>
+            </a:r>
+            <a:r>
+              <a:rPr lang="en-US"/>
+              <a:t> is a matrix and </a:t>
+            </a:r>
+            <a:r>
+              <a:rPr lang="en-US" b="1"/>
+              <a:t>B</a:t>
+            </a:r>
+            <a:r>
+              <a:rPr lang="en-US"/>
+              <a:t> is a vector</a:t>
             </a:r>
           </a:p>
         </p:txBody>
@@ -8969,7 +9229,7 @@
     </p:spTree>
     <p:extLst>
       <p:ext uri="{BB962C8B-B14F-4D97-AF65-F5344CB8AC3E}">
-        <p14:creationId xmlns:mc="http://schemas.openxmlformats.org/markup-compatibility/2006" xmlns:mv="urn:schemas-microsoft-com:mac:vml" xmlns:p14="http://schemas.microsoft.com/office/powerpoint/2010/main" xmlns:p="http://schemas.openxmlformats.org/presentationml/2006/main" xmlns:r="http://schemas.openxmlformats.org/officeDocument/2006/relationships" xmlns:a="http://schemas.openxmlformats.org/drawingml/2006/main" xmlns="" val="3465388416"/>
+        <p14:creationId xmlns:p14="http://schemas.microsoft.com/office/powerpoint/2010/main" val="1265913865"/>
       </p:ext>
     </p:extLst>
   </p:cSld>
@@ -8987,7 +9247,7 @@
 </file>
 
 <file path=ppt/slides/slide34.xml><?xml version="1.0" encoding="utf-8"?>
-<p:sld xmlns:a="http://schemas.openxmlformats.org/drawingml/2006/main" xmlns:r="http://schemas.openxmlformats.org/officeDocument/2006/relationships" xmlns:mc="http://schemas.openxmlformats.org/markup-compatibility/2006" xmlns:mv="urn:schemas-microsoft-com:mac:vml" xmlns:p="http://schemas.openxmlformats.org/presentationml/2006/main" mc:Ignorable="mv" mc:PreserveAttributes="mv:*">
+<p:sld xmlns:a="http://schemas.openxmlformats.org/drawingml/2006/main" xmlns:r="http://schemas.openxmlformats.org/officeDocument/2006/relationships" xmlns:p="http://schemas.openxmlformats.org/presentationml/2006/main">
   <p:cSld>
     <p:spTree>
       <p:nvGrpSpPr>
@@ -9020,34 +9280,43 @@
           <a:p>
             <a:r>
               <a:rPr lang="en-US"/>
-              <a:t>Example: Data</a:t>
-            </a:r>
-          </a:p>
-        </p:txBody>
-      </p:sp>
-      <p:pic>
-        <p:nvPicPr>
-          <p:cNvPr id="6" name="Content Placeholder 5" descr="Linear_Data.png"/>
-          <p:cNvPicPr>
-            <a:picLocks noGrp="1" noChangeAspect="1"/>
-          </p:cNvPicPr>
+              <a:t>Generalized Linear Models</a:t>
+            </a:r>
+          </a:p>
+        </p:txBody>
+      </p:sp>
+      <p:sp>
+        <p:nvSpPr>
+          <p:cNvPr id="3" name="Content Placeholder 2"/>
+          <p:cNvSpPr>
+            <a:spLocks noGrp="1"/>
+          </p:cNvSpPr>
           <p:nvPr>
             <p:ph idx="1"/>
           </p:nvPr>
-        </p:nvPicPr>
-        <p:blipFill>
-          <a:blip r:embed="rId2"/>
-          <a:srcRect l="-40915" r="-40915"/>
-          <a:stretch>
-            <a:fillRect/>
-          </a:stretch>
-        </p:blipFill>
+        </p:nvSpPr>
         <p:spPr/>
-      </p:pic>
+        <p:txBody>
+          <a:bodyPr/>
+          <a:lstStyle/>
+          <a:p>
+            <a:r>
+              <a:rPr lang="en-US"/>
+              <a:t>The "least squares" method is the foundation of fitting generalized linear models (GLM's)</a:t>
+            </a:r>
+          </a:p>
+          <a:p>
+            <a:r>
+              <a:rPr lang="en-US"/>
+              <a:t>And information on how significantly the response variables varies with the predictor variables</a:t>
+            </a:r>
+          </a:p>
+        </p:txBody>
+      </p:sp>
     </p:spTree>
     <p:extLst>
       <p:ext uri="{BB962C8B-B14F-4D97-AF65-F5344CB8AC3E}">
-        <p14:creationId xmlns:mc="http://schemas.openxmlformats.org/markup-compatibility/2006" xmlns:mv="urn:schemas-microsoft-com:mac:vml" xmlns:p14="http://schemas.microsoft.com/office/powerpoint/2010/main" xmlns:p="http://schemas.openxmlformats.org/presentationml/2006/main" xmlns:r="http://schemas.openxmlformats.org/officeDocument/2006/relationships" xmlns:a="http://schemas.openxmlformats.org/drawingml/2006/main" xmlns="" val="2972905603"/>
+        <p14:creationId xmlns:p14="http://schemas.microsoft.com/office/powerpoint/2010/main" val="3465388416"/>
       </p:ext>
     </p:extLst>
   </p:cSld>
@@ -9065,7 +9334,7 @@
 </file>
 
 <file path=ppt/slides/slide35.xml><?xml version="1.0" encoding="utf-8"?>
-<p:sld xmlns:a="http://schemas.openxmlformats.org/drawingml/2006/main" xmlns:r="http://schemas.openxmlformats.org/officeDocument/2006/relationships" xmlns:mc="http://schemas.openxmlformats.org/markup-compatibility/2006" xmlns:mv="urn:schemas-microsoft-com:mac:vml" xmlns:p="http://schemas.openxmlformats.org/presentationml/2006/main" mc:Ignorable="mv" mc:PreserveAttributes="mv:*">
+<p:sld xmlns:a="http://schemas.openxmlformats.org/drawingml/2006/main" xmlns:r="http://schemas.openxmlformats.org/officeDocument/2006/relationships" xmlns:p="http://schemas.openxmlformats.org/presentationml/2006/main">
   <p:cSld>
     <p:spTree>
       <p:nvGrpSpPr>
@@ -9093,28 +9362,19 @@
         </p:nvSpPr>
         <p:spPr/>
         <p:txBody>
-          <a:bodyPr>
-            <a:normAutofit fontScale="90000"/>
-          </a:bodyPr>
+          <a:bodyPr/>
           <a:lstStyle/>
           <a:p>
             <a:r>
               <a:rPr lang="en-US"/>
               <a:t>Example: Data</a:t>
-            </a:r>
-            <a:br>
-              <a:rPr lang="en-US"/>
-            </a:br>
-            <a:r>
-              <a:rPr lang="en-US"/>
-              <a:t>(and Linear Regression)</a:t>
             </a:r>
           </a:p>
         </p:txBody>
       </p:sp>
       <p:pic>
         <p:nvPicPr>
-          <p:cNvPr id="4" name="Content Placeholder 3" descr="Linear_Regression.png"/>
+          <p:cNvPr id="6" name="Content Placeholder 5" descr="Linear_Data.png"/>
           <p:cNvPicPr>
             <a:picLocks noGrp="1" noChangeAspect="1"/>
           </p:cNvPicPr>
@@ -9134,7 +9394,7 @@
     </p:spTree>
     <p:extLst>
       <p:ext uri="{BB962C8B-B14F-4D97-AF65-F5344CB8AC3E}">
-        <p14:creationId xmlns:mc="http://schemas.openxmlformats.org/markup-compatibility/2006" xmlns:mv="urn:schemas-microsoft-com:mac:vml" xmlns:p14="http://schemas.microsoft.com/office/powerpoint/2010/main" xmlns:p="http://schemas.openxmlformats.org/presentationml/2006/main" xmlns:r="http://schemas.openxmlformats.org/officeDocument/2006/relationships" xmlns:a="http://schemas.openxmlformats.org/drawingml/2006/main" xmlns="" val="2382241759"/>
+        <p14:creationId xmlns:p14="http://schemas.microsoft.com/office/powerpoint/2010/main" val="2972905603"/>
       </p:ext>
     </p:extLst>
   </p:cSld>
@@ -9152,7 +9412,7 @@
 </file>
 
 <file path=ppt/slides/slide36.xml><?xml version="1.0" encoding="utf-8"?>
-<p:sld xmlns:a="http://schemas.openxmlformats.org/drawingml/2006/main" xmlns:r="http://schemas.openxmlformats.org/officeDocument/2006/relationships" xmlns:mc="http://schemas.openxmlformats.org/markup-compatibility/2006" xmlns:mv="urn:schemas-microsoft-com:mac:vml" xmlns:p="http://schemas.openxmlformats.org/presentationml/2006/main" mc:Ignorable="mv" mc:PreserveAttributes="mv:*">
+<p:sld xmlns:a="http://schemas.openxmlformats.org/drawingml/2006/main" xmlns:r="http://schemas.openxmlformats.org/officeDocument/2006/relationships" xmlns:p="http://schemas.openxmlformats.org/presentationml/2006/main">
   <p:cSld>
     <p:spTree>
       <p:nvGrpSpPr>
@@ -9170,50 +9430,58 @@
       </p:grpSpPr>
       <p:sp>
         <p:nvSpPr>
-          <p:cNvPr id="3" name="Title 2"/>
-          <p:cNvSpPr>
-            <a:spLocks noGrp="1"/>
-          </p:cNvSpPr>
-          <p:nvPr>
-            <p:ph type="ctrTitle"/>
+          <p:cNvPr id="2" name="Title 1"/>
+          <p:cNvSpPr>
+            <a:spLocks noGrp="1"/>
+          </p:cNvSpPr>
+          <p:nvPr>
+            <p:ph type="title"/>
           </p:nvPr>
         </p:nvSpPr>
         <p:spPr/>
         <p:txBody>
-          <a:bodyPr/>
-          <a:lstStyle/>
-          <a:p>
-            <a:r>
-              <a:rPr lang="en-US" dirty="0" smtClean="0"/>
-              <a:t>The zelig2 Method</a:t>
-            </a:r>
-            <a:endParaRPr lang="en-US" dirty="0"/>
-          </a:p>
-        </p:txBody>
-      </p:sp>
-      <p:sp>
-        <p:nvSpPr>
-          <p:cNvPr id="4" name="Subtitle 3"/>
-          <p:cNvSpPr>
-            <a:spLocks noGrp="1"/>
-          </p:cNvSpPr>
-          <p:nvPr>
-            <p:ph type="subTitle" idx="1"/>
-          </p:nvPr>
-        </p:nvSpPr>
+          <a:bodyPr>
+            <a:normAutofit fontScale="90000"/>
+          </a:bodyPr>
+          <a:lstStyle/>
+          <a:p>
+            <a:r>
+              <a:rPr lang="en-US"/>
+              <a:t>Example: Data</a:t>
+            </a:r>
+            <a:br>
+              <a:rPr lang="en-US"/>
+            </a:br>
+            <a:r>
+              <a:rPr lang="en-US"/>
+              <a:t>(and Linear Regression)</a:t>
+            </a:r>
+          </a:p>
+        </p:txBody>
+      </p:sp>
+      <p:pic>
+        <p:nvPicPr>
+          <p:cNvPr id="4" name="Content Placeholder 3" descr="Linear_Regression.png"/>
+          <p:cNvPicPr>
+            <a:picLocks noGrp="1" noChangeAspect="1"/>
+          </p:cNvPicPr>
+          <p:nvPr>
+            <p:ph idx="1"/>
+          </p:nvPr>
+        </p:nvPicPr>
+        <p:blipFill>
+          <a:blip r:embed="rId2"/>
+          <a:srcRect l="-40915" r="-40915"/>
+          <a:stretch>
+            <a:fillRect/>
+          </a:stretch>
+        </p:blipFill>
         <p:spPr/>
-        <p:txBody>
-          <a:bodyPr/>
-          <a:lstStyle/>
-          <a:p>
-            <a:endParaRPr lang="en-US"/>
-          </a:p>
-        </p:txBody>
-      </p:sp>
+      </p:pic>
     </p:spTree>
     <p:extLst>
       <p:ext uri="{BB962C8B-B14F-4D97-AF65-F5344CB8AC3E}">
-        <p14:creationId xmlns:mc="http://schemas.openxmlformats.org/markup-compatibility/2006" xmlns:mv="urn:schemas-microsoft-com:mac:vml" xmlns:p14="http://schemas.microsoft.com/office/powerpoint/2010/main" xmlns:p="http://schemas.openxmlformats.org/presentationml/2006/main" xmlns:r="http://schemas.openxmlformats.org/officeDocument/2006/relationships" xmlns:a="http://schemas.openxmlformats.org/drawingml/2006/main" xmlns="" val="2601398369"/>
+        <p14:creationId xmlns:p14="http://schemas.microsoft.com/office/powerpoint/2010/main" val="2382241759"/>
       </p:ext>
     </p:extLst>
   </p:cSld>
@@ -9231,7 +9499,7 @@
 </file>
 
 <file path=ppt/slides/slide37.xml><?xml version="1.0" encoding="utf-8"?>
-<p:sld xmlns:a="http://schemas.openxmlformats.org/drawingml/2006/main" xmlns:r="http://schemas.openxmlformats.org/officeDocument/2006/relationships" xmlns:mc="http://schemas.openxmlformats.org/markup-compatibility/2006" xmlns:mv="urn:schemas-microsoft-com:mac:vml" xmlns:p="http://schemas.openxmlformats.org/presentationml/2006/main" mc:Ignorable="mv" mc:PreserveAttributes="mv:*">
+<p:sld xmlns:a="http://schemas.openxmlformats.org/drawingml/2006/main" xmlns:r="http://schemas.openxmlformats.org/officeDocument/2006/relationships" xmlns:p="http://schemas.openxmlformats.org/presentationml/2006/main">
   <p:cSld>
     <p:spTree>
       <p:nvGrpSpPr>
@@ -9249,12 +9517,12 @@
       </p:grpSpPr>
       <p:sp>
         <p:nvSpPr>
-          <p:cNvPr id="2" name="Title 1"/>
-          <p:cNvSpPr>
-            <a:spLocks noGrp="1"/>
-          </p:cNvSpPr>
-          <p:nvPr>
-            <p:ph type="title"/>
+          <p:cNvPr id="3" name="Title 2"/>
+          <p:cNvSpPr>
+            <a:spLocks noGrp="1"/>
+          </p:cNvSpPr>
+          <p:nvPr>
+            <p:ph type="ctrTitle"/>
           </p:nvPr>
         </p:nvSpPr>
         <p:spPr/>
@@ -9264,7 +9532,7 @@
           <a:p>
             <a:r>
               <a:rPr lang="en-US" dirty="0" smtClean="0"/>
-              <a:t>Outline</a:t>
+              <a:t>The zelig2 Method</a:t>
             </a:r>
             <a:endParaRPr lang="en-US" dirty="0"/>
           </a:p>
@@ -9272,12 +9540,12 @@
       </p:sp>
       <p:sp>
         <p:nvSpPr>
-          <p:cNvPr id="3" name="Content Placeholder 2"/>
-          <p:cNvSpPr>
-            <a:spLocks noGrp="1"/>
-          </p:cNvSpPr>
-          <p:nvPr>
-            <p:ph idx="1"/>
+          <p:cNvPr id="4" name="Subtitle 3"/>
+          <p:cNvSpPr>
+            <a:spLocks noGrp="1"/>
+          </p:cNvSpPr>
+          <p:nvPr>
+            <p:ph type="subTitle" idx="1"/>
           </p:nvPr>
         </p:nvSpPr>
         <p:spPr/>
@@ -9285,38 +9553,14 @@
           <a:bodyPr/>
           <a:lstStyle/>
           <a:p>
-            <a:r>
-              <a:rPr lang="en-US" dirty="0" smtClean="0"/>
-              <a:t>Overview</a:t>
-            </a:r>
-          </a:p>
-          <a:p>
-            <a:r>
-              <a:rPr lang="en-US" dirty="0" smtClean="0"/>
-              <a:t>What is a zelig2 method?</a:t>
-            </a:r>
-          </a:p>
-          <a:p>
-            <a:r>
-              <a:rPr lang="en-US" dirty="0" smtClean="0"/>
-              <a:t>Format of a zelig2 method</a:t>
-            </a:r>
-          </a:p>
-          <a:p>
-            <a:r>
-              <a:rPr lang="en-US" dirty="0" smtClean="0"/>
-              <a:t>Writing the zelig2 method</a:t>
-            </a:r>
-          </a:p>
-          <a:p>
-            <a:endParaRPr lang="en-US" dirty="0"/>
+            <a:endParaRPr lang="en-US"/>
           </a:p>
         </p:txBody>
       </p:sp>
     </p:spTree>
     <p:extLst>
       <p:ext uri="{BB962C8B-B14F-4D97-AF65-F5344CB8AC3E}">
-        <p14:creationId xmlns:mc="http://schemas.openxmlformats.org/markup-compatibility/2006" xmlns:mv="urn:schemas-microsoft-com:mac:vml" xmlns:p14="http://schemas.microsoft.com/office/powerpoint/2010/main" xmlns:p="http://schemas.openxmlformats.org/presentationml/2006/main" xmlns:r="http://schemas.openxmlformats.org/officeDocument/2006/relationships" xmlns:a="http://schemas.openxmlformats.org/drawingml/2006/main" xmlns="" val="520387571"/>
+        <p14:creationId xmlns:p14="http://schemas.microsoft.com/office/powerpoint/2010/main" val="2601398369"/>
       </p:ext>
     </p:extLst>
   </p:cSld>
@@ -9334,7 +9578,7 @@
 </file>
 
 <file path=ppt/slides/slide38.xml><?xml version="1.0" encoding="utf-8"?>
-<p:sld xmlns:a="http://schemas.openxmlformats.org/drawingml/2006/main" xmlns:r="http://schemas.openxmlformats.org/officeDocument/2006/relationships" xmlns:mc="http://schemas.openxmlformats.org/markup-compatibility/2006" xmlns:mv="urn:schemas-microsoft-com:mac:vml" xmlns:p="http://schemas.openxmlformats.org/presentationml/2006/main" mc:Ignorable="mv" mc:PreserveAttributes="mv:*">
+<p:sld xmlns:a="http://schemas.openxmlformats.org/drawingml/2006/main" xmlns:r="http://schemas.openxmlformats.org/officeDocument/2006/relationships" xmlns:p="http://schemas.openxmlformats.org/presentationml/2006/main">
   <p:cSld>
     <p:spTree>
       <p:nvGrpSpPr>
@@ -9366,6 +9610,109 @@
           <a:lstStyle/>
           <a:p>
             <a:r>
+              <a:rPr lang="en-US" dirty="0" smtClean="0"/>
+              <a:t>Outline</a:t>
+            </a:r>
+            <a:endParaRPr lang="en-US" dirty="0"/>
+          </a:p>
+        </p:txBody>
+      </p:sp>
+      <p:sp>
+        <p:nvSpPr>
+          <p:cNvPr id="3" name="Content Placeholder 2"/>
+          <p:cNvSpPr>
+            <a:spLocks noGrp="1"/>
+          </p:cNvSpPr>
+          <p:nvPr>
+            <p:ph idx="1"/>
+          </p:nvPr>
+        </p:nvSpPr>
+        <p:spPr/>
+        <p:txBody>
+          <a:bodyPr/>
+          <a:lstStyle/>
+          <a:p>
+            <a:r>
+              <a:rPr lang="en-US" dirty="0" smtClean="0"/>
+              <a:t>Overview</a:t>
+            </a:r>
+          </a:p>
+          <a:p>
+            <a:r>
+              <a:rPr lang="en-US" dirty="0" smtClean="0"/>
+              <a:t>What is a zelig2 method?</a:t>
+            </a:r>
+          </a:p>
+          <a:p>
+            <a:r>
+              <a:rPr lang="en-US" dirty="0" smtClean="0"/>
+              <a:t>Format of a zelig2 method</a:t>
+            </a:r>
+          </a:p>
+          <a:p>
+            <a:r>
+              <a:rPr lang="en-US" dirty="0" smtClean="0"/>
+              <a:t>Writing the zelig2 method</a:t>
+            </a:r>
+          </a:p>
+          <a:p>
+            <a:endParaRPr lang="en-US" dirty="0"/>
+          </a:p>
+        </p:txBody>
+      </p:sp>
+    </p:spTree>
+    <p:extLst>
+      <p:ext uri="{BB962C8B-B14F-4D97-AF65-F5344CB8AC3E}">
+        <p14:creationId xmlns:p14="http://schemas.microsoft.com/office/powerpoint/2010/main" val="520387571"/>
+      </p:ext>
+    </p:extLst>
+  </p:cSld>
+  <p:clrMapOvr>
+    <a:masterClrMapping/>
+  </p:clrMapOvr>
+  <p:timing>
+    <p:tnLst>
+      <p:par>
+        <p:cTn id="1" dur="indefinite" restart="never" nodeType="tmRoot"/>
+      </p:par>
+    </p:tnLst>
+  </p:timing>
+</p:sld>
+</file>
+
+<file path=ppt/slides/slide39.xml><?xml version="1.0" encoding="utf-8"?>
+<p:sld xmlns:a="http://schemas.openxmlformats.org/drawingml/2006/main" xmlns:r="http://schemas.openxmlformats.org/officeDocument/2006/relationships" xmlns:p="http://schemas.openxmlformats.org/presentationml/2006/main">
+  <p:cSld>
+    <p:spTree>
+      <p:nvGrpSpPr>
+        <p:cNvPr id="1" name=""/>
+        <p:cNvGrpSpPr/>
+        <p:nvPr/>
+      </p:nvGrpSpPr>
+      <p:grpSpPr>
+        <a:xfrm>
+          <a:off x="0" y="0"/>
+          <a:ext cx="0" cy="0"/>
+          <a:chOff x="0" y="0"/>
+          <a:chExt cx="0" cy="0"/>
+        </a:xfrm>
+      </p:grpSpPr>
+      <p:sp>
+        <p:nvSpPr>
+          <p:cNvPr id="2" name="Title 1"/>
+          <p:cNvSpPr>
+            <a:spLocks noGrp="1"/>
+          </p:cNvSpPr>
+          <p:nvPr>
+            <p:ph type="title"/>
+          </p:nvPr>
+        </p:nvSpPr>
+        <p:spPr/>
+        <p:txBody>
+          <a:bodyPr/>
+          <a:lstStyle/>
+          <a:p>
+            <a:r>
               <a:rPr lang="en-US"/>
               <a:t>Overview</a:t>
             </a:r>
@@ -9421,8 +9768,87 @@
 </p:sld>
 </file>
 
-<file path=ppt/slides/slide39.xml><?xml version="1.0" encoding="utf-8"?>
-<p:sld xmlns:a="http://schemas.openxmlformats.org/drawingml/2006/main" xmlns:r="http://schemas.openxmlformats.org/officeDocument/2006/relationships" xmlns:mc="http://schemas.openxmlformats.org/markup-compatibility/2006" xmlns:mv="urn:schemas-microsoft-com:mac:vml" xmlns:p="http://schemas.openxmlformats.org/presentationml/2006/main" mc:Ignorable="mv" mc:PreserveAttributes="mv:*">
+<file path=ppt/slides/slide4.xml><?xml version="1.0" encoding="utf-8"?>
+<p:sld xmlns:a="http://schemas.openxmlformats.org/drawingml/2006/main" xmlns:r="http://schemas.openxmlformats.org/officeDocument/2006/relationships" xmlns:p="http://schemas.openxmlformats.org/presentationml/2006/main">
+  <p:cSld>
+    <p:spTree>
+      <p:nvGrpSpPr>
+        <p:cNvPr id="1" name=""/>
+        <p:cNvGrpSpPr/>
+        <p:nvPr/>
+      </p:nvGrpSpPr>
+      <p:grpSpPr>
+        <a:xfrm>
+          <a:off x="0" y="0"/>
+          <a:ext cx="0" cy="0"/>
+          <a:chOff x="0" y="0"/>
+          <a:chExt cx="0" cy="0"/>
+        </a:xfrm>
+      </p:grpSpPr>
+      <p:sp>
+        <p:nvSpPr>
+          <p:cNvPr id="4" name="Title 3"/>
+          <p:cNvSpPr>
+            <a:spLocks noGrp="1"/>
+          </p:cNvSpPr>
+          <p:nvPr>
+            <p:ph type="ctrTitle"/>
+          </p:nvPr>
+        </p:nvSpPr>
+        <p:spPr/>
+        <p:txBody>
+          <a:bodyPr/>
+          <a:lstStyle/>
+          <a:p>
+            <a:r>
+              <a:rPr lang="en-US" dirty="0" smtClean="0"/>
+              <a:t>What is a statistical package?</a:t>
+            </a:r>
+            <a:endParaRPr lang="en-US" dirty="0"/>
+          </a:p>
+        </p:txBody>
+      </p:sp>
+      <p:sp>
+        <p:nvSpPr>
+          <p:cNvPr id="5" name="Subtitle 4"/>
+          <p:cNvSpPr>
+            <a:spLocks noGrp="1"/>
+          </p:cNvSpPr>
+          <p:nvPr>
+            <p:ph type="subTitle" idx="1"/>
+          </p:nvPr>
+        </p:nvSpPr>
+        <p:spPr/>
+        <p:txBody>
+          <a:bodyPr/>
+          <a:lstStyle/>
+          <a:p>
+            <a:endParaRPr lang="en-US" dirty="0"/>
+          </a:p>
+        </p:txBody>
+      </p:sp>
+    </p:spTree>
+    <p:extLst>
+      <p:ext uri="{BB962C8B-B14F-4D97-AF65-F5344CB8AC3E}">
+        <p14:creationId xmlns:p14="http://schemas.microsoft.com/office/powerpoint/2010/main" val="2238547365"/>
+      </p:ext>
+    </p:extLst>
+  </p:cSld>
+  <p:clrMapOvr>
+    <a:masterClrMapping/>
+  </p:clrMapOvr>
+  <p:timing>
+    <p:tnLst>
+      <p:par>
+        <p:cTn id="1" dur="indefinite" restart="never" nodeType="tmRoot"/>
+      </p:par>
+    </p:tnLst>
+  </p:timing>
+</p:sld>
+</file>
+
+<file path=ppt/slides/slide40.xml><?xml version="1.0" encoding="utf-8"?>
+<p:sld xmlns:a="http://schemas.openxmlformats.org/drawingml/2006/main" xmlns:r="http://schemas.openxmlformats.org/officeDocument/2006/relationships" xmlns:p="http://schemas.openxmlformats.org/presentationml/2006/main">
   <p:cSld>
     <p:spTree>
       <p:nvGrpSpPr>
@@ -11109,8 +11535,8 @@
 </p:sld>
 </file>
 
-<file path=ppt/slides/slide4.xml><?xml version="1.0" encoding="utf-8"?>
-<p:sld xmlns:a="http://schemas.openxmlformats.org/drawingml/2006/main" xmlns:r="http://schemas.openxmlformats.org/officeDocument/2006/relationships" xmlns:mc="http://schemas.openxmlformats.org/markup-compatibility/2006" xmlns:mv="urn:schemas-microsoft-com:mac:vml" xmlns:p="http://schemas.openxmlformats.org/presentationml/2006/main" mc:Ignorable="mv" mc:PreserveAttributes="mv:*">
+<file path=ppt/slides/slide41.xml><?xml version="1.0" encoding="utf-8"?>
+<p:sld xmlns:a="http://schemas.openxmlformats.org/drawingml/2006/main" xmlns:r="http://schemas.openxmlformats.org/officeDocument/2006/relationships" xmlns:p="http://schemas.openxmlformats.org/presentationml/2006/main">
   <p:cSld>
     <p:spTree>
       <p:nvGrpSpPr>
@@ -11138,159 +11564,6 @@
         </p:nvSpPr>
         <p:spPr/>
         <p:txBody>
-          <a:bodyPr/>
-          <a:lstStyle/>
-          <a:p>
-            <a:r>
-              <a:rPr lang="en-US"/>
-              <a:t>Structure of a Package</a:t>
-            </a:r>
-          </a:p>
-        </p:txBody>
-      </p:sp>
-      <p:sp>
-        <p:nvSpPr>
-          <p:cNvPr id="4" name="Content Placeholder 3"/>
-          <p:cNvSpPr>
-            <a:spLocks noGrp="1"/>
-          </p:cNvSpPr>
-          <p:nvPr>
-            <p:ph idx="1"/>
-          </p:nvPr>
-        </p:nvSpPr>
-        <p:spPr>
-          <a:xfrm>
-            <a:off x="457200" y="1600200"/>
-            <a:ext cx="8229600" cy="4525963"/>
-          </a:xfrm>
-        </p:spPr>
-        <p:txBody>
-          <a:bodyPr>
-            <a:normAutofit lnSpcReduction="10000"/>
-          </a:bodyPr>
-          <a:lstStyle/>
-          <a:p>
-            <a:r>
-              <a:rPr lang="en-US" dirty="0" smtClean="0"/>
-              <a:t>Simply a directory </a:t>
-            </a:r>
-          </a:p>
-          <a:p>
-            <a:r>
-              <a:rPr lang="en-US" dirty="0" smtClean="0"/>
-              <a:t>Has two important folders:</a:t>
-            </a:r>
-            <a:endParaRPr lang="en-US" dirty="0"/>
-          </a:p>
-          <a:p>
-            <a:pPr marL="457200" lvl="1" indent="0">
-              <a:buNone/>
-            </a:pPr>
-            <a:r>
-              <a:rPr lang="en-US" sz="4000" b="1" dirty="0" smtClean="0"/>
-              <a:t>R/</a:t>
-            </a:r>
-            <a:endParaRPr lang="en-US" sz="4000" b="1" dirty="0"/>
-          </a:p>
-          <a:p>
-            <a:pPr marL="457200" lvl="1" indent="0">
-              <a:buNone/>
-            </a:pPr>
-            <a:r>
-              <a:rPr lang="en-US" sz="4000" b="1" dirty="0" smtClean="0"/>
-              <a:t>man/</a:t>
-            </a:r>
-            <a:endParaRPr lang="en-US" sz="4000" b="1" dirty="0"/>
-          </a:p>
-          <a:p>
-            <a:r>
-              <a:rPr lang="en-US" dirty="0"/>
-              <a:t>And </a:t>
-            </a:r>
-            <a:r>
-              <a:rPr lang="en-US" dirty="0" smtClean="0"/>
-              <a:t>two important </a:t>
-            </a:r>
-            <a:r>
-              <a:rPr lang="en-US" dirty="0"/>
-              <a:t>files:</a:t>
-            </a:r>
-          </a:p>
-          <a:p>
-            <a:pPr marL="457200" lvl="1" indent="0">
-              <a:buNone/>
-            </a:pPr>
-            <a:r>
-              <a:rPr lang="en-US" sz="4000" b="1" dirty="0"/>
-              <a:t>DESCRIPTION</a:t>
-            </a:r>
-          </a:p>
-          <a:p>
-            <a:pPr marL="457200" lvl="1" indent="0">
-              <a:buNone/>
-            </a:pPr>
-            <a:r>
-              <a:rPr lang="en-US" sz="4000" b="1" dirty="0"/>
-              <a:t>NAMESPACE</a:t>
-            </a:r>
-          </a:p>
-          <a:p>
-            <a:pPr>
-              <a:buNone/>
-            </a:pPr>
-            <a:endParaRPr lang="en-US" dirty="0"/>
-          </a:p>
-        </p:txBody>
-      </p:sp>
-    </p:spTree>
-    <p:extLst>
-      <p:ext uri="{BB962C8B-B14F-4D97-AF65-F5344CB8AC3E}">
-        <p14:creationId xmlns:mc="http://schemas.openxmlformats.org/markup-compatibility/2006" xmlns:mv="urn:schemas-microsoft-com:mac:vml" xmlns:p14="http://schemas.microsoft.com/office/powerpoint/2010/main" xmlns:p="http://schemas.openxmlformats.org/presentationml/2006/main" xmlns:r="http://schemas.openxmlformats.org/officeDocument/2006/relationships" xmlns:a="http://schemas.openxmlformats.org/drawingml/2006/main" xmlns="" val="1501347142"/>
-      </p:ext>
-    </p:extLst>
-  </p:cSld>
-  <p:clrMapOvr>
-    <a:masterClrMapping/>
-  </p:clrMapOvr>
-  <p:timing>
-    <p:tnLst>
-      <p:par>
-        <p:cTn id="1" dur="indefinite" restart="never" nodeType="tmRoot"/>
-      </p:par>
-    </p:tnLst>
-  </p:timing>
-</p:sld>
-</file>
-
-<file path=ppt/slides/slide40.xml><?xml version="1.0" encoding="utf-8"?>
-<p:sld xmlns:a="http://schemas.openxmlformats.org/drawingml/2006/main" xmlns:r="http://schemas.openxmlformats.org/officeDocument/2006/relationships" xmlns:mc="http://schemas.openxmlformats.org/markup-compatibility/2006" xmlns:mv="urn:schemas-microsoft-com:mac:vml" xmlns:p="http://schemas.openxmlformats.org/presentationml/2006/main" mc:Ignorable="mv" mc:PreserveAttributes="mv:*">
-  <p:cSld>
-    <p:spTree>
-      <p:nvGrpSpPr>
-        <p:cNvPr id="1" name=""/>
-        <p:cNvGrpSpPr/>
-        <p:nvPr/>
-      </p:nvGrpSpPr>
-      <p:grpSpPr>
-        <a:xfrm>
-          <a:off x="0" y="0"/>
-          <a:ext cx="0" cy="0"/>
-          <a:chOff x="0" y="0"/>
-          <a:chExt cx="0" cy="0"/>
-        </a:xfrm>
-      </p:grpSpPr>
-      <p:sp>
-        <p:nvSpPr>
-          <p:cNvPr id="2" name="Title 1"/>
-          <p:cNvSpPr>
-            <a:spLocks noGrp="1"/>
-          </p:cNvSpPr>
-          <p:nvPr>
-            <p:ph type="title"/>
-          </p:nvPr>
-        </p:nvSpPr>
-        <p:spPr/>
-        <p:txBody>
           <a:bodyPr>
             <a:normAutofit/>
           </a:bodyPr>
@@ -11361,8 +11634,8 @@
 </p:sld>
 </file>
 
-<file path=ppt/slides/slide41.xml><?xml version="1.0" encoding="utf-8"?>
-<p:sld xmlns:a="http://schemas.openxmlformats.org/drawingml/2006/main" xmlns:r="http://schemas.openxmlformats.org/officeDocument/2006/relationships" xmlns:mc="http://schemas.openxmlformats.org/markup-compatibility/2006" xmlns:mv="urn:schemas-microsoft-com:mac:vml" xmlns:p="http://schemas.openxmlformats.org/presentationml/2006/main" mc:Ignorable="mv" mc:PreserveAttributes="mv:*">
+<file path=ppt/slides/slide42.xml><?xml version="1.0" encoding="utf-8"?>
+<p:sld xmlns:a="http://schemas.openxmlformats.org/drawingml/2006/main" xmlns:r="http://schemas.openxmlformats.org/officeDocument/2006/relationships" xmlns:p="http://schemas.openxmlformats.org/presentationml/2006/main">
   <p:cSld>
     <p:spTree>
       <p:nvGrpSpPr>
@@ -12895,8 +13168,8 @@
 </p:sld>
 </file>
 
-<file path=ppt/slides/slide42.xml><?xml version="1.0" encoding="utf-8"?>
-<p:sld xmlns:a="http://schemas.openxmlformats.org/drawingml/2006/main" xmlns:r="http://schemas.openxmlformats.org/officeDocument/2006/relationships" xmlns:mc="http://schemas.openxmlformats.org/markup-compatibility/2006" xmlns:mv="urn:schemas-microsoft-com:mac:vml" xmlns:p="http://schemas.openxmlformats.org/presentationml/2006/main" mc:Ignorable="mv" mc:PreserveAttributes="mv:*">
+<file path=ppt/slides/slide43.xml><?xml version="1.0" encoding="utf-8"?>
+<p:sld xmlns:a="http://schemas.openxmlformats.org/drawingml/2006/main" xmlns:r="http://schemas.openxmlformats.org/officeDocument/2006/relationships" xmlns:p="http://schemas.openxmlformats.org/presentationml/2006/main">
   <p:cSld>
     <p:spTree>
       <p:nvGrpSpPr>
@@ -12981,112 +13254,6 @@
             <a:r>
               <a:rPr lang="en-US"/>
               <a:t>Use "args" to determine what parameters are available for the model-fitting function</a:t>
-            </a:r>
-          </a:p>
-          <a:p>
-            <a:endParaRPr lang="en-US"/>
-          </a:p>
-        </p:txBody>
-      </p:sp>
-    </p:spTree>
-  </p:cSld>
-  <p:clrMapOvr>
-    <a:masterClrMapping/>
-  </p:clrMapOvr>
-  <p:timing>
-    <p:tnLst>
-      <p:par>
-        <p:cTn id="1" dur="indefinite" restart="never" nodeType="tmRoot"/>
-      </p:par>
-    </p:tnLst>
-  </p:timing>
-</p:sld>
-</file>
-
-<file path=ppt/slides/slide43.xml><?xml version="1.0" encoding="utf-8"?>
-<p:sld xmlns:a="http://schemas.openxmlformats.org/drawingml/2006/main" xmlns:r="http://schemas.openxmlformats.org/officeDocument/2006/relationships" xmlns:mc="http://schemas.openxmlformats.org/markup-compatibility/2006" xmlns:mv="urn:schemas-microsoft-com:mac:vml" xmlns:p="http://schemas.openxmlformats.org/presentationml/2006/main" mc:Ignorable="mv" mc:PreserveAttributes="mv:*">
-  <p:cSld>
-    <p:spTree>
-      <p:nvGrpSpPr>
-        <p:cNvPr id="1" name=""/>
-        <p:cNvGrpSpPr/>
-        <p:nvPr/>
-      </p:nvGrpSpPr>
-      <p:grpSpPr>
-        <a:xfrm>
-          <a:off x="0" y="0"/>
-          <a:ext cx="0" cy="0"/>
-          <a:chOff x="0" y="0"/>
-          <a:chExt cx="0" cy="0"/>
-        </a:xfrm>
-      </p:grpSpPr>
-      <p:sp>
-        <p:nvSpPr>
-          <p:cNvPr id="2" name="Title 1"/>
-          <p:cNvSpPr>
-            <a:spLocks noGrp="1"/>
-          </p:cNvSpPr>
-          <p:nvPr>
-            <p:ph type="title"/>
-          </p:nvPr>
-        </p:nvSpPr>
-        <p:spPr/>
-        <p:txBody>
-          <a:bodyPr/>
-          <a:lstStyle/>
-          <a:p>
-            <a:r>
-              <a:rPr lang="en-US"/>
-              <a:t>zelig2: Function Body</a:t>
-            </a:r>
-          </a:p>
-        </p:txBody>
-      </p:sp>
-      <p:sp>
-        <p:nvSpPr>
-          <p:cNvPr id="3" name="Content Placeholder 2"/>
-          <p:cNvSpPr>
-            <a:spLocks noGrp="1"/>
-          </p:cNvSpPr>
-          <p:nvPr>
-            <p:ph idx="1"/>
-          </p:nvPr>
-        </p:nvSpPr>
-        <p:spPr/>
-        <p:txBody>
-          <a:bodyPr/>
-          <a:lstStyle/>
-          <a:p>
-            <a:r>
-              <a:rPr lang="en-US"/>
-              <a:t>Typically does very little</a:t>
-            </a:r>
-          </a:p>
-          <a:p>
-            <a:r>
-              <a:rPr lang="en-US"/>
-              <a:t>Can be used to</a:t>
-            </a:r>
-          </a:p>
-          <a:p>
-            <a:pPr lvl="1"/>
-            <a:r>
-              <a:rPr lang="en-US"/>
-              <a:t>Print-out error and warning messages</a:t>
-            </a:r>
-          </a:p>
-          <a:p>
-            <a:pPr lvl="1"/>
-            <a:r>
-              <a:rPr lang="en-US"/>
-              <a:t>Manipulate model formulae</a:t>
-            </a:r>
-          </a:p>
-          <a:p>
-            <a:pPr lvl="1"/>
-            <a:r>
-              <a:rPr lang="en-US"/>
-              <a:t>Assign default values that do not exist for the model-fitting function</a:t>
             </a:r>
           </a:p>
           <a:p>
@@ -13110,7 +13277,7 @@
 </file>
 
 <file path=ppt/slides/slide44.xml><?xml version="1.0" encoding="utf-8"?>
-<p:sld xmlns:a="http://schemas.openxmlformats.org/drawingml/2006/main" xmlns:r="http://schemas.openxmlformats.org/officeDocument/2006/relationships" xmlns:mc="http://schemas.openxmlformats.org/markup-compatibility/2006" xmlns:mv="urn:schemas-microsoft-com:mac:vml" xmlns:p="http://schemas.openxmlformats.org/presentationml/2006/main" mc:Ignorable="mv" mc:PreserveAttributes="mv:*">
+<p:sld xmlns:a="http://schemas.openxmlformats.org/drawingml/2006/main" xmlns:r="http://schemas.openxmlformats.org/officeDocument/2006/relationships" xmlns:p="http://schemas.openxmlformats.org/presentationml/2006/main">
   <p:cSld>
     <p:spTree>
       <p:nvGrpSpPr>
@@ -13143,7 +13310,7 @@
           <a:p>
             <a:r>
               <a:rPr lang="en-US"/>
-              <a:t>zelig2: Return Value</a:t>
+              <a:t>zelig2: Function Body</a:t>
             </a:r>
           </a:p>
         </p:txBody>
@@ -13165,22 +13332,38 @@
           <a:p>
             <a:r>
               <a:rPr lang="en-US"/>
-              <a:t>".function" specifies the name of model-fitting function</a:t>
-            </a:r>
-          </a:p>
-          <a:p>
-            <a:r>
-              <a:rPr lang="en-US"/>
-              <a:t>All other entries specify values to be </a:t>
-            </a:r>
-            <a:r>
-              <a:rPr lang="en-US" b="1"/>
-              <a:t>explicitly</a:t>
-            </a:r>
-            <a:r>
-              <a:rPr lang="en-US"/>
-              <a:t> set for the model-fitting function</a:t>
-            </a:r>
+              <a:t>Typically does very little</a:t>
+            </a:r>
+          </a:p>
+          <a:p>
+            <a:r>
+              <a:rPr lang="en-US"/>
+              <a:t>Can be used to</a:t>
+            </a:r>
+          </a:p>
+          <a:p>
+            <a:pPr lvl="1"/>
+            <a:r>
+              <a:rPr lang="en-US"/>
+              <a:t>Print-out error and warning messages</a:t>
+            </a:r>
+          </a:p>
+          <a:p>
+            <a:pPr lvl="1"/>
+            <a:r>
+              <a:rPr lang="en-US"/>
+              <a:t>Manipulate model formulae</a:t>
+            </a:r>
+          </a:p>
+          <a:p>
+            <a:pPr lvl="1"/>
+            <a:r>
+              <a:rPr lang="en-US"/>
+              <a:t>Assign default values that do not exist for the model-fitting function</a:t>
+            </a:r>
+          </a:p>
+          <a:p>
+            <a:endParaRPr lang="en-US"/>
           </a:p>
         </p:txBody>
       </p:sp>
@@ -13200,7 +13383,7 @@
 </file>
 
 <file path=ppt/slides/slide45.xml><?xml version="1.0" encoding="utf-8"?>
-<p:sld xmlns:a="http://schemas.openxmlformats.org/drawingml/2006/main" xmlns:r="http://schemas.openxmlformats.org/officeDocument/2006/relationships" xmlns:mc="http://schemas.openxmlformats.org/markup-compatibility/2006" xmlns:mv="urn:schemas-microsoft-com:mac:vml" xmlns:p="http://schemas.openxmlformats.org/presentationml/2006/main" mc:Ignorable="mv" mc:PreserveAttributes="mv:*">
+<p:sld xmlns:a="http://schemas.openxmlformats.org/drawingml/2006/main" xmlns:r="http://schemas.openxmlformats.org/officeDocument/2006/relationships" xmlns:p="http://schemas.openxmlformats.org/presentationml/2006/main">
   <p:cSld>
     <p:spTree>
       <p:nvGrpSpPr>
@@ -13233,7 +13416,7 @@
           <a:p>
             <a:r>
               <a:rPr lang="en-US"/>
-              <a:t>zelig2</a:t>
+              <a:t>zelig2: Return Value</a:t>
             </a:r>
           </a:p>
         </p:txBody>
@@ -13254,52 +13437,22 @@
           <a:lstStyle/>
           <a:p>
             <a:r>
+              <a:rPr lang="en-US"/>
+              <a:t>".function" specifies the name of model-fitting function</a:t>
+            </a:r>
+          </a:p>
+          <a:p>
+            <a:r>
+              <a:rPr lang="en-US"/>
+              <a:t>All other entries specify values to be </a:t>
+            </a:r>
+            <a:r>
               <a:rPr lang="en-US" b="1"/>
-              <a:t>Does not</a:t>
-            </a:r>
-            <a:r>
-              <a:rPr lang="en-US"/>
-              <a:t> fit models itself</a:t>
-            </a:r>
-          </a:p>
-          <a:p>
-            <a:r>
-              <a:rPr lang="en-US"/>
-              <a:t>Uses outside models to fit data</a:t>
-            </a:r>
-          </a:p>
-          <a:p>
-            <a:pPr lvl="1"/>
-            <a:r>
-              <a:rPr lang="en-US"/>
-              <a:t>"lm", "glm", "nlme", etc.</a:t>
-            </a:r>
-          </a:p>
-          <a:p>
-            <a:r>
-              <a:rPr lang="en-US"/>
-              <a:t>Manages how zelig interacts with these models:</a:t>
-            </a:r>
-          </a:p>
-          <a:p>
-            <a:pPr lvl="1"/>
-            <a:r>
-              <a:rPr lang="en-US"/>
-              <a:t>Specifies what function will fit the model</a:t>
-            </a:r>
-          </a:p>
-          <a:p>
-            <a:pPr lvl="1"/>
-            <a:r>
-              <a:rPr lang="en-US"/>
-              <a:t>Specifies parameters</a:t>
-            </a:r>
-          </a:p>
-          <a:p>
-            <a:pPr lvl="1"/>
-            <a:r>
-              <a:rPr lang="en-US"/>
-              <a:t>Manipulates objects</a:t>
+              <a:t>explicitly</a:t>
+            </a:r>
+            <a:r>
+              <a:rPr lang="en-US"/>
+              <a:t> set for the model-fitting function</a:t>
             </a:r>
           </a:p>
         </p:txBody>
@@ -13320,7 +13473,7 @@
 </file>
 
 <file path=ppt/slides/slide46.xml><?xml version="1.0" encoding="utf-8"?>
-<p:sld xmlns:a="http://schemas.openxmlformats.org/drawingml/2006/main" xmlns:r="http://schemas.openxmlformats.org/officeDocument/2006/relationships" xmlns:mc="http://schemas.openxmlformats.org/markup-compatibility/2006" xmlns:mv="urn:schemas-microsoft-com:mac:vml" xmlns:p="http://schemas.openxmlformats.org/presentationml/2006/main" mc:Ignorable="mv" mc:PreserveAttributes="mv:*">
+<p:sld xmlns:a="http://schemas.openxmlformats.org/drawingml/2006/main" xmlns:r="http://schemas.openxmlformats.org/officeDocument/2006/relationships" xmlns:p="http://schemas.openxmlformats.org/presentationml/2006/main">
   <p:cSld>
     <p:spTree>
       <p:nvGrpSpPr>
@@ -13338,12 +13491,12 @@
       </p:grpSpPr>
       <p:sp>
         <p:nvSpPr>
-          <p:cNvPr id="4" name="Title 3"/>
-          <p:cNvSpPr>
-            <a:spLocks noGrp="1"/>
-          </p:cNvSpPr>
-          <p:nvPr>
-            <p:ph type="ctrTitle"/>
+          <p:cNvPr id="2" name="Title 1"/>
+          <p:cNvSpPr>
+            <a:spLocks noGrp="1"/>
+          </p:cNvSpPr>
+          <p:nvPr>
+            <p:ph type="title"/>
           </p:nvPr>
         </p:nvSpPr>
         <p:spPr/>
@@ -13353,19 +13506,19 @@
           <a:p>
             <a:r>
               <a:rPr lang="en-US"/>
-              <a:t>Miscellaneous Topics</a:t>
-            </a:r>
-          </a:p>
-        </p:txBody>
-      </p:sp>
-      <p:sp>
-        <p:nvSpPr>
-          <p:cNvPr id="5" name="Subtitle 4"/>
-          <p:cNvSpPr>
-            <a:spLocks noGrp="1"/>
-          </p:cNvSpPr>
-          <p:nvPr>
-            <p:ph type="subTitle" idx="1"/>
+              <a:t>zelig2</a:t>
+            </a:r>
+          </a:p>
+        </p:txBody>
+      </p:sp>
+      <p:sp>
+        <p:nvSpPr>
+          <p:cNvPr id="3" name="Content Placeholder 2"/>
+          <p:cNvSpPr>
+            <a:spLocks noGrp="1"/>
+          </p:cNvSpPr>
+          <p:nvPr>
+            <p:ph idx="1"/>
           </p:nvPr>
         </p:nvSpPr>
         <p:spPr/>
@@ -13373,7 +13526,54 @@
           <a:bodyPr/>
           <a:lstStyle/>
           <a:p>
-            <a:endParaRPr lang="en-US"/>
+            <a:r>
+              <a:rPr lang="en-US" b="1"/>
+              <a:t>Does not</a:t>
+            </a:r>
+            <a:r>
+              <a:rPr lang="en-US"/>
+              <a:t> fit models itself</a:t>
+            </a:r>
+          </a:p>
+          <a:p>
+            <a:r>
+              <a:rPr lang="en-US"/>
+              <a:t>Uses outside models to fit data</a:t>
+            </a:r>
+          </a:p>
+          <a:p>
+            <a:pPr lvl="1"/>
+            <a:r>
+              <a:rPr lang="en-US"/>
+              <a:t>"lm", "glm", "nlme", etc.</a:t>
+            </a:r>
+          </a:p>
+          <a:p>
+            <a:r>
+              <a:rPr lang="en-US"/>
+              <a:t>Manages how zelig interacts with these models:</a:t>
+            </a:r>
+          </a:p>
+          <a:p>
+            <a:pPr lvl="1"/>
+            <a:r>
+              <a:rPr lang="en-US"/>
+              <a:t>Specifies what function will fit the model</a:t>
+            </a:r>
+          </a:p>
+          <a:p>
+            <a:pPr lvl="1"/>
+            <a:r>
+              <a:rPr lang="en-US"/>
+              <a:t>Specifies parameters</a:t>
+            </a:r>
+          </a:p>
+          <a:p>
+            <a:pPr lvl="1"/>
+            <a:r>
+              <a:rPr lang="en-US"/>
+              <a:t>Manipulates objects</a:t>
+            </a:r>
           </a:p>
         </p:txBody>
       </p:sp>
@@ -13382,11 +13582,18 @@
   <p:clrMapOvr>
     <a:masterClrMapping/>
   </p:clrMapOvr>
+  <p:timing>
+    <p:tnLst>
+      <p:par>
+        <p:cTn id="1" dur="indefinite" restart="never" nodeType="tmRoot"/>
+      </p:par>
+    </p:tnLst>
+  </p:timing>
 </p:sld>
 </file>
 
 <file path=ppt/slides/slide47.xml><?xml version="1.0" encoding="utf-8"?>
-<p:sld xmlns:a="http://schemas.openxmlformats.org/drawingml/2006/main" xmlns:r="http://schemas.openxmlformats.org/officeDocument/2006/relationships" xmlns:mc="http://schemas.openxmlformats.org/markup-compatibility/2006" xmlns:mv="urn:schemas-microsoft-com:mac:vml" xmlns:p="http://schemas.openxmlformats.org/presentationml/2006/main" mc:Ignorable="mv" mc:PreserveAttributes="mv:*">
+<p:sld xmlns:a="http://schemas.openxmlformats.org/drawingml/2006/main" xmlns:r="http://schemas.openxmlformats.org/officeDocument/2006/relationships" xmlns:p="http://schemas.openxmlformats.org/presentationml/2006/main">
   <p:cSld>
     <p:spTree>
       <p:nvGrpSpPr>
@@ -13404,12 +13611,12 @@
       </p:grpSpPr>
       <p:sp>
         <p:nvSpPr>
-          <p:cNvPr id="2" name="Title 1"/>
-          <p:cNvSpPr>
-            <a:spLocks noGrp="1"/>
-          </p:cNvSpPr>
-          <p:nvPr>
-            <p:ph type="title"/>
+          <p:cNvPr id="4" name="Title 3"/>
+          <p:cNvSpPr>
+            <a:spLocks noGrp="1"/>
+          </p:cNvSpPr>
+          <p:nvPr>
+            <p:ph type="ctrTitle"/>
           </p:nvPr>
         </p:nvSpPr>
         <p:spPr/>
@@ -13419,63 +13626,25 @@
           <a:p>
             <a:r>
               <a:rPr lang="en-US"/>
-              <a:t>Family Objects</a:t>
-            </a:r>
-          </a:p>
-        </p:txBody>
-      </p:sp>
-      <p:sp>
-        <p:nvSpPr>
-          <p:cNvPr id="3" name="Content Placeholder 2"/>
-          <p:cNvSpPr>
-            <a:spLocks noGrp="1"/>
-          </p:cNvSpPr>
-          <p:nvPr>
-            <p:ph idx="1"/>
+              <a:t>Miscellaneous Topics</a:t>
+            </a:r>
+          </a:p>
+        </p:txBody>
+      </p:sp>
+      <p:sp>
+        <p:nvSpPr>
+          <p:cNvPr id="5" name="Subtitle 4"/>
+          <p:cNvSpPr>
+            <a:spLocks noGrp="1"/>
+          </p:cNvSpPr>
+          <p:nvPr>
+            <p:ph type="subTitle" idx="1"/>
           </p:nvPr>
         </p:nvSpPr>
         <p:spPr/>
         <p:txBody>
           <a:bodyPr/>
           <a:lstStyle/>
-          <a:p>
-            <a:r>
-              <a:rPr lang="en-US"/>
-              <a:t>Store information about link functions</a:t>
-            </a:r>
-          </a:p>
-          <a:p>
-            <a:pPr lvl="1"/>
-            <a:r>
-              <a:rPr lang="en-US"/>
-              <a:t>"Link" functions help specify the relationship between the observed value and the underlying linear predictors</a:t>
-            </a:r>
-          </a:p>
-          <a:p>
-            <a:pPr lvl="1"/>
-            <a:r>
-              <a:rPr lang="en-US"/>
-              <a:t>"Inverse Link" simply inverse this process</a:t>
-            </a:r>
-          </a:p>
-          <a:p>
-            <a:r>
-              <a:rPr lang="en-US"/>
-              <a:t>Used by model-fitting functions</a:t>
-            </a:r>
-          </a:p>
-          <a:p>
-            <a:r>
-              <a:rPr lang="en-US"/>
-              <a:t>Inverse link functions are used in qi simulation</a:t>
-            </a:r>
-          </a:p>
-          <a:p>
-            <a:r>
-              <a:rPr lang="en-US"/>
-              <a:t>See help documentation: "?family"</a:t>
-            </a:r>
-          </a:p>
           <a:p>
             <a:endParaRPr lang="en-US"/>
           </a:p>
@@ -13497,7 +13666,7 @@
 </file>
 
 <file path=ppt/slides/slide48.xml><?xml version="1.0" encoding="utf-8"?>
-<p:sld xmlns:a="http://schemas.openxmlformats.org/drawingml/2006/main" xmlns:r="http://schemas.openxmlformats.org/officeDocument/2006/relationships" xmlns:mc="http://schemas.openxmlformats.org/markup-compatibility/2006" xmlns:mv="urn:schemas-microsoft-com:mac:vml" xmlns:p="http://schemas.openxmlformats.org/presentationml/2006/main" mc:Ignorable="mv" mc:PreserveAttributes="mv:*">
+<p:sld xmlns:a="http://schemas.openxmlformats.org/drawingml/2006/main" xmlns:r="http://schemas.openxmlformats.org/officeDocument/2006/relationships" xmlns:p="http://schemas.openxmlformats.org/presentationml/2006/main">
   <p:cSld>
     <p:spTree>
       <p:nvGrpSpPr>
@@ -13515,12 +13684,12 @@
       </p:grpSpPr>
       <p:sp>
         <p:nvSpPr>
-          <p:cNvPr id="6" name="Title 5"/>
-          <p:cNvSpPr>
-            <a:spLocks noGrp="1"/>
-          </p:cNvSpPr>
-          <p:nvPr>
-            <p:ph type="ctrTitle"/>
+          <p:cNvPr id="2" name="Title 1"/>
+          <p:cNvSpPr>
+            <a:spLocks noGrp="1"/>
+          </p:cNvSpPr>
+          <p:nvPr>
+            <p:ph type="title"/>
           </p:nvPr>
         </p:nvSpPr>
         <p:spPr/>
@@ -13530,25 +13699,63 @@
           <a:p>
             <a:r>
               <a:rPr lang="en-US"/>
-              <a:t>Workflow</a:t>
-            </a:r>
-          </a:p>
-        </p:txBody>
-      </p:sp>
-      <p:sp>
-        <p:nvSpPr>
-          <p:cNvPr id="7" name="Subtitle 6"/>
-          <p:cNvSpPr>
-            <a:spLocks noGrp="1"/>
-          </p:cNvSpPr>
-          <p:nvPr>
-            <p:ph type="subTitle" idx="1"/>
+              <a:t>Family Objects</a:t>
+            </a:r>
+          </a:p>
+        </p:txBody>
+      </p:sp>
+      <p:sp>
+        <p:nvSpPr>
+          <p:cNvPr id="3" name="Content Placeholder 2"/>
+          <p:cNvSpPr>
+            <a:spLocks noGrp="1"/>
+          </p:cNvSpPr>
+          <p:nvPr>
+            <p:ph idx="1"/>
           </p:nvPr>
         </p:nvSpPr>
         <p:spPr/>
         <p:txBody>
           <a:bodyPr/>
           <a:lstStyle/>
+          <a:p>
+            <a:r>
+              <a:rPr lang="en-US"/>
+              <a:t>Store information about link functions</a:t>
+            </a:r>
+          </a:p>
+          <a:p>
+            <a:pPr lvl="1"/>
+            <a:r>
+              <a:rPr lang="en-US"/>
+              <a:t>"Link" functions help specify the relationship between the observed value and the underlying linear predictors</a:t>
+            </a:r>
+          </a:p>
+          <a:p>
+            <a:pPr lvl="1"/>
+            <a:r>
+              <a:rPr lang="en-US"/>
+              <a:t>"Inverse Link" simply inverse this process</a:t>
+            </a:r>
+          </a:p>
+          <a:p>
+            <a:r>
+              <a:rPr lang="en-US"/>
+              <a:t>Used by model-fitting functions</a:t>
+            </a:r>
+          </a:p>
+          <a:p>
+            <a:r>
+              <a:rPr lang="en-US"/>
+              <a:t>Inverse link functions are used in qi simulation</a:t>
+            </a:r>
+          </a:p>
+          <a:p>
+            <a:r>
+              <a:rPr lang="en-US"/>
+              <a:t>See help documentation: "?family"</a:t>
+            </a:r>
+          </a:p>
           <a:p>
             <a:endParaRPr lang="en-US"/>
           </a:p>
@@ -13570,7 +13777,7 @@
 </file>
 
 <file path=ppt/slides/slide49.xml><?xml version="1.0" encoding="utf-8"?>
-<p:sld xmlns:a="http://schemas.openxmlformats.org/drawingml/2006/main" xmlns:r="http://schemas.openxmlformats.org/officeDocument/2006/relationships" xmlns:mc="http://schemas.openxmlformats.org/markup-compatibility/2006" xmlns:mv="urn:schemas-microsoft-com:mac:vml" xmlns:p="http://schemas.openxmlformats.org/presentationml/2006/main" mc:Ignorable="mv" mc:PreserveAttributes="mv:*">
+<p:sld xmlns:a="http://schemas.openxmlformats.org/drawingml/2006/main" xmlns:r="http://schemas.openxmlformats.org/officeDocument/2006/relationships" xmlns:p="http://schemas.openxmlformats.org/presentationml/2006/main">
   <p:cSld>
     <p:spTree>
       <p:nvGrpSpPr>
@@ -13588,12 +13795,12 @@
       </p:grpSpPr>
       <p:sp>
         <p:nvSpPr>
-          <p:cNvPr id="2" name="Title 1"/>
-          <p:cNvSpPr>
-            <a:spLocks noGrp="1"/>
-          </p:cNvSpPr>
-          <p:nvPr>
-            <p:ph type="title"/>
+          <p:cNvPr id="6" name="Title 5"/>
+          <p:cNvSpPr>
+            <a:spLocks noGrp="1"/>
+          </p:cNvSpPr>
+          <p:nvPr>
+            <p:ph type="ctrTitle"/>
           </p:nvPr>
         </p:nvSpPr>
         <p:spPr/>
@@ -13610,12 +13817,12 @@
       </p:sp>
       <p:sp>
         <p:nvSpPr>
-          <p:cNvPr id="3" name="Content Placeholder 2"/>
-          <p:cNvSpPr>
-            <a:spLocks noGrp="1"/>
-          </p:cNvSpPr>
-          <p:nvPr>
-            <p:ph idx="1"/>
+          <p:cNvPr id="7" name="Subtitle 6"/>
+          <p:cNvSpPr>
+            <a:spLocks noGrp="1"/>
+          </p:cNvSpPr>
+          <p:nvPr>
+            <p:ph type="subTitle" idx="1"/>
           </p:nvPr>
         </p:nvSpPr>
         <p:spPr/>
@@ -13623,45 +13830,7 @@
           <a:bodyPr/>
           <a:lstStyle/>
           <a:p>
-            <a:r>
-              <a:rPr lang="en-US" dirty="0"/>
-              <a:t>Find existing model</a:t>
-            </a:r>
-          </a:p>
-          <a:p>
-            <a:r>
-              <a:rPr lang="en-US" dirty="0"/>
-              <a:t>Determine what the arguments are</a:t>
-            </a:r>
-          </a:p>
-          <a:p>
-            <a:r>
-              <a:rPr lang="en-US" dirty="0"/>
-              <a:t>Return a list at the bottom of the function</a:t>
-            </a:r>
-          </a:p>
-          <a:p>
-            <a:r>
-              <a:rPr lang="en-US" dirty="0"/>
-              <a:t>Manipulate objects</a:t>
-            </a:r>
-          </a:p>
-          <a:p>
-            <a:r>
-              <a:rPr lang="en-US" dirty="0"/>
-              <a:t>Write </a:t>
-            </a:r>
-            <a:r>
-              <a:rPr lang="en-US" dirty="0" smtClean="0"/>
-              <a:t>warnings</a:t>
-            </a:r>
-            <a:endParaRPr lang="en-US" dirty="0"/>
-          </a:p>
-          <a:p>
-            <a:r>
-              <a:rPr lang="en-US" dirty="0"/>
-              <a:t>Document</a:t>
-            </a:r>
+            <a:endParaRPr lang="en-US"/>
           </a:p>
         </p:txBody>
       </p:sp>
@@ -13681,7 +13850,7 @@
 </file>
 
 <file path=ppt/slides/slide5.xml><?xml version="1.0" encoding="utf-8"?>
-<p:sld xmlns:a="http://schemas.openxmlformats.org/drawingml/2006/main" xmlns:r="http://schemas.openxmlformats.org/officeDocument/2006/relationships" xmlns:mc="http://schemas.openxmlformats.org/markup-compatibility/2006" xmlns:mv="urn:schemas-microsoft-com:mac:vml" xmlns:p="http://schemas.openxmlformats.org/presentationml/2006/main" mc:Ignorable="mv" mc:PreserveAttributes="mv:*">
+<p:sld xmlns:a="http://schemas.openxmlformats.org/drawingml/2006/main" xmlns:r="http://schemas.openxmlformats.org/officeDocument/2006/relationships" xmlns:p="http://schemas.openxmlformats.org/presentationml/2006/main">
   <p:cSld>
     <p:spTree>
       <p:nvGrpSpPr>
@@ -13709,94 +13878,106 @@
         </p:nvSpPr>
         <p:spPr/>
         <p:txBody>
+          <a:bodyPr/>
+          <a:lstStyle/>
+          <a:p>
+            <a:r>
+              <a:rPr lang="en-US"/>
+              <a:t>Structure of a Package</a:t>
+            </a:r>
+          </a:p>
+        </p:txBody>
+      </p:sp>
+      <p:sp>
+        <p:nvSpPr>
+          <p:cNvPr id="4" name="Content Placeholder 3"/>
+          <p:cNvSpPr>
+            <a:spLocks noGrp="1"/>
+          </p:cNvSpPr>
+          <p:nvPr>
+            <p:ph idx="1"/>
+          </p:nvPr>
+        </p:nvSpPr>
+        <p:spPr>
+          <a:xfrm>
+            <a:off x="457200" y="1600200"/>
+            <a:ext cx="8229600" cy="4525963"/>
+          </a:xfrm>
+        </p:spPr>
+        <p:txBody>
           <a:bodyPr>
-            <a:normAutofit fontScale="90000"/>
+            <a:normAutofit lnSpcReduction="10000"/>
           </a:bodyPr>
           <a:lstStyle/>
           <a:p>
             <a:r>
+              <a:rPr lang="en-US" dirty="0" smtClean="0"/>
+              <a:t>Simply a directory </a:t>
+            </a:r>
+          </a:p>
+          <a:p>
+            <a:r>
+              <a:rPr lang="en-US" dirty="0" smtClean="0"/>
+              <a:t>Has two important folders:</a:t>
+            </a:r>
+            <a:endParaRPr lang="en-US" dirty="0"/>
+          </a:p>
+          <a:p>
+            <a:pPr marL="457200" lvl="1" indent="0">
+              <a:buNone/>
+            </a:pPr>
+            <a:r>
+              <a:rPr lang="en-US" sz="4000" b="1" dirty="0" smtClean="0"/>
+              <a:t>R/</a:t>
+            </a:r>
+            <a:endParaRPr lang="en-US" sz="4000" b="1" dirty="0"/>
+          </a:p>
+          <a:p>
+            <a:pPr marL="457200" lvl="1" indent="0">
+              <a:buNone/>
+            </a:pPr>
+            <a:r>
+              <a:rPr lang="en-US" sz="4000" b="1" dirty="0" smtClean="0"/>
+              <a:t>man/</a:t>
+            </a:r>
+            <a:endParaRPr lang="en-US" sz="4000" b="1" dirty="0"/>
+          </a:p>
+          <a:p>
+            <a:r>
               <a:rPr lang="en-US" dirty="0"/>
-              <a:t>Structure of a Package</a:t>
-            </a:r>
-            <a:br>
+              <a:t>And </a:t>
+            </a:r>
+            <a:r>
+              <a:rPr lang="en-US" dirty="0" smtClean="0"/>
+              <a:t>two important </a:t>
+            </a:r>
+            <a:r>
               <a:rPr lang="en-US" dirty="0"/>
-            </a:br>
-            <a:r>
-              <a:rPr lang="en-US" dirty="0" smtClean="0"/>
-              <a:t>(the </a:t>
-            </a:r>
-            <a:r>
-              <a:rPr lang="en-US" dirty="0"/>
-              <a:t>"</a:t>
-            </a:r>
-            <a:r>
-              <a:rPr lang="en-US" b="1" dirty="0"/>
-              <a:t>R</a:t>
-            </a:r>
-            <a:r>
-              <a:rPr lang="en-US" dirty="0"/>
-              <a:t>" </a:t>
-            </a:r>
-            <a:r>
-              <a:rPr lang="en-US" dirty="0" smtClean="0"/>
-              <a:t>folder</a:t>
-            </a:r>
-            <a:r>
-              <a:rPr lang="en-US" dirty="0"/>
-              <a:t>)</a:t>
-            </a:r>
-          </a:p>
-        </p:txBody>
-      </p:sp>
-      <p:sp>
-        <p:nvSpPr>
-          <p:cNvPr id="3" name="Content Placeholder 2"/>
-          <p:cNvSpPr>
-            <a:spLocks noGrp="1"/>
-          </p:cNvSpPr>
-          <p:nvPr>
-            <p:ph idx="1"/>
-          </p:nvPr>
-        </p:nvSpPr>
-        <p:spPr/>
-        <p:txBody>
-          <a:bodyPr/>
-          <a:lstStyle/>
-          <a:p>
-            <a:r>
-              <a:rPr lang="en-US" dirty="0" smtClean="0"/>
-              <a:t>Contains the R source code for the entire package</a:t>
-            </a:r>
-          </a:p>
-          <a:p>
-            <a:r>
-              <a:rPr lang="en-US" dirty="0" smtClean="0"/>
-              <a:t>All files end with </a:t>
-            </a:r>
-            <a:r>
-              <a:rPr lang="en-US" dirty="0"/>
-              <a:t>"</a:t>
-            </a:r>
-            <a:r>
-              <a:rPr lang="en-US" b="1" dirty="0"/>
-              <a:t>.R</a:t>
-            </a:r>
-            <a:r>
-              <a:rPr lang="en-US" dirty="0"/>
-              <a:t>"</a:t>
-            </a:r>
-          </a:p>
-          <a:p>
-            <a:r>
-              <a:rPr lang="en-US" dirty="0" smtClean="0"/>
-              <a:t>Code </a:t>
-            </a:r>
-            <a:r>
-              <a:rPr lang="en-US" dirty="0"/>
-              <a:t>written in R should always be kept in this folder</a:t>
-            </a:r>
-          </a:p>
-          <a:p>
+              <a:t>files:</a:t>
+            </a:r>
+          </a:p>
+          <a:p>
+            <a:pPr marL="457200" lvl="1" indent="0">
+              <a:buNone/>
+            </a:pPr>
+            <a:r>
+              <a:rPr lang="en-US" sz="4000" b="1" dirty="0"/>
+              <a:t>DESCRIPTION</a:t>
+            </a:r>
+          </a:p>
+          <a:p>
+            <a:pPr marL="457200" lvl="1" indent="0">
+              <a:buNone/>
+            </a:pPr>
+            <a:r>
+              <a:rPr lang="en-US" sz="4000" b="1" dirty="0"/>
+              <a:t>NAMESPACE</a:t>
+            </a:r>
+          </a:p>
+          <a:p>
+            <a:pPr>
+              <a:buNone/>
+            </a:pPr>
             <a:endParaRPr lang="en-US" dirty="0"/>
           </a:p>
         </p:txBody>
@@ -13804,7 +13985,7 @@
     </p:spTree>
     <p:extLst>
       <p:ext uri="{BB962C8B-B14F-4D97-AF65-F5344CB8AC3E}">
-        <p14:creationId xmlns:mc="http://schemas.openxmlformats.org/markup-compatibility/2006" xmlns:mv="urn:schemas-microsoft-com:mac:vml" xmlns:p14="http://schemas.microsoft.com/office/powerpoint/2010/main" xmlns:p="http://schemas.openxmlformats.org/presentationml/2006/main" xmlns:r="http://schemas.openxmlformats.org/officeDocument/2006/relationships" xmlns:a="http://schemas.openxmlformats.org/drawingml/2006/main" xmlns="" val="3623617875"/>
+        <p14:creationId xmlns:p14="http://schemas.microsoft.com/office/powerpoint/2010/main" val="1501347142"/>
       </p:ext>
     </p:extLst>
   </p:cSld>
@@ -13822,7 +14003,7 @@
 </file>
 
 <file path=ppt/slides/slide50.xml><?xml version="1.0" encoding="utf-8"?>
-<p:sld xmlns:a="http://schemas.openxmlformats.org/drawingml/2006/main" xmlns:r="http://schemas.openxmlformats.org/officeDocument/2006/relationships" xmlns:mc="http://schemas.openxmlformats.org/markup-compatibility/2006" xmlns:mv="urn:schemas-microsoft-com:mac:vml" xmlns:p="http://schemas.openxmlformats.org/presentationml/2006/main" mc:Ignorable="mv" mc:PreserveAttributes="mv:*">
+<p:sld xmlns:a="http://schemas.openxmlformats.org/drawingml/2006/main" xmlns:r="http://schemas.openxmlformats.org/officeDocument/2006/relationships" xmlns:p="http://schemas.openxmlformats.org/presentationml/2006/main">
   <p:cSld>
     <p:spTree>
       <p:nvGrpSpPr>
@@ -13854,6 +14035,117 @@
           <a:lstStyle/>
           <a:p>
             <a:r>
+              <a:rPr lang="en-US"/>
+              <a:t>Workflow</a:t>
+            </a:r>
+          </a:p>
+        </p:txBody>
+      </p:sp>
+      <p:sp>
+        <p:nvSpPr>
+          <p:cNvPr id="3" name="Content Placeholder 2"/>
+          <p:cNvSpPr>
+            <a:spLocks noGrp="1"/>
+          </p:cNvSpPr>
+          <p:nvPr>
+            <p:ph idx="1"/>
+          </p:nvPr>
+        </p:nvSpPr>
+        <p:spPr/>
+        <p:txBody>
+          <a:bodyPr/>
+          <a:lstStyle/>
+          <a:p>
+            <a:r>
+              <a:rPr lang="en-US" dirty="0"/>
+              <a:t>Find existing model</a:t>
+            </a:r>
+          </a:p>
+          <a:p>
+            <a:r>
+              <a:rPr lang="en-US" dirty="0"/>
+              <a:t>Determine what the arguments are</a:t>
+            </a:r>
+          </a:p>
+          <a:p>
+            <a:r>
+              <a:rPr lang="en-US" dirty="0"/>
+              <a:t>Return a list at the bottom of the function</a:t>
+            </a:r>
+          </a:p>
+          <a:p>
+            <a:r>
+              <a:rPr lang="en-US" dirty="0"/>
+              <a:t>Manipulate objects</a:t>
+            </a:r>
+          </a:p>
+          <a:p>
+            <a:r>
+              <a:rPr lang="en-US" dirty="0"/>
+              <a:t>Write </a:t>
+            </a:r>
+            <a:r>
+              <a:rPr lang="en-US" dirty="0" smtClean="0"/>
+              <a:t>warnings</a:t>
+            </a:r>
+            <a:endParaRPr lang="en-US" dirty="0"/>
+          </a:p>
+          <a:p>
+            <a:r>
+              <a:rPr lang="en-US" dirty="0"/>
+              <a:t>Document</a:t>
+            </a:r>
+          </a:p>
+        </p:txBody>
+      </p:sp>
+    </p:spTree>
+  </p:cSld>
+  <p:clrMapOvr>
+    <a:masterClrMapping/>
+  </p:clrMapOvr>
+  <p:timing>
+    <p:tnLst>
+      <p:par>
+        <p:cTn id="1" dur="indefinite" restart="never" nodeType="tmRoot"/>
+      </p:par>
+    </p:tnLst>
+  </p:timing>
+</p:sld>
+</file>
+
+<file path=ppt/slides/slide51.xml><?xml version="1.0" encoding="utf-8"?>
+<p:sld xmlns:a="http://schemas.openxmlformats.org/drawingml/2006/main" xmlns:r="http://schemas.openxmlformats.org/officeDocument/2006/relationships" xmlns:p="http://schemas.openxmlformats.org/presentationml/2006/main">
+  <p:cSld>
+    <p:spTree>
+      <p:nvGrpSpPr>
+        <p:cNvPr id="1" name=""/>
+        <p:cNvGrpSpPr/>
+        <p:nvPr/>
+      </p:nvGrpSpPr>
+      <p:grpSpPr>
+        <a:xfrm>
+          <a:off x="0" y="0"/>
+          <a:ext cx="0" cy="0"/>
+          <a:chOff x="0" y="0"/>
+          <a:chExt cx="0" cy="0"/>
+        </a:xfrm>
+      </p:grpSpPr>
+      <p:sp>
+        <p:nvSpPr>
+          <p:cNvPr id="2" name="Title 1"/>
+          <p:cNvSpPr>
+            <a:spLocks noGrp="1"/>
+          </p:cNvSpPr>
+          <p:nvPr>
+            <p:ph type="title"/>
+          </p:nvPr>
+        </p:nvSpPr>
+        <p:spPr/>
+        <p:txBody>
+          <a:bodyPr/>
+          <a:lstStyle/>
+          <a:p>
+            <a:r>
               <a:rPr lang="en-US" dirty="0" smtClean="0"/>
               <a:t>Workflow</a:t>
             </a:r>
@@ -13919,7 +14211,7 @@
     </p:spTree>
     <p:extLst>
       <p:ext uri="{BB962C8B-B14F-4D97-AF65-F5344CB8AC3E}">
-        <p14:creationId xmlns:mc="http://schemas.openxmlformats.org/markup-compatibility/2006" xmlns:mv="urn:schemas-microsoft-com:mac:vml" xmlns:p14="http://schemas.microsoft.com/office/powerpoint/2010/main" xmlns:p="http://schemas.openxmlformats.org/presentationml/2006/main" xmlns:r="http://schemas.openxmlformats.org/officeDocument/2006/relationships" xmlns:a="http://schemas.openxmlformats.org/drawingml/2006/main" xmlns="" val="3145060271"/>
+        <p14:creationId xmlns:p14="http://schemas.microsoft.com/office/powerpoint/2010/main" val="3145060271"/>
       </p:ext>
     </p:extLst>
   </p:cSld>
@@ -13936,8 +14228,8 @@
 </p:sld>
 </file>
 
-<file path=ppt/slides/slide51.xml><?xml version="1.0" encoding="utf-8"?>
-<p:sld xmlns:a="http://schemas.openxmlformats.org/drawingml/2006/main" xmlns:r="http://schemas.openxmlformats.org/officeDocument/2006/relationships" xmlns:mc="http://schemas.openxmlformats.org/markup-compatibility/2006" xmlns:mv="urn:schemas-microsoft-com:mac:vml" xmlns:p="http://schemas.openxmlformats.org/presentationml/2006/main" mc:Ignorable="mv" mc:PreserveAttributes="mv:*">
+<file path=ppt/slides/slide52.xml><?xml version="1.0" encoding="utf-8"?>
+<p:sld xmlns:a="http://schemas.openxmlformats.org/drawingml/2006/main" xmlns:r="http://schemas.openxmlformats.org/officeDocument/2006/relationships" xmlns:p="http://schemas.openxmlformats.org/presentationml/2006/main">
   <p:cSld>
     <p:spTree>
       <p:nvGrpSpPr>
@@ -14052,7 +14344,7 @@
     </p:spTree>
     <p:extLst>
       <p:ext uri="{BB962C8B-B14F-4D97-AF65-F5344CB8AC3E}">
-        <p14:creationId xmlns:mc="http://schemas.openxmlformats.org/markup-compatibility/2006" xmlns:mv="urn:schemas-microsoft-com:mac:vml" xmlns:p14="http://schemas.microsoft.com/office/powerpoint/2010/main" xmlns:p="http://schemas.openxmlformats.org/presentationml/2006/main" xmlns:r="http://schemas.openxmlformats.org/officeDocument/2006/relationships" xmlns:a="http://schemas.openxmlformats.org/drawingml/2006/main" xmlns="" val="1712515247"/>
+        <p14:creationId xmlns:p14="http://schemas.microsoft.com/office/powerpoint/2010/main" val="1712515247"/>
       </p:ext>
     </p:extLst>
   </p:cSld>
@@ -14070,7 +14362,7 @@
 </file>
 
 <file path=ppt/slides/slide6.xml><?xml version="1.0" encoding="utf-8"?>
-<p:sld xmlns:a="http://schemas.openxmlformats.org/drawingml/2006/main" xmlns:r="http://schemas.openxmlformats.org/officeDocument/2006/relationships" xmlns:mc="http://schemas.openxmlformats.org/markup-compatibility/2006" xmlns:mv="urn:schemas-microsoft-com:mac:vml" xmlns:p="http://schemas.openxmlformats.org/presentationml/2006/main" mc:Ignorable="mv" mc:PreserveAttributes="mv:*">
+<p:sld xmlns:a="http://schemas.openxmlformats.org/drawingml/2006/main" xmlns:r="http://schemas.openxmlformats.org/officeDocument/2006/relationships" xmlns:p="http://schemas.openxmlformats.org/presentationml/2006/main">
   <p:cSld>
     <p:spTree>
       <p:nvGrpSpPr>
@@ -14120,7 +14412,7 @@
             </a:r>
             <a:r>
               <a:rPr lang="en-US" b="1" dirty="0"/>
-              <a:t>man</a:t>
+              <a:t>R</a:t>
             </a:r>
             <a:r>
               <a:rPr lang="en-US" dirty="0"/>
@@ -14154,57 +14446,46 @@
           <a:p>
             <a:r>
               <a:rPr lang="en-US" dirty="0" smtClean="0"/>
-              <a:t>Contains </a:t>
-            </a:r>
-            <a:r>
-              <a:rPr lang="en-US" dirty="0"/>
-              <a:t>the help documentation</a:t>
-            </a:r>
-          </a:p>
-          <a:p>
-            <a:r>
-              <a:rPr lang="en-US" dirty="0"/>
-              <a:t>All files </a:t>
-            </a:r>
+              <a:t>Contains the R source code for the entire package</a:t>
+            </a:r>
+          </a:p>
+          <a:p>
             <a:r>
               <a:rPr lang="en-US" dirty="0" smtClean="0"/>
-              <a:t>end with "</a:t>
-            </a:r>
-            <a:r>
-              <a:rPr lang="en-US" b="1" dirty="0" smtClean="0"/>
-              <a:t>.Rd</a:t>
+              <a:t>All files end with </a:t>
             </a:r>
             <a:r>
               <a:rPr lang="en-US" dirty="0"/>
               <a:t>"</a:t>
             </a:r>
-          </a:p>
-          <a:p>
+            <a:r>
+              <a:rPr lang="en-US" b="1" dirty="0"/>
+              <a:t>.R</a:t>
+            </a:r>
             <a:r>
               <a:rPr lang="en-US" dirty="0"/>
-              <a:t>Rd documents are written in a </a:t>
-            </a:r>
-            <a:r>
-              <a:rPr lang="en-US" dirty="0" err="1"/>
-              <a:t>LaTeX</a:t>
+              <a:t>"</a:t>
+            </a:r>
+          </a:p>
+          <a:p>
+            <a:r>
+              <a:rPr lang="en-US" dirty="0" smtClean="0"/>
+              <a:t>Code </a:t>
             </a:r>
             <a:r>
               <a:rPr lang="en-US" dirty="0"/>
-              <a:t>-like language</a:t>
-            </a:r>
-          </a:p>
-          <a:p>
-            <a:r>
-              <a:rPr lang="en-US" sz="2400" dirty="0"/>
-              <a:t>http://cran.r-project.org/doc/manuals/R-exts.html#Rd-format</a:t>
-            </a:r>
+              <a:t>written in R should always be kept in this folder</a:t>
+            </a:r>
+          </a:p>
+          <a:p>
+            <a:endParaRPr lang="en-US" dirty="0"/>
           </a:p>
         </p:txBody>
       </p:sp>
     </p:spTree>
     <p:extLst>
       <p:ext uri="{BB962C8B-B14F-4D97-AF65-F5344CB8AC3E}">
-        <p14:creationId xmlns:mc="http://schemas.openxmlformats.org/markup-compatibility/2006" xmlns:mv="urn:schemas-microsoft-com:mac:vml" xmlns:p14="http://schemas.microsoft.com/office/powerpoint/2010/main" xmlns:p="http://schemas.openxmlformats.org/presentationml/2006/main" xmlns:r="http://schemas.openxmlformats.org/officeDocument/2006/relationships" xmlns:a="http://schemas.openxmlformats.org/drawingml/2006/main" xmlns="" val="70992702"/>
+        <p14:creationId xmlns:p14="http://schemas.microsoft.com/office/powerpoint/2010/main" val="3623617875"/>
       </p:ext>
     </p:extLst>
   </p:cSld>
@@ -14222,7 +14503,7 @@
 </file>
 
 <file path=ppt/slides/slide7.xml><?xml version="1.0" encoding="utf-8"?>
-<p:sld xmlns:a="http://schemas.openxmlformats.org/drawingml/2006/main" xmlns:r="http://schemas.openxmlformats.org/officeDocument/2006/relationships" xmlns:mc="http://schemas.openxmlformats.org/markup-compatibility/2006" xmlns:mv="urn:schemas-microsoft-com:mac:vml" xmlns:p="http://schemas.openxmlformats.org/presentationml/2006/main" mc:Ignorable="mv" mc:PreserveAttributes="mv:*">
+<p:sld xmlns:a="http://schemas.openxmlformats.org/drawingml/2006/main" xmlns:r="http://schemas.openxmlformats.org/officeDocument/2006/relationships" xmlns:p="http://schemas.openxmlformats.org/presentationml/2006/main">
   <p:cSld>
     <p:spTree>
       <p:nvGrpSpPr>
@@ -14256,79 +14537,99 @@
           <a:lstStyle/>
           <a:p>
             <a:r>
+              <a:rPr lang="en-US" dirty="0"/>
+              <a:t>Structure of a Package</a:t>
+            </a:r>
+            <a:br>
+              <a:rPr lang="en-US" dirty="0"/>
+            </a:br>
+            <a:r>
               <a:rPr lang="en-US" dirty="0" smtClean="0"/>
-              <a:t>Structure of a Package</a:t>
-            </a:r>
-            <a:br>
+              <a:t>(the </a:t>
+            </a:r>
+            <a:r>
+              <a:rPr lang="en-US" dirty="0"/>
+              <a:t>"</a:t>
+            </a:r>
+            <a:r>
+              <a:rPr lang="en-US" b="1" dirty="0"/>
+              <a:t>man</a:t>
+            </a:r>
+            <a:r>
+              <a:rPr lang="en-US" dirty="0"/>
+              <a:t>" </a:t>
+            </a:r>
+            <a:r>
               <a:rPr lang="en-US" dirty="0" smtClean="0"/>
-            </a:br>
+              <a:t>folder</a:t>
+            </a:r>
+            <a:r>
+              <a:rPr lang="en-US" dirty="0"/>
+              <a:t>)</a:t>
+            </a:r>
+          </a:p>
+        </p:txBody>
+      </p:sp>
+      <p:sp>
+        <p:nvSpPr>
+          <p:cNvPr id="3" name="Content Placeholder 2"/>
+          <p:cNvSpPr>
+            <a:spLocks noGrp="1"/>
+          </p:cNvSpPr>
+          <p:nvPr>
+            <p:ph idx="1"/>
+          </p:nvPr>
+        </p:nvSpPr>
+        <p:spPr/>
+        <p:txBody>
+          <a:bodyPr/>
+          <a:lstStyle/>
+          <a:p>
             <a:r>
               <a:rPr lang="en-US" dirty="0" smtClean="0"/>
-              <a:t>(the "</a:t>
+              <a:t>Contains </a:t>
+            </a:r>
+            <a:r>
+              <a:rPr lang="en-US" dirty="0"/>
+              <a:t>the help documentation</a:t>
+            </a:r>
+          </a:p>
+          <a:p>
+            <a:r>
+              <a:rPr lang="en-US" dirty="0"/>
+              <a:t>All files </a:t>
+            </a:r>
+            <a:r>
+              <a:rPr lang="en-US" dirty="0" smtClean="0"/>
+              <a:t>end with "</a:t>
             </a:r>
             <a:r>
               <a:rPr lang="en-US" b="1" dirty="0" smtClean="0"/>
-              <a:t>DESCRIPTION</a:t>
-            </a:r>
-            <a:r>
-              <a:rPr lang="en-US" dirty="0" smtClean="0"/>
-              <a:t>" file)</a:t>
-            </a:r>
-            <a:endParaRPr lang="en-US" dirty="0"/>
-          </a:p>
-        </p:txBody>
-      </p:sp>
-      <p:sp>
-        <p:nvSpPr>
-          <p:cNvPr id="3" name="Content Placeholder 2"/>
-          <p:cNvSpPr>
-            <a:spLocks noGrp="1"/>
-          </p:cNvSpPr>
-          <p:nvPr>
-            <p:ph idx="1"/>
-          </p:nvPr>
-        </p:nvSpPr>
-        <p:spPr/>
-        <p:txBody>
-          <a:bodyPr/>
-          <a:lstStyle/>
-          <a:p>
-            <a:r>
-              <a:rPr lang="en-US"/>
-              <a:t>Contains several fields used to specify information about the statistical package</a:t>
-            </a:r>
-          </a:p>
-          <a:p>
-            <a:r>
-              <a:rPr lang="en-US"/>
-              <a:t>Most important are:</a:t>
-            </a:r>
-          </a:p>
-          <a:p>
-            <a:pPr lvl="1"/>
-            <a:r>
-              <a:rPr lang="en-US"/>
-              <a:t>Package</a:t>
-            </a:r>
-          </a:p>
-          <a:p>
-            <a:pPr lvl="1"/>
-            <a:r>
-              <a:rPr lang="en-US"/>
-              <a:t>Depends</a:t>
-            </a:r>
-          </a:p>
-          <a:p>
-            <a:pPr lvl="1"/>
-            <a:r>
-              <a:rPr lang="en-US"/>
-              <a:t>Author</a:t>
-            </a:r>
-          </a:p>
-          <a:p>
-            <a:r>
-              <a:rPr lang="en-US" sz="2000"/>
-              <a:t>http://cran.r-project.org/doc/manuals/R-exts.html#The-DESCRIPTION-file</a:t>
+              <a:t>.Rd</a:t>
+            </a:r>
+            <a:r>
+              <a:rPr lang="en-US" dirty="0"/>
+              <a:t>"</a:t>
+            </a:r>
+          </a:p>
+          <a:p>
+            <a:r>
+              <a:rPr lang="en-US" dirty="0"/>
+              <a:t>Rd documents are written in a </a:t>
+            </a:r>
+            <a:r>
+              <a:rPr lang="en-US" dirty="0" err="1"/>
+              <a:t>LaTeX</a:t>
+            </a:r>
+            <a:r>
+              <a:rPr lang="en-US" dirty="0"/>
+              <a:t>-like language</a:t>
+            </a:r>
+          </a:p>
+          <a:p>
+            <a:r>
+              <a:rPr lang="en-US" sz="2400" dirty="0"/>
+              <a:t>http://cran.r-project.org/doc/manuals/R-exts.html#Rd-format</a:t>
             </a:r>
           </a:p>
         </p:txBody>
@@ -14336,7 +14637,7 @@
     </p:spTree>
     <p:extLst>
       <p:ext uri="{BB962C8B-B14F-4D97-AF65-F5344CB8AC3E}">
-        <p14:creationId xmlns:mc="http://schemas.openxmlformats.org/markup-compatibility/2006" xmlns:mv="urn:schemas-microsoft-com:mac:vml" xmlns:p14="http://schemas.microsoft.com/office/powerpoint/2010/main" xmlns:p="http://schemas.openxmlformats.org/presentationml/2006/main" xmlns:r="http://schemas.openxmlformats.org/officeDocument/2006/relationships" xmlns:a="http://schemas.openxmlformats.org/drawingml/2006/main" xmlns="" val="2872122745"/>
+        <p14:creationId xmlns:p14="http://schemas.microsoft.com/office/powerpoint/2010/main" val="70992702"/>
       </p:ext>
     </p:extLst>
   </p:cSld>
@@ -14354,7 +14655,7 @@
 </file>
 
 <file path=ppt/slides/slide8.xml><?xml version="1.0" encoding="utf-8"?>
-<p:sld xmlns:a="http://schemas.openxmlformats.org/drawingml/2006/main" xmlns:r="http://schemas.openxmlformats.org/officeDocument/2006/relationships" xmlns:mc="http://schemas.openxmlformats.org/markup-compatibility/2006" xmlns:mv="urn:schemas-microsoft-com:mac:vml" xmlns:p="http://schemas.openxmlformats.org/presentationml/2006/main" mc:Ignorable="mv" mc:PreserveAttributes="mv:*">
+<p:sld xmlns:a="http://schemas.openxmlformats.org/drawingml/2006/main" xmlns:r="http://schemas.openxmlformats.org/officeDocument/2006/relationships" xmlns:p="http://schemas.openxmlformats.org/presentationml/2006/main">
   <p:cSld>
     <p:spTree>
       <p:nvGrpSpPr>
@@ -14388,36 +14689,25 @@
           <a:lstStyle/>
           <a:p>
             <a:r>
-              <a:rPr lang="en-US" dirty="0"/>
+              <a:rPr lang="en-US" dirty="0" smtClean="0"/>
               <a:t>Structure of a Package</a:t>
             </a:r>
             <a:br>
-              <a:rPr lang="en-US" dirty="0"/>
+              <a:rPr lang="en-US" dirty="0" smtClean="0"/>
             </a:br>
             <a:r>
               <a:rPr lang="en-US" dirty="0" smtClean="0"/>
-              <a:t>(the </a:t>
-            </a:r>
-            <a:r>
-              <a:rPr lang="en-US" dirty="0"/>
-              <a:t>"</a:t>
-            </a:r>
-            <a:r>
-              <a:rPr lang="en-US" b="1" dirty="0"/>
-              <a:t>NAMESPACE</a:t>
-            </a:r>
-            <a:r>
-              <a:rPr lang="en-US" dirty="0"/>
-              <a:t>" </a:t>
+              <a:t>(the "</a:t>
+            </a:r>
+            <a:r>
+              <a:rPr lang="en-US" b="1" dirty="0" smtClean="0"/>
+              <a:t>DESCRIPTION</a:t>
             </a:r>
             <a:r>
               <a:rPr lang="en-US" dirty="0" smtClean="0"/>
-              <a:t>file</a:t>
-            </a:r>
-            <a:r>
-              <a:rPr lang="en-US" dirty="0"/>
-              <a:t>)</a:t>
-            </a:r>
+              <a:t>" file)</a:t>
+            </a:r>
+            <a:endParaRPr lang="en-US" dirty="0"/>
           </a:p>
         </p:txBody>
       </p:sp>
@@ -14438,19 +14728,40 @@
           <a:p>
             <a:r>
               <a:rPr lang="en-US"/>
-              <a:t>For the novice, the default "NAMESPACE" file should suffice</a:t>
-            </a:r>
-          </a:p>
-          <a:p>
-            <a:r>
-              <a:rPr lang="en-US"/>
-              <a:t>Advanced users may want to keep some functions hidden from users</a:t>
+              <a:t>Contains several fields used to specify information about the statistical package</a:t>
+            </a:r>
+          </a:p>
+          <a:p>
+            <a:r>
+              <a:rPr lang="en-US"/>
+              <a:t>Most important are:</a:t>
+            </a:r>
+          </a:p>
+          <a:p>
+            <a:pPr lvl="1"/>
+            <a:r>
+              <a:rPr lang="en-US"/>
+              <a:t>Package</a:t>
+            </a:r>
+          </a:p>
+          <a:p>
+            <a:pPr lvl="1"/>
+            <a:r>
+              <a:rPr lang="en-US"/>
+              <a:t>Depends</a:t>
+            </a:r>
+          </a:p>
+          <a:p>
+            <a:pPr lvl="1"/>
+            <a:r>
+              <a:rPr lang="en-US"/>
+              <a:t>Author</a:t>
             </a:r>
           </a:p>
           <a:p>
             <a:r>
               <a:rPr lang="en-US" sz="2000"/>
-              <a:t>http://cran.r-project.org/doc/manuals/R-exts.html#Package-namespaces</a:t>
+              <a:t>http://cran.r-project.org/doc/manuals/R-exts.html#The-DESCRIPTION-file</a:t>
             </a:r>
           </a:p>
         </p:txBody>
@@ -14458,7 +14769,7 @@
     </p:spTree>
     <p:extLst>
       <p:ext uri="{BB962C8B-B14F-4D97-AF65-F5344CB8AC3E}">
-        <p14:creationId xmlns:mc="http://schemas.openxmlformats.org/markup-compatibility/2006" xmlns:mv="urn:schemas-microsoft-com:mac:vml" xmlns:p14="http://schemas.microsoft.com/office/powerpoint/2010/main" xmlns:p="http://schemas.openxmlformats.org/presentationml/2006/main" xmlns:r="http://schemas.openxmlformats.org/officeDocument/2006/relationships" xmlns:a="http://schemas.openxmlformats.org/drawingml/2006/main" xmlns="" val="19752076"/>
+        <p14:creationId xmlns:p14="http://schemas.microsoft.com/office/powerpoint/2010/main" val="2872122745"/>
       </p:ext>
     </p:extLst>
   </p:cSld>
@@ -14476,7 +14787,7 @@
 </file>
 
 <file path=ppt/slides/slide9.xml><?xml version="1.0" encoding="utf-8"?>
-<p:sld xmlns:a="http://schemas.openxmlformats.org/drawingml/2006/main" xmlns:r="http://schemas.openxmlformats.org/officeDocument/2006/relationships" xmlns:mc="http://schemas.openxmlformats.org/markup-compatibility/2006" xmlns:mv="urn:schemas-microsoft-com:mac:vml" xmlns:p="http://schemas.openxmlformats.org/presentationml/2006/main" mc:Ignorable="mv" mc:PreserveAttributes="mv:*">
+<p:sld xmlns:a="http://schemas.openxmlformats.org/drawingml/2006/main" xmlns:r="http://schemas.openxmlformats.org/officeDocument/2006/relationships" xmlns:p="http://schemas.openxmlformats.org/presentationml/2006/main">
   <p:cSld>
     <p:spTree>
       <p:nvGrpSpPr>
@@ -14504,78 +14815,85 @@
         </p:nvSpPr>
         <p:spPr/>
         <p:txBody>
+          <a:bodyPr>
+            <a:normAutofit fontScale="90000"/>
+          </a:bodyPr>
+          <a:lstStyle/>
+          <a:p>
+            <a:r>
+              <a:rPr lang="en-US" dirty="0"/>
+              <a:t>Structure of a Package</a:t>
+            </a:r>
+            <a:br>
+              <a:rPr lang="en-US" dirty="0"/>
+            </a:br>
+            <a:r>
+              <a:rPr lang="en-US" dirty="0" smtClean="0"/>
+              <a:t>(the </a:t>
+            </a:r>
+            <a:r>
+              <a:rPr lang="en-US" dirty="0"/>
+              <a:t>"</a:t>
+            </a:r>
+            <a:r>
+              <a:rPr lang="en-US" b="1" dirty="0"/>
+              <a:t>NAMESPACE</a:t>
+            </a:r>
+            <a:r>
+              <a:rPr lang="en-US" dirty="0"/>
+              <a:t>" </a:t>
+            </a:r>
+            <a:r>
+              <a:rPr lang="en-US" dirty="0" smtClean="0"/>
+              <a:t>file</a:t>
+            </a:r>
+            <a:r>
+              <a:rPr lang="en-US" dirty="0"/>
+              <a:t>)</a:t>
+            </a:r>
+          </a:p>
+        </p:txBody>
+      </p:sp>
+      <p:sp>
+        <p:nvSpPr>
+          <p:cNvPr id="3" name="Content Placeholder 2"/>
+          <p:cNvSpPr>
+            <a:spLocks noGrp="1"/>
+          </p:cNvSpPr>
+          <p:nvPr>
+            <p:ph idx="1"/>
+          </p:nvPr>
+        </p:nvSpPr>
+        <p:spPr/>
+        <p:txBody>
           <a:bodyPr/>
           <a:lstStyle/>
           <a:p>
             <a:r>
               <a:rPr lang="en-US"/>
-              <a:t>Example: ZeligLeastSquares</a:t>
-            </a:r>
-          </a:p>
-        </p:txBody>
-      </p:sp>
-      <p:sp>
-        <p:nvSpPr>
-          <p:cNvPr id="3" name="Content Placeholder 2"/>
-          <p:cNvSpPr>
-            <a:spLocks noGrp="1"/>
-          </p:cNvSpPr>
-          <p:nvPr>
-            <p:ph idx="1"/>
-          </p:nvPr>
-        </p:nvSpPr>
-        <p:spPr/>
-        <p:txBody>
-          <a:bodyPr/>
-          <a:lstStyle/>
-          <a:p>
-            <a:r>
-              <a:rPr lang="en-US"/>
-              <a:t>Consider the package "ZeligLeastSquares"</a:t>
-            </a:r>
-          </a:p>
-          <a:p>
-            <a:r>
-              <a:rPr lang="en-US"/>
-              <a:t>This package can be found in the folder "___"</a:t>
-            </a:r>
-          </a:p>
-          <a:p>
-            <a:r>
-              <a:rPr lang="en-US"/>
-              <a:t>Note its directory structure</a:t>
-            </a:r>
-          </a:p>
-          <a:p>
-            <a:r>
-              <a:rPr lang="en-US"/>
-              <a:t>Open the "DESCRIPTION" file</a:t>
-            </a:r>
-          </a:p>
-          <a:p>
-            <a:pPr lvl="1"/>
-            <a:r>
-              <a:rPr lang="en-US"/>
-              <a:t>Package:</a:t>
-            </a:r>
-          </a:p>
-          <a:p>
-            <a:pPr lvl="1"/>
-            <a:r>
-              <a:rPr lang="en-US"/>
-              <a:t>Author: </a:t>
-            </a:r>
-          </a:p>
-          <a:p>
-            <a:pPr lvl="1"/>
-            <a:r>
-              <a:rPr lang="en-US"/>
-              <a:t>Depends:</a:t>
+              <a:t>For the novice, the default "NAMESPACE" file should suffice</a:t>
+            </a:r>
+          </a:p>
+          <a:p>
+            <a:r>
+              <a:rPr lang="en-US"/>
+              <a:t>Advanced users may want to keep some functions hidden from users</a:t>
+            </a:r>
+          </a:p>
+          <a:p>
+            <a:r>
+              <a:rPr lang="en-US" sz="2000"/>
+              <a:t>http://cran.r-project.org/doc/manuals/R-exts.html#Package-namespaces</a:t>
             </a:r>
           </a:p>
         </p:txBody>
       </p:sp>
     </p:spTree>
+    <p:extLst>
+      <p:ext uri="{BB962C8B-B14F-4D97-AF65-F5344CB8AC3E}">
+        <p14:creationId xmlns:p14="http://schemas.microsoft.com/office/powerpoint/2010/main" val="19752076"/>
+      </p:ext>
+    </p:extLst>
   </p:cSld>
   <p:clrMapOvr>
     <a:masterClrMapping/>

--- a/January-Class/Zelig_1_regressions.pptx
+++ b/January-Class/Zelig_1_regressions.pptx
@@ -1,65 +1,66 @@
 
 <file path=ppt/presentation.xml><?xml version="1.0" encoding="utf-8"?>
-<p:presentation xmlns:a="http://schemas.openxmlformats.org/drawingml/2006/main" xmlns:r="http://schemas.openxmlformats.org/officeDocument/2006/relationships" xmlns:p="http://schemas.openxmlformats.org/presentationml/2006/main" saveSubsetFonts="1" autoCompressPictures="0">
+<p:presentation xmlns:a="http://schemas.openxmlformats.org/drawingml/2006/main" xmlns:r="http://schemas.openxmlformats.org/officeDocument/2006/relationships" xmlns:mc="http://schemas.openxmlformats.org/markup-compatibility/2006" xmlns:mv="urn:schemas-microsoft-com:mac:vml" xmlns:p="http://schemas.openxmlformats.org/presentationml/2006/main" mc:Ignorable="mv" mc:PreserveAttributes="mv:*" saveSubsetFonts="1" autoCompressPictures="0">
   <p:sldMasterIdLst>
     <p:sldMasterId id="2147483694" r:id="rId1"/>
   </p:sldMasterIdLst>
   <p:notesMasterIdLst>
-    <p:notesMasterId r:id="rId54"/>
+    <p:notesMasterId r:id="rId55"/>
   </p:notesMasterIdLst>
   <p:sldIdLst>
     <p:sldId id="376" r:id="rId2"/>
-    <p:sldId id="256" r:id="rId3"/>
-    <p:sldId id="276" r:id="rId4"/>
-    <p:sldId id="294" r:id="rId5"/>
-    <p:sldId id="301" r:id="rId6"/>
-    <p:sldId id="303" r:id="rId7"/>
-    <p:sldId id="304" r:id="rId8"/>
-    <p:sldId id="305" r:id="rId9"/>
-    <p:sldId id="306" r:id="rId10"/>
-    <p:sldId id="371" r:id="rId11"/>
-    <p:sldId id="372" r:id="rId12"/>
-    <p:sldId id="373" r:id="rId13"/>
-    <p:sldId id="351" r:id="rId14"/>
-    <p:sldId id="369" r:id="rId15"/>
-    <p:sldId id="368" r:id="rId16"/>
-    <p:sldId id="352" r:id="rId17"/>
-    <p:sldId id="353" r:id="rId18"/>
-    <p:sldId id="355" r:id="rId19"/>
-    <p:sldId id="370" r:id="rId20"/>
-    <p:sldId id="356" r:id="rId21"/>
-    <p:sldId id="309" r:id="rId22"/>
-    <p:sldId id="339" r:id="rId23"/>
-    <p:sldId id="359" r:id="rId24"/>
-    <p:sldId id="358" r:id="rId25"/>
-    <p:sldId id="357" r:id="rId26"/>
-    <p:sldId id="362" r:id="rId27"/>
-    <p:sldId id="335" r:id="rId28"/>
-    <p:sldId id="336" r:id="rId29"/>
-    <p:sldId id="318" r:id="rId30"/>
-    <p:sldId id="341" r:id="rId31"/>
-    <p:sldId id="320" r:id="rId32"/>
-    <p:sldId id="323" r:id="rId33"/>
-    <p:sldId id="326" r:id="rId34"/>
-    <p:sldId id="324" r:id="rId35"/>
-    <p:sldId id="321" r:id="rId36"/>
-    <p:sldId id="322" r:id="rId37"/>
-    <p:sldId id="328" r:id="rId38"/>
-    <p:sldId id="330" r:id="rId39"/>
-    <p:sldId id="272" r:id="rId40"/>
-    <p:sldId id="363" r:id="rId41"/>
-    <p:sldId id="342" r:id="rId42"/>
-    <p:sldId id="275" r:id="rId43"/>
-    <p:sldId id="343" r:id="rId44"/>
-    <p:sldId id="344" r:id="rId45"/>
-    <p:sldId id="345" r:id="rId46"/>
-    <p:sldId id="273" r:id="rId47"/>
-    <p:sldId id="374" r:id="rId48"/>
-    <p:sldId id="279" r:id="rId49"/>
-    <p:sldId id="337" r:id="rId50"/>
-    <p:sldId id="278" r:id="rId51"/>
-    <p:sldId id="316" r:id="rId52"/>
-    <p:sldId id="375" r:id="rId53"/>
+    <p:sldId id="377" r:id="rId3"/>
+    <p:sldId id="256" r:id="rId4"/>
+    <p:sldId id="276" r:id="rId5"/>
+    <p:sldId id="294" r:id="rId6"/>
+    <p:sldId id="301" r:id="rId7"/>
+    <p:sldId id="303" r:id="rId8"/>
+    <p:sldId id="304" r:id="rId9"/>
+    <p:sldId id="305" r:id="rId10"/>
+    <p:sldId id="306" r:id="rId11"/>
+    <p:sldId id="371" r:id="rId12"/>
+    <p:sldId id="372" r:id="rId13"/>
+    <p:sldId id="373" r:id="rId14"/>
+    <p:sldId id="351" r:id="rId15"/>
+    <p:sldId id="369" r:id="rId16"/>
+    <p:sldId id="368" r:id="rId17"/>
+    <p:sldId id="352" r:id="rId18"/>
+    <p:sldId id="353" r:id="rId19"/>
+    <p:sldId id="355" r:id="rId20"/>
+    <p:sldId id="370" r:id="rId21"/>
+    <p:sldId id="356" r:id="rId22"/>
+    <p:sldId id="309" r:id="rId23"/>
+    <p:sldId id="339" r:id="rId24"/>
+    <p:sldId id="359" r:id="rId25"/>
+    <p:sldId id="358" r:id="rId26"/>
+    <p:sldId id="357" r:id="rId27"/>
+    <p:sldId id="362" r:id="rId28"/>
+    <p:sldId id="335" r:id="rId29"/>
+    <p:sldId id="336" r:id="rId30"/>
+    <p:sldId id="318" r:id="rId31"/>
+    <p:sldId id="341" r:id="rId32"/>
+    <p:sldId id="320" r:id="rId33"/>
+    <p:sldId id="323" r:id="rId34"/>
+    <p:sldId id="326" r:id="rId35"/>
+    <p:sldId id="324" r:id="rId36"/>
+    <p:sldId id="321" r:id="rId37"/>
+    <p:sldId id="322" r:id="rId38"/>
+    <p:sldId id="328" r:id="rId39"/>
+    <p:sldId id="330" r:id="rId40"/>
+    <p:sldId id="272" r:id="rId41"/>
+    <p:sldId id="363" r:id="rId42"/>
+    <p:sldId id="342" r:id="rId43"/>
+    <p:sldId id="275" r:id="rId44"/>
+    <p:sldId id="343" r:id="rId45"/>
+    <p:sldId id="344" r:id="rId46"/>
+    <p:sldId id="345" r:id="rId47"/>
+    <p:sldId id="273" r:id="rId48"/>
+    <p:sldId id="374" r:id="rId49"/>
+    <p:sldId id="279" r:id="rId50"/>
+    <p:sldId id="337" r:id="rId51"/>
+    <p:sldId id="278" r:id="rId52"/>
+    <p:sldId id="316" r:id="rId53"/>
+    <p:sldId id="375" r:id="rId54"/>
   </p:sldIdLst>
   <p:sldSz cx="9144000" cy="6858000" type="screen4x3"/>
   <p:notesSz cx="6858000" cy="9144000"/>
@@ -162,7 +163,7 @@
 </file>
 
 <file path=ppt/notesMasters/notesMaster1.xml><?xml version="1.0" encoding="utf-8"?>
-<p:notesMaster xmlns:a="http://schemas.openxmlformats.org/drawingml/2006/main" xmlns:r="http://schemas.openxmlformats.org/officeDocument/2006/relationships" xmlns:p="http://schemas.openxmlformats.org/presentationml/2006/main">
+<p:notesMaster xmlns:a="http://schemas.openxmlformats.org/drawingml/2006/main" xmlns:r="http://schemas.openxmlformats.org/officeDocument/2006/relationships" xmlns:mc="http://schemas.openxmlformats.org/markup-compatibility/2006" xmlns:mv="urn:schemas-microsoft-com:mac:vml" xmlns:p="http://schemas.openxmlformats.org/presentationml/2006/main" mc:Ignorable="mv" mc:PreserveAttributes="mv:*">
   <p:cSld>
     <p:bg>
       <p:bgRef idx="1001">
@@ -244,7 +245,7 @@
             <a:fld id="{A425829C-BC0A-2947-AC1D-CBD687136EF9}" type="datetimeFigureOut">
               <a:rPr lang="en-US"/>
               <a:pPr/>
-              <a:t>12/19/2011</a:t>
+              <a:t>12/19/11</a:t>
             </a:fld>
             <a:endParaRPr lang="en-US"/>
           </a:p>
@@ -414,7 +415,7 @@
     </p:spTree>
     <p:extLst>
       <p:ext uri="{BB962C8B-B14F-4D97-AF65-F5344CB8AC3E}">
-        <p14:creationId xmlns:p14="http://schemas.microsoft.com/office/powerpoint/2010/main" val="1070545073"/>
+        <p14:creationId xmlns:p14="http://schemas.microsoft.com/office/powerpoint/2010/main" xmlns:p="http://schemas.openxmlformats.org/presentationml/2006/main" xmlns:r="http://schemas.openxmlformats.org/officeDocument/2006/relationships" xmlns:a="http://schemas.openxmlformats.org/drawingml/2006/main" xmlns="" val="1070545073"/>
       </p:ext>
     </p:extLst>
   </p:cSld>
@@ -515,7 +516,7 @@
 </file>
 
 <file path=ppt/slideLayouts/slideLayout1.xml><?xml version="1.0" encoding="utf-8"?>
-<p:sldLayout xmlns:a="http://schemas.openxmlformats.org/drawingml/2006/main" xmlns:r="http://schemas.openxmlformats.org/officeDocument/2006/relationships" xmlns:p="http://schemas.openxmlformats.org/presentationml/2006/main" type="title" preserve="1">
+<p:sldLayout xmlns:a="http://schemas.openxmlformats.org/drawingml/2006/main" xmlns:r="http://schemas.openxmlformats.org/officeDocument/2006/relationships" xmlns:mc="http://schemas.openxmlformats.org/markup-compatibility/2006" xmlns:mv="urn:schemas-microsoft-com:mac:vml" xmlns:p="http://schemas.openxmlformats.org/presentationml/2006/main" mc:Ignorable="mv" mc:PreserveAttributes="mv:*" type="title" preserve="1">
   <p:cSld name="Title Slide">
     <p:spTree>
       <p:nvGrpSpPr>
@@ -694,7 +695,7 @@
             <a:fld id="{52146219-D444-4949-8B82-1A0079A42925}" type="datetimeFigureOut">
               <a:rPr lang="en-US"/>
               <a:pPr/>
-              <a:t>12/19/2011</a:t>
+              <a:t>12/19/11</a:t>
             </a:fld>
             <a:endParaRPr lang="en-US"/>
           </a:p>
@@ -752,7 +753,7 @@
 </file>
 
 <file path=ppt/slideLayouts/slideLayout10.xml><?xml version="1.0" encoding="utf-8"?>
-<p:sldLayout xmlns:a="http://schemas.openxmlformats.org/drawingml/2006/main" xmlns:r="http://schemas.openxmlformats.org/officeDocument/2006/relationships" xmlns:p="http://schemas.openxmlformats.org/presentationml/2006/main" type="vertTx" preserve="1">
+<p:sldLayout xmlns:a="http://schemas.openxmlformats.org/drawingml/2006/main" xmlns:r="http://schemas.openxmlformats.org/officeDocument/2006/relationships" xmlns:mc="http://schemas.openxmlformats.org/markup-compatibility/2006" xmlns:mv="urn:schemas-microsoft-com:mac:vml" xmlns:p="http://schemas.openxmlformats.org/presentationml/2006/main" mc:Ignorable="mv" mc:PreserveAttributes="mv:*" type="vertTx" preserve="1">
   <p:cSld name="Title and Vertical Text">
     <p:spTree>
       <p:nvGrpSpPr>
@@ -859,7 +860,7 @@
             <a:fld id="{52146219-D444-4949-8B82-1A0079A42925}" type="datetimeFigureOut">
               <a:rPr lang="en-US"/>
               <a:pPr/>
-              <a:t>12/19/2011</a:t>
+              <a:t>12/19/11</a:t>
             </a:fld>
             <a:endParaRPr lang="en-US"/>
           </a:p>
@@ -917,7 +918,7 @@
 </file>
 
 <file path=ppt/slideLayouts/slideLayout11.xml><?xml version="1.0" encoding="utf-8"?>
-<p:sldLayout xmlns:a="http://schemas.openxmlformats.org/drawingml/2006/main" xmlns:r="http://schemas.openxmlformats.org/officeDocument/2006/relationships" xmlns:p="http://schemas.openxmlformats.org/presentationml/2006/main" type="vertTitleAndTx" preserve="1">
+<p:sldLayout xmlns:a="http://schemas.openxmlformats.org/drawingml/2006/main" xmlns:r="http://schemas.openxmlformats.org/officeDocument/2006/relationships" xmlns:mc="http://schemas.openxmlformats.org/markup-compatibility/2006" xmlns:mv="urn:schemas-microsoft-com:mac:vml" xmlns:p="http://schemas.openxmlformats.org/presentationml/2006/main" mc:Ignorable="mv" mc:PreserveAttributes="mv:*" type="vertTitleAndTx" preserve="1">
   <p:cSld name="Vertical Title and Text">
     <p:spTree>
       <p:nvGrpSpPr>
@@ -1034,7 +1035,7 @@
             <a:fld id="{52146219-D444-4949-8B82-1A0079A42925}" type="datetimeFigureOut">
               <a:rPr lang="en-US"/>
               <a:pPr/>
-              <a:t>12/19/2011</a:t>
+              <a:t>12/19/11</a:t>
             </a:fld>
             <a:endParaRPr lang="en-US"/>
           </a:p>
@@ -1092,7 +1093,7 @@
 </file>
 
 <file path=ppt/slideLayouts/slideLayout2.xml><?xml version="1.0" encoding="utf-8"?>
-<p:sldLayout xmlns:a="http://schemas.openxmlformats.org/drawingml/2006/main" xmlns:r="http://schemas.openxmlformats.org/officeDocument/2006/relationships" xmlns:p="http://schemas.openxmlformats.org/presentationml/2006/main" type="obj" preserve="1">
+<p:sldLayout xmlns:a="http://schemas.openxmlformats.org/drawingml/2006/main" xmlns:r="http://schemas.openxmlformats.org/officeDocument/2006/relationships" xmlns:mc="http://schemas.openxmlformats.org/markup-compatibility/2006" xmlns:mv="urn:schemas-microsoft-com:mac:vml" xmlns:p="http://schemas.openxmlformats.org/presentationml/2006/main" mc:Ignorable="mv" mc:PreserveAttributes="mv:*" type="obj" preserve="1">
   <p:cSld name="Title and Content">
     <p:spTree>
       <p:nvGrpSpPr>
@@ -1199,7 +1200,7 @@
             <a:fld id="{52146219-D444-4949-8B82-1A0079A42925}" type="datetimeFigureOut">
               <a:rPr lang="en-US"/>
               <a:pPr/>
-              <a:t>12/19/2011</a:t>
+              <a:t>12/19/11</a:t>
             </a:fld>
             <a:endParaRPr lang="en-US"/>
           </a:p>
@@ -1257,7 +1258,7 @@
 </file>
 
 <file path=ppt/slideLayouts/slideLayout3.xml><?xml version="1.0" encoding="utf-8"?>
-<p:sldLayout xmlns:a="http://schemas.openxmlformats.org/drawingml/2006/main" xmlns:r="http://schemas.openxmlformats.org/officeDocument/2006/relationships" xmlns:p="http://schemas.openxmlformats.org/presentationml/2006/main" type="secHead" preserve="1">
+<p:sldLayout xmlns:a="http://schemas.openxmlformats.org/drawingml/2006/main" xmlns:r="http://schemas.openxmlformats.org/officeDocument/2006/relationships" xmlns:mc="http://schemas.openxmlformats.org/markup-compatibility/2006" xmlns:mv="urn:schemas-microsoft-com:mac:vml" xmlns:p="http://schemas.openxmlformats.org/presentationml/2006/main" mc:Ignorable="mv" mc:PreserveAttributes="mv:*" type="secHead" preserve="1">
   <p:cSld name="Section Header">
     <p:spTree>
       <p:nvGrpSpPr>
@@ -1441,7 +1442,7 @@
             <a:fld id="{52146219-D444-4949-8B82-1A0079A42925}" type="datetimeFigureOut">
               <a:rPr lang="en-US"/>
               <a:pPr/>
-              <a:t>12/19/2011</a:t>
+              <a:t>12/19/11</a:t>
             </a:fld>
             <a:endParaRPr lang="en-US"/>
           </a:p>
@@ -1499,7 +1500,7 @@
 </file>
 
 <file path=ppt/slideLayouts/slideLayout4.xml><?xml version="1.0" encoding="utf-8"?>
-<p:sldLayout xmlns:a="http://schemas.openxmlformats.org/drawingml/2006/main" xmlns:r="http://schemas.openxmlformats.org/officeDocument/2006/relationships" xmlns:p="http://schemas.openxmlformats.org/presentationml/2006/main" type="twoObj" preserve="1">
+<p:sldLayout xmlns:a="http://schemas.openxmlformats.org/drawingml/2006/main" xmlns:r="http://schemas.openxmlformats.org/officeDocument/2006/relationships" xmlns:mc="http://schemas.openxmlformats.org/markup-compatibility/2006" xmlns:mv="urn:schemas-microsoft-com:mac:vml" xmlns:p="http://schemas.openxmlformats.org/presentationml/2006/main" mc:Ignorable="mv" mc:PreserveAttributes="mv:*" type="twoObj" preserve="1">
   <p:cSld name="Two Content">
     <p:spTree>
       <p:nvGrpSpPr>
@@ -1723,7 +1724,7 @@
             <a:fld id="{52146219-D444-4949-8B82-1A0079A42925}" type="datetimeFigureOut">
               <a:rPr lang="en-US"/>
               <a:pPr/>
-              <a:t>12/19/2011</a:t>
+              <a:t>12/19/11</a:t>
             </a:fld>
             <a:endParaRPr lang="en-US"/>
           </a:p>
@@ -1781,7 +1782,7 @@
 </file>
 
 <file path=ppt/slideLayouts/slideLayout5.xml><?xml version="1.0" encoding="utf-8"?>
-<p:sldLayout xmlns:a="http://schemas.openxmlformats.org/drawingml/2006/main" xmlns:r="http://schemas.openxmlformats.org/officeDocument/2006/relationships" xmlns:p="http://schemas.openxmlformats.org/presentationml/2006/main" type="twoTxTwoObj" preserve="1">
+<p:sldLayout xmlns:a="http://schemas.openxmlformats.org/drawingml/2006/main" xmlns:r="http://schemas.openxmlformats.org/officeDocument/2006/relationships" xmlns:mc="http://schemas.openxmlformats.org/markup-compatibility/2006" xmlns:mv="urn:schemas-microsoft-com:mac:vml" xmlns:p="http://schemas.openxmlformats.org/presentationml/2006/main" mc:Ignorable="mv" mc:PreserveAttributes="mv:*" type="twoTxTwoObj" preserve="1">
   <p:cSld name="Comparison">
     <p:spTree>
       <p:nvGrpSpPr>
@@ -2139,7 +2140,7 @@
             <a:fld id="{52146219-D444-4949-8B82-1A0079A42925}" type="datetimeFigureOut">
               <a:rPr lang="en-US"/>
               <a:pPr/>
-              <a:t>12/19/2011</a:t>
+              <a:t>12/19/11</a:t>
             </a:fld>
             <a:endParaRPr lang="en-US"/>
           </a:p>
@@ -2197,7 +2198,7 @@
 </file>
 
 <file path=ppt/slideLayouts/slideLayout6.xml><?xml version="1.0" encoding="utf-8"?>
-<p:sldLayout xmlns:a="http://schemas.openxmlformats.org/drawingml/2006/main" xmlns:r="http://schemas.openxmlformats.org/officeDocument/2006/relationships" xmlns:p="http://schemas.openxmlformats.org/presentationml/2006/main" type="titleOnly" preserve="1">
+<p:sldLayout xmlns:a="http://schemas.openxmlformats.org/drawingml/2006/main" xmlns:r="http://schemas.openxmlformats.org/officeDocument/2006/relationships" xmlns:mc="http://schemas.openxmlformats.org/markup-compatibility/2006" xmlns:mv="urn:schemas-microsoft-com:mac:vml" xmlns:p="http://schemas.openxmlformats.org/presentationml/2006/main" mc:Ignorable="mv" mc:PreserveAttributes="mv:*" type="titleOnly" preserve="1">
   <p:cSld name="Title Only">
     <p:spTree>
       <p:nvGrpSpPr>
@@ -2253,7 +2254,7 @@
             <a:fld id="{52146219-D444-4949-8B82-1A0079A42925}" type="datetimeFigureOut">
               <a:rPr lang="en-US"/>
               <a:pPr/>
-              <a:t>12/19/2011</a:t>
+              <a:t>12/19/11</a:t>
             </a:fld>
             <a:endParaRPr lang="en-US"/>
           </a:p>
@@ -2311,7 +2312,7 @@
 </file>
 
 <file path=ppt/slideLayouts/slideLayout7.xml><?xml version="1.0" encoding="utf-8"?>
-<p:sldLayout xmlns:a="http://schemas.openxmlformats.org/drawingml/2006/main" xmlns:r="http://schemas.openxmlformats.org/officeDocument/2006/relationships" xmlns:p="http://schemas.openxmlformats.org/presentationml/2006/main" type="blank" preserve="1">
+<p:sldLayout xmlns:a="http://schemas.openxmlformats.org/drawingml/2006/main" xmlns:r="http://schemas.openxmlformats.org/officeDocument/2006/relationships" xmlns:mc="http://schemas.openxmlformats.org/markup-compatibility/2006" xmlns:mv="urn:schemas-microsoft-com:mac:vml" xmlns:p="http://schemas.openxmlformats.org/presentationml/2006/main" mc:Ignorable="mv" mc:PreserveAttributes="mv:*" type="blank" preserve="1">
   <p:cSld name="Blank">
     <p:spTree>
       <p:nvGrpSpPr>
@@ -2345,7 +2346,7 @@
             <a:fld id="{52146219-D444-4949-8B82-1A0079A42925}" type="datetimeFigureOut">
               <a:rPr lang="en-US"/>
               <a:pPr/>
-              <a:t>12/19/2011</a:t>
+              <a:t>12/19/11</a:t>
             </a:fld>
             <a:endParaRPr lang="en-US"/>
           </a:p>
@@ -2403,7 +2404,7 @@
 </file>
 
 <file path=ppt/slideLayouts/slideLayout8.xml><?xml version="1.0" encoding="utf-8"?>
-<p:sldLayout xmlns:a="http://schemas.openxmlformats.org/drawingml/2006/main" xmlns:r="http://schemas.openxmlformats.org/officeDocument/2006/relationships" xmlns:p="http://schemas.openxmlformats.org/presentationml/2006/main" type="objTx" preserve="1">
+<p:sldLayout xmlns:a="http://schemas.openxmlformats.org/drawingml/2006/main" xmlns:r="http://schemas.openxmlformats.org/officeDocument/2006/relationships" xmlns:mc="http://schemas.openxmlformats.org/markup-compatibility/2006" xmlns:mv="urn:schemas-microsoft-com:mac:vml" xmlns:p="http://schemas.openxmlformats.org/presentationml/2006/main" mc:Ignorable="mv" mc:PreserveAttributes="mv:*" type="objTx" preserve="1">
   <p:cSld name="Content with Caption">
     <p:spTree>
       <p:nvGrpSpPr>
@@ -2617,7 +2618,7 @@
             <a:fld id="{52146219-D444-4949-8B82-1A0079A42925}" type="datetimeFigureOut">
               <a:rPr lang="en-US"/>
               <a:pPr/>
-              <a:t>12/19/2011</a:t>
+              <a:t>12/19/11</a:t>
             </a:fld>
             <a:endParaRPr lang="en-US"/>
           </a:p>
@@ -2675,7 +2676,7 @@
 </file>
 
 <file path=ppt/slideLayouts/slideLayout9.xml><?xml version="1.0" encoding="utf-8"?>
-<p:sldLayout xmlns:a="http://schemas.openxmlformats.org/drawingml/2006/main" xmlns:r="http://schemas.openxmlformats.org/officeDocument/2006/relationships" xmlns:p="http://schemas.openxmlformats.org/presentationml/2006/main" type="picTx" preserve="1">
+<p:sldLayout xmlns:a="http://schemas.openxmlformats.org/drawingml/2006/main" xmlns:r="http://schemas.openxmlformats.org/officeDocument/2006/relationships" xmlns:mc="http://schemas.openxmlformats.org/markup-compatibility/2006" xmlns:mv="urn:schemas-microsoft-com:mac:vml" xmlns:p="http://schemas.openxmlformats.org/presentationml/2006/main" mc:Ignorable="mv" mc:PreserveAttributes="mv:*" type="picTx" preserve="1">
   <p:cSld name="Picture with Caption">
     <p:spTree>
       <p:nvGrpSpPr>
@@ -2866,7 +2867,7 @@
             <a:fld id="{52146219-D444-4949-8B82-1A0079A42925}" type="datetimeFigureOut">
               <a:rPr lang="en-US"/>
               <a:pPr/>
-              <a:t>12/19/2011</a:t>
+              <a:t>12/19/11</a:t>
             </a:fld>
             <a:endParaRPr lang="en-US"/>
           </a:p>
@@ -2924,7 +2925,7 @@
 </file>
 
 <file path=ppt/slideMasters/slideMaster1.xml><?xml version="1.0" encoding="utf-8"?>
-<p:sldMaster xmlns:a="http://schemas.openxmlformats.org/drawingml/2006/main" xmlns:r="http://schemas.openxmlformats.org/officeDocument/2006/relationships" xmlns:p="http://schemas.openxmlformats.org/presentationml/2006/main">
+<p:sldMaster xmlns:a="http://schemas.openxmlformats.org/drawingml/2006/main" xmlns:r="http://schemas.openxmlformats.org/officeDocument/2006/relationships" xmlns:mc="http://schemas.openxmlformats.org/markup-compatibility/2006" xmlns:mv="urn:schemas-microsoft-com:mac:vml" xmlns:p="http://schemas.openxmlformats.org/presentationml/2006/main" mc:Ignorable="mv" mc:PreserveAttributes="mv:*">
   <p:cSld>
     <p:bg>
       <p:bgRef idx="1001">
@@ -3074,7 +3075,7 @@
             <a:fld id="{52146219-D444-4949-8B82-1A0079A42925}" type="datetimeFigureOut">
               <a:rPr lang="en-US"/>
               <a:pPr/>
-              <a:t>12/19/2011</a:t>
+              <a:t>12/19/11</a:t>
             </a:fld>
             <a:endParaRPr lang="en-US"/>
           </a:p>
@@ -3429,7 +3430,7 @@
 </file>
 
 <file path=ppt/slides/slide1.xml><?xml version="1.0" encoding="utf-8"?>
-<p:sld xmlns:a="http://schemas.openxmlformats.org/drawingml/2006/main" xmlns:r="http://schemas.openxmlformats.org/officeDocument/2006/relationships" xmlns:p="http://schemas.openxmlformats.org/presentationml/2006/main">
+<p:sld xmlns:a="http://schemas.openxmlformats.org/drawingml/2006/main" xmlns:r="http://schemas.openxmlformats.org/officeDocument/2006/relationships" xmlns:mc="http://schemas.openxmlformats.org/markup-compatibility/2006" xmlns:mv="urn:schemas-microsoft-com:mac:vml" xmlns:p="http://schemas.openxmlformats.org/presentationml/2006/main" mc:Ignorable="mv" mc:PreserveAttributes="mv:*">
   <p:cSld>
     <p:spTree>
       <p:nvGrpSpPr>
@@ -3541,7 +3542,7 @@
     </p:spTree>
     <p:extLst>
       <p:ext uri="{BB962C8B-B14F-4D97-AF65-F5344CB8AC3E}">
-        <p14:creationId xmlns:p14="http://schemas.microsoft.com/office/powerpoint/2010/main" val="3599172022"/>
+        <p14:creationId xmlns:p14="http://schemas.microsoft.com/office/powerpoint/2010/main" xmlns:p="http://schemas.openxmlformats.org/presentationml/2006/main" xmlns:r="http://schemas.openxmlformats.org/officeDocument/2006/relationships" xmlns:a="http://schemas.openxmlformats.org/drawingml/2006/main" xmlns="" val="3599172022"/>
       </p:ext>
     </p:extLst>
   </p:cSld>
@@ -3552,7 +3553,7 @@
 </file>
 
 <file path=ppt/slides/slide10.xml><?xml version="1.0" encoding="utf-8"?>
-<p:sld xmlns:a="http://schemas.openxmlformats.org/drawingml/2006/main" xmlns:r="http://schemas.openxmlformats.org/officeDocument/2006/relationships" xmlns:p="http://schemas.openxmlformats.org/presentationml/2006/main">
+<p:sld xmlns:a="http://schemas.openxmlformats.org/drawingml/2006/main" xmlns:r="http://schemas.openxmlformats.org/officeDocument/2006/relationships" xmlns:mc="http://schemas.openxmlformats.org/markup-compatibility/2006" xmlns:mv="urn:schemas-microsoft-com:mac:vml" xmlns:p="http://schemas.openxmlformats.org/presentationml/2006/main" mc:Ignorable="mv" mc:PreserveAttributes="mv:*">
   <p:cSld>
     <p:spTree>
       <p:nvGrpSpPr>
@@ -3580,98 +3581,85 @@
         </p:nvSpPr>
         <p:spPr/>
         <p:txBody>
+          <a:bodyPr>
+            <a:normAutofit fontScale="90000"/>
+          </a:bodyPr>
+          <a:lstStyle/>
+          <a:p>
+            <a:r>
+              <a:rPr lang="en-US" dirty="0"/>
+              <a:t>Structure of a Package</a:t>
+            </a:r>
+            <a:br>
+              <a:rPr lang="en-US" dirty="0"/>
+            </a:br>
+            <a:r>
+              <a:rPr lang="en-US" dirty="0" smtClean="0"/>
+              <a:t>(the </a:t>
+            </a:r>
+            <a:r>
+              <a:rPr lang="en-US" dirty="0"/>
+              <a:t>"</a:t>
+            </a:r>
+            <a:r>
+              <a:rPr lang="en-US" b="1" dirty="0"/>
+              <a:t>NAMESPACE</a:t>
+            </a:r>
+            <a:r>
+              <a:rPr lang="en-US" dirty="0"/>
+              <a:t>" </a:t>
+            </a:r>
+            <a:r>
+              <a:rPr lang="en-US" dirty="0" smtClean="0"/>
+              <a:t>file</a:t>
+            </a:r>
+            <a:r>
+              <a:rPr lang="en-US" dirty="0"/>
+              <a:t>)</a:t>
+            </a:r>
+          </a:p>
+        </p:txBody>
+      </p:sp>
+      <p:sp>
+        <p:nvSpPr>
+          <p:cNvPr id="3" name="Content Placeholder 2"/>
+          <p:cNvSpPr>
+            <a:spLocks noGrp="1"/>
+          </p:cNvSpPr>
+          <p:nvPr>
+            <p:ph idx="1"/>
+          </p:nvPr>
+        </p:nvSpPr>
+        <p:spPr/>
+        <p:txBody>
           <a:bodyPr/>
           <a:lstStyle/>
           <a:p>
             <a:r>
-              <a:rPr lang="en-US" dirty="0"/>
-              <a:t>Example: </a:t>
-            </a:r>
-            <a:r>
-              <a:rPr lang="en-US" dirty="0" err="1" smtClean="0"/>
-              <a:t>ZeligDEMO</a:t>
-            </a:r>
-            <a:endParaRPr lang="en-US" dirty="0"/>
-          </a:p>
-        </p:txBody>
-      </p:sp>
-      <p:sp>
-        <p:nvSpPr>
-          <p:cNvPr id="3" name="Content Placeholder 2"/>
-          <p:cNvSpPr>
-            <a:spLocks noGrp="1"/>
-          </p:cNvSpPr>
-          <p:nvPr>
-            <p:ph idx="1"/>
-          </p:nvPr>
-        </p:nvSpPr>
-        <p:spPr/>
-        <p:txBody>
-          <a:bodyPr/>
-          <a:lstStyle/>
-          <a:p>
-            <a:r>
-              <a:rPr lang="en-US" dirty="0"/>
-              <a:t>Consider the package </a:t>
-            </a:r>
-            <a:r>
-              <a:rPr lang="en-US" dirty="0" smtClean="0"/>
-              <a:t>“</a:t>
-            </a:r>
-            <a:r>
-              <a:rPr lang="en-US" dirty="0" err="1" smtClean="0"/>
-              <a:t>ZeligDEMO</a:t>
-            </a:r>
-            <a:r>
-              <a:rPr lang="en-US" dirty="0" smtClean="0"/>
-              <a:t>"</a:t>
-            </a:r>
-            <a:endParaRPr lang="en-US" dirty="0"/>
-          </a:p>
-          <a:p>
-            <a:r>
-              <a:rPr lang="en-US" dirty="0"/>
-              <a:t>This package can be found in the folder "___"</a:t>
-            </a:r>
-          </a:p>
-          <a:p>
-            <a:r>
-              <a:rPr lang="en-US" dirty="0"/>
-              <a:t>Note its directory structure</a:t>
-            </a:r>
-          </a:p>
-          <a:p>
-            <a:r>
-              <a:rPr lang="en-US" dirty="0"/>
-              <a:t>Open the "DESCRIPTION" file</a:t>
-            </a:r>
-          </a:p>
-          <a:p>
-            <a:pPr lvl="1"/>
-            <a:r>
-              <a:rPr lang="en-US" dirty="0" smtClean="0"/>
-              <a:t>Package</a:t>
-            </a:r>
-          </a:p>
-          <a:p>
-            <a:pPr lvl="1"/>
-            <a:r>
-              <a:rPr lang="en-US" dirty="0" smtClean="0"/>
-              <a:t>Author</a:t>
-            </a:r>
-            <a:endParaRPr lang="en-US" dirty="0"/>
-          </a:p>
-          <a:p>
-            <a:pPr lvl="1"/>
-            <a:r>
-              <a:rPr lang="en-US" dirty="0" smtClean="0"/>
-              <a:t>Depends</a:t>
-            </a:r>
-            <a:endParaRPr lang="en-US" dirty="0"/>
+              <a:rPr lang="en-US"/>
+              <a:t>For the novice, the default "NAMESPACE" file should suffice</a:t>
+            </a:r>
+          </a:p>
+          <a:p>
+            <a:r>
+              <a:rPr lang="en-US"/>
+              <a:t>Advanced users may want to keep some functions hidden from users</a:t>
+            </a:r>
+          </a:p>
+          <a:p>
+            <a:r>
+              <a:rPr lang="en-US" sz="2000"/>
+              <a:t>http://cran.r-project.org/doc/manuals/R-exts.html#Package-namespaces</a:t>
+            </a:r>
           </a:p>
         </p:txBody>
       </p:sp>
     </p:spTree>
+    <p:extLst>
+      <p:ext uri="{BB962C8B-B14F-4D97-AF65-F5344CB8AC3E}">
+        <p14:creationId xmlns:p14="http://schemas.microsoft.com/office/powerpoint/2010/main" xmlns:p="http://schemas.openxmlformats.org/presentationml/2006/main" xmlns:r="http://schemas.openxmlformats.org/officeDocument/2006/relationships" xmlns:a="http://schemas.openxmlformats.org/drawingml/2006/main" xmlns="" val="19752076"/>
+      </p:ext>
+    </p:extLst>
   </p:cSld>
   <p:clrMapOvr>
     <a:masterClrMapping/>
@@ -3687,7 +3675,7 @@
 </file>
 
 <file path=ppt/slides/slide11.xml><?xml version="1.0" encoding="utf-8"?>
-<p:sld xmlns:a="http://schemas.openxmlformats.org/drawingml/2006/main" xmlns:r="http://schemas.openxmlformats.org/officeDocument/2006/relationships" xmlns:p="http://schemas.openxmlformats.org/presentationml/2006/main">
+<p:sld xmlns:a="http://schemas.openxmlformats.org/drawingml/2006/main" xmlns:r="http://schemas.openxmlformats.org/officeDocument/2006/relationships" xmlns:mc="http://schemas.openxmlformats.org/markup-compatibility/2006" xmlns:mv="urn:schemas-microsoft-com:mac:vml" xmlns:p="http://schemas.openxmlformats.org/presentationml/2006/main" mc:Ignorable="mv" mc:PreserveAttributes="mv:*">
   <p:cSld>
     <p:spTree>
       <p:nvGrpSpPr>
@@ -3732,247 +3720,77 @@
       </p:sp>
       <p:sp>
         <p:nvSpPr>
-          <p:cNvPr id="4" name="Rectangle 3"/>
-          <p:cNvSpPr/>
-          <p:nvPr/>
-        </p:nvSpPr>
-        <p:spPr>
-          <a:xfrm>
-            <a:off x="457200" y="1720840"/>
-            <a:ext cx="8229600" cy="3139321"/>
-          </a:xfrm>
-          <a:prstGeom prst="rect">
-            <a:avLst/>
-          </a:prstGeom>
-        </p:spPr>
-        <p:txBody>
-          <a:bodyPr wrap="square">
-            <a:spAutoFit/>
-          </a:bodyPr>
-          <a:lstStyle/>
-          <a:p>
-            <a:r>
-              <a:rPr lang="en-US" b="1" dirty="0">
-                <a:latin typeface="Courier New"/>
-                <a:cs typeface="Courier New"/>
-              </a:rPr>
+          <p:cNvPr id="3" name="Content Placeholder 2"/>
+          <p:cNvSpPr>
+            <a:spLocks noGrp="1"/>
+          </p:cNvSpPr>
+          <p:nvPr>
+            <p:ph idx="1"/>
+          </p:nvPr>
+        </p:nvSpPr>
+        <p:spPr/>
+        <p:txBody>
+          <a:bodyPr/>
+          <a:lstStyle/>
+          <a:p>
+            <a:r>
+              <a:rPr lang="en-US" dirty="0"/>
+              <a:t>Consider the package </a:t>
+            </a:r>
+            <a:r>
+              <a:rPr lang="en-US" dirty="0" smtClean="0"/>
+              <a:t>“</a:t>
+            </a:r>
+            <a:r>
+              <a:rPr lang="en-US" dirty="0" err="1" smtClean="0"/>
+              <a:t>ZeligDEMO</a:t>
+            </a:r>
+            <a:r>
+              <a:rPr lang="en-US" dirty="0" smtClean="0"/>
+              <a:t>"</a:t>
+            </a:r>
+            <a:endParaRPr lang="en-US" dirty="0"/>
+          </a:p>
+          <a:p>
+            <a:r>
+              <a:rPr lang="en-US" dirty="0"/>
+              <a:t>This package can be found in the folder "___"</a:t>
+            </a:r>
+          </a:p>
+          <a:p>
+            <a:r>
+              <a:rPr lang="en-US" dirty="0"/>
+              <a:t>Note its directory structure</a:t>
+            </a:r>
+          </a:p>
+          <a:p>
+            <a:r>
+              <a:rPr lang="en-US" dirty="0"/>
+              <a:t>Open the "DESCRIPTION" file</a:t>
+            </a:r>
+          </a:p>
+          <a:p>
+            <a:pPr lvl="1"/>
+            <a:r>
+              <a:rPr lang="en-US" dirty="0" smtClean="0"/>
               <a:t>Package</a:t>
             </a:r>
-            <a:r>
-              <a:rPr lang="en-US" dirty="0">
-                <a:latin typeface="Courier New"/>
-                <a:cs typeface="Courier New"/>
-              </a:rPr>
-              <a:t>: </a:t>
-            </a:r>
-            <a:r>
-              <a:rPr lang="en-US" dirty="0" err="1" smtClean="0">
-                <a:latin typeface="Courier New"/>
-                <a:cs typeface="Courier New"/>
-              </a:rPr>
-              <a:t>ZeligDEMO</a:t>
-            </a:r>
-            <a:endParaRPr lang="en-US" dirty="0">
-              <a:latin typeface="Courier New"/>
-              <a:cs typeface="Courier New"/>
-            </a:endParaRPr>
-          </a:p>
-          <a:p>
-            <a:r>
-              <a:rPr lang="en-US" b="1" dirty="0">
-                <a:latin typeface="Courier New"/>
-                <a:cs typeface="Courier New"/>
-              </a:rPr>
-              <a:t>Maintainer</a:t>
-            </a:r>
-            <a:r>
-              <a:rPr lang="en-US" dirty="0">
-                <a:latin typeface="Courier New"/>
-                <a:cs typeface="Courier New"/>
-              </a:rPr>
-              <a:t>: Matt Owen &lt;mowen@iq.harvard.edu&gt;</a:t>
-            </a:r>
-          </a:p>
-          <a:p>
-            <a:r>
-              <a:rPr lang="en-US" dirty="0">
-                <a:latin typeface="Courier New"/>
-                <a:cs typeface="Courier New"/>
-              </a:rPr>
-              <a:t>License: GPL (&gt;=2)</a:t>
-            </a:r>
-          </a:p>
-          <a:p>
-            <a:r>
-              <a:rPr lang="en-US" dirty="0">
-                <a:latin typeface="Courier New"/>
-                <a:cs typeface="Courier New"/>
-              </a:rPr>
-              <a:t>Title: A </a:t>
-            </a:r>
-            <a:r>
-              <a:rPr lang="en-US" dirty="0" err="1">
-                <a:latin typeface="Courier New"/>
-                <a:cs typeface="Courier New"/>
-              </a:rPr>
-              <a:t>Zelig</a:t>
-            </a:r>
-            <a:r>
-              <a:rPr lang="en-US" dirty="0">
-                <a:latin typeface="Courier New"/>
-                <a:cs typeface="Courier New"/>
-              </a:rPr>
-              <a:t> Model</a:t>
-            </a:r>
-          </a:p>
-          <a:p>
-            <a:r>
-              <a:rPr lang="en-US" b="1" dirty="0">
-                <a:latin typeface="Courier New"/>
-                <a:cs typeface="Courier New"/>
-              </a:rPr>
+          </a:p>
+          <a:p>
+            <a:pPr lvl="1"/>
+            <a:r>
+              <a:rPr lang="en-US" dirty="0" smtClean="0"/>
               <a:t>Author</a:t>
             </a:r>
-            <a:r>
-              <a:rPr lang="en-US" dirty="0">
-                <a:latin typeface="Courier New"/>
-                <a:cs typeface="Courier New"/>
-              </a:rPr>
-              <a:t>: Matt Owen</a:t>
-            </a:r>
-          </a:p>
-          <a:p>
-            <a:r>
-              <a:rPr lang="en-US" dirty="0">
-                <a:latin typeface="Courier New"/>
-                <a:cs typeface="Courier New"/>
-              </a:rPr>
-              <a:t>Description: A </a:t>
-            </a:r>
-            <a:r>
-              <a:rPr lang="en-US" dirty="0" err="1">
-                <a:latin typeface="Courier New"/>
-                <a:cs typeface="Courier New"/>
-              </a:rPr>
-              <a:t>Zelig</a:t>
-            </a:r>
-            <a:r>
-              <a:rPr lang="en-US" dirty="0">
-                <a:latin typeface="Courier New"/>
-                <a:cs typeface="Courier New"/>
-              </a:rPr>
-              <a:t> Model</a:t>
-            </a:r>
-          </a:p>
-          <a:p>
-            <a:r>
-              <a:rPr lang="en-US" dirty="0">
-                <a:latin typeface="Courier New"/>
-                <a:cs typeface="Courier New"/>
-              </a:rPr>
-              <a:t>Version: 0.2</a:t>
-            </a:r>
-          </a:p>
-          <a:p>
-            <a:r>
-              <a:rPr lang="en-US" dirty="0">
-                <a:latin typeface="Courier New"/>
-                <a:cs typeface="Courier New"/>
-              </a:rPr>
-              <a:t>Packaged: Tue Nov 8 12:42:13 2011</a:t>
-            </a:r>
-          </a:p>
-          <a:p>
-            <a:r>
-              <a:rPr lang="en-US" dirty="0">
-                <a:latin typeface="Courier New"/>
-                <a:cs typeface="Courier New"/>
-              </a:rPr>
-              <a:t>URL: http://gking.harvard.edu/zelig</a:t>
-            </a:r>
-          </a:p>
-          <a:p>
-            <a:r>
-              <a:rPr lang="en-US" dirty="0">
-                <a:latin typeface="Courier New"/>
-                <a:cs typeface="Courier New"/>
-              </a:rPr>
-              <a:t>Date: 2011-12-12</a:t>
-            </a:r>
-          </a:p>
-          <a:p>
-            <a:r>
-              <a:rPr lang="en-US" b="1" dirty="0">
-                <a:latin typeface="Courier New"/>
-                <a:cs typeface="Courier New"/>
-              </a:rPr>
+            <a:endParaRPr lang="en-US" dirty="0"/>
+          </a:p>
+          <a:p>
+            <a:pPr lvl="1"/>
+            <a:r>
+              <a:rPr lang="en-US" dirty="0" smtClean="0"/>
               <a:t>Depends</a:t>
             </a:r>
-            <a:r>
-              <a:rPr lang="en-US" dirty="0">
-                <a:latin typeface="Courier New"/>
-                <a:cs typeface="Courier New"/>
-              </a:rPr>
-              <a:t>: </a:t>
-            </a:r>
-            <a:r>
-              <a:rPr lang="en-US" dirty="0" err="1">
-                <a:latin typeface="Courier New"/>
-                <a:cs typeface="Courier New"/>
-              </a:rPr>
-              <a:t>Zelig</a:t>
-            </a:r>
-            <a:r>
-              <a:rPr lang="en-US" dirty="0">
-                <a:latin typeface="Courier New"/>
-                <a:cs typeface="Courier New"/>
-              </a:rPr>
-              <a:t> (&gt;= 4.0-6), </a:t>
-            </a:r>
-            <a:r>
-              <a:rPr lang="en-US" dirty="0" err="1">
-                <a:latin typeface="Courier New"/>
-                <a:cs typeface="Courier New"/>
-              </a:rPr>
-              <a:t>systemfit</a:t>
-            </a:r>
-            <a:endParaRPr lang="en-US" dirty="0">
-              <a:latin typeface="Courier New"/>
-              <a:cs typeface="Courier New"/>
-            </a:endParaRPr>
-          </a:p>
-        </p:txBody>
-      </p:sp>
-      <p:sp>
-        <p:nvSpPr>
-          <p:cNvPr id="5" name="TextBox 4"/>
-          <p:cNvSpPr txBox="1"/>
-          <p:nvPr/>
-        </p:nvSpPr>
-        <p:spPr>
-          <a:xfrm>
-            <a:off x="457200" y="5161746"/>
-            <a:ext cx="8229600" cy="646331"/>
-          </a:xfrm>
-          <a:prstGeom prst="rect">
-            <a:avLst/>
-          </a:prstGeom>
-          <a:noFill/>
-        </p:spPr>
-        <p:txBody>
-          <a:bodyPr wrap="square" rtlCol="0">
-            <a:spAutoFit/>
-          </a:bodyPr>
-          <a:lstStyle/>
-          <a:p>
-            <a:r>
-              <a:rPr lang="en-US" b="1"/>
-              <a:t>Note </a:t>
-            </a:r>
-            <a:r>
-              <a:rPr lang="en-US"/>
-              <a:t>that the bold text is strictly for emphasis. That is, the actual DESCRIPTION file is plain-text.</a:t>
-            </a:r>
+            <a:endParaRPr lang="en-US" dirty="0"/>
           </a:p>
         </p:txBody>
       </p:sp>
@@ -3992,7 +3810,7 @@
 </file>
 
 <file path=ppt/slides/slide12.xml><?xml version="1.0" encoding="utf-8"?>
-<p:sld xmlns:a="http://schemas.openxmlformats.org/drawingml/2006/main" xmlns:r="http://schemas.openxmlformats.org/officeDocument/2006/relationships" xmlns:p="http://schemas.openxmlformats.org/presentationml/2006/main">
+<p:sld xmlns:a="http://schemas.openxmlformats.org/drawingml/2006/main" xmlns:r="http://schemas.openxmlformats.org/officeDocument/2006/relationships" xmlns:mc="http://schemas.openxmlformats.org/markup-compatibility/2006" xmlns:mv="urn:schemas-microsoft-com:mac:vml" xmlns:p="http://schemas.openxmlformats.org/presentationml/2006/main" mc:Ignorable="mv" mc:PreserveAttributes="mv:*">
   <p:cSld>
     <p:spTree>
       <p:nvGrpSpPr>
@@ -4037,47 +3855,247 @@
       </p:sp>
       <p:sp>
         <p:nvSpPr>
-          <p:cNvPr id="3" name="Content Placeholder 2"/>
-          <p:cNvSpPr>
-            <a:spLocks noGrp="1"/>
-          </p:cNvSpPr>
-          <p:nvPr>
-            <p:ph idx="1"/>
-          </p:nvPr>
-        </p:nvSpPr>
-        <p:spPr/>
-        <p:txBody>
-          <a:bodyPr/>
-          <a:lstStyle/>
-          <a:p>
-            <a:r>
-              <a:rPr lang="en-US" dirty="0" smtClean="0"/>
-              <a:t>(Picture </a:t>
-            </a:r>
-            <a:r>
-              <a:rPr lang="en-US" dirty="0"/>
-              <a:t>of directory </a:t>
-            </a:r>
-            <a:r>
-              <a:rPr lang="en-US" dirty="0" smtClean="0"/>
-              <a:t>structure)</a:t>
-            </a:r>
-            <a:endParaRPr lang="en-US" dirty="0"/>
-          </a:p>
-          <a:p>
-            <a:r>
-              <a:rPr lang="en-US" dirty="0" smtClean="0"/>
-              <a:t>(Highlight </a:t>
-            </a:r>
-            <a:r>
-              <a:rPr lang="en-US" dirty="0"/>
-              <a:t>important </a:t>
-            </a:r>
-            <a:r>
-              <a:rPr lang="en-US" dirty="0" smtClean="0"/>
-              <a:t>areas)</a:t>
-            </a:r>
-            <a:endParaRPr lang="en-US" dirty="0"/>
+          <p:cNvPr id="4" name="Rectangle 3"/>
+          <p:cNvSpPr/>
+          <p:nvPr/>
+        </p:nvSpPr>
+        <p:spPr>
+          <a:xfrm>
+            <a:off x="457200" y="1720840"/>
+            <a:ext cx="8229600" cy="3139321"/>
+          </a:xfrm>
+          <a:prstGeom prst="rect">
+            <a:avLst/>
+          </a:prstGeom>
+        </p:spPr>
+        <p:txBody>
+          <a:bodyPr wrap="square">
+            <a:spAutoFit/>
+          </a:bodyPr>
+          <a:lstStyle/>
+          <a:p>
+            <a:r>
+              <a:rPr lang="en-US" b="1" dirty="0">
+                <a:latin typeface="Courier New"/>
+                <a:cs typeface="Courier New"/>
+              </a:rPr>
+              <a:t>Package</a:t>
+            </a:r>
+            <a:r>
+              <a:rPr lang="en-US" dirty="0">
+                <a:latin typeface="Courier New"/>
+                <a:cs typeface="Courier New"/>
+              </a:rPr>
+              <a:t>: </a:t>
+            </a:r>
+            <a:r>
+              <a:rPr lang="en-US" dirty="0" err="1" smtClean="0">
+                <a:latin typeface="Courier New"/>
+                <a:cs typeface="Courier New"/>
+              </a:rPr>
+              <a:t>ZeligDEMO</a:t>
+            </a:r>
+            <a:endParaRPr lang="en-US" dirty="0">
+              <a:latin typeface="Courier New"/>
+              <a:cs typeface="Courier New"/>
+            </a:endParaRPr>
+          </a:p>
+          <a:p>
+            <a:r>
+              <a:rPr lang="en-US" b="1" dirty="0">
+                <a:latin typeface="Courier New"/>
+                <a:cs typeface="Courier New"/>
+              </a:rPr>
+              <a:t>Maintainer</a:t>
+            </a:r>
+            <a:r>
+              <a:rPr lang="en-US" dirty="0">
+                <a:latin typeface="Courier New"/>
+                <a:cs typeface="Courier New"/>
+              </a:rPr>
+              <a:t>: Matt Owen &lt;mowen@iq.harvard.edu&gt;</a:t>
+            </a:r>
+          </a:p>
+          <a:p>
+            <a:r>
+              <a:rPr lang="en-US" dirty="0">
+                <a:latin typeface="Courier New"/>
+                <a:cs typeface="Courier New"/>
+              </a:rPr>
+              <a:t>License: GPL (&gt;=2)</a:t>
+            </a:r>
+          </a:p>
+          <a:p>
+            <a:r>
+              <a:rPr lang="en-US" dirty="0">
+                <a:latin typeface="Courier New"/>
+                <a:cs typeface="Courier New"/>
+              </a:rPr>
+              <a:t>Title: A </a:t>
+            </a:r>
+            <a:r>
+              <a:rPr lang="en-US" dirty="0" err="1">
+                <a:latin typeface="Courier New"/>
+                <a:cs typeface="Courier New"/>
+              </a:rPr>
+              <a:t>Zelig</a:t>
+            </a:r>
+            <a:r>
+              <a:rPr lang="en-US" dirty="0">
+                <a:latin typeface="Courier New"/>
+                <a:cs typeface="Courier New"/>
+              </a:rPr>
+              <a:t> Model</a:t>
+            </a:r>
+          </a:p>
+          <a:p>
+            <a:r>
+              <a:rPr lang="en-US" b="1" dirty="0">
+                <a:latin typeface="Courier New"/>
+                <a:cs typeface="Courier New"/>
+              </a:rPr>
+              <a:t>Author</a:t>
+            </a:r>
+            <a:r>
+              <a:rPr lang="en-US" dirty="0">
+                <a:latin typeface="Courier New"/>
+                <a:cs typeface="Courier New"/>
+              </a:rPr>
+              <a:t>: Matt Owen</a:t>
+            </a:r>
+          </a:p>
+          <a:p>
+            <a:r>
+              <a:rPr lang="en-US" dirty="0">
+                <a:latin typeface="Courier New"/>
+                <a:cs typeface="Courier New"/>
+              </a:rPr>
+              <a:t>Description: A </a:t>
+            </a:r>
+            <a:r>
+              <a:rPr lang="en-US" dirty="0" err="1">
+                <a:latin typeface="Courier New"/>
+                <a:cs typeface="Courier New"/>
+              </a:rPr>
+              <a:t>Zelig</a:t>
+            </a:r>
+            <a:r>
+              <a:rPr lang="en-US" dirty="0">
+                <a:latin typeface="Courier New"/>
+                <a:cs typeface="Courier New"/>
+              </a:rPr>
+              <a:t> Model</a:t>
+            </a:r>
+          </a:p>
+          <a:p>
+            <a:r>
+              <a:rPr lang="en-US" dirty="0">
+                <a:latin typeface="Courier New"/>
+                <a:cs typeface="Courier New"/>
+              </a:rPr>
+              <a:t>Version: 0.2</a:t>
+            </a:r>
+          </a:p>
+          <a:p>
+            <a:r>
+              <a:rPr lang="en-US" dirty="0">
+                <a:latin typeface="Courier New"/>
+                <a:cs typeface="Courier New"/>
+              </a:rPr>
+              <a:t>Packaged: Tue Nov 8 12:42:13 2011</a:t>
+            </a:r>
+          </a:p>
+          <a:p>
+            <a:r>
+              <a:rPr lang="en-US" dirty="0">
+                <a:latin typeface="Courier New"/>
+                <a:cs typeface="Courier New"/>
+              </a:rPr>
+              <a:t>URL: http://gking.harvard.edu/zelig</a:t>
+            </a:r>
+          </a:p>
+          <a:p>
+            <a:r>
+              <a:rPr lang="en-US" dirty="0">
+                <a:latin typeface="Courier New"/>
+                <a:cs typeface="Courier New"/>
+              </a:rPr>
+              <a:t>Date: 2011-12-12</a:t>
+            </a:r>
+          </a:p>
+          <a:p>
+            <a:r>
+              <a:rPr lang="en-US" b="1" dirty="0">
+                <a:latin typeface="Courier New"/>
+                <a:cs typeface="Courier New"/>
+              </a:rPr>
+              <a:t>Depends</a:t>
+            </a:r>
+            <a:r>
+              <a:rPr lang="en-US" dirty="0">
+                <a:latin typeface="Courier New"/>
+                <a:cs typeface="Courier New"/>
+              </a:rPr>
+              <a:t>: </a:t>
+            </a:r>
+            <a:r>
+              <a:rPr lang="en-US" dirty="0" err="1">
+                <a:latin typeface="Courier New"/>
+                <a:cs typeface="Courier New"/>
+              </a:rPr>
+              <a:t>Zelig</a:t>
+            </a:r>
+            <a:r>
+              <a:rPr lang="en-US" dirty="0">
+                <a:latin typeface="Courier New"/>
+                <a:cs typeface="Courier New"/>
+              </a:rPr>
+              <a:t> (&gt;= 4.0-6), </a:t>
+            </a:r>
+            <a:r>
+              <a:rPr lang="en-US" dirty="0" err="1">
+                <a:latin typeface="Courier New"/>
+                <a:cs typeface="Courier New"/>
+              </a:rPr>
+              <a:t>systemfit</a:t>
+            </a:r>
+            <a:endParaRPr lang="en-US" dirty="0">
+              <a:latin typeface="Courier New"/>
+              <a:cs typeface="Courier New"/>
+            </a:endParaRPr>
+          </a:p>
+        </p:txBody>
+      </p:sp>
+      <p:sp>
+        <p:nvSpPr>
+          <p:cNvPr id="5" name="TextBox 4"/>
+          <p:cNvSpPr txBox="1"/>
+          <p:nvPr/>
+        </p:nvSpPr>
+        <p:spPr>
+          <a:xfrm>
+            <a:off x="457200" y="5161746"/>
+            <a:ext cx="8229600" cy="646331"/>
+          </a:xfrm>
+          <a:prstGeom prst="rect">
+            <a:avLst/>
+          </a:prstGeom>
+          <a:noFill/>
+        </p:spPr>
+        <p:txBody>
+          <a:bodyPr wrap="square" rtlCol="0">
+            <a:spAutoFit/>
+          </a:bodyPr>
+          <a:lstStyle/>
+          <a:p>
+            <a:r>
+              <a:rPr lang="en-US" b="1"/>
+              <a:t>Note </a:t>
+            </a:r>
+            <a:r>
+              <a:rPr lang="en-US"/>
+              <a:t>that the bold text is strictly for emphasis. That is, the actual DESCRIPTION file is plain-text.</a:t>
+            </a:r>
           </a:p>
         </p:txBody>
       </p:sp>
@@ -4097,7 +4115,7 @@
 </file>
 
 <file path=ppt/slides/slide13.xml><?xml version="1.0" encoding="utf-8"?>
-<p:sld xmlns:a="http://schemas.openxmlformats.org/drawingml/2006/main" xmlns:r="http://schemas.openxmlformats.org/officeDocument/2006/relationships" xmlns:p="http://schemas.openxmlformats.org/presentationml/2006/main">
+<p:sld xmlns:a="http://schemas.openxmlformats.org/drawingml/2006/main" xmlns:r="http://schemas.openxmlformats.org/officeDocument/2006/relationships" xmlns:mc="http://schemas.openxmlformats.org/markup-compatibility/2006" xmlns:mv="urn:schemas-microsoft-com:mac:vml" xmlns:p="http://schemas.openxmlformats.org/presentationml/2006/main" mc:Ignorable="mv" mc:PreserveAttributes="mv:*">
   <p:cSld>
     <p:spTree>
       <p:nvGrpSpPr>
@@ -4120,7 +4138,7 @@
             <a:spLocks noGrp="1"/>
           </p:cNvSpPr>
           <p:nvPr>
-            <p:ph type="ctrTitle"/>
+            <p:ph type="title"/>
           </p:nvPr>
         </p:nvSpPr>
         <p:spPr/>
@@ -4129,20 +4147,25 @@
           <a:lstStyle/>
           <a:p>
             <a:r>
-              <a:rPr lang="en-US"/>
-              <a:t>What is a Zelig Model?</a:t>
-            </a:r>
-          </a:p>
-        </p:txBody>
-      </p:sp>
-      <p:sp>
-        <p:nvSpPr>
-          <p:cNvPr id="4" name="Subtitle 3"/>
-          <p:cNvSpPr>
-            <a:spLocks noGrp="1"/>
-          </p:cNvSpPr>
-          <p:nvPr>
-            <p:ph type="subTitle" idx="1"/>
+              <a:rPr lang="en-US" dirty="0"/>
+              <a:t>Example: </a:t>
+            </a:r>
+            <a:r>
+              <a:rPr lang="en-US" dirty="0" err="1" smtClean="0"/>
+              <a:t>ZeligDEMO</a:t>
+            </a:r>
+            <a:endParaRPr lang="en-US" dirty="0"/>
+          </a:p>
+        </p:txBody>
+      </p:sp>
+      <p:sp>
+        <p:nvSpPr>
+          <p:cNvPr id="3" name="Content Placeholder 2"/>
+          <p:cNvSpPr>
+            <a:spLocks noGrp="1"/>
+          </p:cNvSpPr>
+          <p:nvPr>
+            <p:ph idx="1"/>
           </p:nvPr>
         </p:nvSpPr>
         <p:spPr/>
@@ -4150,7 +4173,34 @@
           <a:bodyPr/>
           <a:lstStyle/>
           <a:p>
-            <a:endParaRPr lang="en-US"/>
+            <a:r>
+              <a:rPr lang="en-US" dirty="0" smtClean="0"/>
+              <a:t>(Picture </a:t>
+            </a:r>
+            <a:r>
+              <a:rPr lang="en-US" dirty="0"/>
+              <a:t>of directory </a:t>
+            </a:r>
+            <a:r>
+              <a:rPr lang="en-US" dirty="0" smtClean="0"/>
+              <a:t>structure)</a:t>
+            </a:r>
+            <a:endParaRPr lang="en-US" dirty="0"/>
+          </a:p>
+          <a:p>
+            <a:r>
+              <a:rPr lang="en-US" dirty="0" smtClean="0"/>
+              <a:t>(Highlight </a:t>
+            </a:r>
+            <a:r>
+              <a:rPr lang="en-US" dirty="0"/>
+              <a:t>important </a:t>
+            </a:r>
+            <a:r>
+              <a:rPr lang="en-US" dirty="0" smtClean="0"/>
+              <a:t>areas)</a:t>
+            </a:r>
+            <a:endParaRPr lang="en-US" dirty="0"/>
           </a:p>
         </p:txBody>
       </p:sp>
@@ -4170,7 +4220,7 @@
 </file>
 
 <file path=ppt/slides/slide14.xml><?xml version="1.0" encoding="utf-8"?>
-<p:sld xmlns:a="http://schemas.openxmlformats.org/drawingml/2006/main" xmlns:r="http://schemas.openxmlformats.org/officeDocument/2006/relationships" xmlns:p="http://schemas.openxmlformats.org/presentationml/2006/main">
+<p:sld xmlns:a="http://schemas.openxmlformats.org/drawingml/2006/main" xmlns:r="http://schemas.openxmlformats.org/officeDocument/2006/relationships" xmlns:mc="http://schemas.openxmlformats.org/markup-compatibility/2006" xmlns:mv="urn:schemas-microsoft-com:mac:vml" xmlns:p="http://schemas.openxmlformats.org/presentationml/2006/main" mc:Ignorable="mv" mc:PreserveAttributes="mv:*">
   <p:cSld>
     <p:spTree>
       <p:nvGrpSpPr>
@@ -4193,6 +4243,79 @@
             <a:spLocks noGrp="1"/>
           </p:cNvSpPr>
           <p:nvPr>
+            <p:ph type="ctrTitle"/>
+          </p:nvPr>
+        </p:nvSpPr>
+        <p:spPr/>
+        <p:txBody>
+          <a:bodyPr/>
+          <a:lstStyle/>
+          <a:p>
+            <a:r>
+              <a:rPr lang="en-US"/>
+              <a:t>What is a Zelig Model?</a:t>
+            </a:r>
+          </a:p>
+        </p:txBody>
+      </p:sp>
+      <p:sp>
+        <p:nvSpPr>
+          <p:cNvPr id="4" name="Subtitle 3"/>
+          <p:cNvSpPr>
+            <a:spLocks noGrp="1"/>
+          </p:cNvSpPr>
+          <p:nvPr>
+            <p:ph type="subTitle" idx="1"/>
+          </p:nvPr>
+        </p:nvSpPr>
+        <p:spPr/>
+        <p:txBody>
+          <a:bodyPr/>
+          <a:lstStyle/>
+          <a:p>
+            <a:endParaRPr lang="en-US"/>
+          </a:p>
+        </p:txBody>
+      </p:sp>
+    </p:spTree>
+  </p:cSld>
+  <p:clrMapOvr>
+    <a:masterClrMapping/>
+  </p:clrMapOvr>
+  <p:timing>
+    <p:tnLst>
+      <p:par>
+        <p:cTn id="1" dur="indefinite" restart="never" nodeType="tmRoot"/>
+      </p:par>
+    </p:tnLst>
+  </p:timing>
+</p:sld>
+</file>
+
+<file path=ppt/slides/slide15.xml><?xml version="1.0" encoding="utf-8"?>
+<p:sld xmlns:a="http://schemas.openxmlformats.org/drawingml/2006/main" xmlns:r="http://schemas.openxmlformats.org/officeDocument/2006/relationships" xmlns:mc="http://schemas.openxmlformats.org/markup-compatibility/2006" xmlns:mv="urn:schemas-microsoft-com:mac:vml" xmlns:p="http://schemas.openxmlformats.org/presentationml/2006/main" mc:Ignorable="mv" mc:PreserveAttributes="mv:*">
+  <p:cSld>
+    <p:spTree>
+      <p:nvGrpSpPr>
+        <p:cNvPr id="1" name=""/>
+        <p:cNvGrpSpPr/>
+        <p:nvPr/>
+      </p:nvGrpSpPr>
+      <p:grpSpPr>
+        <a:xfrm>
+          <a:off x="0" y="0"/>
+          <a:ext cx="0" cy="0"/>
+          <a:chOff x="0" y="0"/>
+          <a:chExt cx="0" cy="0"/>
+        </a:xfrm>
+      </p:grpSpPr>
+      <p:sp>
+        <p:nvSpPr>
+          <p:cNvPr id="2" name="Title 1"/>
+          <p:cNvSpPr>
+            <a:spLocks noGrp="1"/>
+          </p:cNvSpPr>
+          <p:nvPr>
             <p:ph type="title"/>
           </p:nvPr>
         </p:nvSpPr>
@@ -4419,7 +4542,7 @@
     </p:spTree>
     <p:extLst>
       <p:ext uri="{BB962C8B-B14F-4D97-AF65-F5344CB8AC3E}">
-        <p14:creationId xmlns:p14="http://schemas.microsoft.com/office/powerpoint/2010/main" val="2482753411"/>
+        <p14:creationId xmlns:p14="http://schemas.microsoft.com/office/powerpoint/2010/main" xmlns:p="http://schemas.openxmlformats.org/presentationml/2006/main" xmlns:r="http://schemas.openxmlformats.org/officeDocument/2006/relationships" xmlns:a="http://schemas.openxmlformats.org/drawingml/2006/main" xmlns="" val="2482753411"/>
       </p:ext>
     </p:extLst>
   </p:cSld>
@@ -4436,8 +4559,8 @@
 </p:sld>
 </file>
 
-<file path=ppt/slides/slide15.xml><?xml version="1.0" encoding="utf-8"?>
-<p:sld xmlns:a="http://schemas.openxmlformats.org/drawingml/2006/main" xmlns:r="http://schemas.openxmlformats.org/officeDocument/2006/relationships" xmlns:p="http://schemas.openxmlformats.org/presentationml/2006/main">
+<file path=ppt/slides/slide16.xml><?xml version="1.0" encoding="utf-8"?>
+<p:sld xmlns:a="http://schemas.openxmlformats.org/drawingml/2006/main" xmlns:r="http://schemas.openxmlformats.org/officeDocument/2006/relationships" xmlns:mc="http://schemas.openxmlformats.org/markup-compatibility/2006" xmlns:mv="urn:schemas-microsoft-com:mac:vml" xmlns:p="http://schemas.openxmlformats.org/presentationml/2006/main" mc:Ignorable="mv" mc:PreserveAttributes="mv:*">
   <p:cSld>
     <p:spTree>
       <p:nvGrpSpPr>
@@ -4624,8 +4747,8 @@
 </p:sld>
 </file>
 
-<file path=ppt/slides/slide16.xml><?xml version="1.0" encoding="utf-8"?>
-<p:sld xmlns:a="http://schemas.openxmlformats.org/drawingml/2006/main" xmlns:r="http://schemas.openxmlformats.org/officeDocument/2006/relationships" xmlns:p="http://schemas.openxmlformats.org/presentationml/2006/main">
+<file path=ppt/slides/slide17.xml><?xml version="1.0" encoding="utf-8"?>
+<p:sld xmlns:a="http://schemas.openxmlformats.org/drawingml/2006/main" xmlns:r="http://schemas.openxmlformats.org/officeDocument/2006/relationships" xmlns:mc="http://schemas.openxmlformats.org/markup-compatibility/2006" xmlns:mv="urn:schemas-microsoft-com:mac:vml" xmlns:p="http://schemas.openxmlformats.org/presentationml/2006/main" mc:Ignorable="mv" mc:PreserveAttributes="mv:*">
   <p:cSld>
     <p:spTree>
       <p:nvGrpSpPr>
@@ -5142,8 +5265,8 @@
 </p:sld>
 </file>
 
-<file path=ppt/slides/slide17.xml><?xml version="1.0" encoding="utf-8"?>
-<p:sld xmlns:a="http://schemas.openxmlformats.org/drawingml/2006/main" xmlns:r="http://schemas.openxmlformats.org/officeDocument/2006/relationships" xmlns:p="http://schemas.openxmlformats.org/presentationml/2006/main">
+<file path=ppt/slides/slide18.xml><?xml version="1.0" encoding="utf-8"?>
+<p:sld xmlns:a="http://schemas.openxmlformats.org/drawingml/2006/main" xmlns:r="http://schemas.openxmlformats.org/officeDocument/2006/relationships" xmlns:mc="http://schemas.openxmlformats.org/markup-compatibility/2006" xmlns:mv="urn:schemas-microsoft-com:mac:vml" xmlns:p="http://schemas.openxmlformats.org/presentationml/2006/main" mc:Ignorable="mv" mc:PreserveAttributes="mv:*">
   <p:cSld>
     <p:spTree>
       <p:nvGrpSpPr>
@@ -6231,8 +6354,8 @@
 </p:sld>
 </file>
 
-<file path=ppt/slides/slide18.xml><?xml version="1.0" encoding="utf-8"?>
-<p:sld xmlns:a="http://schemas.openxmlformats.org/drawingml/2006/main" xmlns:r="http://schemas.openxmlformats.org/officeDocument/2006/relationships" xmlns:p="http://schemas.openxmlformats.org/presentationml/2006/main">
+<file path=ppt/slides/slide19.xml><?xml version="1.0" encoding="utf-8"?>
+<p:sld xmlns:a="http://schemas.openxmlformats.org/drawingml/2006/main" xmlns:r="http://schemas.openxmlformats.org/officeDocument/2006/relationships" xmlns:mc="http://schemas.openxmlformats.org/markup-compatibility/2006" xmlns:mv="urn:schemas-microsoft-com:mac:vml" xmlns:p="http://schemas.openxmlformats.org/presentationml/2006/main" mc:Ignorable="mv" mc:PreserveAttributes="mv:*">
   <p:cSld>
     <p:spTree>
       <p:nvGrpSpPr>
@@ -6749,8 +6872,8 @@
 </p:sld>
 </file>
 
-<file path=ppt/slides/slide19.xml><?xml version="1.0" encoding="utf-8"?>
-<p:sld xmlns:a="http://schemas.openxmlformats.org/drawingml/2006/main" xmlns:r="http://schemas.openxmlformats.org/officeDocument/2006/relationships" xmlns:p="http://schemas.openxmlformats.org/presentationml/2006/main">
+<file path=ppt/slides/slide2.xml><?xml version="1.0" encoding="utf-8"?>
+<p:sld xmlns:a="http://schemas.openxmlformats.org/drawingml/2006/main" xmlns:r="http://schemas.openxmlformats.org/officeDocument/2006/relationships" xmlns:mc="http://schemas.openxmlformats.org/markup-compatibility/2006" xmlns:mv="urn:schemas-microsoft-com:mac:vml" xmlns:p="http://schemas.openxmlformats.org/presentationml/2006/main" mc:Ignorable="mv" mc:PreserveAttributes="mv:*">
   <p:cSld>
     <p:spTree>
       <p:nvGrpSpPr>
@@ -6783,15 +6906,7 @@
           <a:p>
             <a:r>
               <a:rPr lang="en-US"/>
-              <a:t>An </a:t>
-            </a:r>
-            <a:r>
-              <a:rPr lang="en-US" b="1"/>
-              <a:t>Atypical </a:t>
-            </a:r>
-            <a:r>
-              <a:rPr lang="en-US"/>
-              <a:t>Zelig Program</a:t>
+              <a:t>Why Zelig?</a:t>
             </a:r>
           </a:p>
         </p:txBody>
@@ -6813,50 +6928,46 @@
           <a:p>
             <a:r>
               <a:rPr lang="en-US"/>
-              <a:t>"setx" and "sim" are </a:t>
-            </a:r>
-            <a:r>
-              <a:rPr lang="en-US" b="1"/>
-              <a:t>generic functions</a:t>
-            </a:r>
-            <a:endParaRPr lang="en-US"/>
-          </a:p>
-          <a:p>
-            <a:r>
-              <a:rPr lang="en-US"/>
-              <a:t>A model can override the default "setx" and "sim" functions, by writing the functions:</a:t>
+              <a:t>Framework for statistical models</a:t>
+            </a:r>
+          </a:p>
+          <a:p>
+            <a:r>
+              <a:rPr lang="en-US"/>
+              <a:t>Increase visibility</a:t>
+            </a:r>
+          </a:p>
+          <a:p>
+            <a:r>
+              <a:rPr lang="en-US"/>
+              <a:t>Dataverse bindings (without additional code)</a:t>
+            </a:r>
+          </a:p>
+          <a:p>
+            <a:r>
+              <a:rPr lang="en-US"/>
+              <a:t>Framework supports (without additional code)</a:t>
             </a:r>
           </a:p>
           <a:p>
             <a:pPr lvl="1"/>
             <a:r>
               <a:rPr lang="en-US"/>
-              <a:t>setx.</a:t>
-            </a:r>
-            <a:r>
-              <a:rPr lang="en-US" i="1"/>
-              <a:t>&lt;model-name&gt;</a:t>
+              <a:t>Rapid package builder</a:t>
             </a:r>
           </a:p>
           <a:p>
             <a:pPr lvl="1"/>
             <a:r>
               <a:rPr lang="en-US"/>
-              <a:t>sim.</a:t>
-            </a:r>
-            <a:r>
-              <a:rPr lang="en-US" i="1"/>
-              <a:t>&lt;model-name&gt;</a:t>
-            </a:r>
-            <a:r>
-              <a:rPr lang="en-US"/>
-              <a:t> </a:t>
-            </a:r>
-          </a:p>
-          <a:p>
-            <a:r>
-              <a:rPr lang="en-US"/>
-              <a:t>This will not be covered today</a:t>
+              <a:t>Multiple Imputation</a:t>
+            </a:r>
+          </a:p>
+          <a:p>
+            <a:pPr lvl="1"/>
+            <a:r>
+              <a:rPr lang="en-US"/>
+              <a:t>Plotting</a:t>
             </a:r>
           </a:p>
         </p:txBody>
@@ -6866,18 +6977,11 @@
   <p:clrMapOvr>
     <a:masterClrMapping/>
   </p:clrMapOvr>
-  <p:timing>
-    <p:tnLst>
-      <p:par>
-        <p:cTn id="1" dur="indefinite" restart="never" nodeType="tmRoot"/>
-      </p:par>
-    </p:tnLst>
-  </p:timing>
 </p:sld>
 </file>
 
-<file path=ppt/slides/slide2.xml><?xml version="1.0" encoding="utf-8"?>
-<p:sld xmlns:a="http://schemas.openxmlformats.org/drawingml/2006/main" xmlns:r="http://schemas.openxmlformats.org/officeDocument/2006/relationships" xmlns:p="http://schemas.openxmlformats.org/presentationml/2006/main">
+<file path=ppt/slides/slide20.xml><?xml version="1.0" encoding="utf-8"?>
+<p:sld xmlns:a="http://schemas.openxmlformats.org/drawingml/2006/main" xmlns:r="http://schemas.openxmlformats.org/officeDocument/2006/relationships" xmlns:mc="http://schemas.openxmlformats.org/markup-compatibility/2006" xmlns:mv="urn:schemas-microsoft-com:mac:vml" xmlns:p="http://schemas.openxmlformats.org/presentationml/2006/main" mc:Ignorable="mv" mc:PreserveAttributes="mv:*">
   <p:cSld>
     <p:spTree>
       <p:nvGrpSpPr>
@@ -6900,7 +7004,7 @@
             <a:spLocks noGrp="1"/>
           </p:cNvSpPr>
           <p:nvPr>
-            <p:ph type="ctrTitle"/>
+            <p:ph type="title"/>
           </p:nvPr>
         </p:nvSpPr>
         <p:spPr/>
@@ -6910,19 +7014,27 @@
           <a:p>
             <a:r>
               <a:rPr lang="en-US"/>
-              <a:t>Programming Statistical Models with Zelig 4</a:t>
-            </a:r>
-          </a:p>
-        </p:txBody>
-      </p:sp>
-      <p:sp>
-        <p:nvSpPr>
-          <p:cNvPr id="3" name="Subtitle 2"/>
-          <p:cNvSpPr>
-            <a:spLocks noGrp="1"/>
-          </p:cNvSpPr>
-          <p:nvPr>
-            <p:ph type="subTitle" idx="1"/>
+              <a:t>An </a:t>
+            </a:r>
+            <a:r>
+              <a:rPr lang="en-US" b="1"/>
+              <a:t>Atypical </a:t>
+            </a:r>
+            <a:r>
+              <a:rPr lang="en-US"/>
+              <a:t>Zelig Program</a:t>
+            </a:r>
+          </a:p>
+        </p:txBody>
+      </p:sp>
+      <p:sp>
+        <p:nvSpPr>
+          <p:cNvPr id="3" name="Content Placeholder 2"/>
+          <p:cNvSpPr>
+            <a:spLocks noGrp="1"/>
+          </p:cNvSpPr>
+          <p:nvPr>
+            <p:ph idx="1"/>
           </p:nvPr>
         </p:nvSpPr>
         <p:spPr/>
@@ -6932,160 +7044,50 @@
           <a:p>
             <a:r>
               <a:rPr lang="en-US"/>
-              <a:t>Creating Statistical Packages</a:t>
-            </a:r>
-            <a:br>
-              <a:rPr lang="en-US"/>
-            </a:br>
-            <a:r>
-              <a:rPr lang="en-US"/>
-              <a:t>External Models</a:t>
-            </a:r>
-          </a:p>
-          <a:p>
-            <a:r>
-              <a:rPr lang="en-US"/>
-              <a:t>The "zelig2" Method</a:t>
-            </a:r>
-          </a:p>
-        </p:txBody>
-      </p:sp>
-    </p:spTree>
-  </p:cSld>
-  <p:clrMapOvr>
-    <a:masterClrMapping/>
-  </p:clrMapOvr>
-  <p:timing>
-    <p:tnLst>
-      <p:par>
-        <p:cTn id="1" dur="indefinite" restart="never" nodeType="tmRoot"/>
-      </p:par>
-    </p:tnLst>
-  </p:timing>
-</p:sld>
-</file>
-
-<file path=ppt/slides/slide20.xml><?xml version="1.0" encoding="utf-8"?>
-<p:sld xmlns:a="http://schemas.openxmlformats.org/drawingml/2006/main" xmlns:r="http://schemas.openxmlformats.org/officeDocument/2006/relationships" xmlns:p="http://schemas.openxmlformats.org/presentationml/2006/main">
-  <p:cSld>
-    <p:spTree>
-      <p:nvGrpSpPr>
-        <p:cNvPr id="1" name=""/>
-        <p:cNvGrpSpPr/>
-        <p:nvPr/>
-      </p:nvGrpSpPr>
-      <p:grpSpPr>
-        <a:xfrm>
-          <a:off x="0" y="0"/>
-          <a:ext cx="0" cy="0"/>
-          <a:chOff x="0" y="0"/>
-          <a:chExt cx="0" cy="0"/>
-        </a:xfrm>
-      </p:grpSpPr>
-      <p:sp>
-        <p:nvSpPr>
-          <p:cNvPr id="2" name="Title 1"/>
-          <p:cNvSpPr>
-            <a:spLocks noGrp="1"/>
-          </p:cNvSpPr>
-          <p:nvPr>
-            <p:ph type="title"/>
-          </p:nvPr>
-        </p:nvSpPr>
-        <p:spPr/>
-        <p:txBody>
-          <a:bodyPr/>
-          <a:lstStyle/>
-          <a:p>
-            <a:r>
-              <a:rPr lang="en-US"/>
-              <a:t>Overview</a:t>
-            </a:r>
-          </a:p>
-        </p:txBody>
-      </p:sp>
-      <p:sp>
-        <p:nvSpPr>
-          <p:cNvPr id="3" name="Content Placeholder 2"/>
-          <p:cNvSpPr>
-            <a:spLocks noGrp="1"/>
-          </p:cNvSpPr>
-          <p:nvPr>
-            <p:ph idx="1"/>
-          </p:nvPr>
-        </p:nvSpPr>
-        <p:spPr/>
-        <p:txBody>
-          <a:bodyPr>
-            <a:normAutofit lnSpcReduction="10000"/>
-          </a:bodyPr>
-          <a:lstStyle/>
-          <a:p>
-            <a:r>
-              <a:rPr lang="en-US"/>
-              <a:t>Writing a zelig model is a three-stage process:</a:t>
+              <a:t>"setx" and "sim" are </a:t>
+            </a:r>
+            <a:r>
+              <a:rPr lang="en-US" b="1"/>
+              <a:t>generic functions</a:t>
+            </a:r>
+            <a:endParaRPr lang="en-US"/>
+          </a:p>
+          <a:p>
+            <a:r>
+              <a:rPr lang="en-US"/>
+              <a:t>A model can override the default "setx" and "sim" functions, by writing the functions:</a:t>
             </a:r>
           </a:p>
           <a:p>
             <a:pPr lvl="1"/>
             <a:r>
               <a:rPr lang="en-US"/>
-              <a:t>zelig2 method</a:t>
+              <a:t>setx.</a:t>
+            </a:r>
+            <a:r>
+              <a:rPr lang="en-US" i="1"/>
+              <a:t>&lt;model-name&gt;</a:t>
             </a:r>
           </a:p>
           <a:p>
             <a:pPr lvl="1"/>
             <a:r>
               <a:rPr lang="en-US"/>
-              <a:t>param method</a:t>
-            </a:r>
-          </a:p>
-          <a:p>
-            <a:pPr lvl="1"/>
-            <a:r>
-              <a:rPr lang="en-US"/>
-              <a:t>qi method</a:t>
-            </a:r>
-          </a:p>
-          <a:p>
-            <a:r>
-              <a:rPr lang="en-US"/>
-              <a:t>These correspond to</a:t>
-            </a:r>
-          </a:p>
-          <a:p>
-            <a:pPr lvl="1"/>
-            <a:r>
-              <a:rPr lang="en-US"/>
-              <a:t>Fitting the statistical model (zelig2)</a:t>
-            </a:r>
-          </a:p>
-          <a:p>
-            <a:pPr lvl="1"/>
-            <a:r>
-              <a:rPr lang="en-US"/>
-              <a:t>Parameter simulation (param)</a:t>
-            </a:r>
-          </a:p>
-          <a:p>
-            <a:pPr lvl="1"/>
-            <a:r>
-              <a:rPr lang="en-US"/>
-              <a:t>Quantity of interest simulation (qi)</a:t>
-            </a:r>
-          </a:p>
-          <a:p>
-            <a:r>
-              <a:rPr lang="en-US"/>
-              <a:t>Users </a:t>
-            </a:r>
-            <a:r>
-              <a:rPr lang="en-US" b="1"/>
-              <a:t>do not</a:t>
-            </a:r>
-            <a:r>
-              <a:rPr lang="en-US"/>
-              <a:t> directly call these methods</a:t>
+              <a:t>sim.</a:t>
+            </a:r>
+            <a:r>
+              <a:rPr lang="en-US" i="1"/>
+              <a:t>&lt;model-name&gt;</a:t>
+            </a:r>
+            <a:r>
+              <a:rPr lang="en-US"/>
+              <a:t> </a:t>
+            </a:r>
+          </a:p>
+          <a:p>
+            <a:r>
+              <a:rPr lang="en-US"/>
+              <a:t>This will not be covered today</a:t>
             </a:r>
           </a:p>
         </p:txBody>
@@ -7106,7 +7108,7 @@
 </file>
 
 <file path=ppt/slides/slide21.xml><?xml version="1.0" encoding="utf-8"?>
-<p:sld xmlns:a="http://schemas.openxmlformats.org/drawingml/2006/main" xmlns:r="http://schemas.openxmlformats.org/officeDocument/2006/relationships" xmlns:p="http://schemas.openxmlformats.org/presentationml/2006/main">
+<p:sld xmlns:a="http://schemas.openxmlformats.org/drawingml/2006/main" xmlns:r="http://schemas.openxmlformats.org/officeDocument/2006/relationships" xmlns:mc="http://schemas.openxmlformats.org/markup-compatibility/2006" xmlns:mv="urn:schemas-microsoft-com:mac:vml" xmlns:p="http://schemas.openxmlformats.org/presentationml/2006/main" mc:Ignorable="mv" mc:PreserveAttributes="mv:*">
   <p:cSld>
     <p:spTree>
       <p:nvGrpSpPr>
@@ -7129,6 +7131,146 @@
             <a:spLocks noGrp="1"/>
           </p:cNvSpPr>
           <p:nvPr>
+            <p:ph type="title"/>
+          </p:nvPr>
+        </p:nvSpPr>
+        <p:spPr/>
+        <p:txBody>
+          <a:bodyPr/>
+          <a:lstStyle/>
+          <a:p>
+            <a:r>
+              <a:rPr lang="en-US"/>
+              <a:t>Overview</a:t>
+            </a:r>
+          </a:p>
+        </p:txBody>
+      </p:sp>
+      <p:sp>
+        <p:nvSpPr>
+          <p:cNvPr id="3" name="Content Placeholder 2"/>
+          <p:cNvSpPr>
+            <a:spLocks noGrp="1"/>
+          </p:cNvSpPr>
+          <p:nvPr>
+            <p:ph idx="1"/>
+          </p:nvPr>
+        </p:nvSpPr>
+        <p:spPr/>
+        <p:txBody>
+          <a:bodyPr>
+            <a:normAutofit lnSpcReduction="10000"/>
+          </a:bodyPr>
+          <a:lstStyle/>
+          <a:p>
+            <a:r>
+              <a:rPr lang="en-US"/>
+              <a:t>Writing a zelig model is a three-stage process:</a:t>
+            </a:r>
+          </a:p>
+          <a:p>
+            <a:pPr lvl="1"/>
+            <a:r>
+              <a:rPr lang="en-US"/>
+              <a:t>zelig2 method</a:t>
+            </a:r>
+          </a:p>
+          <a:p>
+            <a:pPr lvl="1"/>
+            <a:r>
+              <a:rPr lang="en-US"/>
+              <a:t>param method</a:t>
+            </a:r>
+          </a:p>
+          <a:p>
+            <a:pPr lvl="1"/>
+            <a:r>
+              <a:rPr lang="en-US"/>
+              <a:t>qi method</a:t>
+            </a:r>
+          </a:p>
+          <a:p>
+            <a:r>
+              <a:rPr lang="en-US"/>
+              <a:t>These correspond to</a:t>
+            </a:r>
+          </a:p>
+          <a:p>
+            <a:pPr lvl="1"/>
+            <a:r>
+              <a:rPr lang="en-US"/>
+              <a:t>Fitting the statistical model (zelig2)</a:t>
+            </a:r>
+          </a:p>
+          <a:p>
+            <a:pPr lvl="1"/>
+            <a:r>
+              <a:rPr lang="en-US"/>
+              <a:t>Parameter simulation (param)</a:t>
+            </a:r>
+          </a:p>
+          <a:p>
+            <a:pPr lvl="1"/>
+            <a:r>
+              <a:rPr lang="en-US"/>
+              <a:t>Quantity of interest simulation (qi)</a:t>
+            </a:r>
+          </a:p>
+          <a:p>
+            <a:r>
+              <a:rPr lang="en-US"/>
+              <a:t>Users </a:t>
+            </a:r>
+            <a:r>
+              <a:rPr lang="en-US" b="1"/>
+              <a:t>do not</a:t>
+            </a:r>
+            <a:r>
+              <a:rPr lang="en-US"/>
+              <a:t> directly call these methods</a:t>
+            </a:r>
+          </a:p>
+        </p:txBody>
+      </p:sp>
+    </p:spTree>
+  </p:cSld>
+  <p:clrMapOvr>
+    <a:masterClrMapping/>
+  </p:clrMapOvr>
+  <p:timing>
+    <p:tnLst>
+      <p:par>
+        <p:cTn id="1" dur="indefinite" restart="never" nodeType="tmRoot"/>
+      </p:par>
+    </p:tnLst>
+  </p:timing>
+</p:sld>
+</file>
+
+<file path=ppt/slides/slide22.xml><?xml version="1.0" encoding="utf-8"?>
+<p:sld xmlns:a="http://schemas.openxmlformats.org/drawingml/2006/main" xmlns:r="http://schemas.openxmlformats.org/officeDocument/2006/relationships" xmlns:mc="http://schemas.openxmlformats.org/markup-compatibility/2006" xmlns:mv="urn:schemas-microsoft-com:mac:vml" xmlns:p="http://schemas.openxmlformats.org/presentationml/2006/main" mc:Ignorable="mv" mc:PreserveAttributes="mv:*">
+  <p:cSld>
+    <p:spTree>
+      <p:nvGrpSpPr>
+        <p:cNvPr id="1" name=""/>
+        <p:cNvGrpSpPr/>
+        <p:nvPr/>
+      </p:nvGrpSpPr>
+      <p:grpSpPr>
+        <a:xfrm>
+          <a:off x="0" y="0"/>
+          <a:ext cx="0" cy="0"/>
+          <a:chOff x="0" y="0"/>
+          <a:chExt cx="0" cy="0"/>
+        </a:xfrm>
+      </p:grpSpPr>
+      <p:sp>
+        <p:nvSpPr>
+          <p:cNvPr id="2" name="Title 1"/>
+          <p:cNvSpPr>
+            <a:spLocks noGrp="1"/>
+          </p:cNvSpPr>
+          <p:nvPr>
             <p:ph type="ctrTitle"/>
           </p:nvPr>
         </p:nvSpPr>
@@ -7167,7 +7309,7 @@
     </p:spTree>
     <p:extLst>
       <p:ext uri="{BB962C8B-B14F-4D97-AF65-F5344CB8AC3E}">
-        <p14:creationId xmlns:p14="http://schemas.microsoft.com/office/powerpoint/2010/main" val="3700335886"/>
+        <p14:creationId xmlns:p14="http://schemas.microsoft.com/office/powerpoint/2010/main" xmlns:p="http://schemas.openxmlformats.org/presentationml/2006/main" xmlns:r="http://schemas.openxmlformats.org/officeDocument/2006/relationships" xmlns:a="http://schemas.openxmlformats.org/drawingml/2006/main" xmlns="" val="3700335886"/>
       </p:ext>
     </p:extLst>
   </p:cSld>
@@ -7184,8 +7326,8 @@
 </p:sld>
 </file>
 
-<file path=ppt/slides/slide22.xml><?xml version="1.0" encoding="utf-8"?>
-<p:sld xmlns:a="http://schemas.openxmlformats.org/drawingml/2006/main" xmlns:r="http://schemas.openxmlformats.org/officeDocument/2006/relationships" xmlns:p="http://schemas.openxmlformats.org/presentationml/2006/main">
+<file path=ppt/slides/slide23.xml><?xml version="1.0" encoding="utf-8"?>
+<p:sld xmlns:a="http://schemas.openxmlformats.org/drawingml/2006/main" xmlns:r="http://schemas.openxmlformats.org/officeDocument/2006/relationships" xmlns:mc="http://schemas.openxmlformats.org/markup-compatibility/2006" xmlns:mv="urn:schemas-microsoft-com:mac:vml" xmlns:p="http://schemas.openxmlformats.org/presentationml/2006/main" mc:Ignorable="mv" mc:PreserveAttributes="mv:*">
   <p:cSld>
     <p:spTree>
       <p:nvGrpSpPr>
@@ -7267,102 +7409,6 @@
             <a:r>
               <a:rPr lang="en-US"/>
               <a:t>"zelig.skeleton" behaves identically except it follows a pattern more useful for Zelig packages</a:t>
-            </a:r>
-          </a:p>
-        </p:txBody>
-      </p:sp>
-    </p:spTree>
-  </p:cSld>
-  <p:clrMapOvr>
-    <a:masterClrMapping/>
-  </p:clrMapOvr>
-  <p:timing>
-    <p:tnLst>
-      <p:par>
-        <p:cTn id="1" dur="indefinite" restart="never" nodeType="tmRoot"/>
-      </p:par>
-    </p:tnLst>
-  </p:timing>
-</p:sld>
-</file>
-
-<file path=ppt/slides/slide23.xml><?xml version="1.0" encoding="utf-8"?>
-<p:sld xmlns:a="http://schemas.openxmlformats.org/drawingml/2006/main" xmlns:r="http://schemas.openxmlformats.org/officeDocument/2006/relationships" xmlns:p="http://schemas.openxmlformats.org/presentationml/2006/main">
-  <p:cSld>
-    <p:spTree>
-      <p:nvGrpSpPr>
-        <p:cNvPr id="1" name=""/>
-        <p:cNvGrpSpPr/>
-        <p:nvPr/>
-      </p:nvGrpSpPr>
-      <p:grpSpPr>
-        <a:xfrm>
-          <a:off x="0" y="0"/>
-          <a:ext cx="0" cy="0"/>
-          <a:chOff x="0" y="0"/>
-          <a:chExt cx="0" cy="0"/>
-        </a:xfrm>
-      </p:grpSpPr>
-      <p:sp>
-        <p:nvSpPr>
-          <p:cNvPr id="2" name="Title 1"/>
-          <p:cNvSpPr>
-            <a:spLocks noGrp="1"/>
-          </p:cNvSpPr>
-          <p:nvPr>
-            <p:ph type="title"/>
-          </p:nvPr>
-        </p:nvSpPr>
-        <p:spPr/>
-        <p:txBody>
-          <a:bodyPr>
-            <a:normAutofit/>
-          </a:bodyPr>
-          <a:lstStyle/>
-          <a:p>
-            <a:r>
-              <a:rPr lang="en-US"/>
-              <a:t>Using "package.skeleton"</a:t>
-            </a:r>
-          </a:p>
-        </p:txBody>
-      </p:sp>
-      <p:sp>
-        <p:nvSpPr>
-          <p:cNvPr id="3" name="Content Placeholder 2"/>
-          <p:cNvSpPr>
-            <a:spLocks noGrp="1"/>
-          </p:cNvSpPr>
-          <p:nvPr>
-            <p:ph idx="1"/>
-          </p:nvPr>
-        </p:nvSpPr>
-        <p:spPr/>
-        <p:txBody>
-          <a:bodyPr/>
-          <a:lstStyle/>
-          <a:p>
-            <a:r>
-              <a:rPr lang="en-US"/>
-              <a:t>This creates a folder titled "SomePackage"</a:t>
-            </a:r>
-          </a:p>
-          <a:p>
-            <a:r>
-              <a:rPr lang="en-US"/>
-              <a:t>Create an R package with a single function "f"</a:t>
-            </a:r>
-          </a:p>
-          <a:p>
-            <a:r>
-              <a:rPr lang="en-US"/>
-              <a:t>Titles the package "SomePackage"</a:t>
-            </a:r>
-          </a:p>
-          <a:p>
-            <a:r>
-              <a:rPr lang="en-US"/>
-              <a:t>This package will not be "installable" until the author edits the ".Rd" files (found in the "man/" directory)</a:t>
             </a:r>
           </a:p>
         </p:txBody>
@@ -7383,7 +7429,7 @@
 </file>
 
 <file path=ppt/slides/slide24.xml><?xml version="1.0" encoding="utf-8"?>
-<p:sld xmlns:a="http://schemas.openxmlformats.org/drawingml/2006/main" xmlns:r="http://schemas.openxmlformats.org/officeDocument/2006/relationships" xmlns:p="http://schemas.openxmlformats.org/presentationml/2006/main">
+<p:sld xmlns:a="http://schemas.openxmlformats.org/drawingml/2006/main" xmlns:r="http://schemas.openxmlformats.org/officeDocument/2006/relationships" xmlns:mc="http://schemas.openxmlformats.org/markup-compatibility/2006" xmlns:mv="urn:schemas-microsoft-com:mac:vml" xmlns:p="http://schemas.openxmlformats.org/presentationml/2006/main" mc:Ignorable="mv" mc:PreserveAttributes="mv:*">
   <p:cSld>
     <p:spTree>
       <p:nvGrpSpPr>
@@ -7411,160 +7457,55 @@
         </p:nvSpPr>
         <p:spPr/>
         <p:txBody>
+          <a:bodyPr>
+            <a:normAutofit/>
+          </a:bodyPr>
+          <a:lstStyle/>
+          <a:p>
+            <a:r>
+              <a:rPr lang="en-US"/>
+              <a:t>Using "package.skeleton"</a:t>
+            </a:r>
+          </a:p>
+        </p:txBody>
+      </p:sp>
+      <p:sp>
+        <p:nvSpPr>
+          <p:cNvPr id="3" name="Content Placeholder 2"/>
+          <p:cNvSpPr>
+            <a:spLocks noGrp="1"/>
+          </p:cNvSpPr>
+          <p:nvPr>
+            <p:ph idx="1"/>
+          </p:nvPr>
+        </p:nvSpPr>
+        <p:spPr/>
+        <p:txBody>
           <a:bodyPr/>
           <a:lstStyle/>
           <a:p>
             <a:r>
               <a:rPr lang="en-US"/>
-              <a:t>Using "package.skeleton"</a:t>
-            </a:r>
-          </a:p>
-        </p:txBody>
-      </p:sp>
-      <p:sp>
-        <p:nvSpPr>
-          <p:cNvPr id="3" name="Content Placeholder 2"/>
-          <p:cNvSpPr>
-            <a:spLocks noGrp="1"/>
-          </p:cNvSpPr>
-          <p:nvPr>
-            <p:ph idx="1"/>
-          </p:nvPr>
-        </p:nvSpPr>
-        <p:spPr/>
-        <p:txBody>
-          <a:bodyPr>
-            <a:noAutofit/>
-          </a:bodyPr>
-          <a:lstStyle/>
-          <a:p>
-            <a:pPr>
-              <a:buNone/>
-            </a:pPr>
-            <a:r>
-              <a:rPr lang="en-US" sz="1800" b="1">
-                <a:latin typeface="Courier New"/>
-                <a:cs typeface="Courier New"/>
-              </a:rPr>
-              <a:t>&gt; f &lt;- function (...) 1</a:t>
-            </a:r>
-          </a:p>
-          <a:p>
-            <a:pPr>
-              <a:buNone/>
-            </a:pPr>
-            <a:r>
-              <a:rPr lang="en-US" sz="1800" b="1">
-                <a:latin typeface="Courier New"/>
-                <a:cs typeface="Courier New"/>
-              </a:rPr>
-              <a:t>&gt; package.skeleton("SomePackage", "f")</a:t>
-            </a:r>
-          </a:p>
-          <a:p>
-            <a:pPr>
-              <a:buNone/>
-            </a:pPr>
-            <a:r>
-              <a:rPr lang="en-US" sz="1800">
-                <a:latin typeface="Courier New"/>
-                <a:cs typeface="Courier New"/>
-              </a:rPr>
-              <a:t>Creating directories ...</a:t>
-            </a:r>
-          </a:p>
-          <a:p>
-            <a:pPr>
-              <a:buNone/>
-            </a:pPr>
-            <a:r>
-              <a:rPr lang="en-US" sz="1800">
-                <a:latin typeface="Courier New"/>
-                <a:cs typeface="Courier New"/>
-              </a:rPr>
-              <a:t>Creating DESCRIPTION ...</a:t>
-            </a:r>
-          </a:p>
-          <a:p>
-            <a:pPr>
-              <a:buNone/>
-            </a:pPr>
-            <a:r>
-              <a:rPr lang="en-US" sz="1800">
-                <a:latin typeface="Courier New"/>
-                <a:cs typeface="Courier New"/>
-              </a:rPr>
-              <a:t>Creating Read-and-delete-me ...</a:t>
-            </a:r>
-          </a:p>
-          <a:p>
-            <a:pPr>
-              <a:buNone/>
-            </a:pPr>
-            <a:r>
-              <a:rPr lang="en-US" sz="1800">
-                <a:latin typeface="Courier New"/>
-                <a:cs typeface="Courier New"/>
-              </a:rPr>
-              <a:t>Saving functions and data ...</a:t>
-            </a:r>
-          </a:p>
-          <a:p>
-            <a:pPr>
-              <a:buNone/>
-            </a:pPr>
-            <a:r>
-              <a:rPr lang="en-US" sz="1800">
-                <a:latin typeface="Courier New"/>
-                <a:cs typeface="Courier New"/>
-              </a:rPr>
-              <a:t>Making help files ...</a:t>
-            </a:r>
-          </a:p>
-          <a:p>
-            <a:pPr>
-              <a:buNone/>
-            </a:pPr>
-            <a:r>
-              <a:rPr lang="en-US" sz="1800">
-                <a:latin typeface="Courier New"/>
-                <a:cs typeface="Courier New"/>
-              </a:rPr>
-              <a:t>Done.</a:t>
-            </a:r>
-          </a:p>
-          <a:p>
-            <a:pPr>
-              <a:buNone/>
-            </a:pPr>
-            <a:r>
-              <a:rPr lang="en-US" sz="1800">
-                <a:latin typeface="Courier New"/>
-                <a:cs typeface="Courier New"/>
-              </a:rPr>
-              <a:t>Further steps are described in './SomePackage/Read-and-delete-me'.</a:t>
-            </a:r>
-          </a:p>
-          <a:p>
-            <a:pPr>
-              <a:buNone/>
-            </a:pPr>
-            <a:r>
-              <a:rPr lang="en-US" sz="1800" b="1">
-                <a:latin typeface="Courier New"/>
-                <a:cs typeface="Courier New"/>
-              </a:rPr>
-              <a:t>&gt; </a:t>
-            </a:r>
-          </a:p>
-          <a:p>
-            <a:pPr>
-              <a:buNone/>
-            </a:pPr>
-            <a:endParaRPr lang="en-US" sz="1800" b="1">
-              <a:latin typeface="Courier New"/>
-              <a:cs typeface="Courier New"/>
-            </a:endParaRPr>
+              <a:t>This creates a folder titled "SomePackage"</a:t>
+            </a:r>
+          </a:p>
+          <a:p>
+            <a:r>
+              <a:rPr lang="en-US"/>
+              <a:t>Create an R package with a single function "f"</a:t>
+            </a:r>
+          </a:p>
+          <a:p>
+            <a:r>
+              <a:rPr lang="en-US"/>
+              <a:t>Titles the package "SomePackage"</a:t>
+            </a:r>
+          </a:p>
+          <a:p>
+            <a:r>
+              <a:rPr lang="en-US"/>
+              <a:t>This package will not be "installable" until the author edits the ".Rd" files (found in the "man/" directory)</a:t>
+            </a:r>
           </a:p>
         </p:txBody>
       </p:sp>
@@ -7584,7 +7525,7 @@
 </file>
 
 <file path=ppt/slides/slide25.xml><?xml version="1.0" encoding="utf-8"?>
-<p:sld xmlns:a="http://schemas.openxmlformats.org/drawingml/2006/main" xmlns:r="http://schemas.openxmlformats.org/officeDocument/2006/relationships" xmlns:p="http://schemas.openxmlformats.org/presentationml/2006/main">
+<p:sld xmlns:a="http://schemas.openxmlformats.org/drawingml/2006/main" xmlns:r="http://schemas.openxmlformats.org/officeDocument/2006/relationships" xmlns:mc="http://schemas.openxmlformats.org/markup-compatibility/2006" xmlns:mv="urn:schemas-microsoft-com:mac:vml" xmlns:p="http://schemas.openxmlformats.org/presentationml/2006/main" mc:Ignorable="mv" mc:PreserveAttributes="mv:*">
   <p:cSld>
     <p:spTree>
       <p:nvGrpSpPr>
@@ -7612,71 +7553,160 @@
         </p:nvSpPr>
         <p:spPr/>
         <p:txBody>
+          <a:bodyPr/>
+          <a:lstStyle/>
+          <a:p>
+            <a:r>
+              <a:rPr lang="en-US"/>
+              <a:t>Using "package.skeleton"</a:t>
+            </a:r>
+          </a:p>
+        </p:txBody>
+      </p:sp>
+      <p:sp>
+        <p:nvSpPr>
+          <p:cNvPr id="3" name="Content Placeholder 2"/>
+          <p:cNvSpPr>
+            <a:spLocks noGrp="1"/>
+          </p:cNvSpPr>
+          <p:nvPr>
+            <p:ph idx="1"/>
+          </p:nvPr>
+        </p:nvSpPr>
+        <p:spPr/>
+        <p:txBody>
           <a:bodyPr>
-            <a:normAutofit/>
+            <a:noAutofit/>
           </a:bodyPr>
           <a:lstStyle/>
           <a:p>
-            <a:r>
-              <a:rPr lang="en-US"/>
-              <a:t>Using "package.skeleton"</a:t>
-            </a:r>
-          </a:p>
-        </p:txBody>
-      </p:sp>
-      <p:sp>
-        <p:nvSpPr>
-          <p:cNvPr id="3" name="Content Placeholder 2"/>
-          <p:cNvSpPr>
-            <a:spLocks noGrp="1"/>
-          </p:cNvSpPr>
-          <p:nvPr>
-            <p:ph idx="1"/>
-          </p:nvPr>
-        </p:nvSpPr>
-        <p:spPr/>
-        <p:txBody>
-          <a:bodyPr/>
-          <a:lstStyle/>
-          <a:p>
-            <a:r>
-              <a:rPr lang="en-US"/>
-              <a:t>Slightly more cumbersome than "zelig.skeleton"</a:t>
-            </a:r>
-          </a:p>
-          <a:p>
-            <a:r>
-              <a:rPr lang="en-US"/>
-              <a:t>Requires that users have:</a:t>
-            </a:r>
-          </a:p>
-          <a:p>
-            <a:pPr lvl="1"/>
-            <a:r>
-              <a:rPr lang="en-US"/>
-              <a:t>A name for their package</a:t>
-            </a:r>
-          </a:p>
-          <a:p>
-            <a:pPr lvl="1"/>
-            <a:r>
-              <a:rPr lang="en-US"/>
-              <a:t>At least 1 function defined and named</a:t>
-            </a:r>
-          </a:p>
-          <a:p>
-            <a:r>
-              <a:rPr lang="en-US"/>
-              <a:t>Packages made this way </a:t>
-            </a:r>
-            <a:r>
-              <a:rPr lang="en-US" b="1"/>
-              <a:t>cannot</a:t>
-            </a:r>
-            <a:r>
-              <a:rPr lang="en-US"/>
-              <a:t> be immediately installed.</a:t>
-            </a:r>
+            <a:pPr>
+              <a:buNone/>
+            </a:pPr>
+            <a:r>
+              <a:rPr lang="en-US" sz="1800" b="1">
+                <a:latin typeface="Courier New"/>
+                <a:cs typeface="Courier New"/>
+              </a:rPr>
+              <a:t>&gt; f &lt;- function (...) 1</a:t>
+            </a:r>
+          </a:p>
+          <a:p>
+            <a:pPr>
+              <a:buNone/>
+            </a:pPr>
+            <a:r>
+              <a:rPr lang="en-US" sz="1800" b="1">
+                <a:latin typeface="Courier New"/>
+                <a:cs typeface="Courier New"/>
+              </a:rPr>
+              <a:t>&gt; package.skeleton("SomePackage", "f")</a:t>
+            </a:r>
+          </a:p>
+          <a:p>
+            <a:pPr>
+              <a:buNone/>
+            </a:pPr>
+            <a:r>
+              <a:rPr lang="en-US" sz="1800">
+                <a:latin typeface="Courier New"/>
+                <a:cs typeface="Courier New"/>
+              </a:rPr>
+              <a:t>Creating directories ...</a:t>
+            </a:r>
+          </a:p>
+          <a:p>
+            <a:pPr>
+              <a:buNone/>
+            </a:pPr>
+            <a:r>
+              <a:rPr lang="en-US" sz="1800">
+                <a:latin typeface="Courier New"/>
+                <a:cs typeface="Courier New"/>
+              </a:rPr>
+              <a:t>Creating DESCRIPTION ...</a:t>
+            </a:r>
+          </a:p>
+          <a:p>
+            <a:pPr>
+              <a:buNone/>
+            </a:pPr>
+            <a:r>
+              <a:rPr lang="en-US" sz="1800">
+                <a:latin typeface="Courier New"/>
+                <a:cs typeface="Courier New"/>
+              </a:rPr>
+              <a:t>Creating Read-and-delete-me ...</a:t>
+            </a:r>
+          </a:p>
+          <a:p>
+            <a:pPr>
+              <a:buNone/>
+            </a:pPr>
+            <a:r>
+              <a:rPr lang="en-US" sz="1800">
+                <a:latin typeface="Courier New"/>
+                <a:cs typeface="Courier New"/>
+              </a:rPr>
+              <a:t>Saving functions and data ...</a:t>
+            </a:r>
+          </a:p>
+          <a:p>
+            <a:pPr>
+              <a:buNone/>
+            </a:pPr>
+            <a:r>
+              <a:rPr lang="en-US" sz="1800">
+                <a:latin typeface="Courier New"/>
+                <a:cs typeface="Courier New"/>
+              </a:rPr>
+              <a:t>Making help files ...</a:t>
+            </a:r>
+          </a:p>
+          <a:p>
+            <a:pPr>
+              <a:buNone/>
+            </a:pPr>
+            <a:r>
+              <a:rPr lang="en-US" sz="1800">
+                <a:latin typeface="Courier New"/>
+                <a:cs typeface="Courier New"/>
+              </a:rPr>
+              <a:t>Done.</a:t>
+            </a:r>
+          </a:p>
+          <a:p>
+            <a:pPr>
+              <a:buNone/>
+            </a:pPr>
+            <a:r>
+              <a:rPr lang="en-US" sz="1800">
+                <a:latin typeface="Courier New"/>
+                <a:cs typeface="Courier New"/>
+              </a:rPr>
+              <a:t>Further steps are described in './SomePackage/Read-and-delete-me'.</a:t>
+            </a:r>
+          </a:p>
+          <a:p>
+            <a:pPr>
+              <a:buNone/>
+            </a:pPr>
+            <a:r>
+              <a:rPr lang="en-US" sz="1800" b="1">
+                <a:latin typeface="Courier New"/>
+                <a:cs typeface="Courier New"/>
+              </a:rPr>
+              <a:t>&gt; </a:t>
+            </a:r>
+          </a:p>
+          <a:p>
+            <a:pPr>
+              <a:buNone/>
+            </a:pPr>
+            <a:endParaRPr lang="en-US" sz="1800" b="1">
+              <a:latin typeface="Courier New"/>
+              <a:cs typeface="Courier New"/>
+            </a:endParaRPr>
           </a:p>
         </p:txBody>
       </p:sp>
@@ -7696,7 +7726,7 @@
 </file>
 
 <file path=ppt/slides/slide26.xml><?xml version="1.0" encoding="utf-8"?>
-<p:sld xmlns:a="http://schemas.openxmlformats.org/drawingml/2006/main" xmlns:r="http://schemas.openxmlformats.org/officeDocument/2006/relationships" xmlns:p="http://schemas.openxmlformats.org/presentationml/2006/main">
+<p:sld xmlns:a="http://schemas.openxmlformats.org/drawingml/2006/main" xmlns:r="http://schemas.openxmlformats.org/officeDocument/2006/relationships" xmlns:mc="http://schemas.openxmlformats.org/markup-compatibility/2006" xmlns:mv="urn:schemas-microsoft-com:mac:vml" xmlns:p="http://schemas.openxmlformats.org/presentationml/2006/main" mc:Ignorable="mv" mc:PreserveAttributes="mv:*">
   <p:cSld>
     <p:spTree>
       <p:nvGrpSpPr>
@@ -7724,40 +7754,70 @@
         </p:nvSpPr>
         <p:spPr/>
         <p:txBody>
+          <a:bodyPr>
+            <a:normAutofit/>
+          </a:bodyPr>
+          <a:lstStyle/>
+          <a:p>
+            <a:r>
+              <a:rPr lang="en-US"/>
+              <a:t>Using "package.skeleton"</a:t>
+            </a:r>
+          </a:p>
+        </p:txBody>
+      </p:sp>
+      <p:sp>
+        <p:nvSpPr>
+          <p:cNvPr id="3" name="Content Placeholder 2"/>
+          <p:cNvSpPr>
+            <a:spLocks noGrp="1"/>
+          </p:cNvSpPr>
+          <p:nvPr>
+            <p:ph idx="1"/>
+          </p:nvPr>
+        </p:nvSpPr>
+        <p:spPr/>
+        <p:txBody>
           <a:bodyPr/>
           <a:lstStyle/>
           <a:p>
             <a:r>
               <a:rPr lang="en-US"/>
-              <a:t>Using "zelig.skeleton"</a:t>
-            </a:r>
-          </a:p>
-        </p:txBody>
-      </p:sp>
-      <p:sp>
-        <p:nvSpPr>
-          <p:cNvPr id="3" name="Content Placeholder 2"/>
-          <p:cNvSpPr>
-            <a:spLocks noGrp="1"/>
-          </p:cNvSpPr>
-          <p:nvPr>
-            <p:ph idx="1"/>
-          </p:nvPr>
-        </p:nvSpPr>
-        <p:spPr/>
-        <p:txBody>
-          <a:bodyPr/>
-          <a:lstStyle/>
-          <a:p>
-            <a:r>
-              <a:rPr lang="en-US"/>
-              <a:t>We will not be using "package.skeleton" to build our packages</a:t>
-            </a:r>
-          </a:p>
-          <a:p>
-            <a:r>
-              <a:rPr lang="en-US"/>
-              <a:t>"zelig.skeleton" provides functionality specifically catered towards developing statistical models and Zelig-dependent packages</a:t>
+              <a:t>Slightly more cumbersome than "zelig.skeleton"</a:t>
+            </a:r>
+          </a:p>
+          <a:p>
+            <a:r>
+              <a:rPr lang="en-US"/>
+              <a:t>Requires that users have:</a:t>
+            </a:r>
+          </a:p>
+          <a:p>
+            <a:pPr lvl="1"/>
+            <a:r>
+              <a:rPr lang="en-US"/>
+              <a:t>A name for their package</a:t>
+            </a:r>
+          </a:p>
+          <a:p>
+            <a:pPr lvl="1"/>
+            <a:r>
+              <a:rPr lang="en-US"/>
+              <a:t>At least 1 function defined and named</a:t>
+            </a:r>
+          </a:p>
+          <a:p>
+            <a:r>
+              <a:rPr lang="en-US"/>
+              <a:t>Packages made this way </a:t>
+            </a:r>
+            <a:r>
+              <a:rPr lang="en-US" b="1"/>
+              <a:t>cannot</a:t>
+            </a:r>
+            <a:r>
+              <a:rPr lang="en-US"/>
+              <a:t> be immediately installed.</a:t>
             </a:r>
           </a:p>
         </p:txBody>
@@ -7778,7 +7838,7 @@
 </file>
 
 <file path=ppt/slides/slide27.xml><?xml version="1.0" encoding="utf-8"?>
-<p:sld xmlns:a="http://schemas.openxmlformats.org/drawingml/2006/main" xmlns:r="http://schemas.openxmlformats.org/officeDocument/2006/relationships" xmlns:p="http://schemas.openxmlformats.org/presentationml/2006/main">
+<p:sld xmlns:a="http://schemas.openxmlformats.org/drawingml/2006/main" xmlns:r="http://schemas.openxmlformats.org/officeDocument/2006/relationships" xmlns:mc="http://schemas.openxmlformats.org/markup-compatibility/2006" xmlns:mv="urn:schemas-microsoft-com:mac:vml" xmlns:p="http://schemas.openxmlformats.org/presentationml/2006/main" mc:Ignorable="mv" mc:PreserveAttributes="mv:*">
   <p:cSld>
     <p:spTree>
       <p:nvGrpSpPr>
@@ -7796,6 +7856,88 @@
       </p:grpSpPr>
       <p:sp>
         <p:nvSpPr>
+          <p:cNvPr id="2" name="Title 1"/>
+          <p:cNvSpPr>
+            <a:spLocks noGrp="1"/>
+          </p:cNvSpPr>
+          <p:nvPr>
+            <p:ph type="title"/>
+          </p:nvPr>
+        </p:nvSpPr>
+        <p:spPr/>
+        <p:txBody>
+          <a:bodyPr/>
+          <a:lstStyle/>
+          <a:p>
+            <a:r>
+              <a:rPr lang="en-US"/>
+              <a:t>Using "zelig.skeleton"</a:t>
+            </a:r>
+          </a:p>
+        </p:txBody>
+      </p:sp>
+      <p:sp>
+        <p:nvSpPr>
+          <p:cNvPr id="3" name="Content Placeholder 2"/>
+          <p:cNvSpPr>
+            <a:spLocks noGrp="1"/>
+          </p:cNvSpPr>
+          <p:nvPr>
+            <p:ph idx="1"/>
+          </p:nvPr>
+        </p:nvSpPr>
+        <p:spPr/>
+        <p:txBody>
+          <a:bodyPr/>
+          <a:lstStyle/>
+          <a:p>
+            <a:r>
+              <a:rPr lang="en-US"/>
+              <a:t>We will not be using "package.skeleton" to build our packages</a:t>
+            </a:r>
+          </a:p>
+          <a:p>
+            <a:r>
+              <a:rPr lang="en-US"/>
+              <a:t>"zelig.skeleton" provides functionality specifically catered towards developing statistical models and Zelig-dependent packages</a:t>
+            </a:r>
+          </a:p>
+        </p:txBody>
+      </p:sp>
+    </p:spTree>
+  </p:cSld>
+  <p:clrMapOvr>
+    <a:masterClrMapping/>
+  </p:clrMapOvr>
+  <p:timing>
+    <p:tnLst>
+      <p:par>
+        <p:cTn id="1" dur="indefinite" restart="never" nodeType="tmRoot"/>
+      </p:par>
+    </p:tnLst>
+  </p:timing>
+</p:sld>
+</file>
+
+<file path=ppt/slides/slide28.xml><?xml version="1.0" encoding="utf-8"?>
+<p:sld xmlns:a="http://schemas.openxmlformats.org/drawingml/2006/main" xmlns:r="http://schemas.openxmlformats.org/officeDocument/2006/relationships" xmlns:mc="http://schemas.openxmlformats.org/markup-compatibility/2006" xmlns:mv="urn:schemas-microsoft-com:mac:vml" xmlns:p="http://schemas.openxmlformats.org/presentationml/2006/main" mc:Ignorable="mv" mc:PreserveAttributes="mv:*">
+  <p:cSld>
+    <p:spTree>
+      <p:nvGrpSpPr>
+        <p:cNvPr id="1" name=""/>
+        <p:cNvGrpSpPr/>
+        <p:nvPr/>
+      </p:nvGrpSpPr>
+      <p:grpSpPr>
+        <a:xfrm>
+          <a:off x="0" y="0"/>
+          <a:ext cx="0" cy="0"/>
+          <a:chOff x="0" y="0"/>
+          <a:chExt cx="0" cy="0"/>
+        </a:xfrm>
+      </p:grpSpPr>
+      <p:sp>
+        <p:nvSpPr>
           <p:cNvPr id="9" name="Title 8"/>
           <p:cNvSpPr>
             <a:spLocks noGrp="1"/>
@@ -7886,7 +8028,7 @@
     </p:spTree>
     <p:extLst>
       <p:ext uri="{BB962C8B-B14F-4D97-AF65-F5344CB8AC3E}">
-        <p14:creationId xmlns:p14="http://schemas.microsoft.com/office/powerpoint/2010/main" val="2675064339"/>
+        <p14:creationId xmlns:p14="http://schemas.microsoft.com/office/powerpoint/2010/main" xmlns:p="http://schemas.openxmlformats.org/presentationml/2006/main" xmlns:r="http://schemas.openxmlformats.org/officeDocument/2006/relationships" xmlns:a="http://schemas.openxmlformats.org/drawingml/2006/main" xmlns="" val="2675064339"/>
       </p:ext>
     </p:extLst>
   </p:cSld>
@@ -7903,8 +8045,8 @@
 </p:sld>
 </file>
 
-<file path=ppt/slides/slide28.xml><?xml version="1.0" encoding="utf-8"?>
-<p:sld xmlns:a="http://schemas.openxmlformats.org/drawingml/2006/main" xmlns:r="http://schemas.openxmlformats.org/officeDocument/2006/relationships" xmlns:p="http://schemas.openxmlformats.org/presentationml/2006/main">
+<file path=ppt/slides/slide29.xml><?xml version="1.0" encoding="utf-8"?>
+<p:sld xmlns:a="http://schemas.openxmlformats.org/drawingml/2006/main" xmlns:r="http://schemas.openxmlformats.org/officeDocument/2006/relationships" xmlns:mc="http://schemas.openxmlformats.org/markup-compatibility/2006" xmlns:mv="urn:schemas-microsoft-com:mac:vml" xmlns:p="http://schemas.openxmlformats.org/presentationml/2006/main" mc:Ignorable="mv" mc:PreserveAttributes="mv:*">
   <p:cSld>
     <p:spTree>
       <p:nvGrpSpPr>
@@ -8377,7 +8519,7 @@
     </p:spTree>
     <p:extLst>
       <p:ext uri="{BB962C8B-B14F-4D97-AF65-F5344CB8AC3E}">
-        <p14:creationId xmlns:p14="http://schemas.microsoft.com/office/powerpoint/2010/main" val="869150859"/>
+        <p14:creationId xmlns:p14="http://schemas.microsoft.com/office/powerpoint/2010/main" xmlns:p="http://schemas.openxmlformats.org/presentationml/2006/main" xmlns:r="http://schemas.openxmlformats.org/officeDocument/2006/relationships" xmlns:a="http://schemas.openxmlformats.org/drawingml/2006/main" xmlns="" val="869150859"/>
       </p:ext>
     </p:extLst>
   </p:cSld>
@@ -8462,8 +8604,8 @@
 </p:sld>
 </file>
 
-<file path=ppt/slides/slide29.xml><?xml version="1.0" encoding="utf-8"?>
-<p:sld xmlns:a="http://schemas.openxmlformats.org/drawingml/2006/main" xmlns:r="http://schemas.openxmlformats.org/officeDocument/2006/relationships" xmlns:p="http://schemas.openxmlformats.org/presentationml/2006/main">
+<file path=ppt/slides/slide3.xml><?xml version="1.0" encoding="utf-8"?>
+<p:sld xmlns:a="http://schemas.openxmlformats.org/drawingml/2006/main" xmlns:r="http://schemas.openxmlformats.org/officeDocument/2006/relationships" xmlns:mc="http://schemas.openxmlformats.org/markup-compatibility/2006" xmlns:mv="urn:schemas-microsoft-com:mac:vml" xmlns:p="http://schemas.openxmlformats.org/presentationml/2006/main" mc:Ignorable="mv" mc:PreserveAttributes="mv:*">
   <p:cSld>
     <p:spTree>
       <p:nvGrpSpPr>
@@ -8481,6 +8623,95 @@
       </p:grpSpPr>
       <p:sp>
         <p:nvSpPr>
+          <p:cNvPr id="2" name="Title 1"/>
+          <p:cNvSpPr>
+            <a:spLocks noGrp="1"/>
+          </p:cNvSpPr>
+          <p:nvPr>
+            <p:ph type="ctrTitle"/>
+          </p:nvPr>
+        </p:nvSpPr>
+        <p:spPr/>
+        <p:txBody>
+          <a:bodyPr/>
+          <a:lstStyle/>
+          <a:p>
+            <a:r>
+              <a:rPr lang="en-US"/>
+              <a:t>Programming Statistical Models with Zelig 4</a:t>
+            </a:r>
+          </a:p>
+        </p:txBody>
+      </p:sp>
+      <p:sp>
+        <p:nvSpPr>
+          <p:cNvPr id="3" name="Subtitle 2"/>
+          <p:cNvSpPr>
+            <a:spLocks noGrp="1"/>
+          </p:cNvSpPr>
+          <p:nvPr>
+            <p:ph type="subTitle" idx="1"/>
+          </p:nvPr>
+        </p:nvSpPr>
+        <p:spPr/>
+        <p:txBody>
+          <a:bodyPr/>
+          <a:lstStyle/>
+          <a:p>
+            <a:r>
+              <a:rPr lang="en-US"/>
+              <a:t>Creating Statistical Packages</a:t>
+            </a:r>
+            <a:br>
+              <a:rPr lang="en-US"/>
+            </a:br>
+            <a:r>
+              <a:rPr lang="en-US"/>
+              <a:t>External Models</a:t>
+            </a:r>
+          </a:p>
+          <a:p>
+            <a:r>
+              <a:rPr lang="en-US"/>
+              <a:t>The "zelig2" Method</a:t>
+            </a:r>
+          </a:p>
+        </p:txBody>
+      </p:sp>
+    </p:spTree>
+  </p:cSld>
+  <p:clrMapOvr>
+    <a:masterClrMapping/>
+  </p:clrMapOvr>
+  <p:timing>
+    <p:tnLst>
+      <p:par>
+        <p:cTn id="1" dur="indefinite" restart="never" nodeType="tmRoot"/>
+      </p:par>
+    </p:tnLst>
+  </p:timing>
+</p:sld>
+</file>
+
+<file path=ppt/slides/slide30.xml><?xml version="1.0" encoding="utf-8"?>
+<p:sld xmlns:a="http://schemas.openxmlformats.org/drawingml/2006/main" xmlns:r="http://schemas.openxmlformats.org/officeDocument/2006/relationships" xmlns:mc="http://schemas.openxmlformats.org/markup-compatibility/2006" xmlns:mv="urn:schemas-microsoft-com:mac:vml" xmlns:p="http://schemas.openxmlformats.org/presentationml/2006/main" mc:Ignorable="mv" mc:PreserveAttributes="mv:*">
+  <p:cSld>
+    <p:spTree>
+      <p:nvGrpSpPr>
+        <p:cNvPr id="1" name=""/>
+        <p:cNvGrpSpPr/>
+        <p:nvPr/>
+      </p:nvGrpSpPr>
+      <p:grpSpPr>
+        <a:xfrm>
+          <a:off x="0" y="0"/>
+          <a:ext cx="0" cy="0"/>
+          <a:chOff x="0" y="0"/>
+          <a:chExt cx="0" cy="0"/>
+        </a:xfrm>
+      </p:grpSpPr>
+      <p:sp>
+        <p:nvSpPr>
           <p:cNvPr id="4" name="Title 3"/>
           <p:cNvSpPr>
             <a:spLocks noGrp="1"/>
@@ -8524,7 +8755,7 @@
     </p:spTree>
     <p:extLst>
       <p:ext uri="{BB962C8B-B14F-4D97-AF65-F5344CB8AC3E}">
-        <p14:creationId xmlns:p14="http://schemas.microsoft.com/office/powerpoint/2010/main" val="942656541"/>
+        <p14:creationId xmlns:p14="http://schemas.microsoft.com/office/powerpoint/2010/main" xmlns:p="http://schemas.openxmlformats.org/presentationml/2006/main" xmlns:r="http://schemas.openxmlformats.org/officeDocument/2006/relationships" xmlns:a="http://schemas.openxmlformats.org/drawingml/2006/main" xmlns="" val="942656541"/>
       </p:ext>
     </p:extLst>
   </p:cSld>
@@ -8541,8 +8772,8 @@
 </p:sld>
 </file>
 
-<file path=ppt/slides/slide3.xml><?xml version="1.0" encoding="utf-8"?>
-<p:sld xmlns:a="http://schemas.openxmlformats.org/drawingml/2006/main" xmlns:r="http://schemas.openxmlformats.org/officeDocument/2006/relationships" xmlns:p="http://schemas.openxmlformats.org/presentationml/2006/main">
+<file path=ppt/slides/slide31.xml><?xml version="1.0" encoding="utf-8"?>
+<p:sld xmlns:a="http://schemas.openxmlformats.org/drawingml/2006/main" xmlns:r="http://schemas.openxmlformats.org/officeDocument/2006/relationships" xmlns:mc="http://schemas.openxmlformats.org/markup-compatibility/2006" xmlns:mv="urn:schemas-microsoft-com:mac:vml" xmlns:p="http://schemas.openxmlformats.org/presentationml/2006/main" mc:Ignorable="mv" mc:PreserveAttributes="mv:*">
   <p:cSld>
     <p:spTree>
       <p:nvGrpSpPr>
@@ -8575,7 +8806,7 @@
           <a:p>
             <a:r>
               <a:rPr lang="en-US"/>
-              <a:t>Outline</a:t>
+              <a:t>Outline for Model Fitting Functions</a:t>
             </a:r>
           </a:p>
         </p:txBody>
@@ -8592,135 +8823,25 @@
         </p:nvSpPr>
         <p:spPr/>
         <p:txBody>
-          <a:bodyPr>
-            <a:normAutofit fontScale="92500" lnSpcReduction="10000"/>
-          </a:bodyPr>
-          <a:lstStyle/>
-          <a:p>
-            <a:pPr marL="514350" indent="-514350">
-              <a:buFont typeface="+mj-lt"/>
-              <a:buAutoNum type="arabicPeriod"/>
-            </a:pPr>
-            <a:r>
-              <a:rPr lang="en-US" dirty="0"/>
-              <a:t>What is a statistical </a:t>
-            </a:r>
-            <a:r>
-              <a:rPr lang="en-US" dirty="0" smtClean="0"/>
-              <a:t>package?</a:t>
-            </a:r>
-          </a:p>
-          <a:p>
-            <a:pPr marL="514350" indent="-514350">
-              <a:buFont typeface="+mj-lt"/>
-              <a:buAutoNum type="arabicPeriod"/>
-            </a:pPr>
-            <a:r>
-              <a:rPr lang="en-US" dirty="0" smtClean="0"/>
-              <a:t>What is a Zelig model?</a:t>
-            </a:r>
-          </a:p>
-          <a:p>
-            <a:pPr marL="514350" indent="-514350">
-              <a:buFont typeface="+mj-lt"/>
-              <a:buAutoNum type="arabicPeriod"/>
-            </a:pPr>
-            <a:r>
-              <a:rPr lang="en-US" dirty="0" smtClean="0"/>
-              <a:t>Creating a statistical package</a:t>
-            </a:r>
-            <a:endParaRPr lang="en-US" dirty="0"/>
-          </a:p>
-          <a:p>
-            <a:pPr marL="514350" indent="-514350">
-              <a:buFont typeface="+mj-lt"/>
-              <a:buAutoNum type="arabicPeriod"/>
-            </a:pPr>
-            <a:r>
-              <a:rPr lang="en-US" dirty="0" smtClean="0"/>
-              <a:t>Model </a:t>
-            </a:r>
-            <a:r>
-              <a:rPr lang="en-US" dirty="0"/>
-              <a:t>fitting functions</a:t>
-            </a:r>
-          </a:p>
-          <a:p>
-            <a:pPr marL="514350" indent="-514350">
-              <a:buFont typeface="+mj-lt"/>
-              <a:buAutoNum type="arabicPeriod"/>
-            </a:pPr>
-            <a:r>
-              <a:rPr lang="en-US" dirty="0"/>
-              <a:t>The </a:t>
-            </a:r>
-            <a:r>
-              <a:rPr lang="en-US" b="1" dirty="0">
-                <a:latin typeface="Courier New"/>
-                <a:cs typeface="Courier New"/>
-              </a:rPr>
-              <a:t>zelig2</a:t>
-            </a:r>
-            <a:r>
-              <a:rPr lang="en-US" dirty="0"/>
-              <a:t> </a:t>
-            </a:r>
-            <a:r>
-              <a:rPr lang="en-US" dirty="0" smtClean="0"/>
-              <a:t>method</a:t>
-            </a:r>
-          </a:p>
-          <a:p>
-            <a:pPr marL="514350" indent="-514350">
-              <a:buFont typeface="+mj-lt"/>
-              <a:buAutoNum type="arabicPeriod"/>
-            </a:pPr>
-            <a:r>
-              <a:rPr lang="en-US" dirty="0"/>
-              <a:t>Workflow for creating a statistical </a:t>
-            </a:r>
-            <a:r>
-              <a:rPr lang="en-US" dirty="0" smtClean="0"/>
-              <a:t>package</a:t>
-            </a:r>
-            <a:endParaRPr lang="en-US" dirty="0"/>
-          </a:p>
-          <a:p>
-            <a:pPr marL="514350" indent="-514350">
-              <a:buFont typeface="+mj-lt"/>
-              <a:buAutoNum type="arabicPeriod"/>
-            </a:pPr>
-            <a:r>
-              <a:rPr lang="en-US" dirty="0"/>
-              <a:t>Looking </a:t>
-            </a:r>
-            <a:r>
-              <a:rPr lang="en-US" dirty="0" smtClean="0"/>
-              <a:t>ahead</a:t>
-            </a:r>
-            <a:endParaRPr lang="en-US" dirty="0"/>
-          </a:p>
-          <a:p>
-            <a:pPr lvl="1"/>
-            <a:r>
-              <a:rPr lang="en-US" dirty="0"/>
-              <a:t>Design (a.k.a. model) matrices</a:t>
-            </a:r>
-          </a:p>
-          <a:p>
-            <a:pPr lvl="1"/>
-            <a:r>
-              <a:rPr lang="en-US" dirty="0"/>
-              <a:t>Counterfactuals and interaction terms</a:t>
-            </a:r>
-          </a:p>
-          <a:p>
-            <a:pPr lvl="1"/>
-            <a:endParaRPr lang="en-US" dirty="0"/>
-          </a:p>
-          <a:p>
-            <a:pPr lvl="1"/>
-            <a:endParaRPr lang="en-US" dirty="0"/>
+          <a:bodyPr/>
+          <a:lstStyle/>
+          <a:p>
+            <a:r>
+              <a:rPr lang="en-US"/>
+              <a:t>What is linear regression?</a:t>
+            </a:r>
+          </a:p>
+          <a:p>
+            <a:r>
+              <a:rPr lang="en-US"/>
+              <a:t>Generalized Linear Models (GLM)</a:t>
+            </a:r>
+          </a:p>
+          <a:p>
+            <a:r>
+              <a:rPr lang="en-US"/>
+              <a:t>Example</a:t>
+            </a:r>
           </a:p>
         </p:txBody>
       </p:sp>
@@ -8739,8 +8860,8 @@
 </p:sld>
 </file>
 
-<file path=ppt/slides/slide30.xml><?xml version="1.0" encoding="utf-8"?>
-<p:sld xmlns:a="http://schemas.openxmlformats.org/drawingml/2006/main" xmlns:r="http://schemas.openxmlformats.org/officeDocument/2006/relationships" xmlns:p="http://schemas.openxmlformats.org/presentationml/2006/main">
+<file path=ppt/slides/slide32.xml><?xml version="1.0" encoding="utf-8"?>
+<p:sld xmlns:a="http://schemas.openxmlformats.org/drawingml/2006/main" xmlns:r="http://schemas.openxmlformats.org/officeDocument/2006/relationships" xmlns:mc="http://schemas.openxmlformats.org/markup-compatibility/2006" xmlns:mv="urn:schemas-microsoft-com:mac:vml" xmlns:p="http://schemas.openxmlformats.org/presentationml/2006/main" mc:Ignorable="mv" mc:PreserveAttributes="mv:*">
   <p:cSld>
     <p:spTree>
       <p:nvGrpSpPr>
@@ -8773,94 +8894,6 @@
           <a:p>
             <a:r>
               <a:rPr lang="en-US"/>
-              <a:t>Outline for Model Fitting Functions</a:t>
-            </a:r>
-          </a:p>
-        </p:txBody>
-      </p:sp>
-      <p:sp>
-        <p:nvSpPr>
-          <p:cNvPr id="3" name="Content Placeholder 2"/>
-          <p:cNvSpPr>
-            <a:spLocks noGrp="1"/>
-          </p:cNvSpPr>
-          <p:nvPr>
-            <p:ph idx="1"/>
-          </p:nvPr>
-        </p:nvSpPr>
-        <p:spPr/>
-        <p:txBody>
-          <a:bodyPr/>
-          <a:lstStyle/>
-          <a:p>
-            <a:r>
-              <a:rPr lang="en-US"/>
-              <a:t>What is linear regression?</a:t>
-            </a:r>
-          </a:p>
-          <a:p>
-            <a:r>
-              <a:rPr lang="en-US"/>
-              <a:t>Generalized Linear Models (GLM)</a:t>
-            </a:r>
-          </a:p>
-          <a:p>
-            <a:r>
-              <a:rPr lang="en-US"/>
-              <a:t>Example</a:t>
-            </a:r>
-          </a:p>
-        </p:txBody>
-      </p:sp>
-    </p:spTree>
-  </p:cSld>
-  <p:clrMapOvr>
-    <a:masterClrMapping/>
-  </p:clrMapOvr>
-  <p:timing>
-    <p:tnLst>
-      <p:par>
-        <p:cTn id="1" dur="indefinite" restart="never" nodeType="tmRoot"/>
-      </p:par>
-    </p:tnLst>
-  </p:timing>
-</p:sld>
-</file>
-
-<file path=ppt/slides/slide31.xml><?xml version="1.0" encoding="utf-8"?>
-<p:sld xmlns:a="http://schemas.openxmlformats.org/drawingml/2006/main" xmlns:r="http://schemas.openxmlformats.org/officeDocument/2006/relationships" xmlns:p="http://schemas.openxmlformats.org/presentationml/2006/main">
-  <p:cSld>
-    <p:spTree>
-      <p:nvGrpSpPr>
-        <p:cNvPr id="1" name=""/>
-        <p:cNvGrpSpPr/>
-        <p:nvPr/>
-      </p:nvGrpSpPr>
-      <p:grpSpPr>
-        <a:xfrm>
-          <a:off x="0" y="0"/>
-          <a:ext cx="0" cy="0"/>
-          <a:chOff x="0" y="0"/>
-          <a:chExt cx="0" cy="0"/>
-        </a:xfrm>
-      </p:grpSpPr>
-      <p:sp>
-        <p:nvSpPr>
-          <p:cNvPr id="2" name="Title 1"/>
-          <p:cNvSpPr>
-            <a:spLocks noGrp="1"/>
-          </p:cNvSpPr>
-          <p:nvPr>
-            <p:ph type="title"/>
-          </p:nvPr>
-        </p:nvSpPr>
-        <p:spPr/>
-        <p:txBody>
-          <a:bodyPr/>
-          <a:lstStyle/>
-          <a:p>
-            <a:r>
-              <a:rPr lang="en-US"/>
               <a:t>What is linear regression?</a:t>
             </a:r>
           </a:p>
@@ -8947,151 +8980,7 @@
     </p:spTree>
     <p:extLst>
       <p:ext uri="{BB962C8B-B14F-4D97-AF65-F5344CB8AC3E}">
-        <p14:creationId xmlns:p14="http://schemas.microsoft.com/office/powerpoint/2010/main" val="1702243699"/>
-      </p:ext>
-    </p:extLst>
-  </p:cSld>
-  <p:clrMapOvr>
-    <a:masterClrMapping/>
-  </p:clrMapOvr>
-  <p:timing>
-    <p:tnLst>
-      <p:par>
-        <p:cTn id="1" dur="indefinite" restart="never" nodeType="tmRoot"/>
-      </p:par>
-    </p:tnLst>
-  </p:timing>
-</p:sld>
-</file>
-
-<file path=ppt/slides/slide32.xml><?xml version="1.0" encoding="utf-8"?>
-<p:sld xmlns:a="http://schemas.openxmlformats.org/drawingml/2006/main" xmlns:r="http://schemas.openxmlformats.org/officeDocument/2006/relationships" xmlns:p="http://schemas.openxmlformats.org/presentationml/2006/main">
-  <p:cSld>
-    <p:spTree>
-      <p:nvGrpSpPr>
-        <p:cNvPr id="1" name=""/>
-        <p:cNvGrpSpPr/>
-        <p:nvPr/>
-      </p:nvGrpSpPr>
-      <p:grpSpPr>
-        <a:xfrm>
-          <a:off x="0" y="0"/>
-          <a:ext cx="0" cy="0"/>
-          <a:chOff x="0" y="0"/>
-          <a:chExt cx="0" cy="0"/>
-        </a:xfrm>
-      </p:grpSpPr>
-      <p:sp>
-        <p:nvSpPr>
-          <p:cNvPr id="2" name="Title 1"/>
-          <p:cNvSpPr>
-            <a:spLocks noGrp="1"/>
-          </p:cNvSpPr>
-          <p:nvPr>
-            <p:ph type="title"/>
-          </p:nvPr>
-        </p:nvSpPr>
-        <p:spPr/>
-        <p:txBody>
-          <a:bodyPr/>
-          <a:lstStyle/>
-          <a:p>
-            <a:r>
-              <a:rPr lang="en-US"/>
-              <a:t>What is linear regression?</a:t>
-            </a:r>
-          </a:p>
-        </p:txBody>
-      </p:sp>
-      <p:sp>
-        <p:nvSpPr>
-          <p:cNvPr id="3" name="Content Placeholder 2"/>
-          <p:cNvSpPr>
-            <a:spLocks noGrp="1"/>
-          </p:cNvSpPr>
-          <p:nvPr>
-            <p:ph idx="1"/>
-          </p:nvPr>
-        </p:nvSpPr>
-        <p:spPr/>
-        <p:txBody>
-          <a:bodyPr/>
-          <a:lstStyle/>
-          <a:p>
-            <a:pPr>
-              <a:buNone/>
-            </a:pPr>
-            <a:r>
-              <a:rPr lang="en-US"/>
-              <a:t>There are three necessary components to any generalized linear model:</a:t>
-            </a:r>
-          </a:p>
-          <a:p>
-            <a:r>
-              <a:rPr lang="en-US"/>
-              <a:t>A formula specifying </a:t>
-            </a:r>
-            <a:r>
-              <a:rPr lang="en-US" b="1"/>
-              <a:t>predictor</a:t>
-            </a:r>
-            <a:r>
-              <a:rPr lang="en-US"/>
-              <a:t> and </a:t>
-            </a:r>
-            <a:r>
-              <a:rPr lang="en-US" b="1"/>
-              <a:t>response</a:t>
-            </a:r>
-            <a:r>
-              <a:rPr lang="en-US"/>
-              <a:t> variables: </a:t>
-            </a:r>
-            <a:r>
-              <a:rPr lang="en-US" i="1">
-                <a:latin typeface="Courier New"/>
-                <a:cs typeface="Courier New"/>
-              </a:rPr>
-              <a:t>y ~ x1 + x2 + x3</a:t>
-            </a:r>
-            <a:endParaRPr lang="en-US" b="1" i="1">
-              <a:latin typeface="Courier New"/>
-              <a:cs typeface="Courier New"/>
-            </a:endParaRPr>
-          </a:p>
-          <a:p>
-            <a:r>
-              <a:rPr lang="en-US"/>
-              <a:t>A model – </a:t>
-            </a:r>
-            <a:r>
-              <a:rPr lang="en-US" i="1"/>
-              <a:t>logit, probit, gamma, normal</a:t>
-            </a:r>
-          </a:p>
-          <a:p>
-            <a:r>
-              <a:rPr lang="en-US"/>
-              <a:t>Data – </a:t>
-            </a:r>
-            <a:r>
-              <a:rPr lang="en-US" i="1"/>
-              <a:t>a data-set stored as a </a:t>
-            </a:r>
-            <a:r>
-              <a:rPr lang="en-US" b="1" i="1"/>
-              <a:t>data.frame</a:t>
-            </a:r>
-          </a:p>
-          <a:p>
-            <a:endParaRPr lang="en-US"/>
-          </a:p>
-        </p:txBody>
-      </p:sp>
-    </p:spTree>
-    <p:extLst>
-      <p:ext uri="{BB962C8B-B14F-4D97-AF65-F5344CB8AC3E}">
-        <p14:creationId xmlns:p14="http://schemas.microsoft.com/office/powerpoint/2010/main" val="3143245456"/>
+        <p14:creationId xmlns:p14="http://schemas.microsoft.com/office/powerpoint/2010/main" xmlns:p="http://schemas.openxmlformats.org/presentationml/2006/main" xmlns:r="http://schemas.openxmlformats.org/officeDocument/2006/relationships" xmlns:a="http://schemas.openxmlformats.org/drawingml/2006/main" xmlns="" val="1702243699"/>
       </p:ext>
     </p:extLst>
   </p:cSld>
@@ -9109,7 +8998,7 @@
 </file>
 
 <file path=ppt/slides/slide33.xml><?xml version="1.0" encoding="utf-8"?>
-<p:sld xmlns:a="http://schemas.openxmlformats.org/drawingml/2006/main" xmlns:r="http://schemas.openxmlformats.org/officeDocument/2006/relationships" xmlns:p="http://schemas.openxmlformats.org/presentationml/2006/main">
+<p:sld xmlns:a="http://schemas.openxmlformats.org/drawingml/2006/main" xmlns:r="http://schemas.openxmlformats.org/officeDocument/2006/relationships" xmlns:mc="http://schemas.openxmlformats.org/markup-compatibility/2006" xmlns:mv="urn:schemas-microsoft-com:mac:vml" xmlns:p="http://schemas.openxmlformats.org/presentationml/2006/main" mc:Ignorable="mv" mc:PreserveAttributes="mv:*">
   <p:cSld>
     <p:spTree>
       <p:nvGrpSpPr>
@@ -9142,7 +9031,7 @@
           <a:p>
             <a:r>
               <a:rPr lang="en-US"/>
-              <a:t>Basics</a:t>
+              <a:t>What is linear regression?</a:t>
             </a:r>
           </a:p>
         </p:txBody>
@@ -9162,74 +9051,80 @@
           <a:bodyPr/>
           <a:lstStyle/>
           <a:p>
-            <a:r>
-              <a:rPr lang="en-US"/>
-              <a:t>The "lm" model finds the function that best </a:t>
+            <a:pPr>
+              <a:buNone/>
+            </a:pPr>
+            <a:r>
+              <a:rPr lang="en-US"/>
+              <a:t>There are three necessary components to any generalized linear model:</a:t>
+            </a:r>
+          </a:p>
+          <a:p>
+            <a:r>
+              <a:rPr lang="en-US"/>
+              <a:t>A formula specifying </a:t>
             </a:r>
             <a:r>
               <a:rPr lang="en-US" b="1"/>
-              <a:t>approximates </a:t>
-            </a:r>
-            <a:r>
-              <a:rPr lang="en-US"/>
-              <a:t>the observed data </a:t>
-            </a:r>
-            <a:r>
-              <a:rPr lang="en-US" b="1" u="sng"/>
-              <a:t>with a line</a:t>
-            </a:r>
+              <a:t>predictor</a:t>
+            </a:r>
+            <a:r>
+              <a:rPr lang="en-US"/>
+              <a:t> and </a:t>
+            </a:r>
+            <a:r>
+              <a:rPr lang="en-US" b="1"/>
+              <a:t>response</a:t>
+            </a:r>
+            <a:r>
+              <a:rPr lang="en-US"/>
+              <a:t> variables: </a:t>
+            </a:r>
+            <a:r>
+              <a:rPr lang="en-US" i="1">
+                <a:latin typeface="Courier New"/>
+                <a:cs typeface="Courier New"/>
+              </a:rPr>
+              <a:t>y ~ x1 + x2 + x3</a:t>
+            </a:r>
+            <a:endParaRPr lang="en-US" b="1" i="1">
+              <a:latin typeface="Courier New"/>
+              <a:cs typeface="Courier New"/>
+            </a:endParaRPr>
+          </a:p>
+          <a:p>
+            <a:r>
+              <a:rPr lang="en-US"/>
+              <a:t>A model – </a:t>
+            </a:r>
+            <a:r>
+              <a:rPr lang="en-US" i="1"/>
+              <a:t>logit, probit, gamma, normal</a:t>
+            </a:r>
+          </a:p>
+          <a:p>
+            <a:r>
+              <a:rPr lang="en-US"/>
+              <a:t>Data – </a:t>
+            </a:r>
+            <a:r>
+              <a:rPr lang="en-US" i="1"/>
+              <a:t>a data-set stored as a </a:t>
+            </a:r>
+            <a:r>
+              <a:rPr lang="en-US" b="1" i="1"/>
+              <a:t>data.frame</a:t>
+            </a:r>
+          </a:p>
+          <a:p>
             <a:endParaRPr lang="en-US"/>
-          </a:p>
-          <a:p>
-            <a:r>
-              <a:rPr lang="en-US"/>
-              <a:t>Other regression models approximate observe data with a </a:t>
-            </a:r>
-            <a:r>
-              <a:rPr lang="en-US" b="1"/>
-              <a:t>nonlinear function</a:t>
-            </a:r>
-            <a:r>
-              <a:rPr lang="en-US"/>
-              <a:t> that takes a line as its parameter</a:t>
-            </a:r>
-          </a:p>
-          <a:p>
-            <a:pPr lvl="1"/>
-            <a:r>
-              <a:rPr lang="en-US"/>
-              <a:t>f(y) = X B</a:t>
-            </a:r>
-          </a:p>
-          <a:p>
-            <a:pPr lvl="1"/>
-            <a:r>
-              <a:rPr lang="en-US"/>
-              <a:t>Where </a:t>
-            </a:r>
-            <a:r>
-              <a:rPr lang="en-US" b="1"/>
-              <a:t>X</a:t>
-            </a:r>
-            <a:r>
-              <a:rPr lang="en-US"/>
-              <a:t> is a matrix and </a:t>
-            </a:r>
-            <a:r>
-              <a:rPr lang="en-US" b="1"/>
-              <a:t>B</a:t>
-            </a:r>
-            <a:r>
-              <a:rPr lang="en-US"/>
-              <a:t> is a vector</a:t>
-            </a:r>
           </a:p>
         </p:txBody>
       </p:sp>
     </p:spTree>
     <p:extLst>
       <p:ext uri="{BB962C8B-B14F-4D97-AF65-F5344CB8AC3E}">
-        <p14:creationId xmlns:p14="http://schemas.microsoft.com/office/powerpoint/2010/main" val="1265913865"/>
+        <p14:creationId xmlns:p14="http://schemas.microsoft.com/office/powerpoint/2010/main" xmlns:p="http://schemas.openxmlformats.org/presentationml/2006/main" xmlns:r="http://schemas.openxmlformats.org/officeDocument/2006/relationships" xmlns:a="http://schemas.openxmlformats.org/drawingml/2006/main" xmlns="" val="3143245456"/>
       </p:ext>
     </p:extLst>
   </p:cSld>
@@ -9247,7 +9142,7 @@
 </file>
 
 <file path=ppt/slides/slide34.xml><?xml version="1.0" encoding="utf-8"?>
-<p:sld xmlns:a="http://schemas.openxmlformats.org/drawingml/2006/main" xmlns:r="http://schemas.openxmlformats.org/officeDocument/2006/relationships" xmlns:p="http://schemas.openxmlformats.org/presentationml/2006/main">
+<p:sld xmlns:a="http://schemas.openxmlformats.org/drawingml/2006/main" xmlns:r="http://schemas.openxmlformats.org/officeDocument/2006/relationships" xmlns:mc="http://schemas.openxmlformats.org/markup-compatibility/2006" xmlns:mv="urn:schemas-microsoft-com:mac:vml" xmlns:p="http://schemas.openxmlformats.org/presentationml/2006/main" mc:Ignorable="mv" mc:PreserveAttributes="mv:*">
   <p:cSld>
     <p:spTree>
       <p:nvGrpSpPr>
@@ -9280,7 +9175,7 @@
           <a:p>
             <a:r>
               <a:rPr lang="en-US"/>
-              <a:t>Generalized Linear Models</a:t>
+              <a:t>Basics</a:t>
             </a:r>
           </a:p>
         </p:txBody>
@@ -9302,13 +9197,64 @@
           <a:p>
             <a:r>
               <a:rPr lang="en-US"/>
-              <a:t>The "least squares" method is the foundation of fitting generalized linear models (GLM's)</a:t>
-            </a:r>
-          </a:p>
-          <a:p>
-            <a:r>
-              <a:rPr lang="en-US"/>
-              <a:t>And information on how significantly the response variables varies with the predictor variables</a:t>
+              <a:t>The "lm" model finds the function that best </a:t>
+            </a:r>
+            <a:r>
+              <a:rPr lang="en-US" b="1"/>
+              <a:t>approximates </a:t>
+            </a:r>
+            <a:r>
+              <a:rPr lang="en-US"/>
+              <a:t>the observed data </a:t>
+            </a:r>
+            <a:r>
+              <a:rPr lang="en-US" b="1" u="sng"/>
+              <a:t>with a line</a:t>
+            </a:r>
+            <a:endParaRPr lang="en-US"/>
+          </a:p>
+          <a:p>
+            <a:r>
+              <a:rPr lang="en-US"/>
+              <a:t>Other regression models approximate observe data with a </a:t>
+            </a:r>
+            <a:r>
+              <a:rPr lang="en-US" b="1"/>
+              <a:t>nonlinear function</a:t>
+            </a:r>
+            <a:r>
+              <a:rPr lang="en-US"/>
+              <a:t> that takes a line as its parameter</a:t>
+            </a:r>
+          </a:p>
+          <a:p>
+            <a:pPr lvl="1"/>
+            <a:r>
+              <a:rPr lang="en-US"/>
+              <a:t>f(y) = X B</a:t>
+            </a:r>
+          </a:p>
+          <a:p>
+            <a:pPr lvl="1"/>
+            <a:r>
+              <a:rPr lang="en-US"/>
+              <a:t>Where </a:t>
+            </a:r>
+            <a:r>
+              <a:rPr lang="en-US" b="1"/>
+              <a:t>X</a:t>
+            </a:r>
+            <a:r>
+              <a:rPr lang="en-US"/>
+              <a:t> is a matrix and </a:t>
+            </a:r>
+            <a:r>
+              <a:rPr lang="en-US" b="1"/>
+              <a:t>B</a:t>
+            </a:r>
+            <a:r>
+              <a:rPr lang="en-US"/>
+              <a:t> is a vector</a:t>
             </a:r>
           </a:p>
         </p:txBody>
@@ -9316,7 +9262,7 @@
     </p:spTree>
     <p:extLst>
       <p:ext uri="{BB962C8B-B14F-4D97-AF65-F5344CB8AC3E}">
-        <p14:creationId xmlns:p14="http://schemas.microsoft.com/office/powerpoint/2010/main" val="3465388416"/>
+        <p14:creationId xmlns:p14="http://schemas.microsoft.com/office/powerpoint/2010/main" xmlns:p="http://schemas.openxmlformats.org/presentationml/2006/main" xmlns:r="http://schemas.openxmlformats.org/officeDocument/2006/relationships" xmlns:a="http://schemas.openxmlformats.org/drawingml/2006/main" xmlns="" val="1265913865"/>
       </p:ext>
     </p:extLst>
   </p:cSld>
@@ -9334,7 +9280,7 @@
 </file>
 
 <file path=ppt/slides/slide35.xml><?xml version="1.0" encoding="utf-8"?>
-<p:sld xmlns:a="http://schemas.openxmlformats.org/drawingml/2006/main" xmlns:r="http://schemas.openxmlformats.org/officeDocument/2006/relationships" xmlns:p="http://schemas.openxmlformats.org/presentationml/2006/main">
+<p:sld xmlns:a="http://schemas.openxmlformats.org/drawingml/2006/main" xmlns:r="http://schemas.openxmlformats.org/officeDocument/2006/relationships" xmlns:mc="http://schemas.openxmlformats.org/markup-compatibility/2006" xmlns:mv="urn:schemas-microsoft-com:mac:vml" xmlns:p="http://schemas.openxmlformats.org/presentationml/2006/main" mc:Ignorable="mv" mc:PreserveAttributes="mv:*">
   <p:cSld>
     <p:spTree>
       <p:nvGrpSpPr>
@@ -9367,34 +9313,43 @@
           <a:p>
             <a:r>
               <a:rPr lang="en-US"/>
-              <a:t>Example: Data</a:t>
-            </a:r>
-          </a:p>
-        </p:txBody>
-      </p:sp>
-      <p:pic>
-        <p:nvPicPr>
-          <p:cNvPr id="6" name="Content Placeholder 5" descr="Linear_Data.png"/>
-          <p:cNvPicPr>
-            <a:picLocks noGrp="1" noChangeAspect="1"/>
-          </p:cNvPicPr>
+              <a:t>Generalized Linear Models</a:t>
+            </a:r>
+          </a:p>
+        </p:txBody>
+      </p:sp>
+      <p:sp>
+        <p:nvSpPr>
+          <p:cNvPr id="3" name="Content Placeholder 2"/>
+          <p:cNvSpPr>
+            <a:spLocks noGrp="1"/>
+          </p:cNvSpPr>
           <p:nvPr>
             <p:ph idx="1"/>
           </p:nvPr>
-        </p:nvPicPr>
-        <p:blipFill>
-          <a:blip r:embed="rId2"/>
-          <a:srcRect l="-40915" r="-40915"/>
-          <a:stretch>
-            <a:fillRect/>
-          </a:stretch>
-        </p:blipFill>
+        </p:nvSpPr>
         <p:spPr/>
-      </p:pic>
+        <p:txBody>
+          <a:bodyPr/>
+          <a:lstStyle/>
+          <a:p>
+            <a:r>
+              <a:rPr lang="en-US"/>
+              <a:t>The "least squares" method is the foundation of fitting generalized linear models (GLM's)</a:t>
+            </a:r>
+          </a:p>
+          <a:p>
+            <a:r>
+              <a:rPr lang="en-US"/>
+              <a:t>And information on how significantly the response variables varies with the predictor variables</a:t>
+            </a:r>
+          </a:p>
+        </p:txBody>
+      </p:sp>
     </p:spTree>
     <p:extLst>
       <p:ext uri="{BB962C8B-B14F-4D97-AF65-F5344CB8AC3E}">
-        <p14:creationId xmlns:p14="http://schemas.microsoft.com/office/powerpoint/2010/main" val="2972905603"/>
+        <p14:creationId xmlns:p14="http://schemas.microsoft.com/office/powerpoint/2010/main" xmlns:p="http://schemas.openxmlformats.org/presentationml/2006/main" xmlns:r="http://schemas.openxmlformats.org/officeDocument/2006/relationships" xmlns:a="http://schemas.openxmlformats.org/drawingml/2006/main" xmlns="" val="3465388416"/>
       </p:ext>
     </p:extLst>
   </p:cSld>
@@ -9412,7 +9367,7 @@
 </file>
 
 <file path=ppt/slides/slide36.xml><?xml version="1.0" encoding="utf-8"?>
-<p:sld xmlns:a="http://schemas.openxmlformats.org/drawingml/2006/main" xmlns:r="http://schemas.openxmlformats.org/officeDocument/2006/relationships" xmlns:p="http://schemas.openxmlformats.org/presentationml/2006/main">
+<p:sld xmlns:a="http://schemas.openxmlformats.org/drawingml/2006/main" xmlns:r="http://schemas.openxmlformats.org/officeDocument/2006/relationships" xmlns:mc="http://schemas.openxmlformats.org/markup-compatibility/2006" xmlns:mv="urn:schemas-microsoft-com:mac:vml" xmlns:p="http://schemas.openxmlformats.org/presentationml/2006/main" mc:Ignorable="mv" mc:PreserveAttributes="mv:*">
   <p:cSld>
     <p:spTree>
       <p:nvGrpSpPr>
@@ -9440,28 +9395,19 @@
         </p:nvSpPr>
         <p:spPr/>
         <p:txBody>
-          <a:bodyPr>
-            <a:normAutofit fontScale="90000"/>
-          </a:bodyPr>
+          <a:bodyPr/>
           <a:lstStyle/>
           <a:p>
             <a:r>
               <a:rPr lang="en-US"/>
               <a:t>Example: Data</a:t>
-            </a:r>
-            <a:br>
-              <a:rPr lang="en-US"/>
-            </a:br>
-            <a:r>
-              <a:rPr lang="en-US"/>
-              <a:t>(and Linear Regression)</a:t>
             </a:r>
           </a:p>
         </p:txBody>
       </p:sp>
       <p:pic>
         <p:nvPicPr>
-          <p:cNvPr id="4" name="Content Placeholder 3" descr="Linear_Regression.png"/>
+          <p:cNvPr id="6" name="Content Placeholder 5" descr="Linear_Data.png"/>
           <p:cNvPicPr>
             <a:picLocks noGrp="1" noChangeAspect="1"/>
           </p:cNvPicPr>
@@ -9481,7 +9427,7 @@
     </p:spTree>
     <p:extLst>
       <p:ext uri="{BB962C8B-B14F-4D97-AF65-F5344CB8AC3E}">
-        <p14:creationId xmlns:p14="http://schemas.microsoft.com/office/powerpoint/2010/main" val="2382241759"/>
+        <p14:creationId xmlns:p14="http://schemas.microsoft.com/office/powerpoint/2010/main" xmlns:p="http://schemas.openxmlformats.org/presentationml/2006/main" xmlns:r="http://schemas.openxmlformats.org/officeDocument/2006/relationships" xmlns:a="http://schemas.openxmlformats.org/drawingml/2006/main" xmlns="" val="2972905603"/>
       </p:ext>
     </p:extLst>
   </p:cSld>
@@ -9499,7 +9445,7 @@
 </file>
 
 <file path=ppt/slides/slide37.xml><?xml version="1.0" encoding="utf-8"?>
-<p:sld xmlns:a="http://schemas.openxmlformats.org/drawingml/2006/main" xmlns:r="http://schemas.openxmlformats.org/officeDocument/2006/relationships" xmlns:p="http://schemas.openxmlformats.org/presentationml/2006/main">
+<p:sld xmlns:a="http://schemas.openxmlformats.org/drawingml/2006/main" xmlns:r="http://schemas.openxmlformats.org/officeDocument/2006/relationships" xmlns:mc="http://schemas.openxmlformats.org/markup-compatibility/2006" xmlns:mv="urn:schemas-microsoft-com:mac:vml" xmlns:p="http://schemas.openxmlformats.org/presentationml/2006/main" mc:Ignorable="mv" mc:PreserveAttributes="mv:*">
   <p:cSld>
     <p:spTree>
       <p:nvGrpSpPr>
@@ -9517,50 +9463,58 @@
       </p:grpSpPr>
       <p:sp>
         <p:nvSpPr>
-          <p:cNvPr id="3" name="Title 2"/>
-          <p:cNvSpPr>
-            <a:spLocks noGrp="1"/>
-          </p:cNvSpPr>
-          <p:nvPr>
-            <p:ph type="ctrTitle"/>
+          <p:cNvPr id="2" name="Title 1"/>
+          <p:cNvSpPr>
+            <a:spLocks noGrp="1"/>
+          </p:cNvSpPr>
+          <p:nvPr>
+            <p:ph type="title"/>
           </p:nvPr>
         </p:nvSpPr>
         <p:spPr/>
         <p:txBody>
-          <a:bodyPr/>
-          <a:lstStyle/>
-          <a:p>
-            <a:r>
-              <a:rPr lang="en-US" dirty="0" smtClean="0"/>
-              <a:t>The zelig2 Method</a:t>
-            </a:r>
-            <a:endParaRPr lang="en-US" dirty="0"/>
-          </a:p>
-        </p:txBody>
-      </p:sp>
-      <p:sp>
-        <p:nvSpPr>
-          <p:cNvPr id="4" name="Subtitle 3"/>
-          <p:cNvSpPr>
-            <a:spLocks noGrp="1"/>
-          </p:cNvSpPr>
-          <p:nvPr>
-            <p:ph type="subTitle" idx="1"/>
-          </p:nvPr>
-        </p:nvSpPr>
+          <a:bodyPr>
+            <a:normAutofit fontScale="90000"/>
+          </a:bodyPr>
+          <a:lstStyle/>
+          <a:p>
+            <a:r>
+              <a:rPr lang="en-US"/>
+              <a:t>Example: Data</a:t>
+            </a:r>
+            <a:br>
+              <a:rPr lang="en-US"/>
+            </a:br>
+            <a:r>
+              <a:rPr lang="en-US"/>
+              <a:t>(and Linear Regression)</a:t>
+            </a:r>
+          </a:p>
+        </p:txBody>
+      </p:sp>
+      <p:pic>
+        <p:nvPicPr>
+          <p:cNvPr id="4" name="Content Placeholder 3" descr="Linear_Regression.png"/>
+          <p:cNvPicPr>
+            <a:picLocks noGrp="1" noChangeAspect="1"/>
+          </p:cNvPicPr>
+          <p:nvPr>
+            <p:ph idx="1"/>
+          </p:nvPr>
+        </p:nvPicPr>
+        <p:blipFill>
+          <a:blip r:embed="rId2"/>
+          <a:srcRect l="-40915" r="-40915"/>
+          <a:stretch>
+            <a:fillRect/>
+          </a:stretch>
+        </p:blipFill>
         <p:spPr/>
-        <p:txBody>
-          <a:bodyPr/>
-          <a:lstStyle/>
-          <a:p>
-            <a:endParaRPr lang="en-US"/>
-          </a:p>
-        </p:txBody>
-      </p:sp>
+      </p:pic>
     </p:spTree>
     <p:extLst>
       <p:ext uri="{BB962C8B-B14F-4D97-AF65-F5344CB8AC3E}">
-        <p14:creationId xmlns:p14="http://schemas.microsoft.com/office/powerpoint/2010/main" val="2601398369"/>
+        <p14:creationId xmlns:p14="http://schemas.microsoft.com/office/powerpoint/2010/main" xmlns:p="http://schemas.openxmlformats.org/presentationml/2006/main" xmlns:r="http://schemas.openxmlformats.org/officeDocument/2006/relationships" xmlns:a="http://schemas.openxmlformats.org/drawingml/2006/main" xmlns="" val="2382241759"/>
       </p:ext>
     </p:extLst>
   </p:cSld>
@@ -9578,7 +9532,7 @@
 </file>
 
 <file path=ppt/slides/slide38.xml><?xml version="1.0" encoding="utf-8"?>
-<p:sld xmlns:a="http://schemas.openxmlformats.org/drawingml/2006/main" xmlns:r="http://schemas.openxmlformats.org/officeDocument/2006/relationships" xmlns:p="http://schemas.openxmlformats.org/presentationml/2006/main">
+<p:sld xmlns:a="http://schemas.openxmlformats.org/drawingml/2006/main" xmlns:r="http://schemas.openxmlformats.org/officeDocument/2006/relationships" xmlns:mc="http://schemas.openxmlformats.org/markup-compatibility/2006" xmlns:mv="urn:schemas-microsoft-com:mac:vml" xmlns:p="http://schemas.openxmlformats.org/presentationml/2006/main" mc:Ignorable="mv" mc:PreserveAttributes="mv:*">
   <p:cSld>
     <p:spTree>
       <p:nvGrpSpPr>
@@ -9596,12 +9550,12 @@
       </p:grpSpPr>
       <p:sp>
         <p:nvSpPr>
-          <p:cNvPr id="2" name="Title 1"/>
-          <p:cNvSpPr>
-            <a:spLocks noGrp="1"/>
-          </p:cNvSpPr>
-          <p:nvPr>
-            <p:ph type="title"/>
+          <p:cNvPr id="3" name="Title 2"/>
+          <p:cNvSpPr>
+            <a:spLocks noGrp="1"/>
+          </p:cNvSpPr>
+          <p:nvPr>
+            <p:ph type="ctrTitle"/>
           </p:nvPr>
         </p:nvSpPr>
         <p:spPr/>
@@ -9611,7 +9565,7 @@
           <a:p>
             <a:r>
               <a:rPr lang="en-US" dirty="0" smtClean="0"/>
-              <a:t>Outline</a:t>
+              <a:t>The zelig2 Method</a:t>
             </a:r>
             <a:endParaRPr lang="en-US" dirty="0"/>
           </a:p>
@@ -9619,12 +9573,12 @@
       </p:sp>
       <p:sp>
         <p:nvSpPr>
-          <p:cNvPr id="3" name="Content Placeholder 2"/>
-          <p:cNvSpPr>
-            <a:spLocks noGrp="1"/>
-          </p:cNvSpPr>
-          <p:nvPr>
-            <p:ph idx="1"/>
+          <p:cNvPr id="4" name="Subtitle 3"/>
+          <p:cNvSpPr>
+            <a:spLocks noGrp="1"/>
+          </p:cNvSpPr>
+          <p:nvPr>
+            <p:ph type="subTitle" idx="1"/>
           </p:nvPr>
         </p:nvSpPr>
         <p:spPr/>
@@ -9632,38 +9586,14 @@
           <a:bodyPr/>
           <a:lstStyle/>
           <a:p>
-            <a:r>
-              <a:rPr lang="en-US" dirty="0" smtClean="0"/>
-              <a:t>Overview</a:t>
-            </a:r>
-          </a:p>
-          <a:p>
-            <a:r>
-              <a:rPr lang="en-US" dirty="0" smtClean="0"/>
-              <a:t>What is a zelig2 method?</a:t>
-            </a:r>
-          </a:p>
-          <a:p>
-            <a:r>
-              <a:rPr lang="en-US" dirty="0" smtClean="0"/>
-              <a:t>Format of a zelig2 method</a:t>
-            </a:r>
-          </a:p>
-          <a:p>
-            <a:r>
-              <a:rPr lang="en-US" dirty="0" smtClean="0"/>
-              <a:t>Writing the zelig2 method</a:t>
-            </a:r>
-          </a:p>
-          <a:p>
-            <a:endParaRPr lang="en-US" dirty="0"/>
+            <a:endParaRPr lang="en-US"/>
           </a:p>
         </p:txBody>
       </p:sp>
     </p:spTree>
     <p:extLst>
       <p:ext uri="{BB962C8B-B14F-4D97-AF65-F5344CB8AC3E}">
-        <p14:creationId xmlns:p14="http://schemas.microsoft.com/office/powerpoint/2010/main" val="520387571"/>
+        <p14:creationId xmlns:p14="http://schemas.microsoft.com/office/powerpoint/2010/main" xmlns:p="http://schemas.openxmlformats.org/presentationml/2006/main" xmlns:r="http://schemas.openxmlformats.org/officeDocument/2006/relationships" xmlns:a="http://schemas.openxmlformats.org/drawingml/2006/main" xmlns="" val="2601398369"/>
       </p:ext>
     </p:extLst>
   </p:cSld>
@@ -9681,7 +9611,7 @@
 </file>
 
 <file path=ppt/slides/slide39.xml><?xml version="1.0" encoding="utf-8"?>
-<p:sld xmlns:a="http://schemas.openxmlformats.org/drawingml/2006/main" xmlns:r="http://schemas.openxmlformats.org/officeDocument/2006/relationships" xmlns:p="http://schemas.openxmlformats.org/presentationml/2006/main">
+<p:sld xmlns:a="http://schemas.openxmlformats.org/drawingml/2006/main" xmlns:r="http://schemas.openxmlformats.org/officeDocument/2006/relationships" xmlns:mc="http://schemas.openxmlformats.org/markup-compatibility/2006" xmlns:mv="urn:schemas-microsoft-com:mac:vml" xmlns:p="http://schemas.openxmlformats.org/presentationml/2006/main" mc:Ignorable="mv" mc:PreserveAttributes="mv:*">
   <p:cSld>
     <p:spTree>
       <p:nvGrpSpPr>
@@ -9713,115 +9643,51 @@
           <a:lstStyle/>
           <a:p>
             <a:r>
-              <a:rPr lang="en-US"/>
+              <a:rPr lang="en-US" dirty="0" smtClean="0"/>
+              <a:t>Outline</a:t>
+            </a:r>
+            <a:endParaRPr lang="en-US" dirty="0"/>
+          </a:p>
+        </p:txBody>
+      </p:sp>
+      <p:sp>
+        <p:nvSpPr>
+          <p:cNvPr id="3" name="Content Placeholder 2"/>
+          <p:cNvSpPr>
+            <a:spLocks noGrp="1"/>
+          </p:cNvSpPr>
+          <p:nvPr>
+            <p:ph idx="1"/>
+          </p:nvPr>
+        </p:nvSpPr>
+        <p:spPr/>
+        <p:txBody>
+          <a:bodyPr/>
+          <a:lstStyle/>
+          <a:p>
+            <a:r>
+              <a:rPr lang="en-US" dirty="0" smtClean="0"/>
               <a:t>Overview</a:t>
             </a:r>
           </a:p>
-        </p:txBody>
-      </p:sp>
-      <p:sp>
-        <p:nvSpPr>
-          <p:cNvPr id="3" name="Content Placeholder 2"/>
-          <p:cNvSpPr>
-            <a:spLocks noGrp="1"/>
-          </p:cNvSpPr>
-          <p:nvPr>
-            <p:ph idx="1"/>
-          </p:nvPr>
-        </p:nvSpPr>
-        <p:spPr/>
-        <p:txBody>
-          <a:bodyPr/>
-          <a:lstStyle/>
-          <a:p>
-            <a:r>
-              <a:rPr lang="en-US"/>
-              <a:t>Today we are focusing on fitting the statistical model</a:t>
-            </a:r>
-          </a:p>
-          <a:p>
-            <a:r>
-              <a:rPr lang="en-US"/>
-              <a:t>Zelig requires (typically) that the model is fitted externally</a:t>
-            </a:r>
-          </a:p>
-          <a:p>
-            <a:r>
-              <a:rPr lang="en-US"/>
-              <a:t>Most models are based on "lm" or "glm" because of their general nature</a:t>
-            </a:r>
-          </a:p>
-        </p:txBody>
-      </p:sp>
-    </p:spTree>
-  </p:cSld>
-  <p:clrMapOvr>
-    <a:masterClrMapping/>
-  </p:clrMapOvr>
-  <p:timing>
-    <p:tnLst>
-      <p:par>
-        <p:cTn id="1" dur="indefinite" restart="never" nodeType="tmRoot"/>
-      </p:par>
-    </p:tnLst>
-  </p:timing>
-</p:sld>
-</file>
-
-<file path=ppt/slides/slide4.xml><?xml version="1.0" encoding="utf-8"?>
-<p:sld xmlns:a="http://schemas.openxmlformats.org/drawingml/2006/main" xmlns:r="http://schemas.openxmlformats.org/officeDocument/2006/relationships" xmlns:p="http://schemas.openxmlformats.org/presentationml/2006/main">
-  <p:cSld>
-    <p:spTree>
-      <p:nvGrpSpPr>
-        <p:cNvPr id="1" name=""/>
-        <p:cNvGrpSpPr/>
-        <p:nvPr/>
-      </p:nvGrpSpPr>
-      <p:grpSpPr>
-        <a:xfrm>
-          <a:off x="0" y="0"/>
-          <a:ext cx="0" cy="0"/>
-          <a:chOff x="0" y="0"/>
-          <a:chExt cx="0" cy="0"/>
-        </a:xfrm>
-      </p:grpSpPr>
-      <p:sp>
-        <p:nvSpPr>
-          <p:cNvPr id="4" name="Title 3"/>
-          <p:cNvSpPr>
-            <a:spLocks noGrp="1"/>
-          </p:cNvSpPr>
-          <p:nvPr>
-            <p:ph type="ctrTitle"/>
-          </p:nvPr>
-        </p:nvSpPr>
-        <p:spPr/>
-        <p:txBody>
-          <a:bodyPr/>
-          <a:lstStyle/>
           <a:p>
             <a:r>
               <a:rPr lang="en-US" dirty="0" smtClean="0"/>
-              <a:t>What is a statistical package?</a:t>
-            </a:r>
-            <a:endParaRPr lang="en-US" dirty="0"/>
-          </a:p>
-        </p:txBody>
-      </p:sp>
-      <p:sp>
-        <p:nvSpPr>
-          <p:cNvPr id="5" name="Subtitle 4"/>
-          <p:cNvSpPr>
-            <a:spLocks noGrp="1"/>
-          </p:cNvSpPr>
-          <p:nvPr>
-            <p:ph type="subTitle" idx="1"/>
-          </p:nvPr>
-        </p:nvSpPr>
-        <p:spPr/>
-        <p:txBody>
-          <a:bodyPr/>
-          <a:lstStyle/>
+              <a:t>What is a zelig2 method?</a:t>
+            </a:r>
+          </a:p>
+          <a:p>
+            <a:r>
+              <a:rPr lang="en-US" dirty="0" smtClean="0"/>
+              <a:t>Format of a zelig2 method</a:t>
+            </a:r>
+          </a:p>
+          <a:p>
+            <a:r>
+              <a:rPr lang="en-US" dirty="0" smtClean="0"/>
+              <a:t>Writing the zelig2 method</a:t>
+            </a:r>
+          </a:p>
           <a:p>
             <a:endParaRPr lang="en-US" dirty="0"/>
           </a:p>
@@ -9830,7 +9696,7 @@
     </p:spTree>
     <p:extLst>
       <p:ext uri="{BB962C8B-B14F-4D97-AF65-F5344CB8AC3E}">
-        <p14:creationId xmlns:p14="http://schemas.microsoft.com/office/powerpoint/2010/main" val="2238547365"/>
+        <p14:creationId xmlns:p14="http://schemas.microsoft.com/office/powerpoint/2010/main" xmlns:p="http://schemas.openxmlformats.org/presentationml/2006/main" xmlns:r="http://schemas.openxmlformats.org/officeDocument/2006/relationships" xmlns:a="http://schemas.openxmlformats.org/drawingml/2006/main" xmlns="" val="520387571"/>
       </p:ext>
     </p:extLst>
   </p:cSld>
@@ -9847,8 +9713,294 @@
 </p:sld>
 </file>
 
+<file path=ppt/slides/slide4.xml><?xml version="1.0" encoding="utf-8"?>
+<p:sld xmlns:a="http://schemas.openxmlformats.org/drawingml/2006/main" xmlns:r="http://schemas.openxmlformats.org/officeDocument/2006/relationships" xmlns:mc="http://schemas.openxmlformats.org/markup-compatibility/2006" xmlns:mv="urn:schemas-microsoft-com:mac:vml" xmlns:p="http://schemas.openxmlformats.org/presentationml/2006/main" mc:Ignorable="mv" mc:PreserveAttributes="mv:*">
+  <p:cSld>
+    <p:spTree>
+      <p:nvGrpSpPr>
+        <p:cNvPr id="1" name=""/>
+        <p:cNvGrpSpPr/>
+        <p:nvPr/>
+      </p:nvGrpSpPr>
+      <p:grpSpPr>
+        <a:xfrm>
+          <a:off x="0" y="0"/>
+          <a:ext cx="0" cy="0"/>
+          <a:chOff x="0" y="0"/>
+          <a:chExt cx="0" cy="0"/>
+        </a:xfrm>
+      </p:grpSpPr>
+      <p:sp>
+        <p:nvSpPr>
+          <p:cNvPr id="2" name="Title 1"/>
+          <p:cNvSpPr>
+            <a:spLocks noGrp="1"/>
+          </p:cNvSpPr>
+          <p:nvPr>
+            <p:ph type="title"/>
+          </p:nvPr>
+        </p:nvSpPr>
+        <p:spPr/>
+        <p:txBody>
+          <a:bodyPr/>
+          <a:lstStyle/>
+          <a:p>
+            <a:r>
+              <a:rPr lang="en-US"/>
+              <a:t>Outline</a:t>
+            </a:r>
+          </a:p>
+        </p:txBody>
+      </p:sp>
+      <p:sp>
+        <p:nvSpPr>
+          <p:cNvPr id="3" name="Content Placeholder 2"/>
+          <p:cNvSpPr>
+            <a:spLocks noGrp="1"/>
+          </p:cNvSpPr>
+          <p:nvPr>
+            <p:ph idx="1"/>
+          </p:nvPr>
+        </p:nvSpPr>
+        <p:spPr/>
+        <p:txBody>
+          <a:bodyPr>
+            <a:normAutofit fontScale="92500" lnSpcReduction="10000"/>
+          </a:bodyPr>
+          <a:lstStyle/>
+          <a:p>
+            <a:pPr marL="514350" indent="-514350">
+              <a:buFont typeface="+mj-lt"/>
+              <a:buAutoNum type="arabicPeriod"/>
+            </a:pPr>
+            <a:r>
+              <a:rPr lang="en-US" dirty="0"/>
+              <a:t>What is a statistical </a:t>
+            </a:r>
+            <a:r>
+              <a:rPr lang="en-US" dirty="0" smtClean="0"/>
+              <a:t>package?</a:t>
+            </a:r>
+          </a:p>
+          <a:p>
+            <a:pPr marL="514350" indent="-514350">
+              <a:buFont typeface="+mj-lt"/>
+              <a:buAutoNum type="arabicPeriod"/>
+            </a:pPr>
+            <a:r>
+              <a:rPr lang="en-US" dirty="0" smtClean="0"/>
+              <a:t>What is a Zelig model?</a:t>
+            </a:r>
+          </a:p>
+          <a:p>
+            <a:pPr marL="514350" indent="-514350">
+              <a:buFont typeface="+mj-lt"/>
+              <a:buAutoNum type="arabicPeriod"/>
+            </a:pPr>
+            <a:r>
+              <a:rPr lang="en-US" dirty="0" smtClean="0"/>
+              <a:t>Creating a statistical package</a:t>
+            </a:r>
+            <a:endParaRPr lang="en-US" dirty="0"/>
+          </a:p>
+          <a:p>
+            <a:pPr marL="514350" indent="-514350">
+              <a:buFont typeface="+mj-lt"/>
+              <a:buAutoNum type="arabicPeriod"/>
+            </a:pPr>
+            <a:r>
+              <a:rPr lang="en-US" dirty="0" smtClean="0"/>
+              <a:t>Model </a:t>
+            </a:r>
+            <a:r>
+              <a:rPr lang="en-US" dirty="0"/>
+              <a:t>fitting functions</a:t>
+            </a:r>
+          </a:p>
+          <a:p>
+            <a:pPr marL="514350" indent="-514350">
+              <a:buFont typeface="+mj-lt"/>
+              <a:buAutoNum type="arabicPeriod"/>
+            </a:pPr>
+            <a:r>
+              <a:rPr lang="en-US" dirty="0"/>
+              <a:t>The </a:t>
+            </a:r>
+            <a:r>
+              <a:rPr lang="en-US" b="1" dirty="0">
+                <a:latin typeface="Courier New"/>
+                <a:cs typeface="Courier New"/>
+              </a:rPr>
+              <a:t>zelig2</a:t>
+            </a:r>
+            <a:r>
+              <a:rPr lang="en-US" dirty="0"/>
+              <a:t> </a:t>
+            </a:r>
+            <a:r>
+              <a:rPr lang="en-US" dirty="0" smtClean="0"/>
+              <a:t>method</a:t>
+            </a:r>
+          </a:p>
+          <a:p>
+            <a:pPr marL="514350" indent="-514350">
+              <a:buFont typeface="+mj-lt"/>
+              <a:buAutoNum type="arabicPeriod"/>
+            </a:pPr>
+            <a:r>
+              <a:rPr lang="en-US" dirty="0"/>
+              <a:t>Workflow for creating a statistical </a:t>
+            </a:r>
+            <a:r>
+              <a:rPr lang="en-US" dirty="0" smtClean="0"/>
+              <a:t>package</a:t>
+            </a:r>
+            <a:endParaRPr lang="en-US" dirty="0"/>
+          </a:p>
+          <a:p>
+            <a:pPr marL="514350" indent="-514350">
+              <a:buFont typeface="+mj-lt"/>
+              <a:buAutoNum type="arabicPeriod"/>
+            </a:pPr>
+            <a:r>
+              <a:rPr lang="en-US" dirty="0"/>
+              <a:t>Looking </a:t>
+            </a:r>
+            <a:r>
+              <a:rPr lang="en-US" dirty="0" smtClean="0"/>
+              <a:t>ahead</a:t>
+            </a:r>
+            <a:endParaRPr lang="en-US" dirty="0"/>
+          </a:p>
+          <a:p>
+            <a:pPr lvl="1"/>
+            <a:r>
+              <a:rPr lang="en-US" dirty="0"/>
+              <a:t>Design (a.k.a. model) matrices</a:t>
+            </a:r>
+          </a:p>
+          <a:p>
+            <a:pPr lvl="1"/>
+            <a:r>
+              <a:rPr lang="en-US" dirty="0"/>
+              <a:t>Counterfactuals and interaction terms</a:t>
+            </a:r>
+          </a:p>
+          <a:p>
+            <a:pPr lvl="1"/>
+            <a:endParaRPr lang="en-US" dirty="0"/>
+          </a:p>
+          <a:p>
+            <a:pPr lvl="1"/>
+            <a:endParaRPr lang="en-US" dirty="0"/>
+          </a:p>
+        </p:txBody>
+      </p:sp>
+    </p:spTree>
+  </p:cSld>
+  <p:clrMapOvr>
+    <a:masterClrMapping/>
+  </p:clrMapOvr>
+  <p:timing>
+    <p:tnLst>
+      <p:par>
+        <p:cTn id="1" dur="indefinite" restart="never" nodeType="tmRoot"/>
+      </p:par>
+    </p:tnLst>
+  </p:timing>
+</p:sld>
+</file>
+
 <file path=ppt/slides/slide40.xml><?xml version="1.0" encoding="utf-8"?>
-<p:sld xmlns:a="http://schemas.openxmlformats.org/drawingml/2006/main" xmlns:r="http://schemas.openxmlformats.org/officeDocument/2006/relationships" xmlns:p="http://schemas.openxmlformats.org/presentationml/2006/main">
+<p:sld xmlns:a="http://schemas.openxmlformats.org/drawingml/2006/main" xmlns:r="http://schemas.openxmlformats.org/officeDocument/2006/relationships" xmlns:mc="http://schemas.openxmlformats.org/markup-compatibility/2006" xmlns:mv="urn:schemas-microsoft-com:mac:vml" xmlns:p="http://schemas.openxmlformats.org/presentationml/2006/main" mc:Ignorable="mv" mc:PreserveAttributes="mv:*">
+  <p:cSld>
+    <p:spTree>
+      <p:nvGrpSpPr>
+        <p:cNvPr id="1" name=""/>
+        <p:cNvGrpSpPr/>
+        <p:nvPr/>
+      </p:nvGrpSpPr>
+      <p:grpSpPr>
+        <a:xfrm>
+          <a:off x="0" y="0"/>
+          <a:ext cx="0" cy="0"/>
+          <a:chOff x="0" y="0"/>
+          <a:chExt cx="0" cy="0"/>
+        </a:xfrm>
+      </p:grpSpPr>
+      <p:sp>
+        <p:nvSpPr>
+          <p:cNvPr id="2" name="Title 1"/>
+          <p:cNvSpPr>
+            <a:spLocks noGrp="1"/>
+          </p:cNvSpPr>
+          <p:nvPr>
+            <p:ph type="title"/>
+          </p:nvPr>
+        </p:nvSpPr>
+        <p:spPr/>
+        <p:txBody>
+          <a:bodyPr/>
+          <a:lstStyle/>
+          <a:p>
+            <a:r>
+              <a:rPr lang="en-US"/>
+              <a:t>Overview</a:t>
+            </a:r>
+          </a:p>
+        </p:txBody>
+      </p:sp>
+      <p:sp>
+        <p:nvSpPr>
+          <p:cNvPr id="3" name="Content Placeholder 2"/>
+          <p:cNvSpPr>
+            <a:spLocks noGrp="1"/>
+          </p:cNvSpPr>
+          <p:nvPr>
+            <p:ph idx="1"/>
+          </p:nvPr>
+        </p:nvSpPr>
+        <p:spPr/>
+        <p:txBody>
+          <a:bodyPr/>
+          <a:lstStyle/>
+          <a:p>
+            <a:r>
+              <a:rPr lang="en-US"/>
+              <a:t>Today we are focusing on fitting the statistical model</a:t>
+            </a:r>
+          </a:p>
+          <a:p>
+            <a:r>
+              <a:rPr lang="en-US"/>
+              <a:t>Zelig requires (typically) that the model is fitted externally</a:t>
+            </a:r>
+          </a:p>
+          <a:p>
+            <a:r>
+              <a:rPr lang="en-US"/>
+              <a:t>Most models are based on "lm" or "glm" because of their general nature</a:t>
+            </a:r>
+          </a:p>
+        </p:txBody>
+      </p:sp>
+    </p:spTree>
+  </p:cSld>
+  <p:clrMapOvr>
+    <a:masterClrMapping/>
+  </p:clrMapOvr>
+  <p:timing>
+    <p:tnLst>
+      <p:par>
+        <p:cTn id="1" dur="indefinite" restart="never" nodeType="tmRoot"/>
+      </p:par>
+    </p:tnLst>
+  </p:timing>
+</p:sld>
+</file>
+
+<file path=ppt/slides/slide41.xml><?xml version="1.0" encoding="utf-8"?>
+<p:sld xmlns:a="http://schemas.openxmlformats.org/drawingml/2006/main" xmlns:r="http://schemas.openxmlformats.org/officeDocument/2006/relationships" xmlns:mc="http://schemas.openxmlformats.org/markup-compatibility/2006" xmlns:mv="urn:schemas-microsoft-com:mac:vml" xmlns:p="http://schemas.openxmlformats.org/presentationml/2006/main" mc:Ignorable="mv" mc:PreserveAttributes="mv:*">
   <p:cSld>
     <p:spTree>
       <p:nvGrpSpPr>
@@ -11535,8 +11687,8 @@
 </p:sld>
 </file>
 
-<file path=ppt/slides/slide41.xml><?xml version="1.0" encoding="utf-8"?>
-<p:sld xmlns:a="http://schemas.openxmlformats.org/drawingml/2006/main" xmlns:r="http://schemas.openxmlformats.org/officeDocument/2006/relationships" xmlns:p="http://schemas.openxmlformats.org/presentationml/2006/main">
+<file path=ppt/slides/slide42.xml><?xml version="1.0" encoding="utf-8"?>
+<p:sld xmlns:a="http://schemas.openxmlformats.org/drawingml/2006/main" xmlns:r="http://schemas.openxmlformats.org/officeDocument/2006/relationships" xmlns:mc="http://schemas.openxmlformats.org/markup-compatibility/2006" xmlns:mv="urn:schemas-microsoft-com:mac:vml" xmlns:p="http://schemas.openxmlformats.org/presentationml/2006/main" mc:Ignorable="mv" mc:PreserveAttributes="mv:*">
   <p:cSld>
     <p:spTree>
       <p:nvGrpSpPr>
@@ -11634,8 +11786,8 @@
 </p:sld>
 </file>
 
-<file path=ppt/slides/slide42.xml><?xml version="1.0" encoding="utf-8"?>
-<p:sld xmlns:a="http://schemas.openxmlformats.org/drawingml/2006/main" xmlns:r="http://schemas.openxmlformats.org/officeDocument/2006/relationships" xmlns:p="http://schemas.openxmlformats.org/presentationml/2006/main">
+<file path=ppt/slides/slide43.xml><?xml version="1.0" encoding="utf-8"?>
+<p:sld xmlns:a="http://schemas.openxmlformats.org/drawingml/2006/main" xmlns:r="http://schemas.openxmlformats.org/officeDocument/2006/relationships" xmlns:mc="http://schemas.openxmlformats.org/markup-compatibility/2006" xmlns:mv="urn:schemas-microsoft-com:mac:vml" xmlns:p="http://schemas.openxmlformats.org/presentationml/2006/main" mc:Ignorable="mv" mc:PreserveAttributes="mv:*">
   <p:cSld>
     <p:spTree>
       <p:nvGrpSpPr>
@@ -13168,8 +13320,8 @@
 </p:sld>
 </file>
 
-<file path=ppt/slides/slide43.xml><?xml version="1.0" encoding="utf-8"?>
-<p:sld xmlns:a="http://schemas.openxmlformats.org/drawingml/2006/main" xmlns:r="http://schemas.openxmlformats.org/officeDocument/2006/relationships" xmlns:p="http://schemas.openxmlformats.org/presentationml/2006/main">
+<file path=ppt/slides/slide44.xml><?xml version="1.0" encoding="utf-8"?>
+<p:sld xmlns:a="http://schemas.openxmlformats.org/drawingml/2006/main" xmlns:r="http://schemas.openxmlformats.org/officeDocument/2006/relationships" xmlns:mc="http://schemas.openxmlformats.org/markup-compatibility/2006" xmlns:mv="urn:schemas-microsoft-com:mac:vml" xmlns:p="http://schemas.openxmlformats.org/presentationml/2006/main" mc:Ignorable="mv" mc:PreserveAttributes="mv:*">
   <p:cSld>
     <p:spTree>
       <p:nvGrpSpPr>
@@ -13254,112 +13406,6 @@
             <a:r>
               <a:rPr lang="en-US"/>
               <a:t>Use "args" to determine what parameters are available for the model-fitting function</a:t>
-            </a:r>
-          </a:p>
-          <a:p>
-            <a:endParaRPr lang="en-US"/>
-          </a:p>
-        </p:txBody>
-      </p:sp>
-    </p:spTree>
-  </p:cSld>
-  <p:clrMapOvr>
-    <a:masterClrMapping/>
-  </p:clrMapOvr>
-  <p:timing>
-    <p:tnLst>
-      <p:par>
-        <p:cTn id="1" dur="indefinite" restart="never" nodeType="tmRoot"/>
-      </p:par>
-    </p:tnLst>
-  </p:timing>
-</p:sld>
-</file>
-
-<file path=ppt/slides/slide44.xml><?xml version="1.0" encoding="utf-8"?>
-<p:sld xmlns:a="http://schemas.openxmlformats.org/drawingml/2006/main" xmlns:r="http://schemas.openxmlformats.org/officeDocument/2006/relationships" xmlns:p="http://schemas.openxmlformats.org/presentationml/2006/main">
-  <p:cSld>
-    <p:spTree>
-      <p:nvGrpSpPr>
-        <p:cNvPr id="1" name=""/>
-        <p:cNvGrpSpPr/>
-        <p:nvPr/>
-      </p:nvGrpSpPr>
-      <p:grpSpPr>
-        <a:xfrm>
-          <a:off x="0" y="0"/>
-          <a:ext cx="0" cy="0"/>
-          <a:chOff x="0" y="0"/>
-          <a:chExt cx="0" cy="0"/>
-        </a:xfrm>
-      </p:grpSpPr>
-      <p:sp>
-        <p:nvSpPr>
-          <p:cNvPr id="2" name="Title 1"/>
-          <p:cNvSpPr>
-            <a:spLocks noGrp="1"/>
-          </p:cNvSpPr>
-          <p:nvPr>
-            <p:ph type="title"/>
-          </p:nvPr>
-        </p:nvSpPr>
-        <p:spPr/>
-        <p:txBody>
-          <a:bodyPr/>
-          <a:lstStyle/>
-          <a:p>
-            <a:r>
-              <a:rPr lang="en-US"/>
-              <a:t>zelig2: Function Body</a:t>
-            </a:r>
-          </a:p>
-        </p:txBody>
-      </p:sp>
-      <p:sp>
-        <p:nvSpPr>
-          <p:cNvPr id="3" name="Content Placeholder 2"/>
-          <p:cNvSpPr>
-            <a:spLocks noGrp="1"/>
-          </p:cNvSpPr>
-          <p:nvPr>
-            <p:ph idx="1"/>
-          </p:nvPr>
-        </p:nvSpPr>
-        <p:spPr/>
-        <p:txBody>
-          <a:bodyPr/>
-          <a:lstStyle/>
-          <a:p>
-            <a:r>
-              <a:rPr lang="en-US"/>
-              <a:t>Typically does very little</a:t>
-            </a:r>
-          </a:p>
-          <a:p>
-            <a:r>
-              <a:rPr lang="en-US"/>
-              <a:t>Can be used to</a:t>
-            </a:r>
-          </a:p>
-          <a:p>
-            <a:pPr lvl="1"/>
-            <a:r>
-              <a:rPr lang="en-US"/>
-              <a:t>Print-out error and warning messages</a:t>
-            </a:r>
-          </a:p>
-          <a:p>
-            <a:pPr lvl="1"/>
-            <a:r>
-              <a:rPr lang="en-US"/>
-              <a:t>Manipulate model formulae</a:t>
-            </a:r>
-          </a:p>
-          <a:p>
-            <a:pPr lvl="1"/>
-            <a:r>
-              <a:rPr lang="en-US"/>
-              <a:t>Assign default values that do not exist for the model-fitting function</a:t>
             </a:r>
           </a:p>
           <a:p>
@@ -13383,7 +13429,7 @@
 </file>
 
 <file path=ppt/slides/slide45.xml><?xml version="1.0" encoding="utf-8"?>
-<p:sld xmlns:a="http://schemas.openxmlformats.org/drawingml/2006/main" xmlns:r="http://schemas.openxmlformats.org/officeDocument/2006/relationships" xmlns:p="http://schemas.openxmlformats.org/presentationml/2006/main">
+<p:sld xmlns:a="http://schemas.openxmlformats.org/drawingml/2006/main" xmlns:r="http://schemas.openxmlformats.org/officeDocument/2006/relationships" xmlns:mc="http://schemas.openxmlformats.org/markup-compatibility/2006" xmlns:mv="urn:schemas-microsoft-com:mac:vml" xmlns:p="http://schemas.openxmlformats.org/presentationml/2006/main" mc:Ignorable="mv" mc:PreserveAttributes="mv:*">
   <p:cSld>
     <p:spTree>
       <p:nvGrpSpPr>
@@ -13416,7 +13462,7 @@
           <a:p>
             <a:r>
               <a:rPr lang="en-US"/>
-              <a:t>zelig2: Return Value</a:t>
+              <a:t>zelig2: Function Body</a:t>
             </a:r>
           </a:p>
         </p:txBody>
@@ -13438,22 +13484,38 @@
           <a:p>
             <a:r>
               <a:rPr lang="en-US"/>
-              <a:t>".function" specifies the name of model-fitting function</a:t>
-            </a:r>
-          </a:p>
-          <a:p>
-            <a:r>
-              <a:rPr lang="en-US"/>
-              <a:t>All other entries specify values to be </a:t>
-            </a:r>
-            <a:r>
-              <a:rPr lang="en-US" b="1"/>
-              <a:t>explicitly</a:t>
-            </a:r>
-            <a:r>
-              <a:rPr lang="en-US"/>
-              <a:t> set for the model-fitting function</a:t>
-            </a:r>
+              <a:t>Typically does very little</a:t>
+            </a:r>
+          </a:p>
+          <a:p>
+            <a:r>
+              <a:rPr lang="en-US"/>
+              <a:t>Can be used to</a:t>
+            </a:r>
+          </a:p>
+          <a:p>
+            <a:pPr lvl="1"/>
+            <a:r>
+              <a:rPr lang="en-US"/>
+              <a:t>Print-out error and warning messages</a:t>
+            </a:r>
+          </a:p>
+          <a:p>
+            <a:pPr lvl="1"/>
+            <a:r>
+              <a:rPr lang="en-US"/>
+              <a:t>Manipulate model formulae</a:t>
+            </a:r>
+          </a:p>
+          <a:p>
+            <a:pPr lvl="1"/>
+            <a:r>
+              <a:rPr lang="en-US"/>
+              <a:t>Assign default values that do not exist for the model-fitting function</a:t>
+            </a:r>
+          </a:p>
+          <a:p>
+            <a:endParaRPr lang="en-US"/>
           </a:p>
         </p:txBody>
       </p:sp>
@@ -13473,7 +13535,7 @@
 </file>
 
 <file path=ppt/slides/slide46.xml><?xml version="1.0" encoding="utf-8"?>
-<p:sld xmlns:a="http://schemas.openxmlformats.org/drawingml/2006/main" xmlns:r="http://schemas.openxmlformats.org/officeDocument/2006/relationships" xmlns:p="http://schemas.openxmlformats.org/presentationml/2006/main">
+<p:sld xmlns:a="http://schemas.openxmlformats.org/drawingml/2006/main" xmlns:r="http://schemas.openxmlformats.org/officeDocument/2006/relationships" xmlns:mc="http://schemas.openxmlformats.org/markup-compatibility/2006" xmlns:mv="urn:schemas-microsoft-com:mac:vml" xmlns:p="http://schemas.openxmlformats.org/presentationml/2006/main" mc:Ignorable="mv" mc:PreserveAttributes="mv:*">
   <p:cSld>
     <p:spTree>
       <p:nvGrpSpPr>
@@ -13506,7 +13568,7 @@
           <a:p>
             <a:r>
               <a:rPr lang="en-US"/>
-              <a:t>zelig2</a:t>
+              <a:t>zelig2: Return Value</a:t>
             </a:r>
           </a:p>
         </p:txBody>
@@ -13527,52 +13589,22 @@
           <a:lstStyle/>
           <a:p>
             <a:r>
+              <a:rPr lang="en-US"/>
+              <a:t>".function" specifies the name of model-fitting function</a:t>
+            </a:r>
+          </a:p>
+          <a:p>
+            <a:r>
+              <a:rPr lang="en-US"/>
+              <a:t>All other entries specify values to be </a:t>
+            </a:r>
+            <a:r>
               <a:rPr lang="en-US" b="1"/>
-              <a:t>Does not</a:t>
-            </a:r>
-            <a:r>
-              <a:rPr lang="en-US"/>
-              <a:t> fit models itself</a:t>
-            </a:r>
-          </a:p>
-          <a:p>
-            <a:r>
-              <a:rPr lang="en-US"/>
-              <a:t>Uses outside models to fit data</a:t>
-            </a:r>
-          </a:p>
-          <a:p>
-            <a:pPr lvl="1"/>
-            <a:r>
-              <a:rPr lang="en-US"/>
-              <a:t>"lm", "glm", "nlme", etc.</a:t>
-            </a:r>
-          </a:p>
-          <a:p>
-            <a:r>
-              <a:rPr lang="en-US"/>
-              <a:t>Manages how zelig interacts with these models:</a:t>
-            </a:r>
-          </a:p>
-          <a:p>
-            <a:pPr lvl="1"/>
-            <a:r>
-              <a:rPr lang="en-US"/>
-              <a:t>Specifies what function will fit the model</a:t>
-            </a:r>
-          </a:p>
-          <a:p>
-            <a:pPr lvl="1"/>
-            <a:r>
-              <a:rPr lang="en-US"/>
-              <a:t>Specifies parameters</a:t>
-            </a:r>
-          </a:p>
-          <a:p>
-            <a:pPr lvl="1"/>
-            <a:r>
-              <a:rPr lang="en-US"/>
-              <a:t>Manipulates objects</a:t>
+              <a:t>explicitly</a:t>
+            </a:r>
+            <a:r>
+              <a:rPr lang="en-US"/>
+              <a:t> set for the model-fitting function</a:t>
             </a:r>
           </a:p>
         </p:txBody>
@@ -13593,7 +13625,7 @@
 </file>
 
 <file path=ppt/slides/slide47.xml><?xml version="1.0" encoding="utf-8"?>
-<p:sld xmlns:a="http://schemas.openxmlformats.org/drawingml/2006/main" xmlns:r="http://schemas.openxmlformats.org/officeDocument/2006/relationships" xmlns:p="http://schemas.openxmlformats.org/presentationml/2006/main">
+<p:sld xmlns:a="http://schemas.openxmlformats.org/drawingml/2006/main" xmlns:r="http://schemas.openxmlformats.org/officeDocument/2006/relationships" xmlns:mc="http://schemas.openxmlformats.org/markup-compatibility/2006" xmlns:mv="urn:schemas-microsoft-com:mac:vml" xmlns:p="http://schemas.openxmlformats.org/presentationml/2006/main" mc:Ignorable="mv" mc:PreserveAttributes="mv:*">
   <p:cSld>
     <p:spTree>
       <p:nvGrpSpPr>
@@ -13611,12 +13643,12 @@
       </p:grpSpPr>
       <p:sp>
         <p:nvSpPr>
-          <p:cNvPr id="4" name="Title 3"/>
-          <p:cNvSpPr>
-            <a:spLocks noGrp="1"/>
-          </p:cNvSpPr>
-          <p:nvPr>
-            <p:ph type="ctrTitle"/>
+          <p:cNvPr id="2" name="Title 1"/>
+          <p:cNvSpPr>
+            <a:spLocks noGrp="1"/>
+          </p:cNvSpPr>
+          <p:nvPr>
+            <p:ph type="title"/>
           </p:nvPr>
         </p:nvSpPr>
         <p:spPr/>
@@ -13626,19 +13658,19 @@
           <a:p>
             <a:r>
               <a:rPr lang="en-US"/>
-              <a:t>Miscellaneous Topics</a:t>
-            </a:r>
-          </a:p>
-        </p:txBody>
-      </p:sp>
-      <p:sp>
-        <p:nvSpPr>
-          <p:cNvPr id="5" name="Subtitle 4"/>
-          <p:cNvSpPr>
-            <a:spLocks noGrp="1"/>
-          </p:cNvSpPr>
-          <p:nvPr>
-            <p:ph type="subTitle" idx="1"/>
+              <a:t>zelig2</a:t>
+            </a:r>
+          </a:p>
+        </p:txBody>
+      </p:sp>
+      <p:sp>
+        <p:nvSpPr>
+          <p:cNvPr id="3" name="Content Placeholder 2"/>
+          <p:cNvSpPr>
+            <a:spLocks noGrp="1"/>
+          </p:cNvSpPr>
+          <p:nvPr>
+            <p:ph idx="1"/>
           </p:nvPr>
         </p:nvSpPr>
         <p:spPr/>
@@ -13646,7 +13678,54 @@
           <a:bodyPr/>
           <a:lstStyle/>
           <a:p>
-            <a:endParaRPr lang="en-US"/>
+            <a:r>
+              <a:rPr lang="en-US" b="1"/>
+              <a:t>Does not</a:t>
+            </a:r>
+            <a:r>
+              <a:rPr lang="en-US"/>
+              <a:t> fit models itself</a:t>
+            </a:r>
+          </a:p>
+          <a:p>
+            <a:r>
+              <a:rPr lang="en-US"/>
+              <a:t>Uses outside models to fit data</a:t>
+            </a:r>
+          </a:p>
+          <a:p>
+            <a:pPr lvl="1"/>
+            <a:r>
+              <a:rPr lang="en-US"/>
+              <a:t>"lm", "glm", "nlme", etc.</a:t>
+            </a:r>
+          </a:p>
+          <a:p>
+            <a:r>
+              <a:rPr lang="en-US"/>
+              <a:t>Manages how zelig interacts with these models:</a:t>
+            </a:r>
+          </a:p>
+          <a:p>
+            <a:pPr lvl="1"/>
+            <a:r>
+              <a:rPr lang="en-US"/>
+              <a:t>Specifies what function will fit the model</a:t>
+            </a:r>
+          </a:p>
+          <a:p>
+            <a:pPr lvl="1"/>
+            <a:r>
+              <a:rPr lang="en-US"/>
+              <a:t>Specifies parameters</a:t>
+            </a:r>
+          </a:p>
+          <a:p>
+            <a:pPr lvl="1"/>
+            <a:r>
+              <a:rPr lang="en-US"/>
+              <a:t>Manipulates objects</a:t>
+            </a:r>
           </a:p>
         </p:txBody>
       </p:sp>
@@ -13666,7 +13745,7 @@
 </file>
 
 <file path=ppt/slides/slide48.xml><?xml version="1.0" encoding="utf-8"?>
-<p:sld xmlns:a="http://schemas.openxmlformats.org/drawingml/2006/main" xmlns:r="http://schemas.openxmlformats.org/officeDocument/2006/relationships" xmlns:p="http://schemas.openxmlformats.org/presentationml/2006/main">
+<p:sld xmlns:a="http://schemas.openxmlformats.org/drawingml/2006/main" xmlns:r="http://schemas.openxmlformats.org/officeDocument/2006/relationships" xmlns:mc="http://schemas.openxmlformats.org/markup-compatibility/2006" xmlns:mv="urn:schemas-microsoft-com:mac:vml" xmlns:p="http://schemas.openxmlformats.org/presentationml/2006/main" mc:Ignorable="mv" mc:PreserveAttributes="mv:*">
   <p:cSld>
     <p:spTree>
       <p:nvGrpSpPr>
@@ -13684,12 +13763,12 @@
       </p:grpSpPr>
       <p:sp>
         <p:nvSpPr>
-          <p:cNvPr id="2" name="Title 1"/>
-          <p:cNvSpPr>
-            <a:spLocks noGrp="1"/>
-          </p:cNvSpPr>
-          <p:nvPr>
-            <p:ph type="title"/>
+          <p:cNvPr id="4" name="Title 3"/>
+          <p:cNvSpPr>
+            <a:spLocks noGrp="1"/>
+          </p:cNvSpPr>
+          <p:nvPr>
+            <p:ph type="ctrTitle"/>
           </p:nvPr>
         </p:nvSpPr>
         <p:spPr/>
@@ -13699,63 +13778,25 @@
           <a:p>
             <a:r>
               <a:rPr lang="en-US"/>
-              <a:t>Family Objects</a:t>
-            </a:r>
-          </a:p>
-        </p:txBody>
-      </p:sp>
-      <p:sp>
-        <p:nvSpPr>
-          <p:cNvPr id="3" name="Content Placeholder 2"/>
-          <p:cNvSpPr>
-            <a:spLocks noGrp="1"/>
-          </p:cNvSpPr>
-          <p:nvPr>
-            <p:ph idx="1"/>
+              <a:t>Miscellaneous Topics</a:t>
+            </a:r>
+          </a:p>
+        </p:txBody>
+      </p:sp>
+      <p:sp>
+        <p:nvSpPr>
+          <p:cNvPr id="5" name="Subtitle 4"/>
+          <p:cNvSpPr>
+            <a:spLocks noGrp="1"/>
+          </p:cNvSpPr>
+          <p:nvPr>
+            <p:ph type="subTitle" idx="1"/>
           </p:nvPr>
         </p:nvSpPr>
         <p:spPr/>
         <p:txBody>
           <a:bodyPr/>
           <a:lstStyle/>
-          <a:p>
-            <a:r>
-              <a:rPr lang="en-US"/>
-              <a:t>Store information about link functions</a:t>
-            </a:r>
-          </a:p>
-          <a:p>
-            <a:pPr lvl="1"/>
-            <a:r>
-              <a:rPr lang="en-US"/>
-              <a:t>"Link" functions help specify the relationship between the observed value and the underlying linear predictors</a:t>
-            </a:r>
-          </a:p>
-          <a:p>
-            <a:pPr lvl="1"/>
-            <a:r>
-              <a:rPr lang="en-US"/>
-              <a:t>"Inverse Link" simply inverse this process</a:t>
-            </a:r>
-          </a:p>
-          <a:p>
-            <a:r>
-              <a:rPr lang="en-US"/>
-              <a:t>Used by model-fitting functions</a:t>
-            </a:r>
-          </a:p>
-          <a:p>
-            <a:r>
-              <a:rPr lang="en-US"/>
-              <a:t>Inverse link functions are used in qi simulation</a:t>
-            </a:r>
-          </a:p>
-          <a:p>
-            <a:r>
-              <a:rPr lang="en-US"/>
-              <a:t>See help documentation: "?family"</a:t>
-            </a:r>
-          </a:p>
           <a:p>
             <a:endParaRPr lang="en-US"/>
           </a:p>
@@ -13777,7 +13818,7 @@
 </file>
 
 <file path=ppt/slides/slide49.xml><?xml version="1.0" encoding="utf-8"?>
-<p:sld xmlns:a="http://schemas.openxmlformats.org/drawingml/2006/main" xmlns:r="http://schemas.openxmlformats.org/officeDocument/2006/relationships" xmlns:p="http://schemas.openxmlformats.org/presentationml/2006/main">
+<p:sld xmlns:a="http://schemas.openxmlformats.org/drawingml/2006/main" xmlns:r="http://schemas.openxmlformats.org/officeDocument/2006/relationships" xmlns:mc="http://schemas.openxmlformats.org/markup-compatibility/2006" xmlns:mv="urn:schemas-microsoft-com:mac:vml" xmlns:p="http://schemas.openxmlformats.org/presentationml/2006/main" mc:Ignorable="mv" mc:PreserveAttributes="mv:*">
   <p:cSld>
     <p:spTree>
       <p:nvGrpSpPr>
@@ -13795,12 +13836,12 @@
       </p:grpSpPr>
       <p:sp>
         <p:nvSpPr>
-          <p:cNvPr id="6" name="Title 5"/>
-          <p:cNvSpPr>
-            <a:spLocks noGrp="1"/>
-          </p:cNvSpPr>
-          <p:nvPr>
-            <p:ph type="ctrTitle"/>
+          <p:cNvPr id="2" name="Title 1"/>
+          <p:cNvSpPr>
+            <a:spLocks noGrp="1"/>
+          </p:cNvSpPr>
+          <p:nvPr>
+            <p:ph type="title"/>
           </p:nvPr>
         </p:nvSpPr>
         <p:spPr/>
@@ -13810,25 +13851,63 @@
           <a:p>
             <a:r>
               <a:rPr lang="en-US"/>
-              <a:t>Workflow</a:t>
-            </a:r>
-          </a:p>
-        </p:txBody>
-      </p:sp>
-      <p:sp>
-        <p:nvSpPr>
-          <p:cNvPr id="7" name="Subtitle 6"/>
-          <p:cNvSpPr>
-            <a:spLocks noGrp="1"/>
-          </p:cNvSpPr>
-          <p:nvPr>
-            <p:ph type="subTitle" idx="1"/>
+              <a:t>Family Objects</a:t>
+            </a:r>
+          </a:p>
+        </p:txBody>
+      </p:sp>
+      <p:sp>
+        <p:nvSpPr>
+          <p:cNvPr id="3" name="Content Placeholder 2"/>
+          <p:cNvSpPr>
+            <a:spLocks noGrp="1"/>
+          </p:cNvSpPr>
+          <p:nvPr>
+            <p:ph idx="1"/>
           </p:nvPr>
         </p:nvSpPr>
         <p:spPr/>
         <p:txBody>
           <a:bodyPr/>
           <a:lstStyle/>
+          <a:p>
+            <a:r>
+              <a:rPr lang="en-US"/>
+              <a:t>Store information about link functions</a:t>
+            </a:r>
+          </a:p>
+          <a:p>
+            <a:pPr lvl="1"/>
+            <a:r>
+              <a:rPr lang="en-US"/>
+              <a:t>"Link" functions help specify the relationship between the observed value and the underlying linear predictors</a:t>
+            </a:r>
+          </a:p>
+          <a:p>
+            <a:pPr lvl="1"/>
+            <a:r>
+              <a:rPr lang="en-US"/>
+              <a:t>"Inverse Link" simply inverse this process</a:t>
+            </a:r>
+          </a:p>
+          <a:p>
+            <a:r>
+              <a:rPr lang="en-US"/>
+              <a:t>Used by model-fitting functions</a:t>
+            </a:r>
+          </a:p>
+          <a:p>
+            <a:r>
+              <a:rPr lang="en-US"/>
+              <a:t>Inverse link functions are used in qi simulation</a:t>
+            </a:r>
+          </a:p>
+          <a:p>
+            <a:r>
+              <a:rPr lang="en-US"/>
+              <a:t>See help documentation: "?family"</a:t>
+            </a:r>
+          </a:p>
           <a:p>
             <a:endParaRPr lang="en-US"/>
           </a:p>
@@ -13850,7 +13929,7 @@
 </file>
 
 <file path=ppt/slides/slide5.xml><?xml version="1.0" encoding="utf-8"?>
-<p:sld xmlns:a="http://schemas.openxmlformats.org/drawingml/2006/main" xmlns:r="http://schemas.openxmlformats.org/officeDocument/2006/relationships" xmlns:p="http://schemas.openxmlformats.org/presentationml/2006/main">
+<p:sld xmlns:a="http://schemas.openxmlformats.org/drawingml/2006/main" xmlns:r="http://schemas.openxmlformats.org/officeDocument/2006/relationships" xmlns:mc="http://schemas.openxmlformats.org/markup-compatibility/2006" xmlns:mv="urn:schemas-microsoft-com:mac:vml" xmlns:p="http://schemas.openxmlformats.org/presentationml/2006/main" mc:Ignorable="mv" mc:PreserveAttributes="mv:*">
   <p:cSld>
     <p:spTree>
       <p:nvGrpSpPr>
@@ -13868,12 +13947,12 @@
       </p:grpSpPr>
       <p:sp>
         <p:nvSpPr>
-          <p:cNvPr id="2" name="Title 1"/>
-          <p:cNvSpPr>
-            <a:spLocks noGrp="1"/>
-          </p:cNvSpPr>
-          <p:nvPr>
-            <p:ph type="title"/>
+          <p:cNvPr id="4" name="Title 3"/>
+          <p:cNvSpPr>
+            <a:spLocks noGrp="1"/>
+          </p:cNvSpPr>
+          <p:nvPr>
+            <p:ph type="ctrTitle"/>
           </p:nvPr>
         </p:nvSpPr>
         <p:spPr/>
@@ -13882,102 +13961,28 @@
           <a:lstStyle/>
           <a:p>
             <a:r>
-              <a:rPr lang="en-US"/>
-              <a:t>Structure of a Package</a:t>
-            </a:r>
-          </a:p>
-        </p:txBody>
-      </p:sp>
-      <p:sp>
-        <p:nvSpPr>
-          <p:cNvPr id="4" name="Content Placeholder 3"/>
-          <p:cNvSpPr>
-            <a:spLocks noGrp="1"/>
-          </p:cNvSpPr>
-          <p:nvPr>
-            <p:ph idx="1"/>
-          </p:nvPr>
-        </p:nvSpPr>
-        <p:spPr>
-          <a:xfrm>
-            <a:off x="457200" y="1600200"/>
-            <a:ext cx="8229600" cy="4525963"/>
-          </a:xfrm>
-        </p:spPr>
-        <p:txBody>
-          <a:bodyPr>
-            <a:normAutofit lnSpcReduction="10000"/>
-          </a:bodyPr>
-          <a:lstStyle/>
-          <a:p>
-            <a:r>
               <a:rPr lang="en-US" dirty="0" smtClean="0"/>
-              <a:t>Simply a directory </a:t>
-            </a:r>
-          </a:p>
-          <a:p>
-            <a:r>
-              <a:rPr lang="en-US" dirty="0" smtClean="0"/>
-              <a:t>Has two important folders:</a:t>
+              <a:t>What is a statistical package?</a:t>
             </a:r>
             <a:endParaRPr lang="en-US" dirty="0"/>
           </a:p>
-          <a:p>
-            <a:pPr marL="457200" lvl="1" indent="0">
-              <a:buNone/>
-            </a:pPr>
-            <a:r>
-              <a:rPr lang="en-US" sz="4000" b="1" dirty="0" smtClean="0"/>
-              <a:t>R/</a:t>
-            </a:r>
-            <a:endParaRPr lang="en-US" sz="4000" b="1" dirty="0"/>
-          </a:p>
-          <a:p>
-            <a:pPr marL="457200" lvl="1" indent="0">
-              <a:buNone/>
-            </a:pPr>
-            <a:r>
-              <a:rPr lang="en-US" sz="4000" b="1" dirty="0" smtClean="0"/>
-              <a:t>man/</a:t>
-            </a:r>
-            <a:endParaRPr lang="en-US" sz="4000" b="1" dirty="0"/>
-          </a:p>
-          <a:p>
-            <a:r>
-              <a:rPr lang="en-US" dirty="0"/>
-              <a:t>And </a:t>
-            </a:r>
-            <a:r>
-              <a:rPr lang="en-US" dirty="0" smtClean="0"/>
-              <a:t>two important </a:t>
-            </a:r>
-            <a:r>
-              <a:rPr lang="en-US" dirty="0"/>
-              <a:t>files:</a:t>
-            </a:r>
-          </a:p>
-          <a:p>
-            <a:pPr marL="457200" lvl="1" indent="0">
-              <a:buNone/>
-            </a:pPr>
-            <a:r>
-              <a:rPr lang="en-US" sz="4000" b="1" dirty="0"/>
-              <a:t>DESCRIPTION</a:t>
-            </a:r>
-          </a:p>
-          <a:p>
-            <a:pPr marL="457200" lvl="1" indent="0">
-              <a:buNone/>
-            </a:pPr>
-            <a:r>
-              <a:rPr lang="en-US" sz="4000" b="1" dirty="0"/>
-              <a:t>NAMESPACE</a:t>
-            </a:r>
-          </a:p>
-          <a:p>
-            <a:pPr>
-              <a:buNone/>
-            </a:pPr>
+        </p:txBody>
+      </p:sp>
+      <p:sp>
+        <p:nvSpPr>
+          <p:cNvPr id="5" name="Subtitle 4"/>
+          <p:cNvSpPr>
+            <a:spLocks noGrp="1"/>
+          </p:cNvSpPr>
+          <p:nvPr>
+            <p:ph type="subTitle" idx="1"/>
+          </p:nvPr>
+        </p:nvSpPr>
+        <p:spPr/>
+        <p:txBody>
+          <a:bodyPr/>
+          <a:lstStyle/>
+          <a:p>
             <a:endParaRPr lang="en-US" dirty="0"/>
           </a:p>
         </p:txBody>
@@ -13985,7 +13990,7 @@
     </p:spTree>
     <p:extLst>
       <p:ext uri="{BB962C8B-B14F-4D97-AF65-F5344CB8AC3E}">
-        <p14:creationId xmlns:p14="http://schemas.microsoft.com/office/powerpoint/2010/main" val="1501347142"/>
+        <p14:creationId xmlns:p14="http://schemas.microsoft.com/office/powerpoint/2010/main" xmlns:p="http://schemas.openxmlformats.org/presentationml/2006/main" xmlns:r="http://schemas.openxmlformats.org/officeDocument/2006/relationships" xmlns:a="http://schemas.openxmlformats.org/drawingml/2006/main" xmlns="" val="2238547365"/>
       </p:ext>
     </p:extLst>
   </p:cSld>
@@ -14003,7 +14008,7 @@
 </file>
 
 <file path=ppt/slides/slide50.xml><?xml version="1.0" encoding="utf-8"?>
-<p:sld xmlns:a="http://schemas.openxmlformats.org/drawingml/2006/main" xmlns:r="http://schemas.openxmlformats.org/officeDocument/2006/relationships" xmlns:p="http://schemas.openxmlformats.org/presentationml/2006/main">
+<p:sld xmlns:a="http://schemas.openxmlformats.org/drawingml/2006/main" xmlns:r="http://schemas.openxmlformats.org/officeDocument/2006/relationships" xmlns:mc="http://schemas.openxmlformats.org/markup-compatibility/2006" xmlns:mv="urn:schemas-microsoft-com:mac:vml" xmlns:p="http://schemas.openxmlformats.org/presentationml/2006/main" mc:Ignorable="mv" mc:PreserveAttributes="mv:*">
   <p:cSld>
     <p:spTree>
       <p:nvGrpSpPr>
@@ -14021,12 +14026,12 @@
       </p:grpSpPr>
       <p:sp>
         <p:nvSpPr>
-          <p:cNvPr id="2" name="Title 1"/>
-          <p:cNvSpPr>
-            <a:spLocks noGrp="1"/>
-          </p:cNvSpPr>
-          <p:nvPr>
-            <p:ph type="title"/>
+          <p:cNvPr id="6" name="Title 5"/>
+          <p:cNvSpPr>
+            <a:spLocks noGrp="1"/>
+          </p:cNvSpPr>
+          <p:nvPr>
+            <p:ph type="ctrTitle"/>
           </p:nvPr>
         </p:nvSpPr>
         <p:spPr/>
@@ -14043,12 +14048,12 @@
       </p:sp>
       <p:sp>
         <p:nvSpPr>
-          <p:cNvPr id="3" name="Content Placeholder 2"/>
-          <p:cNvSpPr>
-            <a:spLocks noGrp="1"/>
-          </p:cNvSpPr>
-          <p:nvPr>
-            <p:ph idx="1"/>
+          <p:cNvPr id="7" name="Subtitle 6"/>
+          <p:cNvSpPr>
+            <a:spLocks noGrp="1"/>
+          </p:cNvSpPr>
+          <p:nvPr>
+            <p:ph type="subTitle" idx="1"/>
           </p:nvPr>
         </p:nvSpPr>
         <p:spPr/>
@@ -14056,45 +14061,7 @@
           <a:bodyPr/>
           <a:lstStyle/>
           <a:p>
-            <a:r>
-              <a:rPr lang="en-US" dirty="0"/>
-              <a:t>Find existing model</a:t>
-            </a:r>
-          </a:p>
-          <a:p>
-            <a:r>
-              <a:rPr lang="en-US" dirty="0"/>
-              <a:t>Determine what the arguments are</a:t>
-            </a:r>
-          </a:p>
-          <a:p>
-            <a:r>
-              <a:rPr lang="en-US" dirty="0"/>
-              <a:t>Return a list at the bottom of the function</a:t>
-            </a:r>
-          </a:p>
-          <a:p>
-            <a:r>
-              <a:rPr lang="en-US" dirty="0"/>
-              <a:t>Manipulate objects</a:t>
-            </a:r>
-          </a:p>
-          <a:p>
-            <a:r>
-              <a:rPr lang="en-US" dirty="0"/>
-              <a:t>Write </a:t>
-            </a:r>
-            <a:r>
-              <a:rPr lang="en-US" dirty="0" smtClean="0"/>
-              <a:t>warnings</a:t>
-            </a:r>
-            <a:endParaRPr lang="en-US" dirty="0"/>
-          </a:p>
-          <a:p>
-            <a:r>
-              <a:rPr lang="en-US" dirty="0"/>
-              <a:t>Document</a:t>
-            </a:r>
+            <a:endParaRPr lang="en-US"/>
           </a:p>
         </p:txBody>
       </p:sp>
@@ -14114,7 +14081,7 @@
 </file>
 
 <file path=ppt/slides/slide51.xml><?xml version="1.0" encoding="utf-8"?>
-<p:sld xmlns:a="http://schemas.openxmlformats.org/drawingml/2006/main" xmlns:r="http://schemas.openxmlformats.org/officeDocument/2006/relationships" xmlns:p="http://schemas.openxmlformats.org/presentationml/2006/main">
+<p:sld xmlns:a="http://schemas.openxmlformats.org/drawingml/2006/main" xmlns:r="http://schemas.openxmlformats.org/officeDocument/2006/relationships" xmlns:mc="http://schemas.openxmlformats.org/markup-compatibility/2006" xmlns:mv="urn:schemas-microsoft-com:mac:vml" xmlns:p="http://schemas.openxmlformats.org/presentationml/2006/main" mc:Ignorable="mv" mc:PreserveAttributes="mv:*">
   <p:cSld>
     <p:spTree>
       <p:nvGrpSpPr>
@@ -14146,6 +14113,117 @@
           <a:lstStyle/>
           <a:p>
             <a:r>
+              <a:rPr lang="en-US"/>
+              <a:t>Workflow</a:t>
+            </a:r>
+          </a:p>
+        </p:txBody>
+      </p:sp>
+      <p:sp>
+        <p:nvSpPr>
+          <p:cNvPr id="3" name="Content Placeholder 2"/>
+          <p:cNvSpPr>
+            <a:spLocks noGrp="1"/>
+          </p:cNvSpPr>
+          <p:nvPr>
+            <p:ph idx="1"/>
+          </p:nvPr>
+        </p:nvSpPr>
+        <p:spPr/>
+        <p:txBody>
+          <a:bodyPr/>
+          <a:lstStyle/>
+          <a:p>
+            <a:r>
+              <a:rPr lang="en-US" dirty="0"/>
+              <a:t>Find existing model</a:t>
+            </a:r>
+          </a:p>
+          <a:p>
+            <a:r>
+              <a:rPr lang="en-US" dirty="0"/>
+              <a:t>Determine what the arguments are</a:t>
+            </a:r>
+          </a:p>
+          <a:p>
+            <a:r>
+              <a:rPr lang="en-US" dirty="0"/>
+              <a:t>Return a list at the bottom of the function</a:t>
+            </a:r>
+          </a:p>
+          <a:p>
+            <a:r>
+              <a:rPr lang="en-US" dirty="0"/>
+              <a:t>Manipulate objects</a:t>
+            </a:r>
+          </a:p>
+          <a:p>
+            <a:r>
+              <a:rPr lang="en-US" dirty="0"/>
+              <a:t>Write </a:t>
+            </a:r>
+            <a:r>
+              <a:rPr lang="en-US" dirty="0" smtClean="0"/>
+              <a:t>warnings</a:t>
+            </a:r>
+            <a:endParaRPr lang="en-US" dirty="0"/>
+          </a:p>
+          <a:p>
+            <a:r>
+              <a:rPr lang="en-US" dirty="0"/>
+              <a:t>Document</a:t>
+            </a:r>
+          </a:p>
+        </p:txBody>
+      </p:sp>
+    </p:spTree>
+  </p:cSld>
+  <p:clrMapOvr>
+    <a:masterClrMapping/>
+  </p:clrMapOvr>
+  <p:timing>
+    <p:tnLst>
+      <p:par>
+        <p:cTn id="1" dur="indefinite" restart="never" nodeType="tmRoot"/>
+      </p:par>
+    </p:tnLst>
+  </p:timing>
+</p:sld>
+</file>
+
+<file path=ppt/slides/slide52.xml><?xml version="1.0" encoding="utf-8"?>
+<p:sld xmlns:a="http://schemas.openxmlformats.org/drawingml/2006/main" xmlns:r="http://schemas.openxmlformats.org/officeDocument/2006/relationships" xmlns:mc="http://schemas.openxmlformats.org/markup-compatibility/2006" xmlns:mv="urn:schemas-microsoft-com:mac:vml" xmlns:p="http://schemas.openxmlformats.org/presentationml/2006/main" mc:Ignorable="mv" mc:PreserveAttributes="mv:*">
+  <p:cSld>
+    <p:spTree>
+      <p:nvGrpSpPr>
+        <p:cNvPr id="1" name=""/>
+        <p:cNvGrpSpPr/>
+        <p:nvPr/>
+      </p:nvGrpSpPr>
+      <p:grpSpPr>
+        <a:xfrm>
+          <a:off x="0" y="0"/>
+          <a:ext cx="0" cy="0"/>
+          <a:chOff x="0" y="0"/>
+          <a:chExt cx="0" cy="0"/>
+        </a:xfrm>
+      </p:grpSpPr>
+      <p:sp>
+        <p:nvSpPr>
+          <p:cNvPr id="2" name="Title 1"/>
+          <p:cNvSpPr>
+            <a:spLocks noGrp="1"/>
+          </p:cNvSpPr>
+          <p:nvPr>
+            <p:ph type="title"/>
+          </p:nvPr>
+        </p:nvSpPr>
+        <p:spPr/>
+        <p:txBody>
+          <a:bodyPr/>
+          <a:lstStyle/>
+          <a:p>
+            <a:r>
               <a:rPr lang="en-US" dirty="0" smtClean="0"/>
               <a:t>Workflow</a:t>
             </a:r>
@@ -14211,7 +14289,7 @@
     </p:spTree>
     <p:extLst>
       <p:ext uri="{BB962C8B-B14F-4D97-AF65-F5344CB8AC3E}">
-        <p14:creationId xmlns:p14="http://schemas.microsoft.com/office/powerpoint/2010/main" val="3145060271"/>
+        <p14:creationId xmlns:p14="http://schemas.microsoft.com/office/powerpoint/2010/main" xmlns:p="http://schemas.openxmlformats.org/presentationml/2006/main" xmlns:r="http://schemas.openxmlformats.org/officeDocument/2006/relationships" xmlns:a="http://schemas.openxmlformats.org/drawingml/2006/main" xmlns="" val="3145060271"/>
       </p:ext>
     </p:extLst>
   </p:cSld>
@@ -14228,8 +14306,8 @@
 </p:sld>
 </file>
 
-<file path=ppt/slides/slide52.xml><?xml version="1.0" encoding="utf-8"?>
-<p:sld xmlns:a="http://schemas.openxmlformats.org/drawingml/2006/main" xmlns:r="http://schemas.openxmlformats.org/officeDocument/2006/relationships" xmlns:p="http://schemas.openxmlformats.org/presentationml/2006/main">
+<file path=ppt/slides/slide53.xml><?xml version="1.0" encoding="utf-8"?>
+<p:sld xmlns:a="http://schemas.openxmlformats.org/drawingml/2006/main" xmlns:r="http://schemas.openxmlformats.org/officeDocument/2006/relationships" xmlns:mc="http://schemas.openxmlformats.org/markup-compatibility/2006" xmlns:mv="urn:schemas-microsoft-com:mac:vml" xmlns:p="http://schemas.openxmlformats.org/presentationml/2006/main" mc:Ignorable="mv" mc:PreserveAttributes="mv:*">
   <p:cSld>
     <p:spTree>
       <p:nvGrpSpPr>
@@ -14344,7 +14422,7 @@
     </p:spTree>
     <p:extLst>
       <p:ext uri="{BB962C8B-B14F-4D97-AF65-F5344CB8AC3E}">
-        <p14:creationId xmlns:p14="http://schemas.microsoft.com/office/powerpoint/2010/main" val="1712515247"/>
+        <p14:creationId xmlns:p14="http://schemas.microsoft.com/office/powerpoint/2010/main" xmlns:p="http://schemas.openxmlformats.org/presentationml/2006/main" xmlns:r="http://schemas.openxmlformats.org/officeDocument/2006/relationships" xmlns:a="http://schemas.openxmlformats.org/drawingml/2006/main" xmlns="" val="1712515247"/>
       </p:ext>
     </p:extLst>
   </p:cSld>
@@ -14362,7 +14440,7 @@
 </file>
 
 <file path=ppt/slides/slide6.xml><?xml version="1.0" encoding="utf-8"?>
-<p:sld xmlns:a="http://schemas.openxmlformats.org/drawingml/2006/main" xmlns:r="http://schemas.openxmlformats.org/officeDocument/2006/relationships" xmlns:p="http://schemas.openxmlformats.org/presentationml/2006/main">
+<p:sld xmlns:a="http://schemas.openxmlformats.org/drawingml/2006/main" xmlns:r="http://schemas.openxmlformats.org/officeDocument/2006/relationships" xmlns:mc="http://schemas.openxmlformats.org/markup-compatibility/2006" xmlns:mv="urn:schemas-microsoft-com:mac:vml" xmlns:p="http://schemas.openxmlformats.org/presentationml/2006/main" mc:Ignorable="mv" mc:PreserveAttributes="mv:*">
   <p:cSld>
     <p:spTree>
       <p:nvGrpSpPr>
@@ -14390,94 +14468,106 @@
         </p:nvSpPr>
         <p:spPr/>
         <p:txBody>
+          <a:bodyPr/>
+          <a:lstStyle/>
+          <a:p>
+            <a:r>
+              <a:rPr lang="en-US"/>
+              <a:t>Structure of a Package</a:t>
+            </a:r>
+          </a:p>
+        </p:txBody>
+      </p:sp>
+      <p:sp>
+        <p:nvSpPr>
+          <p:cNvPr id="4" name="Content Placeholder 3"/>
+          <p:cNvSpPr>
+            <a:spLocks noGrp="1"/>
+          </p:cNvSpPr>
+          <p:nvPr>
+            <p:ph idx="1"/>
+          </p:nvPr>
+        </p:nvSpPr>
+        <p:spPr>
+          <a:xfrm>
+            <a:off x="457200" y="1600200"/>
+            <a:ext cx="8229600" cy="4525963"/>
+          </a:xfrm>
+        </p:spPr>
+        <p:txBody>
           <a:bodyPr>
-            <a:normAutofit fontScale="90000"/>
+            <a:normAutofit lnSpcReduction="10000"/>
           </a:bodyPr>
           <a:lstStyle/>
           <a:p>
             <a:r>
+              <a:rPr lang="en-US" dirty="0" smtClean="0"/>
+              <a:t>Simply a directory </a:t>
+            </a:r>
+          </a:p>
+          <a:p>
+            <a:r>
+              <a:rPr lang="en-US" dirty="0" smtClean="0"/>
+              <a:t>Has two important folders:</a:t>
+            </a:r>
+            <a:endParaRPr lang="en-US" dirty="0"/>
+          </a:p>
+          <a:p>
+            <a:pPr marL="457200" lvl="1" indent="0">
+              <a:buNone/>
+            </a:pPr>
+            <a:r>
+              <a:rPr lang="en-US" sz="4000" b="1" dirty="0" smtClean="0"/>
+              <a:t>R/</a:t>
+            </a:r>
+            <a:endParaRPr lang="en-US" sz="4000" b="1" dirty="0"/>
+          </a:p>
+          <a:p>
+            <a:pPr marL="457200" lvl="1" indent="0">
+              <a:buNone/>
+            </a:pPr>
+            <a:r>
+              <a:rPr lang="en-US" sz="4000" b="1" dirty="0" smtClean="0"/>
+              <a:t>man/</a:t>
+            </a:r>
+            <a:endParaRPr lang="en-US" sz="4000" b="1" dirty="0"/>
+          </a:p>
+          <a:p>
+            <a:r>
               <a:rPr lang="en-US" dirty="0"/>
-              <a:t>Structure of a Package</a:t>
-            </a:r>
-            <a:br>
+              <a:t>And </a:t>
+            </a:r>
+            <a:r>
+              <a:rPr lang="en-US" dirty="0" smtClean="0"/>
+              <a:t>two important </a:t>
+            </a:r>
+            <a:r>
               <a:rPr lang="en-US" dirty="0"/>
-            </a:br>
-            <a:r>
-              <a:rPr lang="en-US" dirty="0" smtClean="0"/>
-              <a:t>(the </a:t>
-            </a:r>
-            <a:r>
-              <a:rPr lang="en-US" dirty="0"/>
-              <a:t>"</a:t>
-            </a:r>
-            <a:r>
-              <a:rPr lang="en-US" b="1" dirty="0"/>
-              <a:t>R</a:t>
-            </a:r>
-            <a:r>
-              <a:rPr lang="en-US" dirty="0"/>
-              <a:t>" </a:t>
-            </a:r>
-            <a:r>
-              <a:rPr lang="en-US" dirty="0" smtClean="0"/>
-              <a:t>folder</a:t>
-            </a:r>
-            <a:r>
-              <a:rPr lang="en-US" dirty="0"/>
-              <a:t>)</a:t>
-            </a:r>
-          </a:p>
-        </p:txBody>
-      </p:sp>
-      <p:sp>
-        <p:nvSpPr>
-          <p:cNvPr id="3" name="Content Placeholder 2"/>
-          <p:cNvSpPr>
-            <a:spLocks noGrp="1"/>
-          </p:cNvSpPr>
-          <p:nvPr>
-            <p:ph idx="1"/>
-          </p:nvPr>
-        </p:nvSpPr>
-        <p:spPr/>
-        <p:txBody>
-          <a:bodyPr/>
-          <a:lstStyle/>
-          <a:p>
-            <a:r>
-              <a:rPr lang="en-US" dirty="0" smtClean="0"/>
-              <a:t>Contains the R source code for the entire package</a:t>
-            </a:r>
-          </a:p>
-          <a:p>
-            <a:r>
-              <a:rPr lang="en-US" dirty="0" smtClean="0"/>
-              <a:t>All files end with </a:t>
-            </a:r>
-            <a:r>
-              <a:rPr lang="en-US" dirty="0"/>
-              <a:t>"</a:t>
-            </a:r>
-            <a:r>
-              <a:rPr lang="en-US" b="1" dirty="0"/>
-              <a:t>.R</a:t>
-            </a:r>
-            <a:r>
-              <a:rPr lang="en-US" dirty="0"/>
-              <a:t>"</a:t>
-            </a:r>
-          </a:p>
-          <a:p>
-            <a:r>
-              <a:rPr lang="en-US" dirty="0" smtClean="0"/>
-              <a:t>Code </a:t>
-            </a:r>
-            <a:r>
-              <a:rPr lang="en-US" dirty="0"/>
-              <a:t>written in R should always be kept in this folder</a:t>
-            </a:r>
-          </a:p>
-          <a:p>
+              <a:t>files:</a:t>
+            </a:r>
+          </a:p>
+          <a:p>
+            <a:pPr marL="457200" lvl="1" indent="0">
+              <a:buNone/>
+            </a:pPr>
+            <a:r>
+              <a:rPr lang="en-US" sz="4000" b="1" dirty="0"/>
+              <a:t>DESCRIPTION</a:t>
+            </a:r>
+          </a:p>
+          <a:p>
+            <a:pPr marL="457200" lvl="1" indent="0">
+              <a:buNone/>
+            </a:pPr>
+            <a:r>
+              <a:rPr lang="en-US" sz="4000" b="1" dirty="0"/>
+              <a:t>NAMESPACE</a:t>
+            </a:r>
+          </a:p>
+          <a:p>
+            <a:pPr>
+              <a:buNone/>
+            </a:pPr>
             <a:endParaRPr lang="en-US" dirty="0"/>
           </a:p>
         </p:txBody>
@@ -14485,7 +14575,7 @@
     </p:spTree>
     <p:extLst>
       <p:ext uri="{BB962C8B-B14F-4D97-AF65-F5344CB8AC3E}">
-        <p14:creationId xmlns:p14="http://schemas.microsoft.com/office/powerpoint/2010/main" val="3623617875"/>
+        <p14:creationId xmlns:p14="http://schemas.microsoft.com/office/powerpoint/2010/main" xmlns:p="http://schemas.openxmlformats.org/presentationml/2006/main" xmlns:r="http://schemas.openxmlformats.org/officeDocument/2006/relationships" xmlns:a="http://schemas.openxmlformats.org/drawingml/2006/main" xmlns="" val="1501347142"/>
       </p:ext>
     </p:extLst>
   </p:cSld>
@@ -14503,7 +14593,7 @@
 </file>
 
 <file path=ppt/slides/slide7.xml><?xml version="1.0" encoding="utf-8"?>
-<p:sld xmlns:a="http://schemas.openxmlformats.org/drawingml/2006/main" xmlns:r="http://schemas.openxmlformats.org/officeDocument/2006/relationships" xmlns:p="http://schemas.openxmlformats.org/presentationml/2006/main">
+<p:sld xmlns:a="http://schemas.openxmlformats.org/drawingml/2006/main" xmlns:r="http://schemas.openxmlformats.org/officeDocument/2006/relationships" xmlns:mc="http://schemas.openxmlformats.org/markup-compatibility/2006" xmlns:mv="urn:schemas-microsoft-com:mac:vml" xmlns:p="http://schemas.openxmlformats.org/presentationml/2006/main" mc:Ignorable="mv" mc:PreserveAttributes="mv:*">
   <p:cSld>
     <p:spTree>
       <p:nvGrpSpPr>
@@ -14553,7 +14643,7 @@
             </a:r>
             <a:r>
               <a:rPr lang="en-US" b="1" dirty="0"/>
-              <a:t>man</a:t>
+              <a:t>R</a:t>
             </a:r>
             <a:r>
               <a:rPr lang="en-US" dirty="0"/>
@@ -14587,57 +14677,46 @@
           <a:p>
             <a:r>
               <a:rPr lang="en-US" dirty="0" smtClean="0"/>
-              <a:t>Contains </a:t>
-            </a:r>
-            <a:r>
-              <a:rPr lang="en-US" dirty="0"/>
-              <a:t>the help documentation</a:t>
-            </a:r>
-          </a:p>
-          <a:p>
-            <a:r>
-              <a:rPr lang="en-US" dirty="0"/>
-              <a:t>All files </a:t>
-            </a:r>
+              <a:t>Contains the R source code for the entire package</a:t>
+            </a:r>
+          </a:p>
+          <a:p>
             <a:r>
               <a:rPr lang="en-US" dirty="0" smtClean="0"/>
-              <a:t>end with "</a:t>
-            </a:r>
-            <a:r>
-              <a:rPr lang="en-US" b="1" dirty="0" smtClean="0"/>
-              <a:t>.Rd</a:t>
+              <a:t>All files end with </a:t>
             </a:r>
             <a:r>
               <a:rPr lang="en-US" dirty="0"/>
               <a:t>"</a:t>
             </a:r>
-          </a:p>
-          <a:p>
+            <a:r>
+              <a:rPr lang="en-US" b="1" dirty="0"/>
+              <a:t>.R</a:t>
+            </a:r>
             <a:r>
               <a:rPr lang="en-US" dirty="0"/>
-              <a:t>Rd documents are written in a </a:t>
-            </a:r>
-            <a:r>
-              <a:rPr lang="en-US" dirty="0" err="1"/>
-              <a:t>LaTeX</a:t>
+              <a:t>"</a:t>
+            </a:r>
+          </a:p>
+          <a:p>
+            <a:r>
+              <a:rPr lang="en-US" dirty="0" smtClean="0"/>
+              <a:t>Code </a:t>
             </a:r>
             <a:r>
               <a:rPr lang="en-US" dirty="0"/>
-              <a:t>-like language</a:t>
-            </a:r>
-          </a:p>
-          <a:p>
-            <a:r>
-              <a:rPr lang="en-US" sz="2400" dirty="0"/>
-              <a:t>http://cran.r-project.org/doc/manuals/R-exts.html#Rd-format</a:t>
-            </a:r>
+              <a:t>written in R should always be kept in this folder</a:t>
+            </a:r>
+          </a:p>
+          <a:p>
+            <a:endParaRPr lang="en-US" dirty="0"/>
           </a:p>
         </p:txBody>
       </p:sp>
     </p:spTree>
     <p:extLst>
       <p:ext uri="{BB962C8B-B14F-4D97-AF65-F5344CB8AC3E}">
-        <p14:creationId xmlns:p14="http://schemas.microsoft.com/office/powerpoint/2010/main" val="70992702"/>
+        <p14:creationId xmlns:p14="http://schemas.microsoft.com/office/powerpoint/2010/main" xmlns:p="http://schemas.openxmlformats.org/presentationml/2006/main" xmlns:r="http://schemas.openxmlformats.org/officeDocument/2006/relationships" xmlns:a="http://schemas.openxmlformats.org/drawingml/2006/main" xmlns="" val="3623617875"/>
       </p:ext>
     </p:extLst>
   </p:cSld>
@@ -14655,7 +14734,7 @@
 </file>
 
 <file path=ppt/slides/slide8.xml><?xml version="1.0" encoding="utf-8"?>
-<p:sld xmlns:a="http://schemas.openxmlformats.org/drawingml/2006/main" xmlns:r="http://schemas.openxmlformats.org/officeDocument/2006/relationships" xmlns:p="http://schemas.openxmlformats.org/presentationml/2006/main">
+<p:sld xmlns:a="http://schemas.openxmlformats.org/drawingml/2006/main" xmlns:r="http://schemas.openxmlformats.org/officeDocument/2006/relationships" xmlns:mc="http://schemas.openxmlformats.org/markup-compatibility/2006" xmlns:mv="urn:schemas-microsoft-com:mac:vml" xmlns:p="http://schemas.openxmlformats.org/presentationml/2006/main" mc:Ignorable="mv" mc:PreserveAttributes="mv:*">
   <p:cSld>
     <p:spTree>
       <p:nvGrpSpPr>
@@ -14689,79 +14768,99 @@
           <a:lstStyle/>
           <a:p>
             <a:r>
+              <a:rPr lang="en-US" dirty="0"/>
+              <a:t>Structure of a Package</a:t>
+            </a:r>
+            <a:br>
+              <a:rPr lang="en-US" dirty="0"/>
+            </a:br>
+            <a:r>
               <a:rPr lang="en-US" dirty="0" smtClean="0"/>
-              <a:t>Structure of a Package</a:t>
-            </a:r>
-            <a:br>
+              <a:t>(the </a:t>
+            </a:r>
+            <a:r>
+              <a:rPr lang="en-US" dirty="0"/>
+              <a:t>"</a:t>
+            </a:r>
+            <a:r>
+              <a:rPr lang="en-US" b="1" dirty="0"/>
+              <a:t>man</a:t>
+            </a:r>
+            <a:r>
+              <a:rPr lang="en-US" dirty="0"/>
+              <a:t>" </a:t>
+            </a:r>
+            <a:r>
               <a:rPr lang="en-US" dirty="0" smtClean="0"/>
-            </a:br>
+              <a:t>folder</a:t>
+            </a:r>
+            <a:r>
+              <a:rPr lang="en-US" dirty="0"/>
+              <a:t>)</a:t>
+            </a:r>
+          </a:p>
+        </p:txBody>
+      </p:sp>
+      <p:sp>
+        <p:nvSpPr>
+          <p:cNvPr id="3" name="Content Placeholder 2"/>
+          <p:cNvSpPr>
+            <a:spLocks noGrp="1"/>
+          </p:cNvSpPr>
+          <p:nvPr>
+            <p:ph idx="1"/>
+          </p:nvPr>
+        </p:nvSpPr>
+        <p:spPr/>
+        <p:txBody>
+          <a:bodyPr/>
+          <a:lstStyle/>
+          <a:p>
             <a:r>
               <a:rPr lang="en-US" dirty="0" smtClean="0"/>
-              <a:t>(the "</a:t>
+              <a:t>Contains </a:t>
+            </a:r>
+            <a:r>
+              <a:rPr lang="en-US" dirty="0"/>
+              <a:t>the help documentation</a:t>
+            </a:r>
+          </a:p>
+          <a:p>
+            <a:r>
+              <a:rPr lang="en-US" dirty="0"/>
+              <a:t>All files </a:t>
+            </a:r>
+            <a:r>
+              <a:rPr lang="en-US" dirty="0" smtClean="0"/>
+              <a:t>end with "</a:t>
             </a:r>
             <a:r>
               <a:rPr lang="en-US" b="1" dirty="0" smtClean="0"/>
-              <a:t>DESCRIPTION</a:t>
-            </a:r>
-            <a:r>
-              <a:rPr lang="en-US" dirty="0" smtClean="0"/>
-              <a:t>" file)</a:t>
-            </a:r>
-            <a:endParaRPr lang="en-US" dirty="0"/>
-          </a:p>
-        </p:txBody>
-      </p:sp>
-      <p:sp>
-        <p:nvSpPr>
-          <p:cNvPr id="3" name="Content Placeholder 2"/>
-          <p:cNvSpPr>
-            <a:spLocks noGrp="1"/>
-          </p:cNvSpPr>
-          <p:nvPr>
-            <p:ph idx="1"/>
-          </p:nvPr>
-        </p:nvSpPr>
-        <p:spPr/>
-        <p:txBody>
-          <a:bodyPr/>
-          <a:lstStyle/>
-          <a:p>
-            <a:r>
-              <a:rPr lang="en-US"/>
-              <a:t>Contains several fields used to specify information about the statistical package</a:t>
-            </a:r>
-          </a:p>
-          <a:p>
-            <a:r>
-              <a:rPr lang="en-US"/>
-              <a:t>Most important are:</a:t>
-            </a:r>
-          </a:p>
-          <a:p>
-            <a:pPr lvl="1"/>
-            <a:r>
-              <a:rPr lang="en-US"/>
-              <a:t>Package</a:t>
-            </a:r>
-          </a:p>
-          <a:p>
-            <a:pPr lvl="1"/>
-            <a:r>
-              <a:rPr lang="en-US"/>
-              <a:t>Depends</a:t>
-            </a:r>
-          </a:p>
-          <a:p>
-            <a:pPr lvl="1"/>
-            <a:r>
-              <a:rPr lang="en-US"/>
-              <a:t>Author</a:t>
-            </a:r>
-          </a:p>
-          <a:p>
-            <a:r>
-              <a:rPr lang="en-US" sz="2000"/>
-              <a:t>http://cran.r-project.org/doc/manuals/R-exts.html#The-DESCRIPTION-file</a:t>
+              <a:t>.Rd</a:t>
+            </a:r>
+            <a:r>
+              <a:rPr lang="en-US" dirty="0"/>
+              <a:t>"</a:t>
+            </a:r>
+          </a:p>
+          <a:p>
+            <a:r>
+              <a:rPr lang="en-US" dirty="0"/>
+              <a:t>Rd documents are written in a </a:t>
+            </a:r>
+            <a:r>
+              <a:rPr lang="en-US" dirty="0" err="1"/>
+              <a:t>LaTeX</a:t>
+            </a:r>
+            <a:r>
+              <a:rPr lang="en-US" dirty="0"/>
+              <a:t>-like language</a:t>
+            </a:r>
+          </a:p>
+          <a:p>
+            <a:r>
+              <a:rPr lang="en-US" sz="2400" dirty="0"/>
+              <a:t>http://cran.r-project.org/doc/manuals/R-exts.html#Rd-format</a:t>
             </a:r>
           </a:p>
         </p:txBody>
@@ -14769,7 +14868,7 @@
     </p:spTree>
     <p:extLst>
       <p:ext uri="{BB962C8B-B14F-4D97-AF65-F5344CB8AC3E}">
-        <p14:creationId xmlns:p14="http://schemas.microsoft.com/office/powerpoint/2010/main" val="2872122745"/>
+        <p14:creationId xmlns:p14="http://schemas.microsoft.com/office/powerpoint/2010/main" xmlns:p="http://schemas.openxmlformats.org/presentationml/2006/main" xmlns:r="http://schemas.openxmlformats.org/officeDocument/2006/relationships" xmlns:a="http://schemas.openxmlformats.org/drawingml/2006/main" xmlns="" val="70992702"/>
       </p:ext>
     </p:extLst>
   </p:cSld>
@@ -14787,7 +14886,7 @@
 </file>
 
 <file path=ppt/slides/slide9.xml><?xml version="1.0" encoding="utf-8"?>
-<p:sld xmlns:a="http://schemas.openxmlformats.org/drawingml/2006/main" xmlns:r="http://schemas.openxmlformats.org/officeDocument/2006/relationships" xmlns:p="http://schemas.openxmlformats.org/presentationml/2006/main">
+<p:sld xmlns:a="http://schemas.openxmlformats.org/drawingml/2006/main" xmlns:r="http://schemas.openxmlformats.org/officeDocument/2006/relationships" xmlns:mc="http://schemas.openxmlformats.org/markup-compatibility/2006" xmlns:mv="urn:schemas-microsoft-com:mac:vml" xmlns:p="http://schemas.openxmlformats.org/presentationml/2006/main" mc:Ignorable="mv" mc:PreserveAttributes="mv:*">
   <p:cSld>
     <p:spTree>
       <p:nvGrpSpPr>
@@ -14821,36 +14920,25 @@
           <a:lstStyle/>
           <a:p>
             <a:r>
-              <a:rPr lang="en-US" dirty="0"/>
+              <a:rPr lang="en-US" dirty="0" smtClean="0"/>
               <a:t>Structure of a Package</a:t>
             </a:r>
             <a:br>
-              <a:rPr lang="en-US" dirty="0"/>
+              <a:rPr lang="en-US" dirty="0" smtClean="0"/>
             </a:br>
             <a:r>
               <a:rPr lang="en-US" dirty="0" smtClean="0"/>
-              <a:t>(the </a:t>
-            </a:r>
-            <a:r>
-              <a:rPr lang="en-US" dirty="0"/>
-              <a:t>"</a:t>
-            </a:r>
-            <a:r>
-              <a:rPr lang="en-US" b="1" dirty="0"/>
-              <a:t>NAMESPACE</a:t>
-            </a:r>
-            <a:r>
-              <a:rPr lang="en-US" dirty="0"/>
-              <a:t>" </a:t>
+              <a:t>(the "</a:t>
+            </a:r>
+            <a:r>
+              <a:rPr lang="en-US" b="1" dirty="0" smtClean="0"/>
+              <a:t>DESCRIPTION</a:t>
             </a:r>
             <a:r>
               <a:rPr lang="en-US" dirty="0" smtClean="0"/>
-              <a:t>file</a:t>
-            </a:r>
-            <a:r>
-              <a:rPr lang="en-US" dirty="0"/>
-              <a:t>)</a:t>
-            </a:r>
+              <a:t>" file)</a:t>
+            </a:r>
+            <a:endParaRPr lang="en-US" dirty="0"/>
           </a:p>
         </p:txBody>
       </p:sp>
@@ -14871,19 +14959,40 @@
           <a:p>
             <a:r>
               <a:rPr lang="en-US"/>
-              <a:t>For the novice, the default "NAMESPACE" file should suffice</a:t>
-            </a:r>
-          </a:p>
-          <a:p>
-            <a:r>
-              <a:rPr lang="en-US"/>
-              <a:t>Advanced users may want to keep some functions hidden from users</a:t>
+              <a:t>Contains several fields used to specify information about the statistical package</a:t>
+            </a:r>
+          </a:p>
+          <a:p>
+            <a:r>
+              <a:rPr lang="en-US"/>
+              <a:t>Most important are:</a:t>
+            </a:r>
+          </a:p>
+          <a:p>
+            <a:pPr lvl="1"/>
+            <a:r>
+              <a:rPr lang="en-US"/>
+              <a:t>Package</a:t>
+            </a:r>
+          </a:p>
+          <a:p>
+            <a:pPr lvl="1"/>
+            <a:r>
+              <a:rPr lang="en-US"/>
+              <a:t>Depends</a:t>
+            </a:r>
+          </a:p>
+          <a:p>
+            <a:pPr lvl="1"/>
+            <a:r>
+              <a:rPr lang="en-US"/>
+              <a:t>Author</a:t>
             </a:r>
           </a:p>
           <a:p>
             <a:r>
               <a:rPr lang="en-US" sz="2000"/>
-              <a:t>http://cran.r-project.org/doc/manuals/R-exts.html#Package-namespaces</a:t>
+              <a:t>http://cran.r-project.org/doc/manuals/R-exts.html#The-DESCRIPTION-file</a:t>
             </a:r>
           </a:p>
         </p:txBody>
@@ -14891,7 +15000,7 @@
     </p:spTree>
     <p:extLst>
       <p:ext uri="{BB962C8B-B14F-4D97-AF65-F5344CB8AC3E}">
-        <p14:creationId xmlns:p14="http://schemas.microsoft.com/office/powerpoint/2010/main" val="19752076"/>
+        <p14:creationId xmlns:p14="http://schemas.microsoft.com/office/powerpoint/2010/main" xmlns:p="http://schemas.openxmlformats.org/presentationml/2006/main" xmlns:r="http://schemas.openxmlformats.org/officeDocument/2006/relationships" xmlns:a="http://schemas.openxmlformats.org/drawingml/2006/main" xmlns="" val="2872122745"/>
       </p:ext>
     </p:extLst>
   </p:cSld>
